--- a/docs/[JoyFitness] 전시회용 미니 게임_JoyRun.pptx
+++ b/docs/[JoyFitness] 전시회용 미니 게임_JoyRun.pptx
@@ -5,17 +5,19 @@
     <p:sldMasterId id="2147483648" r:id="rId1"/>
   </p:sldMasterIdLst>
   <p:notesMasterIdLst>
-    <p:notesMasterId r:id="rId10"/>
+    <p:notesMasterId r:id="rId12"/>
   </p:notesMasterIdLst>
   <p:sldIdLst>
     <p:sldId id="258" r:id="rId2"/>
-    <p:sldId id="634" r:id="rId3"/>
-    <p:sldId id="714" r:id="rId4"/>
-    <p:sldId id="715" r:id="rId5"/>
-    <p:sldId id="716" r:id="rId6"/>
-    <p:sldId id="717" r:id="rId7"/>
-    <p:sldId id="718" r:id="rId8"/>
-    <p:sldId id="719" r:id="rId9"/>
+    <p:sldId id="720" r:id="rId3"/>
+    <p:sldId id="634" r:id="rId4"/>
+    <p:sldId id="714" r:id="rId5"/>
+    <p:sldId id="715" r:id="rId6"/>
+    <p:sldId id="716" r:id="rId7"/>
+    <p:sldId id="717" r:id="rId8"/>
+    <p:sldId id="718" r:id="rId9"/>
+    <p:sldId id="719" r:id="rId10"/>
+    <p:sldId id="721" r:id="rId11"/>
   </p:sldIdLst>
   <p:sldSz cx="12192000" cy="6858000"/>
   <p:notesSz cx="6802438" cy="9934575"/>
@@ -3962,6 +3964,2888 @@
 </p:sld>
 </file>
 
+<file path=ppt/slides/slide10.xml><?xml version="1.0" encoding="utf-8"?>
+<p:sld xmlns:a="http://schemas.openxmlformats.org/drawingml/2006/main" xmlns:r="http://schemas.openxmlformats.org/officeDocument/2006/relationships" xmlns:p="http://schemas.openxmlformats.org/presentationml/2006/main">
+  <p:cSld>
+    <p:spTree>
+      <p:nvGrpSpPr>
+        <p:cNvPr id="1" name=""/>
+        <p:cNvGrpSpPr/>
+        <p:nvPr/>
+      </p:nvGrpSpPr>
+      <p:grpSpPr>
+        <a:xfrm>
+          <a:off x="0" y="0"/>
+          <a:ext cx="0" cy="0"/>
+          <a:chOff x="0" y="0"/>
+          <a:chExt cx="0" cy="0"/>
+        </a:xfrm>
+      </p:grpSpPr>
+      <p:grpSp>
+        <p:nvGrpSpPr>
+          <p:cNvPr id="5" name="Group 40">
+            <a:extLst>
+              <a:ext uri="{FF2B5EF4-FFF2-40B4-BE49-F238E27FC236}">
+                <a16:creationId xmlns:a16="http://schemas.microsoft.com/office/drawing/2014/main" id="{8F3030E2-8EAA-4572-B6F9-952E3E4F80EA}"/>
+              </a:ext>
+            </a:extLst>
+          </p:cNvPr>
+          <p:cNvGrpSpPr/>
+          <p:nvPr/>
+        </p:nvGrpSpPr>
+        <p:grpSpPr>
+          <a:xfrm>
+            <a:off x="301874" y="273668"/>
+            <a:ext cx="11541336" cy="383818"/>
+            <a:chOff x="301874" y="234760"/>
+            <a:chExt cx="11541336" cy="383818"/>
+          </a:xfrm>
+        </p:grpSpPr>
+        <p:sp>
+          <p:nvSpPr>
+            <p:cNvPr id="6" name="Freeform 41">
+              <a:extLst>
+                <a:ext uri="{FF2B5EF4-FFF2-40B4-BE49-F238E27FC236}">
+                  <a16:creationId xmlns:a16="http://schemas.microsoft.com/office/drawing/2014/main" id="{F1DB5A59-5E06-49DF-A4F6-6C873D0DE7E9}"/>
+                </a:ext>
+              </a:extLst>
+            </p:cNvPr>
+            <p:cNvSpPr/>
+            <p:nvPr/>
+          </p:nvSpPr>
+          <p:spPr>
+            <a:xfrm>
+              <a:off x="7417261" y="234760"/>
+              <a:ext cx="4425949" cy="380367"/>
+            </a:xfrm>
+            <a:custGeom>
+              <a:avLst/>
+              <a:gdLst>
+                <a:gd name="connsiteX0" fmla="*/ 0 w 4425949"/>
+                <a:gd name="connsiteY0" fmla="*/ 362367 h 380367"/>
+                <a:gd name="connsiteX1" fmla="*/ 4425949 w 4425949"/>
+                <a:gd name="connsiteY1" fmla="*/ 362367 h 380367"/>
+                <a:gd name="connsiteX2" fmla="*/ 4425949 w 4425949"/>
+                <a:gd name="connsiteY2" fmla="*/ 380367 h 380367"/>
+                <a:gd name="connsiteX3" fmla="*/ 0 w 4425949"/>
+                <a:gd name="connsiteY3" fmla="*/ 380367 h 380367"/>
+                <a:gd name="connsiteX4" fmla="*/ 4425949 w 4425949"/>
+                <a:gd name="connsiteY4" fmla="*/ 0 h 380367"/>
+                <a:gd name="connsiteX5" fmla="*/ 4425949 w 4425949"/>
+                <a:gd name="connsiteY5" fmla="*/ 293520 h 380367"/>
+                <a:gd name="connsiteX6" fmla="*/ 4425949 w 4425949"/>
+                <a:gd name="connsiteY6" fmla="*/ 293744 h 380367"/>
+                <a:gd name="connsiteX7" fmla="*/ 4425949 w 4425949"/>
+                <a:gd name="connsiteY7" fmla="*/ 347593 h 380367"/>
+                <a:gd name="connsiteX8" fmla="*/ 0 w 4425949"/>
+                <a:gd name="connsiteY8" fmla="*/ 347593 h 380367"/>
+                <a:gd name="connsiteX9" fmla="*/ 0 w 4425949"/>
+                <a:gd name="connsiteY9" fmla="*/ 293520 h 380367"/>
+                <a:gd name="connsiteX10" fmla="*/ 3445935 w 4425949"/>
+                <a:gd name="connsiteY10" fmla="*/ 293520 h 380367"/>
+                <a:gd name="connsiteX11" fmla="*/ 3445935 w 4425949"/>
+                <a:gd name="connsiteY11" fmla="*/ 248864 h 380367"/>
+                <a:gd name="connsiteX12" fmla="*/ 3509866 w 4425949"/>
+                <a:gd name="connsiteY12" fmla="*/ 235234 h 380367"/>
+                <a:gd name="connsiteX13" fmla="*/ 3509866 w 4425949"/>
+                <a:gd name="connsiteY13" fmla="*/ 293520 h 380367"/>
+                <a:gd name="connsiteX14" fmla="*/ 3547532 w 4425949"/>
+                <a:gd name="connsiteY14" fmla="*/ 293520 h 380367"/>
+                <a:gd name="connsiteX15" fmla="*/ 3547532 w 4425949"/>
+                <a:gd name="connsiteY15" fmla="*/ 220885 h 380367"/>
+                <a:gd name="connsiteX16" fmla="*/ 3613149 w 4425949"/>
+                <a:gd name="connsiteY16" fmla="*/ 206896 h 380367"/>
+                <a:gd name="connsiteX17" fmla="*/ 3613149 w 4425949"/>
+                <a:gd name="connsiteY17" fmla="*/ 293520 h 380367"/>
+                <a:gd name="connsiteX18" fmla="*/ 3649132 w 4425949"/>
+                <a:gd name="connsiteY18" fmla="*/ 293520 h 380367"/>
+                <a:gd name="connsiteX19" fmla="*/ 3649132 w 4425949"/>
+                <a:gd name="connsiteY19" fmla="*/ 192906 h 380367"/>
+                <a:gd name="connsiteX20" fmla="*/ 3714749 w 4425949"/>
+                <a:gd name="connsiteY20" fmla="*/ 178916 h 380367"/>
+                <a:gd name="connsiteX21" fmla="*/ 3714749 w 4425949"/>
+                <a:gd name="connsiteY21" fmla="*/ 293520 h 380367"/>
+                <a:gd name="connsiteX22" fmla="*/ 3750732 w 4425949"/>
+                <a:gd name="connsiteY22" fmla="*/ 293520 h 380367"/>
+                <a:gd name="connsiteX23" fmla="*/ 3750732 w 4425949"/>
+                <a:gd name="connsiteY23" fmla="*/ 164928 h 380367"/>
+                <a:gd name="connsiteX24" fmla="*/ 3814665 w 4425949"/>
+                <a:gd name="connsiteY24" fmla="*/ 151298 h 380367"/>
+                <a:gd name="connsiteX25" fmla="*/ 3814665 w 4425949"/>
+                <a:gd name="connsiteY25" fmla="*/ 293520 h 380367"/>
+                <a:gd name="connsiteX26" fmla="*/ 3852332 w 4425949"/>
+                <a:gd name="connsiteY26" fmla="*/ 293520 h 380367"/>
+                <a:gd name="connsiteX27" fmla="*/ 3852332 w 4425949"/>
+                <a:gd name="connsiteY27" fmla="*/ 136949 h 380367"/>
+                <a:gd name="connsiteX28" fmla="*/ 3916265 w 4425949"/>
+                <a:gd name="connsiteY28" fmla="*/ 123319 h 380367"/>
+                <a:gd name="connsiteX29" fmla="*/ 3916265 w 4425949"/>
+                <a:gd name="connsiteY29" fmla="*/ 293520 h 380367"/>
+                <a:gd name="connsiteX30" fmla="*/ 3953932 w 4425949"/>
+                <a:gd name="connsiteY30" fmla="*/ 293520 h 380367"/>
+                <a:gd name="connsiteX31" fmla="*/ 3953932 w 4425949"/>
+                <a:gd name="connsiteY31" fmla="*/ 108971 h 380367"/>
+                <a:gd name="connsiteX32" fmla="*/ 4019549 w 4425949"/>
+                <a:gd name="connsiteY32" fmla="*/ 94981 h 380367"/>
+                <a:gd name="connsiteX33" fmla="*/ 4019549 w 4425949"/>
+                <a:gd name="connsiteY33" fmla="*/ 293520 h 380367"/>
+                <a:gd name="connsiteX34" fmla="*/ 4055532 w 4425949"/>
+                <a:gd name="connsiteY34" fmla="*/ 293520 h 380367"/>
+                <a:gd name="connsiteX35" fmla="*/ 4055532 w 4425949"/>
+                <a:gd name="connsiteY35" fmla="*/ 80992 h 380367"/>
+                <a:gd name="connsiteX36" fmla="*/ 4121149 w 4425949"/>
+                <a:gd name="connsiteY36" fmla="*/ 67002 h 380367"/>
+                <a:gd name="connsiteX37" fmla="*/ 4121149 w 4425949"/>
+                <a:gd name="connsiteY37" fmla="*/ 293520 h 380367"/>
+                <a:gd name="connsiteX38" fmla="*/ 4157132 w 4425949"/>
+                <a:gd name="connsiteY38" fmla="*/ 293520 h 380367"/>
+                <a:gd name="connsiteX39" fmla="*/ 4157132 w 4425949"/>
+                <a:gd name="connsiteY39" fmla="*/ 53011 h 380367"/>
+                <a:gd name="connsiteX40" fmla="*/ 4222749 w 4425949"/>
+                <a:gd name="connsiteY40" fmla="*/ 39022 h 380367"/>
+                <a:gd name="connsiteX41" fmla="*/ 4222749 w 4425949"/>
+                <a:gd name="connsiteY41" fmla="*/ 293520 h 380367"/>
+                <a:gd name="connsiteX42" fmla="*/ 4258732 w 4425949"/>
+                <a:gd name="connsiteY42" fmla="*/ 293520 h 380367"/>
+                <a:gd name="connsiteX43" fmla="*/ 4258732 w 4425949"/>
+                <a:gd name="connsiteY43" fmla="*/ 25034 h 380367"/>
+                <a:gd name="connsiteX44" fmla="*/ 4324349 w 4425949"/>
+                <a:gd name="connsiteY44" fmla="*/ 11044 h 380367"/>
+                <a:gd name="connsiteX45" fmla="*/ 4324349 w 4425949"/>
+                <a:gd name="connsiteY45" fmla="*/ 293520 h 380367"/>
+                <a:gd name="connsiteX46" fmla="*/ 4360332 w 4425949"/>
+                <a:gd name="connsiteY46" fmla="*/ 293520 h 380367"/>
+                <a:gd name="connsiteX47" fmla="*/ 4360332 w 4425949"/>
+                <a:gd name="connsiteY47" fmla="*/ 2967 h 380367"/>
+              </a:gdLst>
+              <a:ahLst/>
+              <a:cxnLst>
+                <a:cxn ang="0">
+                  <a:pos x="connsiteX0" y="connsiteY0"/>
+                </a:cxn>
+                <a:cxn ang="0">
+                  <a:pos x="connsiteX1" y="connsiteY1"/>
+                </a:cxn>
+                <a:cxn ang="0">
+                  <a:pos x="connsiteX2" y="connsiteY2"/>
+                </a:cxn>
+                <a:cxn ang="0">
+                  <a:pos x="connsiteX3" y="connsiteY3"/>
+                </a:cxn>
+                <a:cxn ang="0">
+                  <a:pos x="connsiteX4" y="connsiteY4"/>
+                </a:cxn>
+                <a:cxn ang="0">
+                  <a:pos x="connsiteX5" y="connsiteY5"/>
+                </a:cxn>
+                <a:cxn ang="0">
+                  <a:pos x="connsiteX6" y="connsiteY6"/>
+                </a:cxn>
+                <a:cxn ang="0">
+                  <a:pos x="connsiteX7" y="connsiteY7"/>
+                </a:cxn>
+                <a:cxn ang="0">
+                  <a:pos x="connsiteX8" y="connsiteY8"/>
+                </a:cxn>
+                <a:cxn ang="0">
+                  <a:pos x="connsiteX9" y="connsiteY9"/>
+                </a:cxn>
+                <a:cxn ang="0">
+                  <a:pos x="connsiteX10" y="connsiteY10"/>
+                </a:cxn>
+                <a:cxn ang="0">
+                  <a:pos x="connsiteX11" y="connsiteY11"/>
+                </a:cxn>
+                <a:cxn ang="0">
+                  <a:pos x="connsiteX12" y="connsiteY12"/>
+                </a:cxn>
+                <a:cxn ang="0">
+                  <a:pos x="connsiteX13" y="connsiteY13"/>
+                </a:cxn>
+                <a:cxn ang="0">
+                  <a:pos x="connsiteX14" y="connsiteY14"/>
+                </a:cxn>
+                <a:cxn ang="0">
+                  <a:pos x="connsiteX15" y="connsiteY15"/>
+                </a:cxn>
+                <a:cxn ang="0">
+                  <a:pos x="connsiteX16" y="connsiteY16"/>
+                </a:cxn>
+                <a:cxn ang="0">
+                  <a:pos x="connsiteX17" y="connsiteY17"/>
+                </a:cxn>
+                <a:cxn ang="0">
+                  <a:pos x="connsiteX18" y="connsiteY18"/>
+                </a:cxn>
+                <a:cxn ang="0">
+                  <a:pos x="connsiteX19" y="connsiteY19"/>
+                </a:cxn>
+                <a:cxn ang="0">
+                  <a:pos x="connsiteX20" y="connsiteY20"/>
+                </a:cxn>
+                <a:cxn ang="0">
+                  <a:pos x="connsiteX21" y="connsiteY21"/>
+                </a:cxn>
+                <a:cxn ang="0">
+                  <a:pos x="connsiteX22" y="connsiteY22"/>
+                </a:cxn>
+                <a:cxn ang="0">
+                  <a:pos x="connsiteX23" y="connsiteY23"/>
+                </a:cxn>
+                <a:cxn ang="0">
+                  <a:pos x="connsiteX24" y="connsiteY24"/>
+                </a:cxn>
+                <a:cxn ang="0">
+                  <a:pos x="connsiteX25" y="connsiteY25"/>
+                </a:cxn>
+                <a:cxn ang="0">
+                  <a:pos x="connsiteX26" y="connsiteY26"/>
+                </a:cxn>
+                <a:cxn ang="0">
+                  <a:pos x="connsiteX27" y="connsiteY27"/>
+                </a:cxn>
+                <a:cxn ang="0">
+                  <a:pos x="connsiteX28" y="connsiteY28"/>
+                </a:cxn>
+                <a:cxn ang="0">
+                  <a:pos x="connsiteX29" y="connsiteY29"/>
+                </a:cxn>
+                <a:cxn ang="0">
+                  <a:pos x="connsiteX30" y="connsiteY30"/>
+                </a:cxn>
+                <a:cxn ang="0">
+                  <a:pos x="connsiteX31" y="connsiteY31"/>
+                </a:cxn>
+                <a:cxn ang="0">
+                  <a:pos x="connsiteX32" y="connsiteY32"/>
+                </a:cxn>
+                <a:cxn ang="0">
+                  <a:pos x="connsiteX33" y="connsiteY33"/>
+                </a:cxn>
+                <a:cxn ang="0">
+                  <a:pos x="connsiteX34" y="connsiteY34"/>
+                </a:cxn>
+                <a:cxn ang="0">
+                  <a:pos x="connsiteX35" y="connsiteY35"/>
+                </a:cxn>
+                <a:cxn ang="0">
+                  <a:pos x="connsiteX36" y="connsiteY36"/>
+                </a:cxn>
+                <a:cxn ang="0">
+                  <a:pos x="connsiteX37" y="connsiteY37"/>
+                </a:cxn>
+                <a:cxn ang="0">
+                  <a:pos x="connsiteX38" y="connsiteY38"/>
+                </a:cxn>
+                <a:cxn ang="0">
+                  <a:pos x="connsiteX39" y="connsiteY39"/>
+                </a:cxn>
+                <a:cxn ang="0">
+                  <a:pos x="connsiteX40" y="connsiteY40"/>
+                </a:cxn>
+                <a:cxn ang="0">
+                  <a:pos x="connsiteX41" y="connsiteY41"/>
+                </a:cxn>
+                <a:cxn ang="0">
+                  <a:pos x="connsiteX42" y="connsiteY42"/>
+                </a:cxn>
+                <a:cxn ang="0">
+                  <a:pos x="connsiteX43" y="connsiteY43"/>
+                </a:cxn>
+                <a:cxn ang="0">
+                  <a:pos x="connsiteX44" y="connsiteY44"/>
+                </a:cxn>
+                <a:cxn ang="0">
+                  <a:pos x="connsiteX45" y="connsiteY45"/>
+                </a:cxn>
+                <a:cxn ang="0">
+                  <a:pos x="connsiteX46" y="connsiteY46"/>
+                </a:cxn>
+                <a:cxn ang="0">
+                  <a:pos x="connsiteX47" y="connsiteY47"/>
+                </a:cxn>
+              </a:cxnLst>
+              <a:rect l="l" t="t" r="r" b="b"/>
+              <a:pathLst>
+                <a:path w="4425949" h="380367">
+                  <a:moveTo>
+                    <a:pt x="0" y="362367"/>
+                  </a:moveTo>
+                  <a:lnTo>
+                    <a:pt x="4425949" y="362367"/>
+                  </a:lnTo>
+                  <a:lnTo>
+                    <a:pt x="4425949" y="380367"/>
+                  </a:lnTo>
+                  <a:lnTo>
+                    <a:pt x="0" y="380367"/>
+                  </a:lnTo>
+                  <a:close/>
+                  <a:moveTo>
+                    <a:pt x="4425949" y="0"/>
+                  </a:moveTo>
+                  <a:lnTo>
+                    <a:pt x="4425949" y="293520"/>
+                  </a:lnTo>
+                  <a:lnTo>
+                    <a:pt x="4425949" y="293744"/>
+                  </a:lnTo>
+                  <a:lnTo>
+                    <a:pt x="4425949" y="347593"/>
+                  </a:lnTo>
+                  <a:lnTo>
+                    <a:pt x="0" y="347593"/>
+                  </a:lnTo>
+                  <a:lnTo>
+                    <a:pt x="0" y="293520"/>
+                  </a:lnTo>
+                  <a:lnTo>
+                    <a:pt x="3445935" y="293520"/>
+                  </a:lnTo>
+                  <a:lnTo>
+                    <a:pt x="3445935" y="248864"/>
+                  </a:lnTo>
+                  <a:lnTo>
+                    <a:pt x="3509866" y="235234"/>
+                  </a:lnTo>
+                  <a:lnTo>
+                    <a:pt x="3509866" y="293520"/>
+                  </a:lnTo>
+                  <a:lnTo>
+                    <a:pt x="3547532" y="293520"/>
+                  </a:lnTo>
+                  <a:lnTo>
+                    <a:pt x="3547532" y="220885"/>
+                  </a:lnTo>
+                  <a:lnTo>
+                    <a:pt x="3613149" y="206896"/>
+                  </a:lnTo>
+                  <a:lnTo>
+                    <a:pt x="3613149" y="293520"/>
+                  </a:lnTo>
+                  <a:lnTo>
+                    <a:pt x="3649132" y="293520"/>
+                  </a:lnTo>
+                  <a:lnTo>
+                    <a:pt x="3649132" y="192906"/>
+                  </a:lnTo>
+                  <a:lnTo>
+                    <a:pt x="3714749" y="178916"/>
+                  </a:lnTo>
+                  <a:lnTo>
+                    <a:pt x="3714749" y="293520"/>
+                  </a:lnTo>
+                  <a:lnTo>
+                    <a:pt x="3750732" y="293520"/>
+                  </a:lnTo>
+                  <a:lnTo>
+                    <a:pt x="3750732" y="164928"/>
+                  </a:lnTo>
+                  <a:lnTo>
+                    <a:pt x="3814665" y="151298"/>
+                  </a:lnTo>
+                  <a:lnTo>
+                    <a:pt x="3814665" y="293520"/>
+                  </a:lnTo>
+                  <a:lnTo>
+                    <a:pt x="3852332" y="293520"/>
+                  </a:lnTo>
+                  <a:lnTo>
+                    <a:pt x="3852332" y="136949"/>
+                  </a:lnTo>
+                  <a:lnTo>
+                    <a:pt x="3916265" y="123319"/>
+                  </a:lnTo>
+                  <a:lnTo>
+                    <a:pt x="3916265" y="293520"/>
+                  </a:lnTo>
+                  <a:lnTo>
+                    <a:pt x="3953932" y="293520"/>
+                  </a:lnTo>
+                  <a:lnTo>
+                    <a:pt x="3953932" y="108971"/>
+                  </a:lnTo>
+                  <a:lnTo>
+                    <a:pt x="4019549" y="94981"/>
+                  </a:lnTo>
+                  <a:lnTo>
+                    <a:pt x="4019549" y="293520"/>
+                  </a:lnTo>
+                  <a:lnTo>
+                    <a:pt x="4055532" y="293520"/>
+                  </a:lnTo>
+                  <a:lnTo>
+                    <a:pt x="4055532" y="80992"/>
+                  </a:lnTo>
+                  <a:lnTo>
+                    <a:pt x="4121149" y="67002"/>
+                  </a:lnTo>
+                  <a:lnTo>
+                    <a:pt x="4121149" y="293520"/>
+                  </a:lnTo>
+                  <a:lnTo>
+                    <a:pt x="4157132" y="293520"/>
+                  </a:lnTo>
+                  <a:lnTo>
+                    <a:pt x="4157132" y="53011"/>
+                  </a:lnTo>
+                  <a:lnTo>
+                    <a:pt x="4222749" y="39022"/>
+                  </a:lnTo>
+                  <a:lnTo>
+                    <a:pt x="4222749" y="293520"/>
+                  </a:lnTo>
+                  <a:lnTo>
+                    <a:pt x="4258732" y="293520"/>
+                  </a:lnTo>
+                  <a:lnTo>
+                    <a:pt x="4258732" y="25034"/>
+                  </a:lnTo>
+                  <a:lnTo>
+                    <a:pt x="4324349" y="11044"/>
+                  </a:lnTo>
+                  <a:lnTo>
+                    <a:pt x="4324349" y="293520"/>
+                  </a:lnTo>
+                  <a:lnTo>
+                    <a:pt x="4360332" y="293520"/>
+                  </a:lnTo>
+                  <a:lnTo>
+                    <a:pt x="4360332" y="2967"/>
+                  </a:lnTo>
+                  <a:close/>
+                </a:path>
+              </a:pathLst>
+            </a:custGeom>
+            <a:gradFill flip="none" rotWithShape="1">
+              <a:gsLst>
+                <a:gs pos="0">
+                  <a:schemeClr val="accent1">
+                    <a:lumMod val="5000"/>
+                    <a:lumOff val="95000"/>
+                  </a:schemeClr>
+                </a:gs>
+                <a:gs pos="80000">
+                  <a:schemeClr val="accent1">
+                    <a:lumMod val="45000"/>
+                    <a:lumOff val="55000"/>
+                  </a:schemeClr>
+                </a:gs>
+                <a:gs pos="92000">
+                  <a:schemeClr val="accent5">
+                    <a:lumMod val="60000"/>
+                    <a:lumOff val="40000"/>
+                  </a:schemeClr>
+                </a:gs>
+                <a:gs pos="100000">
+                  <a:srgbClr val="002060"/>
+                </a:gs>
+              </a:gsLst>
+              <a:lin ang="0" scaled="1"/>
+              <a:tileRect/>
+            </a:gradFill>
+            <a:ln>
+              <a:noFill/>
+            </a:ln>
+            <a:effectLst>
+              <a:outerShdw blurRad="50800" dist="38100" dir="2700000" algn="tl" rotWithShape="0">
+                <a:prstClr val="black">
+                  <a:alpha val="40000"/>
+                </a:prstClr>
+              </a:outerShdw>
+            </a:effectLst>
+          </p:spPr>
+          <p:style>
+            <a:lnRef idx="2">
+              <a:schemeClr val="accent1">
+                <a:shade val="50000"/>
+              </a:schemeClr>
+            </a:lnRef>
+            <a:fillRef idx="1">
+              <a:schemeClr val="accent1"/>
+            </a:fillRef>
+            <a:effectRef idx="0">
+              <a:schemeClr val="accent1"/>
+            </a:effectRef>
+            <a:fontRef idx="minor">
+              <a:schemeClr val="lt1"/>
+            </a:fontRef>
+          </p:style>
+          <p:txBody>
+            <a:bodyPr rtlCol="0" anchor="ctr"/>
+            <a:lstStyle/>
+            <a:p>
+              <a:pPr algn="ctr"/>
+              <a:endParaRPr lang="ko-KR" altLang="en-US" sz="1600"/>
+            </a:p>
+          </p:txBody>
+        </p:sp>
+        <p:grpSp>
+          <p:nvGrpSpPr>
+            <p:cNvPr id="7" name="Group 42">
+              <a:extLst>
+                <a:ext uri="{FF2B5EF4-FFF2-40B4-BE49-F238E27FC236}">
+                  <a16:creationId xmlns:a16="http://schemas.microsoft.com/office/drawing/2014/main" id="{FA4ADA6F-CA1E-425B-B350-4A752DA10249}"/>
+                </a:ext>
+              </a:extLst>
+            </p:cNvPr>
+            <p:cNvGrpSpPr/>
+            <p:nvPr/>
+          </p:nvGrpSpPr>
+          <p:grpSpPr>
+            <a:xfrm>
+              <a:off x="301874" y="289279"/>
+              <a:ext cx="7140326" cy="329299"/>
+              <a:chOff x="706582" y="590204"/>
+              <a:chExt cx="7054714" cy="329299"/>
+            </a:xfrm>
+          </p:grpSpPr>
+          <p:sp>
+            <p:nvSpPr>
+              <p:cNvPr id="8" name="Rectangle 43">
+                <a:extLst>
+                  <a:ext uri="{FF2B5EF4-FFF2-40B4-BE49-F238E27FC236}">
+                    <a16:creationId xmlns:a16="http://schemas.microsoft.com/office/drawing/2014/main" id="{AD552B6F-AE09-4498-AAC6-3DDEE00758E1}"/>
+                  </a:ext>
+                </a:extLst>
+              </p:cNvPr>
+              <p:cNvSpPr/>
+              <p:nvPr/>
+            </p:nvSpPr>
+            <p:spPr>
+              <a:xfrm>
+                <a:off x="706582" y="590204"/>
+                <a:ext cx="7054714" cy="329299"/>
+              </a:xfrm>
+              <a:prstGeom prst="rect">
+                <a:avLst/>
+              </a:prstGeom>
+              <a:gradFill>
+                <a:gsLst>
+                  <a:gs pos="0">
+                    <a:srgbClr val="002060"/>
+                  </a:gs>
+                  <a:gs pos="77000">
+                    <a:schemeClr val="accent5">
+                      <a:lumMod val="60000"/>
+                      <a:lumOff val="40000"/>
+                    </a:schemeClr>
+                  </a:gs>
+                  <a:gs pos="91000">
+                    <a:schemeClr val="accent5">
+                      <a:lumMod val="20000"/>
+                      <a:lumOff val="80000"/>
+                    </a:schemeClr>
+                  </a:gs>
+                  <a:gs pos="100000">
+                    <a:schemeClr val="bg1"/>
+                  </a:gs>
+                </a:gsLst>
+                <a:lin ang="0" scaled="1"/>
+              </a:gradFill>
+            </p:spPr>
+            <p:style>
+              <a:lnRef idx="0">
+                <a:schemeClr val="accent5"/>
+              </a:lnRef>
+              <a:fillRef idx="3">
+                <a:schemeClr val="accent5"/>
+              </a:fillRef>
+              <a:effectRef idx="3">
+                <a:schemeClr val="accent5"/>
+              </a:effectRef>
+              <a:fontRef idx="minor">
+                <a:schemeClr val="lt1"/>
+              </a:fontRef>
+            </p:style>
+            <p:txBody>
+              <a:bodyPr rtlCol="0" anchor="ctr"/>
+              <a:lstStyle/>
+              <a:p>
+                <a:r>
+                  <a:rPr lang="en-US" altLang="ko-KR" sz="1600" dirty="0">
+                    <a:solidFill>
+                      <a:srgbClr val="FFFF00"/>
+                    </a:solidFill>
+                  </a:rPr>
+                  <a:t>    </a:t>
+                </a:r>
+                <a:r>
+                  <a:rPr lang="ko-KR" altLang="en-US" sz="1600" dirty="0">
+                    <a:solidFill>
+                      <a:srgbClr val="FFFF00"/>
+                    </a:solidFill>
+                  </a:rPr>
+                  <a:t> 결과 화면</a:t>
+                </a:r>
+              </a:p>
+            </p:txBody>
+          </p:sp>
+          <p:sp>
+            <p:nvSpPr>
+              <p:cNvPr id="9" name="Flowchart: Off-page Connector 44">
+                <a:extLst>
+                  <a:ext uri="{FF2B5EF4-FFF2-40B4-BE49-F238E27FC236}">
+                    <a16:creationId xmlns:a16="http://schemas.microsoft.com/office/drawing/2014/main" id="{6CECF545-D984-4BFB-AD96-378C487A5EDE}"/>
+                  </a:ext>
+                </a:extLst>
+              </p:cNvPr>
+              <p:cNvSpPr/>
+              <p:nvPr/>
+            </p:nvSpPr>
+            <p:spPr>
+              <a:xfrm rot="16200000">
+                <a:off x="807469" y="639422"/>
+                <a:ext cx="200288" cy="230861"/>
+              </a:xfrm>
+              <a:prstGeom prst="flowChartOffpageConnector">
+                <a:avLst/>
+              </a:prstGeom>
+              <a:solidFill>
+                <a:srgbClr val="00B050"/>
+              </a:solidFill>
+              <a:ln>
+                <a:solidFill>
+                  <a:srgbClr val="92D050"/>
+                </a:solidFill>
+              </a:ln>
+              <a:scene3d>
+                <a:camera prst="orthographicFront"/>
+                <a:lightRig rig="threePt" dir="t"/>
+              </a:scene3d>
+              <a:sp3d>
+                <a:bevelT/>
+              </a:sp3d>
+            </p:spPr>
+            <p:style>
+              <a:lnRef idx="2">
+                <a:schemeClr val="accent1">
+                  <a:shade val="50000"/>
+                </a:schemeClr>
+              </a:lnRef>
+              <a:fillRef idx="1">
+                <a:schemeClr val="accent1"/>
+              </a:fillRef>
+              <a:effectRef idx="0">
+                <a:schemeClr val="accent1"/>
+              </a:effectRef>
+              <a:fontRef idx="minor">
+                <a:schemeClr val="lt1"/>
+              </a:fontRef>
+            </p:style>
+            <p:txBody>
+              <a:bodyPr rtlCol="0" anchor="ctr"/>
+              <a:lstStyle/>
+              <a:p>
+                <a:pPr algn="ctr"/>
+                <a:endParaRPr lang="ko-KR" altLang="en-US" sz="1600">
+                  <a:solidFill>
+                    <a:srgbClr val="FFFF00"/>
+                  </a:solidFill>
+                </a:endParaRPr>
+              </a:p>
+            </p:txBody>
+          </p:sp>
+        </p:grpSp>
+      </p:grpSp>
+      <p:sp>
+        <p:nvSpPr>
+          <p:cNvPr id="2" name="슬라이드 번호 개체 틀 1">
+            <a:extLst>
+              <a:ext uri="{FF2B5EF4-FFF2-40B4-BE49-F238E27FC236}">
+                <a16:creationId xmlns:a16="http://schemas.microsoft.com/office/drawing/2014/main" id="{B0F31537-57FD-4EB2-BABC-48813D001EA3}"/>
+              </a:ext>
+            </a:extLst>
+          </p:cNvPr>
+          <p:cNvSpPr>
+            <a:spLocks noGrp="1"/>
+          </p:cNvSpPr>
+          <p:nvPr>
+            <p:ph type="sldNum" sz="quarter" idx="12"/>
+          </p:nvPr>
+        </p:nvSpPr>
+        <p:spPr/>
+        <p:txBody>
+          <a:bodyPr/>
+          <a:lstStyle/>
+          <a:p>
+            <a:fld id="{A8E1BB39-725C-444B-809E-419522618855}" type="slidenum">
+              <a:rPr lang="ko-KR" altLang="en-US" smtClean="0"/>
+              <a:t>10</a:t>
+            </a:fld>
+            <a:endParaRPr lang="ko-KR" altLang="en-US"/>
+          </a:p>
+        </p:txBody>
+      </p:sp>
+      <p:pic>
+        <p:nvPicPr>
+          <p:cNvPr id="68" name="그림 67">
+            <a:extLst>
+              <a:ext uri="{FF2B5EF4-FFF2-40B4-BE49-F238E27FC236}">
+                <a16:creationId xmlns:a16="http://schemas.microsoft.com/office/drawing/2014/main" id="{B7937C1D-5236-423D-8FCD-311127C1A17C}"/>
+              </a:ext>
+            </a:extLst>
+          </p:cNvPr>
+          <p:cNvPicPr>
+            <a:picLocks noChangeAspect="1"/>
+          </p:cNvPicPr>
+          <p:nvPr/>
+        </p:nvPicPr>
+        <p:blipFill>
+          <a:blip r:embed="rId2"/>
+          <a:stretch>
+            <a:fillRect/>
+          </a:stretch>
+        </p:blipFill>
+        <p:spPr>
+          <a:xfrm>
+            <a:off x="628806" y="1104171"/>
+            <a:ext cx="4205009" cy="2389137"/>
+          </a:xfrm>
+          <a:prstGeom prst="rect">
+            <a:avLst/>
+          </a:prstGeom>
+        </p:spPr>
+      </p:pic>
+      <p:sp>
+        <p:nvSpPr>
+          <p:cNvPr id="69" name="직사각형 68">
+            <a:extLst>
+              <a:ext uri="{FF2B5EF4-FFF2-40B4-BE49-F238E27FC236}">
+                <a16:creationId xmlns:a16="http://schemas.microsoft.com/office/drawing/2014/main" id="{66136D6F-4830-471C-9029-8133259357AB}"/>
+              </a:ext>
+            </a:extLst>
+          </p:cNvPr>
+          <p:cNvSpPr/>
+          <p:nvPr/>
+        </p:nvSpPr>
+        <p:spPr>
+          <a:xfrm>
+            <a:off x="622176" y="3758211"/>
+            <a:ext cx="1143463" cy="231717"/>
+          </a:xfrm>
+          <a:prstGeom prst="rect">
+            <a:avLst/>
+          </a:prstGeom>
+          <a:solidFill>
+            <a:schemeClr val="accent4">
+              <a:lumMod val="20000"/>
+              <a:lumOff val="80000"/>
+            </a:schemeClr>
+          </a:solidFill>
+          <a:ln>
+            <a:solidFill>
+              <a:srgbClr val="FFC000"/>
+            </a:solidFill>
+          </a:ln>
+        </p:spPr>
+        <p:style>
+          <a:lnRef idx="2">
+            <a:schemeClr val="accent1">
+              <a:shade val="50000"/>
+            </a:schemeClr>
+          </a:lnRef>
+          <a:fillRef idx="1">
+            <a:schemeClr val="accent1"/>
+          </a:fillRef>
+          <a:effectRef idx="0">
+            <a:schemeClr val="accent1"/>
+          </a:effectRef>
+          <a:fontRef idx="minor">
+            <a:schemeClr val="lt1"/>
+          </a:fontRef>
+        </p:style>
+        <p:txBody>
+          <a:bodyPr vert="horz" rtlCol="0" anchor="ctr"/>
+          <a:lstStyle/>
+          <a:p>
+            <a:pPr algn="ctr"/>
+            <a:r>
+              <a:rPr lang="ko-KR" altLang="en-US" sz="1400" dirty="0">
+                <a:solidFill>
+                  <a:schemeClr val="tx1"/>
+                </a:solidFill>
+              </a:rPr>
+              <a:t>바닥 스크린</a:t>
+            </a:r>
+          </a:p>
+        </p:txBody>
+      </p:sp>
+      <p:sp>
+        <p:nvSpPr>
+          <p:cNvPr id="70" name="직사각형 69">
+            <a:extLst>
+              <a:ext uri="{FF2B5EF4-FFF2-40B4-BE49-F238E27FC236}">
+                <a16:creationId xmlns:a16="http://schemas.microsoft.com/office/drawing/2014/main" id="{BBE82503-8E01-4BBB-903E-B2F8E9E8EEA7}"/>
+              </a:ext>
+            </a:extLst>
+          </p:cNvPr>
+          <p:cNvSpPr/>
+          <p:nvPr/>
+        </p:nvSpPr>
+        <p:spPr>
+          <a:xfrm>
+            <a:off x="628806" y="874660"/>
+            <a:ext cx="1143463" cy="231717"/>
+          </a:xfrm>
+          <a:prstGeom prst="rect">
+            <a:avLst/>
+          </a:prstGeom>
+          <a:solidFill>
+            <a:schemeClr val="accent1">
+              <a:lumMod val="20000"/>
+              <a:lumOff val="80000"/>
+            </a:schemeClr>
+          </a:solidFill>
+        </p:spPr>
+        <p:style>
+          <a:lnRef idx="2">
+            <a:schemeClr val="accent1">
+              <a:shade val="50000"/>
+            </a:schemeClr>
+          </a:lnRef>
+          <a:fillRef idx="1">
+            <a:schemeClr val="accent1"/>
+          </a:fillRef>
+          <a:effectRef idx="0">
+            <a:schemeClr val="accent1"/>
+          </a:effectRef>
+          <a:fontRef idx="minor">
+            <a:schemeClr val="lt1"/>
+          </a:fontRef>
+        </p:style>
+        <p:txBody>
+          <a:bodyPr vert="horz" rtlCol="0" anchor="ctr"/>
+          <a:lstStyle/>
+          <a:p>
+            <a:pPr algn="ctr"/>
+            <a:r>
+              <a:rPr lang="ko-KR" altLang="en-US" sz="1400" dirty="0">
+                <a:solidFill>
+                  <a:schemeClr val="tx1"/>
+                </a:solidFill>
+              </a:rPr>
+              <a:t>전면 스크린</a:t>
+            </a:r>
+          </a:p>
+        </p:txBody>
+      </p:sp>
+      <p:pic>
+        <p:nvPicPr>
+          <p:cNvPr id="78" name="그림 77">
+            <a:extLst>
+              <a:ext uri="{FF2B5EF4-FFF2-40B4-BE49-F238E27FC236}">
+                <a16:creationId xmlns:a16="http://schemas.microsoft.com/office/drawing/2014/main" id="{0292206A-C739-4E50-8013-75E397BEDBBB}"/>
+              </a:ext>
+            </a:extLst>
+          </p:cNvPr>
+          <p:cNvPicPr>
+            <a:picLocks noChangeAspect="1"/>
+          </p:cNvPicPr>
+          <p:nvPr/>
+        </p:nvPicPr>
+        <p:blipFill>
+          <a:blip r:embed="rId3">
+            <a:extLst>
+              <a:ext uri="{28A0092B-C50C-407E-A947-70E740481C1C}">
+                <a14:useLocalDpi xmlns:a14="http://schemas.microsoft.com/office/drawing/2010/main" val="0"/>
+              </a:ext>
+            </a:extLst>
+          </a:blip>
+          <a:stretch>
+            <a:fillRect/>
+          </a:stretch>
+        </p:blipFill>
+        <p:spPr>
+          <a:xfrm>
+            <a:off x="628806" y="3973397"/>
+            <a:ext cx="4205009" cy="2382953"/>
+          </a:xfrm>
+          <a:prstGeom prst="rect">
+            <a:avLst/>
+          </a:prstGeom>
+          <a:ln>
+            <a:solidFill>
+              <a:schemeClr val="tx1"/>
+            </a:solidFill>
+          </a:ln>
+        </p:spPr>
+      </p:pic>
+      <p:pic>
+        <p:nvPicPr>
+          <p:cNvPr id="80" name="그림 79">
+            <a:extLst>
+              <a:ext uri="{FF2B5EF4-FFF2-40B4-BE49-F238E27FC236}">
+                <a16:creationId xmlns:a16="http://schemas.microsoft.com/office/drawing/2014/main" id="{62AF190F-954F-41B8-B785-D7372A0607F3}"/>
+              </a:ext>
+            </a:extLst>
+          </p:cNvPr>
+          <p:cNvPicPr>
+            <a:picLocks noChangeAspect="1"/>
+          </p:cNvPicPr>
+          <p:nvPr/>
+        </p:nvPicPr>
+        <p:blipFill>
+          <a:blip r:embed="rId4"/>
+          <a:stretch>
+            <a:fillRect/>
+          </a:stretch>
+        </p:blipFill>
+        <p:spPr>
+          <a:xfrm>
+            <a:off x="1264517" y="3991141"/>
+            <a:ext cx="2972054" cy="191731"/>
+          </a:xfrm>
+          <a:prstGeom prst="rect">
+            <a:avLst/>
+          </a:prstGeom>
+        </p:spPr>
+      </p:pic>
+      <p:pic>
+        <p:nvPicPr>
+          <p:cNvPr id="81" name="그림 80">
+            <a:extLst>
+              <a:ext uri="{FF2B5EF4-FFF2-40B4-BE49-F238E27FC236}">
+                <a16:creationId xmlns:a16="http://schemas.microsoft.com/office/drawing/2014/main" id="{C0406BC0-7FF8-4161-9DF8-95F120AD318F}"/>
+              </a:ext>
+            </a:extLst>
+          </p:cNvPr>
+          <p:cNvPicPr>
+            <a:picLocks noChangeAspect="1"/>
+          </p:cNvPicPr>
+          <p:nvPr/>
+        </p:nvPicPr>
+        <p:blipFill>
+          <a:blip r:embed="rId4"/>
+          <a:stretch>
+            <a:fillRect/>
+          </a:stretch>
+        </p:blipFill>
+        <p:spPr>
+          <a:xfrm>
+            <a:off x="666089" y="4003673"/>
+            <a:ext cx="4122682" cy="531004"/>
+          </a:xfrm>
+          <a:prstGeom prst="rect">
+            <a:avLst/>
+          </a:prstGeom>
+        </p:spPr>
+      </p:pic>
+      <p:pic>
+        <p:nvPicPr>
+          <p:cNvPr id="11" name="그림 10">
+            <a:extLst>
+              <a:ext uri="{FF2B5EF4-FFF2-40B4-BE49-F238E27FC236}">
+                <a16:creationId xmlns:a16="http://schemas.microsoft.com/office/drawing/2014/main" id="{9863527C-8960-4171-8FAA-0F4B9CA63F9F}"/>
+              </a:ext>
+            </a:extLst>
+          </p:cNvPr>
+          <p:cNvPicPr>
+            <a:picLocks noChangeAspect="1"/>
+          </p:cNvPicPr>
+          <p:nvPr/>
+        </p:nvPicPr>
+        <p:blipFill>
+          <a:blip r:embed="rId5"/>
+          <a:stretch>
+            <a:fillRect/>
+          </a:stretch>
+        </p:blipFill>
+        <p:spPr>
+          <a:xfrm>
+            <a:off x="705951" y="2875543"/>
+            <a:ext cx="2352675" cy="485775"/>
+          </a:xfrm>
+          <a:prstGeom prst="rect">
+            <a:avLst/>
+          </a:prstGeom>
+        </p:spPr>
+      </p:pic>
+      <p:pic>
+        <p:nvPicPr>
+          <p:cNvPr id="12" name="그림 11">
+            <a:extLst>
+              <a:ext uri="{FF2B5EF4-FFF2-40B4-BE49-F238E27FC236}">
+                <a16:creationId xmlns:a16="http://schemas.microsoft.com/office/drawing/2014/main" id="{089A9F1A-3B38-4FA2-BC4F-0FB288307870}"/>
+              </a:ext>
+            </a:extLst>
+          </p:cNvPr>
+          <p:cNvPicPr>
+            <a:picLocks noChangeAspect="1"/>
+          </p:cNvPicPr>
+          <p:nvPr/>
+        </p:nvPicPr>
+        <p:blipFill>
+          <a:blip r:embed="rId6"/>
+          <a:stretch>
+            <a:fillRect/>
+          </a:stretch>
+        </p:blipFill>
+        <p:spPr>
+          <a:xfrm>
+            <a:off x="705951" y="1278601"/>
+            <a:ext cx="2352675" cy="1638300"/>
+          </a:xfrm>
+          <a:prstGeom prst="rect">
+            <a:avLst/>
+          </a:prstGeom>
+        </p:spPr>
+      </p:pic>
+      <p:pic>
+        <p:nvPicPr>
+          <p:cNvPr id="14" name="그림 13">
+            <a:extLst>
+              <a:ext uri="{FF2B5EF4-FFF2-40B4-BE49-F238E27FC236}">
+                <a16:creationId xmlns:a16="http://schemas.microsoft.com/office/drawing/2014/main" id="{FBDC389A-7883-4351-8E9F-6741BA02F688}"/>
+              </a:ext>
+            </a:extLst>
+          </p:cNvPr>
+          <p:cNvPicPr>
+            <a:picLocks noChangeAspect="1"/>
+          </p:cNvPicPr>
+          <p:nvPr/>
+        </p:nvPicPr>
+        <p:blipFill>
+          <a:blip r:embed="rId7"/>
+          <a:stretch>
+            <a:fillRect/>
+          </a:stretch>
+        </p:blipFill>
+        <p:spPr>
+          <a:xfrm>
+            <a:off x="3116721" y="1258077"/>
+            <a:ext cx="1678679" cy="2170923"/>
+          </a:xfrm>
+          <a:prstGeom prst="rect">
+            <a:avLst/>
+          </a:prstGeom>
+        </p:spPr>
+      </p:pic>
+      <p:graphicFrame>
+        <p:nvGraphicFramePr>
+          <p:cNvPr id="19" name="표 18">
+            <a:extLst>
+              <a:ext uri="{FF2B5EF4-FFF2-40B4-BE49-F238E27FC236}">
+                <a16:creationId xmlns:a16="http://schemas.microsoft.com/office/drawing/2014/main" id="{21C2515C-A93C-4AFE-9CAE-46DDA5DDD64C}"/>
+              </a:ext>
+            </a:extLst>
+          </p:cNvPr>
+          <p:cNvGraphicFramePr>
+            <a:graphicFrameLocks noGrp="1"/>
+          </p:cNvGraphicFramePr>
+          <p:nvPr>
+            <p:extLst>
+              <p:ext uri="{D42A27DB-BD31-4B8C-83A1-F6EECF244321}">
+                <p14:modId xmlns:p14="http://schemas.microsoft.com/office/powerpoint/2010/main" val="4241778897"/>
+              </p:ext>
+            </p:extLst>
+          </p:nvPr>
+        </p:nvGraphicFramePr>
+        <p:xfrm>
+          <a:off x="5150840" y="1100722"/>
+          <a:ext cx="6692368" cy="4175760"/>
+        </p:xfrm>
+        <a:graphic>
+          <a:graphicData uri="http://schemas.openxmlformats.org/drawingml/2006/table">
+            <a:tbl>
+              <a:tblPr firstRow="1" bandRow="1">
+                <a:tableStyleId>{7DF18680-E054-41AD-8BC1-D1AEF772440D}</a:tableStyleId>
+              </a:tblPr>
+              <a:tblGrid>
+                <a:gridCol w="521776">
+                  <a:extLst>
+                    <a:ext uri="{9D8B030D-6E8A-4147-A177-3AD203B41FA5}">
+                      <a16:colId xmlns:a16="http://schemas.microsoft.com/office/drawing/2014/main" val="3603751452"/>
+                    </a:ext>
+                  </a:extLst>
+                </a:gridCol>
+                <a:gridCol w="1326998">
+                  <a:extLst>
+                    <a:ext uri="{9D8B030D-6E8A-4147-A177-3AD203B41FA5}">
+                      <a16:colId xmlns:a16="http://schemas.microsoft.com/office/drawing/2014/main" val="2609718321"/>
+                    </a:ext>
+                  </a:extLst>
+                </a:gridCol>
+                <a:gridCol w="3070915">
+                  <a:extLst>
+                    <a:ext uri="{9D8B030D-6E8A-4147-A177-3AD203B41FA5}">
+                      <a16:colId xmlns:a16="http://schemas.microsoft.com/office/drawing/2014/main" val="1667504126"/>
+                    </a:ext>
+                  </a:extLst>
+                </a:gridCol>
+                <a:gridCol w="1772679">
+                  <a:extLst>
+                    <a:ext uri="{9D8B030D-6E8A-4147-A177-3AD203B41FA5}">
+                      <a16:colId xmlns:a16="http://schemas.microsoft.com/office/drawing/2014/main" val="1806240342"/>
+                    </a:ext>
+                  </a:extLst>
+                </a:gridCol>
+              </a:tblGrid>
+              <a:tr h="137908">
+                <a:tc>
+                  <a:txBody>
+                    <a:bodyPr/>
+                    <a:lstStyle/>
+                    <a:p>
+                      <a:pPr algn="ctr" latinLnBrk="1"/>
+                      <a:r>
+                        <a:rPr lang="ko-KR" altLang="en-US" sz="1050" dirty="0"/>
+                        <a:t>번호</a:t>
+                      </a:r>
+                    </a:p>
+                  </a:txBody>
+                  <a:tcPr anchor="ctr"/>
+                </a:tc>
+                <a:tc>
+                  <a:txBody>
+                    <a:bodyPr/>
+                    <a:lstStyle/>
+                    <a:p>
+                      <a:pPr algn="ctr" latinLnBrk="1"/>
+                      <a:r>
+                        <a:rPr lang="ko-KR" altLang="en-US" sz="1200" dirty="0"/>
+                        <a:t>이름</a:t>
+                      </a:r>
+                    </a:p>
+                  </a:txBody>
+                  <a:tcPr anchor="ctr"/>
+                </a:tc>
+                <a:tc>
+                  <a:txBody>
+                    <a:bodyPr/>
+                    <a:lstStyle/>
+                    <a:p>
+                      <a:pPr marL="0" marR="0" lvl="0" indent="0" algn="ctr" defTabSz="914400" rtl="0" eaLnBrk="1" fontAlgn="auto" latinLnBrk="1" hangingPunct="1">
+                        <a:lnSpc>
+                          <a:spcPct val="100000"/>
+                        </a:lnSpc>
+                        <a:spcBef>
+                          <a:spcPts val="0"/>
+                        </a:spcBef>
+                        <a:spcAft>
+                          <a:spcPts val="0"/>
+                        </a:spcAft>
+                        <a:buClrTx/>
+                        <a:buSzTx/>
+                        <a:buFontTx/>
+                        <a:buNone/>
+                        <a:tabLst/>
+                        <a:defRPr/>
+                      </a:pPr>
+                      <a:r>
+                        <a:rPr lang="ko-KR" altLang="en-US" sz="1200" dirty="0"/>
+                        <a:t>설명</a:t>
+                      </a:r>
+                    </a:p>
+                  </a:txBody>
+                  <a:tcPr anchor="ctr"/>
+                </a:tc>
+                <a:tc>
+                  <a:txBody>
+                    <a:bodyPr/>
+                    <a:lstStyle/>
+                    <a:p>
+                      <a:pPr algn="ctr" latinLnBrk="1"/>
+                      <a:r>
+                        <a:rPr lang="ko-KR" altLang="en-US" sz="1200" dirty="0"/>
+                        <a:t>비고</a:t>
+                      </a:r>
+                    </a:p>
+                  </a:txBody>
+                  <a:tcPr anchor="ctr"/>
+                </a:tc>
+                <a:extLst>
+                  <a:ext uri="{0D108BD9-81ED-4DB2-BD59-A6C34878D82A}">
+                    <a16:rowId xmlns:a16="http://schemas.microsoft.com/office/drawing/2014/main" val="1030043679"/>
+                  </a:ext>
+                </a:extLst>
+              </a:tr>
+              <a:tr h="122585">
+                <a:tc>
+                  <a:txBody>
+                    <a:bodyPr/>
+                    <a:lstStyle/>
+                    <a:p>
+                      <a:pPr algn="ctr" latinLnBrk="1"/>
+                      <a:r>
+                        <a:rPr lang="en-US" altLang="ko-KR" sz="1000" dirty="0"/>
+                        <a:t>1</a:t>
+                      </a:r>
+                      <a:endParaRPr lang="ko-KR" altLang="en-US" sz="1000" dirty="0"/>
+                    </a:p>
+                  </a:txBody>
+                  <a:tcPr anchor="ctr"/>
+                </a:tc>
+                <a:tc>
+                  <a:txBody>
+                    <a:bodyPr/>
+                    <a:lstStyle/>
+                    <a:p>
+                      <a:pPr algn="l" latinLnBrk="1"/>
+                      <a:r>
+                        <a:rPr lang="ko-KR" altLang="en-US" sz="1000" dirty="0"/>
+                        <a:t>랭킹 표시 영역</a:t>
+                      </a:r>
+                    </a:p>
+                  </a:txBody>
+                  <a:tcPr anchor="ctr"/>
+                </a:tc>
+                <a:tc>
+                  <a:txBody>
+                    <a:bodyPr/>
+                    <a:lstStyle/>
+                    <a:p>
+                      <a:pPr algn="l" latinLnBrk="1"/>
+                      <a:r>
+                        <a:rPr lang="ko-KR" altLang="en-US" sz="1000" dirty="0"/>
+                        <a:t>랭킹 </a:t>
+                      </a:r>
+                      <a:r>
+                        <a:rPr lang="en-US" altLang="ko-KR" sz="1000" dirty="0"/>
+                        <a:t>UI</a:t>
+                      </a:r>
+                      <a:r>
+                        <a:rPr lang="ko-KR" altLang="en-US" sz="1000" dirty="0"/>
+                        <a:t>가 표시되는 영역이다</a:t>
+                      </a:r>
+                      <a:r>
+                        <a:rPr lang="en-US" altLang="ko-KR" sz="1000" dirty="0"/>
+                        <a:t>.</a:t>
+                      </a:r>
+                    </a:p>
+                  </a:txBody>
+                  <a:tcPr anchor="ctr"/>
+                </a:tc>
+                <a:tc>
+                  <a:txBody>
+                    <a:bodyPr/>
+                    <a:lstStyle/>
+                    <a:p>
+                      <a:pPr algn="l" latinLnBrk="1"/>
+                      <a:endParaRPr lang="ko-KR" altLang="en-US" sz="1000" dirty="0"/>
+                    </a:p>
+                  </a:txBody>
+                  <a:tcPr anchor="ctr"/>
+                </a:tc>
+                <a:extLst>
+                  <a:ext uri="{0D108BD9-81ED-4DB2-BD59-A6C34878D82A}">
+                    <a16:rowId xmlns:a16="http://schemas.microsoft.com/office/drawing/2014/main" val="1571209726"/>
+                  </a:ext>
+                </a:extLst>
+              </a:tr>
+              <a:tr h="199200">
+                <a:tc>
+                  <a:txBody>
+                    <a:bodyPr/>
+                    <a:lstStyle/>
+                    <a:p>
+                      <a:pPr algn="ctr" latinLnBrk="1"/>
+                      <a:r>
+                        <a:rPr lang="en-US" altLang="ko-KR" sz="1000" dirty="0"/>
+                        <a:t>2</a:t>
+                      </a:r>
+                      <a:endParaRPr lang="ko-KR" altLang="en-US" sz="1000" dirty="0"/>
+                    </a:p>
+                  </a:txBody>
+                  <a:tcPr anchor="ctr"/>
+                </a:tc>
+                <a:tc>
+                  <a:txBody>
+                    <a:bodyPr/>
+                    <a:lstStyle/>
+                    <a:p>
+                      <a:pPr algn="l" latinLnBrk="1"/>
+                      <a:r>
+                        <a:rPr lang="ko-KR" altLang="en-US" sz="1000" dirty="0"/>
+                        <a:t>랭킹 구분 표시</a:t>
+                      </a:r>
+                    </a:p>
+                  </a:txBody>
+                  <a:tcPr anchor="ctr"/>
+                </a:tc>
+                <a:tc>
+                  <a:txBody>
+                    <a:bodyPr/>
+                    <a:lstStyle/>
+                    <a:p>
+                      <a:pPr algn="l" latinLnBrk="1"/>
+                      <a:r>
+                        <a:rPr lang="ko-KR" altLang="en-US" sz="1000" dirty="0"/>
+                        <a:t>랭킹 </a:t>
+                      </a:r>
+                      <a:r>
+                        <a:rPr lang="en-US" altLang="ko-KR" sz="1000" dirty="0"/>
+                        <a:t>UI</a:t>
+                      </a:r>
+                      <a:r>
+                        <a:rPr lang="ko-KR" altLang="en-US" sz="1000" dirty="0"/>
+                        <a:t>의 상단 영역에 </a:t>
+                      </a:r>
+                      <a:r>
+                        <a:rPr lang="en-US" altLang="ko-KR" sz="1000" dirty="0"/>
+                        <a:t>‘</a:t>
+                      </a:r>
+                      <a:r>
+                        <a:rPr lang="ko-KR" altLang="en-US" sz="1000" dirty="0"/>
+                        <a:t>순위</a:t>
+                      </a:r>
+                      <a:r>
+                        <a:rPr lang="en-US" altLang="ko-KR" sz="1000" dirty="0"/>
+                        <a:t>, </a:t>
+                      </a:r>
+                      <a:r>
+                        <a:rPr lang="ko-KR" altLang="en-US" sz="1000" dirty="0"/>
+                        <a:t>포인트</a:t>
+                      </a:r>
+                      <a:r>
+                        <a:rPr lang="en-US" altLang="ko-KR" sz="1000" dirty="0"/>
+                        <a:t>(</a:t>
+                      </a:r>
+                      <a:r>
+                        <a:rPr lang="ko-KR" altLang="en-US" sz="1000" dirty="0"/>
+                        <a:t>점수</a:t>
+                      </a:r>
+                      <a:r>
+                        <a:rPr lang="en-US" altLang="ko-KR" sz="1000" dirty="0"/>
+                        <a:t>)’</a:t>
+                      </a:r>
+                      <a:r>
+                        <a:rPr lang="ko-KR" altLang="en-US" sz="1000" dirty="0"/>
+                        <a:t>가 표시된다</a:t>
+                      </a:r>
+                      <a:r>
+                        <a:rPr lang="en-US" altLang="ko-KR" sz="1000" dirty="0"/>
+                        <a:t>.</a:t>
+                      </a:r>
+                      <a:endParaRPr lang="ko-KR" altLang="en-US" sz="1000" dirty="0"/>
+                    </a:p>
+                  </a:txBody>
+                  <a:tcPr anchor="ctr"/>
+                </a:tc>
+                <a:tc>
+                  <a:txBody>
+                    <a:bodyPr/>
+                    <a:lstStyle/>
+                    <a:p>
+                      <a:pPr algn="l" latinLnBrk="1"/>
+                      <a:endParaRPr lang="ko-KR" altLang="en-US" sz="1000" dirty="0"/>
+                    </a:p>
+                  </a:txBody>
+                  <a:tcPr anchor="ctr"/>
+                </a:tc>
+                <a:extLst>
+                  <a:ext uri="{0D108BD9-81ED-4DB2-BD59-A6C34878D82A}">
+                    <a16:rowId xmlns:a16="http://schemas.microsoft.com/office/drawing/2014/main" val="1127776374"/>
+                  </a:ext>
+                </a:extLst>
+              </a:tr>
+              <a:tr h="121920">
+                <a:tc>
+                  <a:txBody>
+                    <a:bodyPr/>
+                    <a:lstStyle/>
+                    <a:p>
+                      <a:pPr algn="ctr" latinLnBrk="1"/>
+                      <a:r>
+                        <a:rPr lang="en-US" altLang="ko-KR" sz="1000" dirty="0"/>
+                        <a:t>3</a:t>
+                      </a:r>
+                      <a:endParaRPr lang="ko-KR" altLang="en-US" sz="1000" dirty="0"/>
+                    </a:p>
+                  </a:txBody>
+                  <a:tcPr anchor="ctr"/>
+                </a:tc>
+                <a:tc>
+                  <a:txBody>
+                    <a:bodyPr/>
+                    <a:lstStyle/>
+                    <a:p>
+                      <a:pPr algn="l" latinLnBrk="1"/>
+                      <a:r>
+                        <a:rPr lang="ko-KR" altLang="en-US" sz="1000" dirty="0"/>
+                        <a:t>순위 표시 영역</a:t>
+                      </a:r>
+                    </a:p>
+                  </a:txBody>
+                  <a:tcPr anchor="ctr"/>
+                </a:tc>
+                <a:tc>
+                  <a:txBody>
+                    <a:bodyPr/>
+                    <a:lstStyle/>
+                    <a:p>
+                      <a:pPr marL="0" marR="0" lvl="0" indent="0" algn="l" defTabSz="914400" rtl="0" eaLnBrk="1" fontAlgn="auto" latinLnBrk="1" hangingPunct="1">
+                        <a:lnSpc>
+                          <a:spcPct val="100000"/>
+                        </a:lnSpc>
+                        <a:spcBef>
+                          <a:spcPts val="0"/>
+                        </a:spcBef>
+                        <a:spcAft>
+                          <a:spcPts val="0"/>
+                        </a:spcAft>
+                        <a:buClrTx/>
+                        <a:buSzTx/>
+                        <a:buFontTx/>
+                        <a:buNone/>
+                        <a:tabLst/>
+                        <a:defRPr/>
+                      </a:pPr>
+                      <a:r>
+                        <a:rPr lang="ko-KR" altLang="en-US" sz="1000" dirty="0"/>
+                        <a:t>미니게임에 참여한 사용자들의 순위를 </a:t>
+                      </a:r>
+                      <a:r>
+                        <a:rPr lang="en-US" altLang="ko-KR" sz="1000" dirty="0"/>
+                        <a:t>1</a:t>
+                      </a:r>
+                      <a:r>
+                        <a:rPr lang="ko-KR" altLang="en-US" sz="1000" dirty="0"/>
+                        <a:t>위에서 </a:t>
+                      </a:r>
+                      <a:r>
+                        <a:rPr lang="en-US" altLang="ko-KR" sz="1000" dirty="0"/>
+                        <a:t>5</a:t>
+                      </a:r>
+                      <a:r>
+                        <a:rPr lang="ko-KR" altLang="en-US" sz="1000" dirty="0"/>
+                        <a:t>위까지 보여준다</a:t>
+                      </a:r>
+                      <a:r>
+                        <a:rPr lang="en-US" altLang="ko-KR" sz="1000" dirty="0"/>
+                        <a:t>.</a:t>
+                      </a:r>
+                    </a:p>
+                    <a:p>
+                      <a:pPr marL="0" marR="0" lvl="0" indent="0" algn="l" defTabSz="914400" rtl="0" eaLnBrk="1" fontAlgn="auto" latinLnBrk="1" hangingPunct="1">
+                        <a:lnSpc>
+                          <a:spcPct val="100000"/>
+                        </a:lnSpc>
+                        <a:spcBef>
+                          <a:spcPts val="0"/>
+                        </a:spcBef>
+                        <a:spcAft>
+                          <a:spcPts val="0"/>
+                        </a:spcAft>
+                        <a:buClrTx/>
+                        <a:buSzTx/>
+                        <a:buFontTx/>
+                        <a:buNone/>
+                        <a:tabLst/>
+                        <a:defRPr/>
+                      </a:pPr>
+                      <a:r>
+                        <a:rPr lang="ko-KR" altLang="en-US" sz="1000" dirty="0"/>
+                        <a:t>상하 스크롤이 되는 것을 보여주기 위하여 </a:t>
+                      </a:r>
+                    </a:p>
+                  </a:txBody>
+                  <a:tcPr anchor="ctr"/>
+                </a:tc>
+                <a:tc>
+                  <a:txBody>
+                    <a:bodyPr/>
+                    <a:lstStyle/>
+                    <a:p>
+                      <a:pPr algn="l" latinLnBrk="1"/>
+                      <a:endParaRPr lang="ko-KR" altLang="en-US" sz="1000" dirty="0"/>
+                    </a:p>
+                  </a:txBody>
+                  <a:tcPr anchor="ctr"/>
+                </a:tc>
+                <a:extLst>
+                  <a:ext uri="{0D108BD9-81ED-4DB2-BD59-A6C34878D82A}">
+                    <a16:rowId xmlns:a16="http://schemas.microsoft.com/office/drawing/2014/main" val="1444894945"/>
+                  </a:ext>
+                </a:extLst>
+              </a:tr>
+              <a:tr h="121920">
+                <a:tc>
+                  <a:txBody>
+                    <a:bodyPr/>
+                    <a:lstStyle/>
+                    <a:p>
+                      <a:pPr algn="ctr" latinLnBrk="1"/>
+                      <a:r>
+                        <a:rPr lang="en-US" altLang="ko-KR" sz="1000" dirty="0"/>
+                        <a:t>4</a:t>
+                      </a:r>
+                      <a:endParaRPr lang="ko-KR" altLang="en-US" sz="1000" dirty="0"/>
+                    </a:p>
+                  </a:txBody>
+                  <a:tcPr anchor="ctr"/>
+                </a:tc>
+                <a:tc>
+                  <a:txBody>
+                    <a:bodyPr/>
+                    <a:lstStyle/>
+                    <a:p>
+                      <a:pPr marL="0" marR="0" lvl="0" indent="0" algn="l" defTabSz="914400" rtl="0" eaLnBrk="1" fontAlgn="auto" latinLnBrk="1" hangingPunct="1">
+                        <a:lnSpc>
+                          <a:spcPct val="100000"/>
+                        </a:lnSpc>
+                        <a:spcBef>
+                          <a:spcPts val="0"/>
+                        </a:spcBef>
+                        <a:spcAft>
+                          <a:spcPts val="0"/>
+                        </a:spcAft>
+                        <a:buClrTx/>
+                        <a:buSzTx/>
+                        <a:buFontTx/>
+                        <a:buNone/>
+                        <a:tabLst/>
+                        <a:defRPr/>
+                      </a:pPr>
+                      <a:r>
+                        <a:rPr lang="ko-KR" altLang="en-US" sz="1000" dirty="0"/>
+                        <a:t>랭킹 템플릿</a:t>
+                      </a:r>
+                    </a:p>
+                  </a:txBody>
+                  <a:tcPr anchor="ctr"/>
+                </a:tc>
+                <a:tc>
+                  <a:txBody>
+                    <a:bodyPr/>
+                    <a:lstStyle/>
+                    <a:p>
+                      <a:pPr marL="0" marR="0" lvl="0" indent="0" algn="l" defTabSz="914400" rtl="0" eaLnBrk="1" fontAlgn="auto" latinLnBrk="1" hangingPunct="1">
+                        <a:lnSpc>
+                          <a:spcPct val="100000"/>
+                        </a:lnSpc>
+                        <a:spcBef>
+                          <a:spcPts val="0"/>
+                        </a:spcBef>
+                        <a:spcAft>
+                          <a:spcPts val="0"/>
+                        </a:spcAft>
+                        <a:buClrTx/>
+                        <a:buSzTx/>
+                        <a:buFontTx/>
+                        <a:buNone/>
+                        <a:tabLst/>
+                        <a:defRPr/>
+                      </a:pPr>
+                      <a:r>
+                        <a:rPr lang="ko-KR" altLang="en-US" sz="1000" dirty="0"/>
+                        <a:t>순위 표시 영역에 테이블 뷰</a:t>
+                      </a:r>
+                      <a:r>
+                        <a:rPr lang="en-US" altLang="ko-KR" sz="1000" dirty="0"/>
+                        <a:t>(Table View)</a:t>
+                      </a:r>
+                      <a:r>
+                        <a:rPr lang="ko-KR" altLang="en-US" sz="1000" dirty="0"/>
+                        <a:t> 형식으로 노출되는 템플릿을 말한다</a:t>
+                      </a:r>
+                      <a:r>
+                        <a:rPr lang="en-US" altLang="ko-KR" sz="1000" dirty="0"/>
+                        <a:t>. </a:t>
+                      </a:r>
+                      <a:r>
+                        <a:rPr lang="ko-KR" altLang="en-US" sz="1000" dirty="0"/>
+                        <a:t>테이블 </a:t>
+                      </a:r>
+                      <a:r>
+                        <a:rPr lang="ko-KR" altLang="en-US" sz="1000" dirty="0" err="1"/>
+                        <a:t>뷰란</a:t>
+                      </a:r>
+                      <a:r>
+                        <a:rPr lang="ko-KR" altLang="en-US" sz="1000" dirty="0"/>
+                        <a:t> 좌측의 예시처럼 순위가 표시되는 영역에 리스트업 형식으로 </a:t>
+                      </a:r>
+                      <a:r>
+                        <a:rPr lang="ko-KR" altLang="en-US" sz="1000" dirty="0" err="1"/>
+                        <a:t>목록화하여</a:t>
+                      </a:r>
+                      <a:r>
+                        <a:rPr lang="ko-KR" altLang="en-US" sz="1000" dirty="0"/>
+                        <a:t> 보여주는 것을 말한다</a:t>
+                      </a:r>
+                      <a:r>
+                        <a:rPr lang="en-US" altLang="ko-KR" sz="1000" dirty="0"/>
+                        <a:t>.</a:t>
+                      </a:r>
+                    </a:p>
+                    <a:p>
+                      <a:pPr marL="0" marR="0" lvl="0" indent="0" algn="l" defTabSz="914400" rtl="0" eaLnBrk="1" fontAlgn="auto" latinLnBrk="1" hangingPunct="1">
+                        <a:lnSpc>
+                          <a:spcPct val="100000"/>
+                        </a:lnSpc>
+                        <a:spcBef>
+                          <a:spcPts val="0"/>
+                        </a:spcBef>
+                        <a:spcAft>
+                          <a:spcPts val="0"/>
+                        </a:spcAft>
+                        <a:buClrTx/>
+                        <a:buSzTx/>
+                        <a:buFontTx/>
+                        <a:buNone/>
+                        <a:tabLst/>
+                        <a:defRPr/>
+                      </a:pPr>
+                      <a:endParaRPr lang="en-US" altLang="ko-KR" sz="1000" dirty="0"/>
+                    </a:p>
+                    <a:p>
+                      <a:pPr marL="0" marR="0" lvl="0" indent="0" algn="l" defTabSz="914400" rtl="0" eaLnBrk="1" fontAlgn="auto" latinLnBrk="1" hangingPunct="1">
+                        <a:lnSpc>
+                          <a:spcPct val="100000"/>
+                        </a:lnSpc>
+                        <a:spcBef>
+                          <a:spcPts val="0"/>
+                        </a:spcBef>
+                        <a:spcAft>
+                          <a:spcPts val="0"/>
+                        </a:spcAft>
+                        <a:buClrTx/>
+                        <a:buSzTx/>
+                        <a:buFontTx/>
+                        <a:buNone/>
+                        <a:tabLst/>
+                        <a:defRPr/>
+                      </a:pPr>
+                      <a:r>
+                        <a:rPr lang="ko-KR" altLang="en-US" sz="1000" dirty="0"/>
+                        <a:t>랭킹 템플릿에는 순위</a:t>
+                      </a:r>
+                    </a:p>
+                  </a:txBody>
+                  <a:tcPr anchor="ctr"/>
+                </a:tc>
+                <a:tc>
+                  <a:txBody>
+                    <a:bodyPr/>
+                    <a:lstStyle/>
+                    <a:p>
+                      <a:pPr algn="l" latinLnBrk="1"/>
+                      <a:endParaRPr lang="ko-KR" altLang="en-US" sz="1000" dirty="0"/>
+                    </a:p>
+                  </a:txBody>
+                  <a:tcPr anchor="ctr"/>
+                </a:tc>
+                <a:extLst>
+                  <a:ext uri="{0D108BD9-81ED-4DB2-BD59-A6C34878D82A}">
+                    <a16:rowId xmlns:a16="http://schemas.microsoft.com/office/drawing/2014/main" val="1592761626"/>
+                  </a:ext>
+                </a:extLst>
+              </a:tr>
+              <a:tr h="121920">
+                <a:tc>
+                  <a:txBody>
+                    <a:bodyPr/>
+                    <a:lstStyle/>
+                    <a:p>
+                      <a:pPr algn="ctr" latinLnBrk="1"/>
+                      <a:endParaRPr lang="ko-KR" altLang="en-US" sz="1000" dirty="0"/>
+                    </a:p>
+                  </a:txBody>
+                  <a:tcPr anchor="ctr"/>
+                </a:tc>
+                <a:tc>
+                  <a:txBody>
+                    <a:bodyPr/>
+                    <a:lstStyle/>
+                    <a:p>
+                      <a:pPr algn="l" latinLnBrk="1"/>
+                      <a:endParaRPr lang="ko-KR" altLang="en-US" sz="1000" dirty="0"/>
+                    </a:p>
+                  </a:txBody>
+                  <a:tcPr anchor="ctr"/>
+                </a:tc>
+                <a:tc>
+                  <a:txBody>
+                    <a:bodyPr/>
+                    <a:lstStyle/>
+                    <a:p>
+                      <a:pPr marL="0" marR="0" lvl="0" indent="0" algn="l" defTabSz="914400" rtl="0" eaLnBrk="1" fontAlgn="auto" latinLnBrk="1" hangingPunct="1">
+                        <a:lnSpc>
+                          <a:spcPct val="100000"/>
+                        </a:lnSpc>
+                        <a:spcBef>
+                          <a:spcPts val="0"/>
+                        </a:spcBef>
+                        <a:spcAft>
+                          <a:spcPts val="0"/>
+                        </a:spcAft>
+                        <a:buClrTx/>
+                        <a:buSzTx/>
+                        <a:buFontTx/>
+                        <a:buNone/>
+                        <a:tabLst/>
+                        <a:defRPr/>
+                      </a:pPr>
+                      <a:endParaRPr lang="ko-KR" altLang="en-US" sz="1000" dirty="0"/>
+                    </a:p>
+                  </a:txBody>
+                  <a:tcPr anchor="ctr"/>
+                </a:tc>
+                <a:tc>
+                  <a:txBody>
+                    <a:bodyPr/>
+                    <a:lstStyle/>
+                    <a:p>
+                      <a:pPr algn="l" latinLnBrk="1"/>
+                      <a:endParaRPr lang="ko-KR" altLang="en-US" sz="1000" dirty="0"/>
+                    </a:p>
+                  </a:txBody>
+                  <a:tcPr anchor="ctr"/>
+                </a:tc>
+                <a:extLst>
+                  <a:ext uri="{0D108BD9-81ED-4DB2-BD59-A6C34878D82A}">
+                    <a16:rowId xmlns:a16="http://schemas.microsoft.com/office/drawing/2014/main" val="1106619967"/>
+                  </a:ext>
+                </a:extLst>
+              </a:tr>
+              <a:tr h="182880">
+                <a:tc>
+                  <a:txBody>
+                    <a:bodyPr/>
+                    <a:lstStyle/>
+                    <a:p>
+                      <a:pPr algn="ctr" latinLnBrk="1"/>
+                      <a:endParaRPr lang="ko-KR" altLang="en-US" sz="1000" dirty="0"/>
+                    </a:p>
+                  </a:txBody>
+                  <a:tcPr anchor="ctr"/>
+                </a:tc>
+                <a:tc>
+                  <a:txBody>
+                    <a:bodyPr/>
+                    <a:lstStyle/>
+                    <a:p>
+                      <a:pPr algn="l" latinLnBrk="1"/>
+                      <a:endParaRPr lang="en-US" altLang="ko-KR" sz="1000" dirty="0"/>
+                    </a:p>
+                  </a:txBody>
+                  <a:tcPr anchor="ctr"/>
+                </a:tc>
+                <a:tc>
+                  <a:txBody>
+                    <a:bodyPr/>
+                    <a:lstStyle/>
+                    <a:p>
+                      <a:pPr marL="0" marR="0" lvl="0" indent="0" algn="l" defTabSz="914400" rtl="0" eaLnBrk="1" fontAlgn="auto" latinLnBrk="1" hangingPunct="1">
+                        <a:lnSpc>
+                          <a:spcPct val="100000"/>
+                        </a:lnSpc>
+                        <a:spcBef>
+                          <a:spcPts val="0"/>
+                        </a:spcBef>
+                        <a:spcAft>
+                          <a:spcPts val="0"/>
+                        </a:spcAft>
+                        <a:buClrTx/>
+                        <a:buSzTx/>
+                        <a:buFontTx/>
+                        <a:buNone/>
+                        <a:tabLst/>
+                        <a:defRPr/>
+                      </a:pPr>
+                      <a:endParaRPr lang="ko-KR" altLang="en-US" sz="1000" dirty="0"/>
+                    </a:p>
+                  </a:txBody>
+                  <a:tcPr anchor="ctr"/>
+                </a:tc>
+                <a:tc>
+                  <a:txBody>
+                    <a:bodyPr/>
+                    <a:lstStyle/>
+                    <a:p>
+                      <a:pPr marL="0" marR="0" lvl="0" indent="0" algn="l" defTabSz="914400" rtl="0" eaLnBrk="1" fontAlgn="auto" latinLnBrk="1" hangingPunct="1">
+                        <a:lnSpc>
+                          <a:spcPct val="100000"/>
+                        </a:lnSpc>
+                        <a:spcBef>
+                          <a:spcPts val="0"/>
+                        </a:spcBef>
+                        <a:spcAft>
+                          <a:spcPts val="0"/>
+                        </a:spcAft>
+                        <a:buClrTx/>
+                        <a:buSzTx/>
+                        <a:buFontTx/>
+                        <a:buNone/>
+                        <a:tabLst/>
+                        <a:defRPr/>
+                      </a:pPr>
+                      <a:endParaRPr lang="en-US" altLang="ko-KR" sz="1000" dirty="0"/>
+                    </a:p>
+                  </a:txBody>
+                  <a:tcPr anchor="ctr"/>
+                </a:tc>
+                <a:extLst>
+                  <a:ext uri="{0D108BD9-81ED-4DB2-BD59-A6C34878D82A}">
+                    <a16:rowId xmlns:a16="http://schemas.microsoft.com/office/drawing/2014/main" val="4091270473"/>
+                  </a:ext>
+                </a:extLst>
+              </a:tr>
+              <a:tr h="365760">
+                <a:tc>
+                  <a:txBody>
+                    <a:bodyPr/>
+                    <a:lstStyle/>
+                    <a:p>
+                      <a:pPr algn="ctr" latinLnBrk="1"/>
+                      <a:endParaRPr lang="ko-KR" altLang="en-US" sz="1000" dirty="0"/>
+                    </a:p>
+                  </a:txBody>
+                  <a:tcPr anchor="ctr"/>
+                </a:tc>
+                <a:tc>
+                  <a:txBody>
+                    <a:bodyPr/>
+                    <a:lstStyle/>
+                    <a:p>
+                      <a:pPr algn="l" latinLnBrk="1"/>
+                      <a:endParaRPr lang="en-US" altLang="ko-KR" sz="1000" dirty="0"/>
+                    </a:p>
+                  </a:txBody>
+                  <a:tcPr anchor="ctr"/>
+                </a:tc>
+                <a:tc>
+                  <a:txBody>
+                    <a:bodyPr/>
+                    <a:lstStyle/>
+                    <a:p>
+                      <a:pPr marL="0" marR="0" lvl="0" indent="0" algn="l" defTabSz="914400" rtl="0" eaLnBrk="1" fontAlgn="auto" latinLnBrk="1" hangingPunct="1">
+                        <a:lnSpc>
+                          <a:spcPct val="100000"/>
+                        </a:lnSpc>
+                        <a:spcBef>
+                          <a:spcPts val="0"/>
+                        </a:spcBef>
+                        <a:spcAft>
+                          <a:spcPts val="0"/>
+                        </a:spcAft>
+                        <a:buClrTx/>
+                        <a:buSzTx/>
+                        <a:buFontTx/>
+                        <a:buNone/>
+                        <a:tabLst/>
+                        <a:defRPr/>
+                      </a:pPr>
+                      <a:endParaRPr lang="ko-KR" altLang="en-US" sz="1000" dirty="0"/>
+                    </a:p>
+                  </a:txBody>
+                  <a:tcPr anchor="ctr"/>
+                </a:tc>
+                <a:tc>
+                  <a:txBody>
+                    <a:bodyPr/>
+                    <a:lstStyle/>
+                    <a:p>
+                      <a:pPr marL="0" marR="0" lvl="0" indent="0" algn="l" defTabSz="914400" rtl="0" eaLnBrk="1" fontAlgn="auto" latinLnBrk="1" hangingPunct="1">
+                        <a:lnSpc>
+                          <a:spcPct val="100000"/>
+                        </a:lnSpc>
+                        <a:spcBef>
+                          <a:spcPts val="0"/>
+                        </a:spcBef>
+                        <a:spcAft>
+                          <a:spcPts val="0"/>
+                        </a:spcAft>
+                        <a:buClrTx/>
+                        <a:buSzTx/>
+                        <a:buFontTx/>
+                        <a:buNone/>
+                        <a:tabLst/>
+                        <a:defRPr/>
+                      </a:pPr>
+                      <a:endParaRPr lang="en-US" altLang="ko-KR" sz="1000" dirty="0"/>
+                    </a:p>
+                  </a:txBody>
+                  <a:tcPr anchor="ctr"/>
+                </a:tc>
+                <a:extLst>
+                  <a:ext uri="{0D108BD9-81ED-4DB2-BD59-A6C34878D82A}">
+                    <a16:rowId xmlns:a16="http://schemas.microsoft.com/office/drawing/2014/main" val="2776667099"/>
+                  </a:ext>
+                </a:extLst>
+              </a:tr>
+              <a:tr h="182880">
+                <a:tc>
+                  <a:txBody>
+                    <a:bodyPr/>
+                    <a:lstStyle/>
+                    <a:p>
+                      <a:pPr algn="ctr" latinLnBrk="1"/>
+                      <a:endParaRPr lang="ko-KR" altLang="en-US" sz="1000" dirty="0"/>
+                    </a:p>
+                  </a:txBody>
+                  <a:tcPr anchor="ctr"/>
+                </a:tc>
+                <a:tc>
+                  <a:txBody>
+                    <a:bodyPr/>
+                    <a:lstStyle/>
+                    <a:p>
+                      <a:pPr algn="l" latinLnBrk="1"/>
+                      <a:endParaRPr lang="en-US" altLang="ko-KR" sz="1000" dirty="0"/>
+                    </a:p>
+                  </a:txBody>
+                  <a:tcPr anchor="ctr"/>
+                </a:tc>
+                <a:tc>
+                  <a:txBody>
+                    <a:bodyPr/>
+                    <a:lstStyle/>
+                    <a:p>
+                      <a:pPr marL="0" marR="0" lvl="0" indent="0" algn="l" defTabSz="914400" rtl="0" eaLnBrk="1" fontAlgn="auto" latinLnBrk="1" hangingPunct="1">
+                        <a:lnSpc>
+                          <a:spcPct val="100000"/>
+                        </a:lnSpc>
+                        <a:spcBef>
+                          <a:spcPts val="0"/>
+                        </a:spcBef>
+                        <a:spcAft>
+                          <a:spcPts val="0"/>
+                        </a:spcAft>
+                        <a:buClrTx/>
+                        <a:buSzTx/>
+                        <a:buFontTx/>
+                        <a:buNone/>
+                        <a:tabLst/>
+                        <a:defRPr/>
+                      </a:pPr>
+                      <a:endParaRPr lang="ko-KR" altLang="en-US" sz="1000" dirty="0"/>
+                    </a:p>
+                  </a:txBody>
+                  <a:tcPr anchor="ctr"/>
+                </a:tc>
+                <a:tc>
+                  <a:txBody>
+                    <a:bodyPr/>
+                    <a:lstStyle/>
+                    <a:p>
+                      <a:pPr marL="0" marR="0" lvl="0" indent="0" algn="l" defTabSz="914400" rtl="0" eaLnBrk="1" fontAlgn="auto" latinLnBrk="1" hangingPunct="1">
+                        <a:lnSpc>
+                          <a:spcPct val="100000"/>
+                        </a:lnSpc>
+                        <a:spcBef>
+                          <a:spcPts val="0"/>
+                        </a:spcBef>
+                        <a:spcAft>
+                          <a:spcPts val="0"/>
+                        </a:spcAft>
+                        <a:buClrTx/>
+                        <a:buSzTx/>
+                        <a:buFontTx/>
+                        <a:buNone/>
+                        <a:tabLst/>
+                        <a:defRPr/>
+                      </a:pPr>
+                      <a:endParaRPr lang="en-US" altLang="ko-KR" sz="1000" dirty="0"/>
+                    </a:p>
+                  </a:txBody>
+                  <a:tcPr anchor="ctr"/>
+                </a:tc>
+                <a:extLst>
+                  <a:ext uri="{0D108BD9-81ED-4DB2-BD59-A6C34878D82A}">
+                    <a16:rowId xmlns:a16="http://schemas.microsoft.com/office/drawing/2014/main" val="2670889160"/>
+                  </a:ext>
+                </a:extLst>
+              </a:tr>
+              <a:tr h="365760">
+                <a:tc>
+                  <a:txBody>
+                    <a:bodyPr/>
+                    <a:lstStyle/>
+                    <a:p>
+                      <a:pPr algn="ctr" latinLnBrk="1"/>
+                      <a:endParaRPr lang="ko-KR" altLang="en-US" sz="1000" dirty="0"/>
+                    </a:p>
+                  </a:txBody>
+                  <a:tcPr anchor="ctr"/>
+                </a:tc>
+                <a:tc>
+                  <a:txBody>
+                    <a:bodyPr/>
+                    <a:lstStyle/>
+                    <a:p>
+                      <a:pPr algn="l" latinLnBrk="1"/>
+                      <a:endParaRPr lang="en-US" altLang="ko-KR" sz="1000" dirty="0"/>
+                    </a:p>
+                  </a:txBody>
+                  <a:tcPr anchor="ctr"/>
+                </a:tc>
+                <a:tc>
+                  <a:txBody>
+                    <a:bodyPr/>
+                    <a:lstStyle/>
+                    <a:p>
+                      <a:pPr marL="0" marR="0" lvl="0" indent="0" algn="l" defTabSz="914400" rtl="0" eaLnBrk="1" fontAlgn="auto" latinLnBrk="1" hangingPunct="1">
+                        <a:lnSpc>
+                          <a:spcPct val="100000"/>
+                        </a:lnSpc>
+                        <a:spcBef>
+                          <a:spcPts val="0"/>
+                        </a:spcBef>
+                        <a:spcAft>
+                          <a:spcPts val="0"/>
+                        </a:spcAft>
+                        <a:buClrTx/>
+                        <a:buSzTx/>
+                        <a:buFontTx/>
+                        <a:buNone/>
+                        <a:tabLst/>
+                        <a:defRPr/>
+                      </a:pPr>
+                      <a:endParaRPr lang="ko-KR" altLang="en-US" sz="1000" dirty="0"/>
+                    </a:p>
+                  </a:txBody>
+                  <a:tcPr anchor="ctr"/>
+                </a:tc>
+                <a:tc>
+                  <a:txBody>
+                    <a:bodyPr/>
+                    <a:lstStyle/>
+                    <a:p>
+                      <a:pPr marL="0" marR="0" lvl="0" indent="0" algn="l" defTabSz="914400" rtl="0" eaLnBrk="1" fontAlgn="auto" latinLnBrk="1" hangingPunct="1">
+                        <a:lnSpc>
+                          <a:spcPct val="100000"/>
+                        </a:lnSpc>
+                        <a:spcBef>
+                          <a:spcPts val="0"/>
+                        </a:spcBef>
+                        <a:spcAft>
+                          <a:spcPts val="0"/>
+                        </a:spcAft>
+                        <a:buClrTx/>
+                        <a:buSzTx/>
+                        <a:buFontTx/>
+                        <a:buNone/>
+                        <a:tabLst/>
+                        <a:defRPr/>
+                      </a:pPr>
+                      <a:endParaRPr lang="en-US" altLang="ko-KR" sz="1000" dirty="0"/>
+                    </a:p>
+                  </a:txBody>
+                  <a:tcPr anchor="ctr"/>
+                </a:tc>
+                <a:extLst>
+                  <a:ext uri="{0D108BD9-81ED-4DB2-BD59-A6C34878D82A}">
+                    <a16:rowId xmlns:a16="http://schemas.microsoft.com/office/drawing/2014/main" val="3077181478"/>
+                  </a:ext>
+                </a:extLst>
+              </a:tr>
+              <a:tr h="182880">
+                <a:tc>
+                  <a:txBody>
+                    <a:bodyPr/>
+                    <a:lstStyle/>
+                    <a:p>
+                      <a:pPr algn="ctr" latinLnBrk="1"/>
+                      <a:endParaRPr lang="ko-KR" altLang="en-US" sz="1000" dirty="0"/>
+                    </a:p>
+                  </a:txBody>
+                  <a:tcPr anchor="ctr"/>
+                </a:tc>
+                <a:tc>
+                  <a:txBody>
+                    <a:bodyPr/>
+                    <a:lstStyle/>
+                    <a:p>
+                      <a:pPr algn="l" latinLnBrk="1"/>
+                      <a:endParaRPr lang="en-US" altLang="ko-KR" sz="1000" dirty="0"/>
+                    </a:p>
+                  </a:txBody>
+                  <a:tcPr anchor="ctr"/>
+                </a:tc>
+                <a:tc>
+                  <a:txBody>
+                    <a:bodyPr/>
+                    <a:lstStyle/>
+                    <a:p>
+                      <a:pPr marL="0" marR="0" lvl="0" indent="0" algn="l" defTabSz="914400" rtl="0" eaLnBrk="1" fontAlgn="auto" latinLnBrk="1" hangingPunct="1">
+                        <a:lnSpc>
+                          <a:spcPct val="100000"/>
+                        </a:lnSpc>
+                        <a:spcBef>
+                          <a:spcPts val="0"/>
+                        </a:spcBef>
+                        <a:spcAft>
+                          <a:spcPts val="0"/>
+                        </a:spcAft>
+                        <a:buClrTx/>
+                        <a:buSzTx/>
+                        <a:buFontTx/>
+                        <a:buNone/>
+                        <a:tabLst/>
+                        <a:defRPr/>
+                      </a:pPr>
+                      <a:endParaRPr lang="ko-KR" altLang="en-US" sz="1000" dirty="0"/>
+                    </a:p>
+                  </a:txBody>
+                  <a:tcPr anchor="ctr"/>
+                </a:tc>
+                <a:tc>
+                  <a:txBody>
+                    <a:bodyPr/>
+                    <a:lstStyle/>
+                    <a:p>
+                      <a:pPr marL="0" marR="0" lvl="0" indent="0" algn="l" defTabSz="914400" rtl="0" eaLnBrk="1" fontAlgn="auto" latinLnBrk="1" hangingPunct="1">
+                        <a:lnSpc>
+                          <a:spcPct val="100000"/>
+                        </a:lnSpc>
+                        <a:spcBef>
+                          <a:spcPts val="0"/>
+                        </a:spcBef>
+                        <a:spcAft>
+                          <a:spcPts val="0"/>
+                        </a:spcAft>
+                        <a:buClrTx/>
+                        <a:buSzTx/>
+                        <a:buFontTx/>
+                        <a:buNone/>
+                        <a:tabLst/>
+                        <a:defRPr/>
+                      </a:pPr>
+                      <a:endParaRPr lang="en-US" altLang="ko-KR" sz="1000" dirty="0"/>
+                    </a:p>
+                  </a:txBody>
+                  <a:tcPr anchor="ctr"/>
+                </a:tc>
+                <a:extLst>
+                  <a:ext uri="{0D108BD9-81ED-4DB2-BD59-A6C34878D82A}">
+                    <a16:rowId xmlns:a16="http://schemas.microsoft.com/office/drawing/2014/main" val="929894201"/>
+                  </a:ext>
+                </a:extLst>
+              </a:tr>
+            </a:tbl>
+          </a:graphicData>
+        </a:graphic>
+      </p:graphicFrame>
+      <p:sp>
+        <p:nvSpPr>
+          <p:cNvPr id="4" name="사각형: 둥근 모서리 3">
+            <a:extLst>
+              <a:ext uri="{FF2B5EF4-FFF2-40B4-BE49-F238E27FC236}">
+                <a16:creationId xmlns:a16="http://schemas.microsoft.com/office/drawing/2014/main" id="{B461EB2A-35F8-4981-87EE-300649418F70}"/>
+              </a:ext>
+            </a:extLst>
+          </p:cNvPr>
+          <p:cNvSpPr/>
+          <p:nvPr/>
+        </p:nvSpPr>
+        <p:spPr>
+          <a:xfrm>
+            <a:off x="666089" y="1277388"/>
+            <a:ext cx="2450632" cy="2129018"/>
+          </a:xfrm>
+          <a:prstGeom prst="roundRect">
+            <a:avLst>
+              <a:gd name="adj" fmla="val 7372"/>
+            </a:avLst>
+          </a:prstGeom>
+          <a:noFill/>
+          <a:ln>
+            <a:solidFill>
+              <a:srgbClr val="FF0000"/>
+            </a:solidFill>
+          </a:ln>
+        </p:spPr>
+        <p:style>
+          <a:lnRef idx="2">
+            <a:schemeClr val="accent1">
+              <a:shade val="50000"/>
+            </a:schemeClr>
+          </a:lnRef>
+          <a:fillRef idx="1">
+            <a:schemeClr val="accent1"/>
+          </a:fillRef>
+          <a:effectRef idx="0">
+            <a:schemeClr val="accent1"/>
+          </a:effectRef>
+          <a:fontRef idx="minor">
+            <a:schemeClr val="lt1"/>
+          </a:fontRef>
+        </p:style>
+        <p:txBody>
+          <a:bodyPr rtlCol="0" anchor="ctr"/>
+          <a:lstStyle/>
+          <a:p>
+            <a:pPr algn="ctr"/>
+            <a:endParaRPr lang="ko-KR" altLang="en-US"/>
+          </a:p>
+        </p:txBody>
+      </p:sp>
+      <p:sp>
+        <p:nvSpPr>
+          <p:cNvPr id="3" name="타원 2">
+            <a:extLst>
+              <a:ext uri="{FF2B5EF4-FFF2-40B4-BE49-F238E27FC236}">
+                <a16:creationId xmlns:a16="http://schemas.microsoft.com/office/drawing/2014/main" id="{5D59D286-5964-47F8-81A9-ABCCE85F57AE}"/>
+              </a:ext>
+            </a:extLst>
+          </p:cNvPr>
+          <p:cNvSpPr/>
+          <p:nvPr/>
+        </p:nvSpPr>
+        <p:spPr>
+          <a:xfrm>
+            <a:off x="573721" y="1145722"/>
+            <a:ext cx="206366" cy="231717"/>
+          </a:xfrm>
+          <a:prstGeom prst="ellipse">
+            <a:avLst/>
+          </a:prstGeom>
+        </p:spPr>
+        <p:style>
+          <a:lnRef idx="2">
+            <a:schemeClr val="accent4">
+              <a:shade val="50000"/>
+            </a:schemeClr>
+          </a:lnRef>
+          <a:fillRef idx="1">
+            <a:schemeClr val="accent4"/>
+          </a:fillRef>
+          <a:effectRef idx="0">
+            <a:schemeClr val="accent4"/>
+          </a:effectRef>
+          <a:fontRef idx="minor">
+            <a:schemeClr val="lt1"/>
+          </a:fontRef>
+        </p:style>
+        <p:txBody>
+          <a:bodyPr rtlCol="0" anchor="ctr"/>
+          <a:lstStyle/>
+          <a:p>
+            <a:pPr algn="ctr"/>
+            <a:r>
+              <a:rPr lang="en-US" altLang="ko-KR" dirty="0"/>
+              <a:t>1</a:t>
+            </a:r>
+            <a:endParaRPr lang="ko-KR" altLang="en-US" dirty="0"/>
+          </a:p>
+        </p:txBody>
+      </p:sp>
+      <p:sp>
+        <p:nvSpPr>
+          <p:cNvPr id="21" name="사각형: 둥근 모서리 20">
+            <a:extLst>
+              <a:ext uri="{FF2B5EF4-FFF2-40B4-BE49-F238E27FC236}">
+                <a16:creationId xmlns:a16="http://schemas.microsoft.com/office/drawing/2014/main" id="{1A4CF88F-25FE-4B5E-930E-BF78316A6E35}"/>
+              </a:ext>
+            </a:extLst>
+          </p:cNvPr>
+          <p:cNvSpPr/>
+          <p:nvPr/>
+        </p:nvSpPr>
+        <p:spPr>
+          <a:xfrm>
+            <a:off x="872455" y="1254794"/>
+            <a:ext cx="2186171" cy="194818"/>
+          </a:xfrm>
+          <a:prstGeom prst="roundRect">
+            <a:avLst>
+              <a:gd name="adj" fmla="val 7372"/>
+            </a:avLst>
+          </a:prstGeom>
+          <a:noFill/>
+          <a:ln>
+            <a:solidFill>
+              <a:srgbClr val="FF0000"/>
+            </a:solidFill>
+          </a:ln>
+        </p:spPr>
+        <p:style>
+          <a:lnRef idx="2">
+            <a:schemeClr val="accent1">
+              <a:shade val="50000"/>
+            </a:schemeClr>
+          </a:lnRef>
+          <a:fillRef idx="1">
+            <a:schemeClr val="accent1"/>
+          </a:fillRef>
+          <a:effectRef idx="0">
+            <a:schemeClr val="accent1"/>
+          </a:effectRef>
+          <a:fontRef idx="minor">
+            <a:schemeClr val="lt1"/>
+          </a:fontRef>
+        </p:style>
+        <p:txBody>
+          <a:bodyPr rtlCol="0" anchor="ctr"/>
+          <a:lstStyle/>
+          <a:p>
+            <a:pPr algn="ctr"/>
+            <a:endParaRPr lang="ko-KR" altLang="en-US" dirty="0"/>
+          </a:p>
+        </p:txBody>
+      </p:sp>
+      <p:sp>
+        <p:nvSpPr>
+          <p:cNvPr id="22" name="타원 21">
+            <a:extLst>
+              <a:ext uri="{FF2B5EF4-FFF2-40B4-BE49-F238E27FC236}">
+                <a16:creationId xmlns:a16="http://schemas.microsoft.com/office/drawing/2014/main" id="{744D6839-7F3D-4D9B-9581-FB4FA351757E}"/>
+              </a:ext>
+            </a:extLst>
+          </p:cNvPr>
+          <p:cNvSpPr/>
+          <p:nvPr/>
+        </p:nvSpPr>
+        <p:spPr>
+          <a:xfrm>
+            <a:off x="2975123" y="1103202"/>
+            <a:ext cx="206366" cy="231717"/>
+          </a:xfrm>
+          <a:prstGeom prst="ellipse">
+            <a:avLst/>
+          </a:prstGeom>
+        </p:spPr>
+        <p:style>
+          <a:lnRef idx="2">
+            <a:schemeClr val="accent4">
+              <a:shade val="50000"/>
+            </a:schemeClr>
+          </a:lnRef>
+          <a:fillRef idx="1">
+            <a:schemeClr val="accent4"/>
+          </a:fillRef>
+          <a:effectRef idx="0">
+            <a:schemeClr val="accent4"/>
+          </a:effectRef>
+          <a:fontRef idx="minor">
+            <a:schemeClr val="lt1"/>
+          </a:fontRef>
+        </p:style>
+        <p:txBody>
+          <a:bodyPr rtlCol="0" anchor="ctr"/>
+          <a:lstStyle/>
+          <a:p>
+            <a:pPr algn="ctr"/>
+            <a:r>
+              <a:rPr lang="en-US" altLang="ko-KR" dirty="0"/>
+              <a:t>2</a:t>
+            </a:r>
+            <a:endParaRPr lang="ko-KR" altLang="en-US" dirty="0"/>
+          </a:p>
+        </p:txBody>
+      </p:sp>
+      <p:pic>
+        <p:nvPicPr>
+          <p:cNvPr id="10" name="그림 9">
+            <a:extLst>
+              <a:ext uri="{FF2B5EF4-FFF2-40B4-BE49-F238E27FC236}">
+                <a16:creationId xmlns:a16="http://schemas.microsoft.com/office/drawing/2014/main" id="{8B8F9D34-3DDE-40A6-9B8A-F2A7E72E6FEA}"/>
+              </a:ext>
+            </a:extLst>
+          </p:cNvPr>
+          <p:cNvPicPr>
+            <a:picLocks noChangeAspect="1"/>
+          </p:cNvPicPr>
+          <p:nvPr/>
+        </p:nvPicPr>
+        <p:blipFill>
+          <a:blip r:embed="rId8"/>
+          <a:stretch>
+            <a:fillRect/>
+          </a:stretch>
+        </p:blipFill>
+        <p:spPr>
+          <a:xfrm>
+            <a:off x="729049" y="1478675"/>
+            <a:ext cx="2265821" cy="107791"/>
+          </a:xfrm>
+          <a:prstGeom prst="rect">
+            <a:avLst/>
+          </a:prstGeom>
+        </p:spPr>
+      </p:pic>
+      <p:sp>
+        <p:nvSpPr>
+          <p:cNvPr id="23" name="사각형: 둥근 모서리 22">
+            <a:extLst>
+              <a:ext uri="{FF2B5EF4-FFF2-40B4-BE49-F238E27FC236}">
+                <a16:creationId xmlns:a16="http://schemas.microsoft.com/office/drawing/2014/main" id="{80617728-6C7F-4592-96FC-C7458ACA5EB1}"/>
+              </a:ext>
+            </a:extLst>
+          </p:cNvPr>
+          <p:cNvSpPr/>
+          <p:nvPr/>
+        </p:nvSpPr>
+        <p:spPr>
+          <a:xfrm>
+            <a:off x="705951" y="1479888"/>
+            <a:ext cx="2352675" cy="1437013"/>
+          </a:xfrm>
+          <a:prstGeom prst="roundRect">
+            <a:avLst>
+              <a:gd name="adj" fmla="val 7372"/>
+            </a:avLst>
+          </a:prstGeom>
+          <a:noFill/>
+          <a:ln>
+            <a:solidFill>
+              <a:srgbClr val="FF0000"/>
+            </a:solidFill>
+          </a:ln>
+        </p:spPr>
+        <p:style>
+          <a:lnRef idx="2">
+            <a:schemeClr val="accent1">
+              <a:shade val="50000"/>
+            </a:schemeClr>
+          </a:lnRef>
+          <a:fillRef idx="1">
+            <a:schemeClr val="accent1"/>
+          </a:fillRef>
+          <a:effectRef idx="0">
+            <a:schemeClr val="accent1"/>
+          </a:effectRef>
+          <a:fontRef idx="minor">
+            <a:schemeClr val="lt1"/>
+          </a:fontRef>
+        </p:style>
+        <p:txBody>
+          <a:bodyPr rtlCol="0" anchor="ctr"/>
+          <a:lstStyle/>
+          <a:p>
+            <a:pPr algn="ctr"/>
+            <a:endParaRPr lang="ko-KR" altLang="en-US"/>
+          </a:p>
+        </p:txBody>
+      </p:sp>
+      <p:pic>
+        <p:nvPicPr>
+          <p:cNvPr id="27" name="그림 26">
+            <a:extLst>
+              <a:ext uri="{FF2B5EF4-FFF2-40B4-BE49-F238E27FC236}">
+                <a16:creationId xmlns:a16="http://schemas.microsoft.com/office/drawing/2014/main" id="{9D81B979-F825-4CC2-8FDE-F8FDEFA1DDAB}"/>
+              </a:ext>
+            </a:extLst>
+          </p:cNvPr>
+          <p:cNvPicPr>
+            <a:picLocks noChangeAspect="1"/>
+          </p:cNvPicPr>
+          <p:nvPr/>
+        </p:nvPicPr>
+        <p:blipFill>
+          <a:blip r:embed="rId8"/>
+          <a:stretch>
+            <a:fillRect/>
+          </a:stretch>
+        </p:blipFill>
+        <p:spPr>
+          <a:xfrm>
+            <a:off x="739853" y="1774971"/>
+            <a:ext cx="2265821" cy="154729"/>
+          </a:xfrm>
+          <a:prstGeom prst="rect">
+            <a:avLst/>
+          </a:prstGeom>
+        </p:spPr>
+      </p:pic>
+      <p:pic>
+        <p:nvPicPr>
+          <p:cNvPr id="29" name="그림 28">
+            <a:extLst>
+              <a:ext uri="{FF2B5EF4-FFF2-40B4-BE49-F238E27FC236}">
+                <a16:creationId xmlns:a16="http://schemas.microsoft.com/office/drawing/2014/main" id="{E41AC4F0-858E-4514-9530-99E69AAAB782}"/>
+              </a:ext>
+            </a:extLst>
+          </p:cNvPr>
+          <p:cNvPicPr>
+            <a:picLocks noChangeAspect="1"/>
+          </p:cNvPicPr>
+          <p:nvPr/>
+        </p:nvPicPr>
+        <p:blipFill>
+          <a:blip r:embed="rId8"/>
+          <a:stretch>
+            <a:fillRect/>
+          </a:stretch>
+        </p:blipFill>
+        <p:spPr>
+          <a:xfrm>
+            <a:off x="739853" y="1485032"/>
+            <a:ext cx="317025" cy="276985"/>
+          </a:xfrm>
+          <a:prstGeom prst="rect">
+            <a:avLst/>
+          </a:prstGeom>
+        </p:spPr>
+      </p:pic>
+      <p:pic>
+        <p:nvPicPr>
+          <p:cNvPr id="30" name="그림 29">
+            <a:extLst>
+              <a:ext uri="{FF2B5EF4-FFF2-40B4-BE49-F238E27FC236}">
+                <a16:creationId xmlns:a16="http://schemas.microsoft.com/office/drawing/2014/main" id="{37B0CBEE-F1FC-4036-9BFB-62E1485043AC}"/>
+              </a:ext>
+            </a:extLst>
+          </p:cNvPr>
+          <p:cNvPicPr>
+            <a:picLocks noChangeAspect="1"/>
+          </p:cNvPicPr>
+          <p:nvPr/>
+        </p:nvPicPr>
+        <p:blipFill>
+          <a:blip r:embed="rId8"/>
+          <a:stretch>
+            <a:fillRect/>
+          </a:stretch>
+        </p:blipFill>
+        <p:spPr>
+          <a:xfrm>
+            <a:off x="740295" y="1796471"/>
+            <a:ext cx="317025" cy="276985"/>
+          </a:xfrm>
+          <a:prstGeom prst="rect">
+            <a:avLst/>
+          </a:prstGeom>
+        </p:spPr>
+      </p:pic>
+      <p:pic>
+        <p:nvPicPr>
+          <p:cNvPr id="31" name="그림 30">
+            <a:extLst>
+              <a:ext uri="{FF2B5EF4-FFF2-40B4-BE49-F238E27FC236}">
+                <a16:creationId xmlns:a16="http://schemas.microsoft.com/office/drawing/2014/main" id="{3518B4C9-3CFD-40E0-9E0B-D344A01868A5}"/>
+              </a:ext>
+            </a:extLst>
+          </p:cNvPr>
+          <p:cNvPicPr>
+            <a:picLocks noChangeAspect="1"/>
+          </p:cNvPicPr>
+          <p:nvPr/>
+        </p:nvPicPr>
+        <p:blipFill>
+          <a:blip r:embed="rId8"/>
+          <a:stretch>
+            <a:fillRect/>
+          </a:stretch>
+        </p:blipFill>
+        <p:spPr>
+          <a:xfrm>
+            <a:off x="739853" y="2388892"/>
+            <a:ext cx="2265821" cy="154729"/>
+          </a:xfrm>
+          <a:prstGeom prst="rect">
+            <a:avLst/>
+          </a:prstGeom>
+        </p:spPr>
+      </p:pic>
+      <p:pic>
+        <p:nvPicPr>
+          <p:cNvPr id="32" name="그림 31">
+            <a:extLst>
+              <a:ext uri="{FF2B5EF4-FFF2-40B4-BE49-F238E27FC236}">
+                <a16:creationId xmlns:a16="http://schemas.microsoft.com/office/drawing/2014/main" id="{5D640046-7D85-46B5-B909-A949C7D160F4}"/>
+              </a:ext>
+            </a:extLst>
+          </p:cNvPr>
+          <p:cNvPicPr>
+            <a:picLocks noChangeAspect="1"/>
+          </p:cNvPicPr>
+          <p:nvPr/>
+        </p:nvPicPr>
+        <p:blipFill>
+          <a:blip r:embed="rId8"/>
+          <a:stretch>
+            <a:fillRect/>
+          </a:stretch>
+        </p:blipFill>
+        <p:spPr>
+          <a:xfrm>
+            <a:off x="740295" y="2410392"/>
+            <a:ext cx="317025" cy="276985"/>
+          </a:xfrm>
+          <a:prstGeom prst="rect">
+            <a:avLst/>
+          </a:prstGeom>
+        </p:spPr>
+      </p:pic>
+      <p:pic>
+        <p:nvPicPr>
+          <p:cNvPr id="33" name="그림 32">
+            <a:extLst>
+              <a:ext uri="{FF2B5EF4-FFF2-40B4-BE49-F238E27FC236}">
+                <a16:creationId xmlns:a16="http://schemas.microsoft.com/office/drawing/2014/main" id="{BCCAD310-9DBF-4523-A676-C190EE3F4F44}"/>
+              </a:ext>
+            </a:extLst>
+          </p:cNvPr>
+          <p:cNvPicPr>
+            <a:picLocks noChangeAspect="1"/>
+          </p:cNvPicPr>
+          <p:nvPr/>
+        </p:nvPicPr>
+        <p:blipFill>
+          <a:blip r:embed="rId8"/>
+          <a:stretch>
+            <a:fillRect/>
+          </a:stretch>
+        </p:blipFill>
+        <p:spPr>
+          <a:xfrm>
+            <a:off x="748819" y="2081762"/>
+            <a:ext cx="2265821" cy="154729"/>
+          </a:xfrm>
+          <a:prstGeom prst="rect">
+            <a:avLst/>
+          </a:prstGeom>
+        </p:spPr>
+      </p:pic>
+      <p:pic>
+        <p:nvPicPr>
+          <p:cNvPr id="34" name="그림 33">
+            <a:extLst>
+              <a:ext uri="{FF2B5EF4-FFF2-40B4-BE49-F238E27FC236}">
+                <a16:creationId xmlns:a16="http://schemas.microsoft.com/office/drawing/2014/main" id="{4C41F67B-AC7A-4EA5-A821-D406341D345E}"/>
+              </a:ext>
+            </a:extLst>
+          </p:cNvPr>
+          <p:cNvPicPr>
+            <a:picLocks noChangeAspect="1"/>
+          </p:cNvPicPr>
+          <p:nvPr/>
+        </p:nvPicPr>
+        <p:blipFill>
+          <a:blip r:embed="rId8"/>
+          <a:stretch>
+            <a:fillRect/>
+          </a:stretch>
+        </p:blipFill>
+        <p:spPr>
+          <a:xfrm>
+            <a:off x="749261" y="2103262"/>
+            <a:ext cx="317025" cy="276985"/>
+          </a:xfrm>
+          <a:prstGeom prst="rect">
+            <a:avLst/>
+          </a:prstGeom>
+        </p:spPr>
+      </p:pic>
+      <p:pic>
+        <p:nvPicPr>
+          <p:cNvPr id="35" name="그림 34">
+            <a:extLst>
+              <a:ext uri="{FF2B5EF4-FFF2-40B4-BE49-F238E27FC236}">
+                <a16:creationId xmlns:a16="http://schemas.microsoft.com/office/drawing/2014/main" id="{DA8372C8-F9BA-4FF2-9958-329B4419E383}"/>
+              </a:ext>
+            </a:extLst>
+          </p:cNvPr>
+          <p:cNvPicPr>
+            <a:picLocks noChangeAspect="1"/>
+          </p:cNvPicPr>
+          <p:nvPr/>
+        </p:nvPicPr>
+        <p:blipFill>
+          <a:blip r:embed="rId8"/>
+          <a:stretch>
+            <a:fillRect/>
+          </a:stretch>
+        </p:blipFill>
+        <p:spPr>
+          <a:xfrm>
+            <a:off x="748819" y="2694789"/>
+            <a:ext cx="2265821" cy="154729"/>
+          </a:xfrm>
+          <a:prstGeom prst="rect">
+            <a:avLst/>
+          </a:prstGeom>
+        </p:spPr>
+      </p:pic>
+      <p:pic>
+        <p:nvPicPr>
+          <p:cNvPr id="36" name="그림 35">
+            <a:extLst>
+              <a:ext uri="{FF2B5EF4-FFF2-40B4-BE49-F238E27FC236}">
+                <a16:creationId xmlns:a16="http://schemas.microsoft.com/office/drawing/2014/main" id="{A671B314-8AED-4877-BC91-12D8C6EF3A43}"/>
+              </a:ext>
+            </a:extLst>
+          </p:cNvPr>
+          <p:cNvPicPr>
+            <a:picLocks noChangeAspect="1"/>
+          </p:cNvPicPr>
+          <p:nvPr/>
+        </p:nvPicPr>
+        <p:blipFill>
+          <a:blip r:embed="rId8"/>
+          <a:stretch>
+            <a:fillRect/>
+          </a:stretch>
+        </p:blipFill>
+        <p:spPr>
+          <a:xfrm>
+            <a:off x="749261" y="2716290"/>
+            <a:ext cx="317025" cy="186274"/>
+          </a:xfrm>
+          <a:prstGeom prst="rect">
+            <a:avLst/>
+          </a:prstGeom>
+        </p:spPr>
+      </p:pic>
+      <p:sp>
+        <p:nvSpPr>
+          <p:cNvPr id="24" name="타원 23">
+            <a:extLst>
+              <a:ext uri="{FF2B5EF4-FFF2-40B4-BE49-F238E27FC236}">
+                <a16:creationId xmlns:a16="http://schemas.microsoft.com/office/drawing/2014/main" id="{6C351BF9-99EA-452F-B816-82DB481420CE}"/>
+              </a:ext>
+            </a:extLst>
+          </p:cNvPr>
+          <p:cNvSpPr/>
+          <p:nvPr/>
+        </p:nvSpPr>
+        <p:spPr>
+          <a:xfrm>
+            <a:off x="681758" y="1364851"/>
+            <a:ext cx="206366" cy="231717"/>
+          </a:xfrm>
+          <a:prstGeom prst="ellipse">
+            <a:avLst/>
+          </a:prstGeom>
+        </p:spPr>
+        <p:style>
+          <a:lnRef idx="2">
+            <a:schemeClr val="accent4">
+              <a:shade val="50000"/>
+            </a:schemeClr>
+          </a:lnRef>
+          <a:fillRef idx="1">
+            <a:schemeClr val="accent4"/>
+          </a:fillRef>
+          <a:effectRef idx="0">
+            <a:schemeClr val="accent4"/>
+          </a:effectRef>
+          <a:fontRef idx="minor">
+            <a:schemeClr val="lt1"/>
+          </a:fontRef>
+        </p:style>
+        <p:txBody>
+          <a:bodyPr rtlCol="0" anchor="ctr"/>
+          <a:lstStyle/>
+          <a:p>
+            <a:pPr algn="ctr"/>
+            <a:r>
+              <a:rPr lang="en-US" altLang="ko-KR" dirty="0"/>
+              <a:t>3</a:t>
+            </a:r>
+            <a:endParaRPr lang="ko-KR" altLang="en-US" dirty="0"/>
+          </a:p>
+        </p:txBody>
+      </p:sp>
+      <p:sp>
+        <p:nvSpPr>
+          <p:cNvPr id="25" name="사각형: 둥근 모서리 24">
+            <a:extLst>
+              <a:ext uri="{FF2B5EF4-FFF2-40B4-BE49-F238E27FC236}">
+                <a16:creationId xmlns:a16="http://schemas.microsoft.com/office/drawing/2014/main" id="{111CE39F-FA0D-4B73-AAB0-C42066274198}"/>
+              </a:ext>
+            </a:extLst>
+          </p:cNvPr>
+          <p:cNvSpPr/>
+          <p:nvPr/>
+        </p:nvSpPr>
+        <p:spPr>
+          <a:xfrm>
+            <a:off x="725158" y="2081994"/>
+            <a:ext cx="2352675" cy="342313"/>
+          </a:xfrm>
+          <a:prstGeom prst="roundRect">
+            <a:avLst>
+              <a:gd name="adj" fmla="val 7372"/>
+            </a:avLst>
+          </a:prstGeom>
+          <a:noFill/>
+          <a:ln>
+            <a:solidFill>
+              <a:srgbClr val="FF0000"/>
+            </a:solidFill>
+          </a:ln>
+        </p:spPr>
+        <p:style>
+          <a:lnRef idx="2">
+            <a:schemeClr val="accent1">
+              <a:shade val="50000"/>
+            </a:schemeClr>
+          </a:lnRef>
+          <a:fillRef idx="1">
+            <a:schemeClr val="accent1"/>
+          </a:fillRef>
+          <a:effectRef idx="0">
+            <a:schemeClr val="accent1"/>
+          </a:effectRef>
+          <a:fontRef idx="minor">
+            <a:schemeClr val="lt1"/>
+          </a:fontRef>
+        </p:style>
+        <p:txBody>
+          <a:bodyPr rtlCol="0" anchor="ctr"/>
+          <a:lstStyle/>
+          <a:p>
+            <a:pPr algn="ctr"/>
+            <a:endParaRPr lang="ko-KR" altLang="en-US"/>
+          </a:p>
+        </p:txBody>
+      </p:sp>
+      <p:sp>
+        <p:nvSpPr>
+          <p:cNvPr id="37" name="타원 36">
+            <a:extLst>
+              <a:ext uri="{FF2B5EF4-FFF2-40B4-BE49-F238E27FC236}">
+                <a16:creationId xmlns:a16="http://schemas.microsoft.com/office/drawing/2014/main" id="{169499F1-F5D2-4B1F-B928-FD9564DF1B1D}"/>
+              </a:ext>
+            </a:extLst>
+          </p:cNvPr>
+          <p:cNvSpPr/>
+          <p:nvPr/>
+        </p:nvSpPr>
+        <p:spPr>
+          <a:xfrm>
+            <a:off x="1802442" y="1927687"/>
+            <a:ext cx="206366" cy="231717"/>
+          </a:xfrm>
+          <a:prstGeom prst="ellipse">
+            <a:avLst/>
+          </a:prstGeom>
+        </p:spPr>
+        <p:style>
+          <a:lnRef idx="2">
+            <a:schemeClr val="accent4">
+              <a:shade val="50000"/>
+            </a:schemeClr>
+          </a:lnRef>
+          <a:fillRef idx="1">
+            <a:schemeClr val="accent4"/>
+          </a:fillRef>
+          <a:effectRef idx="0">
+            <a:schemeClr val="accent4"/>
+          </a:effectRef>
+          <a:fontRef idx="minor">
+            <a:schemeClr val="lt1"/>
+          </a:fontRef>
+        </p:style>
+        <p:txBody>
+          <a:bodyPr rtlCol="0" anchor="ctr"/>
+          <a:lstStyle/>
+          <a:p>
+            <a:pPr algn="ctr"/>
+            <a:r>
+              <a:rPr lang="en-US" altLang="ko-KR" dirty="0"/>
+              <a:t>3</a:t>
+            </a:r>
+            <a:endParaRPr lang="ko-KR" altLang="en-US" dirty="0"/>
+          </a:p>
+        </p:txBody>
+      </p:sp>
+    </p:spTree>
+    <p:extLst>
+      <p:ext uri="{BB962C8B-B14F-4D97-AF65-F5344CB8AC3E}">
+        <p14:creationId xmlns:p14="http://schemas.microsoft.com/office/powerpoint/2010/main" val="2769662150"/>
+      </p:ext>
+    </p:extLst>
+  </p:cSld>
+  <p:clrMapOvr>
+    <a:masterClrMapping/>
+  </p:clrMapOvr>
+</p:sld>
+</file>
+
 <file path=ppt/slides/slide2.xml><?xml version="1.0" encoding="utf-8"?>
 <p:sld xmlns:a="http://schemas.openxmlformats.org/drawingml/2006/main" xmlns:r="http://schemas.openxmlformats.org/officeDocument/2006/relationships" xmlns:p="http://schemas.openxmlformats.org/presentationml/2006/main">
   <p:cSld>
@@ -3981,6 +6865,948 @@
       </p:grpSpPr>
       <p:sp>
         <p:nvSpPr>
+          <p:cNvPr id="3" name="슬라이드 번호 개체 틀 2">
+            <a:extLst>
+              <a:ext uri="{FF2B5EF4-FFF2-40B4-BE49-F238E27FC236}">
+                <a16:creationId xmlns:a16="http://schemas.microsoft.com/office/drawing/2014/main" id="{7505E6CA-216A-4484-9F7A-B565BB13B9BF}"/>
+              </a:ext>
+            </a:extLst>
+          </p:cNvPr>
+          <p:cNvSpPr>
+            <a:spLocks noGrp="1"/>
+          </p:cNvSpPr>
+          <p:nvPr>
+            <p:ph type="sldNum" sz="quarter" idx="12"/>
+          </p:nvPr>
+        </p:nvSpPr>
+        <p:spPr>
+          <a:xfrm>
+            <a:off x="8610600" y="6356350"/>
+            <a:ext cx="2743200" cy="365125"/>
+          </a:xfrm>
+        </p:spPr>
+        <p:txBody>
+          <a:bodyPr/>
+          <a:lstStyle/>
+          <a:p>
+            <a:fld id="{A8E1BB39-725C-444B-809E-419522618855}" type="slidenum">
+              <a:rPr lang="ko-KR" altLang="en-US" smtClean="0"/>
+              <a:t>2</a:t>
+            </a:fld>
+            <a:endParaRPr lang="ko-KR" altLang="en-US" dirty="0"/>
+          </a:p>
+        </p:txBody>
+      </p:sp>
+      <p:grpSp>
+        <p:nvGrpSpPr>
+          <p:cNvPr id="17" name="Group 40">
+            <a:extLst>
+              <a:ext uri="{FF2B5EF4-FFF2-40B4-BE49-F238E27FC236}">
+                <a16:creationId xmlns:a16="http://schemas.microsoft.com/office/drawing/2014/main" id="{D4376918-E0CA-4B7B-AECB-74E789DA9336}"/>
+              </a:ext>
+            </a:extLst>
+          </p:cNvPr>
+          <p:cNvGrpSpPr/>
+          <p:nvPr/>
+        </p:nvGrpSpPr>
+        <p:grpSpPr>
+          <a:xfrm>
+            <a:off x="301874" y="273668"/>
+            <a:ext cx="11541336" cy="383818"/>
+            <a:chOff x="301874" y="234760"/>
+            <a:chExt cx="11541336" cy="383818"/>
+          </a:xfrm>
+        </p:grpSpPr>
+        <p:sp>
+          <p:nvSpPr>
+            <p:cNvPr id="21" name="Freeform 41">
+              <a:extLst>
+                <a:ext uri="{FF2B5EF4-FFF2-40B4-BE49-F238E27FC236}">
+                  <a16:creationId xmlns:a16="http://schemas.microsoft.com/office/drawing/2014/main" id="{19254981-3ABA-4A57-86A1-096C5A9C5991}"/>
+                </a:ext>
+              </a:extLst>
+            </p:cNvPr>
+            <p:cNvSpPr/>
+            <p:nvPr/>
+          </p:nvSpPr>
+          <p:spPr>
+            <a:xfrm>
+              <a:off x="7417261" y="234760"/>
+              <a:ext cx="4425949" cy="380367"/>
+            </a:xfrm>
+            <a:custGeom>
+              <a:avLst/>
+              <a:gdLst>
+                <a:gd name="connsiteX0" fmla="*/ 0 w 4425949"/>
+                <a:gd name="connsiteY0" fmla="*/ 362367 h 380367"/>
+                <a:gd name="connsiteX1" fmla="*/ 4425949 w 4425949"/>
+                <a:gd name="connsiteY1" fmla="*/ 362367 h 380367"/>
+                <a:gd name="connsiteX2" fmla="*/ 4425949 w 4425949"/>
+                <a:gd name="connsiteY2" fmla="*/ 380367 h 380367"/>
+                <a:gd name="connsiteX3" fmla="*/ 0 w 4425949"/>
+                <a:gd name="connsiteY3" fmla="*/ 380367 h 380367"/>
+                <a:gd name="connsiteX4" fmla="*/ 4425949 w 4425949"/>
+                <a:gd name="connsiteY4" fmla="*/ 0 h 380367"/>
+                <a:gd name="connsiteX5" fmla="*/ 4425949 w 4425949"/>
+                <a:gd name="connsiteY5" fmla="*/ 293520 h 380367"/>
+                <a:gd name="connsiteX6" fmla="*/ 4425949 w 4425949"/>
+                <a:gd name="connsiteY6" fmla="*/ 293744 h 380367"/>
+                <a:gd name="connsiteX7" fmla="*/ 4425949 w 4425949"/>
+                <a:gd name="connsiteY7" fmla="*/ 347593 h 380367"/>
+                <a:gd name="connsiteX8" fmla="*/ 0 w 4425949"/>
+                <a:gd name="connsiteY8" fmla="*/ 347593 h 380367"/>
+                <a:gd name="connsiteX9" fmla="*/ 0 w 4425949"/>
+                <a:gd name="connsiteY9" fmla="*/ 293520 h 380367"/>
+                <a:gd name="connsiteX10" fmla="*/ 3445935 w 4425949"/>
+                <a:gd name="connsiteY10" fmla="*/ 293520 h 380367"/>
+                <a:gd name="connsiteX11" fmla="*/ 3445935 w 4425949"/>
+                <a:gd name="connsiteY11" fmla="*/ 248864 h 380367"/>
+                <a:gd name="connsiteX12" fmla="*/ 3509866 w 4425949"/>
+                <a:gd name="connsiteY12" fmla="*/ 235234 h 380367"/>
+                <a:gd name="connsiteX13" fmla="*/ 3509866 w 4425949"/>
+                <a:gd name="connsiteY13" fmla="*/ 293520 h 380367"/>
+                <a:gd name="connsiteX14" fmla="*/ 3547532 w 4425949"/>
+                <a:gd name="connsiteY14" fmla="*/ 293520 h 380367"/>
+                <a:gd name="connsiteX15" fmla="*/ 3547532 w 4425949"/>
+                <a:gd name="connsiteY15" fmla="*/ 220885 h 380367"/>
+                <a:gd name="connsiteX16" fmla="*/ 3613149 w 4425949"/>
+                <a:gd name="connsiteY16" fmla="*/ 206896 h 380367"/>
+                <a:gd name="connsiteX17" fmla="*/ 3613149 w 4425949"/>
+                <a:gd name="connsiteY17" fmla="*/ 293520 h 380367"/>
+                <a:gd name="connsiteX18" fmla="*/ 3649132 w 4425949"/>
+                <a:gd name="connsiteY18" fmla="*/ 293520 h 380367"/>
+                <a:gd name="connsiteX19" fmla="*/ 3649132 w 4425949"/>
+                <a:gd name="connsiteY19" fmla="*/ 192906 h 380367"/>
+                <a:gd name="connsiteX20" fmla="*/ 3714749 w 4425949"/>
+                <a:gd name="connsiteY20" fmla="*/ 178916 h 380367"/>
+                <a:gd name="connsiteX21" fmla="*/ 3714749 w 4425949"/>
+                <a:gd name="connsiteY21" fmla="*/ 293520 h 380367"/>
+                <a:gd name="connsiteX22" fmla="*/ 3750732 w 4425949"/>
+                <a:gd name="connsiteY22" fmla="*/ 293520 h 380367"/>
+                <a:gd name="connsiteX23" fmla="*/ 3750732 w 4425949"/>
+                <a:gd name="connsiteY23" fmla="*/ 164928 h 380367"/>
+                <a:gd name="connsiteX24" fmla="*/ 3814665 w 4425949"/>
+                <a:gd name="connsiteY24" fmla="*/ 151298 h 380367"/>
+                <a:gd name="connsiteX25" fmla="*/ 3814665 w 4425949"/>
+                <a:gd name="connsiteY25" fmla="*/ 293520 h 380367"/>
+                <a:gd name="connsiteX26" fmla="*/ 3852332 w 4425949"/>
+                <a:gd name="connsiteY26" fmla="*/ 293520 h 380367"/>
+                <a:gd name="connsiteX27" fmla="*/ 3852332 w 4425949"/>
+                <a:gd name="connsiteY27" fmla="*/ 136949 h 380367"/>
+                <a:gd name="connsiteX28" fmla="*/ 3916265 w 4425949"/>
+                <a:gd name="connsiteY28" fmla="*/ 123319 h 380367"/>
+                <a:gd name="connsiteX29" fmla="*/ 3916265 w 4425949"/>
+                <a:gd name="connsiteY29" fmla="*/ 293520 h 380367"/>
+                <a:gd name="connsiteX30" fmla="*/ 3953932 w 4425949"/>
+                <a:gd name="connsiteY30" fmla="*/ 293520 h 380367"/>
+                <a:gd name="connsiteX31" fmla="*/ 3953932 w 4425949"/>
+                <a:gd name="connsiteY31" fmla="*/ 108971 h 380367"/>
+                <a:gd name="connsiteX32" fmla="*/ 4019549 w 4425949"/>
+                <a:gd name="connsiteY32" fmla="*/ 94981 h 380367"/>
+                <a:gd name="connsiteX33" fmla="*/ 4019549 w 4425949"/>
+                <a:gd name="connsiteY33" fmla="*/ 293520 h 380367"/>
+                <a:gd name="connsiteX34" fmla="*/ 4055532 w 4425949"/>
+                <a:gd name="connsiteY34" fmla="*/ 293520 h 380367"/>
+                <a:gd name="connsiteX35" fmla="*/ 4055532 w 4425949"/>
+                <a:gd name="connsiteY35" fmla="*/ 80992 h 380367"/>
+                <a:gd name="connsiteX36" fmla="*/ 4121149 w 4425949"/>
+                <a:gd name="connsiteY36" fmla="*/ 67002 h 380367"/>
+                <a:gd name="connsiteX37" fmla="*/ 4121149 w 4425949"/>
+                <a:gd name="connsiteY37" fmla="*/ 293520 h 380367"/>
+                <a:gd name="connsiteX38" fmla="*/ 4157132 w 4425949"/>
+                <a:gd name="connsiteY38" fmla="*/ 293520 h 380367"/>
+                <a:gd name="connsiteX39" fmla="*/ 4157132 w 4425949"/>
+                <a:gd name="connsiteY39" fmla="*/ 53011 h 380367"/>
+                <a:gd name="connsiteX40" fmla="*/ 4222749 w 4425949"/>
+                <a:gd name="connsiteY40" fmla="*/ 39022 h 380367"/>
+                <a:gd name="connsiteX41" fmla="*/ 4222749 w 4425949"/>
+                <a:gd name="connsiteY41" fmla="*/ 293520 h 380367"/>
+                <a:gd name="connsiteX42" fmla="*/ 4258732 w 4425949"/>
+                <a:gd name="connsiteY42" fmla="*/ 293520 h 380367"/>
+                <a:gd name="connsiteX43" fmla="*/ 4258732 w 4425949"/>
+                <a:gd name="connsiteY43" fmla="*/ 25034 h 380367"/>
+                <a:gd name="connsiteX44" fmla="*/ 4324349 w 4425949"/>
+                <a:gd name="connsiteY44" fmla="*/ 11044 h 380367"/>
+                <a:gd name="connsiteX45" fmla="*/ 4324349 w 4425949"/>
+                <a:gd name="connsiteY45" fmla="*/ 293520 h 380367"/>
+                <a:gd name="connsiteX46" fmla="*/ 4360332 w 4425949"/>
+                <a:gd name="connsiteY46" fmla="*/ 293520 h 380367"/>
+                <a:gd name="connsiteX47" fmla="*/ 4360332 w 4425949"/>
+                <a:gd name="connsiteY47" fmla="*/ 2967 h 380367"/>
+              </a:gdLst>
+              <a:ahLst/>
+              <a:cxnLst>
+                <a:cxn ang="0">
+                  <a:pos x="connsiteX0" y="connsiteY0"/>
+                </a:cxn>
+                <a:cxn ang="0">
+                  <a:pos x="connsiteX1" y="connsiteY1"/>
+                </a:cxn>
+                <a:cxn ang="0">
+                  <a:pos x="connsiteX2" y="connsiteY2"/>
+                </a:cxn>
+                <a:cxn ang="0">
+                  <a:pos x="connsiteX3" y="connsiteY3"/>
+                </a:cxn>
+                <a:cxn ang="0">
+                  <a:pos x="connsiteX4" y="connsiteY4"/>
+                </a:cxn>
+                <a:cxn ang="0">
+                  <a:pos x="connsiteX5" y="connsiteY5"/>
+                </a:cxn>
+                <a:cxn ang="0">
+                  <a:pos x="connsiteX6" y="connsiteY6"/>
+                </a:cxn>
+                <a:cxn ang="0">
+                  <a:pos x="connsiteX7" y="connsiteY7"/>
+                </a:cxn>
+                <a:cxn ang="0">
+                  <a:pos x="connsiteX8" y="connsiteY8"/>
+                </a:cxn>
+                <a:cxn ang="0">
+                  <a:pos x="connsiteX9" y="connsiteY9"/>
+                </a:cxn>
+                <a:cxn ang="0">
+                  <a:pos x="connsiteX10" y="connsiteY10"/>
+                </a:cxn>
+                <a:cxn ang="0">
+                  <a:pos x="connsiteX11" y="connsiteY11"/>
+                </a:cxn>
+                <a:cxn ang="0">
+                  <a:pos x="connsiteX12" y="connsiteY12"/>
+                </a:cxn>
+                <a:cxn ang="0">
+                  <a:pos x="connsiteX13" y="connsiteY13"/>
+                </a:cxn>
+                <a:cxn ang="0">
+                  <a:pos x="connsiteX14" y="connsiteY14"/>
+                </a:cxn>
+                <a:cxn ang="0">
+                  <a:pos x="connsiteX15" y="connsiteY15"/>
+                </a:cxn>
+                <a:cxn ang="0">
+                  <a:pos x="connsiteX16" y="connsiteY16"/>
+                </a:cxn>
+                <a:cxn ang="0">
+                  <a:pos x="connsiteX17" y="connsiteY17"/>
+                </a:cxn>
+                <a:cxn ang="0">
+                  <a:pos x="connsiteX18" y="connsiteY18"/>
+                </a:cxn>
+                <a:cxn ang="0">
+                  <a:pos x="connsiteX19" y="connsiteY19"/>
+                </a:cxn>
+                <a:cxn ang="0">
+                  <a:pos x="connsiteX20" y="connsiteY20"/>
+                </a:cxn>
+                <a:cxn ang="0">
+                  <a:pos x="connsiteX21" y="connsiteY21"/>
+                </a:cxn>
+                <a:cxn ang="0">
+                  <a:pos x="connsiteX22" y="connsiteY22"/>
+                </a:cxn>
+                <a:cxn ang="0">
+                  <a:pos x="connsiteX23" y="connsiteY23"/>
+                </a:cxn>
+                <a:cxn ang="0">
+                  <a:pos x="connsiteX24" y="connsiteY24"/>
+                </a:cxn>
+                <a:cxn ang="0">
+                  <a:pos x="connsiteX25" y="connsiteY25"/>
+                </a:cxn>
+                <a:cxn ang="0">
+                  <a:pos x="connsiteX26" y="connsiteY26"/>
+                </a:cxn>
+                <a:cxn ang="0">
+                  <a:pos x="connsiteX27" y="connsiteY27"/>
+                </a:cxn>
+                <a:cxn ang="0">
+                  <a:pos x="connsiteX28" y="connsiteY28"/>
+                </a:cxn>
+                <a:cxn ang="0">
+                  <a:pos x="connsiteX29" y="connsiteY29"/>
+                </a:cxn>
+                <a:cxn ang="0">
+                  <a:pos x="connsiteX30" y="connsiteY30"/>
+                </a:cxn>
+                <a:cxn ang="0">
+                  <a:pos x="connsiteX31" y="connsiteY31"/>
+                </a:cxn>
+                <a:cxn ang="0">
+                  <a:pos x="connsiteX32" y="connsiteY32"/>
+                </a:cxn>
+                <a:cxn ang="0">
+                  <a:pos x="connsiteX33" y="connsiteY33"/>
+                </a:cxn>
+                <a:cxn ang="0">
+                  <a:pos x="connsiteX34" y="connsiteY34"/>
+                </a:cxn>
+                <a:cxn ang="0">
+                  <a:pos x="connsiteX35" y="connsiteY35"/>
+                </a:cxn>
+                <a:cxn ang="0">
+                  <a:pos x="connsiteX36" y="connsiteY36"/>
+                </a:cxn>
+                <a:cxn ang="0">
+                  <a:pos x="connsiteX37" y="connsiteY37"/>
+                </a:cxn>
+                <a:cxn ang="0">
+                  <a:pos x="connsiteX38" y="connsiteY38"/>
+                </a:cxn>
+                <a:cxn ang="0">
+                  <a:pos x="connsiteX39" y="connsiteY39"/>
+                </a:cxn>
+                <a:cxn ang="0">
+                  <a:pos x="connsiteX40" y="connsiteY40"/>
+                </a:cxn>
+                <a:cxn ang="0">
+                  <a:pos x="connsiteX41" y="connsiteY41"/>
+                </a:cxn>
+                <a:cxn ang="0">
+                  <a:pos x="connsiteX42" y="connsiteY42"/>
+                </a:cxn>
+                <a:cxn ang="0">
+                  <a:pos x="connsiteX43" y="connsiteY43"/>
+                </a:cxn>
+                <a:cxn ang="0">
+                  <a:pos x="connsiteX44" y="connsiteY44"/>
+                </a:cxn>
+                <a:cxn ang="0">
+                  <a:pos x="connsiteX45" y="connsiteY45"/>
+                </a:cxn>
+                <a:cxn ang="0">
+                  <a:pos x="connsiteX46" y="connsiteY46"/>
+                </a:cxn>
+                <a:cxn ang="0">
+                  <a:pos x="connsiteX47" y="connsiteY47"/>
+                </a:cxn>
+              </a:cxnLst>
+              <a:rect l="l" t="t" r="r" b="b"/>
+              <a:pathLst>
+                <a:path w="4425949" h="380367">
+                  <a:moveTo>
+                    <a:pt x="0" y="362367"/>
+                  </a:moveTo>
+                  <a:lnTo>
+                    <a:pt x="4425949" y="362367"/>
+                  </a:lnTo>
+                  <a:lnTo>
+                    <a:pt x="4425949" y="380367"/>
+                  </a:lnTo>
+                  <a:lnTo>
+                    <a:pt x="0" y="380367"/>
+                  </a:lnTo>
+                  <a:close/>
+                  <a:moveTo>
+                    <a:pt x="4425949" y="0"/>
+                  </a:moveTo>
+                  <a:lnTo>
+                    <a:pt x="4425949" y="293520"/>
+                  </a:lnTo>
+                  <a:lnTo>
+                    <a:pt x="4425949" y="293744"/>
+                  </a:lnTo>
+                  <a:lnTo>
+                    <a:pt x="4425949" y="347593"/>
+                  </a:lnTo>
+                  <a:lnTo>
+                    <a:pt x="0" y="347593"/>
+                  </a:lnTo>
+                  <a:lnTo>
+                    <a:pt x="0" y="293520"/>
+                  </a:lnTo>
+                  <a:lnTo>
+                    <a:pt x="3445935" y="293520"/>
+                  </a:lnTo>
+                  <a:lnTo>
+                    <a:pt x="3445935" y="248864"/>
+                  </a:lnTo>
+                  <a:lnTo>
+                    <a:pt x="3509866" y="235234"/>
+                  </a:lnTo>
+                  <a:lnTo>
+                    <a:pt x="3509866" y="293520"/>
+                  </a:lnTo>
+                  <a:lnTo>
+                    <a:pt x="3547532" y="293520"/>
+                  </a:lnTo>
+                  <a:lnTo>
+                    <a:pt x="3547532" y="220885"/>
+                  </a:lnTo>
+                  <a:lnTo>
+                    <a:pt x="3613149" y="206896"/>
+                  </a:lnTo>
+                  <a:lnTo>
+                    <a:pt x="3613149" y="293520"/>
+                  </a:lnTo>
+                  <a:lnTo>
+                    <a:pt x="3649132" y="293520"/>
+                  </a:lnTo>
+                  <a:lnTo>
+                    <a:pt x="3649132" y="192906"/>
+                  </a:lnTo>
+                  <a:lnTo>
+                    <a:pt x="3714749" y="178916"/>
+                  </a:lnTo>
+                  <a:lnTo>
+                    <a:pt x="3714749" y="293520"/>
+                  </a:lnTo>
+                  <a:lnTo>
+                    <a:pt x="3750732" y="293520"/>
+                  </a:lnTo>
+                  <a:lnTo>
+                    <a:pt x="3750732" y="164928"/>
+                  </a:lnTo>
+                  <a:lnTo>
+                    <a:pt x="3814665" y="151298"/>
+                  </a:lnTo>
+                  <a:lnTo>
+                    <a:pt x="3814665" y="293520"/>
+                  </a:lnTo>
+                  <a:lnTo>
+                    <a:pt x="3852332" y="293520"/>
+                  </a:lnTo>
+                  <a:lnTo>
+                    <a:pt x="3852332" y="136949"/>
+                  </a:lnTo>
+                  <a:lnTo>
+                    <a:pt x="3916265" y="123319"/>
+                  </a:lnTo>
+                  <a:lnTo>
+                    <a:pt x="3916265" y="293520"/>
+                  </a:lnTo>
+                  <a:lnTo>
+                    <a:pt x="3953932" y="293520"/>
+                  </a:lnTo>
+                  <a:lnTo>
+                    <a:pt x="3953932" y="108971"/>
+                  </a:lnTo>
+                  <a:lnTo>
+                    <a:pt x="4019549" y="94981"/>
+                  </a:lnTo>
+                  <a:lnTo>
+                    <a:pt x="4019549" y="293520"/>
+                  </a:lnTo>
+                  <a:lnTo>
+                    <a:pt x="4055532" y="293520"/>
+                  </a:lnTo>
+                  <a:lnTo>
+                    <a:pt x="4055532" y="80992"/>
+                  </a:lnTo>
+                  <a:lnTo>
+                    <a:pt x="4121149" y="67002"/>
+                  </a:lnTo>
+                  <a:lnTo>
+                    <a:pt x="4121149" y="293520"/>
+                  </a:lnTo>
+                  <a:lnTo>
+                    <a:pt x="4157132" y="293520"/>
+                  </a:lnTo>
+                  <a:lnTo>
+                    <a:pt x="4157132" y="53011"/>
+                  </a:lnTo>
+                  <a:lnTo>
+                    <a:pt x="4222749" y="39022"/>
+                  </a:lnTo>
+                  <a:lnTo>
+                    <a:pt x="4222749" y="293520"/>
+                  </a:lnTo>
+                  <a:lnTo>
+                    <a:pt x="4258732" y="293520"/>
+                  </a:lnTo>
+                  <a:lnTo>
+                    <a:pt x="4258732" y="25034"/>
+                  </a:lnTo>
+                  <a:lnTo>
+                    <a:pt x="4324349" y="11044"/>
+                  </a:lnTo>
+                  <a:lnTo>
+                    <a:pt x="4324349" y="293520"/>
+                  </a:lnTo>
+                  <a:lnTo>
+                    <a:pt x="4360332" y="293520"/>
+                  </a:lnTo>
+                  <a:lnTo>
+                    <a:pt x="4360332" y="2967"/>
+                  </a:lnTo>
+                  <a:close/>
+                </a:path>
+              </a:pathLst>
+            </a:custGeom>
+            <a:gradFill flip="none" rotWithShape="1">
+              <a:gsLst>
+                <a:gs pos="0">
+                  <a:schemeClr val="accent1">
+                    <a:lumMod val="5000"/>
+                    <a:lumOff val="95000"/>
+                  </a:schemeClr>
+                </a:gs>
+                <a:gs pos="80000">
+                  <a:schemeClr val="accent1">
+                    <a:lumMod val="45000"/>
+                    <a:lumOff val="55000"/>
+                  </a:schemeClr>
+                </a:gs>
+                <a:gs pos="92000">
+                  <a:schemeClr val="accent5">
+                    <a:lumMod val="60000"/>
+                    <a:lumOff val="40000"/>
+                  </a:schemeClr>
+                </a:gs>
+                <a:gs pos="100000">
+                  <a:srgbClr val="002060"/>
+                </a:gs>
+              </a:gsLst>
+              <a:lin ang="0" scaled="1"/>
+              <a:tileRect/>
+            </a:gradFill>
+            <a:ln>
+              <a:noFill/>
+            </a:ln>
+            <a:effectLst>
+              <a:outerShdw blurRad="50800" dist="38100" dir="2700000" algn="tl" rotWithShape="0">
+                <a:prstClr val="black">
+                  <a:alpha val="40000"/>
+                </a:prstClr>
+              </a:outerShdw>
+            </a:effectLst>
+          </p:spPr>
+          <p:style>
+            <a:lnRef idx="2">
+              <a:schemeClr val="accent1">
+                <a:shade val="50000"/>
+              </a:schemeClr>
+            </a:lnRef>
+            <a:fillRef idx="1">
+              <a:schemeClr val="accent1"/>
+            </a:fillRef>
+            <a:effectRef idx="0">
+              <a:schemeClr val="accent1"/>
+            </a:effectRef>
+            <a:fontRef idx="minor">
+              <a:schemeClr val="lt1"/>
+            </a:fontRef>
+          </p:style>
+          <p:txBody>
+            <a:bodyPr rtlCol="0" anchor="ctr"/>
+            <a:lstStyle/>
+            <a:p>
+              <a:pPr algn="ctr"/>
+              <a:endParaRPr lang="ko-KR" altLang="en-US" sz="1600"/>
+            </a:p>
+          </p:txBody>
+        </p:sp>
+        <p:grpSp>
+          <p:nvGrpSpPr>
+            <p:cNvPr id="22" name="Group 42">
+              <a:extLst>
+                <a:ext uri="{FF2B5EF4-FFF2-40B4-BE49-F238E27FC236}">
+                  <a16:creationId xmlns:a16="http://schemas.microsoft.com/office/drawing/2014/main" id="{E547F232-2ACD-4709-8B45-88843E30DB6D}"/>
+                </a:ext>
+              </a:extLst>
+            </p:cNvPr>
+            <p:cNvGrpSpPr/>
+            <p:nvPr/>
+          </p:nvGrpSpPr>
+          <p:grpSpPr>
+            <a:xfrm>
+              <a:off x="301874" y="289279"/>
+              <a:ext cx="7140326" cy="329299"/>
+              <a:chOff x="706582" y="590204"/>
+              <a:chExt cx="7054714" cy="329299"/>
+            </a:xfrm>
+          </p:grpSpPr>
+          <p:sp>
+            <p:nvSpPr>
+              <p:cNvPr id="23" name="Rectangle 43">
+                <a:extLst>
+                  <a:ext uri="{FF2B5EF4-FFF2-40B4-BE49-F238E27FC236}">
+                    <a16:creationId xmlns:a16="http://schemas.microsoft.com/office/drawing/2014/main" id="{322B092B-A5FA-4E29-B4CA-63C76B6D4391}"/>
+                  </a:ext>
+                </a:extLst>
+              </p:cNvPr>
+              <p:cNvSpPr/>
+              <p:nvPr/>
+            </p:nvSpPr>
+            <p:spPr>
+              <a:xfrm>
+                <a:off x="706582" y="590204"/>
+                <a:ext cx="7054714" cy="329299"/>
+              </a:xfrm>
+              <a:prstGeom prst="rect">
+                <a:avLst/>
+              </a:prstGeom>
+              <a:gradFill>
+                <a:gsLst>
+                  <a:gs pos="0">
+                    <a:srgbClr val="002060"/>
+                  </a:gs>
+                  <a:gs pos="77000">
+                    <a:schemeClr val="accent5">
+                      <a:lumMod val="60000"/>
+                      <a:lumOff val="40000"/>
+                    </a:schemeClr>
+                  </a:gs>
+                  <a:gs pos="91000">
+                    <a:schemeClr val="accent5">
+                      <a:lumMod val="20000"/>
+                      <a:lumOff val="80000"/>
+                    </a:schemeClr>
+                  </a:gs>
+                  <a:gs pos="100000">
+                    <a:schemeClr val="bg1"/>
+                  </a:gs>
+                </a:gsLst>
+                <a:lin ang="0" scaled="1"/>
+              </a:gradFill>
+            </p:spPr>
+            <p:style>
+              <a:lnRef idx="0">
+                <a:schemeClr val="accent5"/>
+              </a:lnRef>
+              <a:fillRef idx="3">
+                <a:schemeClr val="accent5"/>
+              </a:fillRef>
+              <a:effectRef idx="3">
+                <a:schemeClr val="accent5"/>
+              </a:effectRef>
+              <a:fontRef idx="minor">
+                <a:schemeClr val="lt1"/>
+              </a:fontRef>
+            </p:style>
+            <p:txBody>
+              <a:bodyPr rtlCol="0" anchor="ctr"/>
+              <a:lstStyle/>
+              <a:p>
+                <a:pPr marL="360000"/>
+                <a:r>
+                  <a:rPr lang="ko-KR" altLang="en-US" sz="1600" dirty="0">
+                    <a:solidFill>
+                      <a:srgbClr val="FFFF00"/>
+                    </a:solidFill>
+                  </a:rPr>
+                  <a:t>히스토리</a:t>
+                </a:r>
+              </a:p>
+            </p:txBody>
+          </p:sp>
+          <p:sp>
+            <p:nvSpPr>
+              <p:cNvPr id="24" name="Flowchart: Off-page Connector 44">
+                <a:extLst>
+                  <a:ext uri="{FF2B5EF4-FFF2-40B4-BE49-F238E27FC236}">
+                    <a16:creationId xmlns:a16="http://schemas.microsoft.com/office/drawing/2014/main" id="{76F17480-110A-427B-92B9-31935A41AFD2}"/>
+                  </a:ext>
+                </a:extLst>
+              </p:cNvPr>
+              <p:cNvSpPr/>
+              <p:nvPr/>
+            </p:nvSpPr>
+            <p:spPr>
+              <a:xfrm rot="16200000">
+                <a:off x="807469" y="639422"/>
+                <a:ext cx="200288" cy="230861"/>
+              </a:xfrm>
+              <a:prstGeom prst="flowChartOffpageConnector">
+                <a:avLst/>
+              </a:prstGeom>
+              <a:solidFill>
+                <a:srgbClr val="00B050"/>
+              </a:solidFill>
+              <a:ln>
+                <a:solidFill>
+                  <a:srgbClr val="92D050"/>
+                </a:solidFill>
+              </a:ln>
+              <a:scene3d>
+                <a:camera prst="orthographicFront"/>
+                <a:lightRig rig="threePt" dir="t"/>
+              </a:scene3d>
+              <a:sp3d>
+                <a:bevelT/>
+              </a:sp3d>
+            </p:spPr>
+            <p:style>
+              <a:lnRef idx="2">
+                <a:schemeClr val="accent1">
+                  <a:shade val="50000"/>
+                </a:schemeClr>
+              </a:lnRef>
+              <a:fillRef idx="1">
+                <a:schemeClr val="accent1"/>
+              </a:fillRef>
+              <a:effectRef idx="0">
+                <a:schemeClr val="accent1"/>
+              </a:effectRef>
+              <a:fontRef idx="minor">
+                <a:schemeClr val="lt1"/>
+              </a:fontRef>
+            </p:style>
+            <p:txBody>
+              <a:bodyPr rtlCol="0" anchor="ctr"/>
+              <a:lstStyle/>
+              <a:p>
+                <a:pPr algn="ctr"/>
+                <a:endParaRPr lang="ko-KR" altLang="en-US" sz="1600">
+                  <a:solidFill>
+                    <a:srgbClr val="FFFF00"/>
+                  </a:solidFill>
+                </a:endParaRPr>
+              </a:p>
+            </p:txBody>
+          </p:sp>
+        </p:grpSp>
+      </p:grpSp>
+      <p:graphicFrame>
+        <p:nvGraphicFramePr>
+          <p:cNvPr id="68" name="표 67">
+            <a:extLst>
+              <a:ext uri="{FF2B5EF4-FFF2-40B4-BE49-F238E27FC236}">
+                <a16:creationId xmlns:a16="http://schemas.microsoft.com/office/drawing/2014/main" id="{9C0D12A7-3C12-4D3B-9C52-E5E8489DE8B8}"/>
+              </a:ext>
+            </a:extLst>
+          </p:cNvPr>
+          <p:cNvGraphicFramePr>
+            <a:graphicFrameLocks noGrp="1"/>
+          </p:cNvGraphicFramePr>
+          <p:nvPr>
+            <p:extLst>
+              <p:ext uri="{D42A27DB-BD31-4B8C-83A1-F6EECF244321}">
+                <p14:modId xmlns:p14="http://schemas.microsoft.com/office/powerpoint/2010/main" val="2925850441"/>
+              </p:ext>
+            </p:extLst>
+          </p:nvPr>
+        </p:nvGraphicFramePr>
+        <p:xfrm>
+          <a:off x="301874" y="886687"/>
+          <a:ext cx="11541336" cy="762000"/>
+        </p:xfrm>
+        <a:graphic>
+          <a:graphicData uri="http://schemas.openxmlformats.org/drawingml/2006/table">
+            <a:tbl>
+              <a:tblPr firstRow="1" bandRow="1">
+                <a:tableStyleId>{5C22544A-7EE6-4342-B048-85BDC9FD1C3A}</a:tableStyleId>
+              </a:tblPr>
+              <a:tblGrid>
+                <a:gridCol w="1165247">
+                  <a:extLst>
+                    <a:ext uri="{9D8B030D-6E8A-4147-A177-3AD203B41FA5}">
+                      <a16:colId xmlns:a16="http://schemas.microsoft.com/office/drawing/2014/main" val="3134397536"/>
+                    </a:ext>
+                  </a:extLst>
+                </a:gridCol>
+                <a:gridCol w="840650">
+                  <a:extLst>
+                    <a:ext uri="{9D8B030D-6E8A-4147-A177-3AD203B41FA5}">
+                      <a16:colId xmlns:a16="http://schemas.microsoft.com/office/drawing/2014/main" val="2010092017"/>
+                    </a:ext>
+                  </a:extLst>
+                </a:gridCol>
+                <a:gridCol w="9535439">
+                  <a:extLst>
+                    <a:ext uri="{9D8B030D-6E8A-4147-A177-3AD203B41FA5}">
+                      <a16:colId xmlns:a16="http://schemas.microsoft.com/office/drawing/2014/main" val="4257393149"/>
+                    </a:ext>
+                  </a:extLst>
+                </a:gridCol>
+              </a:tblGrid>
+              <a:tr h="0">
+                <a:tc>
+                  <a:txBody>
+                    <a:bodyPr/>
+                    <a:lstStyle/>
+                    <a:p>
+                      <a:pPr algn="ctr" latinLnBrk="1"/>
+                      <a:r>
+                        <a:rPr lang="ko-KR" altLang="en-US" sz="1050" dirty="0"/>
+                        <a:t>날짜</a:t>
+                      </a:r>
+                    </a:p>
+                  </a:txBody>
+                  <a:tcPr anchor="ctr"/>
+                </a:tc>
+                <a:tc>
+                  <a:txBody>
+                    <a:bodyPr/>
+                    <a:lstStyle/>
+                    <a:p>
+                      <a:pPr algn="ctr" latinLnBrk="1"/>
+                      <a:r>
+                        <a:rPr lang="ko-KR" altLang="en-US" sz="1200" dirty="0"/>
+                        <a:t>담당자</a:t>
+                      </a:r>
+                    </a:p>
+                  </a:txBody>
+                  <a:tcPr anchor="ctr"/>
+                </a:tc>
+                <a:tc>
+                  <a:txBody>
+                    <a:bodyPr/>
+                    <a:lstStyle/>
+                    <a:p>
+                      <a:pPr algn="ctr" latinLnBrk="1"/>
+                      <a:r>
+                        <a:rPr lang="ko-KR" altLang="en-US" sz="1200" dirty="0"/>
+                        <a:t>내용</a:t>
+                      </a:r>
+                    </a:p>
+                  </a:txBody>
+                  <a:tcPr anchor="ctr"/>
+                </a:tc>
+                <a:extLst>
+                  <a:ext uri="{0D108BD9-81ED-4DB2-BD59-A6C34878D82A}">
+                    <a16:rowId xmlns:a16="http://schemas.microsoft.com/office/drawing/2014/main" val="4051659418"/>
+                  </a:ext>
+                </a:extLst>
+              </a:tr>
+              <a:tr h="0">
+                <a:tc>
+                  <a:txBody>
+                    <a:bodyPr/>
+                    <a:lstStyle/>
+                    <a:p>
+                      <a:pPr algn="ctr" latinLnBrk="1"/>
+                      <a:r>
+                        <a:rPr lang="en-US" altLang="ko-KR" sz="1000" dirty="0"/>
+                        <a:t>2020.07.17</a:t>
+                      </a:r>
+                      <a:endParaRPr lang="ko-KR" altLang="en-US" sz="1000" dirty="0"/>
+                    </a:p>
+                  </a:txBody>
+                  <a:tcPr anchor="ctr"/>
+                </a:tc>
+                <a:tc>
+                  <a:txBody>
+                    <a:bodyPr/>
+                    <a:lstStyle/>
+                    <a:p>
+                      <a:pPr algn="ctr" latinLnBrk="1"/>
+                      <a:r>
+                        <a:rPr lang="ko-KR" altLang="en-US" sz="1000" dirty="0"/>
+                        <a:t>문상윤</a:t>
+                      </a:r>
+                      <a:endParaRPr lang="en-US" altLang="ko-KR" sz="1000" dirty="0"/>
+                    </a:p>
+                  </a:txBody>
+                  <a:tcPr anchor="ctr"/>
+                </a:tc>
+                <a:tc>
+                  <a:txBody>
+                    <a:bodyPr/>
+                    <a:lstStyle/>
+                    <a:p>
+                      <a:pPr algn="ctr" latinLnBrk="1"/>
+                      <a:r>
+                        <a:rPr lang="ko-KR" altLang="en-US" sz="1000" dirty="0"/>
+                        <a:t>최초 작성</a:t>
+                      </a:r>
+                      <a:endParaRPr lang="en-US" altLang="ko-KR" sz="1000" dirty="0"/>
+                    </a:p>
+                  </a:txBody>
+                  <a:tcPr marL="0" marR="0" marT="0" marB="0" anchor="ctr"/>
+                </a:tc>
+                <a:extLst>
+                  <a:ext uri="{0D108BD9-81ED-4DB2-BD59-A6C34878D82A}">
+                    <a16:rowId xmlns:a16="http://schemas.microsoft.com/office/drawing/2014/main" val="1796892928"/>
+                  </a:ext>
+                </a:extLst>
+              </a:tr>
+              <a:tr h="0">
+                <a:tc>
+                  <a:txBody>
+                    <a:bodyPr/>
+                    <a:lstStyle/>
+                    <a:p>
+                      <a:pPr algn="ctr" latinLnBrk="1"/>
+                      <a:r>
+                        <a:rPr lang="en-US" altLang="ko-KR" sz="1000" dirty="0"/>
+                        <a:t>2020.07.20</a:t>
+                      </a:r>
+                      <a:endParaRPr lang="ko-KR" altLang="en-US" sz="1000" dirty="0"/>
+                    </a:p>
+                  </a:txBody>
+                  <a:tcPr anchor="ctr"/>
+                </a:tc>
+                <a:tc>
+                  <a:txBody>
+                    <a:bodyPr/>
+                    <a:lstStyle/>
+                    <a:p>
+                      <a:pPr algn="ctr" latinLnBrk="1"/>
+                      <a:r>
+                        <a:rPr lang="ko-KR" altLang="en-US" sz="1000"/>
+                        <a:t>문상윤</a:t>
+                      </a:r>
+                      <a:endParaRPr lang="en-US" altLang="ko-KR" sz="1000" dirty="0"/>
+                    </a:p>
+                  </a:txBody>
+                  <a:tcPr anchor="ctr"/>
+                </a:tc>
+                <a:tc>
+                  <a:txBody>
+                    <a:bodyPr/>
+                    <a:lstStyle/>
+                    <a:p>
+                      <a:pPr algn="ctr" latinLnBrk="1"/>
+                      <a:r>
+                        <a:rPr lang="ko-KR" altLang="en-US" sz="1000" dirty="0"/>
+                        <a:t>점프</a:t>
+                      </a:r>
+                      <a:r>
+                        <a:rPr lang="en-US" altLang="ko-KR" sz="1000" dirty="0"/>
+                        <a:t>, </a:t>
+                      </a:r>
+                      <a:r>
+                        <a:rPr lang="ko-KR" altLang="en-US" sz="1000" dirty="0"/>
+                        <a:t>펀치 속도 변경 내용 추가 및 수정</a:t>
+                      </a:r>
+                      <a:endParaRPr lang="en-US" altLang="ko-KR" sz="1000" dirty="0"/>
+                    </a:p>
+                  </a:txBody>
+                  <a:tcPr marL="0" marR="0" marT="0" marB="0" anchor="ctr"/>
+                </a:tc>
+                <a:extLst>
+                  <a:ext uri="{0D108BD9-81ED-4DB2-BD59-A6C34878D82A}">
+                    <a16:rowId xmlns:a16="http://schemas.microsoft.com/office/drawing/2014/main" val="2475897338"/>
+                  </a:ext>
+                </a:extLst>
+              </a:tr>
+            </a:tbl>
+          </a:graphicData>
+        </a:graphic>
+      </p:graphicFrame>
+    </p:spTree>
+    <p:extLst>
+      <p:ext uri="{BB962C8B-B14F-4D97-AF65-F5344CB8AC3E}">
+        <p14:creationId xmlns:p14="http://schemas.microsoft.com/office/powerpoint/2010/main" val="224528122"/>
+      </p:ext>
+    </p:extLst>
+  </p:cSld>
+  <p:clrMapOvr>
+    <a:masterClrMapping/>
+  </p:clrMapOvr>
+</p:sld>
+</file>
+
+<file path=ppt/slides/slide3.xml><?xml version="1.0" encoding="utf-8"?>
+<p:sld xmlns:a="http://schemas.openxmlformats.org/drawingml/2006/main" xmlns:r="http://schemas.openxmlformats.org/officeDocument/2006/relationships" xmlns:p="http://schemas.openxmlformats.org/presentationml/2006/main">
+  <p:cSld>
+    <p:spTree>
+      <p:nvGrpSpPr>
+        <p:cNvPr id="1" name=""/>
+        <p:cNvGrpSpPr/>
+        <p:nvPr/>
+      </p:nvGrpSpPr>
+      <p:grpSpPr>
+        <a:xfrm>
+          <a:off x="0" y="0"/>
+          <a:ext cx="0" cy="0"/>
+          <a:chOff x="0" y="0"/>
+          <a:chExt cx="0" cy="0"/>
+        </a:xfrm>
+      </p:grpSpPr>
+      <p:sp>
+        <p:nvSpPr>
           <p:cNvPr id="3" name="TextBox 2">
             <a:extLst>
               <a:ext uri="{FF2B5EF4-FFF2-40B4-BE49-F238E27FC236}">
@@ -4060,7 +7886,7 @@
                   <a:schemeClr val="bg1"/>
                 </a:solidFill>
               </a:rPr>
-              <a:t>2</a:t>
+              <a:t>3</a:t>
             </a:fld>
             <a:endParaRPr lang="ko-KR" altLang="en-US" b="1" dirty="0">
               <a:solidFill>
@@ -4083,7 +7909,7 @@
 </p:sld>
 </file>
 
-<file path=ppt/slides/slide3.xml><?xml version="1.0" encoding="utf-8"?>
+<file path=ppt/slides/slide4.xml><?xml version="1.0" encoding="utf-8"?>
 <p:sld xmlns:a="http://schemas.openxmlformats.org/drawingml/2006/main" xmlns:r="http://schemas.openxmlformats.org/officeDocument/2006/relationships" xmlns:p="http://schemas.openxmlformats.org/presentationml/2006/main">
   <p:cSld>
     <p:spTree>
@@ -4788,7 +8614,7 @@
           <a:p>
             <a:fld id="{A8E1BB39-725C-444B-809E-419522618855}" type="slidenum">
               <a:rPr lang="ko-KR" altLang="en-US" smtClean="0"/>
-              <a:t>3</a:t>
+              <a:t>4</a:t>
             </a:fld>
             <a:endParaRPr lang="ko-KR" altLang="en-US" dirty="0"/>
           </a:p>
@@ -4845,7 +8671,7 @@
         <p:spPr>
           <a:xfrm>
             <a:off x="622177" y="1110856"/>
-            <a:ext cx="5839583" cy="2769989"/>
+            <a:ext cx="5839583" cy="4370427"/>
           </a:xfrm>
           <a:prstGeom prst="rect">
             <a:avLst/>
@@ -5151,27 +8977,27 @@
               <a:buChar char="•"/>
             </a:pPr>
             <a:r>
-              <a:rPr lang="ko-KR" altLang="en-US" sz="1200" dirty="0"/>
+              <a:rPr lang="ko-KR" altLang="en-US" sz="1200" strike="sngStrike" dirty="0"/>
               <a:t>장애물 간의 거리</a:t>
             </a:r>
             <a:r>
-              <a:rPr lang="en-US" altLang="ko-KR" sz="1200" dirty="0"/>
+              <a:rPr lang="en-US" altLang="ko-KR" sz="1200" strike="sngStrike" dirty="0"/>
               <a:t>(</a:t>
             </a:r>
             <a:r>
-              <a:rPr lang="ko-KR" altLang="en-US" sz="1200" dirty="0"/>
+              <a:rPr lang="ko-KR" altLang="en-US" sz="1200" strike="sngStrike" dirty="0"/>
               <a:t>세로</a:t>
             </a:r>
             <a:r>
-              <a:rPr lang="en-US" altLang="ko-KR" sz="1200" dirty="0"/>
+              <a:rPr lang="en-US" altLang="ko-KR" sz="1200" strike="sngStrike" dirty="0"/>
               <a:t>)</a:t>
             </a:r>
             <a:r>
-              <a:rPr lang="ko-KR" altLang="en-US" sz="1200" dirty="0"/>
+              <a:rPr lang="ko-KR" altLang="en-US" sz="1200" strike="sngStrike" dirty="0"/>
               <a:t>는 동일하지만 시간이 지날수록 이동속도가 빨라진다</a:t>
             </a:r>
             <a:r>
-              <a:rPr lang="en-US" altLang="ko-KR" sz="1200" dirty="0"/>
+              <a:rPr lang="en-US" altLang="ko-KR" sz="1200" strike="sngStrike" dirty="0"/>
               <a:t>.</a:t>
             </a:r>
           </a:p>
@@ -5189,6 +9015,282 @@
             </a:r>
             <a:r>
               <a:rPr lang="en-US" altLang="ko-KR" sz="1200" dirty="0"/>
+              <a:t>.</a:t>
+            </a:r>
+          </a:p>
+          <a:p>
+            <a:pPr marL="228600" indent="-228600" algn="l" defTabSz="540000">
+              <a:spcAft>
+                <a:spcPts val="600"/>
+              </a:spcAft>
+              <a:buFont typeface="Arial" panose="020B0604020202020204" pitchFamily="34" charset="0"/>
+              <a:buChar char="•"/>
+            </a:pPr>
+            <a:r>
+              <a:rPr lang="ko-KR" altLang="en-US" sz="1200" dirty="0">
+                <a:solidFill>
+                  <a:srgbClr val="0070C0"/>
+                </a:solidFill>
+              </a:rPr>
+              <a:t>사용자의 </a:t>
+            </a:r>
+            <a:r>
+              <a:rPr lang="ko-KR" altLang="en-US" sz="1200" dirty="0" err="1">
+                <a:solidFill>
+                  <a:srgbClr val="0070C0"/>
+                </a:solidFill>
+              </a:rPr>
+              <a:t>양발</a:t>
+            </a:r>
+            <a:r>
+              <a:rPr lang="ko-KR" altLang="en-US" sz="1200" dirty="0">
+                <a:solidFill>
+                  <a:srgbClr val="0070C0"/>
+                </a:solidFill>
+              </a:rPr>
+              <a:t> 높이와 발을 올렸다 내리는 속도를 체크하여 이동 속도</a:t>
+            </a:r>
+            <a:r>
+              <a:rPr lang="en-US" altLang="ko-KR" sz="1200" dirty="0">
+                <a:solidFill>
+                  <a:srgbClr val="0070C0"/>
+                </a:solidFill>
+              </a:rPr>
+              <a:t>(</a:t>
+            </a:r>
+            <a:r>
+              <a:rPr lang="ko-KR" altLang="en-US" sz="1200" dirty="0">
+                <a:solidFill>
+                  <a:srgbClr val="0070C0"/>
+                </a:solidFill>
+              </a:rPr>
+              <a:t>혹은 화면 스크롤 속도</a:t>
+            </a:r>
+            <a:r>
+              <a:rPr lang="en-US" altLang="ko-KR" sz="1200" dirty="0">
+                <a:solidFill>
+                  <a:srgbClr val="0070C0"/>
+                </a:solidFill>
+              </a:rPr>
+              <a:t>)</a:t>
+            </a:r>
+            <a:r>
+              <a:rPr lang="ko-KR" altLang="en-US" sz="1200" dirty="0">
+                <a:solidFill>
+                  <a:srgbClr val="0070C0"/>
+                </a:solidFill>
+              </a:rPr>
+              <a:t>가 빨라진다</a:t>
+            </a:r>
+            <a:r>
+              <a:rPr lang="en-US" altLang="ko-KR" sz="1200" dirty="0">
+                <a:solidFill>
+                  <a:srgbClr val="0070C0"/>
+                </a:solidFill>
+              </a:rPr>
+              <a:t>. </a:t>
+            </a:r>
+            <a:r>
+              <a:rPr lang="ko-KR" altLang="en-US" sz="1200" dirty="0">
+                <a:solidFill>
+                  <a:srgbClr val="0070C0"/>
+                </a:solidFill>
+              </a:rPr>
+              <a:t>사용자의 동작이 없다면 </a:t>
+            </a:r>
+            <a:r>
+              <a:rPr lang="en-US" altLang="ko-KR" sz="1200" dirty="0">
+                <a:solidFill>
+                  <a:srgbClr val="0070C0"/>
+                </a:solidFill>
+              </a:rPr>
+              <a:t>default </a:t>
+            </a:r>
+            <a:r>
+              <a:rPr lang="ko-KR" altLang="en-US" sz="1200" dirty="0">
+                <a:solidFill>
+                  <a:srgbClr val="0070C0"/>
+                </a:solidFill>
+              </a:rPr>
+              <a:t>속도 최하 속도로 화면이 스크롤된다</a:t>
+            </a:r>
+            <a:r>
+              <a:rPr lang="en-US" altLang="ko-KR" sz="1200" dirty="0">
+                <a:solidFill>
+                  <a:srgbClr val="0070C0"/>
+                </a:solidFill>
+              </a:rPr>
+              <a:t>.</a:t>
+            </a:r>
+          </a:p>
+          <a:p>
+            <a:pPr marL="228600" indent="-228600" algn="l" defTabSz="540000">
+              <a:spcAft>
+                <a:spcPts val="600"/>
+              </a:spcAft>
+              <a:buFont typeface="Arial" panose="020B0604020202020204" pitchFamily="34" charset="0"/>
+              <a:buChar char="•"/>
+            </a:pPr>
+            <a:r>
+              <a:rPr lang="ko-KR" altLang="en-US" sz="1200" dirty="0">
+                <a:solidFill>
+                  <a:srgbClr val="0070C0"/>
+                </a:solidFill>
+              </a:rPr>
+              <a:t>장애물은 좌</a:t>
+            </a:r>
+            <a:r>
+              <a:rPr lang="en-US" altLang="ko-KR" sz="1200" dirty="0">
+                <a:solidFill>
+                  <a:srgbClr val="0070C0"/>
+                </a:solidFill>
+              </a:rPr>
+              <a:t>, </a:t>
+            </a:r>
+            <a:r>
+              <a:rPr lang="ko-KR" altLang="en-US" sz="1200" dirty="0">
+                <a:solidFill>
+                  <a:srgbClr val="0070C0"/>
+                </a:solidFill>
+              </a:rPr>
+              <a:t>우 이동을 통해서 피할 수도 있고 두 발 점프를 통해서도 회피할 수 있다</a:t>
+            </a:r>
+            <a:r>
+              <a:rPr lang="en-US" altLang="ko-KR" sz="1200" dirty="0">
+                <a:solidFill>
+                  <a:srgbClr val="0070C0"/>
+                </a:solidFill>
+              </a:rPr>
+              <a:t>.</a:t>
+            </a:r>
+          </a:p>
+          <a:p>
+            <a:pPr marL="228600" indent="-228600" algn="l" defTabSz="540000">
+              <a:spcAft>
+                <a:spcPts val="600"/>
+              </a:spcAft>
+              <a:buFont typeface="Arial" panose="020B0604020202020204" pitchFamily="34" charset="0"/>
+              <a:buChar char="•"/>
+            </a:pPr>
+            <a:r>
+              <a:rPr lang="ko-KR" altLang="en-US" sz="1200" dirty="0">
+                <a:solidFill>
+                  <a:srgbClr val="0070C0"/>
+                </a:solidFill>
+              </a:rPr>
+              <a:t>나무</a:t>
+            </a:r>
+            <a:r>
+              <a:rPr lang="en-US" altLang="ko-KR" sz="1200" dirty="0">
+                <a:solidFill>
+                  <a:srgbClr val="0070C0"/>
+                </a:solidFill>
+              </a:rPr>
+              <a:t>, </a:t>
+            </a:r>
+            <a:r>
+              <a:rPr lang="ko-KR" altLang="en-US" sz="1200" dirty="0">
+                <a:solidFill>
+                  <a:srgbClr val="0070C0"/>
+                </a:solidFill>
+              </a:rPr>
+              <a:t>구덩이 등 하단에 깔리는 장애물은 좌우 </a:t>
+            </a:r>
+            <a:r>
+              <a:rPr lang="en-US" altLang="ko-KR" sz="1200" dirty="0">
+                <a:solidFill>
+                  <a:srgbClr val="0070C0"/>
+                </a:solidFill>
+              </a:rPr>
+              <a:t>‘</a:t>
+            </a:r>
+            <a:r>
+              <a:rPr lang="ko-KR" altLang="en-US" sz="1200" dirty="0">
+                <a:solidFill>
+                  <a:srgbClr val="0070C0"/>
+                </a:solidFill>
+              </a:rPr>
+              <a:t>이동 및 점프</a:t>
+            </a:r>
+            <a:r>
+              <a:rPr lang="en-US" altLang="ko-KR" sz="1200" dirty="0">
+                <a:solidFill>
+                  <a:srgbClr val="0070C0"/>
+                </a:solidFill>
+              </a:rPr>
+              <a:t>’</a:t>
+            </a:r>
+            <a:r>
+              <a:rPr lang="ko-KR" altLang="en-US" sz="1200" dirty="0">
+                <a:solidFill>
+                  <a:srgbClr val="0070C0"/>
+                </a:solidFill>
+              </a:rPr>
+              <a:t>를 통해 회피한다</a:t>
+            </a:r>
+            <a:r>
+              <a:rPr lang="en-US" altLang="ko-KR" sz="1200" dirty="0">
+                <a:solidFill>
+                  <a:srgbClr val="0070C0"/>
+                </a:solidFill>
+              </a:rPr>
+              <a:t>.</a:t>
+            </a:r>
+          </a:p>
+          <a:p>
+            <a:pPr marL="228600" indent="-228600" algn="l" defTabSz="540000">
+              <a:spcAft>
+                <a:spcPts val="600"/>
+              </a:spcAft>
+              <a:buFont typeface="Arial" panose="020B0604020202020204" pitchFamily="34" charset="0"/>
+              <a:buChar char="•"/>
+            </a:pPr>
+            <a:r>
+              <a:rPr lang="ko-KR" altLang="en-US" sz="1200" dirty="0">
+                <a:solidFill>
+                  <a:srgbClr val="0070C0"/>
+                </a:solidFill>
+              </a:rPr>
+              <a:t>단 상단에 풍선 오브젝트는 </a:t>
+            </a:r>
+            <a:r>
+              <a:rPr lang="en-US" altLang="ko-KR" sz="1200" dirty="0">
+                <a:solidFill>
+                  <a:srgbClr val="0070C0"/>
+                </a:solidFill>
+              </a:rPr>
+              <a:t>‘</a:t>
+            </a:r>
+            <a:r>
+              <a:rPr lang="ko-KR" altLang="en-US" sz="1200" dirty="0">
+                <a:solidFill>
+                  <a:srgbClr val="0070C0"/>
+                </a:solidFill>
+              </a:rPr>
+              <a:t>펀치</a:t>
+            </a:r>
+            <a:r>
+              <a:rPr lang="en-US" altLang="ko-KR" sz="1200" dirty="0">
+                <a:solidFill>
+                  <a:srgbClr val="0070C0"/>
+                </a:solidFill>
+              </a:rPr>
+              <a:t>’</a:t>
+            </a:r>
+            <a:r>
+              <a:rPr lang="ko-KR" altLang="en-US" sz="1200" dirty="0">
+                <a:solidFill>
+                  <a:srgbClr val="0070C0"/>
+                </a:solidFill>
+              </a:rPr>
+              <a:t>를 통해서 터트릴 수 있다</a:t>
+            </a:r>
+            <a:r>
+              <a:rPr lang="en-US" altLang="ko-KR" sz="1200" dirty="0">
+                <a:solidFill>
+                  <a:srgbClr val="0070C0"/>
+                </a:solidFill>
+              </a:rPr>
               <a:t>.</a:t>
             </a:r>
           </a:p>
@@ -5497,7 +9599,7 @@
 </p:sld>
 </file>
 
-<file path=ppt/slides/slide4.xml><?xml version="1.0" encoding="utf-8"?>
+<file path=ppt/slides/slide5.xml><?xml version="1.0" encoding="utf-8"?>
 <p:sld xmlns:a="http://schemas.openxmlformats.org/drawingml/2006/main" xmlns:r="http://schemas.openxmlformats.org/officeDocument/2006/relationships" xmlns:p="http://schemas.openxmlformats.org/presentationml/2006/main">
   <p:cSld>
     <p:spTree>
@@ -6202,7 +10304,7 @@
           <a:p>
             <a:fld id="{A8E1BB39-725C-444B-809E-419522618855}" type="slidenum">
               <a:rPr lang="ko-KR" altLang="en-US" smtClean="0"/>
-              <a:t>4</a:t>
+              <a:t>5</a:t>
             </a:fld>
             <a:endParaRPr lang="ko-KR" altLang="en-US" dirty="0"/>
           </a:p>
@@ -6223,7 +10325,7 @@
         <p:spPr>
           <a:xfrm>
             <a:off x="4697789" y="1188311"/>
-            <a:ext cx="6524638" cy="1951496"/>
+            <a:ext cx="6524638" cy="3014351"/>
           </a:xfrm>
           <a:prstGeom prst="rect">
             <a:avLst/>
@@ -6416,8 +10518,137 @@
             </a:r>
             <a:r>
               <a:rPr lang="en-US" altLang="ko-KR" sz="1200" dirty="0"/>
-              <a:t>.</a:t>
-            </a:r>
+              <a:t>.(</a:t>
+            </a:r>
+            <a:r>
+              <a:rPr lang="ko-KR" altLang="en-US" sz="1200" dirty="0"/>
+              <a:t>사용자 좌우</a:t>
+            </a:r>
+            <a:r>
+              <a:rPr lang="en-US" altLang="ko-KR" sz="1200" dirty="0"/>
+              <a:t>)</a:t>
+            </a:r>
+          </a:p>
+          <a:p>
+            <a:pPr marL="228600" indent="-228600" algn="l" defTabSz="540000">
+              <a:lnSpc>
+                <a:spcPct val="130000"/>
+              </a:lnSpc>
+              <a:spcAft>
+                <a:spcPts val="400"/>
+              </a:spcAft>
+              <a:buFont typeface="Arial" panose="020B0604020202020204" pitchFamily="34" charset="0"/>
+              <a:buChar char="•"/>
+            </a:pPr>
+            <a:r>
+              <a:rPr lang="ko-KR" altLang="en-US" sz="1200" dirty="0">
+                <a:solidFill>
+                  <a:srgbClr val="0070C0"/>
+                </a:solidFill>
+              </a:rPr>
+              <a:t>전면 스크린에 </a:t>
+            </a:r>
+            <a:r>
+              <a:rPr lang="en-US" altLang="ko-KR" sz="1200" dirty="0">
+                <a:solidFill>
+                  <a:srgbClr val="0070C0"/>
+                </a:solidFill>
+              </a:rPr>
+              <a:t>3D </a:t>
+            </a:r>
+            <a:r>
+              <a:rPr lang="ko-KR" altLang="en-US" sz="1200" dirty="0">
+                <a:solidFill>
+                  <a:srgbClr val="0070C0"/>
+                </a:solidFill>
+              </a:rPr>
+              <a:t>모델링 캐릭터</a:t>
+            </a:r>
+            <a:r>
+              <a:rPr lang="en-US" altLang="ko-KR" sz="1200" dirty="0">
+                <a:solidFill>
+                  <a:srgbClr val="0070C0"/>
+                </a:solidFill>
+              </a:rPr>
+              <a:t>(</a:t>
+            </a:r>
+            <a:r>
+              <a:rPr lang="ko-KR" altLang="en-US" sz="1200" dirty="0">
+                <a:solidFill>
+                  <a:srgbClr val="0070C0"/>
+                </a:solidFill>
+              </a:rPr>
+              <a:t>스냅샷 캐릭터라고 명명</a:t>
+            </a:r>
+            <a:r>
+              <a:rPr lang="en-US" altLang="ko-KR" sz="1200" dirty="0">
+                <a:solidFill>
+                  <a:srgbClr val="0070C0"/>
+                </a:solidFill>
+              </a:rPr>
+              <a:t>)</a:t>
+            </a:r>
+            <a:r>
+              <a:rPr lang="ko-KR" altLang="en-US" sz="1200" dirty="0">
+                <a:solidFill>
+                  <a:srgbClr val="0070C0"/>
+                </a:solidFill>
+              </a:rPr>
+              <a:t>를 표시해주고 사용자의 발 속도에 따라 스냅샷 캐릭터의 애니메이션 속도가 변경된다</a:t>
+            </a:r>
+            <a:r>
+              <a:rPr lang="en-US" altLang="ko-KR" sz="1200" dirty="0">
+                <a:solidFill>
+                  <a:srgbClr val="0070C0"/>
+                </a:solidFill>
+              </a:rPr>
+              <a:t>. </a:t>
+            </a:r>
+            <a:r>
+              <a:rPr lang="ko-KR" altLang="en-US" sz="1200" dirty="0">
+                <a:solidFill>
+                  <a:srgbClr val="0070C0"/>
+                </a:solidFill>
+              </a:rPr>
+              <a:t>사용자가 점프를 하면 점프를 한다</a:t>
+            </a:r>
+            <a:r>
+              <a:rPr lang="en-US" altLang="ko-KR" sz="1200" dirty="0">
+                <a:solidFill>
+                  <a:srgbClr val="0070C0"/>
+                </a:solidFill>
+              </a:rPr>
+              <a:t>.(R&amp;D </a:t>
+            </a:r>
+            <a:r>
+              <a:rPr lang="ko-KR" altLang="en-US" sz="1200" dirty="0">
+                <a:solidFill>
+                  <a:srgbClr val="0070C0"/>
+                </a:solidFill>
+              </a:rPr>
+              <a:t>필요</a:t>
+            </a:r>
+            <a:r>
+              <a:rPr lang="en-US" altLang="ko-KR" sz="1200" dirty="0">
+                <a:solidFill>
+                  <a:srgbClr val="0070C0"/>
+                </a:solidFill>
+              </a:rPr>
+              <a:t>)</a:t>
+            </a:r>
+          </a:p>
+          <a:p>
+            <a:pPr marL="228600" indent="-228600" algn="l" defTabSz="540000">
+              <a:lnSpc>
+                <a:spcPct val="130000"/>
+              </a:lnSpc>
+              <a:spcAft>
+                <a:spcPts val="400"/>
+              </a:spcAft>
+              <a:buFont typeface="Arial" panose="020B0604020202020204" pitchFamily="34" charset="0"/>
+              <a:buChar char="•"/>
+            </a:pPr>
+            <a:endParaRPr lang="en-US" altLang="ko-KR" sz="1200" dirty="0"/>
           </a:p>
         </p:txBody>
       </p:sp>
@@ -6748,8 +10979,8 @@
         </p:nvSpPr>
         <p:spPr>
           <a:xfrm>
-            <a:off x="305274" y="4710505"/>
-            <a:ext cx="1255642" cy="1644942"/>
+            <a:off x="291935" y="4710505"/>
+            <a:ext cx="1268981" cy="1644942"/>
           </a:xfrm>
           <a:prstGeom prst="rect">
             <a:avLst/>
@@ -9096,6 +13327,50 @@
           </a:p>
         </p:txBody>
       </p:sp>
+      <p:pic>
+        <p:nvPicPr>
+          <p:cNvPr id="4" name="그림 3">
+            <a:extLst>
+              <a:ext uri="{FF2B5EF4-FFF2-40B4-BE49-F238E27FC236}">
+                <a16:creationId xmlns:a16="http://schemas.microsoft.com/office/drawing/2014/main" id="{F54E83B4-B6F2-41BA-A4B5-55AD574E84C2}"/>
+              </a:ext>
+            </a:extLst>
+          </p:cNvPr>
+          <p:cNvPicPr>
+            <a:picLocks noChangeAspect="1"/>
+          </p:cNvPicPr>
+          <p:nvPr/>
+        </p:nvPicPr>
+        <p:blipFill>
+          <a:blip r:embed="rId3">
+            <a:extLst>
+              <a:ext uri="{BEBA8EAE-BF5A-486C-A8C5-ECC9F3942E4B}">
+                <a14:imgProps xmlns:a14="http://schemas.microsoft.com/office/drawing/2010/main">
+                  <a14:imgLayer r:embed="rId4">
+                    <a14:imgEffect>
+                      <a14:backgroundRemoval t="9396" b="89933" l="9843" r="89933">
+                        <a14:foregroundMark x1="45414" y1="9843" x2="48770" y2="9396"/>
+                      </a14:backgroundRemoval>
+                    </a14:imgEffect>
+                  </a14:imgLayer>
+                </a14:imgProps>
+              </a:ext>
+            </a:extLst>
+          </a:blip>
+          <a:stretch>
+            <a:fillRect/>
+          </a:stretch>
+        </p:blipFill>
+        <p:spPr>
+          <a:xfrm>
+            <a:off x="1659997" y="2244121"/>
+            <a:ext cx="1156301" cy="1156301"/>
+          </a:xfrm>
+          <a:prstGeom prst="rect">
+            <a:avLst/>
+          </a:prstGeom>
+        </p:spPr>
+      </p:pic>
     </p:spTree>
     <p:extLst>
       <p:ext uri="{BB962C8B-B14F-4D97-AF65-F5344CB8AC3E}">
@@ -9109,7 +13384,7 @@
 </p:sld>
 </file>
 
-<file path=ppt/slides/slide5.xml><?xml version="1.0" encoding="utf-8"?>
+<file path=ppt/slides/slide6.xml><?xml version="1.0" encoding="utf-8"?>
 <p:sld xmlns:a="http://schemas.openxmlformats.org/drawingml/2006/main" xmlns:r="http://schemas.openxmlformats.org/officeDocument/2006/relationships" xmlns:p="http://schemas.openxmlformats.org/presentationml/2006/main">
   <p:cSld>
     <p:spTree>
@@ -9814,7 +14089,7 @@
           <a:p>
             <a:fld id="{A8E1BB39-725C-444B-809E-419522618855}" type="slidenum">
               <a:rPr lang="ko-KR" altLang="en-US" smtClean="0"/>
-              <a:t>5</a:t>
+              <a:t>6</a:t>
             </a:fld>
             <a:endParaRPr lang="ko-KR" altLang="en-US" dirty="0"/>
           </a:p>
@@ -9892,7 +14167,7 @@
             </a:r>
             <a:r>
               <a:rPr lang="en-US" altLang="ko-KR" sz="1200" dirty="0"/>
-              <a:t>1:1:2:1:1</a:t>
+              <a:t>1:1:1</a:t>
             </a:r>
             <a:r>
               <a:rPr lang="ko-KR" altLang="en-US" sz="1200" dirty="0"/>
@@ -9920,7 +14195,7 @@
             </a:r>
             <a:r>
               <a:rPr lang="en-US" altLang="ko-KR" sz="1200" dirty="0"/>
-              <a:t>5</a:t>
+              <a:t>3</a:t>
             </a:r>
             <a:r>
               <a:rPr lang="ko-KR" altLang="en-US" sz="1200" dirty="0"/>
@@ -9950,26 +14225,6 @@
               <a:rPr lang="ko-KR" altLang="en-US" sz="1100" dirty="0" err="1"/>
               <a:t>양발</a:t>
             </a:r>
-            <a:r>
-              <a:rPr lang="ko-KR" altLang="en-US" sz="1100" dirty="0"/>
-              <a:t> </a:t>
-            </a:r>
-            <a:r>
-              <a:rPr lang="en-US" altLang="ko-KR" sz="1100" dirty="0"/>
-              <a:t>: 1</a:t>
-            </a:r>
-            <a:r>
-              <a:rPr lang="ko-KR" altLang="en-US" sz="1100" dirty="0"/>
-              <a:t>번 왼발</a:t>
-            </a:r>
-            <a:r>
-              <a:rPr lang="en-US" altLang="ko-KR" sz="1100" dirty="0"/>
-              <a:t>, 2</a:t>
-            </a:r>
-            <a:r>
-              <a:rPr lang="ko-KR" altLang="en-US" sz="1100" dirty="0"/>
-              <a:t>번 오른발</a:t>
-            </a:r>
             <a:endParaRPr lang="en-US" altLang="ko-KR" sz="1100" dirty="0"/>
           </a:p>
           <a:p>
@@ -9991,22 +14246,6 @@
               <a:rPr lang="ko-KR" altLang="en-US" sz="1100" dirty="0" err="1"/>
               <a:t>양발</a:t>
             </a:r>
-            <a:r>
-              <a:rPr lang="ko-KR" altLang="en-US" sz="1100" dirty="0"/>
-              <a:t> </a:t>
-            </a:r>
-            <a:r>
-              <a:rPr lang="en-US" altLang="ko-KR" sz="1100" dirty="0"/>
-              <a:t>: 3</a:t>
-            </a:r>
-            <a:r>
-              <a:rPr lang="ko-KR" altLang="en-US" sz="1100" dirty="0"/>
-              <a:t>번에 </a:t>
-            </a:r>
-            <a:r>
-              <a:rPr lang="ko-KR" altLang="en-US" sz="1100" dirty="0" err="1"/>
-              <a:t>양발</a:t>
-            </a:r>
             <a:endParaRPr lang="en-US" altLang="ko-KR" sz="1100" dirty="0"/>
           </a:p>
           <a:p>
@@ -10027,26 +14266,6 @@
             <a:r>
               <a:rPr lang="ko-KR" altLang="en-US" sz="1100" dirty="0" err="1"/>
               <a:t>양발</a:t>
-            </a:r>
-            <a:r>
-              <a:rPr lang="ko-KR" altLang="en-US" sz="1100" dirty="0"/>
-              <a:t> </a:t>
-            </a:r>
-            <a:r>
-              <a:rPr lang="en-US" altLang="ko-KR" sz="1100" dirty="0"/>
-              <a:t>: 4</a:t>
-            </a:r>
-            <a:r>
-              <a:rPr lang="ko-KR" altLang="en-US" sz="1100" dirty="0"/>
-              <a:t>번 왼발</a:t>
-            </a:r>
-            <a:r>
-              <a:rPr lang="en-US" altLang="ko-KR" sz="1100" dirty="0"/>
-              <a:t>, 5</a:t>
-            </a:r>
-            <a:r>
-              <a:rPr lang="ko-KR" altLang="en-US" sz="1100" dirty="0"/>
-              <a:t>번 오른발</a:t>
             </a:r>
             <a:endParaRPr lang="en-US" altLang="ko-KR" sz="1100" dirty="0"/>
           </a:p>
@@ -10292,7 +14511,7 @@
 </p:sld>
 </file>
 
-<file path=ppt/slides/slide6.xml><?xml version="1.0" encoding="utf-8"?>
+<file path=ppt/slides/slide7.xml><?xml version="1.0" encoding="utf-8"?>
 <p:sld xmlns:a="http://schemas.openxmlformats.org/drawingml/2006/main" xmlns:r="http://schemas.openxmlformats.org/officeDocument/2006/relationships" xmlns:p="http://schemas.openxmlformats.org/presentationml/2006/main">
   <p:cSld>
     <p:spTree>
@@ -10997,7 +15216,7 @@
           <a:p>
             <a:fld id="{A8E1BB39-725C-444B-809E-419522618855}" type="slidenum">
               <a:rPr lang="ko-KR" altLang="en-US" smtClean="0"/>
-              <a:t>6</a:t>
+              <a:t>7</a:t>
             </a:fld>
             <a:endParaRPr lang="ko-KR" altLang="en-US" dirty="0"/>
           </a:p>
@@ -11018,7 +15237,7 @@
           <p:nvPr>
             <p:extLst>
               <p:ext uri="{D42A27DB-BD31-4B8C-83A1-F6EECF244321}">
-                <p14:modId xmlns:p14="http://schemas.microsoft.com/office/powerpoint/2010/main" val="2929716106"/>
+                <p14:modId xmlns:p14="http://schemas.microsoft.com/office/powerpoint/2010/main" val="3178625356"/>
               </p:ext>
             </p:extLst>
           </p:nvPr>
@@ -11152,23 +15371,7 @@
                       <a:pPr latinLnBrk="1"/>
                       <a:r>
                         <a:rPr lang="en-US" altLang="ko-KR" sz="1200" dirty="0"/>
-                        <a:t>1,2</a:t>
-                      </a:r>
-                      <a:r>
-                        <a:rPr lang="ko-KR" altLang="en-US" sz="1200" dirty="0"/>
-                        <a:t>번</a:t>
-                      </a:r>
-                      <a:r>
-                        <a:rPr lang="en-US" altLang="ko-KR" sz="1200" dirty="0"/>
-                        <a:t>, 3</a:t>
-                      </a:r>
-                      <a:r>
-                        <a:rPr lang="ko-KR" altLang="en-US" sz="1200" dirty="0"/>
-                        <a:t>번</a:t>
-                      </a:r>
-                      <a:r>
-                        <a:rPr lang="en-US" altLang="ko-KR" sz="1200" dirty="0"/>
-                        <a:t>, 4,5</a:t>
+                        <a:t>1, 2, 3</a:t>
                       </a:r>
                       <a:r>
                         <a:rPr lang="ko-KR" altLang="en-US" sz="1200" dirty="0"/>
@@ -11729,7 +15932,7 @@
             </a:pPr>
             <a:r>
               <a:rPr lang="en-US" altLang="ko-KR" sz="1200" dirty="0"/>
-              <a:t>1, 2</a:t>
+              <a:t>1</a:t>
             </a:r>
             <a:r>
               <a:rPr lang="ko-KR" altLang="en-US" sz="1200" dirty="0"/>
@@ -11737,7 +15940,7 @@
             </a:r>
             <a:r>
               <a:rPr lang="en-US" altLang="ko-KR" sz="1200" dirty="0"/>
-              <a:t> / 2, 3</a:t>
+              <a:t> / 2</a:t>
             </a:r>
             <a:r>
               <a:rPr lang="ko-KR" altLang="en-US" sz="1200" dirty="0"/>
@@ -11746,22 +15949,6 @@
             <a:r>
               <a:rPr lang="en-US" altLang="ko-KR" sz="1200" dirty="0"/>
               <a:t> / 3</a:t>
-            </a:r>
-            <a:r>
-              <a:rPr lang="ko-KR" altLang="en-US" sz="1200" dirty="0"/>
-              <a:t>번</a:t>
-            </a:r>
-            <a:r>
-              <a:rPr lang="en-US" altLang="ko-KR" sz="1200" dirty="0"/>
-              <a:t> / 3, 4</a:t>
-            </a:r>
-            <a:r>
-              <a:rPr lang="ko-KR" altLang="en-US" sz="1200" dirty="0"/>
-              <a:t>번</a:t>
-            </a:r>
-            <a:r>
-              <a:rPr lang="en-US" altLang="ko-KR" sz="1200" dirty="0"/>
-              <a:t> / 4, 5</a:t>
             </a:r>
             <a:r>
               <a:rPr lang="ko-KR" altLang="en-US" sz="1200" dirty="0"/>
@@ -14559,7 +18746,7 @@
                   <a:schemeClr val="tx1"/>
                 </a:solidFill>
               </a:rPr>
-              <a:t>.(ex : 12, 23, 45, 3, 34)</a:t>
+              <a:t>.(ex : 1, 2, 3)</a:t>
             </a:r>
           </a:p>
           <a:p>
@@ -14645,7 +18832,7 @@
                   <a:schemeClr val="tx1"/>
                 </a:solidFill>
               </a:rPr>
-              <a:t>- 345 -&gt; 3, 4, 5 -</a:t>
+              <a:t>- 23 - 1,3 -</a:t>
             </a:r>
             <a:r>
               <a:rPr lang="ko-KR" altLang="en-US" sz="1200" dirty="0">
@@ -15459,7 +19646,7 @@
 </p:sld>
 </file>
 
-<file path=ppt/slides/slide7.xml><?xml version="1.0" encoding="utf-8"?>
+<file path=ppt/slides/slide8.xml><?xml version="1.0" encoding="utf-8"?>
 <p:sld xmlns:a="http://schemas.openxmlformats.org/drawingml/2006/main" xmlns:r="http://schemas.openxmlformats.org/officeDocument/2006/relationships" xmlns:p="http://schemas.openxmlformats.org/presentationml/2006/main">
   <p:cSld>
     <p:spTree>
@@ -16371,7 +20558,7 @@
           <a:p>
             <a:fld id="{A8E1BB39-725C-444B-809E-419522618855}" type="slidenum">
               <a:rPr lang="ko-KR" altLang="en-US" smtClean="0"/>
-              <a:t>7</a:t>
+              <a:t>8</a:t>
             </a:fld>
             <a:endParaRPr lang="ko-KR" altLang="en-US" dirty="0"/>
           </a:p>
@@ -19826,7 +24013,7 @@
 </p:sld>
 </file>
 
-<file path=ppt/slides/slide8.xml><?xml version="1.0" encoding="utf-8"?>
+<file path=ppt/slides/slide9.xml><?xml version="1.0" encoding="utf-8"?>
 <p:sld xmlns:a="http://schemas.openxmlformats.org/drawingml/2006/main" xmlns:r="http://schemas.openxmlformats.org/officeDocument/2006/relationships" xmlns:p="http://schemas.openxmlformats.org/presentationml/2006/main">
   <p:cSld>
     <p:spTree>
@@ -20708,7 +24895,7 @@
           <a:p>
             <a:fld id="{A8E1BB39-725C-444B-809E-419522618855}" type="slidenum">
               <a:rPr lang="ko-KR" altLang="en-US" smtClean="0"/>
-              <a:t>8</a:t>
+              <a:t>9</a:t>
             </a:fld>
             <a:endParaRPr lang="ko-KR" altLang="en-US" dirty="0"/>
           </a:p>

--- a/docs/[JoyFitness] 전시회용 미니 게임_JoyRun.pptx
+++ b/docs/[JoyFitness] 전시회용 미니 게임_JoyRun.pptx
@@ -5036,14 +5036,14 @@
           <p:nvPr>
             <p:extLst>
               <p:ext uri="{D42A27DB-BD31-4B8C-83A1-F6EECF244321}">
-                <p14:modId xmlns:p14="http://schemas.microsoft.com/office/powerpoint/2010/main" val="4241778897"/>
+                <p14:modId xmlns:p14="http://schemas.microsoft.com/office/powerpoint/2010/main" val="3719808770"/>
               </p:ext>
             </p:extLst>
           </p:nvPr>
         </p:nvGraphicFramePr>
         <p:xfrm>
           <a:off x="5150840" y="1100722"/>
-          <a:ext cx="6692368" cy="4175760"/>
+          <a:ext cx="6692368" cy="5090160"/>
         </p:xfrm>
         <a:graphic>
           <a:graphicData uri="http://schemas.openxmlformats.org/drawingml/2006/table">
@@ -5608,7 +5608,66 @@
                       </a:pPr>
                       <a:r>
                         <a:rPr lang="ko-KR" altLang="en-US" sz="1000" dirty="0"/>
-                        <a:t>랭킹 템플릿에는 순위</a:t>
+                        <a:t>랭킹 템플릿에는 순위와 점수가 표시되며 사용자 아이콘은 표시되지 않는다</a:t>
+                      </a:r>
+                      <a:r>
+                        <a:rPr lang="en-US" altLang="ko-KR" sz="1000" dirty="0"/>
+                        <a:t>.</a:t>
+                      </a:r>
+                    </a:p>
+                    <a:p>
+                      <a:pPr marL="0" marR="0" lvl="0" indent="0" algn="l" defTabSz="914400" rtl="0" eaLnBrk="1" fontAlgn="auto" latinLnBrk="1" hangingPunct="1">
+                        <a:lnSpc>
+                          <a:spcPct val="100000"/>
+                        </a:lnSpc>
+                        <a:spcBef>
+                          <a:spcPts val="0"/>
+                        </a:spcBef>
+                        <a:spcAft>
+                          <a:spcPts val="0"/>
+                        </a:spcAft>
+                        <a:buClrTx/>
+                        <a:buSzTx/>
+                        <a:buFontTx/>
+                        <a:buNone/>
+                        <a:tabLst/>
+                        <a:defRPr/>
+                      </a:pPr>
+                      <a:endParaRPr lang="en-US" altLang="ko-KR" sz="1000" dirty="0"/>
+                    </a:p>
+                    <a:p>
+                      <a:pPr marL="0" marR="0" lvl="0" indent="0" algn="l" defTabSz="914400" rtl="0" eaLnBrk="1" fontAlgn="auto" latinLnBrk="1" hangingPunct="1">
+                        <a:lnSpc>
+                          <a:spcPct val="100000"/>
+                        </a:lnSpc>
+                        <a:spcBef>
+                          <a:spcPts val="0"/>
+                        </a:spcBef>
+                        <a:spcAft>
+                          <a:spcPts val="0"/>
+                        </a:spcAft>
+                        <a:buClrTx/>
+                        <a:buSzTx/>
+                        <a:buFontTx/>
+                        <a:buNone/>
+                        <a:tabLst/>
+                        <a:defRPr/>
+                      </a:pPr>
+                      <a:r>
+                        <a:rPr lang="ko-KR" altLang="en-US" sz="1000" dirty="0"/>
+                        <a:t>순위 표시 상단 영역에 사용자의 닉네임이 표시된다</a:t>
+                      </a:r>
+                      <a:r>
+                        <a:rPr lang="en-US" altLang="ko-KR" sz="1000" dirty="0"/>
+                        <a:t>.</a:t>
+                      </a:r>
+                      <a:r>
+                        <a:rPr lang="ko-KR" altLang="en-US" sz="1000" dirty="0"/>
+                        <a:t> 사용자의 닉네임은 조이 피트니스 구글 로그인 시 마이 페이지에서 설정한 닉네임을 가져온다</a:t>
+                      </a:r>
+                      <a:r>
+                        <a:rPr lang="en-US" altLang="ko-KR" sz="1000" dirty="0"/>
+                        <a:t>.</a:t>
                       </a:r>
                     </a:p>
                   </a:txBody>
@@ -5638,6 +5697,10 @@
                     <a:lstStyle/>
                     <a:p>
                       <a:pPr algn="ctr" latinLnBrk="1"/>
+                      <a:r>
+                        <a:rPr lang="en-US" altLang="ko-KR" sz="1000" dirty="0"/>
+                        <a:t>5</a:t>
+                      </a:r>
                       <a:endParaRPr lang="ko-KR" altLang="en-US" sz="1000" dirty="0"/>
                     </a:p>
                   </a:txBody>
@@ -5649,7 +5712,10 @@
                     <a:lstStyle/>
                     <a:p>
                       <a:pPr algn="l" latinLnBrk="1"/>
-                      <a:endParaRPr lang="ko-KR" altLang="en-US" sz="1000" dirty="0"/>
+                      <a:r>
+                        <a:rPr lang="ko-KR" altLang="en-US" sz="1000" dirty="0"/>
+                        <a:t>내 순위 표시 영역</a:t>
+                      </a:r>
                     </a:p>
                   </a:txBody>
                   <a:tcPr anchor="ctr"/>
@@ -5676,7 +5742,45 @@
                         <a:tabLst/>
                         <a:defRPr/>
                       </a:pPr>
-                      <a:endParaRPr lang="ko-KR" altLang="en-US" sz="1000" dirty="0"/>
+                      <a:r>
+                        <a:rPr lang="ko-KR" altLang="en-US" sz="1000" dirty="0"/>
+                        <a:t>현재 사용자의 랭킹 정보가 표시된다</a:t>
+                      </a:r>
+                      <a:r>
+                        <a:rPr lang="en-US" altLang="ko-KR" sz="1000" dirty="0"/>
+                        <a:t>.</a:t>
+                      </a:r>
+                    </a:p>
+                    <a:p>
+                      <a:pPr marL="0" marR="0" lvl="0" indent="0" algn="l" defTabSz="914400" rtl="0" eaLnBrk="1" fontAlgn="auto" latinLnBrk="1" hangingPunct="1">
+                        <a:lnSpc>
+                          <a:spcPct val="100000"/>
+                        </a:lnSpc>
+                        <a:spcBef>
+                          <a:spcPts val="0"/>
+                        </a:spcBef>
+                        <a:spcAft>
+                          <a:spcPts val="0"/>
+                        </a:spcAft>
+                        <a:buClrTx/>
+                        <a:buSzTx/>
+                        <a:buFontTx/>
+                        <a:buNone/>
+                        <a:tabLst/>
+                        <a:defRPr/>
+                      </a:pPr>
+                      <a:r>
+                        <a:rPr lang="ko-KR" altLang="en-US" sz="1000" dirty="0"/>
+                        <a:t>랭킹 템플릿은 </a:t>
+                      </a:r>
+                      <a:r>
+                        <a:rPr lang="en-US" altLang="ko-KR" sz="1000" dirty="0"/>
+                        <a:t>4</a:t>
+                      </a:r>
+                      <a:r>
+                        <a:rPr lang="ko-KR" altLang="en-US" sz="1000" dirty="0"/>
+                        <a:t>번과 동일</a:t>
+                      </a:r>
                     </a:p>
                   </a:txBody>
                   <a:tcPr anchor="ctr"/>
@@ -6369,8 +6473,8 @@
         </p:nvSpPr>
         <p:spPr>
           <a:xfrm>
-            <a:off x="705951" y="1479888"/>
-            <a:ext cx="2352675" cy="1437013"/>
+            <a:off x="705951" y="1479889"/>
+            <a:ext cx="2352675" cy="1413412"/>
           </a:xfrm>
           <a:prstGeom prst="roundRect">
             <a:avLst>
@@ -6641,8 +6745,8 @@
         </p:blipFill>
         <p:spPr>
           <a:xfrm>
-            <a:off x="748819" y="2694789"/>
-            <a:ext cx="2265821" cy="154729"/>
+            <a:off x="748819" y="2694790"/>
+            <a:ext cx="2265821" cy="124254"/>
           </a:xfrm>
           <a:prstGeom prst="rect">
             <a:avLst/>
@@ -6827,7 +6931,171 @@
             <a:pPr algn="ctr"/>
             <a:r>
               <a:rPr lang="en-US" altLang="ko-KR" dirty="0"/>
-              <a:t>3</a:t>
+              <a:t>4</a:t>
+            </a:r>
+            <a:endParaRPr lang="ko-KR" altLang="en-US" dirty="0"/>
+          </a:p>
+        </p:txBody>
+      </p:sp>
+      <p:pic>
+        <p:nvPicPr>
+          <p:cNvPr id="38" name="그림 37">
+            <a:extLst>
+              <a:ext uri="{FF2B5EF4-FFF2-40B4-BE49-F238E27FC236}">
+                <a16:creationId xmlns:a16="http://schemas.microsoft.com/office/drawing/2014/main" id="{A7A89A75-5BFF-462E-B1C3-C003C9198E38}"/>
+              </a:ext>
+            </a:extLst>
+          </p:cNvPr>
+          <p:cNvPicPr>
+            <a:picLocks noChangeAspect="1"/>
+          </p:cNvPicPr>
+          <p:nvPr/>
+        </p:nvPicPr>
+        <p:blipFill>
+          <a:blip r:embed="rId8"/>
+          <a:stretch>
+            <a:fillRect/>
+          </a:stretch>
+        </p:blipFill>
+        <p:spPr>
+          <a:xfrm>
+            <a:off x="739853" y="3037056"/>
+            <a:ext cx="2265821" cy="154729"/>
+          </a:xfrm>
+          <a:prstGeom prst="rect">
+            <a:avLst/>
+          </a:prstGeom>
+        </p:spPr>
+      </p:pic>
+      <p:pic>
+        <p:nvPicPr>
+          <p:cNvPr id="39" name="그림 38">
+            <a:extLst>
+              <a:ext uri="{FF2B5EF4-FFF2-40B4-BE49-F238E27FC236}">
+                <a16:creationId xmlns:a16="http://schemas.microsoft.com/office/drawing/2014/main" id="{30C9CC17-36E8-44AD-8C66-390831E53457}"/>
+              </a:ext>
+            </a:extLst>
+          </p:cNvPr>
+          <p:cNvPicPr>
+            <a:picLocks noChangeAspect="1"/>
+          </p:cNvPicPr>
+          <p:nvPr/>
+        </p:nvPicPr>
+        <p:blipFill>
+          <a:blip r:embed="rId8"/>
+          <a:stretch>
+            <a:fillRect/>
+          </a:stretch>
+        </p:blipFill>
+        <p:spPr>
+          <a:xfrm>
+            <a:off x="740295" y="3058556"/>
+            <a:ext cx="317025" cy="276985"/>
+          </a:xfrm>
+          <a:prstGeom prst="rect">
+            <a:avLst/>
+          </a:prstGeom>
+        </p:spPr>
+      </p:pic>
+      <p:sp>
+        <p:nvSpPr>
+          <p:cNvPr id="40" name="사각형: 둥근 모서리 39">
+            <a:extLst>
+              <a:ext uri="{FF2B5EF4-FFF2-40B4-BE49-F238E27FC236}">
+                <a16:creationId xmlns:a16="http://schemas.microsoft.com/office/drawing/2014/main" id="{B73E0535-ADB7-479A-9D60-A33172AAA9E5}"/>
+              </a:ext>
+            </a:extLst>
+          </p:cNvPr>
+          <p:cNvSpPr/>
+          <p:nvPr/>
+        </p:nvSpPr>
+        <p:spPr>
+          <a:xfrm>
+            <a:off x="715068" y="2930646"/>
+            <a:ext cx="2352675" cy="404895"/>
+          </a:xfrm>
+          <a:prstGeom prst="roundRect">
+            <a:avLst>
+              <a:gd name="adj" fmla="val 7372"/>
+            </a:avLst>
+          </a:prstGeom>
+          <a:noFill/>
+          <a:ln>
+            <a:solidFill>
+              <a:srgbClr val="FF0000"/>
+            </a:solidFill>
+          </a:ln>
+        </p:spPr>
+        <p:style>
+          <a:lnRef idx="2">
+            <a:schemeClr val="accent1">
+              <a:shade val="50000"/>
+            </a:schemeClr>
+          </a:lnRef>
+          <a:fillRef idx="1">
+            <a:schemeClr val="accent1"/>
+          </a:fillRef>
+          <a:effectRef idx="0">
+            <a:schemeClr val="accent1"/>
+          </a:effectRef>
+          <a:fontRef idx="minor">
+            <a:schemeClr val="lt1"/>
+          </a:fontRef>
+        </p:style>
+        <p:txBody>
+          <a:bodyPr rtlCol="0" anchor="ctr"/>
+          <a:lstStyle/>
+          <a:p>
+            <a:pPr algn="ctr"/>
+            <a:endParaRPr lang="ko-KR" altLang="en-US"/>
+          </a:p>
+        </p:txBody>
+      </p:sp>
+      <p:sp>
+        <p:nvSpPr>
+          <p:cNvPr id="41" name="타원 40">
+            <a:extLst>
+              <a:ext uri="{FF2B5EF4-FFF2-40B4-BE49-F238E27FC236}">
+                <a16:creationId xmlns:a16="http://schemas.microsoft.com/office/drawing/2014/main" id="{23A10DBB-0126-4830-AB35-6DDE35D4D161}"/>
+              </a:ext>
+            </a:extLst>
+          </p:cNvPr>
+          <p:cNvSpPr/>
+          <p:nvPr/>
+        </p:nvSpPr>
+        <p:spPr>
+          <a:xfrm>
+            <a:off x="2117094" y="2784855"/>
+            <a:ext cx="206366" cy="231717"/>
+          </a:xfrm>
+          <a:prstGeom prst="ellipse">
+            <a:avLst/>
+          </a:prstGeom>
+        </p:spPr>
+        <p:style>
+          <a:lnRef idx="2">
+            <a:schemeClr val="accent4">
+              <a:shade val="50000"/>
+            </a:schemeClr>
+          </a:lnRef>
+          <a:fillRef idx="1">
+            <a:schemeClr val="accent4"/>
+          </a:fillRef>
+          <a:effectRef idx="0">
+            <a:schemeClr val="accent4"/>
+          </a:effectRef>
+          <a:fontRef idx="minor">
+            <a:schemeClr val="lt1"/>
+          </a:fontRef>
+        </p:style>
+        <p:txBody>
+          <a:bodyPr rtlCol="0" anchor="ctr"/>
+          <a:lstStyle/>
+          <a:p>
+            <a:pPr algn="ctr"/>
+            <a:r>
+              <a:rPr lang="en-US" altLang="ko-KR" dirty="0"/>
+              <a:t>5</a:t>
             </a:r>
             <a:endParaRPr lang="ko-KR" altLang="en-US" dirty="0"/>
           </a:p>
@@ -9153,7 +9421,26 @@
                   <a:srgbClr val="0070C0"/>
                 </a:solidFill>
               </a:rPr>
-              <a:t>우 이동을 통해서 피할 수도 있고 두 발 점프를 통해서도 회피할 수 있다</a:t>
+              <a:t>우 이동을 통해서 피할 수도 있고 두 발 </a:t>
+            </a:r>
+            <a:r>
+              <a:rPr lang="ko-KR" altLang="en-US" sz="1200" dirty="0">
+                <a:solidFill>
+                  <a:srgbClr val="0070C0"/>
+                </a:solidFill>
+                <a:highlight>
+                  <a:srgbClr val="FFFF00"/>
+                </a:highlight>
+              </a:rPr>
+              <a:t>점프</a:t>
+            </a:r>
+            <a:r>
+              <a:rPr lang="ko-KR" altLang="en-US" sz="1200" dirty="0">
+                <a:solidFill>
+                  <a:srgbClr val="0070C0"/>
+                </a:solidFill>
+              </a:rPr>
+              <a:t>를 통해서도 회피할 수 있다</a:t>
             </a:r>
             <a:r>
               <a:rPr lang="en-US" altLang="ko-KR" sz="1200" dirty="0">
@@ -9258,6 +9545,9 @@
                 <a:solidFill>
                   <a:srgbClr val="0070C0"/>
                 </a:solidFill>
+                <a:highlight>
+                  <a:srgbClr val="FFFF00"/>
+                </a:highlight>
               </a:rPr>
               <a:t>‘</a:t>
             </a:r>
@@ -9266,6 +9556,9 @@
                 <a:solidFill>
                   <a:srgbClr val="0070C0"/>
                 </a:solidFill>
+                <a:highlight>
+                  <a:srgbClr val="FFFF00"/>
+                </a:highlight>
               </a:rPr>
               <a:t>펀치</a:t>
             </a:r>
@@ -9274,6 +9567,9 @@
                 <a:solidFill>
                   <a:srgbClr val="0070C0"/>
                 </a:solidFill>
+                <a:highlight>
+                  <a:srgbClr val="FFFF00"/>
+                </a:highlight>
               </a:rPr>
               <a:t>’</a:t>
             </a:r>

--- a/docs/[JoyFitness] 전시회용 미니 게임_JoyRun.pptx
+++ b/docs/[JoyFitness] 전시회용 미니 게임_JoyRun.pptx
@@ -5,7 +5,7 @@
     <p:sldMasterId id="2147483648" r:id="rId1"/>
   </p:sldMasterIdLst>
   <p:notesMasterIdLst>
-    <p:notesMasterId r:id="rId12"/>
+    <p:notesMasterId r:id="rId16"/>
   </p:notesMasterIdLst>
   <p:sldIdLst>
     <p:sldId id="258" r:id="rId2"/>
@@ -18,6 +18,10 @@
     <p:sldId id="718" r:id="rId9"/>
     <p:sldId id="719" r:id="rId10"/>
     <p:sldId id="721" r:id="rId11"/>
+    <p:sldId id="722" r:id="rId12"/>
+    <p:sldId id="723" r:id="rId13"/>
+    <p:sldId id="725" r:id="rId14"/>
+    <p:sldId id="724" r:id="rId15"/>
   </p:sldIdLst>
   <p:sldSz cx="12192000" cy="6858000"/>
   <p:notesSz cx="6802438" cy="9934575"/>
@@ -218,7 +222,7 @@
           <a:p>
             <a:fld id="{2386921C-F2C2-450F-8CE0-097405885515}" type="datetimeFigureOut">
               <a:rPr lang="ko-KR" altLang="en-US" smtClean="0"/>
-              <a:t>2020-07-20</a:t>
+              <a:t>2020-07-21</a:t>
             </a:fld>
             <a:endParaRPr lang="ko-KR" altLang="en-US"/>
           </a:p>
@@ -617,7 +621,7 @@
           <a:p>
             <a:fld id="{6FECA6D4-DCCA-4949-BEF9-A9086E06B1B7}" type="datetime1">
               <a:rPr lang="ko-KR" altLang="en-US" smtClean="0"/>
-              <a:t>2020-07-20</a:t>
+              <a:t>2020-07-21</a:t>
             </a:fld>
             <a:endParaRPr lang="ko-KR" altLang="en-US"/>
           </a:p>
@@ -787,7 +791,7 @@
           <a:p>
             <a:fld id="{61D66971-119A-4B55-B1BD-4ED7BC2CB7AD}" type="datetime1">
               <a:rPr lang="ko-KR" altLang="en-US" smtClean="0"/>
-              <a:t>2020-07-20</a:t>
+              <a:t>2020-07-21</a:t>
             </a:fld>
             <a:endParaRPr lang="ko-KR" altLang="en-US"/>
           </a:p>
@@ -967,7 +971,7 @@
           <a:p>
             <a:fld id="{B867013F-155C-4FB3-BB21-5694D54F303C}" type="datetime1">
               <a:rPr lang="ko-KR" altLang="en-US" smtClean="0"/>
-              <a:t>2020-07-20</a:t>
+              <a:t>2020-07-21</a:t>
             </a:fld>
             <a:endParaRPr lang="ko-KR" altLang="en-US"/>
           </a:p>
@@ -1137,7 +1141,7 @@
           <a:p>
             <a:fld id="{FFDF7E5B-C91D-4597-BEFF-9800146C1221}" type="datetime1">
               <a:rPr lang="ko-KR" altLang="en-US" smtClean="0"/>
-              <a:t>2020-07-20</a:t>
+              <a:t>2020-07-21</a:t>
             </a:fld>
             <a:endParaRPr lang="ko-KR" altLang="en-US"/>
           </a:p>
@@ -1399,7 +1403,7 @@
           <a:p>
             <a:fld id="{FCECD920-41EA-4F3C-8E8F-FEA349AAB147}" type="datetime1">
               <a:rPr lang="ko-KR" altLang="en-US" smtClean="0"/>
-              <a:t>2020-07-20</a:t>
+              <a:t>2020-07-21</a:t>
             </a:fld>
             <a:endParaRPr lang="ko-KR" altLang="en-US"/>
           </a:p>
@@ -1631,7 +1635,7 @@
           <a:p>
             <a:fld id="{7AC0042B-7BDF-4830-89D6-670CE07C1E8E}" type="datetime1">
               <a:rPr lang="ko-KR" altLang="en-US" smtClean="0"/>
-              <a:t>2020-07-20</a:t>
+              <a:t>2020-07-21</a:t>
             </a:fld>
             <a:endParaRPr lang="ko-KR" altLang="en-US"/>
           </a:p>
@@ -1998,7 +2002,7 @@
           <a:p>
             <a:fld id="{F564A9E2-35E4-4EDD-9837-0188A1C6243B}" type="datetime1">
               <a:rPr lang="ko-KR" altLang="en-US" smtClean="0"/>
-              <a:t>2020-07-20</a:t>
+              <a:t>2020-07-21</a:t>
             </a:fld>
             <a:endParaRPr lang="ko-KR" altLang="en-US"/>
           </a:p>
@@ -2116,7 +2120,7 @@
           <a:p>
             <a:fld id="{872C3772-1156-4FD3-9C57-CAC38F3F251F}" type="datetime1">
               <a:rPr lang="ko-KR" altLang="en-US" smtClean="0"/>
-              <a:t>2020-07-20</a:t>
+              <a:t>2020-07-21</a:t>
             </a:fld>
             <a:endParaRPr lang="ko-KR" altLang="en-US"/>
           </a:p>
@@ -2211,7 +2215,7 @@
           <a:p>
             <a:fld id="{90564680-55FD-459C-ABDD-810709295308}" type="datetime1">
               <a:rPr lang="ko-KR" altLang="en-US" smtClean="0"/>
-              <a:t>2020-07-20</a:t>
+              <a:t>2020-07-21</a:t>
             </a:fld>
             <a:endParaRPr lang="ko-KR" altLang="en-US"/>
           </a:p>
@@ -2488,7 +2492,7 @@
           <a:p>
             <a:fld id="{B427CE32-9CBE-4BE6-B2B4-151BB3755E13}" type="datetime1">
               <a:rPr lang="ko-KR" altLang="en-US" smtClean="0"/>
-              <a:t>2020-07-20</a:t>
+              <a:t>2020-07-21</a:t>
             </a:fld>
             <a:endParaRPr lang="ko-KR" altLang="en-US"/>
           </a:p>
@@ -2741,7 +2745,7 @@
           <a:p>
             <a:fld id="{15F8A116-4660-43B5-9031-34FF0BE3E69D}" type="datetime1">
               <a:rPr lang="ko-KR" altLang="en-US" smtClean="0"/>
-              <a:t>2020-07-20</a:t>
+              <a:t>2020-07-21</a:t>
             </a:fld>
             <a:endParaRPr lang="ko-KR" altLang="en-US"/>
           </a:p>
@@ -2963,7 +2967,7 @@
           <a:p>
             <a:fld id="{7B1BE7E1-A688-4E59-BC0B-0B62CA53C8B4}" type="datetime1">
               <a:rPr lang="ko-KR" altLang="en-US" smtClean="0"/>
-              <a:t>2020-07-20</a:t>
+              <a:t>2020-07-21</a:t>
             </a:fld>
             <a:endParaRPr lang="ko-KR" altLang="en-US"/>
           </a:p>
@@ -7114,6 +7118,4237 @@
 </p:sld>
 </file>
 
+<file path=ppt/slides/slide11.xml><?xml version="1.0" encoding="utf-8"?>
+<p:sld xmlns:a="http://schemas.openxmlformats.org/drawingml/2006/main" xmlns:r="http://schemas.openxmlformats.org/officeDocument/2006/relationships" xmlns:p="http://schemas.openxmlformats.org/presentationml/2006/main">
+  <p:cSld>
+    <p:spTree>
+      <p:nvGrpSpPr>
+        <p:cNvPr id="1" name=""/>
+        <p:cNvGrpSpPr/>
+        <p:nvPr/>
+      </p:nvGrpSpPr>
+      <p:grpSpPr>
+        <a:xfrm>
+          <a:off x="0" y="0"/>
+          <a:ext cx="0" cy="0"/>
+          <a:chOff x="0" y="0"/>
+          <a:chExt cx="0" cy="0"/>
+        </a:xfrm>
+      </p:grpSpPr>
+      <p:sp>
+        <p:nvSpPr>
+          <p:cNvPr id="3" name="TextBox 2">
+            <a:extLst>
+              <a:ext uri="{FF2B5EF4-FFF2-40B4-BE49-F238E27FC236}">
+                <a16:creationId xmlns:a16="http://schemas.microsoft.com/office/drawing/2014/main" id="{57F15499-F847-4B7C-A35E-36B9FCBA7FA5}"/>
+              </a:ext>
+            </a:extLst>
+          </p:cNvPr>
+          <p:cNvSpPr txBox="1"/>
+          <p:nvPr/>
+        </p:nvSpPr>
+        <p:spPr>
+          <a:xfrm>
+            <a:off x="0" y="2413337"/>
+            <a:ext cx="12192000" cy="1015663"/>
+          </a:xfrm>
+          <a:prstGeom prst="rect">
+            <a:avLst/>
+          </a:prstGeom>
+          <a:noFill/>
+        </p:spPr>
+        <p:txBody>
+          <a:bodyPr wrap="square" rtlCol="0">
+            <a:spAutoFit/>
+          </a:bodyPr>
+          <a:lstStyle/>
+          <a:p>
+            <a:pPr algn="ctr" defTabSz="540000"/>
+            <a:r>
+              <a:rPr lang="ko-KR" altLang="en-US" sz="6000" b="1" dirty="0" err="1">
+                <a:solidFill>
+                  <a:srgbClr val="002060"/>
+                </a:solidFill>
+                <a:latin typeface="휴먼엑스포" panose="02030504000101010101" pitchFamily="18" charset="-127"/>
+                <a:ea typeface="휴먼엑스포" panose="02030504000101010101" pitchFamily="18" charset="-127"/>
+              </a:rPr>
+              <a:t>조이런</a:t>
+            </a:r>
+            <a:r>
+              <a:rPr lang="ko-KR" altLang="en-US" sz="6000" b="1" dirty="0">
+                <a:solidFill>
+                  <a:srgbClr val="002060"/>
+                </a:solidFill>
+                <a:latin typeface="휴먼엑스포" panose="02030504000101010101" pitchFamily="18" charset="-127"/>
+                <a:ea typeface="휴먼엑스포" panose="02030504000101010101" pitchFamily="18" charset="-127"/>
+              </a:rPr>
+              <a:t> 리소스</a:t>
+            </a:r>
+            <a:endParaRPr lang="en-US" altLang="ko-KR" sz="6000" b="1" dirty="0">
+              <a:solidFill>
+                <a:srgbClr val="002060"/>
+              </a:solidFill>
+              <a:latin typeface="휴먼엑스포" panose="02030504000101010101" pitchFamily="18" charset="-127"/>
+              <a:ea typeface="휴먼엑스포" panose="02030504000101010101" pitchFamily="18" charset="-127"/>
+            </a:endParaRPr>
+          </a:p>
+        </p:txBody>
+      </p:sp>
+      <p:sp>
+        <p:nvSpPr>
+          <p:cNvPr id="4" name="슬라이드 번호 개체 틀 2">
+            <a:extLst>
+              <a:ext uri="{FF2B5EF4-FFF2-40B4-BE49-F238E27FC236}">
+                <a16:creationId xmlns:a16="http://schemas.microsoft.com/office/drawing/2014/main" id="{B7101805-5FFB-4477-8F97-DABD1B395D96}"/>
+              </a:ext>
+            </a:extLst>
+          </p:cNvPr>
+          <p:cNvSpPr>
+            <a:spLocks noGrp="1"/>
+          </p:cNvSpPr>
+          <p:nvPr>
+            <p:ph type="sldNum" sz="quarter" idx="12"/>
+          </p:nvPr>
+        </p:nvSpPr>
+        <p:spPr>
+          <a:xfrm>
+            <a:off x="8610600" y="6356350"/>
+            <a:ext cx="2743200" cy="365125"/>
+          </a:xfrm>
+        </p:spPr>
+        <p:txBody>
+          <a:bodyPr/>
+          <a:lstStyle/>
+          <a:p>
+            <a:fld id="{A8E1BB39-725C-444B-809E-419522618855}" type="slidenum">
+              <a:rPr lang="ko-KR" altLang="en-US" b="1" smtClean="0">
+                <a:solidFill>
+                  <a:schemeClr val="bg1"/>
+                </a:solidFill>
+              </a:rPr>
+              <a:t>11</a:t>
+            </a:fld>
+            <a:endParaRPr lang="ko-KR" altLang="en-US" b="1" dirty="0">
+              <a:solidFill>
+                <a:schemeClr val="bg1"/>
+              </a:solidFill>
+            </a:endParaRPr>
+          </a:p>
+        </p:txBody>
+      </p:sp>
+    </p:spTree>
+    <p:extLst>
+      <p:ext uri="{BB962C8B-B14F-4D97-AF65-F5344CB8AC3E}">
+        <p14:creationId xmlns:p14="http://schemas.microsoft.com/office/powerpoint/2010/main" val="1061097664"/>
+      </p:ext>
+    </p:extLst>
+  </p:cSld>
+  <p:clrMapOvr>
+    <a:masterClrMapping/>
+  </p:clrMapOvr>
+</p:sld>
+</file>
+
+<file path=ppt/slides/slide12.xml><?xml version="1.0" encoding="utf-8"?>
+<p:sld xmlns:a="http://schemas.openxmlformats.org/drawingml/2006/main" xmlns:r="http://schemas.openxmlformats.org/officeDocument/2006/relationships" xmlns:p="http://schemas.openxmlformats.org/presentationml/2006/main">
+  <p:cSld>
+    <p:spTree>
+      <p:nvGrpSpPr>
+        <p:cNvPr id="1" name=""/>
+        <p:cNvGrpSpPr/>
+        <p:nvPr/>
+      </p:nvGrpSpPr>
+      <p:grpSpPr>
+        <a:xfrm>
+          <a:off x="0" y="0"/>
+          <a:ext cx="0" cy="0"/>
+          <a:chOff x="0" y="0"/>
+          <a:chExt cx="0" cy="0"/>
+        </a:xfrm>
+      </p:grpSpPr>
+      <p:grpSp>
+        <p:nvGrpSpPr>
+          <p:cNvPr id="5" name="Group 40">
+            <a:extLst>
+              <a:ext uri="{FF2B5EF4-FFF2-40B4-BE49-F238E27FC236}">
+                <a16:creationId xmlns:a16="http://schemas.microsoft.com/office/drawing/2014/main" id="{8F3030E2-8EAA-4572-B6F9-952E3E4F80EA}"/>
+              </a:ext>
+            </a:extLst>
+          </p:cNvPr>
+          <p:cNvGrpSpPr/>
+          <p:nvPr/>
+        </p:nvGrpSpPr>
+        <p:grpSpPr>
+          <a:xfrm>
+            <a:off x="301874" y="273668"/>
+            <a:ext cx="11541336" cy="383818"/>
+            <a:chOff x="301874" y="234760"/>
+            <a:chExt cx="11541336" cy="383818"/>
+          </a:xfrm>
+        </p:grpSpPr>
+        <p:sp>
+          <p:nvSpPr>
+            <p:cNvPr id="6" name="Freeform 41">
+              <a:extLst>
+                <a:ext uri="{FF2B5EF4-FFF2-40B4-BE49-F238E27FC236}">
+                  <a16:creationId xmlns:a16="http://schemas.microsoft.com/office/drawing/2014/main" id="{F1DB5A59-5E06-49DF-A4F6-6C873D0DE7E9}"/>
+                </a:ext>
+              </a:extLst>
+            </p:cNvPr>
+            <p:cNvSpPr/>
+            <p:nvPr/>
+          </p:nvSpPr>
+          <p:spPr>
+            <a:xfrm>
+              <a:off x="7417261" y="234760"/>
+              <a:ext cx="4425949" cy="380367"/>
+            </a:xfrm>
+            <a:custGeom>
+              <a:avLst/>
+              <a:gdLst>
+                <a:gd name="connsiteX0" fmla="*/ 0 w 4425949"/>
+                <a:gd name="connsiteY0" fmla="*/ 362367 h 380367"/>
+                <a:gd name="connsiteX1" fmla="*/ 4425949 w 4425949"/>
+                <a:gd name="connsiteY1" fmla="*/ 362367 h 380367"/>
+                <a:gd name="connsiteX2" fmla="*/ 4425949 w 4425949"/>
+                <a:gd name="connsiteY2" fmla="*/ 380367 h 380367"/>
+                <a:gd name="connsiteX3" fmla="*/ 0 w 4425949"/>
+                <a:gd name="connsiteY3" fmla="*/ 380367 h 380367"/>
+                <a:gd name="connsiteX4" fmla="*/ 4425949 w 4425949"/>
+                <a:gd name="connsiteY4" fmla="*/ 0 h 380367"/>
+                <a:gd name="connsiteX5" fmla="*/ 4425949 w 4425949"/>
+                <a:gd name="connsiteY5" fmla="*/ 293520 h 380367"/>
+                <a:gd name="connsiteX6" fmla="*/ 4425949 w 4425949"/>
+                <a:gd name="connsiteY6" fmla="*/ 293744 h 380367"/>
+                <a:gd name="connsiteX7" fmla="*/ 4425949 w 4425949"/>
+                <a:gd name="connsiteY7" fmla="*/ 347593 h 380367"/>
+                <a:gd name="connsiteX8" fmla="*/ 0 w 4425949"/>
+                <a:gd name="connsiteY8" fmla="*/ 347593 h 380367"/>
+                <a:gd name="connsiteX9" fmla="*/ 0 w 4425949"/>
+                <a:gd name="connsiteY9" fmla="*/ 293520 h 380367"/>
+                <a:gd name="connsiteX10" fmla="*/ 3445935 w 4425949"/>
+                <a:gd name="connsiteY10" fmla="*/ 293520 h 380367"/>
+                <a:gd name="connsiteX11" fmla="*/ 3445935 w 4425949"/>
+                <a:gd name="connsiteY11" fmla="*/ 248864 h 380367"/>
+                <a:gd name="connsiteX12" fmla="*/ 3509866 w 4425949"/>
+                <a:gd name="connsiteY12" fmla="*/ 235234 h 380367"/>
+                <a:gd name="connsiteX13" fmla="*/ 3509866 w 4425949"/>
+                <a:gd name="connsiteY13" fmla="*/ 293520 h 380367"/>
+                <a:gd name="connsiteX14" fmla="*/ 3547532 w 4425949"/>
+                <a:gd name="connsiteY14" fmla="*/ 293520 h 380367"/>
+                <a:gd name="connsiteX15" fmla="*/ 3547532 w 4425949"/>
+                <a:gd name="connsiteY15" fmla="*/ 220885 h 380367"/>
+                <a:gd name="connsiteX16" fmla="*/ 3613149 w 4425949"/>
+                <a:gd name="connsiteY16" fmla="*/ 206896 h 380367"/>
+                <a:gd name="connsiteX17" fmla="*/ 3613149 w 4425949"/>
+                <a:gd name="connsiteY17" fmla="*/ 293520 h 380367"/>
+                <a:gd name="connsiteX18" fmla="*/ 3649132 w 4425949"/>
+                <a:gd name="connsiteY18" fmla="*/ 293520 h 380367"/>
+                <a:gd name="connsiteX19" fmla="*/ 3649132 w 4425949"/>
+                <a:gd name="connsiteY19" fmla="*/ 192906 h 380367"/>
+                <a:gd name="connsiteX20" fmla="*/ 3714749 w 4425949"/>
+                <a:gd name="connsiteY20" fmla="*/ 178916 h 380367"/>
+                <a:gd name="connsiteX21" fmla="*/ 3714749 w 4425949"/>
+                <a:gd name="connsiteY21" fmla="*/ 293520 h 380367"/>
+                <a:gd name="connsiteX22" fmla="*/ 3750732 w 4425949"/>
+                <a:gd name="connsiteY22" fmla="*/ 293520 h 380367"/>
+                <a:gd name="connsiteX23" fmla="*/ 3750732 w 4425949"/>
+                <a:gd name="connsiteY23" fmla="*/ 164928 h 380367"/>
+                <a:gd name="connsiteX24" fmla="*/ 3814665 w 4425949"/>
+                <a:gd name="connsiteY24" fmla="*/ 151298 h 380367"/>
+                <a:gd name="connsiteX25" fmla="*/ 3814665 w 4425949"/>
+                <a:gd name="connsiteY25" fmla="*/ 293520 h 380367"/>
+                <a:gd name="connsiteX26" fmla="*/ 3852332 w 4425949"/>
+                <a:gd name="connsiteY26" fmla="*/ 293520 h 380367"/>
+                <a:gd name="connsiteX27" fmla="*/ 3852332 w 4425949"/>
+                <a:gd name="connsiteY27" fmla="*/ 136949 h 380367"/>
+                <a:gd name="connsiteX28" fmla="*/ 3916265 w 4425949"/>
+                <a:gd name="connsiteY28" fmla="*/ 123319 h 380367"/>
+                <a:gd name="connsiteX29" fmla="*/ 3916265 w 4425949"/>
+                <a:gd name="connsiteY29" fmla="*/ 293520 h 380367"/>
+                <a:gd name="connsiteX30" fmla="*/ 3953932 w 4425949"/>
+                <a:gd name="connsiteY30" fmla="*/ 293520 h 380367"/>
+                <a:gd name="connsiteX31" fmla="*/ 3953932 w 4425949"/>
+                <a:gd name="connsiteY31" fmla="*/ 108971 h 380367"/>
+                <a:gd name="connsiteX32" fmla="*/ 4019549 w 4425949"/>
+                <a:gd name="connsiteY32" fmla="*/ 94981 h 380367"/>
+                <a:gd name="connsiteX33" fmla="*/ 4019549 w 4425949"/>
+                <a:gd name="connsiteY33" fmla="*/ 293520 h 380367"/>
+                <a:gd name="connsiteX34" fmla="*/ 4055532 w 4425949"/>
+                <a:gd name="connsiteY34" fmla="*/ 293520 h 380367"/>
+                <a:gd name="connsiteX35" fmla="*/ 4055532 w 4425949"/>
+                <a:gd name="connsiteY35" fmla="*/ 80992 h 380367"/>
+                <a:gd name="connsiteX36" fmla="*/ 4121149 w 4425949"/>
+                <a:gd name="connsiteY36" fmla="*/ 67002 h 380367"/>
+                <a:gd name="connsiteX37" fmla="*/ 4121149 w 4425949"/>
+                <a:gd name="connsiteY37" fmla="*/ 293520 h 380367"/>
+                <a:gd name="connsiteX38" fmla="*/ 4157132 w 4425949"/>
+                <a:gd name="connsiteY38" fmla="*/ 293520 h 380367"/>
+                <a:gd name="connsiteX39" fmla="*/ 4157132 w 4425949"/>
+                <a:gd name="connsiteY39" fmla="*/ 53011 h 380367"/>
+                <a:gd name="connsiteX40" fmla="*/ 4222749 w 4425949"/>
+                <a:gd name="connsiteY40" fmla="*/ 39022 h 380367"/>
+                <a:gd name="connsiteX41" fmla="*/ 4222749 w 4425949"/>
+                <a:gd name="connsiteY41" fmla="*/ 293520 h 380367"/>
+                <a:gd name="connsiteX42" fmla="*/ 4258732 w 4425949"/>
+                <a:gd name="connsiteY42" fmla="*/ 293520 h 380367"/>
+                <a:gd name="connsiteX43" fmla="*/ 4258732 w 4425949"/>
+                <a:gd name="connsiteY43" fmla="*/ 25034 h 380367"/>
+                <a:gd name="connsiteX44" fmla="*/ 4324349 w 4425949"/>
+                <a:gd name="connsiteY44" fmla="*/ 11044 h 380367"/>
+                <a:gd name="connsiteX45" fmla="*/ 4324349 w 4425949"/>
+                <a:gd name="connsiteY45" fmla="*/ 293520 h 380367"/>
+                <a:gd name="connsiteX46" fmla="*/ 4360332 w 4425949"/>
+                <a:gd name="connsiteY46" fmla="*/ 293520 h 380367"/>
+                <a:gd name="connsiteX47" fmla="*/ 4360332 w 4425949"/>
+                <a:gd name="connsiteY47" fmla="*/ 2967 h 380367"/>
+              </a:gdLst>
+              <a:ahLst/>
+              <a:cxnLst>
+                <a:cxn ang="0">
+                  <a:pos x="connsiteX0" y="connsiteY0"/>
+                </a:cxn>
+                <a:cxn ang="0">
+                  <a:pos x="connsiteX1" y="connsiteY1"/>
+                </a:cxn>
+                <a:cxn ang="0">
+                  <a:pos x="connsiteX2" y="connsiteY2"/>
+                </a:cxn>
+                <a:cxn ang="0">
+                  <a:pos x="connsiteX3" y="connsiteY3"/>
+                </a:cxn>
+                <a:cxn ang="0">
+                  <a:pos x="connsiteX4" y="connsiteY4"/>
+                </a:cxn>
+                <a:cxn ang="0">
+                  <a:pos x="connsiteX5" y="connsiteY5"/>
+                </a:cxn>
+                <a:cxn ang="0">
+                  <a:pos x="connsiteX6" y="connsiteY6"/>
+                </a:cxn>
+                <a:cxn ang="0">
+                  <a:pos x="connsiteX7" y="connsiteY7"/>
+                </a:cxn>
+                <a:cxn ang="0">
+                  <a:pos x="connsiteX8" y="connsiteY8"/>
+                </a:cxn>
+                <a:cxn ang="0">
+                  <a:pos x="connsiteX9" y="connsiteY9"/>
+                </a:cxn>
+                <a:cxn ang="0">
+                  <a:pos x="connsiteX10" y="connsiteY10"/>
+                </a:cxn>
+                <a:cxn ang="0">
+                  <a:pos x="connsiteX11" y="connsiteY11"/>
+                </a:cxn>
+                <a:cxn ang="0">
+                  <a:pos x="connsiteX12" y="connsiteY12"/>
+                </a:cxn>
+                <a:cxn ang="0">
+                  <a:pos x="connsiteX13" y="connsiteY13"/>
+                </a:cxn>
+                <a:cxn ang="0">
+                  <a:pos x="connsiteX14" y="connsiteY14"/>
+                </a:cxn>
+                <a:cxn ang="0">
+                  <a:pos x="connsiteX15" y="connsiteY15"/>
+                </a:cxn>
+                <a:cxn ang="0">
+                  <a:pos x="connsiteX16" y="connsiteY16"/>
+                </a:cxn>
+                <a:cxn ang="0">
+                  <a:pos x="connsiteX17" y="connsiteY17"/>
+                </a:cxn>
+                <a:cxn ang="0">
+                  <a:pos x="connsiteX18" y="connsiteY18"/>
+                </a:cxn>
+                <a:cxn ang="0">
+                  <a:pos x="connsiteX19" y="connsiteY19"/>
+                </a:cxn>
+                <a:cxn ang="0">
+                  <a:pos x="connsiteX20" y="connsiteY20"/>
+                </a:cxn>
+                <a:cxn ang="0">
+                  <a:pos x="connsiteX21" y="connsiteY21"/>
+                </a:cxn>
+                <a:cxn ang="0">
+                  <a:pos x="connsiteX22" y="connsiteY22"/>
+                </a:cxn>
+                <a:cxn ang="0">
+                  <a:pos x="connsiteX23" y="connsiteY23"/>
+                </a:cxn>
+                <a:cxn ang="0">
+                  <a:pos x="connsiteX24" y="connsiteY24"/>
+                </a:cxn>
+                <a:cxn ang="0">
+                  <a:pos x="connsiteX25" y="connsiteY25"/>
+                </a:cxn>
+                <a:cxn ang="0">
+                  <a:pos x="connsiteX26" y="connsiteY26"/>
+                </a:cxn>
+                <a:cxn ang="0">
+                  <a:pos x="connsiteX27" y="connsiteY27"/>
+                </a:cxn>
+                <a:cxn ang="0">
+                  <a:pos x="connsiteX28" y="connsiteY28"/>
+                </a:cxn>
+                <a:cxn ang="0">
+                  <a:pos x="connsiteX29" y="connsiteY29"/>
+                </a:cxn>
+                <a:cxn ang="0">
+                  <a:pos x="connsiteX30" y="connsiteY30"/>
+                </a:cxn>
+                <a:cxn ang="0">
+                  <a:pos x="connsiteX31" y="connsiteY31"/>
+                </a:cxn>
+                <a:cxn ang="0">
+                  <a:pos x="connsiteX32" y="connsiteY32"/>
+                </a:cxn>
+                <a:cxn ang="0">
+                  <a:pos x="connsiteX33" y="connsiteY33"/>
+                </a:cxn>
+                <a:cxn ang="0">
+                  <a:pos x="connsiteX34" y="connsiteY34"/>
+                </a:cxn>
+                <a:cxn ang="0">
+                  <a:pos x="connsiteX35" y="connsiteY35"/>
+                </a:cxn>
+                <a:cxn ang="0">
+                  <a:pos x="connsiteX36" y="connsiteY36"/>
+                </a:cxn>
+                <a:cxn ang="0">
+                  <a:pos x="connsiteX37" y="connsiteY37"/>
+                </a:cxn>
+                <a:cxn ang="0">
+                  <a:pos x="connsiteX38" y="connsiteY38"/>
+                </a:cxn>
+                <a:cxn ang="0">
+                  <a:pos x="connsiteX39" y="connsiteY39"/>
+                </a:cxn>
+                <a:cxn ang="0">
+                  <a:pos x="connsiteX40" y="connsiteY40"/>
+                </a:cxn>
+                <a:cxn ang="0">
+                  <a:pos x="connsiteX41" y="connsiteY41"/>
+                </a:cxn>
+                <a:cxn ang="0">
+                  <a:pos x="connsiteX42" y="connsiteY42"/>
+                </a:cxn>
+                <a:cxn ang="0">
+                  <a:pos x="connsiteX43" y="connsiteY43"/>
+                </a:cxn>
+                <a:cxn ang="0">
+                  <a:pos x="connsiteX44" y="connsiteY44"/>
+                </a:cxn>
+                <a:cxn ang="0">
+                  <a:pos x="connsiteX45" y="connsiteY45"/>
+                </a:cxn>
+                <a:cxn ang="0">
+                  <a:pos x="connsiteX46" y="connsiteY46"/>
+                </a:cxn>
+                <a:cxn ang="0">
+                  <a:pos x="connsiteX47" y="connsiteY47"/>
+                </a:cxn>
+              </a:cxnLst>
+              <a:rect l="l" t="t" r="r" b="b"/>
+              <a:pathLst>
+                <a:path w="4425949" h="380367">
+                  <a:moveTo>
+                    <a:pt x="0" y="362367"/>
+                  </a:moveTo>
+                  <a:lnTo>
+                    <a:pt x="4425949" y="362367"/>
+                  </a:lnTo>
+                  <a:lnTo>
+                    <a:pt x="4425949" y="380367"/>
+                  </a:lnTo>
+                  <a:lnTo>
+                    <a:pt x="0" y="380367"/>
+                  </a:lnTo>
+                  <a:close/>
+                  <a:moveTo>
+                    <a:pt x="4425949" y="0"/>
+                  </a:moveTo>
+                  <a:lnTo>
+                    <a:pt x="4425949" y="293520"/>
+                  </a:lnTo>
+                  <a:lnTo>
+                    <a:pt x="4425949" y="293744"/>
+                  </a:lnTo>
+                  <a:lnTo>
+                    <a:pt x="4425949" y="347593"/>
+                  </a:lnTo>
+                  <a:lnTo>
+                    <a:pt x="0" y="347593"/>
+                  </a:lnTo>
+                  <a:lnTo>
+                    <a:pt x="0" y="293520"/>
+                  </a:lnTo>
+                  <a:lnTo>
+                    <a:pt x="3445935" y="293520"/>
+                  </a:lnTo>
+                  <a:lnTo>
+                    <a:pt x="3445935" y="248864"/>
+                  </a:lnTo>
+                  <a:lnTo>
+                    <a:pt x="3509866" y="235234"/>
+                  </a:lnTo>
+                  <a:lnTo>
+                    <a:pt x="3509866" y="293520"/>
+                  </a:lnTo>
+                  <a:lnTo>
+                    <a:pt x="3547532" y="293520"/>
+                  </a:lnTo>
+                  <a:lnTo>
+                    <a:pt x="3547532" y="220885"/>
+                  </a:lnTo>
+                  <a:lnTo>
+                    <a:pt x="3613149" y="206896"/>
+                  </a:lnTo>
+                  <a:lnTo>
+                    <a:pt x="3613149" y="293520"/>
+                  </a:lnTo>
+                  <a:lnTo>
+                    <a:pt x="3649132" y="293520"/>
+                  </a:lnTo>
+                  <a:lnTo>
+                    <a:pt x="3649132" y="192906"/>
+                  </a:lnTo>
+                  <a:lnTo>
+                    <a:pt x="3714749" y="178916"/>
+                  </a:lnTo>
+                  <a:lnTo>
+                    <a:pt x="3714749" y="293520"/>
+                  </a:lnTo>
+                  <a:lnTo>
+                    <a:pt x="3750732" y="293520"/>
+                  </a:lnTo>
+                  <a:lnTo>
+                    <a:pt x="3750732" y="164928"/>
+                  </a:lnTo>
+                  <a:lnTo>
+                    <a:pt x="3814665" y="151298"/>
+                  </a:lnTo>
+                  <a:lnTo>
+                    <a:pt x="3814665" y="293520"/>
+                  </a:lnTo>
+                  <a:lnTo>
+                    <a:pt x="3852332" y="293520"/>
+                  </a:lnTo>
+                  <a:lnTo>
+                    <a:pt x="3852332" y="136949"/>
+                  </a:lnTo>
+                  <a:lnTo>
+                    <a:pt x="3916265" y="123319"/>
+                  </a:lnTo>
+                  <a:lnTo>
+                    <a:pt x="3916265" y="293520"/>
+                  </a:lnTo>
+                  <a:lnTo>
+                    <a:pt x="3953932" y="293520"/>
+                  </a:lnTo>
+                  <a:lnTo>
+                    <a:pt x="3953932" y="108971"/>
+                  </a:lnTo>
+                  <a:lnTo>
+                    <a:pt x="4019549" y="94981"/>
+                  </a:lnTo>
+                  <a:lnTo>
+                    <a:pt x="4019549" y="293520"/>
+                  </a:lnTo>
+                  <a:lnTo>
+                    <a:pt x="4055532" y="293520"/>
+                  </a:lnTo>
+                  <a:lnTo>
+                    <a:pt x="4055532" y="80992"/>
+                  </a:lnTo>
+                  <a:lnTo>
+                    <a:pt x="4121149" y="67002"/>
+                  </a:lnTo>
+                  <a:lnTo>
+                    <a:pt x="4121149" y="293520"/>
+                  </a:lnTo>
+                  <a:lnTo>
+                    <a:pt x="4157132" y="293520"/>
+                  </a:lnTo>
+                  <a:lnTo>
+                    <a:pt x="4157132" y="53011"/>
+                  </a:lnTo>
+                  <a:lnTo>
+                    <a:pt x="4222749" y="39022"/>
+                  </a:lnTo>
+                  <a:lnTo>
+                    <a:pt x="4222749" y="293520"/>
+                  </a:lnTo>
+                  <a:lnTo>
+                    <a:pt x="4258732" y="293520"/>
+                  </a:lnTo>
+                  <a:lnTo>
+                    <a:pt x="4258732" y="25034"/>
+                  </a:lnTo>
+                  <a:lnTo>
+                    <a:pt x="4324349" y="11044"/>
+                  </a:lnTo>
+                  <a:lnTo>
+                    <a:pt x="4324349" y="293520"/>
+                  </a:lnTo>
+                  <a:lnTo>
+                    <a:pt x="4360332" y="293520"/>
+                  </a:lnTo>
+                  <a:lnTo>
+                    <a:pt x="4360332" y="2967"/>
+                  </a:lnTo>
+                  <a:close/>
+                </a:path>
+              </a:pathLst>
+            </a:custGeom>
+            <a:gradFill flip="none" rotWithShape="1">
+              <a:gsLst>
+                <a:gs pos="0">
+                  <a:schemeClr val="accent1">
+                    <a:lumMod val="5000"/>
+                    <a:lumOff val="95000"/>
+                  </a:schemeClr>
+                </a:gs>
+                <a:gs pos="80000">
+                  <a:schemeClr val="accent1">
+                    <a:lumMod val="45000"/>
+                    <a:lumOff val="55000"/>
+                  </a:schemeClr>
+                </a:gs>
+                <a:gs pos="92000">
+                  <a:schemeClr val="accent5">
+                    <a:lumMod val="60000"/>
+                    <a:lumOff val="40000"/>
+                  </a:schemeClr>
+                </a:gs>
+                <a:gs pos="100000">
+                  <a:srgbClr val="002060"/>
+                </a:gs>
+              </a:gsLst>
+              <a:lin ang="0" scaled="1"/>
+              <a:tileRect/>
+            </a:gradFill>
+            <a:ln>
+              <a:noFill/>
+            </a:ln>
+            <a:effectLst>
+              <a:outerShdw blurRad="50800" dist="38100" dir="2700000" algn="tl" rotWithShape="0">
+                <a:prstClr val="black">
+                  <a:alpha val="40000"/>
+                </a:prstClr>
+              </a:outerShdw>
+            </a:effectLst>
+          </p:spPr>
+          <p:style>
+            <a:lnRef idx="2">
+              <a:schemeClr val="accent1">
+                <a:shade val="50000"/>
+              </a:schemeClr>
+            </a:lnRef>
+            <a:fillRef idx="1">
+              <a:schemeClr val="accent1"/>
+            </a:fillRef>
+            <a:effectRef idx="0">
+              <a:schemeClr val="accent1"/>
+            </a:effectRef>
+            <a:fontRef idx="minor">
+              <a:schemeClr val="lt1"/>
+            </a:fontRef>
+          </p:style>
+          <p:txBody>
+            <a:bodyPr rtlCol="0" anchor="ctr"/>
+            <a:lstStyle/>
+            <a:p>
+              <a:pPr algn="ctr"/>
+              <a:endParaRPr lang="ko-KR" altLang="en-US" sz="1600"/>
+            </a:p>
+          </p:txBody>
+        </p:sp>
+        <p:grpSp>
+          <p:nvGrpSpPr>
+            <p:cNvPr id="7" name="Group 42">
+              <a:extLst>
+                <a:ext uri="{FF2B5EF4-FFF2-40B4-BE49-F238E27FC236}">
+                  <a16:creationId xmlns:a16="http://schemas.microsoft.com/office/drawing/2014/main" id="{FA4ADA6F-CA1E-425B-B350-4A752DA10249}"/>
+                </a:ext>
+              </a:extLst>
+            </p:cNvPr>
+            <p:cNvGrpSpPr/>
+            <p:nvPr/>
+          </p:nvGrpSpPr>
+          <p:grpSpPr>
+            <a:xfrm>
+              <a:off x="301874" y="289279"/>
+              <a:ext cx="7140326" cy="329299"/>
+              <a:chOff x="706582" y="590204"/>
+              <a:chExt cx="7054714" cy="329299"/>
+            </a:xfrm>
+          </p:grpSpPr>
+          <p:sp>
+            <p:nvSpPr>
+              <p:cNvPr id="8" name="Rectangle 43">
+                <a:extLst>
+                  <a:ext uri="{FF2B5EF4-FFF2-40B4-BE49-F238E27FC236}">
+                    <a16:creationId xmlns:a16="http://schemas.microsoft.com/office/drawing/2014/main" id="{AD552B6F-AE09-4498-AAC6-3DDEE00758E1}"/>
+                  </a:ext>
+                </a:extLst>
+              </p:cNvPr>
+              <p:cNvSpPr/>
+              <p:nvPr/>
+            </p:nvSpPr>
+            <p:spPr>
+              <a:xfrm>
+                <a:off x="706582" y="590204"/>
+                <a:ext cx="7054714" cy="329299"/>
+              </a:xfrm>
+              <a:prstGeom prst="rect">
+                <a:avLst/>
+              </a:prstGeom>
+              <a:gradFill>
+                <a:gsLst>
+                  <a:gs pos="0">
+                    <a:srgbClr val="002060"/>
+                  </a:gs>
+                  <a:gs pos="77000">
+                    <a:schemeClr val="accent5">
+                      <a:lumMod val="60000"/>
+                      <a:lumOff val="40000"/>
+                    </a:schemeClr>
+                  </a:gs>
+                  <a:gs pos="91000">
+                    <a:schemeClr val="accent5">
+                      <a:lumMod val="20000"/>
+                      <a:lumOff val="80000"/>
+                    </a:schemeClr>
+                  </a:gs>
+                  <a:gs pos="100000">
+                    <a:schemeClr val="bg1"/>
+                  </a:gs>
+                </a:gsLst>
+                <a:lin ang="0" scaled="1"/>
+              </a:gradFill>
+            </p:spPr>
+            <p:style>
+              <a:lnRef idx="0">
+                <a:schemeClr val="accent5"/>
+              </a:lnRef>
+              <a:fillRef idx="3">
+                <a:schemeClr val="accent5"/>
+              </a:fillRef>
+              <a:effectRef idx="3">
+                <a:schemeClr val="accent5"/>
+              </a:effectRef>
+              <a:fontRef idx="minor">
+                <a:schemeClr val="lt1"/>
+              </a:fontRef>
+            </p:style>
+            <p:txBody>
+              <a:bodyPr rtlCol="0" anchor="ctr"/>
+              <a:lstStyle/>
+              <a:p>
+                <a:r>
+                  <a:rPr lang="en-US" altLang="ko-KR" sz="1600" dirty="0">
+                    <a:solidFill>
+                      <a:srgbClr val="FFFF00"/>
+                    </a:solidFill>
+                  </a:rPr>
+                  <a:t>    </a:t>
+                </a:r>
+                <a:r>
+                  <a:rPr lang="ko-KR" altLang="en-US" sz="1600" dirty="0">
+                    <a:solidFill>
+                      <a:srgbClr val="FFFF00"/>
+                    </a:solidFill>
+                  </a:rPr>
+                  <a:t> </a:t>
+                </a:r>
+                <a:r>
+                  <a:rPr lang="ko-KR" altLang="en-US" sz="1600" dirty="0" err="1">
+                    <a:solidFill>
+                      <a:srgbClr val="FFFF00"/>
+                    </a:solidFill>
+                  </a:rPr>
+                  <a:t>조이런</a:t>
+                </a:r>
+                <a:r>
+                  <a:rPr lang="ko-KR" altLang="en-US" sz="1600" dirty="0">
+                    <a:solidFill>
+                      <a:srgbClr val="FFFF00"/>
+                    </a:solidFill>
+                  </a:rPr>
+                  <a:t> 리소스</a:t>
+                </a:r>
+              </a:p>
+            </p:txBody>
+          </p:sp>
+          <p:sp>
+            <p:nvSpPr>
+              <p:cNvPr id="9" name="Flowchart: Off-page Connector 44">
+                <a:extLst>
+                  <a:ext uri="{FF2B5EF4-FFF2-40B4-BE49-F238E27FC236}">
+                    <a16:creationId xmlns:a16="http://schemas.microsoft.com/office/drawing/2014/main" id="{6CECF545-D984-4BFB-AD96-378C487A5EDE}"/>
+                  </a:ext>
+                </a:extLst>
+              </p:cNvPr>
+              <p:cNvSpPr/>
+              <p:nvPr/>
+            </p:nvSpPr>
+            <p:spPr>
+              <a:xfrm rot="16200000">
+                <a:off x="807469" y="639422"/>
+                <a:ext cx="200288" cy="230861"/>
+              </a:xfrm>
+              <a:prstGeom prst="flowChartOffpageConnector">
+                <a:avLst/>
+              </a:prstGeom>
+              <a:solidFill>
+                <a:srgbClr val="00B050"/>
+              </a:solidFill>
+              <a:ln>
+                <a:solidFill>
+                  <a:srgbClr val="92D050"/>
+                </a:solidFill>
+              </a:ln>
+              <a:scene3d>
+                <a:camera prst="orthographicFront"/>
+                <a:lightRig rig="threePt" dir="t"/>
+              </a:scene3d>
+              <a:sp3d>
+                <a:bevelT/>
+              </a:sp3d>
+            </p:spPr>
+            <p:style>
+              <a:lnRef idx="2">
+                <a:schemeClr val="accent1">
+                  <a:shade val="50000"/>
+                </a:schemeClr>
+              </a:lnRef>
+              <a:fillRef idx="1">
+                <a:schemeClr val="accent1"/>
+              </a:fillRef>
+              <a:effectRef idx="0">
+                <a:schemeClr val="accent1"/>
+              </a:effectRef>
+              <a:fontRef idx="minor">
+                <a:schemeClr val="lt1"/>
+              </a:fontRef>
+            </p:style>
+            <p:txBody>
+              <a:bodyPr rtlCol="0" anchor="ctr"/>
+              <a:lstStyle/>
+              <a:p>
+                <a:pPr algn="ctr"/>
+                <a:endParaRPr lang="ko-KR" altLang="en-US" sz="1600">
+                  <a:solidFill>
+                    <a:srgbClr val="FFFF00"/>
+                  </a:solidFill>
+                </a:endParaRPr>
+              </a:p>
+            </p:txBody>
+          </p:sp>
+        </p:grpSp>
+      </p:grpSp>
+      <p:sp>
+        <p:nvSpPr>
+          <p:cNvPr id="2" name="슬라이드 번호 개체 틀 1">
+            <a:extLst>
+              <a:ext uri="{FF2B5EF4-FFF2-40B4-BE49-F238E27FC236}">
+                <a16:creationId xmlns:a16="http://schemas.microsoft.com/office/drawing/2014/main" id="{B0F31537-57FD-4EB2-BABC-48813D001EA3}"/>
+              </a:ext>
+            </a:extLst>
+          </p:cNvPr>
+          <p:cNvSpPr>
+            <a:spLocks noGrp="1"/>
+          </p:cNvSpPr>
+          <p:nvPr>
+            <p:ph type="sldNum" sz="quarter" idx="12"/>
+          </p:nvPr>
+        </p:nvSpPr>
+        <p:spPr/>
+        <p:txBody>
+          <a:bodyPr/>
+          <a:lstStyle/>
+          <a:p>
+            <a:fld id="{A8E1BB39-725C-444B-809E-419522618855}" type="slidenum">
+              <a:rPr lang="ko-KR" altLang="en-US" smtClean="0"/>
+              <a:t>12</a:t>
+            </a:fld>
+            <a:endParaRPr lang="ko-KR" altLang="en-US"/>
+          </a:p>
+        </p:txBody>
+      </p:sp>
+      <p:pic>
+        <p:nvPicPr>
+          <p:cNvPr id="68" name="그림 67">
+            <a:extLst>
+              <a:ext uri="{FF2B5EF4-FFF2-40B4-BE49-F238E27FC236}">
+                <a16:creationId xmlns:a16="http://schemas.microsoft.com/office/drawing/2014/main" id="{B7937C1D-5236-423D-8FCD-311127C1A17C}"/>
+              </a:ext>
+            </a:extLst>
+          </p:cNvPr>
+          <p:cNvPicPr>
+            <a:picLocks noChangeAspect="1"/>
+          </p:cNvPicPr>
+          <p:nvPr/>
+        </p:nvPicPr>
+        <p:blipFill>
+          <a:blip r:embed="rId2"/>
+          <a:stretch>
+            <a:fillRect/>
+          </a:stretch>
+        </p:blipFill>
+        <p:spPr>
+          <a:xfrm>
+            <a:off x="628806" y="1104171"/>
+            <a:ext cx="4205009" cy="2389137"/>
+          </a:xfrm>
+          <a:prstGeom prst="rect">
+            <a:avLst/>
+          </a:prstGeom>
+        </p:spPr>
+      </p:pic>
+      <p:sp>
+        <p:nvSpPr>
+          <p:cNvPr id="69" name="직사각형 68">
+            <a:extLst>
+              <a:ext uri="{FF2B5EF4-FFF2-40B4-BE49-F238E27FC236}">
+                <a16:creationId xmlns:a16="http://schemas.microsoft.com/office/drawing/2014/main" id="{66136D6F-4830-471C-9029-8133259357AB}"/>
+              </a:ext>
+            </a:extLst>
+          </p:cNvPr>
+          <p:cNvSpPr/>
+          <p:nvPr/>
+        </p:nvSpPr>
+        <p:spPr>
+          <a:xfrm>
+            <a:off x="622176" y="3758211"/>
+            <a:ext cx="1143463" cy="231717"/>
+          </a:xfrm>
+          <a:prstGeom prst="rect">
+            <a:avLst/>
+          </a:prstGeom>
+          <a:solidFill>
+            <a:schemeClr val="accent4">
+              <a:lumMod val="20000"/>
+              <a:lumOff val="80000"/>
+            </a:schemeClr>
+          </a:solidFill>
+          <a:ln>
+            <a:solidFill>
+              <a:srgbClr val="FFC000"/>
+            </a:solidFill>
+          </a:ln>
+        </p:spPr>
+        <p:style>
+          <a:lnRef idx="2">
+            <a:schemeClr val="accent1">
+              <a:shade val="50000"/>
+            </a:schemeClr>
+          </a:lnRef>
+          <a:fillRef idx="1">
+            <a:schemeClr val="accent1"/>
+          </a:fillRef>
+          <a:effectRef idx="0">
+            <a:schemeClr val="accent1"/>
+          </a:effectRef>
+          <a:fontRef idx="minor">
+            <a:schemeClr val="lt1"/>
+          </a:fontRef>
+        </p:style>
+        <p:txBody>
+          <a:bodyPr vert="horz" rtlCol="0" anchor="ctr"/>
+          <a:lstStyle/>
+          <a:p>
+            <a:pPr algn="ctr"/>
+            <a:r>
+              <a:rPr lang="ko-KR" altLang="en-US" sz="1400" dirty="0">
+                <a:solidFill>
+                  <a:schemeClr val="tx1"/>
+                </a:solidFill>
+              </a:rPr>
+              <a:t>바닥 스크린</a:t>
+            </a:r>
+          </a:p>
+        </p:txBody>
+      </p:sp>
+      <p:sp>
+        <p:nvSpPr>
+          <p:cNvPr id="70" name="직사각형 69">
+            <a:extLst>
+              <a:ext uri="{FF2B5EF4-FFF2-40B4-BE49-F238E27FC236}">
+                <a16:creationId xmlns:a16="http://schemas.microsoft.com/office/drawing/2014/main" id="{BBE82503-8E01-4BBB-903E-B2F8E9E8EEA7}"/>
+              </a:ext>
+            </a:extLst>
+          </p:cNvPr>
+          <p:cNvSpPr/>
+          <p:nvPr/>
+        </p:nvSpPr>
+        <p:spPr>
+          <a:xfrm>
+            <a:off x="628806" y="874660"/>
+            <a:ext cx="1143463" cy="231717"/>
+          </a:xfrm>
+          <a:prstGeom prst="rect">
+            <a:avLst/>
+          </a:prstGeom>
+          <a:solidFill>
+            <a:schemeClr val="accent1">
+              <a:lumMod val="20000"/>
+              <a:lumOff val="80000"/>
+            </a:schemeClr>
+          </a:solidFill>
+        </p:spPr>
+        <p:style>
+          <a:lnRef idx="2">
+            <a:schemeClr val="accent1">
+              <a:shade val="50000"/>
+            </a:schemeClr>
+          </a:lnRef>
+          <a:fillRef idx="1">
+            <a:schemeClr val="accent1"/>
+          </a:fillRef>
+          <a:effectRef idx="0">
+            <a:schemeClr val="accent1"/>
+          </a:effectRef>
+          <a:fontRef idx="minor">
+            <a:schemeClr val="lt1"/>
+          </a:fontRef>
+        </p:style>
+        <p:txBody>
+          <a:bodyPr vert="horz" rtlCol="0" anchor="ctr"/>
+          <a:lstStyle/>
+          <a:p>
+            <a:pPr algn="ctr"/>
+            <a:r>
+              <a:rPr lang="ko-KR" altLang="en-US" sz="1400" dirty="0">
+                <a:solidFill>
+                  <a:schemeClr val="tx1"/>
+                </a:solidFill>
+              </a:rPr>
+              <a:t>전면 스크린</a:t>
+            </a:r>
+          </a:p>
+        </p:txBody>
+      </p:sp>
+      <p:pic>
+        <p:nvPicPr>
+          <p:cNvPr id="78" name="그림 77">
+            <a:extLst>
+              <a:ext uri="{FF2B5EF4-FFF2-40B4-BE49-F238E27FC236}">
+                <a16:creationId xmlns:a16="http://schemas.microsoft.com/office/drawing/2014/main" id="{0292206A-C739-4E50-8013-75E397BEDBBB}"/>
+              </a:ext>
+            </a:extLst>
+          </p:cNvPr>
+          <p:cNvPicPr>
+            <a:picLocks noChangeAspect="1"/>
+          </p:cNvPicPr>
+          <p:nvPr/>
+        </p:nvPicPr>
+        <p:blipFill>
+          <a:blip r:embed="rId3">
+            <a:extLst>
+              <a:ext uri="{28A0092B-C50C-407E-A947-70E740481C1C}">
+                <a14:useLocalDpi xmlns:a14="http://schemas.microsoft.com/office/drawing/2010/main" val="0"/>
+              </a:ext>
+            </a:extLst>
+          </a:blip>
+          <a:stretch>
+            <a:fillRect/>
+          </a:stretch>
+        </p:blipFill>
+        <p:spPr>
+          <a:xfrm>
+            <a:off x="628806" y="3973397"/>
+            <a:ext cx="4205009" cy="2382953"/>
+          </a:xfrm>
+          <a:prstGeom prst="rect">
+            <a:avLst/>
+          </a:prstGeom>
+          <a:ln>
+            <a:solidFill>
+              <a:schemeClr val="tx1"/>
+            </a:solidFill>
+          </a:ln>
+        </p:spPr>
+      </p:pic>
+      <p:pic>
+        <p:nvPicPr>
+          <p:cNvPr id="80" name="그림 79">
+            <a:extLst>
+              <a:ext uri="{FF2B5EF4-FFF2-40B4-BE49-F238E27FC236}">
+                <a16:creationId xmlns:a16="http://schemas.microsoft.com/office/drawing/2014/main" id="{62AF190F-954F-41B8-B785-D7372A0607F3}"/>
+              </a:ext>
+            </a:extLst>
+          </p:cNvPr>
+          <p:cNvPicPr>
+            <a:picLocks noChangeAspect="1"/>
+          </p:cNvPicPr>
+          <p:nvPr/>
+        </p:nvPicPr>
+        <p:blipFill>
+          <a:blip r:embed="rId4"/>
+          <a:stretch>
+            <a:fillRect/>
+          </a:stretch>
+        </p:blipFill>
+        <p:spPr>
+          <a:xfrm>
+            <a:off x="1264517" y="3991141"/>
+            <a:ext cx="2972054" cy="191731"/>
+          </a:xfrm>
+          <a:prstGeom prst="rect">
+            <a:avLst/>
+          </a:prstGeom>
+        </p:spPr>
+      </p:pic>
+      <p:pic>
+        <p:nvPicPr>
+          <p:cNvPr id="81" name="그림 80">
+            <a:extLst>
+              <a:ext uri="{FF2B5EF4-FFF2-40B4-BE49-F238E27FC236}">
+                <a16:creationId xmlns:a16="http://schemas.microsoft.com/office/drawing/2014/main" id="{C0406BC0-7FF8-4161-9DF8-95F120AD318F}"/>
+              </a:ext>
+            </a:extLst>
+          </p:cNvPr>
+          <p:cNvPicPr>
+            <a:picLocks noChangeAspect="1"/>
+          </p:cNvPicPr>
+          <p:nvPr/>
+        </p:nvPicPr>
+        <p:blipFill>
+          <a:blip r:embed="rId4"/>
+          <a:stretch>
+            <a:fillRect/>
+          </a:stretch>
+        </p:blipFill>
+        <p:spPr>
+          <a:xfrm>
+            <a:off x="666089" y="4003673"/>
+            <a:ext cx="4122682" cy="531004"/>
+          </a:xfrm>
+          <a:prstGeom prst="rect">
+            <a:avLst/>
+          </a:prstGeom>
+        </p:spPr>
+      </p:pic>
+      <p:sp>
+        <p:nvSpPr>
+          <p:cNvPr id="42" name="직사각형 41">
+            <a:extLst>
+              <a:ext uri="{FF2B5EF4-FFF2-40B4-BE49-F238E27FC236}">
+                <a16:creationId xmlns:a16="http://schemas.microsoft.com/office/drawing/2014/main" id="{41229610-73FB-4499-9956-050C82DBF50B}"/>
+              </a:ext>
+            </a:extLst>
+          </p:cNvPr>
+          <p:cNvSpPr/>
+          <p:nvPr/>
+        </p:nvSpPr>
+        <p:spPr>
+          <a:xfrm>
+            <a:off x="812053" y="5036360"/>
+            <a:ext cx="3828220" cy="1332130"/>
+          </a:xfrm>
+          <a:prstGeom prst="rect">
+            <a:avLst/>
+          </a:prstGeom>
+          <a:solidFill>
+            <a:schemeClr val="accent4">
+              <a:lumMod val="60000"/>
+              <a:lumOff val="40000"/>
+            </a:schemeClr>
+          </a:solidFill>
+          <a:ln>
+            <a:solidFill>
+              <a:srgbClr val="002060"/>
+            </a:solidFill>
+          </a:ln>
+        </p:spPr>
+        <p:style>
+          <a:lnRef idx="2">
+            <a:schemeClr val="accent1">
+              <a:shade val="50000"/>
+            </a:schemeClr>
+          </a:lnRef>
+          <a:fillRef idx="1">
+            <a:schemeClr val="accent1"/>
+          </a:fillRef>
+          <a:effectRef idx="0">
+            <a:schemeClr val="accent1"/>
+          </a:effectRef>
+          <a:fontRef idx="minor">
+            <a:schemeClr val="lt1"/>
+          </a:fontRef>
+        </p:style>
+        <p:txBody>
+          <a:bodyPr rtlCol="0" anchor="ctr"/>
+          <a:lstStyle/>
+          <a:p>
+            <a:pPr algn="ctr"/>
+            <a:endParaRPr lang="ko-KR" altLang="en-US"/>
+          </a:p>
+        </p:txBody>
+      </p:sp>
+      <p:sp>
+        <p:nvSpPr>
+          <p:cNvPr id="43" name="직사각형 42">
+            <a:extLst>
+              <a:ext uri="{FF2B5EF4-FFF2-40B4-BE49-F238E27FC236}">
+                <a16:creationId xmlns:a16="http://schemas.microsoft.com/office/drawing/2014/main" id="{07C75CF5-E0B5-46AC-87C1-998B961B9137}"/>
+              </a:ext>
+            </a:extLst>
+          </p:cNvPr>
+          <p:cNvSpPr/>
+          <p:nvPr/>
+        </p:nvSpPr>
+        <p:spPr>
+          <a:xfrm>
+            <a:off x="622177" y="5035912"/>
+            <a:ext cx="1332458" cy="1332970"/>
+          </a:xfrm>
+          <a:prstGeom prst="rect">
+            <a:avLst/>
+          </a:prstGeom>
+          <a:solidFill>
+            <a:schemeClr val="accent5">
+              <a:lumMod val="20000"/>
+              <a:lumOff val="80000"/>
+            </a:schemeClr>
+          </a:solidFill>
+          <a:ln>
+            <a:solidFill>
+              <a:srgbClr val="002060"/>
+            </a:solidFill>
+          </a:ln>
+        </p:spPr>
+        <p:style>
+          <a:lnRef idx="2">
+            <a:schemeClr val="accent1">
+              <a:shade val="50000"/>
+            </a:schemeClr>
+          </a:lnRef>
+          <a:fillRef idx="1">
+            <a:schemeClr val="accent1"/>
+          </a:fillRef>
+          <a:effectRef idx="0">
+            <a:schemeClr val="accent1"/>
+          </a:effectRef>
+          <a:fontRef idx="minor">
+            <a:schemeClr val="lt1"/>
+          </a:fontRef>
+        </p:style>
+        <p:txBody>
+          <a:bodyPr rtlCol="0" anchor="ctr"/>
+          <a:lstStyle/>
+          <a:p>
+            <a:pPr algn="ctr"/>
+            <a:endParaRPr lang="ko-KR" altLang="en-US" dirty="0"/>
+          </a:p>
+        </p:txBody>
+      </p:sp>
+      <p:sp>
+        <p:nvSpPr>
+          <p:cNvPr id="44" name="직사각형 43">
+            <a:extLst>
+              <a:ext uri="{FF2B5EF4-FFF2-40B4-BE49-F238E27FC236}">
+                <a16:creationId xmlns:a16="http://schemas.microsoft.com/office/drawing/2014/main" id="{D6EF6A5D-4511-4486-817E-981B16EACBB5}"/>
+              </a:ext>
+            </a:extLst>
+          </p:cNvPr>
+          <p:cNvSpPr/>
+          <p:nvPr/>
+        </p:nvSpPr>
+        <p:spPr>
+          <a:xfrm>
+            <a:off x="3439486" y="5035128"/>
+            <a:ext cx="1400958" cy="1332970"/>
+          </a:xfrm>
+          <a:prstGeom prst="rect">
+            <a:avLst/>
+          </a:prstGeom>
+          <a:solidFill>
+            <a:schemeClr val="accent5">
+              <a:lumMod val="20000"/>
+              <a:lumOff val="80000"/>
+            </a:schemeClr>
+          </a:solidFill>
+          <a:ln>
+            <a:solidFill>
+              <a:srgbClr val="002060"/>
+            </a:solidFill>
+          </a:ln>
+        </p:spPr>
+        <p:style>
+          <a:lnRef idx="2">
+            <a:schemeClr val="accent1">
+              <a:shade val="50000"/>
+            </a:schemeClr>
+          </a:lnRef>
+          <a:fillRef idx="1">
+            <a:schemeClr val="accent1"/>
+          </a:fillRef>
+          <a:effectRef idx="0">
+            <a:schemeClr val="accent1"/>
+          </a:effectRef>
+          <a:fontRef idx="minor">
+            <a:schemeClr val="lt1"/>
+          </a:fontRef>
+        </p:style>
+        <p:txBody>
+          <a:bodyPr rtlCol="0" anchor="ctr"/>
+          <a:lstStyle/>
+          <a:p>
+            <a:pPr algn="ctr"/>
+            <a:endParaRPr lang="ko-KR" altLang="en-US"/>
+          </a:p>
+        </p:txBody>
+      </p:sp>
+      <p:pic>
+        <p:nvPicPr>
+          <p:cNvPr id="13" name="그림 12">
+            <a:extLst>
+              <a:ext uri="{FF2B5EF4-FFF2-40B4-BE49-F238E27FC236}">
+                <a16:creationId xmlns:a16="http://schemas.microsoft.com/office/drawing/2014/main" id="{CD440E80-562A-4AE1-A9BA-1C9B5E90323E}"/>
+              </a:ext>
+            </a:extLst>
+          </p:cNvPr>
+          <p:cNvPicPr>
+            <a:picLocks noChangeAspect="1"/>
+          </p:cNvPicPr>
+          <p:nvPr/>
+        </p:nvPicPr>
+        <p:blipFill>
+          <a:blip r:embed="rId5"/>
+          <a:stretch>
+            <a:fillRect/>
+          </a:stretch>
+        </p:blipFill>
+        <p:spPr>
+          <a:xfrm>
+            <a:off x="628806" y="3986560"/>
+            <a:ext cx="4205009" cy="1043036"/>
+          </a:xfrm>
+          <a:prstGeom prst="rect">
+            <a:avLst/>
+          </a:prstGeom>
+        </p:spPr>
+      </p:pic>
+      <p:sp>
+        <p:nvSpPr>
+          <p:cNvPr id="47" name="직사각형 46">
+            <a:extLst>
+              <a:ext uri="{FF2B5EF4-FFF2-40B4-BE49-F238E27FC236}">
+                <a16:creationId xmlns:a16="http://schemas.microsoft.com/office/drawing/2014/main" id="{9A5C0D9C-998E-4E0A-88D0-44656EA2C7C1}"/>
+              </a:ext>
+            </a:extLst>
+          </p:cNvPr>
+          <p:cNvSpPr/>
+          <p:nvPr/>
+        </p:nvSpPr>
+        <p:spPr>
+          <a:xfrm>
+            <a:off x="3762329" y="4002359"/>
+            <a:ext cx="1048964" cy="329299"/>
+          </a:xfrm>
+          <a:prstGeom prst="rect">
+            <a:avLst/>
+          </a:prstGeom>
+        </p:spPr>
+        <p:style>
+          <a:lnRef idx="2">
+            <a:schemeClr val="accent1">
+              <a:shade val="50000"/>
+            </a:schemeClr>
+          </a:lnRef>
+          <a:fillRef idx="1">
+            <a:schemeClr val="accent1"/>
+          </a:fillRef>
+          <a:effectRef idx="0">
+            <a:schemeClr val="accent1"/>
+          </a:effectRef>
+          <a:fontRef idx="minor">
+            <a:schemeClr val="lt1"/>
+          </a:fontRef>
+        </p:style>
+        <p:txBody>
+          <a:bodyPr rtlCol="0" anchor="ctr"/>
+          <a:lstStyle/>
+          <a:p>
+            <a:pPr algn="ctr"/>
+            <a:r>
+              <a:rPr lang="en-US" altLang="ko-KR" sz="1200" dirty="0"/>
+              <a:t>Life</a:t>
+            </a:r>
+            <a:endParaRPr lang="ko-KR" altLang="en-US" sz="1200" dirty="0"/>
+          </a:p>
+        </p:txBody>
+      </p:sp>
+      <p:sp>
+        <p:nvSpPr>
+          <p:cNvPr id="48" name="직사각형 47">
+            <a:extLst>
+              <a:ext uri="{FF2B5EF4-FFF2-40B4-BE49-F238E27FC236}">
+                <a16:creationId xmlns:a16="http://schemas.microsoft.com/office/drawing/2014/main" id="{ABED9A31-CD61-454A-818C-012C9BB68590}"/>
+              </a:ext>
+            </a:extLst>
+          </p:cNvPr>
+          <p:cNvSpPr/>
+          <p:nvPr/>
+        </p:nvSpPr>
+        <p:spPr>
+          <a:xfrm>
+            <a:off x="2116121" y="3996909"/>
+            <a:ext cx="1048964" cy="329299"/>
+          </a:xfrm>
+          <a:prstGeom prst="rect">
+            <a:avLst/>
+          </a:prstGeom>
+        </p:spPr>
+        <p:style>
+          <a:lnRef idx="2">
+            <a:schemeClr val="accent1">
+              <a:shade val="50000"/>
+            </a:schemeClr>
+          </a:lnRef>
+          <a:fillRef idx="1">
+            <a:schemeClr val="accent1"/>
+          </a:fillRef>
+          <a:effectRef idx="0">
+            <a:schemeClr val="accent1"/>
+          </a:effectRef>
+          <a:fontRef idx="minor">
+            <a:schemeClr val="lt1"/>
+          </a:fontRef>
+        </p:style>
+        <p:txBody>
+          <a:bodyPr rtlCol="0" anchor="ctr"/>
+          <a:lstStyle/>
+          <a:p>
+            <a:pPr algn="ctr"/>
+            <a:r>
+              <a:rPr lang="ko-KR" altLang="en-US" sz="1200"/>
+              <a:t>진행 시간</a:t>
+            </a:r>
+            <a:endParaRPr lang="ko-KR" altLang="en-US" sz="1200" dirty="0"/>
+          </a:p>
+        </p:txBody>
+      </p:sp>
+      <p:pic>
+        <p:nvPicPr>
+          <p:cNvPr id="15" name="그림 14">
+            <a:extLst>
+              <a:ext uri="{FF2B5EF4-FFF2-40B4-BE49-F238E27FC236}">
+                <a16:creationId xmlns:a16="http://schemas.microsoft.com/office/drawing/2014/main" id="{F53E0907-5260-475C-85E0-F58BEC8F3085}"/>
+              </a:ext>
+            </a:extLst>
+          </p:cNvPr>
+          <p:cNvPicPr>
+            <a:picLocks noChangeAspect="1"/>
+          </p:cNvPicPr>
+          <p:nvPr/>
+        </p:nvPicPr>
+        <p:blipFill rotWithShape="1">
+          <a:blip r:embed="rId6"/>
+          <a:srcRect l="36504" b="24906"/>
+          <a:stretch/>
+        </p:blipFill>
+        <p:spPr>
+          <a:xfrm>
+            <a:off x="628806" y="1118909"/>
+            <a:ext cx="4182487" cy="2359569"/>
+          </a:xfrm>
+          <a:prstGeom prst="rect">
+            <a:avLst/>
+          </a:prstGeom>
+        </p:spPr>
+      </p:pic>
+      <p:sp>
+        <p:nvSpPr>
+          <p:cNvPr id="53" name="TextBox 52">
+            <a:extLst>
+              <a:ext uri="{FF2B5EF4-FFF2-40B4-BE49-F238E27FC236}">
+                <a16:creationId xmlns:a16="http://schemas.microsoft.com/office/drawing/2014/main" id="{350C38D5-F3E7-42CD-A998-80BF5C4F1063}"/>
+              </a:ext>
+            </a:extLst>
+          </p:cNvPr>
+          <p:cNvSpPr txBox="1"/>
+          <p:nvPr/>
+        </p:nvSpPr>
+        <p:spPr>
+          <a:xfrm>
+            <a:off x="4968853" y="1119797"/>
+            <a:ext cx="6524638" cy="7042121"/>
+          </a:xfrm>
+          <a:prstGeom prst="rect">
+            <a:avLst/>
+          </a:prstGeom>
+          <a:noFill/>
+        </p:spPr>
+        <p:txBody>
+          <a:bodyPr wrap="square" rtlCol="0">
+            <a:spAutoFit/>
+          </a:bodyPr>
+          <a:lstStyle/>
+          <a:p>
+            <a:pPr marL="228600" indent="-228600" algn="l" defTabSz="540000">
+              <a:lnSpc>
+                <a:spcPct val="130000"/>
+              </a:lnSpc>
+              <a:spcAft>
+                <a:spcPts val="400"/>
+              </a:spcAft>
+              <a:buFont typeface="Arial" panose="020B0604020202020204" pitchFamily="34" charset="0"/>
+              <a:buChar char="•"/>
+            </a:pPr>
+            <a:r>
+              <a:rPr lang="ko-KR" altLang="en-US" sz="1200" dirty="0"/>
+              <a:t>컨셉 </a:t>
+            </a:r>
+            <a:r>
+              <a:rPr lang="en-US" altLang="ko-KR" sz="1200" dirty="0"/>
+              <a:t>: </a:t>
+            </a:r>
+            <a:r>
+              <a:rPr lang="ko-KR" altLang="en-US" sz="1200" dirty="0"/>
+              <a:t>하늘 다리 컨셉</a:t>
+            </a:r>
+            <a:endParaRPr lang="en-US" altLang="ko-KR" sz="1200" dirty="0"/>
+          </a:p>
+          <a:p>
+            <a:pPr marL="228600" indent="-228600" defTabSz="540000">
+              <a:lnSpc>
+                <a:spcPct val="130000"/>
+              </a:lnSpc>
+              <a:spcAft>
+                <a:spcPts val="400"/>
+              </a:spcAft>
+              <a:buFont typeface="Arial" panose="020B0604020202020204" pitchFamily="34" charset="0"/>
+              <a:buChar char="•"/>
+            </a:pPr>
+            <a:r>
+              <a:rPr lang="ko-KR" altLang="en-US" sz="1200" dirty="0"/>
+              <a:t>캐릭터는 밑바닥이 나무 재질로 만들어진 하늘 다리를 건너야 한다</a:t>
+            </a:r>
+            <a:r>
+              <a:rPr lang="en-US" altLang="ko-KR" sz="1200" dirty="0"/>
+              <a:t>.</a:t>
+            </a:r>
+          </a:p>
+          <a:p>
+            <a:pPr marL="228600" indent="-228600" algn="l" defTabSz="540000">
+              <a:lnSpc>
+                <a:spcPct val="130000"/>
+              </a:lnSpc>
+              <a:spcAft>
+                <a:spcPts val="400"/>
+              </a:spcAft>
+              <a:buFont typeface="Arial" panose="020B0604020202020204" pitchFamily="34" charset="0"/>
+              <a:buChar char="•"/>
+            </a:pPr>
+            <a:r>
+              <a:rPr lang="ko-KR" altLang="en-US" sz="1200" dirty="0"/>
+              <a:t>하늘 다리는 유지 보수가 잘되어 있지 않아 군데군데 구멍이 뚫려 있다</a:t>
+            </a:r>
+            <a:r>
+              <a:rPr lang="en-US" altLang="ko-KR" sz="1200" dirty="0"/>
+              <a:t>.</a:t>
+            </a:r>
+          </a:p>
+          <a:p>
+            <a:pPr algn="l" defTabSz="540000">
+              <a:lnSpc>
+                <a:spcPct val="130000"/>
+              </a:lnSpc>
+              <a:spcAft>
+                <a:spcPts val="400"/>
+              </a:spcAft>
+            </a:pPr>
+            <a:r>
+              <a:rPr lang="en-US" altLang="ko-KR" sz="1200" dirty="0"/>
+              <a:t>&lt;</a:t>
+            </a:r>
+            <a:r>
+              <a:rPr lang="ko-KR" altLang="en-US" sz="1200" dirty="0"/>
+              <a:t>필요 리소스</a:t>
+            </a:r>
+            <a:r>
+              <a:rPr lang="en-US" altLang="ko-KR" sz="1200" dirty="0"/>
+              <a:t>&gt;</a:t>
+            </a:r>
+          </a:p>
+          <a:p>
+            <a:pPr marL="171450" indent="-171450" algn="l" defTabSz="540000">
+              <a:lnSpc>
+                <a:spcPct val="130000"/>
+              </a:lnSpc>
+              <a:spcAft>
+                <a:spcPts val="400"/>
+              </a:spcAft>
+              <a:buFont typeface="Arial" panose="020B0604020202020204" pitchFamily="34" charset="0"/>
+              <a:buChar char="•"/>
+            </a:pPr>
+            <a:r>
+              <a:rPr lang="ko-KR" altLang="en-US" sz="1200" dirty="0"/>
+              <a:t>배경</a:t>
+            </a:r>
+            <a:r>
+              <a:rPr lang="en-US" altLang="ko-KR" sz="1200" dirty="0"/>
+              <a:t>: </a:t>
+            </a:r>
+            <a:r>
+              <a:rPr lang="ko-KR" altLang="en-US" sz="1200" dirty="0"/>
+              <a:t>높은 산의</a:t>
+            </a:r>
+            <a:r>
+              <a:rPr lang="en-US" altLang="ko-KR" sz="1200" dirty="0"/>
+              <a:t> </a:t>
+            </a:r>
+            <a:r>
+              <a:rPr lang="ko-KR" altLang="en-US" sz="1200" dirty="0"/>
+              <a:t>바위와 돌</a:t>
+            </a:r>
+            <a:r>
+              <a:rPr lang="en-US" altLang="ko-KR" sz="1200" dirty="0"/>
+              <a:t>, </a:t>
+            </a:r>
+            <a:r>
+              <a:rPr lang="ko-KR" altLang="en-US" sz="1200" dirty="0"/>
+              <a:t>폭포</a:t>
+            </a:r>
+            <a:r>
+              <a:rPr lang="en-US" altLang="ko-KR" sz="1200" dirty="0"/>
+              <a:t>, </a:t>
+            </a:r>
+            <a:r>
+              <a:rPr lang="ko-KR" altLang="en-US" sz="1200" dirty="0"/>
+              <a:t>허공에 떠다니는 구름 등으로 이루어진 배경</a:t>
+            </a:r>
+            <a:r>
+              <a:rPr lang="en-US" altLang="ko-KR" sz="1200" dirty="0"/>
+              <a:t>(</a:t>
+            </a:r>
+            <a:r>
+              <a:rPr lang="en-US" altLang="ko-KR" sz="1200" dirty="0" err="1"/>
+              <a:t>JoyRunBackGround</a:t>
+            </a:r>
+            <a:r>
+              <a:rPr lang="en-US" altLang="ko-KR" sz="1200" dirty="0"/>
+              <a:t>)</a:t>
+            </a:r>
+          </a:p>
+          <a:p>
+            <a:pPr marL="171450" indent="-171450" defTabSz="540000">
+              <a:lnSpc>
+                <a:spcPct val="130000"/>
+              </a:lnSpc>
+              <a:spcAft>
+                <a:spcPts val="400"/>
+              </a:spcAft>
+              <a:buFont typeface="Arial" panose="020B0604020202020204" pitchFamily="34" charset="0"/>
+              <a:buChar char="•"/>
+            </a:pPr>
+            <a:r>
+              <a:rPr lang="ko-KR" altLang="en-US" sz="1200" dirty="0"/>
+              <a:t>런 레일 </a:t>
+            </a:r>
+            <a:r>
+              <a:rPr lang="en-US" altLang="ko-KR" sz="1200" dirty="0"/>
+              <a:t>: </a:t>
+            </a:r>
+            <a:r>
+              <a:rPr lang="ko-KR" altLang="en-US" sz="1200" dirty="0"/>
+              <a:t>나무 재질의 갈색 레일 </a:t>
+            </a:r>
+            <a:r>
+              <a:rPr lang="en-US" altLang="ko-KR" sz="1200" dirty="0"/>
+              <a:t>3</a:t>
+            </a:r>
+            <a:r>
+              <a:rPr lang="ko-KR" altLang="en-US" sz="1200" dirty="0"/>
+              <a:t>종 </a:t>
+            </a:r>
+            <a:r>
+              <a:rPr lang="ko-KR" altLang="en-US" sz="1200" dirty="0" err="1"/>
+              <a:t>우하단의</a:t>
+            </a:r>
+            <a:r>
+              <a:rPr lang="ko-KR" altLang="en-US" sz="1200" dirty="0"/>
+              <a:t> 예시처럼 다리의 널빤지로 보이는 레일 리소스로 널빤지 중간 중간에 이끼나 돌 부스러기가 있다</a:t>
+            </a:r>
+            <a:r>
+              <a:rPr lang="en-US" altLang="ko-KR" sz="1200" dirty="0"/>
+              <a:t>.(JoyRunBridge1, JoyRunBridge2, JoyRunBridge3)</a:t>
+            </a:r>
+          </a:p>
+          <a:p>
+            <a:pPr marL="171450" indent="-171450" defTabSz="540000">
+              <a:lnSpc>
+                <a:spcPct val="130000"/>
+              </a:lnSpc>
+              <a:spcAft>
+                <a:spcPts val="400"/>
+              </a:spcAft>
+              <a:buFont typeface="Arial" panose="020B0604020202020204" pitchFamily="34" charset="0"/>
+              <a:buChar char="•"/>
+            </a:pPr>
+            <a:r>
+              <a:rPr lang="ko-KR" altLang="en-US" sz="1200" dirty="0"/>
+              <a:t>구멍 </a:t>
+            </a:r>
+            <a:r>
+              <a:rPr lang="en-US" altLang="ko-KR" sz="1200" dirty="0"/>
+              <a:t>: </a:t>
+            </a:r>
+            <a:r>
+              <a:rPr lang="ko-KR" altLang="en-US" sz="1200" dirty="0"/>
+              <a:t>널빤지에 </a:t>
+            </a:r>
+            <a:r>
+              <a:rPr lang="ko-KR" altLang="en-US" sz="1200" dirty="0" err="1"/>
+              <a:t>구멍나</a:t>
+            </a:r>
+            <a:r>
+              <a:rPr lang="ko-KR" altLang="en-US" sz="1200" dirty="0"/>
+              <a:t> 있는 리소스로 실제로 널빤지에 구멍을 내는 것이 아니라 배치되었을 때 </a:t>
+            </a:r>
+            <a:r>
+              <a:rPr lang="ko-KR" altLang="en-US" sz="1200" dirty="0" err="1"/>
+              <a:t>구멍난</a:t>
+            </a:r>
+            <a:r>
+              <a:rPr lang="ko-KR" altLang="en-US" sz="1200" dirty="0"/>
+              <a:t> 것처럼 보여야 한다</a:t>
+            </a:r>
+            <a:r>
+              <a:rPr lang="en-US" altLang="ko-KR" sz="1200" dirty="0"/>
+              <a:t>. </a:t>
+            </a:r>
+            <a:r>
+              <a:rPr lang="ko-KR" altLang="en-US" sz="1200" dirty="0"/>
+              <a:t>그라운드 오브젝트 또는 </a:t>
+            </a:r>
+            <a:r>
+              <a:rPr lang="ko-KR" altLang="en-US" sz="1200" dirty="0" err="1"/>
+              <a:t>파티클</a:t>
+            </a:r>
+            <a:r>
+              <a:rPr lang="ko-KR" altLang="en-US" sz="1200" dirty="0"/>
+              <a:t> 활용</a:t>
+            </a:r>
+            <a:r>
+              <a:rPr lang="en-US" altLang="ko-KR" sz="1200" dirty="0"/>
+              <a:t>(</a:t>
+            </a:r>
+            <a:r>
+              <a:rPr lang="en-US" altLang="ko-KR" sz="1200" dirty="0" err="1"/>
+              <a:t>JoyRunHole</a:t>
+            </a:r>
+            <a:r>
+              <a:rPr lang="en-US" altLang="ko-KR" sz="1200" dirty="0"/>
+              <a:t>)</a:t>
+            </a:r>
+          </a:p>
+          <a:p>
+            <a:pPr marL="171450" indent="-171450" defTabSz="540000">
+              <a:lnSpc>
+                <a:spcPct val="130000"/>
+              </a:lnSpc>
+              <a:spcAft>
+                <a:spcPts val="400"/>
+              </a:spcAft>
+              <a:buFont typeface="Arial" panose="020B0604020202020204" pitchFamily="34" charset="0"/>
+              <a:buChar char="•"/>
+            </a:pPr>
+            <a:r>
+              <a:rPr lang="ko-KR" altLang="en-US" sz="1200" dirty="0"/>
+              <a:t>통나무 </a:t>
+            </a:r>
+            <a:r>
+              <a:rPr lang="en-US" altLang="ko-KR" sz="1200" dirty="0"/>
+              <a:t>: </a:t>
+            </a:r>
+            <a:r>
+              <a:rPr lang="ko-KR" altLang="en-US" sz="1200" dirty="0"/>
+              <a:t>말그대로 굴러다니는 통나무</a:t>
+            </a:r>
+            <a:r>
+              <a:rPr lang="en-US" altLang="ko-KR" sz="1200" dirty="0"/>
+              <a:t>(</a:t>
+            </a:r>
+            <a:r>
+              <a:rPr lang="en-US" altLang="ko-KR" sz="1200" dirty="0" err="1"/>
+              <a:t>JoyRunLog</a:t>
+            </a:r>
+            <a:r>
+              <a:rPr lang="en-US" altLang="ko-KR" sz="1200" dirty="0"/>
+              <a:t>)</a:t>
+            </a:r>
+          </a:p>
+          <a:p>
+            <a:pPr marL="171450" indent="-171450" defTabSz="540000">
+              <a:lnSpc>
+                <a:spcPct val="130000"/>
+              </a:lnSpc>
+              <a:spcAft>
+                <a:spcPts val="400"/>
+              </a:spcAft>
+              <a:buFont typeface="Arial" panose="020B0604020202020204" pitchFamily="34" charset="0"/>
+              <a:buChar char="•"/>
+            </a:pPr>
+            <a:r>
+              <a:rPr lang="ko-KR" altLang="en-US" sz="1200" dirty="0"/>
+              <a:t>풍선 </a:t>
+            </a:r>
+            <a:r>
+              <a:rPr lang="en-US" altLang="ko-KR" sz="1200" dirty="0"/>
+              <a:t>: </a:t>
+            </a:r>
+            <a:r>
+              <a:rPr lang="ko-KR" altLang="en-US" sz="1200" dirty="0"/>
+              <a:t>사용자가 펀치로 터트리는 풍선</a:t>
+            </a:r>
+            <a:r>
+              <a:rPr lang="en-US" altLang="ko-KR" sz="1200" dirty="0"/>
+              <a:t> 2</a:t>
+            </a:r>
+            <a:r>
+              <a:rPr lang="ko-KR" altLang="en-US" sz="1200" dirty="0"/>
+              <a:t>종</a:t>
+            </a:r>
+            <a:r>
+              <a:rPr lang="en-US" altLang="ko-KR" sz="1200" dirty="0"/>
+              <a:t>(</a:t>
+            </a:r>
+            <a:r>
+              <a:rPr lang="en-US" altLang="ko-KR" sz="1200" dirty="0" err="1"/>
+              <a:t>JoyRunBalloonRed</a:t>
+            </a:r>
+            <a:r>
+              <a:rPr lang="en-US" altLang="ko-KR" sz="1200" dirty="0"/>
+              <a:t>, </a:t>
+            </a:r>
+            <a:r>
+              <a:rPr lang="en-US" altLang="ko-KR" sz="1200" dirty="0" err="1"/>
+              <a:t>JoyRunBalloonBlue</a:t>
+            </a:r>
+            <a:r>
+              <a:rPr lang="en-US" altLang="ko-KR" sz="1200" dirty="0"/>
+              <a:t>)</a:t>
+            </a:r>
+          </a:p>
+          <a:p>
+            <a:pPr marL="171450" indent="-171450" defTabSz="540000">
+              <a:lnSpc>
+                <a:spcPct val="130000"/>
+              </a:lnSpc>
+              <a:spcAft>
+                <a:spcPts val="400"/>
+              </a:spcAft>
+              <a:buFont typeface="Arial" panose="020B0604020202020204" pitchFamily="34" charset="0"/>
+              <a:buChar char="•"/>
+            </a:pPr>
+            <a:r>
+              <a:rPr lang="ko-KR" altLang="en-US" sz="1200" dirty="0"/>
+              <a:t>하트 </a:t>
+            </a:r>
+            <a:r>
+              <a:rPr lang="en-US" altLang="ko-KR" sz="1200" dirty="0"/>
+              <a:t>: </a:t>
+            </a:r>
+            <a:r>
+              <a:rPr lang="ko-KR" altLang="en-US" sz="1200" dirty="0"/>
+              <a:t>사용자가 </a:t>
+            </a:r>
+            <a:r>
+              <a:rPr lang="en-US" altLang="ko-KR" sz="1200" dirty="0"/>
+              <a:t>HP </a:t>
+            </a:r>
+            <a:r>
+              <a:rPr lang="ko-KR" altLang="en-US" sz="1200" dirty="0"/>
+              <a:t>를 회복하는 수단</a:t>
+            </a:r>
+            <a:r>
+              <a:rPr lang="en-US" altLang="ko-KR" sz="1200" dirty="0"/>
+              <a:t>(</a:t>
+            </a:r>
+            <a:r>
+              <a:rPr lang="en-US" altLang="ko-KR" sz="1200" dirty="0" err="1"/>
+              <a:t>JoyRunHeart</a:t>
+            </a:r>
+            <a:r>
+              <a:rPr lang="en-US" altLang="ko-KR" sz="1200" dirty="0"/>
+              <a:t>)</a:t>
+            </a:r>
+          </a:p>
+          <a:p>
+            <a:pPr marL="171450" indent="-171450" defTabSz="540000">
+              <a:lnSpc>
+                <a:spcPct val="130000"/>
+              </a:lnSpc>
+              <a:spcAft>
+                <a:spcPts val="400"/>
+              </a:spcAft>
+              <a:buFont typeface="Arial" panose="020B0604020202020204" pitchFamily="34" charset="0"/>
+              <a:buChar char="•"/>
+            </a:pPr>
+            <a:r>
+              <a:rPr lang="ko-KR" altLang="en-US" sz="1200" dirty="0"/>
+              <a:t>부스터 존 </a:t>
+            </a:r>
+            <a:r>
+              <a:rPr lang="en-US" altLang="ko-KR" sz="1200" dirty="0"/>
+              <a:t>: </a:t>
+            </a:r>
+            <a:r>
+              <a:rPr lang="ko-KR" altLang="en-US" sz="1200" dirty="0"/>
+              <a:t>전방을 향하는 화살표가 </a:t>
+            </a:r>
+            <a:r>
+              <a:rPr lang="en-US" altLang="ko-KR" sz="1200" dirty="0"/>
+              <a:t>2</a:t>
+            </a:r>
+            <a:r>
+              <a:rPr lang="ko-KR" altLang="en-US" sz="1200" dirty="0"/>
+              <a:t>개 이상 표시된 형태의 그라운드 오브젝트이다</a:t>
+            </a:r>
+            <a:r>
+              <a:rPr lang="en-US" altLang="ko-KR" sz="1200" dirty="0"/>
+              <a:t>.(</a:t>
+            </a:r>
+            <a:r>
+              <a:rPr lang="en-US" altLang="ko-KR" sz="1200" dirty="0" err="1"/>
+              <a:t>JoyRunBooster</a:t>
+            </a:r>
+            <a:r>
+              <a:rPr lang="en-US" altLang="ko-KR" sz="1200" dirty="0"/>
+              <a:t>)</a:t>
+            </a:r>
+          </a:p>
+          <a:p>
+            <a:pPr defTabSz="540000">
+              <a:lnSpc>
+                <a:spcPct val="130000"/>
+              </a:lnSpc>
+              <a:spcAft>
+                <a:spcPts val="400"/>
+              </a:spcAft>
+            </a:pPr>
+            <a:endParaRPr lang="en-US" altLang="ko-KR" sz="1200" dirty="0"/>
+          </a:p>
+          <a:p>
+            <a:pPr marL="228600" indent="-228600" algn="l" defTabSz="540000">
+              <a:lnSpc>
+                <a:spcPct val="130000"/>
+              </a:lnSpc>
+              <a:spcAft>
+                <a:spcPts val="400"/>
+              </a:spcAft>
+              <a:buFont typeface="Arial" panose="020B0604020202020204" pitchFamily="34" charset="0"/>
+              <a:buChar char="•"/>
+            </a:pPr>
+            <a:endParaRPr lang="en-US" altLang="ko-KR" sz="1200" dirty="0"/>
+          </a:p>
+          <a:p>
+            <a:pPr marL="228600" indent="-228600" algn="l" defTabSz="540000">
+              <a:lnSpc>
+                <a:spcPct val="130000"/>
+              </a:lnSpc>
+              <a:spcAft>
+                <a:spcPts val="400"/>
+              </a:spcAft>
+              <a:buFont typeface="Arial" panose="020B0604020202020204" pitchFamily="34" charset="0"/>
+              <a:buChar char="•"/>
+            </a:pPr>
+            <a:endParaRPr lang="en-US" altLang="ko-KR" sz="1200" dirty="0"/>
+          </a:p>
+          <a:p>
+            <a:pPr marL="228600" indent="-228600" algn="l" defTabSz="540000">
+              <a:lnSpc>
+                <a:spcPct val="130000"/>
+              </a:lnSpc>
+              <a:spcAft>
+                <a:spcPts val="400"/>
+              </a:spcAft>
+              <a:buFont typeface="Arial" panose="020B0604020202020204" pitchFamily="34" charset="0"/>
+              <a:buChar char="•"/>
+            </a:pPr>
+            <a:endParaRPr lang="en-US" altLang="ko-KR" sz="1200" dirty="0"/>
+          </a:p>
+          <a:p>
+            <a:pPr marL="228600" indent="-228600" algn="l" defTabSz="540000">
+              <a:lnSpc>
+                <a:spcPct val="130000"/>
+              </a:lnSpc>
+              <a:spcAft>
+                <a:spcPts val="400"/>
+              </a:spcAft>
+              <a:buFont typeface="Arial" panose="020B0604020202020204" pitchFamily="34" charset="0"/>
+              <a:buChar char="•"/>
+            </a:pPr>
+            <a:endParaRPr lang="en-US" altLang="ko-KR" sz="1200" dirty="0"/>
+          </a:p>
+          <a:p>
+            <a:pPr marL="228600" indent="-228600" algn="l" defTabSz="540000">
+              <a:lnSpc>
+                <a:spcPct val="130000"/>
+              </a:lnSpc>
+              <a:spcAft>
+                <a:spcPts val="400"/>
+              </a:spcAft>
+              <a:buFont typeface="Arial" panose="020B0604020202020204" pitchFamily="34" charset="0"/>
+              <a:buChar char="•"/>
+            </a:pPr>
+            <a:endParaRPr lang="en-US" altLang="ko-KR" sz="1200" dirty="0"/>
+          </a:p>
+          <a:p>
+            <a:pPr marL="228600" indent="-228600" algn="l" defTabSz="540000">
+              <a:lnSpc>
+                <a:spcPct val="130000"/>
+              </a:lnSpc>
+              <a:spcAft>
+                <a:spcPts val="400"/>
+              </a:spcAft>
+              <a:buFont typeface="Arial" panose="020B0604020202020204" pitchFamily="34" charset="0"/>
+              <a:buChar char="•"/>
+            </a:pPr>
+            <a:endParaRPr lang="en-US" altLang="ko-KR" sz="1200" dirty="0"/>
+          </a:p>
+          <a:p>
+            <a:pPr marL="228600" indent="-228600" algn="l" defTabSz="540000">
+              <a:lnSpc>
+                <a:spcPct val="130000"/>
+              </a:lnSpc>
+              <a:spcAft>
+                <a:spcPts val="400"/>
+              </a:spcAft>
+              <a:buFont typeface="Arial" panose="020B0604020202020204" pitchFamily="34" charset="0"/>
+              <a:buChar char="•"/>
+            </a:pPr>
+            <a:endParaRPr lang="en-US" altLang="ko-KR" sz="1200" dirty="0"/>
+          </a:p>
+          <a:p>
+            <a:pPr marL="228600" indent="-228600" algn="l" defTabSz="540000">
+              <a:lnSpc>
+                <a:spcPct val="130000"/>
+              </a:lnSpc>
+              <a:spcAft>
+                <a:spcPts val="400"/>
+              </a:spcAft>
+              <a:buFont typeface="Arial" panose="020B0604020202020204" pitchFamily="34" charset="0"/>
+              <a:buChar char="•"/>
+            </a:pPr>
+            <a:endParaRPr lang="en-US" altLang="ko-KR" sz="1200" dirty="0"/>
+          </a:p>
+        </p:txBody>
+      </p:sp>
+      <p:pic>
+        <p:nvPicPr>
+          <p:cNvPr id="110" name="그림 109">
+            <a:extLst>
+              <a:ext uri="{FF2B5EF4-FFF2-40B4-BE49-F238E27FC236}">
+                <a16:creationId xmlns:a16="http://schemas.microsoft.com/office/drawing/2014/main" id="{8C7CB117-0C8C-4D62-95FE-C326468E71D7}"/>
+              </a:ext>
+            </a:extLst>
+          </p:cNvPr>
+          <p:cNvPicPr>
+            <a:picLocks noChangeAspect="1"/>
+          </p:cNvPicPr>
+          <p:nvPr/>
+        </p:nvPicPr>
+        <p:blipFill>
+          <a:blip r:embed="rId7"/>
+          <a:stretch>
+            <a:fillRect/>
+          </a:stretch>
+        </p:blipFill>
+        <p:spPr>
+          <a:xfrm>
+            <a:off x="9907398" y="5256775"/>
+            <a:ext cx="2195871" cy="1537111"/>
+          </a:xfrm>
+          <a:prstGeom prst="rect">
+            <a:avLst/>
+          </a:prstGeom>
+        </p:spPr>
+      </p:pic>
+    </p:spTree>
+    <p:extLst>
+      <p:ext uri="{BB962C8B-B14F-4D97-AF65-F5344CB8AC3E}">
+        <p14:creationId xmlns:p14="http://schemas.microsoft.com/office/powerpoint/2010/main" val="3387337063"/>
+      </p:ext>
+    </p:extLst>
+  </p:cSld>
+  <p:clrMapOvr>
+    <a:masterClrMapping/>
+  </p:clrMapOvr>
+</p:sld>
+</file>
+
+<file path=ppt/slides/slide13.xml><?xml version="1.0" encoding="utf-8"?>
+<p:sld xmlns:a="http://schemas.openxmlformats.org/drawingml/2006/main" xmlns:r="http://schemas.openxmlformats.org/officeDocument/2006/relationships" xmlns:p="http://schemas.openxmlformats.org/presentationml/2006/main">
+  <p:cSld>
+    <p:spTree>
+      <p:nvGrpSpPr>
+        <p:cNvPr id="1" name=""/>
+        <p:cNvGrpSpPr/>
+        <p:nvPr/>
+      </p:nvGrpSpPr>
+      <p:grpSpPr>
+        <a:xfrm>
+          <a:off x="0" y="0"/>
+          <a:ext cx="0" cy="0"/>
+          <a:chOff x="0" y="0"/>
+          <a:chExt cx="0" cy="0"/>
+        </a:xfrm>
+      </p:grpSpPr>
+      <p:grpSp>
+        <p:nvGrpSpPr>
+          <p:cNvPr id="5" name="Group 40">
+            <a:extLst>
+              <a:ext uri="{FF2B5EF4-FFF2-40B4-BE49-F238E27FC236}">
+                <a16:creationId xmlns:a16="http://schemas.microsoft.com/office/drawing/2014/main" id="{8F3030E2-8EAA-4572-B6F9-952E3E4F80EA}"/>
+              </a:ext>
+            </a:extLst>
+          </p:cNvPr>
+          <p:cNvGrpSpPr/>
+          <p:nvPr/>
+        </p:nvGrpSpPr>
+        <p:grpSpPr>
+          <a:xfrm>
+            <a:off x="301874" y="273668"/>
+            <a:ext cx="11541336" cy="383818"/>
+            <a:chOff x="301874" y="234760"/>
+            <a:chExt cx="11541336" cy="383818"/>
+          </a:xfrm>
+        </p:grpSpPr>
+        <p:sp>
+          <p:nvSpPr>
+            <p:cNvPr id="6" name="Freeform 41">
+              <a:extLst>
+                <a:ext uri="{FF2B5EF4-FFF2-40B4-BE49-F238E27FC236}">
+                  <a16:creationId xmlns:a16="http://schemas.microsoft.com/office/drawing/2014/main" id="{F1DB5A59-5E06-49DF-A4F6-6C873D0DE7E9}"/>
+                </a:ext>
+              </a:extLst>
+            </p:cNvPr>
+            <p:cNvSpPr/>
+            <p:nvPr/>
+          </p:nvSpPr>
+          <p:spPr>
+            <a:xfrm>
+              <a:off x="7417261" y="234760"/>
+              <a:ext cx="4425949" cy="380367"/>
+            </a:xfrm>
+            <a:custGeom>
+              <a:avLst/>
+              <a:gdLst>
+                <a:gd name="connsiteX0" fmla="*/ 0 w 4425949"/>
+                <a:gd name="connsiteY0" fmla="*/ 362367 h 380367"/>
+                <a:gd name="connsiteX1" fmla="*/ 4425949 w 4425949"/>
+                <a:gd name="connsiteY1" fmla="*/ 362367 h 380367"/>
+                <a:gd name="connsiteX2" fmla="*/ 4425949 w 4425949"/>
+                <a:gd name="connsiteY2" fmla="*/ 380367 h 380367"/>
+                <a:gd name="connsiteX3" fmla="*/ 0 w 4425949"/>
+                <a:gd name="connsiteY3" fmla="*/ 380367 h 380367"/>
+                <a:gd name="connsiteX4" fmla="*/ 4425949 w 4425949"/>
+                <a:gd name="connsiteY4" fmla="*/ 0 h 380367"/>
+                <a:gd name="connsiteX5" fmla="*/ 4425949 w 4425949"/>
+                <a:gd name="connsiteY5" fmla="*/ 293520 h 380367"/>
+                <a:gd name="connsiteX6" fmla="*/ 4425949 w 4425949"/>
+                <a:gd name="connsiteY6" fmla="*/ 293744 h 380367"/>
+                <a:gd name="connsiteX7" fmla="*/ 4425949 w 4425949"/>
+                <a:gd name="connsiteY7" fmla="*/ 347593 h 380367"/>
+                <a:gd name="connsiteX8" fmla="*/ 0 w 4425949"/>
+                <a:gd name="connsiteY8" fmla="*/ 347593 h 380367"/>
+                <a:gd name="connsiteX9" fmla="*/ 0 w 4425949"/>
+                <a:gd name="connsiteY9" fmla="*/ 293520 h 380367"/>
+                <a:gd name="connsiteX10" fmla="*/ 3445935 w 4425949"/>
+                <a:gd name="connsiteY10" fmla="*/ 293520 h 380367"/>
+                <a:gd name="connsiteX11" fmla="*/ 3445935 w 4425949"/>
+                <a:gd name="connsiteY11" fmla="*/ 248864 h 380367"/>
+                <a:gd name="connsiteX12" fmla="*/ 3509866 w 4425949"/>
+                <a:gd name="connsiteY12" fmla="*/ 235234 h 380367"/>
+                <a:gd name="connsiteX13" fmla="*/ 3509866 w 4425949"/>
+                <a:gd name="connsiteY13" fmla="*/ 293520 h 380367"/>
+                <a:gd name="connsiteX14" fmla="*/ 3547532 w 4425949"/>
+                <a:gd name="connsiteY14" fmla="*/ 293520 h 380367"/>
+                <a:gd name="connsiteX15" fmla="*/ 3547532 w 4425949"/>
+                <a:gd name="connsiteY15" fmla="*/ 220885 h 380367"/>
+                <a:gd name="connsiteX16" fmla="*/ 3613149 w 4425949"/>
+                <a:gd name="connsiteY16" fmla="*/ 206896 h 380367"/>
+                <a:gd name="connsiteX17" fmla="*/ 3613149 w 4425949"/>
+                <a:gd name="connsiteY17" fmla="*/ 293520 h 380367"/>
+                <a:gd name="connsiteX18" fmla="*/ 3649132 w 4425949"/>
+                <a:gd name="connsiteY18" fmla="*/ 293520 h 380367"/>
+                <a:gd name="connsiteX19" fmla="*/ 3649132 w 4425949"/>
+                <a:gd name="connsiteY19" fmla="*/ 192906 h 380367"/>
+                <a:gd name="connsiteX20" fmla="*/ 3714749 w 4425949"/>
+                <a:gd name="connsiteY20" fmla="*/ 178916 h 380367"/>
+                <a:gd name="connsiteX21" fmla="*/ 3714749 w 4425949"/>
+                <a:gd name="connsiteY21" fmla="*/ 293520 h 380367"/>
+                <a:gd name="connsiteX22" fmla="*/ 3750732 w 4425949"/>
+                <a:gd name="connsiteY22" fmla="*/ 293520 h 380367"/>
+                <a:gd name="connsiteX23" fmla="*/ 3750732 w 4425949"/>
+                <a:gd name="connsiteY23" fmla="*/ 164928 h 380367"/>
+                <a:gd name="connsiteX24" fmla="*/ 3814665 w 4425949"/>
+                <a:gd name="connsiteY24" fmla="*/ 151298 h 380367"/>
+                <a:gd name="connsiteX25" fmla="*/ 3814665 w 4425949"/>
+                <a:gd name="connsiteY25" fmla="*/ 293520 h 380367"/>
+                <a:gd name="connsiteX26" fmla="*/ 3852332 w 4425949"/>
+                <a:gd name="connsiteY26" fmla="*/ 293520 h 380367"/>
+                <a:gd name="connsiteX27" fmla="*/ 3852332 w 4425949"/>
+                <a:gd name="connsiteY27" fmla="*/ 136949 h 380367"/>
+                <a:gd name="connsiteX28" fmla="*/ 3916265 w 4425949"/>
+                <a:gd name="connsiteY28" fmla="*/ 123319 h 380367"/>
+                <a:gd name="connsiteX29" fmla="*/ 3916265 w 4425949"/>
+                <a:gd name="connsiteY29" fmla="*/ 293520 h 380367"/>
+                <a:gd name="connsiteX30" fmla="*/ 3953932 w 4425949"/>
+                <a:gd name="connsiteY30" fmla="*/ 293520 h 380367"/>
+                <a:gd name="connsiteX31" fmla="*/ 3953932 w 4425949"/>
+                <a:gd name="connsiteY31" fmla="*/ 108971 h 380367"/>
+                <a:gd name="connsiteX32" fmla="*/ 4019549 w 4425949"/>
+                <a:gd name="connsiteY32" fmla="*/ 94981 h 380367"/>
+                <a:gd name="connsiteX33" fmla="*/ 4019549 w 4425949"/>
+                <a:gd name="connsiteY33" fmla="*/ 293520 h 380367"/>
+                <a:gd name="connsiteX34" fmla="*/ 4055532 w 4425949"/>
+                <a:gd name="connsiteY34" fmla="*/ 293520 h 380367"/>
+                <a:gd name="connsiteX35" fmla="*/ 4055532 w 4425949"/>
+                <a:gd name="connsiteY35" fmla="*/ 80992 h 380367"/>
+                <a:gd name="connsiteX36" fmla="*/ 4121149 w 4425949"/>
+                <a:gd name="connsiteY36" fmla="*/ 67002 h 380367"/>
+                <a:gd name="connsiteX37" fmla="*/ 4121149 w 4425949"/>
+                <a:gd name="connsiteY37" fmla="*/ 293520 h 380367"/>
+                <a:gd name="connsiteX38" fmla="*/ 4157132 w 4425949"/>
+                <a:gd name="connsiteY38" fmla="*/ 293520 h 380367"/>
+                <a:gd name="connsiteX39" fmla="*/ 4157132 w 4425949"/>
+                <a:gd name="connsiteY39" fmla="*/ 53011 h 380367"/>
+                <a:gd name="connsiteX40" fmla="*/ 4222749 w 4425949"/>
+                <a:gd name="connsiteY40" fmla="*/ 39022 h 380367"/>
+                <a:gd name="connsiteX41" fmla="*/ 4222749 w 4425949"/>
+                <a:gd name="connsiteY41" fmla="*/ 293520 h 380367"/>
+                <a:gd name="connsiteX42" fmla="*/ 4258732 w 4425949"/>
+                <a:gd name="connsiteY42" fmla="*/ 293520 h 380367"/>
+                <a:gd name="connsiteX43" fmla="*/ 4258732 w 4425949"/>
+                <a:gd name="connsiteY43" fmla="*/ 25034 h 380367"/>
+                <a:gd name="connsiteX44" fmla="*/ 4324349 w 4425949"/>
+                <a:gd name="connsiteY44" fmla="*/ 11044 h 380367"/>
+                <a:gd name="connsiteX45" fmla="*/ 4324349 w 4425949"/>
+                <a:gd name="connsiteY45" fmla="*/ 293520 h 380367"/>
+                <a:gd name="connsiteX46" fmla="*/ 4360332 w 4425949"/>
+                <a:gd name="connsiteY46" fmla="*/ 293520 h 380367"/>
+                <a:gd name="connsiteX47" fmla="*/ 4360332 w 4425949"/>
+                <a:gd name="connsiteY47" fmla="*/ 2967 h 380367"/>
+              </a:gdLst>
+              <a:ahLst/>
+              <a:cxnLst>
+                <a:cxn ang="0">
+                  <a:pos x="connsiteX0" y="connsiteY0"/>
+                </a:cxn>
+                <a:cxn ang="0">
+                  <a:pos x="connsiteX1" y="connsiteY1"/>
+                </a:cxn>
+                <a:cxn ang="0">
+                  <a:pos x="connsiteX2" y="connsiteY2"/>
+                </a:cxn>
+                <a:cxn ang="0">
+                  <a:pos x="connsiteX3" y="connsiteY3"/>
+                </a:cxn>
+                <a:cxn ang="0">
+                  <a:pos x="connsiteX4" y="connsiteY4"/>
+                </a:cxn>
+                <a:cxn ang="0">
+                  <a:pos x="connsiteX5" y="connsiteY5"/>
+                </a:cxn>
+                <a:cxn ang="0">
+                  <a:pos x="connsiteX6" y="connsiteY6"/>
+                </a:cxn>
+                <a:cxn ang="0">
+                  <a:pos x="connsiteX7" y="connsiteY7"/>
+                </a:cxn>
+                <a:cxn ang="0">
+                  <a:pos x="connsiteX8" y="connsiteY8"/>
+                </a:cxn>
+                <a:cxn ang="0">
+                  <a:pos x="connsiteX9" y="connsiteY9"/>
+                </a:cxn>
+                <a:cxn ang="0">
+                  <a:pos x="connsiteX10" y="connsiteY10"/>
+                </a:cxn>
+                <a:cxn ang="0">
+                  <a:pos x="connsiteX11" y="connsiteY11"/>
+                </a:cxn>
+                <a:cxn ang="0">
+                  <a:pos x="connsiteX12" y="connsiteY12"/>
+                </a:cxn>
+                <a:cxn ang="0">
+                  <a:pos x="connsiteX13" y="connsiteY13"/>
+                </a:cxn>
+                <a:cxn ang="0">
+                  <a:pos x="connsiteX14" y="connsiteY14"/>
+                </a:cxn>
+                <a:cxn ang="0">
+                  <a:pos x="connsiteX15" y="connsiteY15"/>
+                </a:cxn>
+                <a:cxn ang="0">
+                  <a:pos x="connsiteX16" y="connsiteY16"/>
+                </a:cxn>
+                <a:cxn ang="0">
+                  <a:pos x="connsiteX17" y="connsiteY17"/>
+                </a:cxn>
+                <a:cxn ang="0">
+                  <a:pos x="connsiteX18" y="connsiteY18"/>
+                </a:cxn>
+                <a:cxn ang="0">
+                  <a:pos x="connsiteX19" y="connsiteY19"/>
+                </a:cxn>
+                <a:cxn ang="0">
+                  <a:pos x="connsiteX20" y="connsiteY20"/>
+                </a:cxn>
+                <a:cxn ang="0">
+                  <a:pos x="connsiteX21" y="connsiteY21"/>
+                </a:cxn>
+                <a:cxn ang="0">
+                  <a:pos x="connsiteX22" y="connsiteY22"/>
+                </a:cxn>
+                <a:cxn ang="0">
+                  <a:pos x="connsiteX23" y="connsiteY23"/>
+                </a:cxn>
+                <a:cxn ang="0">
+                  <a:pos x="connsiteX24" y="connsiteY24"/>
+                </a:cxn>
+                <a:cxn ang="0">
+                  <a:pos x="connsiteX25" y="connsiteY25"/>
+                </a:cxn>
+                <a:cxn ang="0">
+                  <a:pos x="connsiteX26" y="connsiteY26"/>
+                </a:cxn>
+                <a:cxn ang="0">
+                  <a:pos x="connsiteX27" y="connsiteY27"/>
+                </a:cxn>
+                <a:cxn ang="0">
+                  <a:pos x="connsiteX28" y="connsiteY28"/>
+                </a:cxn>
+                <a:cxn ang="0">
+                  <a:pos x="connsiteX29" y="connsiteY29"/>
+                </a:cxn>
+                <a:cxn ang="0">
+                  <a:pos x="connsiteX30" y="connsiteY30"/>
+                </a:cxn>
+                <a:cxn ang="0">
+                  <a:pos x="connsiteX31" y="connsiteY31"/>
+                </a:cxn>
+                <a:cxn ang="0">
+                  <a:pos x="connsiteX32" y="connsiteY32"/>
+                </a:cxn>
+                <a:cxn ang="0">
+                  <a:pos x="connsiteX33" y="connsiteY33"/>
+                </a:cxn>
+                <a:cxn ang="0">
+                  <a:pos x="connsiteX34" y="connsiteY34"/>
+                </a:cxn>
+                <a:cxn ang="0">
+                  <a:pos x="connsiteX35" y="connsiteY35"/>
+                </a:cxn>
+                <a:cxn ang="0">
+                  <a:pos x="connsiteX36" y="connsiteY36"/>
+                </a:cxn>
+                <a:cxn ang="0">
+                  <a:pos x="connsiteX37" y="connsiteY37"/>
+                </a:cxn>
+                <a:cxn ang="0">
+                  <a:pos x="connsiteX38" y="connsiteY38"/>
+                </a:cxn>
+                <a:cxn ang="0">
+                  <a:pos x="connsiteX39" y="connsiteY39"/>
+                </a:cxn>
+                <a:cxn ang="0">
+                  <a:pos x="connsiteX40" y="connsiteY40"/>
+                </a:cxn>
+                <a:cxn ang="0">
+                  <a:pos x="connsiteX41" y="connsiteY41"/>
+                </a:cxn>
+                <a:cxn ang="0">
+                  <a:pos x="connsiteX42" y="connsiteY42"/>
+                </a:cxn>
+                <a:cxn ang="0">
+                  <a:pos x="connsiteX43" y="connsiteY43"/>
+                </a:cxn>
+                <a:cxn ang="0">
+                  <a:pos x="connsiteX44" y="connsiteY44"/>
+                </a:cxn>
+                <a:cxn ang="0">
+                  <a:pos x="connsiteX45" y="connsiteY45"/>
+                </a:cxn>
+                <a:cxn ang="0">
+                  <a:pos x="connsiteX46" y="connsiteY46"/>
+                </a:cxn>
+                <a:cxn ang="0">
+                  <a:pos x="connsiteX47" y="connsiteY47"/>
+                </a:cxn>
+              </a:cxnLst>
+              <a:rect l="l" t="t" r="r" b="b"/>
+              <a:pathLst>
+                <a:path w="4425949" h="380367">
+                  <a:moveTo>
+                    <a:pt x="0" y="362367"/>
+                  </a:moveTo>
+                  <a:lnTo>
+                    <a:pt x="4425949" y="362367"/>
+                  </a:lnTo>
+                  <a:lnTo>
+                    <a:pt x="4425949" y="380367"/>
+                  </a:lnTo>
+                  <a:lnTo>
+                    <a:pt x="0" y="380367"/>
+                  </a:lnTo>
+                  <a:close/>
+                  <a:moveTo>
+                    <a:pt x="4425949" y="0"/>
+                  </a:moveTo>
+                  <a:lnTo>
+                    <a:pt x="4425949" y="293520"/>
+                  </a:lnTo>
+                  <a:lnTo>
+                    <a:pt x="4425949" y="293744"/>
+                  </a:lnTo>
+                  <a:lnTo>
+                    <a:pt x="4425949" y="347593"/>
+                  </a:lnTo>
+                  <a:lnTo>
+                    <a:pt x="0" y="347593"/>
+                  </a:lnTo>
+                  <a:lnTo>
+                    <a:pt x="0" y="293520"/>
+                  </a:lnTo>
+                  <a:lnTo>
+                    <a:pt x="3445935" y="293520"/>
+                  </a:lnTo>
+                  <a:lnTo>
+                    <a:pt x="3445935" y="248864"/>
+                  </a:lnTo>
+                  <a:lnTo>
+                    <a:pt x="3509866" y="235234"/>
+                  </a:lnTo>
+                  <a:lnTo>
+                    <a:pt x="3509866" y="293520"/>
+                  </a:lnTo>
+                  <a:lnTo>
+                    <a:pt x="3547532" y="293520"/>
+                  </a:lnTo>
+                  <a:lnTo>
+                    <a:pt x="3547532" y="220885"/>
+                  </a:lnTo>
+                  <a:lnTo>
+                    <a:pt x="3613149" y="206896"/>
+                  </a:lnTo>
+                  <a:lnTo>
+                    <a:pt x="3613149" y="293520"/>
+                  </a:lnTo>
+                  <a:lnTo>
+                    <a:pt x="3649132" y="293520"/>
+                  </a:lnTo>
+                  <a:lnTo>
+                    <a:pt x="3649132" y="192906"/>
+                  </a:lnTo>
+                  <a:lnTo>
+                    <a:pt x="3714749" y="178916"/>
+                  </a:lnTo>
+                  <a:lnTo>
+                    <a:pt x="3714749" y="293520"/>
+                  </a:lnTo>
+                  <a:lnTo>
+                    <a:pt x="3750732" y="293520"/>
+                  </a:lnTo>
+                  <a:lnTo>
+                    <a:pt x="3750732" y="164928"/>
+                  </a:lnTo>
+                  <a:lnTo>
+                    <a:pt x="3814665" y="151298"/>
+                  </a:lnTo>
+                  <a:lnTo>
+                    <a:pt x="3814665" y="293520"/>
+                  </a:lnTo>
+                  <a:lnTo>
+                    <a:pt x="3852332" y="293520"/>
+                  </a:lnTo>
+                  <a:lnTo>
+                    <a:pt x="3852332" y="136949"/>
+                  </a:lnTo>
+                  <a:lnTo>
+                    <a:pt x="3916265" y="123319"/>
+                  </a:lnTo>
+                  <a:lnTo>
+                    <a:pt x="3916265" y="293520"/>
+                  </a:lnTo>
+                  <a:lnTo>
+                    <a:pt x="3953932" y="293520"/>
+                  </a:lnTo>
+                  <a:lnTo>
+                    <a:pt x="3953932" y="108971"/>
+                  </a:lnTo>
+                  <a:lnTo>
+                    <a:pt x="4019549" y="94981"/>
+                  </a:lnTo>
+                  <a:lnTo>
+                    <a:pt x="4019549" y="293520"/>
+                  </a:lnTo>
+                  <a:lnTo>
+                    <a:pt x="4055532" y="293520"/>
+                  </a:lnTo>
+                  <a:lnTo>
+                    <a:pt x="4055532" y="80992"/>
+                  </a:lnTo>
+                  <a:lnTo>
+                    <a:pt x="4121149" y="67002"/>
+                  </a:lnTo>
+                  <a:lnTo>
+                    <a:pt x="4121149" y="293520"/>
+                  </a:lnTo>
+                  <a:lnTo>
+                    <a:pt x="4157132" y="293520"/>
+                  </a:lnTo>
+                  <a:lnTo>
+                    <a:pt x="4157132" y="53011"/>
+                  </a:lnTo>
+                  <a:lnTo>
+                    <a:pt x="4222749" y="39022"/>
+                  </a:lnTo>
+                  <a:lnTo>
+                    <a:pt x="4222749" y="293520"/>
+                  </a:lnTo>
+                  <a:lnTo>
+                    <a:pt x="4258732" y="293520"/>
+                  </a:lnTo>
+                  <a:lnTo>
+                    <a:pt x="4258732" y="25034"/>
+                  </a:lnTo>
+                  <a:lnTo>
+                    <a:pt x="4324349" y="11044"/>
+                  </a:lnTo>
+                  <a:lnTo>
+                    <a:pt x="4324349" y="293520"/>
+                  </a:lnTo>
+                  <a:lnTo>
+                    <a:pt x="4360332" y="293520"/>
+                  </a:lnTo>
+                  <a:lnTo>
+                    <a:pt x="4360332" y="2967"/>
+                  </a:lnTo>
+                  <a:close/>
+                </a:path>
+              </a:pathLst>
+            </a:custGeom>
+            <a:gradFill flip="none" rotWithShape="1">
+              <a:gsLst>
+                <a:gs pos="0">
+                  <a:schemeClr val="accent1">
+                    <a:lumMod val="5000"/>
+                    <a:lumOff val="95000"/>
+                  </a:schemeClr>
+                </a:gs>
+                <a:gs pos="80000">
+                  <a:schemeClr val="accent1">
+                    <a:lumMod val="45000"/>
+                    <a:lumOff val="55000"/>
+                  </a:schemeClr>
+                </a:gs>
+                <a:gs pos="92000">
+                  <a:schemeClr val="accent5">
+                    <a:lumMod val="60000"/>
+                    <a:lumOff val="40000"/>
+                  </a:schemeClr>
+                </a:gs>
+                <a:gs pos="100000">
+                  <a:srgbClr val="002060"/>
+                </a:gs>
+              </a:gsLst>
+              <a:lin ang="0" scaled="1"/>
+              <a:tileRect/>
+            </a:gradFill>
+            <a:ln>
+              <a:noFill/>
+            </a:ln>
+            <a:effectLst>
+              <a:outerShdw blurRad="50800" dist="38100" dir="2700000" algn="tl" rotWithShape="0">
+                <a:prstClr val="black">
+                  <a:alpha val="40000"/>
+                </a:prstClr>
+              </a:outerShdw>
+            </a:effectLst>
+          </p:spPr>
+          <p:style>
+            <a:lnRef idx="2">
+              <a:schemeClr val="accent1">
+                <a:shade val="50000"/>
+              </a:schemeClr>
+            </a:lnRef>
+            <a:fillRef idx="1">
+              <a:schemeClr val="accent1"/>
+            </a:fillRef>
+            <a:effectRef idx="0">
+              <a:schemeClr val="accent1"/>
+            </a:effectRef>
+            <a:fontRef idx="minor">
+              <a:schemeClr val="lt1"/>
+            </a:fontRef>
+          </p:style>
+          <p:txBody>
+            <a:bodyPr rtlCol="0" anchor="ctr"/>
+            <a:lstStyle/>
+            <a:p>
+              <a:pPr algn="ctr"/>
+              <a:endParaRPr lang="ko-KR" altLang="en-US" sz="1600"/>
+            </a:p>
+          </p:txBody>
+        </p:sp>
+        <p:grpSp>
+          <p:nvGrpSpPr>
+            <p:cNvPr id="7" name="Group 42">
+              <a:extLst>
+                <a:ext uri="{FF2B5EF4-FFF2-40B4-BE49-F238E27FC236}">
+                  <a16:creationId xmlns:a16="http://schemas.microsoft.com/office/drawing/2014/main" id="{FA4ADA6F-CA1E-425B-B350-4A752DA10249}"/>
+                </a:ext>
+              </a:extLst>
+            </p:cNvPr>
+            <p:cNvGrpSpPr/>
+            <p:nvPr/>
+          </p:nvGrpSpPr>
+          <p:grpSpPr>
+            <a:xfrm>
+              <a:off x="301874" y="289279"/>
+              <a:ext cx="7140326" cy="329299"/>
+              <a:chOff x="706582" y="590204"/>
+              <a:chExt cx="7054714" cy="329299"/>
+            </a:xfrm>
+          </p:grpSpPr>
+          <p:sp>
+            <p:nvSpPr>
+              <p:cNvPr id="8" name="Rectangle 43">
+                <a:extLst>
+                  <a:ext uri="{FF2B5EF4-FFF2-40B4-BE49-F238E27FC236}">
+                    <a16:creationId xmlns:a16="http://schemas.microsoft.com/office/drawing/2014/main" id="{AD552B6F-AE09-4498-AAC6-3DDEE00758E1}"/>
+                  </a:ext>
+                </a:extLst>
+              </p:cNvPr>
+              <p:cNvSpPr/>
+              <p:nvPr/>
+            </p:nvSpPr>
+            <p:spPr>
+              <a:xfrm>
+                <a:off x="706582" y="590204"/>
+                <a:ext cx="7054714" cy="329299"/>
+              </a:xfrm>
+              <a:prstGeom prst="rect">
+                <a:avLst/>
+              </a:prstGeom>
+              <a:gradFill>
+                <a:gsLst>
+                  <a:gs pos="0">
+                    <a:srgbClr val="002060"/>
+                  </a:gs>
+                  <a:gs pos="77000">
+                    <a:schemeClr val="accent5">
+                      <a:lumMod val="60000"/>
+                      <a:lumOff val="40000"/>
+                    </a:schemeClr>
+                  </a:gs>
+                  <a:gs pos="91000">
+                    <a:schemeClr val="accent5">
+                      <a:lumMod val="20000"/>
+                      <a:lumOff val="80000"/>
+                    </a:schemeClr>
+                  </a:gs>
+                  <a:gs pos="100000">
+                    <a:schemeClr val="bg1"/>
+                  </a:gs>
+                </a:gsLst>
+                <a:lin ang="0" scaled="1"/>
+              </a:gradFill>
+            </p:spPr>
+            <p:style>
+              <a:lnRef idx="0">
+                <a:schemeClr val="accent5"/>
+              </a:lnRef>
+              <a:fillRef idx="3">
+                <a:schemeClr val="accent5"/>
+              </a:fillRef>
+              <a:effectRef idx="3">
+                <a:schemeClr val="accent5"/>
+              </a:effectRef>
+              <a:fontRef idx="minor">
+                <a:schemeClr val="lt1"/>
+              </a:fontRef>
+            </p:style>
+            <p:txBody>
+              <a:bodyPr rtlCol="0" anchor="ctr"/>
+              <a:lstStyle/>
+              <a:p>
+                <a:r>
+                  <a:rPr lang="en-US" altLang="ko-KR" sz="1600" dirty="0">
+                    <a:solidFill>
+                      <a:srgbClr val="FFFF00"/>
+                    </a:solidFill>
+                  </a:rPr>
+                  <a:t>    </a:t>
+                </a:r>
+                <a:r>
+                  <a:rPr lang="ko-KR" altLang="en-US" sz="1600" dirty="0">
+                    <a:solidFill>
+                      <a:srgbClr val="FFFF00"/>
+                    </a:solidFill>
+                  </a:rPr>
+                  <a:t> </a:t>
+                </a:r>
+                <a:r>
+                  <a:rPr lang="ko-KR" altLang="en-US" sz="1600" dirty="0" err="1">
+                    <a:solidFill>
+                      <a:srgbClr val="FFFF00"/>
+                    </a:solidFill>
+                  </a:rPr>
+                  <a:t>조이런</a:t>
+                </a:r>
+                <a:r>
+                  <a:rPr lang="ko-KR" altLang="en-US" sz="1600" dirty="0">
+                    <a:solidFill>
+                      <a:srgbClr val="FFFF00"/>
+                    </a:solidFill>
+                  </a:rPr>
+                  <a:t> 리소스 목록</a:t>
+                </a:r>
+              </a:p>
+            </p:txBody>
+          </p:sp>
+          <p:sp>
+            <p:nvSpPr>
+              <p:cNvPr id="9" name="Flowchart: Off-page Connector 44">
+                <a:extLst>
+                  <a:ext uri="{FF2B5EF4-FFF2-40B4-BE49-F238E27FC236}">
+                    <a16:creationId xmlns:a16="http://schemas.microsoft.com/office/drawing/2014/main" id="{6CECF545-D984-4BFB-AD96-378C487A5EDE}"/>
+                  </a:ext>
+                </a:extLst>
+              </p:cNvPr>
+              <p:cNvSpPr/>
+              <p:nvPr/>
+            </p:nvSpPr>
+            <p:spPr>
+              <a:xfrm rot="16200000">
+                <a:off x="807469" y="639422"/>
+                <a:ext cx="200288" cy="230861"/>
+              </a:xfrm>
+              <a:prstGeom prst="flowChartOffpageConnector">
+                <a:avLst/>
+              </a:prstGeom>
+              <a:solidFill>
+                <a:srgbClr val="00B050"/>
+              </a:solidFill>
+              <a:ln>
+                <a:solidFill>
+                  <a:srgbClr val="92D050"/>
+                </a:solidFill>
+              </a:ln>
+              <a:scene3d>
+                <a:camera prst="orthographicFront"/>
+                <a:lightRig rig="threePt" dir="t"/>
+              </a:scene3d>
+              <a:sp3d>
+                <a:bevelT/>
+              </a:sp3d>
+            </p:spPr>
+            <p:style>
+              <a:lnRef idx="2">
+                <a:schemeClr val="accent1">
+                  <a:shade val="50000"/>
+                </a:schemeClr>
+              </a:lnRef>
+              <a:fillRef idx="1">
+                <a:schemeClr val="accent1"/>
+              </a:fillRef>
+              <a:effectRef idx="0">
+                <a:schemeClr val="accent1"/>
+              </a:effectRef>
+              <a:fontRef idx="minor">
+                <a:schemeClr val="lt1"/>
+              </a:fontRef>
+            </p:style>
+            <p:txBody>
+              <a:bodyPr rtlCol="0" anchor="ctr"/>
+              <a:lstStyle/>
+              <a:p>
+                <a:pPr algn="ctr"/>
+                <a:endParaRPr lang="ko-KR" altLang="en-US" sz="1600">
+                  <a:solidFill>
+                    <a:srgbClr val="FFFF00"/>
+                  </a:solidFill>
+                </a:endParaRPr>
+              </a:p>
+            </p:txBody>
+          </p:sp>
+        </p:grpSp>
+      </p:grpSp>
+      <p:sp>
+        <p:nvSpPr>
+          <p:cNvPr id="2" name="슬라이드 번호 개체 틀 1">
+            <a:extLst>
+              <a:ext uri="{FF2B5EF4-FFF2-40B4-BE49-F238E27FC236}">
+                <a16:creationId xmlns:a16="http://schemas.microsoft.com/office/drawing/2014/main" id="{B0F31537-57FD-4EB2-BABC-48813D001EA3}"/>
+              </a:ext>
+            </a:extLst>
+          </p:cNvPr>
+          <p:cNvSpPr>
+            <a:spLocks noGrp="1"/>
+          </p:cNvSpPr>
+          <p:nvPr>
+            <p:ph type="sldNum" sz="quarter" idx="12"/>
+          </p:nvPr>
+        </p:nvSpPr>
+        <p:spPr/>
+        <p:txBody>
+          <a:bodyPr/>
+          <a:lstStyle/>
+          <a:p>
+            <a:fld id="{A8E1BB39-725C-444B-809E-419522618855}" type="slidenum">
+              <a:rPr lang="ko-KR" altLang="en-US" smtClean="0"/>
+              <a:t>13</a:t>
+            </a:fld>
+            <a:endParaRPr lang="ko-KR" altLang="en-US"/>
+          </a:p>
+        </p:txBody>
+      </p:sp>
+      <p:sp>
+        <p:nvSpPr>
+          <p:cNvPr id="70" name="직사각형 69">
+            <a:extLst>
+              <a:ext uri="{FF2B5EF4-FFF2-40B4-BE49-F238E27FC236}">
+                <a16:creationId xmlns:a16="http://schemas.microsoft.com/office/drawing/2014/main" id="{BBE82503-8E01-4BBB-903E-B2F8E9E8EEA7}"/>
+              </a:ext>
+            </a:extLst>
+          </p:cNvPr>
+          <p:cNvSpPr/>
+          <p:nvPr/>
+        </p:nvSpPr>
+        <p:spPr>
+          <a:xfrm>
+            <a:off x="628806" y="874660"/>
+            <a:ext cx="1143463" cy="231717"/>
+          </a:xfrm>
+          <a:prstGeom prst="rect">
+            <a:avLst/>
+          </a:prstGeom>
+          <a:solidFill>
+            <a:schemeClr val="accent1">
+              <a:lumMod val="20000"/>
+              <a:lumOff val="80000"/>
+            </a:schemeClr>
+          </a:solidFill>
+        </p:spPr>
+        <p:style>
+          <a:lnRef idx="2">
+            <a:schemeClr val="accent1">
+              <a:shade val="50000"/>
+            </a:schemeClr>
+          </a:lnRef>
+          <a:fillRef idx="1">
+            <a:schemeClr val="accent1"/>
+          </a:fillRef>
+          <a:effectRef idx="0">
+            <a:schemeClr val="accent1"/>
+          </a:effectRef>
+          <a:fontRef idx="minor">
+            <a:schemeClr val="lt1"/>
+          </a:fontRef>
+        </p:style>
+        <p:txBody>
+          <a:bodyPr vert="horz" rtlCol="0" anchor="ctr"/>
+          <a:lstStyle/>
+          <a:p>
+            <a:pPr algn="ctr"/>
+            <a:r>
+              <a:rPr lang="ko-KR" altLang="en-US" sz="1400" dirty="0">
+                <a:solidFill>
+                  <a:schemeClr val="tx1"/>
+                </a:solidFill>
+              </a:rPr>
+              <a:t>전면 스크린</a:t>
+            </a:r>
+          </a:p>
+        </p:txBody>
+      </p:sp>
+      <p:pic>
+        <p:nvPicPr>
+          <p:cNvPr id="110" name="그림 109">
+            <a:extLst>
+              <a:ext uri="{FF2B5EF4-FFF2-40B4-BE49-F238E27FC236}">
+                <a16:creationId xmlns:a16="http://schemas.microsoft.com/office/drawing/2014/main" id="{8C7CB117-0C8C-4D62-95FE-C326468E71D7}"/>
+              </a:ext>
+            </a:extLst>
+          </p:cNvPr>
+          <p:cNvPicPr>
+            <a:picLocks noChangeAspect="1"/>
+          </p:cNvPicPr>
+          <p:nvPr/>
+        </p:nvPicPr>
+        <p:blipFill>
+          <a:blip r:embed="rId2"/>
+          <a:stretch>
+            <a:fillRect/>
+          </a:stretch>
+        </p:blipFill>
+        <p:spPr>
+          <a:xfrm>
+            <a:off x="622177" y="1106377"/>
+            <a:ext cx="3372743" cy="2360922"/>
+          </a:xfrm>
+          <a:prstGeom prst="rect">
+            <a:avLst/>
+          </a:prstGeom>
+        </p:spPr>
+      </p:pic>
+      <p:graphicFrame>
+        <p:nvGraphicFramePr>
+          <p:cNvPr id="24" name="표 23">
+            <a:extLst>
+              <a:ext uri="{FF2B5EF4-FFF2-40B4-BE49-F238E27FC236}">
+                <a16:creationId xmlns:a16="http://schemas.microsoft.com/office/drawing/2014/main" id="{79DCFE1A-5218-485C-843F-DD07E76CD2C7}"/>
+              </a:ext>
+            </a:extLst>
+          </p:cNvPr>
+          <p:cNvGraphicFramePr>
+            <a:graphicFrameLocks noGrp="1"/>
+          </p:cNvGraphicFramePr>
+          <p:nvPr>
+            <p:extLst>
+              <p:ext uri="{D42A27DB-BD31-4B8C-83A1-F6EECF244321}">
+                <p14:modId xmlns:p14="http://schemas.microsoft.com/office/powerpoint/2010/main" val="3536804139"/>
+              </p:ext>
+            </p:extLst>
+          </p:nvPr>
+        </p:nvGraphicFramePr>
+        <p:xfrm>
+          <a:off x="5150840" y="1100722"/>
+          <a:ext cx="6692368" cy="3718560"/>
+        </p:xfrm>
+        <a:graphic>
+          <a:graphicData uri="http://schemas.openxmlformats.org/drawingml/2006/table">
+            <a:tbl>
+              <a:tblPr firstRow="1" bandRow="1">
+                <a:tableStyleId>{7DF18680-E054-41AD-8BC1-D1AEF772440D}</a:tableStyleId>
+              </a:tblPr>
+              <a:tblGrid>
+                <a:gridCol w="521776">
+                  <a:extLst>
+                    <a:ext uri="{9D8B030D-6E8A-4147-A177-3AD203B41FA5}">
+                      <a16:colId xmlns:a16="http://schemas.microsoft.com/office/drawing/2014/main" val="3603751452"/>
+                    </a:ext>
+                  </a:extLst>
+                </a:gridCol>
+                <a:gridCol w="1326998">
+                  <a:extLst>
+                    <a:ext uri="{9D8B030D-6E8A-4147-A177-3AD203B41FA5}">
+                      <a16:colId xmlns:a16="http://schemas.microsoft.com/office/drawing/2014/main" val="2609718321"/>
+                    </a:ext>
+                  </a:extLst>
+                </a:gridCol>
+                <a:gridCol w="3070915">
+                  <a:extLst>
+                    <a:ext uri="{9D8B030D-6E8A-4147-A177-3AD203B41FA5}">
+                      <a16:colId xmlns:a16="http://schemas.microsoft.com/office/drawing/2014/main" val="1667504126"/>
+                    </a:ext>
+                  </a:extLst>
+                </a:gridCol>
+                <a:gridCol w="1772679">
+                  <a:extLst>
+                    <a:ext uri="{9D8B030D-6E8A-4147-A177-3AD203B41FA5}">
+                      <a16:colId xmlns:a16="http://schemas.microsoft.com/office/drawing/2014/main" val="1806240342"/>
+                    </a:ext>
+                  </a:extLst>
+                </a:gridCol>
+              </a:tblGrid>
+              <a:tr h="137908">
+                <a:tc>
+                  <a:txBody>
+                    <a:bodyPr/>
+                    <a:lstStyle/>
+                    <a:p>
+                      <a:pPr algn="ctr" latinLnBrk="1"/>
+                      <a:r>
+                        <a:rPr lang="ko-KR" altLang="en-US" sz="1050" dirty="0"/>
+                        <a:t>번호</a:t>
+                      </a:r>
+                    </a:p>
+                  </a:txBody>
+                  <a:tcPr anchor="ctr"/>
+                </a:tc>
+                <a:tc>
+                  <a:txBody>
+                    <a:bodyPr/>
+                    <a:lstStyle/>
+                    <a:p>
+                      <a:pPr algn="ctr" latinLnBrk="1"/>
+                      <a:r>
+                        <a:rPr lang="ko-KR" altLang="en-US" sz="1200" dirty="0"/>
+                        <a:t>이름</a:t>
+                      </a:r>
+                    </a:p>
+                  </a:txBody>
+                  <a:tcPr anchor="ctr"/>
+                </a:tc>
+                <a:tc>
+                  <a:txBody>
+                    <a:bodyPr/>
+                    <a:lstStyle/>
+                    <a:p>
+                      <a:pPr marL="0" marR="0" lvl="0" indent="0" algn="ctr" defTabSz="914400" rtl="0" eaLnBrk="1" fontAlgn="auto" latinLnBrk="1" hangingPunct="1">
+                        <a:lnSpc>
+                          <a:spcPct val="100000"/>
+                        </a:lnSpc>
+                        <a:spcBef>
+                          <a:spcPts val="0"/>
+                        </a:spcBef>
+                        <a:spcAft>
+                          <a:spcPts val="0"/>
+                        </a:spcAft>
+                        <a:buClrTx/>
+                        <a:buSzTx/>
+                        <a:buFontTx/>
+                        <a:buNone/>
+                        <a:tabLst/>
+                        <a:defRPr/>
+                      </a:pPr>
+                      <a:r>
+                        <a:rPr lang="ko-KR" altLang="en-US" sz="1200" dirty="0"/>
+                        <a:t>설명</a:t>
+                      </a:r>
+                    </a:p>
+                  </a:txBody>
+                  <a:tcPr anchor="ctr"/>
+                </a:tc>
+                <a:tc>
+                  <a:txBody>
+                    <a:bodyPr/>
+                    <a:lstStyle/>
+                    <a:p>
+                      <a:pPr algn="ctr" latinLnBrk="1"/>
+                      <a:r>
+                        <a:rPr lang="ko-KR" altLang="en-US" sz="1200" dirty="0"/>
+                        <a:t>리소스 명</a:t>
+                      </a:r>
+                    </a:p>
+                  </a:txBody>
+                  <a:tcPr anchor="ctr"/>
+                </a:tc>
+                <a:extLst>
+                  <a:ext uri="{0D108BD9-81ED-4DB2-BD59-A6C34878D82A}">
+                    <a16:rowId xmlns:a16="http://schemas.microsoft.com/office/drawing/2014/main" val="1030043679"/>
+                  </a:ext>
+                </a:extLst>
+              </a:tr>
+              <a:tr h="122585">
+                <a:tc>
+                  <a:txBody>
+                    <a:bodyPr/>
+                    <a:lstStyle/>
+                    <a:p>
+                      <a:pPr algn="ctr" latinLnBrk="1"/>
+                      <a:r>
+                        <a:rPr lang="en-US" altLang="ko-KR" sz="1000" dirty="0"/>
+                        <a:t>1</a:t>
+                      </a:r>
+                      <a:endParaRPr lang="ko-KR" altLang="en-US" sz="1000" dirty="0"/>
+                    </a:p>
+                  </a:txBody>
+                  <a:tcPr anchor="ctr"/>
+                </a:tc>
+                <a:tc>
+                  <a:txBody>
+                    <a:bodyPr/>
+                    <a:lstStyle/>
+                    <a:p>
+                      <a:pPr algn="l" latinLnBrk="1"/>
+                      <a:r>
+                        <a:rPr lang="ko-KR" altLang="en-US" sz="1000" dirty="0"/>
+                        <a:t>배경</a:t>
+                      </a:r>
+                    </a:p>
+                  </a:txBody>
+                  <a:tcPr anchor="ctr"/>
+                </a:tc>
+                <a:tc>
+                  <a:txBody>
+                    <a:bodyPr/>
+                    <a:lstStyle/>
+                    <a:p>
+                      <a:pPr algn="l" latinLnBrk="1"/>
+                      <a:r>
+                        <a:rPr lang="ko-KR" altLang="en-US" sz="1000" dirty="0"/>
+                        <a:t>바위</a:t>
+                      </a:r>
+                      <a:r>
+                        <a:rPr lang="en-US" altLang="ko-KR" sz="1000" dirty="0"/>
+                        <a:t>, </a:t>
+                      </a:r>
+                      <a:r>
+                        <a:rPr lang="ko-KR" altLang="en-US" sz="1000" dirty="0"/>
+                        <a:t>폭포</a:t>
+                      </a:r>
+                      <a:r>
+                        <a:rPr lang="en-US" altLang="ko-KR" sz="1000" dirty="0"/>
+                        <a:t>, </a:t>
+                      </a:r>
+                      <a:r>
+                        <a:rPr lang="ko-KR" altLang="en-US" sz="1000" dirty="0"/>
+                        <a:t>구름 등으로 이루어진 배경</a:t>
+                      </a:r>
+                      <a:endParaRPr lang="en-US" altLang="ko-KR" sz="1000" dirty="0"/>
+                    </a:p>
+                    <a:p>
+                      <a:pPr algn="l" latinLnBrk="1"/>
+                      <a:r>
+                        <a:rPr lang="ko-KR" altLang="en-US" sz="1000" dirty="0"/>
+                        <a:t>배경은 스크롤 되지 않으며 구름</a:t>
+                      </a:r>
+                      <a:r>
+                        <a:rPr lang="en-US" altLang="ko-KR" sz="1000" dirty="0"/>
+                        <a:t>, </a:t>
+                      </a:r>
+                      <a:r>
+                        <a:rPr lang="ko-KR" altLang="en-US" sz="1000" dirty="0"/>
+                        <a:t>새</a:t>
+                      </a:r>
+                      <a:r>
+                        <a:rPr lang="en-US" altLang="ko-KR" sz="1000" dirty="0"/>
+                        <a:t>, </a:t>
+                      </a:r>
+                      <a:r>
+                        <a:rPr lang="ko-KR" altLang="en-US" sz="1000" dirty="0"/>
+                        <a:t>폭포 등 약간의 애니메이션을 가미한다</a:t>
+                      </a:r>
+                      <a:r>
+                        <a:rPr lang="en-US" altLang="ko-KR" sz="1000" dirty="0"/>
+                        <a:t>.</a:t>
+                      </a:r>
+                    </a:p>
+                  </a:txBody>
+                  <a:tcPr anchor="ctr"/>
+                </a:tc>
+                <a:tc>
+                  <a:txBody>
+                    <a:bodyPr/>
+                    <a:lstStyle/>
+                    <a:p>
+                      <a:pPr algn="l" latinLnBrk="1"/>
+                      <a:r>
+                        <a:rPr lang="en-US" altLang="ko-KR" sz="1000" dirty="0" err="1"/>
+                        <a:t>JoyRunBackGround</a:t>
+                      </a:r>
+                      <a:endParaRPr lang="ko-KR" altLang="en-US" sz="1000" dirty="0"/>
+                    </a:p>
+                  </a:txBody>
+                  <a:tcPr anchor="ctr"/>
+                </a:tc>
+                <a:extLst>
+                  <a:ext uri="{0D108BD9-81ED-4DB2-BD59-A6C34878D82A}">
+                    <a16:rowId xmlns:a16="http://schemas.microsoft.com/office/drawing/2014/main" val="1571209726"/>
+                  </a:ext>
+                </a:extLst>
+              </a:tr>
+              <a:tr h="199200">
+                <a:tc>
+                  <a:txBody>
+                    <a:bodyPr/>
+                    <a:lstStyle/>
+                    <a:p>
+                      <a:pPr algn="ctr" latinLnBrk="1"/>
+                      <a:r>
+                        <a:rPr lang="en-US" altLang="ko-KR" sz="1000" dirty="0"/>
+                        <a:t>2</a:t>
+                      </a:r>
+                      <a:endParaRPr lang="ko-KR" altLang="en-US" sz="1000" dirty="0"/>
+                    </a:p>
+                  </a:txBody>
+                  <a:tcPr anchor="ctr"/>
+                </a:tc>
+                <a:tc>
+                  <a:txBody>
+                    <a:bodyPr/>
+                    <a:lstStyle/>
+                    <a:p>
+                      <a:pPr algn="l" latinLnBrk="1"/>
+                      <a:r>
+                        <a:rPr lang="ko-KR" altLang="en-US" sz="1000" dirty="0"/>
+                        <a:t>런 레일</a:t>
+                      </a:r>
+                    </a:p>
+                  </a:txBody>
+                  <a:tcPr anchor="ctr"/>
+                </a:tc>
+                <a:tc>
+                  <a:txBody>
+                    <a:bodyPr/>
+                    <a:lstStyle/>
+                    <a:p>
+                      <a:pPr algn="l" latinLnBrk="1"/>
+                      <a:r>
+                        <a:rPr lang="en-US" altLang="ko-KR" sz="1000" dirty="0"/>
+                        <a:t>3</a:t>
+                      </a:r>
+                      <a:r>
+                        <a:rPr lang="ko-KR" altLang="en-US" sz="1000" dirty="0"/>
+                        <a:t>라인으로 구성된 레일이다</a:t>
+                      </a:r>
+                      <a:r>
+                        <a:rPr lang="en-US" altLang="ko-KR" sz="1000" dirty="0"/>
+                        <a:t>. </a:t>
+                      </a:r>
+                      <a:r>
+                        <a:rPr lang="ko-KR" altLang="en-US" sz="1000" dirty="0"/>
+                        <a:t>흔들 다리를 연상 시키는 나무 널빤지로 널빤지 중간 중간에 작은 돌멩이나 이끼 등을 활용하여 계속 반복되는 지루함을 없앤다</a:t>
+                      </a:r>
+                      <a:r>
+                        <a:rPr lang="en-US" altLang="ko-KR" sz="1000" dirty="0"/>
+                        <a:t>.</a:t>
+                      </a:r>
+                      <a:r>
+                        <a:rPr lang="ko-KR" altLang="en-US" sz="1000" dirty="0"/>
+                        <a:t> </a:t>
+                      </a:r>
+                    </a:p>
+                  </a:txBody>
+                  <a:tcPr anchor="ctr"/>
+                </a:tc>
+                <a:tc>
+                  <a:txBody>
+                    <a:bodyPr/>
+                    <a:lstStyle/>
+                    <a:p>
+                      <a:pPr algn="l" latinLnBrk="1"/>
+                      <a:r>
+                        <a:rPr lang="en-US" altLang="ko-KR" sz="1000" dirty="0"/>
+                        <a:t>JoyRunBridge1</a:t>
+                      </a:r>
+                    </a:p>
+                    <a:p>
+                      <a:pPr algn="l" latinLnBrk="1"/>
+                      <a:r>
+                        <a:rPr lang="en-US" altLang="ko-KR" sz="1000" dirty="0"/>
+                        <a:t>JoyRunBridge2</a:t>
+                      </a:r>
+                    </a:p>
+                    <a:p>
+                      <a:pPr algn="l" latinLnBrk="1"/>
+                      <a:r>
+                        <a:rPr lang="en-US" altLang="ko-KR" sz="1000" dirty="0"/>
+                        <a:t>JoyRunBridge3</a:t>
+                      </a:r>
+                      <a:endParaRPr lang="ko-KR" altLang="en-US" sz="1000" dirty="0"/>
+                    </a:p>
+                  </a:txBody>
+                  <a:tcPr anchor="ctr"/>
+                </a:tc>
+                <a:extLst>
+                  <a:ext uri="{0D108BD9-81ED-4DB2-BD59-A6C34878D82A}">
+                    <a16:rowId xmlns:a16="http://schemas.microsoft.com/office/drawing/2014/main" val="1127776374"/>
+                  </a:ext>
+                </a:extLst>
+              </a:tr>
+              <a:tr h="121920">
+                <a:tc>
+                  <a:txBody>
+                    <a:bodyPr/>
+                    <a:lstStyle/>
+                    <a:p>
+                      <a:pPr algn="ctr" latinLnBrk="1"/>
+                      <a:r>
+                        <a:rPr lang="en-US" altLang="ko-KR" sz="1000" dirty="0"/>
+                        <a:t>3</a:t>
+                      </a:r>
+                      <a:endParaRPr lang="ko-KR" altLang="en-US" sz="1000" dirty="0"/>
+                    </a:p>
+                  </a:txBody>
+                  <a:tcPr anchor="ctr"/>
+                </a:tc>
+                <a:tc>
+                  <a:txBody>
+                    <a:bodyPr/>
+                    <a:lstStyle/>
+                    <a:p>
+                      <a:pPr algn="l" latinLnBrk="1"/>
+                      <a:endParaRPr lang="ko-KR" altLang="en-US" sz="1000" dirty="0"/>
+                    </a:p>
+                  </a:txBody>
+                  <a:tcPr anchor="ctr"/>
+                </a:tc>
+                <a:tc>
+                  <a:txBody>
+                    <a:bodyPr/>
+                    <a:lstStyle/>
+                    <a:p>
+                      <a:pPr marL="0" marR="0" lvl="0" indent="0" algn="l" defTabSz="914400" rtl="0" eaLnBrk="1" fontAlgn="auto" latinLnBrk="1" hangingPunct="1">
+                        <a:lnSpc>
+                          <a:spcPct val="100000"/>
+                        </a:lnSpc>
+                        <a:spcBef>
+                          <a:spcPts val="0"/>
+                        </a:spcBef>
+                        <a:spcAft>
+                          <a:spcPts val="0"/>
+                        </a:spcAft>
+                        <a:buClrTx/>
+                        <a:buSzTx/>
+                        <a:buFontTx/>
+                        <a:buNone/>
+                        <a:tabLst/>
+                        <a:defRPr/>
+                      </a:pPr>
+                      <a:endParaRPr lang="ko-KR" altLang="en-US" sz="1000" dirty="0"/>
+                    </a:p>
+                  </a:txBody>
+                  <a:tcPr anchor="ctr"/>
+                </a:tc>
+                <a:tc>
+                  <a:txBody>
+                    <a:bodyPr/>
+                    <a:lstStyle/>
+                    <a:p>
+                      <a:pPr algn="l" latinLnBrk="1"/>
+                      <a:endParaRPr lang="ko-KR" altLang="en-US" sz="1000" dirty="0"/>
+                    </a:p>
+                  </a:txBody>
+                  <a:tcPr anchor="ctr"/>
+                </a:tc>
+                <a:extLst>
+                  <a:ext uri="{0D108BD9-81ED-4DB2-BD59-A6C34878D82A}">
+                    <a16:rowId xmlns:a16="http://schemas.microsoft.com/office/drawing/2014/main" val="1444894945"/>
+                  </a:ext>
+                </a:extLst>
+              </a:tr>
+              <a:tr h="121920">
+                <a:tc>
+                  <a:txBody>
+                    <a:bodyPr/>
+                    <a:lstStyle/>
+                    <a:p>
+                      <a:pPr algn="ctr" latinLnBrk="1"/>
+                      <a:r>
+                        <a:rPr lang="en-US" altLang="ko-KR" sz="1000" dirty="0"/>
+                        <a:t>4</a:t>
+                      </a:r>
+                      <a:endParaRPr lang="ko-KR" altLang="en-US" sz="1000" dirty="0"/>
+                    </a:p>
+                  </a:txBody>
+                  <a:tcPr anchor="ctr"/>
+                </a:tc>
+                <a:tc>
+                  <a:txBody>
+                    <a:bodyPr/>
+                    <a:lstStyle/>
+                    <a:p>
+                      <a:pPr marL="0" marR="0" lvl="0" indent="0" algn="l" defTabSz="914400" rtl="0" eaLnBrk="1" fontAlgn="auto" latinLnBrk="1" hangingPunct="1">
+                        <a:lnSpc>
+                          <a:spcPct val="100000"/>
+                        </a:lnSpc>
+                        <a:spcBef>
+                          <a:spcPts val="0"/>
+                        </a:spcBef>
+                        <a:spcAft>
+                          <a:spcPts val="0"/>
+                        </a:spcAft>
+                        <a:buClrTx/>
+                        <a:buSzTx/>
+                        <a:buFontTx/>
+                        <a:buNone/>
+                        <a:tabLst/>
+                        <a:defRPr/>
+                      </a:pPr>
+                      <a:endParaRPr lang="ko-KR" altLang="en-US" sz="1000" dirty="0"/>
+                    </a:p>
+                  </a:txBody>
+                  <a:tcPr anchor="ctr"/>
+                </a:tc>
+                <a:tc>
+                  <a:txBody>
+                    <a:bodyPr/>
+                    <a:lstStyle/>
+                    <a:p>
+                      <a:pPr marL="0" marR="0" lvl="0" indent="0" algn="l" defTabSz="914400" rtl="0" eaLnBrk="1" fontAlgn="auto" latinLnBrk="1" hangingPunct="1">
+                        <a:lnSpc>
+                          <a:spcPct val="100000"/>
+                        </a:lnSpc>
+                        <a:spcBef>
+                          <a:spcPts val="0"/>
+                        </a:spcBef>
+                        <a:spcAft>
+                          <a:spcPts val="0"/>
+                        </a:spcAft>
+                        <a:buClrTx/>
+                        <a:buSzTx/>
+                        <a:buFontTx/>
+                        <a:buNone/>
+                        <a:tabLst/>
+                        <a:defRPr/>
+                      </a:pPr>
+                      <a:endParaRPr lang="en-US" altLang="ko-KR" sz="1000" dirty="0"/>
+                    </a:p>
+                  </a:txBody>
+                  <a:tcPr anchor="ctr"/>
+                </a:tc>
+                <a:tc>
+                  <a:txBody>
+                    <a:bodyPr/>
+                    <a:lstStyle/>
+                    <a:p>
+                      <a:pPr algn="l" latinLnBrk="1"/>
+                      <a:endParaRPr lang="ko-KR" altLang="en-US" sz="1000" dirty="0"/>
+                    </a:p>
+                  </a:txBody>
+                  <a:tcPr anchor="ctr"/>
+                </a:tc>
+                <a:extLst>
+                  <a:ext uri="{0D108BD9-81ED-4DB2-BD59-A6C34878D82A}">
+                    <a16:rowId xmlns:a16="http://schemas.microsoft.com/office/drawing/2014/main" val="1592761626"/>
+                  </a:ext>
+                </a:extLst>
+              </a:tr>
+              <a:tr h="121920">
+                <a:tc>
+                  <a:txBody>
+                    <a:bodyPr/>
+                    <a:lstStyle/>
+                    <a:p>
+                      <a:pPr algn="ctr" latinLnBrk="1"/>
+                      <a:r>
+                        <a:rPr lang="en-US" altLang="ko-KR" sz="1000" dirty="0"/>
+                        <a:t>5</a:t>
+                      </a:r>
+                      <a:endParaRPr lang="ko-KR" altLang="en-US" sz="1000" dirty="0"/>
+                    </a:p>
+                  </a:txBody>
+                  <a:tcPr anchor="ctr"/>
+                </a:tc>
+                <a:tc>
+                  <a:txBody>
+                    <a:bodyPr/>
+                    <a:lstStyle/>
+                    <a:p>
+                      <a:pPr algn="l" latinLnBrk="1"/>
+                      <a:endParaRPr lang="ko-KR" altLang="en-US" sz="1000" dirty="0"/>
+                    </a:p>
+                  </a:txBody>
+                  <a:tcPr anchor="ctr"/>
+                </a:tc>
+                <a:tc>
+                  <a:txBody>
+                    <a:bodyPr/>
+                    <a:lstStyle/>
+                    <a:p>
+                      <a:pPr marL="0" marR="0" lvl="0" indent="0" algn="l" defTabSz="914400" rtl="0" eaLnBrk="1" fontAlgn="auto" latinLnBrk="1" hangingPunct="1">
+                        <a:lnSpc>
+                          <a:spcPct val="100000"/>
+                        </a:lnSpc>
+                        <a:spcBef>
+                          <a:spcPts val="0"/>
+                        </a:spcBef>
+                        <a:spcAft>
+                          <a:spcPts val="0"/>
+                        </a:spcAft>
+                        <a:buClrTx/>
+                        <a:buSzTx/>
+                        <a:buFontTx/>
+                        <a:buNone/>
+                        <a:tabLst/>
+                        <a:defRPr/>
+                      </a:pPr>
+                      <a:endParaRPr lang="ko-KR" altLang="en-US" sz="1000" dirty="0"/>
+                    </a:p>
+                  </a:txBody>
+                  <a:tcPr anchor="ctr"/>
+                </a:tc>
+                <a:tc>
+                  <a:txBody>
+                    <a:bodyPr/>
+                    <a:lstStyle/>
+                    <a:p>
+                      <a:pPr algn="l" latinLnBrk="1"/>
+                      <a:endParaRPr lang="ko-KR" altLang="en-US" sz="1000" dirty="0"/>
+                    </a:p>
+                  </a:txBody>
+                  <a:tcPr anchor="ctr"/>
+                </a:tc>
+                <a:extLst>
+                  <a:ext uri="{0D108BD9-81ED-4DB2-BD59-A6C34878D82A}">
+                    <a16:rowId xmlns:a16="http://schemas.microsoft.com/office/drawing/2014/main" val="1106619967"/>
+                  </a:ext>
+                </a:extLst>
+              </a:tr>
+              <a:tr h="182880">
+                <a:tc>
+                  <a:txBody>
+                    <a:bodyPr/>
+                    <a:lstStyle/>
+                    <a:p>
+                      <a:pPr algn="ctr" latinLnBrk="1"/>
+                      <a:endParaRPr lang="ko-KR" altLang="en-US" sz="1000" dirty="0"/>
+                    </a:p>
+                  </a:txBody>
+                  <a:tcPr anchor="ctr"/>
+                </a:tc>
+                <a:tc>
+                  <a:txBody>
+                    <a:bodyPr/>
+                    <a:lstStyle/>
+                    <a:p>
+                      <a:pPr algn="l" latinLnBrk="1"/>
+                      <a:endParaRPr lang="en-US" altLang="ko-KR" sz="1000" dirty="0"/>
+                    </a:p>
+                  </a:txBody>
+                  <a:tcPr anchor="ctr"/>
+                </a:tc>
+                <a:tc>
+                  <a:txBody>
+                    <a:bodyPr/>
+                    <a:lstStyle/>
+                    <a:p>
+                      <a:pPr marL="0" marR="0" lvl="0" indent="0" algn="l" defTabSz="914400" rtl="0" eaLnBrk="1" fontAlgn="auto" latinLnBrk="1" hangingPunct="1">
+                        <a:lnSpc>
+                          <a:spcPct val="100000"/>
+                        </a:lnSpc>
+                        <a:spcBef>
+                          <a:spcPts val="0"/>
+                        </a:spcBef>
+                        <a:spcAft>
+                          <a:spcPts val="0"/>
+                        </a:spcAft>
+                        <a:buClrTx/>
+                        <a:buSzTx/>
+                        <a:buFontTx/>
+                        <a:buNone/>
+                        <a:tabLst/>
+                        <a:defRPr/>
+                      </a:pPr>
+                      <a:endParaRPr lang="ko-KR" altLang="en-US" sz="1000" dirty="0"/>
+                    </a:p>
+                  </a:txBody>
+                  <a:tcPr anchor="ctr"/>
+                </a:tc>
+                <a:tc>
+                  <a:txBody>
+                    <a:bodyPr/>
+                    <a:lstStyle/>
+                    <a:p>
+                      <a:pPr marL="0" marR="0" lvl="0" indent="0" algn="l" defTabSz="914400" rtl="0" eaLnBrk="1" fontAlgn="auto" latinLnBrk="1" hangingPunct="1">
+                        <a:lnSpc>
+                          <a:spcPct val="100000"/>
+                        </a:lnSpc>
+                        <a:spcBef>
+                          <a:spcPts val="0"/>
+                        </a:spcBef>
+                        <a:spcAft>
+                          <a:spcPts val="0"/>
+                        </a:spcAft>
+                        <a:buClrTx/>
+                        <a:buSzTx/>
+                        <a:buFontTx/>
+                        <a:buNone/>
+                        <a:tabLst/>
+                        <a:defRPr/>
+                      </a:pPr>
+                      <a:endParaRPr lang="en-US" altLang="ko-KR" sz="1000" dirty="0"/>
+                    </a:p>
+                  </a:txBody>
+                  <a:tcPr anchor="ctr"/>
+                </a:tc>
+                <a:extLst>
+                  <a:ext uri="{0D108BD9-81ED-4DB2-BD59-A6C34878D82A}">
+                    <a16:rowId xmlns:a16="http://schemas.microsoft.com/office/drawing/2014/main" val="4091270473"/>
+                  </a:ext>
+                </a:extLst>
+              </a:tr>
+              <a:tr h="365760">
+                <a:tc>
+                  <a:txBody>
+                    <a:bodyPr/>
+                    <a:lstStyle/>
+                    <a:p>
+                      <a:pPr algn="ctr" latinLnBrk="1"/>
+                      <a:endParaRPr lang="ko-KR" altLang="en-US" sz="1000" dirty="0"/>
+                    </a:p>
+                  </a:txBody>
+                  <a:tcPr anchor="ctr"/>
+                </a:tc>
+                <a:tc>
+                  <a:txBody>
+                    <a:bodyPr/>
+                    <a:lstStyle/>
+                    <a:p>
+                      <a:pPr algn="l" latinLnBrk="1"/>
+                      <a:endParaRPr lang="en-US" altLang="ko-KR" sz="1000" dirty="0"/>
+                    </a:p>
+                  </a:txBody>
+                  <a:tcPr anchor="ctr"/>
+                </a:tc>
+                <a:tc>
+                  <a:txBody>
+                    <a:bodyPr/>
+                    <a:lstStyle/>
+                    <a:p>
+                      <a:pPr marL="0" marR="0" lvl="0" indent="0" algn="l" defTabSz="914400" rtl="0" eaLnBrk="1" fontAlgn="auto" latinLnBrk="1" hangingPunct="1">
+                        <a:lnSpc>
+                          <a:spcPct val="100000"/>
+                        </a:lnSpc>
+                        <a:spcBef>
+                          <a:spcPts val="0"/>
+                        </a:spcBef>
+                        <a:spcAft>
+                          <a:spcPts val="0"/>
+                        </a:spcAft>
+                        <a:buClrTx/>
+                        <a:buSzTx/>
+                        <a:buFontTx/>
+                        <a:buNone/>
+                        <a:tabLst/>
+                        <a:defRPr/>
+                      </a:pPr>
+                      <a:endParaRPr lang="ko-KR" altLang="en-US" sz="1000" dirty="0"/>
+                    </a:p>
+                  </a:txBody>
+                  <a:tcPr anchor="ctr"/>
+                </a:tc>
+                <a:tc>
+                  <a:txBody>
+                    <a:bodyPr/>
+                    <a:lstStyle/>
+                    <a:p>
+                      <a:pPr marL="0" marR="0" lvl="0" indent="0" algn="l" defTabSz="914400" rtl="0" eaLnBrk="1" fontAlgn="auto" latinLnBrk="1" hangingPunct="1">
+                        <a:lnSpc>
+                          <a:spcPct val="100000"/>
+                        </a:lnSpc>
+                        <a:spcBef>
+                          <a:spcPts val="0"/>
+                        </a:spcBef>
+                        <a:spcAft>
+                          <a:spcPts val="0"/>
+                        </a:spcAft>
+                        <a:buClrTx/>
+                        <a:buSzTx/>
+                        <a:buFontTx/>
+                        <a:buNone/>
+                        <a:tabLst/>
+                        <a:defRPr/>
+                      </a:pPr>
+                      <a:endParaRPr lang="en-US" altLang="ko-KR" sz="1000" dirty="0"/>
+                    </a:p>
+                  </a:txBody>
+                  <a:tcPr anchor="ctr"/>
+                </a:tc>
+                <a:extLst>
+                  <a:ext uri="{0D108BD9-81ED-4DB2-BD59-A6C34878D82A}">
+                    <a16:rowId xmlns:a16="http://schemas.microsoft.com/office/drawing/2014/main" val="2776667099"/>
+                  </a:ext>
+                </a:extLst>
+              </a:tr>
+              <a:tr h="182880">
+                <a:tc>
+                  <a:txBody>
+                    <a:bodyPr/>
+                    <a:lstStyle/>
+                    <a:p>
+                      <a:pPr algn="ctr" latinLnBrk="1"/>
+                      <a:endParaRPr lang="ko-KR" altLang="en-US" sz="1000" dirty="0"/>
+                    </a:p>
+                  </a:txBody>
+                  <a:tcPr anchor="ctr"/>
+                </a:tc>
+                <a:tc>
+                  <a:txBody>
+                    <a:bodyPr/>
+                    <a:lstStyle/>
+                    <a:p>
+                      <a:pPr algn="l" latinLnBrk="1"/>
+                      <a:endParaRPr lang="en-US" altLang="ko-KR" sz="1000" dirty="0"/>
+                    </a:p>
+                  </a:txBody>
+                  <a:tcPr anchor="ctr"/>
+                </a:tc>
+                <a:tc>
+                  <a:txBody>
+                    <a:bodyPr/>
+                    <a:lstStyle/>
+                    <a:p>
+                      <a:pPr marL="0" marR="0" lvl="0" indent="0" algn="l" defTabSz="914400" rtl="0" eaLnBrk="1" fontAlgn="auto" latinLnBrk="1" hangingPunct="1">
+                        <a:lnSpc>
+                          <a:spcPct val="100000"/>
+                        </a:lnSpc>
+                        <a:spcBef>
+                          <a:spcPts val="0"/>
+                        </a:spcBef>
+                        <a:spcAft>
+                          <a:spcPts val="0"/>
+                        </a:spcAft>
+                        <a:buClrTx/>
+                        <a:buSzTx/>
+                        <a:buFontTx/>
+                        <a:buNone/>
+                        <a:tabLst/>
+                        <a:defRPr/>
+                      </a:pPr>
+                      <a:endParaRPr lang="ko-KR" altLang="en-US" sz="1000" dirty="0"/>
+                    </a:p>
+                  </a:txBody>
+                  <a:tcPr anchor="ctr"/>
+                </a:tc>
+                <a:tc>
+                  <a:txBody>
+                    <a:bodyPr/>
+                    <a:lstStyle/>
+                    <a:p>
+                      <a:pPr marL="0" marR="0" lvl="0" indent="0" algn="l" defTabSz="914400" rtl="0" eaLnBrk="1" fontAlgn="auto" latinLnBrk="1" hangingPunct="1">
+                        <a:lnSpc>
+                          <a:spcPct val="100000"/>
+                        </a:lnSpc>
+                        <a:spcBef>
+                          <a:spcPts val="0"/>
+                        </a:spcBef>
+                        <a:spcAft>
+                          <a:spcPts val="0"/>
+                        </a:spcAft>
+                        <a:buClrTx/>
+                        <a:buSzTx/>
+                        <a:buFontTx/>
+                        <a:buNone/>
+                        <a:tabLst/>
+                        <a:defRPr/>
+                      </a:pPr>
+                      <a:endParaRPr lang="en-US" altLang="ko-KR" sz="1000" dirty="0"/>
+                    </a:p>
+                  </a:txBody>
+                  <a:tcPr anchor="ctr"/>
+                </a:tc>
+                <a:extLst>
+                  <a:ext uri="{0D108BD9-81ED-4DB2-BD59-A6C34878D82A}">
+                    <a16:rowId xmlns:a16="http://schemas.microsoft.com/office/drawing/2014/main" val="2670889160"/>
+                  </a:ext>
+                </a:extLst>
+              </a:tr>
+              <a:tr h="365760">
+                <a:tc>
+                  <a:txBody>
+                    <a:bodyPr/>
+                    <a:lstStyle/>
+                    <a:p>
+                      <a:pPr algn="ctr" latinLnBrk="1"/>
+                      <a:endParaRPr lang="ko-KR" altLang="en-US" sz="1000" dirty="0"/>
+                    </a:p>
+                  </a:txBody>
+                  <a:tcPr anchor="ctr"/>
+                </a:tc>
+                <a:tc>
+                  <a:txBody>
+                    <a:bodyPr/>
+                    <a:lstStyle/>
+                    <a:p>
+                      <a:pPr algn="l" latinLnBrk="1"/>
+                      <a:endParaRPr lang="en-US" altLang="ko-KR" sz="1000" dirty="0"/>
+                    </a:p>
+                  </a:txBody>
+                  <a:tcPr anchor="ctr"/>
+                </a:tc>
+                <a:tc>
+                  <a:txBody>
+                    <a:bodyPr/>
+                    <a:lstStyle/>
+                    <a:p>
+                      <a:pPr marL="0" marR="0" lvl="0" indent="0" algn="l" defTabSz="914400" rtl="0" eaLnBrk="1" fontAlgn="auto" latinLnBrk="1" hangingPunct="1">
+                        <a:lnSpc>
+                          <a:spcPct val="100000"/>
+                        </a:lnSpc>
+                        <a:spcBef>
+                          <a:spcPts val="0"/>
+                        </a:spcBef>
+                        <a:spcAft>
+                          <a:spcPts val="0"/>
+                        </a:spcAft>
+                        <a:buClrTx/>
+                        <a:buSzTx/>
+                        <a:buFontTx/>
+                        <a:buNone/>
+                        <a:tabLst/>
+                        <a:defRPr/>
+                      </a:pPr>
+                      <a:endParaRPr lang="ko-KR" altLang="en-US" sz="1000" dirty="0"/>
+                    </a:p>
+                  </a:txBody>
+                  <a:tcPr anchor="ctr"/>
+                </a:tc>
+                <a:tc>
+                  <a:txBody>
+                    <a:bodyPr/>
+                    <a:lstStyle/>
+                    <a:p>
+                      <a:pPr marL="0" marR="0" lvl="0" indent="0" algn="l" defTabSz="914400" rtl="0" eaLnBrk="1" fontAlgn="auto" latinLnBrk="1" hangingPunct="1">
+                        <a:lnSpc>
+                          <a:spcPct val="100000"/>
+                        </a:lnSpc>
+                        <a:spcBef>
+                          <a:spcPts val="0"/>
+                        </a:spcBef>
+                        <a:spcAft>
+                          <a:spcPts val="0"/>
+                        </a:spcAft>
+                        <a:buClrTx/>
+                        <a:buSzTx/>
+                        <a:buFontTx/>
+                        <a:buNone/>
+                        <a:tabLst/>
+                        <a:defRPr/>
+                      </a:pPr>
+                      <a:endParaRPr lang="en-US" altLang="ko-KR" sz="1000" dirty="0"/>
+                    </a:p>
+                  </a:txBody>
+                  <a:tcPr anchor="ctr"/>
+                </a:tc>
+                <a:extLst>
+                  <a:ext uri="{0D108BD9-81ED-4DB2-BD59-A6C34878D82A}">
+                    <a16:rowId xmlns:a16="http://schemas.microsoft.com/office/drawing/2014/main" val="3077181478"/>
+                  </a:ext>
+                </a:extLst>
+              </a:tr>
+              <a:tr h="182880">
+                <a:tc>
+                  <a:txBody>
+                    <a:bodyPr/>
+                    <a:lstStyle/>
+                    <a:p>
+                      <a:pPr algn="ctr" latinLnBrk="1"/>
+                      <a:endParaRPr lang="ko-KR" altLang="en-US" sz="1000" dirty="0"/>
+                    </a:p>
+                  </a:txBody>
+                  <a:tcPr anchor="ctr"/>
+                </a:tc>
+                <a:tc>
+                  <a:txBody>
+                    <a:bodyPr/>
+                    <a:lstStyle/>
+                    <a:p>
+                      <a:pPr algn="l" latinLnBrk="1"/>
+                      <a:endParaRPr lang="en-US" altLang="ko-KR" sz="1000" dirty="0"/>
+                    </a:p>
+                  </a:txBody>
+                  <a:tcPr anchor="ctr"/>
+                </a:tc>
+                <a:tc>
+                  <a:txBody>
+                    <a:bodyPr/>
+                    <a:lstStyle/>
+                    <a:p>
+                      <a:pPr marL="0" marR="0" lvl="0" indent="0" algn="l" defTabSz="914400" rtl="0" eaLnBrk="1" fontAlgn="auto" latinLnBrk="1" hangingPunct="1">
+                        <a:lnSpc>
+                          <a:spcPct val="100000"/>
+                        </a:lnSpc>
+                        <a:spcBef>
+                          <a:spcPts val="0"/>
+                        </a:spcBef>
+                        <a:spcAft>
+                          <a:spcPts val="0"/>
+                        </a:spcAft>
+                        <a:buClrTx/>
+                        <a:buSzTx/>
+                        <a:buFontTx/>
+                        <a:buNone/>
+                        <a:tabLst/>
+                        <a:defRPr/>
+                      </a:pPr>
+                      <a:endParaRPr lang="ko-KR" altLang="en-US" sz="1000" dirty="0"/>
+                    </a:p>
+                  </a:txBody>
+                  <a:tcPr anchor="ctr"/>
+                </a:tc>
+                <a:tc>
+                  <a:txBody>
+                    <a:bodyPr/>
+                    <a:lstStyle/>
+                    <a:p>
+                      <a:pPr marL="0" marR="0" lvl="0" indent="0" algn="l" defTabSz="914400" rtl="0" eaLnBrk="1" fontAlgn="auto" latinLnBrk="1" hangingPunct="1">
+                        <a:lnSpc>
+                          <a:spcPct val="100000"/>
+                        </a:lnSpc>
+                        <a:spcBef>
+                          <a:spcPts val="0"/>
+                        </a:spcBef>
+                        <a:spcAft>
+                          <a:spcPts val="0"/>
+                        </a:spcAft>
+                        <a:buClrTx/>
+                        <a:buSzTx/>
+                        <a:buFontTx/>
+                        <a:buNone/>
+                        <a:tabLst/>
+                        <a:defRPr/>
+                      </a:pPr>
+                      <a:endParaRPr lang="en-US" altLang="ko-KR" sz="1000" dirty="0"/>
+                    </a:p>
+                  </a:txBody>
+                  <a:tcPr anchor="ctr"/>
+                </a:tc>
+                <a:extLst>
+                  <a:ext uri="{0D108BD9-81ED-4DB2-BD59-A6C34878D82A}">
+                    <a16:rowId xmlns:a16="http://schemas.microsoft.com/office/drawing/2014/main" val="929894201"/>
+                  </a:ext>
+                </a:extLst>
+              </a:tr>
+            </a:tbl>
+          </a:graphicData>
+        </a:graphic>
+      </p:graphicFrame>
+      <p:sp>
+        <p:nvSpPr>
+          <p:cNvPr id="25" name="사각형: 둥근 모서리 24">
+            <a:extLst>
+              <a:ext uri="{FF2B5EF4-FFF2-40B4-BE49-F238E27FC236}">
+                <a16:creationId xmlns:a16="http://schemas.microsoft.com/office/drawing/2014/main" id="{FE97DE9F-14B5-4CBC-B168-45F356D2E971}"/>
+              </a:ext>
+            </a:extLst>
+          </p:cNvPr>
+          <p:cNvSpPr/>
+          <p:nvPr/>
+        </p:nvSpPr>
+        <p:spPr>
+          <a:xfrm>
+            <a:off x="666089" y="1166070"/>
+            <a:ext cx="927819" cy="2240336"/>
+          </a:xfrm>
+          <a:prstGeom prst="roundRect">
+            <a:avLst>
+              <a:gd name="adj" fmla="val 7372"/>
+            </a:avLst>
+          </a:prstGeom>
+          <a:noFill/>
+          <a:ln>
+            <a:solidFill>
+              <a:srgbClr val="FF0000"/>
+            </a:solidFill>
+          </a:ln>
+        </p:spPr>
+        <p:style>
+          <a:lnRef idx="2">
+            <a:schemeClr val="accent1">
+              <a:shade val="50000"/>
+            </a:schemeClr>
+          </a:lnRef>
+          <a:fillRef idx="1">
+            <a:schemeClr val="accent1"/>
+          </a:fillRef>
+          <a:effectRef idx="0">
+            <a:schemeClr val="accent1"/>
+          </a:effectRef>
+          <a:fontRef idx="minor">
+            <a:schemeClr val="lt1"/>
+          </a:fontRef>
+        </p:style>
+        <p:txBody>
+          <a:bodyPr rtlCol="0" anchor="ctr"/>
+          <a:lstStyle/>
+          <a:p>
+            <a:pPr algn="ctr"/>
+            <a:endParaRPr lang="ko-KR" altLang="en-US"/>
+          </a:p>
+        </p:txBody>
+      </p:sp>
+      <p:sp>
+        <p:nvSpPr>
+          <p:cNvPr id="26" name="타원 25">
+            <a:extLst>
+              <a:ext uri="{FF2B5EF4-FFF2-40B4-BE49-F238E27FC236}">
+                <a16:creationId xmlns:a16="http://schemas.microsoft.com/office/drawing/2014/main" id="{A0105CC1-F34B-4426-BBE5-F624FFAE319B}"/>
+              </a:ext>
+            </a:extLst>
+          </p:cNvPr>
+          <p:cNvSpPr/>
+          <p:nvPr/>
+        </p:nvSpPr>
+        <p:spPr>
+          <a:xfrm>
+            <a:off x="573721" y="1145722"/>
+            <a:ext cx="206366" cy="231717"/>
+          </a:xfrm>
+          <a:prstGeom prst="ellipse">
+            <a:avLst/>
+          </a:prstGeom>
+        </p:spPr>
+        <p:style>
+          <a:lnRef idx="2">
+            <a:schemeClr val="accent4">
+              <a:shade val="50000"/>
+            </a:schemeClr>
+          </a:lnRef>
+          <a:fillRef idx="1">
+            <a:schemeClr val="accent4"/>
+          </a:fillRef>
+          <a:effectRef idx="0">
+            <a:schemeClr val="accent4"/>
+          </a:effectRef>
+          <a:fontRef idx="minor">
+            <a:schemeClr val="lt1"/>
+          </a:fontRef>
+        </p:style>
+        <p:txBody>
+          <a:bodyPr rtlCol="0" anchor="ctr"/>
+          <a:lstStyle/>
+          <a:p>
+            <a:pPr algn="ctr"/>
+            <a:r>
+              <a:rPr lang="en-US" altLang="ko-KR" dirty="0"/>
+              <a:t>1</a:t>
+            </a:r>
+            <a:endParaRPr lang="ko-KR" altLang="en-US" dirty="0"/>
+          </a:p>
+        </p:txBody>
+      </p:sp>
+      <p:sp>
+        <p:nvSpPr>
+          <p:cNvPr id="27" name="사각형: 둥근 모서리 26">
+            <a:extLst>
+              <a:ext uri="{FF2B5EF4-FFF2-40B4-BE49-F238E27FC236}">
+                <a16:creationId xmlns:a16="http://schemas.microsoft.com/office/drawing/2014/main" id="{A9C85A34-54DC-4A0B-8465-A16C12DD7B4A}"/>
+              </a:ext>
+            </a:extLst>
+          </p:cNvPr>
+          <p:cNvSpPr/>
+          <p:nvPr/>
+        </p:nvSpPr>
+        <p:spPr>
+          <a:xfrm>
+            <a:off x="1637820" y="1166070"/>
+            <a:ext cx="1390606" cy="2240336"/>
+          </a:xfrm>
+          <a:prstGeom prst="roundRect">
+            <a:avLst>
+              <a:gd name="adj" fmla="val 7372"/>
+            </a:avLst>
+          </a:prstGeom>
+          <a:noFill/>
+          <a:ln>
+            <a:solidFill>
+              <a:srgbClr val="FF0000"/>
+            </a:solidFill>
+          </a:ln>
+        </p:spPr>
+        <p:style>
+          <a:lnRef idx="2">
+            <a:schemeClr val="accent1">
+              <a:shade val="50000"/>
+            </a:schemeClr>
+          </a:lnRef>
+          <a:fillRef idx="1">
+            <a:schemeClr val="accent1"/>
+          </a:fillRef>
+          <a:effectRef idx="0">
+            <a:schemeClr val="accent1"/>
+          </a:effectRef>
+          <a:fontRef idx="minor">
+            <a:schemeClr val="lt1"/>
+          </a:fontRef>
+        </p:style>
+        <p:txBody>
+          <a:bodyPr rtlCol="0" anchor="ctr"/>
+          <a:lstStyle/>
+          <a:p>
+            <a:pPr algn="ctr"/>
+            <a:endParaRPr lang="ko-KR" altLang="en-US"/>
+          </a:p>
+        </p:txBody>
+      </p:sp>
+      <p:sp>
+        <p:nvSpPr>
+          <p:cNvPr id="28" name="타원 27">
+            <a:extLst>
+              <a:ext uri="{FF2B5EF4-FFF2-40B4-BE49-F238E27FC236}">
+                <a16:creationId xmlns:a16="http://schemas.microsoft.com/office/drawing/2014/main" id="{5C05B140-8D20-424B-8E81-581C04B581E7}"/>
+              </a:ext>
+            </a:extLst>
+          </p:cNvPr>
+          <p:cNvSpPr/>
+          <p:nvPr/>
+        </p:nvSpPr>
+        <p:spPr>
+          <a:xfrm>
+            <a:off x="2925243" y="1100722"/>
+            <a:ext cx="206366" cy="231717"/>
+          </a:xfrm>
+          <a:prstGeom prst="ellipse">
+            <a:avLst/>
+          </a:prstGeom>
+        </p:spPr>
+        <p:style>
+          <a:lnRef idx="2">
+            <a:schemeClr val="accent4">
+              <a:shade val="50000"/>
+            </a:schemeClr>
+          </a:lnRef>
+          <a:fillRef idx="1">
+            <a:schemeClr val="accent4"/>
+          </a:fillRef>
+          <a:effectRef idx="0">
+            <a:schemeClr val="accent4"/>
+          </a:effectRef>
+          <a:fontRef idx="minor">
+            <a:schemeClr val="lt1"/>
+          </a:fontRef>
+        </p:style>
+        <p:txBody>
+          <a:bodyPr rtlCol="0" anchor="ctr"/>
+          <a:lstStyle/>
+          <a:p>
+            <a:pPr algn="ctr"/>
+            <a:r>
+              <a:rPr lang="en-US" altLang="ko-KR" dirty="0"/>
+              <a:t>2</a:t>
+            </a:r>
+            <a:endParaRPr lang="ko-KR" altLang="en-US" dirty="0"/>
+          </a:p>
+        </p:txBody>
+      </p:sp>
+    </p:spTree>
+    <p:extLst>
+      <p:ext uri="{BB962C8B-B14F-4D97-AF65-F5344CB8AC3E}">
+        <p14:creationId xmlns:p14="http://schemas.microsoft.com/office/powerpoint/2010/main" val="2349456278"/>
+      </p:ext>
+    </p:extLst>
+  </p:cSld>
+  <p:clrMapOvr>
+    <a:masterClrMapping/>
+  </p:clrMapOvr>
+</p:sld>
+</file>
+
+<file path=ppt/slides/slide14.xml><?xml version="1.0" encoding="utf-8"?>
+<p:sld xmlns:a="http://schemas.openxmlformats.org/drawingml/2006/main" xmlns:r="http://schemas.openxmlformats.org/officeDocument/2006/relationships" xmlns:p="http://schemas.openxmlformats.org/presentationml/2006/main">
+  <p:cSld>
+    <p:spTree>
+      <p:nvGrpSpPr>
+        <p:cNvPr id="1" name=""/>
+        <p:cNvGrpSpPr/>
+        <p:nvPr/>
+      </p:nvGrpSpPr>
+      <p:grpSpPr>
+        <a:xfrm>
+          <a:off x="0" y="0"/>
+          <a:ext cx="0" cy="0"/>
+          <a:chOff x="0" y="0"/>
+          <a:chExt cx="0" cy="0"/>
+        </a:xfrm>
+      </p:grpSpPr>
+      <p:sp>
+        <p:nvSpPr>
+          <p:cNvPr id="3" name="TextBox 2">
+            <a:extLst>
+              <a:ext uri="{FF2B5EF4-FFF2-40B4-BE49-F238E27FC236}">
+                <a16:creationId xmlns:a16="http://schemas.microsoft.com/office/drawing/2014/main" id="{57F15499-F847-4B7C-A35E-36B9FCBA7FA5}"/>
+              </a:ext>
+            </a:extLst>
+          </p:cNvPr>
+          <p:cNvSpPr txBox="1"/>
+          <p:nvPr/>
+        </p:nvSpPr>
+        <p:spPr>
+          <a:xfrm>
+            <a:off x="0" y="2413337"/>
+            <a:ext cx="12192000" cy="1015663"/>
+          </a:xfrm>
+          <a:prstGeom prst="rect">
+            <a:avLst/>
+          </a:prstGeom>
+          <a:noFill/>
+        </p:spPr>
+        <p:txBody>
+          <a:bodyPr wrap="square" rtlCol="0">
+            <a:spAutoFit/>
+          </a:bodyPr>
+          <a:lstStyle/>
+          <a:p>
+            <a:pPr algn="ctr" defTabSz="540000"/>
+            <a:r>
+              <a:rPr lang="ko-KR" altLang="en-US" sz="6000" b="1" dirty="0" err="1">
+                <a:solidFill>
+                  <a:srgbClr val="002060"/>
+                </a:solidFill>
+                <a:latin typeface="휴먼엑스포" panose="02030504000101010101" pitchFamily="18" charset="-127"/>
+                <a:ea typeface="휴먼엑스포" panose="02030504000101010101" pitchFamily="18" charset="-127"/>
+              </a:rPr>
+              <a:t>조이런</a:t>
+            </a:r>
+            <a:r>
+              <a:rPr lang="ko-KR" altLang="en-US" sz="6000" b="1" dirty="0">
+                <a:solidFill>
+                  <a:srgbClr val="002060"/>
+                </a:solidFill>
+                <a:latin typeface="휴먼엑스포" panose="02030504000101010101" pitchFamily="18" charset="-127"/>
+                <a:ea typeface="휴먼엑스포" panose="02030504000101010101" pitchFamily="18" charset="-127"/>
+              </a:rPr>
+              <a:t> 충돌 판정</a:t>
+            </a:r>
+            <a:endParaRPr lang="en-US" altLang="ko-KR" sz="6000" b="1" dirty="0">
+              <a:solidFill>
+                <a:srgbClr val="002060"/>
+              </a:solidFill>
+              <a:latin typeface="휴먼엑스포" panose="02030504000101010101" pitchFamily="18" charset="-127"/>
+              <a:ea typeface="휴먼엑스포" panose="02030504000101010101" pitchFamily="18" charset="-127"/>
+            </a:endParaRPr>
+          </a:p>
+        </p:txBody>
+      </p:sp>
+      <p:sp>
+        <p:nvSpPr>
+          <p:cNvPr id="4" name="슬라이드 번호 개체 틀 2">
+            <a:extLst>
+              <a:ext uri="{FF2B5EF4-FFF2-40B4-BE49-F238E27FC236}">
+                <a16:creationId xmlns:a16="http://schemas.microsoft.com/office/drawing/2014/main" id="{B7101805-5FFB-4477-8F97-DABD1B395D96}"/>
+              </a:ext>
+            </a:extLst>
+          </p:cNvPr>
+          <p:cNvSpPr>
+            <a:spLocks noGrp="1"/>
+          </p:cNvSpPr>
+          <p:nvPr>
+            <p:ph type="sldNum" sz="quarter" idx="12"/>
+          </p:nvPr>
+        </p:nvSpPr>
+        <p:spPr>
+          <a:xfrm>
+            <a:off x="8610600" y="6356350"/>
+            <a:ext cx="2743200" cy="365125"/>
+          </a:xfrm>
+        </p:spPr>
+        <p:txBody>
+          <a:bodyPr/>
+          <a:lstStyle/>
+          <a:p>
+            <a:fld id="{A8E1BB39-725C-444B-809E-419522618855}" type="slidenum">
+              <a:rPr lang="ko-KR" altLang="en-US" b="1" smtClean="0">
+                <a:solidFill>
+                  <a:schemeClr val="bg1"/>
+                </a:solidFill>
+              </a:rPr>
+              <a:t>14</a:t>
+            </a:fld>
+            <a:endParaRPr lang="ko-KR" altLang="en-US" b="1" dirty="0">
+              <a:solidFill>
+                <a:schemeClr val="bg1"/>
+              </a:solidFill>
+            </a:endParaRPr>
+          </a:p>
+        </p:txBody>
+      </p:sp>
+    </p:spTree>
+    <p:extLst>
+      <p:ext uri="{BB962C8B-B14F-4D97-AF65-F5344CB8AC3E}">
+        <p14:creationId xmlns:p14="http://schemas.microsoft.com/office/powerpoint/2010/main" val="2740388186"/>
+      </p:ext>
+    </p:extLst>
+  </p:cSld>
+  <p:clrMapOvr>
+    <a:masterClrMapping/>
+  </p:clrMapOvr>
+</p:sld>
+</file>
+
 <file path=ppt/slides/slide2.xml><?xml version="1.0" encoding="utf-8"?>
 <p:sld xmlns:a="http://schemas.openxmlformats.org/drawingml/2006/main" xmlns:r="http://schemas.openxmlformats.org/officeDocument/2006/relationships" xmlns:p="http://schemas.openxmlformats.org/presentationml/2006/main">
   <p:cSld>
@@ -10621,7 +14856,7 @@
         <p:spPr>
           <a:xfrm>
             <a:off x="4697789" y="1188311"/>
-            <a:ext cx="6524638" cy="3014351"/>
+            <a:ext cx="6524638" cy="3305713"/>
           </a:xfrm>
           <a:prstGeom prst="rect">
             <a:avLst/>
@@ -10931,6 +15166,58 @@
                 </a:solidFill>
               </a:rPr>
               <a:t>)</a:t>
+            </a:r>
+          </a:p>
+          <a:p>
+            <a:pPr marL="228600" indent="-228600" algn="l" defTabSz="540000">
+              <a:lnSpc>
+                <a:spcPct val="130000"/>
+              </a:lnSpc>
+              <a:spcAft>
+                <a:spcPts val="400"/>
+              </a:spcAft>
+              <a:buFont typeface="Arial" panose="020B0604020202020204" pitchFamily="34" charset="0"/>
+              <a:buChar char="•"/>
+            </a:pPr>
+            <a:r>
+              <a:rPr lang="en-US" altLang="ko-KR" sz="1200" dirty="0">
+                <a:solidFill>
+                  <a:srgbClr val="0070C0"/>
+                </a:solidFill>
+              </a:rPr>
+              <a:t>3D </a:t>
+            </a:r>
+            <a:r>
+              <a:rPr lang="ko-KR" altLang="en-US" sz="1200" dirty="0">
+                <a:solidFill>
+                  <a:srgbClr val="0070C0"/>
+                </a:solidFill>
+              </a:rPr>
+              <a:t>모델링 캐릭터는 존</a:t>
+            </a:r>
+            <a:r>
+              <a:rPr lang="en-US" altLang="ko-KR" sz="1200" dirty="0">
+                <a:solidFill>
+                  <a:srgbClr val="0070C0"/>
+                </a:solidFill>
+              </a:rPr>
+              <a:t>, </a:t>
+            </a:r>
+            <a:r>
+              <a:rPr lang="ko-KR" altLang="en-US" sz="1200" dirty="0">
+                <a:solidFill>
+                  <a:srgbClr val="0070C0"/>
+                </a:solidFill>
+              </a:rPr>
+              <a:t>사라 레퍼런스 캐릭터를 사용한다</a:t>
+            </a:r>
+            <a:r>
+              <a:rPr lang="en-US" altLang="ko-KR" sz="1200" dirty="0">
+                <a:solidFill>
+                  <a:srgbClr val="0070C0"/>
+                </a:solidFill>
+              </a:rPr>
+              <a:t>.</a:t>
             </a:r>
           </a:p>
           <a:p>
@@ -11675,7 +15962,7 @@
         </p:nvSpPr>
         <p:spPr>
           <a:xfrm>
-            <a:off x="301874" y="4198620"/>
+            <a:off x="1681563" y="4215475"/>
             <a:ext cx="1048964" cy="329299"/>
           </a:xfrm>
           <a:prstGeom prst="rect">
@@ -19051,140 +23338,6 @@
               <a:buAutoNum type="arabicPeriod"/>
             </a:pPr>
             <a:r>
-              <a:rPr lang="ko-KR" altLang="en-US" sz="1200" dirty="0">
-                <a:solidFill>
-                  <a:schemeClr val="tx1"/>
-                </a:solidFill>
-              </a:rPr>
-              <a:t>각 라인의 남은 점에 맞는 장애물을 선택</a:t>
-            </a:r>
-            <a:r>
-              <a:rPr lang="en-US" altLang="ko-KR" sz="1200" dirty="0">
-                <a:solidFill>
-                  <a:schemeClr val="tx1"/>
-                </a:solidFill>
-              </a:rPr>
-              <a:t>(random)</a:t>
-            </a:r>
-            <a:r>
-              <a:rPr lang="ko-KR" altLang="en-US" sz="1200" dirty="0">
-                <a:solidFill>
-                  <a:schemeClr val="tx1"/>
-                </a:solidFill>
-              </a:rPr>
-              <a:t>한다</a:t>
-            </a:r>
-            <a:r>
-              <a:rPr lang="en-US" altLang="ko-KR" sz="1200" dirty="0">
-                <a:solidFill>
-                  <a:schemeClr val="tx1"/>
-                </a:solidFill>
-              </a:rPr>
-              <a:t>.(ex</a:t>
-            </a:r>
-            <a:r>
-              <a:rPr lang="ko-KR" altLang="en-US" sz="1200" dirty="0">
-                <a:solidFill>
-                  <a:schemeClr val="tx1"/>
-                </a:solidFill>
-              </a:rPr>
-              <a:t> </a:t>
-            </a:r>
-            <a:r>
-              <a:rPr lang="en-US" altLang="ko-KR" sz="1200" dirty="0">
-                <a:solidFill>
-                  <a:schemeClr val="tx1"/>
-                </a:solidFill>
-              </a:rPr>
-              <a:t>:</a:t>
-            </a:r>
-            <a:r>
-              <a:rPr lang="ko-KR" altLang="en-US" sz="1200" dirty="0">
-                <a:solidFill>
-                  <a:schemeClr val="tx1"/>
-                </a:solidFill>
-              </a:rPr>
-              <a:t> </a:t>
-            </a:r>
-            <a:r>
-              <a:rPr lang="en-US" altLang="ko-KR" sz="1200" dirty="0">
-                <a:solidFill>
-                  <a:schemeClr val="tx1"/>
-                </a:solidFill>
-              </a:rPr>
-              <a:t>1</a:t>
-            </a:r>
-            <a:r>
-              <a:rPr lang="ko-KR" altLang="en-US" sz="1200" dirty="0">
-                <a:solidFill>
-                  <a:schemeClr val="tx1"/>
-                </a:solidFill>
-              </a:rPr>
-              <a:t>라인 </a:t>
-            </a:r>
-            <a:r>
-              <a:rPr lang="en-US" altLang="ko-KR" sz="1200" dirty="0">
-                <a:solidFill>
-                  <a:schemeClr val="tx1"/>
-                </a:solidFill>
-              </a:rPr>
-              <a:t>- 23 - 1,3 -</a:t>
-            </a:r>
-            <a:r>
-              <a:rPr lang="ko-KR" altLang="en-US" sz="1200" dirty="0">
-                <a:solidFill>
-                  <a:schemeClr val="tx1"/>
-                </a:solidFill>
-              </a:rPr>
-              <a:t> 구덩이 가능</a:t>
-            </a:r>
-            <a:r>
-              <a:rPr lang="en-US" altLang="ko-KR" sz="1200" dirty="0">
-                <a:solidFill>
-                  <a:schemeClr val="tx1"/>
-                </a:solidFill>
-              </a:rPr>
-              <a:t>, 4, 5 </a:t>
-            </a:r>
-            <a:r>
-              <a:rPr lang="ko-KR" altLang="en-US" sz="1200" dirty="0">
-                <a:solidFill>
-                  <a:schemeClr val="tx1"/>
-                </a:solidFill>
-              </a:rPr>
-              <a:t>붙여서 쓰러진 나무</a:t>
-            </a:r>
-            <a:r>
-              <a:rPr lang="en-US" altLang="ko-KR" sz="1200" dirty="0">
-                <a:solidFill>
-                  <a:schemeClr val="tx1"/>
-                </a:solidFill>
-              </a:rPr>
-              <a:t>, </a:t>
-            </a:r>
-            <a:r>
-              <a:rPr lang="ko-KR" altLang="en-US" sz="1200" dirty="0">
-                <a:solidFill>
-                  <a:schemeClr val="tx1"/>
-                </a:solidFill>
-              </a:rPr>
-              <a:t>또는 빈칸</a:t>
-            </a:r>
-            <a:r>
-              <a:rPr lang="en-US" altLang="ko-KR" sz="1200" dirty="0">
-                <a:solidFill>
-                  <a:schemeClr val="tx1"/>
-                </a:solidFill>
-              </a:rPr>
-              <a:t>.</a:t>
-            </a:r>
-          </a:p>
-          <a:p>
-            <a:pPr marL="342900" indent="-342900">
-              <a:buFont typeface="+mj-lt"/>
-              <a:buAutoNum type="arabicPeriod"/>
-            </a:pPr>
-            <a:r>
               <a:rPr lang="en-US" altLang="ko-KR" sz="1200" dirty="0">
                 <a:solidFill>
                   <a:schemeClr val="tx1"/>

--- a/docs/[JoyFitness] 전시회용 미니 게임_JoyRun.pptx
+++ b/docs/[JoyFitness] 전시회용 미니 게임_JoyRun.pptx
@@ -5,17 +5,19 @@
     <p:sldMasterId id="2147483648" r:id="rId1"/>
   </p:sldMasterIdLst>
   <p:notesMasterIdLst>
-    <p:notesMasterId r:id="rId10"/>
+    <p:notesMasterId r:id="rId12"/>
   </p:notesMasterIdLst>
   <p:sldIdLst>
     <p:sldId id="258" r:id="rId2"/>
-    <p:sldId id="634" r:id="rId3"/>
-    <p:sldId id="714" r:id="rId4"/>
-    <p:sldId id="715" r:id="rId5"/>
-    <p:sldId id="716" r:id="rId6"/>
-    <p:sldId id="717" r:id="rId7"/>
-    <p:sldId id="718" r:id="rId8"/>
-    <p:sldId id="719" r:id="rId9"/>
+    <p:sldId id="720" r:id="rId3"/>
+    <p:sldId id="634" r:id="rId4"/>
+    <p:sldId id="714" r:id="rId5"/>
+    <p:sldId id="715" r:id="rId6"/>
+    <p:sldId id="716" r:id="rId7"/>
+    <p:sldId id="717" r:id="rId8"/>
+    <p:sldId id="718" r:id="rId9"/>
+    <p:sldId id="719" r:id="rId10"/>
+    <p:sldId id="721" r:id="rId11"/>
   </p:sldIdLst>
   <p:sldSz cx="12192000" cy="6858000"/>
   <p:notesSz cx="6802438" cy="9934575"/>
@@ -216,7 +218,7 @@
           <a:p>
             <a:fld id="{2386921C-F2C2-450F-8CE0-097405885515}" type="datetimeFigureOut">
               <a:rPr lang="ko-KR" altLang="en-US" smtClean="0"/>
-              <a:t>2020-07-20</a:t>
+              <a:t>2020-07-22</a:t>
             </a:fld>
             <a:endParaRPr lang="ko-KR" altLang="en-US"/>
           </a:p>
@@ -615,7 +617,7 @@
           <a:p>
             <a:fld id="{6FECA6D4-DCCA-4949-BEF9-A9086E06B1B7}" type="datetime1">
               <a:rPr lang="ko-KR" altLang="en-US" smtClean="0"/>
-              <a:t>2020-07-20</a:t>
+              <a:t>2020-07-22</a:t>
             </a:fld>
             <a:endParaRPr lang="ko-KR" altLang="en-US"/>
           </a:p>
@@ -785,7 +787,7 @@
           <a:p>
             <a:fld id="{61D66971-119A-4B55-B1BD-4ED7BC2CB7AD}" type="datetime1">
               <a:rPr lang="ko-KR" altLang="en-US" smtClean="0"/>
-              <a:t>2020-07-20</a:t>
+              <a:t>2020-07-22</a:t>
             </a:fld>
             <a:endParaRPr lang="ko-KR" altLang="en-US"/>
           </a:p>
@@ -965,7 +967,7 @@
           <a:p>
             <a:fld id="{B867013F-155C-4FB3-BB21-5694D54F303C}" type="datetime1">
               <a:rPr lang="ko-KR" altLang="en-US" smtClean="0"/>
-              <a:t>2020-07-20</a:t>
+              <a:t>2020-07-22</a:t>
             </a:fld>
             <a:endParaRPr lang="ko-KR" altLang="en-US"/>
           </a:p>
@@ -1135,7 +1137,7 @@
           <a:p>
             <a:fld id="{FFDF7E5B-C91D-4597-BEFF-9800146C1221}" type="datetime1">
               <a:rPr lang="ko-KR" altLang="en-US" smtClean="0"/>
-              <a:t>2020-07-20</a:t>
+              <a:t>2020-07-22</a:t>
             </a:fld>
             <a:endParaRPr lang="ko-KR" altLang="en-US"/>
           </a:p>
@@ -1397,7 +1399,7 @@
           <a:p>
             <a:fld id="{FCECD920-41EA-4F3C-8E8F-FEA349AAB147}" type="datetime1">
               <a:rPr lang="ko-KR" altLang="en-US" smtClean="0"/>
-              <a:t>2020-07-20</a:t>
+              <a:t>2020-07-22</a:t>
             </a:fld>
             <a:endParaRPr lang="ko-KR" altLang="en-US"/>
           </a:p>
@@ -1629,7 +1631,7 @@
           <a:p>
             <a:fld id="{7AC0042B-7BDF-4830-89D6-670CE07C1E8E}" type="datetime1">
               <a:rPr lang="ko-KR" altLang="en-US" smtClean="0"/>
-              <a:t>2020-07-20</a:t>
+              <a:t>2020-07-22</a:t>
             </a:fld>
             <a:endParaRPr lang="ko-KR" altLang="en-US"/>
           </a:p>
@@ -1996,7 +1998,7 @@
           <a:p>
             <a:fld id="{F564A9E2-35E4-4EDD-9837-0188A1C6243B}" type="datetime1">
               <a:rPr lang="ko-KR" altLang="en-US" smtClean="0"/>
-              <a:t>2020-07-20</a:t>
+              <a:t>2020-07-22</a:t>
             </a:fld>
             <a:endParaRPr lang="ko-KR" altLang="en-US"/>
           </a:p>
@@ -2114,7 +2116,7 @@
           <a:p>
             <a:fld id="{872C3772-1156-4FD3-9C57-CAC38F3F251F}" type="datetime1">
               <a:rPr lang="ko-KR" altLang="en-US" smtClean="0"/>
-              <a:t>2020-07-20</a:t>
+              <a:t>2020-07-22</a:t>
             </a:fld>
             <a:endParaRPr lang="ko-KR" altLang="en-US"/>
           </a:p>
@@ -2209,7 +2211,7 @@
           <a:p>
             <a:fld id="{90564680-55FD-459C-ABDD-810709295308}" type="datetime1">
               <a:rPr lang="ko-KR" altLang="en-US" smtClean="0"/>
-              <a:t>2020-07-20</a:t>
+              <a:t>2020-07-22</a:t>
             </a:fld>
             <a:endParaRPr lang="ko-KR" altLang="en-US"/>
           </a:p>
@@ -2486,7 +2488,7 @@
           <a:p>
             <a:fld id="{B427CE32-9CBE-4BE6-B2B4-151BB3755E13}" type="datetime1">
               <a:rPr lang="ko-KR" altLang="en-US" smtClean="0"/>
-              <a:t>2020-07-20</a:t>
+              <a:t>2020-07-22</a:t>
             </a:fld>
             <a:endParaRPr lang="ko-KR" altLang="en-US"/>
           </a:p>
@@ -2739,7 +2741,7 @@
           <a:p>
             <a:fld id="{15F8A116-4660-43B5-9031-34FF0BE3E69D}" type="datetime1">
               <a:rPr lang="ko-KR" altLang="en-US" smtClean="0"/>
-              <a:t>2020-07-20</a:t>
+              <a:t>2020-07-22</a:t>
             </a:fld>
             <a:endParaRPr lang="ko-KR" altLang="en-US"/>
           </a:p>
@@ -2961,7 +2963,7 @@
           <a:p>
             <a:fld id="{7B1BE7E1-A688-4E59-BC0B-0B62CA53C8B4}" type="datetime1">
               <a:rPr lang="ko-KR" altLang="en-US" smtClean="0"/>
-              <a:t>2020-07-20</a:t>
+              <a:t>2020-07-22</a:t>
             </a:fld>
             <a:endParaRPr lang="ko-KR" altLang="en-US"/>
           </a:p>
@@ -3962,6 +3964,2888 @@
 </p:sld>
 </file>
 
+<file path=ppt/slides/slide10.xml><?xml version="1.0" encoding="utf-8"?>
+<p:sld xmlns:a="http://schemas.openxmlformats.org/drawingml/2006/main" xmlns:r="http://schemas.openxmlformats.org/officeDocument/2006/relationships" xmlns:p="http://schemas.openxmlformats.org/presentationml/2006/main">
+  <p:cSld>
+    <p:spTree>
+      <p:nvGrpSpPr>
+        <p:cNvPr id="1" name=""/>
+        <p:cNvGrpSpPr/>
+        <p:nvPr/>
+      </p:nvGrpSpPr>
+      <p:grpSpPr>
+        <a:xfrm>
+          <a:off x="0" y="0"/>
+          <a:ext cx="0" cy="0"/>
+          <a:chOff x="0" y="0"/>
+          <a:chExt cx="0" cy="0"/>
+        </a:xfrm>
+      </p:grpSpPr>
+      <p:grpSp>
+        <p:nvGrpSpPr>
+          <p:cNvPr id="5" name="Group 40">
+            <a:extLst>
+              <a:ext uri="{FF2B5EF4-FFF2-40B4-BE49-F238E27FC236}">
+                <a16:creationId xmlns:a16="http://schemas.microsoft.com/office/drawing/2014/main" id="{8F3030E2-8EAA-4572-B6F9-952E3E4F80EA}"/>
+              </a:ext>
+            </a:extLst>
+          </p:cNvPr>
+          <p:cNvGrpSpPr/>
+          <p:nvPr/>
+        </p:nvGrpSpPr>
+        <p:grpSpPr>
+          <a:xfrm>
+            <a:off x="301874" y="273668"/>
+            <a:ext cx="11541336" cy="383818"/>
+            <a:chOff x="301874" y="234760"/>
+            <a:chExt cx="11541336" cy="383818"/>
+          </a:xfrm>
+        </p:grpSpPr>
+        <p:sp>
+          <p:nvSpPr>
+            <p:cNvPr id="6" name="Freeform 41">
+              <a:extLst>
+                <a:ext uri="{FF2B5EF4-FFF2-40B4-BE49-F238E27FC236}">
+                  <a16:creationId xmlns:a16="http://schemas.microsoft.com/office/drawing/2014/main" id="{F1DB5A59-5E06-49DF-A4F6-6C873D0DE7E9}"/>
+                </a:ext>
+              </a:extLst>
+            </p:cNvPr>
+            <p:cNvSpPr/>
+            <p:nvPr/>
+          </p:nvSpPr>
+          <p:spPr>
+            <a:xfrm>
+              <a:off x="7417261" y="234760"/>
+              <a:ext cx="4425949" cy="380367"/>
+            </a:xfrm>
+            <a:custGeom>
+              <a:avLst/>
+              <a:gdLst>
+                <a:gd name="connsiteX0" fmla="*/ 0 w 4425949"/>
+                <a:gd name="connsiteY0" fmla="*/ 362367 h 380367"/>
+                <a:gd name="connsiteX1" fmla="*/ 4425949 w 4425949"/>
+                <a:gd name="connsiteY1" fmla="*/ 362367 h 380367"/>
+                <a:gd name="connsiteX2" fmla="*/ 4425949 w 4425949"/>
+                <a:gd name="connsiteY2" fmla="*/ 380367 h 380367"/>
+                <a:gd name="connsiteX3" fmla="*/ 0 w 4425949"/>
+                <a:gd name="connsiteY3" fmla="*/ 380367 h 380367"/>
+                <a:gd name="connsiteX4" fmla="*/ 4425949 w 4425949"/>
+                <a:gd name="connsiteY4" fmla="*/ 0 h 380367"/>
+                <a:gd name="connsiteX5" fmla="*/ 4425949 w 4425949"/>
+                <a:gd name="connsiteY5" fmla="*/ 293520 h 380367"/>
+                <a:gd name="connsiteX6" fmla="*/ 4425949 w 4425949"/>
+                <a:gd name="connsiteY6" fmla="*/ 293744 h 380367"/>
+                <a:gd name="connsiteX7" fmla="*/ 4425949 w 4425949"/>
+                <a:gd name="connsiteY7" fmla="*/ 347593 h 380367"/>
+                <a:gd name="connsiteX8" fmla="*/ 0 w 4425949"/>
+                <a:gd name="connsiteY8" fmla="*/ 347593 h 380367"/>
+                <a:gd name="connsiteX9" fmla="*/ 0 w 4425949"/>
+                <a:gd name="connsiteY9" fmla="*/ 293520 h 380367"/>
+                <a:gd name="connsiteX10" fmla="*/ 3445935 w 4425949"/>
+                <a:gd name="connsiteY10" fmla="*/ 293520 h 380367"/>
+                <a:gd name="connsiteX11" fmla="*/ 3445935 w 4425949"/>
+                <a:gd name="connsiteY11" fmla="*/ 248864 h 380367"/>
+                <a:gd name="connsiteX12" fmla="*/ 3509866 w 4425949"/>
+                <a:gd name="connsiteY12" fmla="*/ 235234 h 380367"/>
+                <a:gd name="connsiteX13" fmla="*/ 3509866 w 4425949"/>
+                <a:gd name="connsiteY13" fmla="*/ 293520 h 380367"/>
+                <a:gd name="connsiteX14" fmla="*/ 3547532 w 4425949"/>
+                <a:gd name="connsiteY14" fmla="*/ 293520 h 380367"/>
+                <a:gd name="connsiteX15" fmla="*/ 3547532 w 4425949"/>
+                <a:gd name="connsiteY15" fmla="*/ 220885 h 380367"/>
+                <a:gd name="connsiteX16" fmla="*/ 3613149 w 4425949"/>
+                <a:gd name="connsiteY16" fmla="*/ 206896 h 380367"/>
+                <a:gd name="connsiteX17" fmla="*/ 3613149 w 4425949"/>
+                <a:gd name="connsiteY17" fmla="*/ 293520 h 380367"/>
+                <a:gd name="connsiteX18" fmla="*/ 3649132 w 4425949"/>
+                <a:gd name="connsiteY18" fmla="*/ 293520 h 380367"/>
+                <a:gd name="connsiteX19" fmla="*/ 3649132 w 4425949"/>
+                <a:gd name="connsiteY19" fmla="*/ 192906 h 380367"/>
+                <a:gd name="connsiteX20" fmla="*/ 3714749 w 4425949"/>
+                <a:gd name="connsiteY20" fmla="*/ 178916 h 380367"/>
+                <a:gd name="connsiteX21" fmla="*/ 3714749 w 4425949"/>
+                <a:gd name="connsiteY21" fmla="*/ 293520 h 380367"/>
+                <a:gd name="connsiteX22" fmla="*/ 3750732 w 4425949"/>
+                <a:gd name="connsiteY22" fmla="*/ 293520 h 380367"/>
+                <a:gd name="connsiteX23" fmla="*/ 3750732 w 4425949"/>
+                <a:gd name="connsiteY23" fmla="*/ 164928 h 380367"/>
+                <a:gd name="connsiteX24" fmla="*/ 3814665 w 4425949"/>
+                <a:gd name="connsiteY24" fmla="*/ 151298 h 380367"/>
+                <a:gd name="connsiteX25" fmla="*/ 3814665 w 4425949"/>
+                <a:gd name="connsiteY25" fmla="*/ 293520 h 380367"/>
+                <a:gd name="connsiteX26" fmla="*/ 3852332 w 4425949"/>
+                <a:gd name="connsiteY26" fmla="*/ 293520 h 380367"/>
+                <a:gd name="connsiteX27" fmla="*/ 3852332 w 4425949"/>
+                <a:gd name="connsiteY27" fmla="*/ 136949 h 380367"/>
+                <a:gd name="connsiteX28" fmla="*/ 3916265 w 4425949"/>
+                <a:gd name="connsiteY28" fmla="*/ 123319 h 380367"/>
+                <a:gd name="connsiteX29" fmla="*/ 3916265 w 4425949"/>
+                <a:gd name="connsiteY29" fmla="*/ 293520 h 380367"/>
+                <a:gd name="connsiteX30" fmla="*/ 3953932 w 4425949"/>
+                <a:gd name="connsiteY30" fmla="*/ 293520 h 380367"/>
+                <a:gd name="connsiteX31" fmla="*/ 3953932 w 4425949"/>
+                <a:gd name="connsiteY31" fmla="*/ 108971 h 380367"/>
+                <a:gd name="connsiteX32" fmla="*/ 4019549 w 4425949"/>
+                <a:gd name="connsiteY32" fmla="*/ 94981 h 380367"/>
+                <a:gd name="connsiteX33" fmla="*/ 4019549 w 4425949"/>
+                <a:gd name="connsiteY33" fmla="*/ 293520 h 380367"/>
+                <a:gd name="connsiteX34" fmla="*/ 4055532 w 4425949"/>
+                <a:gd name="connsiteY34" fmla="*/ 293520 h 380367"/>
+                <a:gd name="connsiteX35" fmla="*/ 4055532 w 4425949"/>
+                <a:gd name="connsiteY35" fmla="*/ 80992 h 380367"/>
+                <a:gd name="connsiteX36" fmla="*/ 4121149 w 4425949"/>
+                <a:gd name="connsiteY36" fmla="*/ 67002 h 380367"/>
+                <a:gd name="connsiteX37" fmla="*/ 4121149 w 4425949"/>
+                <a:gd name="connsiteY37" fmla="*/ 293520 h 380367"/>
+                <a:gd name="connsiteX38" fmla="*/ 4157132 w 4425949"/>
+                <a:gd name="connsiteY38" fmla="*/ 293520 h 380367"/>
+                <a:gd name="connsiteX39" fmla="*/ 4157132 w 4425949"/>
+                <a:gd name="connsiteY39" fmla="*/ 53011 h 380367"/>
+                <a:gd name="connsiteX40" fmla="*/ 4222749 w 4425949"/>
+                <a:gd name="connsiteY40" fmla="*/ 39022 h 380367"/>
+                <a:gd name="connsiteX41" fmla="*/ 4222749 w 4425949"/>
+                <a:gd name="connsiteY41" fmla="*/ 293520 h 380367"/>
+                <a:gd name="connsiteX42" fmla="*/ 4258732 w 4425949"/>
+                <a:gd name="connsiteY42" fmla="*/ 293520 h 380367"/>
+                <a:gd name="connsiteX43" fmla="*/ 4258732 w 4425949"/>
+                <a:gd name="connsiteY43" fmla="*/ 25034 h 380367"/>
+                <a:gd name="connsiteX44" fmla="*/ 4324349 w 4425949"/>
+                <a:gd name="connsiteY44" fmla="*/ 11044 h 380367"/>
+                <a:gd name="connsiteX45" fmla="*/ 4324349 w 4425949"/>
+                <a:gd name="connsiteY45" fmla="*/ 293520 h 380367"/>
+                <a:gd name="connsiteX46" fmla="*/ 4360332 w 4425949"/>
+                <a:gd name="connsiteY46" fmla="*/ 293520 h 380367"/>
+                <a:gd name="connsiteX47" fmla="*/ 4360332 w 4425949"/>
+                <a:gd name="connsiteY47" fmla="*/ 2967 h 380367"/>
+              </a:gdLst>
+              <a:ahLst/>
+              <a:cxnLst>
+                <a:cxn ang="0">
+                  <a:pos x="connsiteX0" y="connsiteY0"/>
+                </a:cxn>
+                <a:cxn ang="0">
+                  <a:pos x="connsiteX1" y="connsiteY1"/>
+                </a:cxn>
+                <a:cxn ang="0">
+                  <a:pos x="connsiteX2" y="connsiteY2"/>
+                </a:cxn>
+                <a:cxn ang="0">
+                  <a:pos x="connsiteX3" y="connsiteY3"/>
+                </a:cxn>
+                <a:cxn ang="0">
+                  <a:pos x="connsiteX4" y="connsiteY4"/>
+                </a:cxn>
+                <a:cxn ang="0">
+                  <a:pos x="connsiteX5" y="connsiteY5"/>
+                </a:cxn>
+                <a:cxn ang="0">
+                  <a:pos x="connsiteX6" y="connsiteY6"/>
+                </a:cxn>
+                <a:cxn ang="0">
+                  <a:pos x="connsiteX7" y="connsiteY7"/>
+                </a:cxn>
+                <a:cxn ang="0">
+                  <a:pos x="connsiteX8" y="connsiteY8"/>
+                </a:cxn>
+                <a:cxn ang="0">
+                  <a:pos x="connsiteX9" y="connsiteY9"/>
+                </a:cxn>
+                <a:cxn ang="0">
+                  <a:pos x="connsiteX10" y="connsiteY10"/>
+                </a:cxn>
+                <a:cxn ang="0">
+                  <a:pos x="connsiteX11" y="connsiteY11"/>
+                </a:cxn>
+                <a:cxn ang="0">
+                  <a:pos x="connsiteX12" y="connsiteY12"/>
+                </a:cxn>
+                <a:cxn ang="0">
+                  <a:pos x="connsiteX13" y="connsiteY13"/>
+                </a:cxn>
+                <a:cxn ang="0">
+                  <a:pos x="connsiteX14" y="connsiteY14"/>
+                </a:cxn>
+                <a:cxn ang="0">
+                  <a:pos x="connsiteX15" y="connsiteY15"/>
+                </a:cxn>
+                <a:cxn ang="0">
+                  <a:pos x="connsiteX16" y="connsiteY16"/>
+                </a:cxn>
+                <a:cxn ang="0">
+                  <a:pos x="connsiteX17" y="connsiteY17"/>
+                </a:cxn>
+                <a:cxn ang="0">
+                  <a:pos x="connsiteX18" y="connsiteY18"/>
+                </a:cxn>
+                <a:cxn ang="0">
+                  <a:pos x="connsiteX19" y="connsiteY19"/>
+                </a:cxn>
+                <a:cxn ang="0">
+                  <a:pos x="connsiteX20" y="connsiteY20"/>
+                </a:cxn>
+                <a:cxn ang="0">
+                  <a:pos x="connsiteX21" y="connsiteY21"/>
+                </a:cxn>
+                <a:cxn ang="0">
+                  <a:pos x="connsiteX22" y="connsiteY22"/>
+                </a:cxn>
+                <a:cxn ang="0">
+                  <a:pos x="connsiteX23" y="connsiteY23"/>
+                </a:cxn>
+                <a:cxn ang="0">
+                  <a:pos x="connsiteX24" y="connsiteY24"/>
+                </a:cxn>
+                <a:cxn ang="0">
+                  <a:pos x="connsiteX25" y="connsiteY25"/>
+                </a:cxn>
+                <a:cxn ang="0">
+                  <a:pos x="connsiteX26" y="connsiteY26"/>
+                </a:cxn>
+                <a:cxn ang="0">
+                  <a:pos x="connsiteX27" y="connsiteY27"/>
+                </a:cxn>
+                <a:cxn ang="0">
+                  <a:pos x="connsiteX28" y="connsiteY28"/>
+                </a:cxn>
+                <a:cxn ang="0">
+                  <a:pos x="connsiteX29" y="connsiteY29"/>
+                </a:cxn>
+                <a:cxn ang="0">
+                  <a:pos x="connsiteX30" y="connsiteY30"/>
+                </a:cxn>
+                <a:cxn ang="0">
+                  <a:pos x="connsiteX31" y="connsiteY31"/>
+                </a:cxn>
+                <a:cxn ang="0">
+                  <a:pos x="connsiteX32" y="connsiteY32"/>
+                </a:cxn>
+                <a:cxn ang="0">
+                  <a:pos x="connsiteX33" y="connsiteY33"/>
+                </a:cxn>
+                <a:cxn ang="0">
+                  <a:pos x="connsiteX34" y="connsiteY34"/>
+                </a:cxn>
+                <a:cxn ang="0">
+                  <a:pos x="connsiteX35" y="connsiteY35"/>
+                </a:cxn>
+                <a:cxn ang="0">
+                  <a:pos x="connsiteX36" y="connsiteY36"/>
+                </a:cxn>
+                <a:cxn ang="0">
+                  <a:pos x="connsiteX37" y="connsiteY37"/>
+                </a:cxn>
+                <a:cxn ang="0">
+                  <a:pos x="connsiteX38" y="connsiteY38"/>
+                </a:cxn>
+                <a:cxn ang="0">
+                  <a:pos x="connsiteX39" y="connsiteY39"/>
+                </a:cxn>
+                <a:cxn ang="0">
+                  <a:pos x="connsiteX40" y="connsiteY40"/>
+                </a:cxn>
+                <a:cxn ang="0">
+                  <a:pos x="connsiteX41" y="connsiteY41"/>
+                </a:cxn>
+                <a:cxn ang="0">
+                  <a:pos x="connsiteX42" y="connsiteY42"/>
+                </a:cxn>
+                <a:cxn ang="0">
+                  <a:pos x="connsiteX43" y="connsiteY43"/>
+                </a:cxn>
+                <a:cxn ang="0">
+                  <a:pos x="connsiteX44" y="connsiteY44"/>
+                </a:cxn>
+                <a:cxn ang="0">
+                  <a:pos x="connsiteX45" y="connsiteY45"/>
+                </a:cxn>
+                <a:cxn ang="0">
+                  <a:pos x="connsiteX46" y="connsiteY46"/>
+                </a:cxn>
+                <a:cxn ang="0">
+                  <a:pos x="connsiteX47" y="connsiteY47"/>
+                </a:cxn>
+              </a:cxnLst>
+              <a:rect l="l" t="t" r="r" b="b"/>
+              <a:pathLst>
+                <a:path w="4425949" h="380367">
+                  <a:moveTo>
+                    <a:pt x="0" y="362367"/>
+                  </a:moveTo>
+                  <a:lnTo>
+                    <a:pt x="4425949" y="362367"/>
+                  </a:lnTo>
+                  <a:lnTo>
+                    <a:pt x="4425949" y="380367"/>
+                  </a:lnTo>
+                  <a:lnTo>
+                    <a:pt x="0" y="380367"/>
+                  </a:lnTo>
+                  <a:close/>
+                  <a:moveTo>
+                    <a:pt x="4425949" y="0"/>
+                  </a:moveTo>
+                  <a:lnTo>
+                    <a:pt x="4425949" y="293520"/>
+                  </a:lnTo>
+                  <a:lnTo>
+                    <a:pt x="4425949" y="293744"/>
+                  </a:lnTo>
+                  <a:lnTo>
+                    <a:pt x="4425949" y="347593"/>
+                  </a:lnTo>
+                  <a:lnTo>
+                    <a:pt x="0" y="347593"/>
+                  </a:lnTo>
+                  <a:lnTo>
+                    <a:pt x="0" y="293520"/>
+                  </a:lnTo>
+                  <a:lnTo>
+                    <a:pt x="3445935" y="293520"/>
+                  </a:lnTo>
+                  <a:lnTo>
+                    <a:pt x="3445935" y="248864"/>
+                  </a:lnTo>
+                  <a:lnTo>
+                    <a:pt x="3509866" y="235234"/>
+                  </a:lnTo>
+                  <a:lnTo>
+                    <a:pt x="3509866" y="293520"/>
+                  </a:lnTo>
+                  <a:lnTo>
+                    <a:pt x="3547532" y="293520"/>
+                  </a:lnTo>
+                  <a:lnTo>
+                    <a:pt x="3547532" y="220885"/>
+                  </a:lnTo>
+                  <a:lnTo>
+                    <a:pt x="3613149" y="206896"/>
+                  </a:lnTo>
+                  <a:lnTo>
+                    <a:pt x="3613149" y="293520"/>
+                  </a:lnTo>
+                  <a:lnTo>
+                    <a:pt x="3649132" y="293520"/>
+                  </a:lnTo>
+                  <a:lnTo>
+                    <a:pt x="3649132" y="192906"/>
+                  </a:lnTo>
+                  <a:lnTo>
+                    <a:pt x="3714749" y="178916"/>
+                  </a:lnTo>
+                  <a:lnTo>
+                    <a:pt x="3714749" y="293520"/>
+                  </a:lnTo>
+                  <a:lnTo>
+                    <a:pt x="3750732" y="293520"/>
+                  </a:lnTo>
+                  <a:lnTo>
+                    <a:pt x="3750732" y="164928"/>
+                  </a:lnTo>
+                  <a:lnTo>
+                    <a:pt x="3814665" y="151298"/>
+                  </a:lnTo>
+                  <a:lnTo>
+                    <a:pt x="3814665" y="293520"/>
+                  </a:lnTo>
+                  <a:lnTo>
+                    <a:pt x="3852332" y="293520"/>
+                  </a:lnTo>
+                  <a:lnTo>
+                    <a:pt x="3852332" y="136949"/>
+                  </a:lnTo>
+                  <a:lnTo>
+                    <a:pt x="3916265" y="123319"/>
+                  </a:lnTo>
+                  <a:lnTo>
+                    <a:pt x="3916265" y="293520"/>
+                  </a:lnTo>
+                  <a:lnTo>
+                    <a:pt x="3953932" y="293520"/>
+                  </a:lnTo>
+                  <a:lnTo>
+                    <a:pt x="3953932" y="108971"/>
+                  </a:lnTo>
+                  <a:lnTo>
+                    <a:pt x="4019549" y="94981"/>
+                  </a:lnTo>
+                  <a:lnTo>
+                    <a:pt x="4019549" y="293520"/>
+                  </a:lnTo>
+                  <a:lnTo>
+                    <a:pt x="4055532" y="293520"/>
+                  </a:lnTo>
+                  <a:lnTo>
+                    <a:pt x="4055532" y="80992"/>
+                  </a:lnTo>
+                  <a:lnTo>
+                    <a:pt x="4121149" y="67002"/>
+                  </a:lnTo>
+                  <a:lnTo>
+                    <a:pt x="4121149" y="293520"/>
+                  </a:lnTo>
+                  <a:lnTo>
+                    <a:pt x="4157132" y="293520"/>
+                  </a:lnTo>
+                  <a:lnTo>
+                    <a:pt x="4157132" y="53011"/>
+                  </a:lnTo>
+                  <a:lnTo>
+                    <a:pt x="4222749" y="39022"/>
+                  </a:lnTo>
+                  <a:lnTo>
+                    <a:pt x="4222749" y="293520"/>
+                  </a:lnTo>
+                  <a:lnTo>
+                    <a:pt x="4258732" y="293520"/>
+                  </a:lnTo>
+                  <a:lnTo>
+                    <a:pt x="4258732" y="25034"/>
+                  </a:lnTo>
+                  <a:lnTo>
+                    <a:pt x="4324349" y="11044"/>
+                  </a:lnTo>
+                  <a:lnTo>
+                    <a:pt x="4324349" y="293520"/>
+                  </a:lnTo>
+                  <a:lnTo>
+                    <a:pt x="4360332" y="293520"/>
+                  </a:lnTo>
+                  <a:lnTo>
+                    <a:pt x="4360332" y="2967"/>
+                  </a:lnTo>
+                  <a:close/>
+                </a:path>
+              </a:pathLst>
+            </a:custGeom>
+            <a:gradFill flip="none" rotWithShape="1">
+              <a:gsLst>
+                <a:gs pos="0">
+                  <a:schemeClr val="accent1">
+                    <a:lumMod val="5000"/>
+                    <a:lumOff val="95000"/>
+                  </a:schemeClr>
+                </a:gs>
+                <a:gs pos="80000">
+                  <a:schemeClr val="accent1">
+                    <a:lumMod val="45000"/>
+                    <a:lumOff val="55000"/>
+                  </a:schemeClr>
+                </a:gs>
+                <a:gs pos="92000">
+                  <a:schemeClr val="accent5">
+                    <a:lumMod val="60000"/>
+                    <a:lumOff val="40000"/>
+                  </a:schemeClr>
+                </a:gs>
+                <a:gs pos="100000">
+                  <a:srgbClr val="002060"/>
+                </a:gs>
+              </a:gsLst>
+              <a:lin ang="0" scaled="1"/>
+              <a:tileRect/>
+            </a:gradFill>
+            <a:ln>
+              <a:noFill/>
+            </a:ln>
+            <a:effectLst>
+              <a:outerShdw blurRad="50800" dist="38100" dir="2700000" algn="tl" rotWithShape="0">
+                <a:prstClr val="black">
+                  <a:alpha val="40000"/>
+                </a:prstClr>
+              </a:outerShdw>
+            </a:effectLst>
+          </p:spPr>
+          <p:style>
+            <a:lnRef idx="2">
+              <a:schemeClr val="accent1">
+                <a:shade val="50000"/>
+              </a:schemeClr>
+            </a:lnRef>
+            <a:fillRef idx="1">
+              <a:schemeClr val="accent1"/>
+            </a:fillRef>
+            <a:effectRef idx="0">
+              <a:schemeClr val="accent1"/>
+            </a:effectRef>
+            <a:fontRef idx="minor">
+              <a:schemeClr val="lt1"/>
+            </a:fontRef>
+          </p:style>
+          <p:txBody>
+            <a:bodyPr rtlCol="0" anchor="ctr"/>
+            <a:lstStyle/>
+            <a:p>
+              <a:pPr algn="ctr"/>
+              <a:endParaRPr lang="ko-KR" altLang="en-US" sz="1600"/>
+            </a:p>
+          </p:txBody>
+        </p:sp>
+        <p:grpSp>
+          <p:nvGrpSpPr>
+            <p:cNvPr id="7" name="Group 42">
+              <a:extLst>
+                <a:ext uri="{FF2B5EF4-FFF2-40B4-BE49-F238E27FC236}">
+                  <a16:creationId xmlns:a16="http://schemas.microsoft.com/office/drawing/2014/main" id="{FA4ADA6F-CA1E-425B-B350-4A752DA10249}"/>
+                </a:ext>
+              </a:extLst>
+            </p:cNvPr>
+            <p:cNvGrpSpPr/>
+            <p:nvPr/>
+          </p:nvGrpSpPr>
+          <p:grpSpPr>
+            <a:xfrm>
+              <a:off x="301874" y="289279"/>
+              <a:ext cx="7140326" cy="329299"/>
+              <a:chOff x="706582" y="590204"/>
+              <a:chExt cx="7054714" cy="329299"/>
+            </a:xfrm>
+          </p:grpSpPr>
+          <p:sp>
+            <p:nvSpPr>
+              <p:cNvPr id="8" name="Rectangle 43">
+                <a:extLst>
+                  <a:ext uri="{FF2B5EF4-FFF2-40B4-BE49-F238E27FC236}">
+                    <a16:creationId xmlns:a16="http://schemas.microsoft.com/office/drawing/2014/main" id="{AD552B6F-AE09-4498-AAC6-3DDEE00758E1}"/>
+                  </a:ext>
+                </a:extLst>
+              </p:cNvPr>
+              <p:cNvSpPr/>
+              <p:nvPr/>
+            </p:nvSpPr>
+            <p:spPr>
+              <a:xfrm>
+                <a:off x="706582" y="590204"/>
+                <a:ext cx="7054714" cy="329299"/>
+              </a:xfrm>
+              <a:prstGeom prst="rect">
+                <a:avLst/>
+              </a:prstGeom>
+              <a:gradFill>
+                <a:gsLst>
+                  <a:gs pos="0">
+                    <a:srgbClr val="002060"/>
+                  </a:gs>
+                  <a:gs pos="77000">
+                    <a:schemeClr val="accent5">
+                      <a:lumMod val="60000"/>
+                      <a:lumOff val="40000"/>
+                    </a:schemeClr>
+                  </a:gs>
+                  <a:gs pos="91000">
+                    <a:schemeClr val="accent5">
+                      <a:lumMod val="20000"/>
+                      <a:lumOff val="80000"/>
+                    </a:schemeClr>
+                  </a:gs>
+                  <a:gs pos="100000">
+                    <a:schemeClr val="bg1"/>
+                  </a:gs>
+                </a:gsLst>
+                <a:lin ang="0" scaled="1"/>
+              </a:gradFill>
+            </p:spPr>
+            <p:style>
+              <a:lnRef idx="0">
+                <a:schemeClr val="accent5"/>
+              </a:lnRef>
+              <a:fillRef idx="3">
+                <a:schemeClr val="accent5"/>
+              </a:fillRef>
+              <a:effectRef idx="3">
+                <a:schemeClr val="accent5"/>
+              </a:effectRef>
+              <a:fontRef idx="minor">
+                <a:schemeClr val="lt1"/>
+              </a:fontRef>
+            </p:style>
+            <p:txBody>
+              <a:bodyPr rtlCol="0" anchor="ctr"/>
+              <a:lstStyle/>
+              <a:p>
+                <a:r>
+                  <a:rPr lang="en-US" altLang="ko-KR" sz="1600" dirty="0">
+                    <a:solidFill>
+                      <a:srgbClr val="FFFF00"/>
+                    </a:solidFill>
+                  </a:rPr>
+                  <a:t>    </a:t>
+                </a:r>
+                <a:r>
+                  <a:rPr lang="ko-KR" altLang="en-US" sz="1600" dirty="0">
+                    <a:solidFill>
+                      <a:srgbClr val="FFFF00"/>
+                    </a:solidFill>
+                  </a:rPr>
+                  <a:t> 결과 화면</a:t>
+                </a:r>
+              </a:p>
+            </p:txBody>
+          </p:sp>
+          <p:sp>
+            <p:nvSpPr>
+              <p:cNvPr id="9" name="Flowchart: Off-page Connector 44">
+                <a:extLst>
+                  <a:ext uri="{FF2B5EF4-FFF2-40B4-BE49-F238E27FC236}">
+                    <a16:creationId xmlns:a16="http://schemas.microsoft.com/office/drawing/2014/main" id="{6CECF545-D984-4BFB-AD96-378C487A5EDE}"/>
+                  </a:ext>
+                </a:extLst>
+              </p:cNvPr>
+              <p:cNvSpPr/>
+              <p:nvPr/>
+            </p:nvSpPr>
+            <p:spPr>
+              <a:xfrm rot="16200000">
+                <a:off x="807469" y="639422"/>
+                <a:ext cx="200288" cy="230861"/>
+              </a:xfrm>
+              <a:prstGeom prst="flowChartOffpageConnector">
+                <a:avLst/>
+              </a:prstGeom>
+              <a:solidFill>
+                <a:srgbClr val="00B050"/>
+              </a:solidFill>
+              <a:ln>
+                <a:solidFill>
+                  <a:srgbClr val="92D050"/>
+                </a:solidFill>
+              </a:ln>
+              <a:scene3d>
+                <a:camera prst="orthographicFront"/>
+                <a:lightRig rig="threePt" dir="t"/>
+              </a:scene3d>
+              <a:sp3d>
+                <a:bevelT/>
+              </a:sp3d>
+            </p:spPr>
+            <p:style>
+              <a:lnRef idx="2">
+                <a:schemeClr val="accent1">
+                  <a:shade val="50000"/>
+                </a:schemeClr>
+              </a:lnRef>
+              <a:fillRef idx="1">
+                <a:schemeClr val="accent1"/>
+              </a:fillRef>
+              <a:effectRef idx="0">
+                <a:schemeClr val="accent1"/>
+              </a:effectRef>
+              <a:fontRef idx="minor">
+                <a:schemeClr val="lt1"/>
+              </a:fontRef>
+            </p:style>
+            <p:txBody>
+              <a:bodyPr rtlCol="0" anchor="ctr"/>
+              <a:lstStyle/>
+              <a:p>
+                <a:pPr algn="ctr"/>
+                <a:endParaRPr lang="ko-KR" altLang="en-US" sz="1600">
+                  <a:solidFill>
+                    <a:srgbClr val="FFFF00"/>
+                  </a:solidFill>
+                </a:endParaRPr>
+              </a:p>
+            </p:txBody>
+          </p:sp>
+        </p:grpSp>
+      </p:grpSp>
+      <p:sp>
+        <p:nvSpPr>
+          <p:cNvPr id="2" name="슬라이드 번호 개체 틀 1">
+            <a:extLst>
+              <a:ext uri="{FF2B5EF4-FFF2-40B4-BE49-F238E27FC236}">
+                <a16:creationId xmlns:a16="http://schemas.microsoft.com/office/drawing/2014/main" id="{B0F31537-57FD-4EB2-BABC-48813D001EA3}"/>
+              </a:ext>
+            </a:extLst>
+          </p:cNvPr>
+          <p:cNvSpPr>
+            <a:spLocks noGrp="1"/>
+          </p:cNvSpPr>
+          <p:nvPr>
+            <p:ph type="sldNum" sz="quarter" idx="12"/>
+          </p:nvPr>
+        </p:nvSpPr>
+        <p:spPr/>
+        <p:txBody>
+          <a:bodyPr/>
+          <a:lstStyle/>
+          <a:p>
+            <a:fld id="{A8E1BB39-725C-444B-809E-419522618855}" type="slidenum">
+              <a:rPr lang="ko-KR" altLang="en-US" smtClean="0"/>
+              <a:t>10</a:t>
+            </a:fld>
+            <a:endParaRPr lang="ko-KR" altLang="en-US"/>
+          </a:p>
+        </p:txBody>
+      </p:sp>
+      <p:pic>
+        <p:nvPicPr>
+          <p:cNvPr id="68" name="그림 67">
+            <a:extLst>
+              <a:ext uri="{FF2B5EF4-FFF2-40B4-BE49-F238E27FC236}">
+                <a16:creationId xmlns:a16="http://schemas.microsoft.com/office/drawing/2014/main" id="{B7937C1D-5236-423D-8FCD-311127C1A17C}"/>
+              </a:ext>
+            </a:extLst>
+          </p:cNvPr>
+          <p:cNvPicPr>
+            <a:picLocks noChangeAspect="1"/>
+          </p:cNvPicPr>
+          <p:nvPr/>
+        </p:nvPicPr>
+        <p:blipFill>
+          <a:blip r:embed="rId2"/>
+          <a:stretch>
+            <a:fillRect/>
+          </a:stretch>
+        </p:blipFill>
+        <p:spPr>
+          <a:xfrm>
+            <a:off x="628806" y="1104171"/>
+            <a:ext cx="4205009" cy="2389137"/>
+          </a:xfrm>
+          <a:prstGeom prst="rect">
+            <a:avLst/>
+          </a:prstGeom>
+        </p:spPr>
+      </p:pic>
+      <p:sp>
+        <p:nvSpPr>
+          <p:cNvPr id="69" name="직사각형 68">
+            <a:extLst>
+              <a:ext uri="{FF2B5EF4-FFF2-40B4-BE49-F238E27FC236}">
+                <a16:creationId xmlns:a16="http://schemas.microsoft.com/office/drawing/2014/main" id="{66136D6F-4830-471C-9029-8133259357AB}"/>
+              </a:ext>
+            </a:extLst>
+          </p:cNvPr>
+          <p:cNvSpPr/>
+          <p:nvPr/>
+        </p:nvSpPr>
+        <p:spPr>
+          <a:xfrm>
+            <a:off x="622176" y="3758211"/>
+            <a:ext cx="1143463" cy="231717"/>
+          </a:xfrm>
+          <a:prstGeom prst="rect">
+            <a:avLst/>
+          </a:prstGeom>
+          <a:solidFill>
+            <a:schemeClr val="accent4">
+              <a:lumMod val="20000"/>
+              <a:lumOff val="80000"/>
+            </a:schemeClr>
+          </a:solidFill>
+          <a:ln>
+            <a:solidFill>
+              <a:srgbClr val="FFC000"/>
+            </a:solidFill>
+          </a:ln>
+        </p:spPr>
+        <p:style>
+          <a:lnRef idx="2">
+            <a:schemeClr val="accent1">
+              <a:shade val="50000"/>
+            </a:schemeClr>
+          </a:lnRef>
+          <a:fillRef idx="1">
+            <a:schemeClr val="accent1"/>
+          </a:fillRef>
+          <a:effectRef idx="0">
+            <a:schemeClr val="accent1"/>
+          </a:effectRef>
+          <a:fontRef idx="minor">
+            <a:schemeClr val="lt1"/>
+          </a:fontRef>
+        </p:style>
+        <p:txBody>
+          <a:bodyPr vert="horz" rtlCol="0" anchor="ctr"/>
+          <a:lstStyle/>
+          <a:p>
+            <a:pPr algn="ctr"/>
+            <a:r>
+              <a:rPr lang="ko-KR" altLang="en-US" sz="1400" dirty="0">
+                <a:solidFill>
+                  <a:schemeClr val="tx1"/>
+                </a:solidFill>
+              </a:rPr>
+              <a:t>바닥 스크린</a:t>
+            </a:r>
+          </a:p>
+        </p:txBody>
+      </p:sp>
+      <p:sp>
+        <p:nvSpPr>
+          <p:cNvPr id="70" name="직사각형 69">
+            <a:extLst>
+              <a:ext uri="{FF2B5EF4-FFF2-40B4-BE49-F238E27FC236}">
+                <a16:creationId xmlns:a16="http://schemas.microsoft.com/office/drawing/2014/main" id="{BBE82503-8E01-4BBB-903E-B2F8E9E8EEA7}"/>
+              </a:ext>
+            </a:extLst>
+          </p:cNvPr>
+          <p:cNvSpPr/>
+          <p:nvPr/>
+        </p:nvSpPr>
+        <p:spPr>
+          <a:xfrm>
+            <a:off x="628806" y="874660"/>
+            <a:ext cx="1143463" cy="231717"/>
+          </a:xfrm>
+          <a:prstGeom prst="rect">
+            <a:avLst/>
+          </a:prstGeom>
+          <a:solidFill>
+            <a:schemeClr val="accent1">
+              <a:lumMod val="20000"/>
+              <a:lumOff val="80000"/>
+            </a:schemeClr>
+          </a:solidFill>
+        </p:spPr>
+        <p:style>
+          <a:lnRef idx="2">
+            <a:schemeClr val="accent1">
+              <a:shade val="50000"/>
+            </a:schemeClr>
+          </a:lnRef>
+          <a:fillRef idx="1">
+            <a:schemeClr val="accent1"/>
+          </a:fillRef>
+          <a:effectRef idx="0">
+            <a:schemeClr val="accent1"/>
+          </a:effectRef>
+          <a:fontRef idx="minor">
+            <a:schemeClr val="lt1"/>
+          </a:fontRef>
+        </p:style>
+        <p:txBody>
+          <a:bodyPr vert="horz" rtlCol="0" anchor="ctr"/>
+          <a:lstStyle/>
+          <a:p>
+            <a:pPr algn="ctr"/>
+            <a:r>
+              <a:rPr lang="ko-KR" altLang="en-US" sz="1400" dirty="0">
+                <a:solidFill>
+                  <a:schemeClr val="tx1"/>
+                </a:solidFill>
+              </a:rPr>
+              <a:t>전면 스크린</a:t>
+            </a:r>
+          </a:p>
+        </p:txBody>
+      </p:sp>
+      <p:pic>
+        <p:nvPicPr>
+          <p:cNvPr id="78" name="그림 77">
+            <a:extLst>
+              <a:ext uri="{FF2B5EF4-FFF2-40B4-BE49-F238E27FC236}">
+                <a16:creationId xmlns:a16="http://schemas.microsoft.com/office/drawing/2014/main" id="{0292206A-C739-4E50-8013-75E397BEDBBB}"/>
+              </a:ext>
+            </a:extLst>
+          </p:cNvPr>
+          <p:cNvPicPr>
+            <a:picLocks noChangeAspect="1"/>
+          </p:cNvPicPr>
+          <p:nvPr/>
+        </p:nvPicPr>
+        <p:blipFill>
+          <a:blip r:embed="rId3">
+            <a:extLst>
+              <a:ext uri="{28A0092B-C50C-407E-A947-70E740481C1C}">
+                <a14:useLocalDpi xmlns:a14="http://schemas.microsoft.com/office/drawing/2010/main" val="0"/>
+              </a:ext>
+            </a:extLst>
+          </a:blip>
+          <a:stretch>
+            <a:fillRect/>
+          </a:stretch>
+        </p:blipFill>
+        <p:spPr>
+          <a:xfrm>
+            <a:off x="628806" y="3973397"/>
+            <a:ext cx="4205009" cy="2382953"/>
+          </a:xfrm>
+          <a:prstGeom prst="rect">
+            <a:avLst/>
+          </a:prstGeom>
+          <a:ln>
+            <a:solidFill>
+              <a:schemeClr val="tx1"/>
+            </a:solidFill>
+          </a:ln>
+        </p:spPr>
+      </p:pic>
+      <p:pic>
+        <p:nvPicPr>
+          <p:cNvPr id="80" name="그림 79">
+            <a:extLst>
+              <a:ext uri="{FF2B5EF4-FFF2-40B4-BE49-F238E27FC236}">
+                <a16:creationId xmlns:a16="http://schemas.microsoft.com/office/drawing/2014/main" id="{62AF190F-954F-41B8-B785-D7372A0607F3}"/>
+              </a:ext>
+            </a:extLst>
+          </p:cNvPr>
+          <p:cNvPicPr>
+            <a:picLocks noChangeAspect="1"/>
+          </p:cNvPicPr>
+          <p:nvPr/>
+        </p:nvPicPr>
+        <p:blipFill>
+          <a:blip r:embed="rId4"/>
+          <a:stretch>
+            <a:fillRect/>
+          </a:stretch>
+        </p:blipFill>
+        <p:spPr>
+          <a:xfrm>
+            <a:off x="1264517" y="3991141"/>
+            <a:ext cx="2972054" cy="191731"/>
+          </a:xfrm>
+          <a:prstGeom prst="rect">
+            <a:avLst/>
+          </a:prstGeom>
+        </p:spPr>
+      </p:pic>
+      <p:pic>
+        <p:nvPicPr>
+          <p:cNvPr id="81" name="그림 80">
+            <a:extLst>
+              <a:ext uri="{FF2B5EF4-FFF2-40B4-BE49-F238E27FC236}">
+                <a16:creationId xmlns:a16="http://schemas.microsoft.com/office/drawing/2014/main" id="{C0406BC0-7FF8-4161-9DF8-95F120AD318F}"/>
+              </a:ext>
+            </a:extLst>
+          </p:cNvPr>
+          <p:cNvPicPr>
+            <a:picLocks noChangeAspect="1"/>
+          </p:cNvPicPr>
+          <p:nvPr/>
+        </p:nvPicPr>
+        <p:blipFill>
+          <a:blip r:embed="rId4"/>
+          <a:stretch>
+            <a:fillRect/>
+          </a:stretch>
+        </p:blipFill>
+        <p:spPr>
+          <a:xfrm>
+            <a:off x="666089" y="4003673"/>
+            <a:ext cx="4122682" cy="531004"/>
+          </a:xfrm>
+          <a:prstGeom prst="rect">
+            <a:avLst/>
+          </a:prstGeom>
+        </p:spPr>
+      </p:pic>
+      <p:pic>
+        <p:nvPicPr>
+          <p:cNvPr id="11" name="그림 10">
+            <a:extLst>
+              <a:ext uri="{FF2B5EF4-FFF2-40B4-BE49-F238E27FC236}">
+                <a16:creationId xmlns:a16="http://schemas.microsoft.com/office/drawing/2014/main" id="{9863527C-8960-4171-8FAA-0F4B9CA63F9F}"/>
+              </a:ext>
+            </a:extLst>
+          </p:cNvPr>
+          <p:cNvPicPr>
+            <a:picLocks noChangeAspect="1"/>
+          </p:cNvPicPr>
+          <p:nvPr/>
+        </p:nvPicPr>
+        <p:blipFill>
+          <a:blip r:embed="rId5"/>
+          <a:stretch>
+            <a:fillRect/>
+          </a:stretch>
+        </p:blipFill>
+        <p:spPr>
+          <a:xfrm>
+            <a:off x="705951" y="2875543"/>
+            <a:ext cx="2352675" cy="485775"/>
+          </a:xfrm>
+          <a:prstGeom prst="rect">
+            <a:avLst/>
+          </a:prstGeom>
+        </p:spPr>
+      </p:pic>
+      <p:pic>
+        <p:nvPicPr>
+          <p:cNvPr id="12" name="그림 11">
+            <a:extLst>
+              <a:ext uri="{FF2B5EF4-FFF2-40B4-BE49-F238E27FC236}">
+                <a16:creationId xmlns:a16="http://schemas.microsoft.com/office/drawing/2014/main" id="{089A9F1A-3B38-4FA2-BC4F-0FB288307870}"/>
+              </a:ext>
+            </a:extLst>
+          </p:cNvPr>
+          <p:cNvPicPr>
+            <a:picLocks noChangeAspect="1"/>
+          </p:cNvPicPr>
+          <p:nvPr/>
+        </p:nvPicPr>
+        <p:blipFill>
+          <a:blip r:embed="rId6"/>
+          <a:stretch>
+            <a:fillRect/>
+          </a:stretch>
+        </p:blipFill>
+        <p:spPr>
+          <a:xfrm>
+            <a:off x="705951" y="1278601"/>
+            <a:ext cx="2352675" cy="1638300"/>
+          </a:xfrm>
+          <a:prstGeom prst="rect">
+            <a:avLst/>
+          </a:prstGeom>
+        </p:spPr>
+      </p:pic>
+      <p:pic>
+        <p:nvPicPr>
+          <p:cNvPr id="14" name="그림 13">
+            <a:extLst>
+              <a:ext uri="{FF2B5EF4-FFF2-40B4-BE49-F238E27FC236}">
+                <a16:creationId xmlns:a16="http://schemas.microsoft.com/office/drawing/2014/main" id="{FBDC389A-7883-4351-8E9F-6741BA02F688}"/>
+              </a:ext>
+            </a:extLst>
+          </p:cNvPr>
+          <p:cNvPicPr>
+            <a:picLocks noChangeAspect="1"/>
+          </p:cNvPicPr>
+          <p:nvPr/>
+        </p:nvPicPr>
+        <p:blipFill>
+          <a:blip r:embed="rId7"/>
+          <a:stretch>
+            <a:fillRect/>
+          </a:stretch>
+        </p:blipFill>
+        <p:spPr>
+          <a:xfrm>
+            <a:off x="3116721" y="1258077"/>
+            <a:ext cx="1678679" cy="2170923"/>
+          </a:xfrm>
+          <a:prstGeom prst="rect">
+            <a:avLst/>
+          </a:prstGeom>
+        </p:spPr>
+      </p:pic>
+      <p:graphicFrame>
+        <p:nvGraphicFramePr>
+          <p:cNvPr id="19" name="표 18">
+            <a:extLst>
+              <a:ext uri="{FF2B5EF4-FFF2-40B4-BE49-F238E27FC236}">
+                <a16:creationId xmlns:a16="http://schemas.microsoft.com/office/drawing/2014/main" id="{21C2515C-A93C-4AFE-9CAE-46DDA5DDD64C}"/>
+              </a:ext>
+            </a:extLst>
+          </p:cNvPr>
+          <p:cNvGraphicFramePr>
+            <a:graphicFrameLocks noGrp="1"/>
+          </p:cNvGraphicFramePr>
+          <p:nvPr>
+            <p:extLst>
+              <p:ext uri="{D42A27DB-BD31-4B8C-83A1-F6EECF244321}">
+                <p14:modId xmlns:p14="http://schemas.microsoft.com/office/powerpoint/2010/main" val="4241778897"/>
+              </p:ext>
+            </p:extLst>
+          </p:nvPr>
+        </p:nvGraphicFramePr>
+        <p:xfrm>
+          <a:off x="5150840" y="1100722"/>
+          <a:ext cx="6692368" cy="4175760"/>
+        </p:xfrm>
+        <a:graphic>
+          <a:graphicData uri="http://schemas.openxmlformats.org/drawingml/2006/table">
+            <a:tbl>
+              <a:tblPr firstRow="1" bandRow="1">
+                <a:tableStyleId>{7DF18680-E054-41AD-8BC1-D1AEF772440D}</a:tableStyleId>
+              </a:tblPr>
+              <a:tblGrid>
+                <a:gridCol w="521776">
+                  <a:extLst>
+                    <a:ext uri="{9D8B030D-6E8A-4147-A177-3AD203B41FA5}">
+                      <a16:colId xmlns:a16="http://schemas.microsoft.com/office/drawing/2014/main" val="3603751452"/>
+                    </a:ext>
+                  </a:extLst>
+                </a:gridCol>
+                <a:gridCol w="1326998">
+                  <a:extLst>
+                    <a:ext uri="{9D8B030D-6E8A-4147-A177-3AD203B41FA5}">
+                      <a16:colId xmlns:a16="http://schemas.microsoft.com/office/drawing/2014/main" val="2609718321"/>
+                    </a:ext>
+                  </a:extLst>
+                </a:gridCol>
+                <a:gridCol w="3070915">
+                  <a:extLst>
+                    <a:ext uri="{9D8B030D-6E8A-4147-A177-3AD203B41FA5}">
+                      <a16:colId xmlns:a16="http://schemas.microsoft.com/office/drawing/2014/main" val="1667504126"/>
+                    </a:ext>
+                  </a:extLst>
+                </a:gridCol>
+                <a:gridCol w="1772679">
+                  <a:extLst>
+                    <a:ext uri="{9D8B030D-6E8A-4147-A177-3AD203B41FA5}">
+                      <a16:colId xmlns:a16="http://schemas.microsoft.com/office/drawing/2014/main" val="1806240342"/>
+                    </a:ext>
+                  </a:extLst>
+                </a:gridCol>
+              </a:tblGrid>
+              <a:tr h="137908">
+                <a:tc>
+                  <a:txBody>
+                    <a:bodyPr/>
+                    <a:lstStyle/>
+                    <a:p>
+                      <a:pPr algn="ctr" latinLnBrk="1"/>
+                      <a:r>
+                        <a:rPr lang="ko-KR" altLang="en-US" sz="1050" dirty="0"/>
+                        <a:t>번호</a:t>
+                      </a:r>
+                    </a:p>
+                  </a:txBody>
+                  <a:tcPr anchor="ctr"/>
+                </a:tc>
+                <a:tc>
+                  <a:txBody>
+                    <a:bodyPr/>
+                    <a:lstStyle/>
+                    <a:p>
+                      <a:pPr algn="ctr" latinLnBrk="1"/>
+                      <a:r>
+                        <a:rPr lang="ko-KR" altLang="en-US" sz="1200" dirty="0"/>
+                        <a:t>이름</a:t>
+                      </a:r>
+                    </a:p>
+                  </a:txBody>
+                  <a:tcPr anchor="ctr"/>
+                </a:tc>
+                <a:tc>
+                  <a:txBody>
+                    <a:bodyPr/>
+                    <a:lstStyle/>
+                    <a:p>
+                      <a:pPr marL="0" marR="0" lvl="0" indent="0" algn="ctr" defTabSz="914400" rtl="0" eaLnBrk="1" fontAlgn="auto" latinLnBrk="1" hangingPunct="1">
+                        <a:lnSpc>
+                          <a:spcPct val="100000"/>
+                        </a:lnSpc>
+                        <a:spcBef>
+                          <a:spcPts val="0"/>
+                        </a:spcBef>
+                        <a:spcAft>
+                          <a:spcPts val="0"/>
+                        </a:spcAft>
+                        <a:buClrTx/>
+                        <a:buSzTx/>
+                        <a:buFontTx/>
+                        <a:buNone/>
+                        <a:tabLst/>
+                        <a:defRPr/>
+                      </a:pPr>
+                      <a:r>
+                        <a:rPr lang="ko-KR" altLang="en-US" sz="1200" dirty="0"/>
+                        <a:t>설명</a:t>
+                      </a:r>
+                    </a:p>
+                  </a:txBody>
+                  <a:tcPr anchor="ctr"/>
+                </a:tc>
+                <a:tc>
+                  <a:txBody>
+                    <a:bodyPr/>
+                    <a:lstStyle/>
+                    <a:p>
+                      <a:pPr algn="ctr" latinLnBrk="1"/>
+                      <a:r>
+                        <a:rPr lang="ko-KR" altLang="en-US" sz="1200" dirty="0"/>
+                        <a:t>비고</a:t>
+                      </a:r>
+                    </a:p>
+                  </a:txBody>
+                  <a:tcPr anchor="ctr"/>
+                </a:tc>
+                <a:extLst>
+                  <a:ext uri="{0D108BD9-81ED-4DB2-BD59-A6C34878D82A}">
+                    <a16:rowId xmlns:a16="http://schemas.microsoft.com/office/drawing/2014/main" val="1030043679"/>
+                  </a:ext>
+                </a:extLst>
+              </a:tr>
+              <a:tr h="122585">
+                <a:tc>
+                  <a:txBody>
+                    <a:bodyPr/>
+                    <a:lstStyle/>
+                    <a:p>
+                      <a:pPr algn="ctr" latinLnBrk="1"/>
+                      <a:r>
+                        <a:rPr lang="en-US" altLang="ko-KR" sz="1000" dirty="0"/>
+                        <a:t>1</a:t>
+                      </a:r>
+                      <a:endParaRPr lang="ko-KR" altLang="en-US" sz="1000" dirty="0"/>
+                    </a:p>
+                  </a:txBody>
+                  <a:tcPr anchor="ctr"/>
+                </a:tc>
+                <a:tc>
+                  <a:txBody>
+                    <a:bodyPr/>
+                    <a:lstStyle/>
+                    <a:p>
+                      <a:pPr algn="l" latinLnBrk="1"/>
+                      <a:r>
+                        <a:rPr lang="ko-KR" altLang="en-US" sz="1000" dirty="0"/>
+                        <a:t>랭킹 표시 영역</a:t>
+                      </a:r>
+                    </a:p>
+                  </a:txBody>
+                  <a:tcPr anchor="ctr"/>
+                </a:tc>
+                <a:tc>
+                  <a:txBody>
+                    <a:bodyPr/>
+                    <a:lstStyle/>
+                    <a:p>
+                      <a:pPr algn="l" latinLnBrk="1"/>
+                      <a:r>
+                        <a:rPr lang="ko-KR" altLang="en-US" sz="1000" dirty="0"/>
+                        <a:t>랭킹 </a:t>
+                      </a:r>
+                      <a:r>
+                        <a:rPr lang="en-US" altLang="ko-KR" sz="1000" dirty="0"/>
+                        <a:t>UI</a:t>
+                      </a:r>
+                      <a:r>
+                        <a:rPr lang="ko-KR" altLang="en-US" sz="1000" dirty="0"/>
+                        <a:t>가 표시되는 영역이다</a:t>
+                      </a:r>
+                      <a:r>
+                        <a:rPr lang="en-US" altLang="ko-KR" sz="1000" dirty="0"/>
+                        <a:t>.</a:t>
+                      </a:r>
+                    </a:p>
+                  </a:txBody>
+                  <a:tcPr anchor="ctr"/>
+                </a:tc>
+                <a:tc>
+                  <a:txBody>
+                    <a:bodyPr/>
+                    <a:lstStyle/>
+                    <a:p>
+                      <a:pPr algn="l" latinLnBrk="1"/>
+                      <a:endParaRPr lang="ko-KR" altLang="en-US" sz="1000" dirty="0"/>
+                    </a:p>
+                  </a:txBody>
+                  <a:tcPr anchor="ctr"/>
+                </a:tc>
+                <a:extLst>
+                  <a:ext uri="{0D108BD9-81ED-4DB2-BD59-A6C34878D82A}">
+                    <a16:rowId xmlns:a16="http://schemas.microsoft.com/office/drawing/2014/main" val="1571209726"/>
+                  </a:ext>
+                </a:extLst>
+              </a:tr>
+              <a:tr h="199200">
+                <a:tc>
+                  <a:txBody>
+                    <a:bodyPr/>
+                    <a:lstStyle/>
+                    <a:p>
+                      <a:pPr algn="ctr" latinLnBrk="1"/>
+                      <a:r>
+                        <a:rPr lang="en-US" altLang="ko-KR" sz="1000" dirty="0"/>
+                        <a:t>2</a:t>
+                      </a:r>
+                      <a:endParaRPr lang="ko-KR" altLang="en-US" sz="1000" dirty="0"/>
+                    </a:p>
+                  </a:txBody>
+                  <a:tcPr anchor="ctr"/>
+                </a:tc>
+                <a:tc>
+                  <a:txBody>
+                    <a:bodyPr/>
+                    <a:lstStyle/>
+                    <a:p>
+                      <a:pPr algn="l" latinLnBrk="1"/>
+                      <a:r>
+                        <a:rPr lang="ko-KR" altLang="en-US" sz="1000" dirty="0"/>
+                        <a:t>랭킹 구분 표시</a:t>
+                      </a:r>
+                    </a:p>
+                  </a:txBody>
+                  <a:tcPr anchor="ctr"/>
+                </a:tc>
+                <a:tc>
+                  <a:txBody>
+                    <a:bodyPr/>
+                    <a:lstStyle/>
+                    <a:p>
+                      <a:pPr algn="l" latinLnBrk="1"/>
+                      <a:r>
+                        <a:rPr lang="ko-KR" altLang="en-US" sz="1000" dirty="0"/>
+                        <a:t>랭킹 </a:t>
+                      </a:r>
+                      <a:r>
+                        <a:rPr lang="en-US" altLang="ko-KR" sz="1000" dirty="0"/>
+                        <a:t>UI</a:t>
+                      </a:r>
+                      <a:r>
+                        <a:rPr lang="ko-KR" altLang="en-US" sz="1000" dirty="0"/>
+                        <a:t>의 상단 영역에 </a:t>
+                      </a:r>
+                      <a:r>
+                        <a:rPr lang="en-US" altLang="ko-KR" sz="1000" dirty="0"/>
+                        <a:t>‘</a:t>
+                      </a:r>
+                      <a:r>
+                        <a:rPr lang="ko-KR" altLang="en-US" sz="1000" dirty="0"/>
+                        <a:t>순위</a:t>
+                      </a:r>
+                      <a:r>
+                        <a:rPr lang="en-US" altLang="ko-KR" sz="1000" dirty="0"/>
+                        <a:t>, </a:t>
+                      </a:r>
+                      <a:r>
+                        <a:rPr lang="ko-KR" altLang="en-US" sz="1000" dirty="0"/>
+                        <a:t>포인트</a:t>
+                      </a:r>
+                      <a:r>
+                        <a:rPr lang="en-US" altLang="ko-KR" sz="1000" dirty="0"/>
+                        <a:t>(</a:t>
+                      </a:r>
+                      <a:r>
+                        <a:rPr lang="ko-KR" altLang="en-US" sz="1000" dirty="0"/>
+                        <a:t>점수</a:t>
+                      </a:r>
+                      <a:r>
+                        <a:rPr lang="en-US" altLang="ko-KR" sz="1000" dirty="0"/>
+                        <a:t>)’</a:t>
+                      </a:r>
+                      <a:r>
+                        <a:rPr lang="ko-KR" altLang="en-US" sz="1000" dirty="0"/>
+                        <a:t>가 표시된다</a:t>
+                      </a:r>
+                      <a:r>
+                        <a:rPr lang="en-US" altLang="ko-KR" sz="1000" dirty="0"/>
+                        <a:t>.</a:t>
+                      </a:r>
+                      <a:endParaRPr lang="ko-KR" altLang="en-US" sz="1000" dirty="0"/>
+                    </a:p>
+                  </a:txBody>
+                  <a:tcPr anchor="ctr"/>
+                </a:tc>
+                <a:tc>
+                  <a:txBody>
+                    <a:bodyPr/>
+                    <a:lstStyle/>
+                    <a:p>
+                      <a:pPr algn="l" latinLnBrk="1"/>
+                      <a:endParaRPr lang="ko-KR" altLang="en-US" sz="1000" dirty="0"/>
+                    </a:p>
+                  </a:txBody>
+                  <a:tcPr anchor="ctr"/>
+                </a:tc>
+                <a:extLst>
+                  <a:ext uri="{0D108BD9-81ED-4DB2-BD59-A6C34878D82A}">
+                    <a16:rowId xmlns:a16="http://schemas.microsoft.com/office/drawing/2014/main" val="1127776374"/>
+                  </a:ext>
+                </a:extLst>
+              </a:tr>
+              <a:tr h="121920">
+                <a:tc>
+                  <a:txBody>
+                    <a:bodyPr/>
+                    <a:lstStyle/>
+                    <a:p>
+                      <a:pPr algn="ctr" latinLnBrk="1"/>
+                      <a:r>
+                        <a:rPr lang="en-US" altLang="ko-KR" sz="1000" dirty="0"/>
+                        <a:t>3</a:t>
+                      </a:r>
+                      <a:endParaRPr lang="ko-KR" altLang="en-US" sz="1000" dirty="0"/>
+                    </a:p>
+                  </a:txBody>
+                  <a:tcPr anchor="ctr"/>
+                </a:tc>
+                <a:tc>
+                  <a:txBody>
+                    <a:bodyPr/>
+                    <a:lstStyle/>
+                    <a:p>
+                      <a:pPr algn="l" latinLnBrk="1"/>
+                      <a:r>
+                        <a:rPr lang="ko-KR" altLang="en-US" sz="1000" dirty="0"/>
+                        <a:t>순위 표시 영역</a:t>
+                      </a:r>
+                    </a:p>
+                  </a:txBody>
+                  <a:tcPr anchor="ctr"/>
+                </a:tc>
+                <a:tc>
+                  <a:txBody>
+                    <a:bodyPr/>
+                    <a:lstStyle/>
+                    <a:p>
+                      <a:pPr marL="0" marR="0" lvl="0" indent="0" algn="l" defTabSz="914400" rtl="0" eaLnBrk="1" fontAlgn="auto" latinLnBrk="1" hangingPunct="1">
+                        <a:lnSpc>
+                          <a:spcPct val="100000"/>
+                        </a:lnSpc>
+                        <a:spcBef>
+                          <a:spcPts val="0"/>
+                        </a:spcBef>
+                        <a:spcAft>
+                          <a:spcPts val="0"/>
+                        </a:spcAft>
+                        <a:buClrTx/>
+                        <a:buSzTx/>
+                        <a:buFontTx/>
+                        <a:buNone/>
+                        <a:tabLst/>
+                        <a:defRPr/>
+                      </a:pPr>
+                      <a:r>
+                        <a:rPr lang="ko-KR" altLang="en-US" sz="1000" dirty="0"/>
+                        <a:t>미니게임에 참여한 사용자들의 순위를 </a:t>
+                      </a:r>
+                      <a:r>
+                        <a:rPr lang="en-US" altLang="ko-KR" sz="1000" dirty="0"/>
+                        <a:t>1</a:t>
+                      </a:r>
+                      <a:r>
+                        <a:rPr lang="ko-KR" altLang="en-US" sz="1000" dirty="0"/>
+                        <a:t>위에서 </a:t>
+                      </a:r>
+                      <a:r>
+                        <a:rPr lang="en-US" altLang="ko-KR" sz="1000" dirty="0"/>
+                        <a:t>5</a:t>
+                      </a:r>
+                      <a:r>
+                        <a:rPr lang="ko-KR" altLang="en-US" sz="1000" dirty="0"/>
+                        <a:t>위까지 보여준다</a:t>
+                      </a:r>
+                      <a:r>
+                        <a:rPr lang="en-US" altLang="ko-KR" sz="1000" dirty="0"/>
+                        <a:t>.</a:t>
+                      </a:r>
+                    </a:p>
+                    <a:p>
+                      <a:pPr marL="0" marR="0" lvl="0" indent="0" algn="l" defTabSz="914400" rtl="0" eaLnBrk="1" fontAlgn="auto" latinLnBrk="1" hangingPunct="1">
+                        <a:lnSpc>
+                          <a:spcPct val="100000"/>
+                        </a:lnSpc>
+                        <a:spcBef>
+                          <a:spcPts val="0"/>
+                        </a:spcBef>
+                        <a:spcAft>
+                          <a:spcPts val="0"/>
+                        </a:spcAft>
+                        <a:buClrTx/>
+                        <a:buSzTx/>
+                        <a:buFontTx/>
+                        <a:buNone/>
+                        <a:tabLst/>
+                        <a:defRPr/>
+                      </a:pPr>
+                      <a:r>
+                        <a:rPr lang="ko-KR" altLang="en-US" sz="1000" dirty="0"/>
+                        <a:t>상하 스크롤이 되는 것을 보여주기 위하여 </a:t>
+                      </a:r>
+                    </a:p>
+                  </a:txBody>
+                  <a:tcPr anchor="ctr"/>
+                </a:tc>
+                <a:tc>
+                  <a:txBody>
+                    <a:bodyPr/>
+                    <a:lstStyle/>
+                    <a:p>
+                      <a:pPr algn="l" latinLnBrk="1"/>
+                      <a:endParaRPr lang="ko-KR" altLang="en-US" sz="1000" dirty="0"/>
+                    </a:p>
+                  </a:txBody>
+                  <a:tcPr anchor="ctr"/>
+                </a:tc>
+                <a:extLst>
+                  <a:ext uri="{0D108BD9-81ED-4DB2-BD59-A6C34878D82A}">
+                    <a16:rowId xmlns:a16="http://schemas.microsoft.com/office/drawing/2014/main" val="1444894945"/>
+                  </a:ext>
+                </a:extLst>
+              </a:tr>
+              <a:tr h="121920">
+                <a:tc>
+                  <a:txBody>
+                    <a:bodyPr/>
+                    <a:lstStyle/>
+                    <a:p>
+                      <a:pPr algn="ctr" latinLnBrk="1"/>
+                      <a:r>
+                        <a:rPr lang="en-US" altLang="ko-KR" sz="1000" dirty="0"/>
+                        <a:t>4</a:t>
+                      </a:r>
+                      <a:endParaRPr lang="ko-KR" altLang="en-US" sz="1000" dirty="0"/>
+                    </a:p>
+                  </a:txBody>
+                  <a:tcPr anchor="ctr"/>
+                </a:tc>
+                <a:tc>
+                  <a:txBody>
+                    <a:bodyPr/>
+                    <a:lstStyle/>
+                    <a:p>
+                      <a:pPr marL="0" marR="0" lvl="0" indent="0" algn="l" defTabSz="914400" rtl="0" eaLnBrk="1" fontAlgn="auto" latinLnBrk="1" hangingPunct="1">
+                        <a:lnSpc>
+                          <a:spcPct val="100000"/>
+                        </a:lnSpc>
+                        <a:spcBef>
+                          <a:spcPts val="0"/>
+                        </a:spcBef>
+                        <a:spcAft>
+                          <a:spcPts val="0"/>
+                        </a:spcAft>
+                        <a:buClrTx/>
+                        <a:buSzTx/>
+                        <a:buFontTx/>
+                        <a:buNone/>
+                        <a:tabLst/>
+                        <a:defRPr/>
+                      </a:pPr>
+                      <a:r>
+                        <a:rPr lang="ko-KR" altLang="en-US" sz="1000" dirty="0"/>
+                        <a:t>랭킹 템플릿</a:t>
+                      </a:r>
+                    </a:p>
+                  </a:txBody>
+                  <a:tcPr anchor="ctr"/>
+                </a:tc>
+                <a:tc>
+                  <a:txBody>
+                    <a:bodyPr/>
+                    <a:lstStyle/>
+                    <a:p>
+                      <a:pPr marL="0" marR="0" lvl="0" indent="0" algn="l" defTabSz="914400" rtl="0" eaLnBrk="1" fontAlgn="auto" latinLnBrk="1" hangingPunct="1">
+                        <a:lnSpc>
+                          <a:spcPct val="100000"/>
+                        </a:lnSpc>
+                        <a:spcBef>
+                          <a:spcPts val="0"/>
+                        </a:spcBef>
+                        <a:spcAft>
+                          <a:spcPts val="0"/>
+                        </a:spcAft>
+                        <a:buClrTx/>
+                        <a:buSzTx/>
+                        <a:buFontTx/>
+                        <a:buNone/>
+                        <a:tabLst/>
+                        <a:defRPr/>
+                      </a:pPr>
+                      <a:r>
+                        <a:rPr lang="ko-KR" altLang="en-US" sz="1000" dirty="0"/>
+                        <a:t>순위 표시 영역에 테이블 뷰</a:t>
+                      </a:r>
+                      <a:r>
+                        <a:rPr lang="en-US" altLang="ko-KR" sz="1000" dirty="0"/>
+                        <a:t>(Table View)</a:t>
+                      </a:r>
+                      <a:r>
+                        <a:rPr lang="ko-KR" altLang="en-US" sz="1000" dirty="0"/>
+                        <a:t> 형식으로 노출되는 템플릿을 말한다</a:t>
+                      </a:r>
+                      <a:r>
+                        <a:rPr lang="en-US" altLang="ko-KR" sz="1000" dirty="0"/>
+                        <a:t>. </a:t>
+                      </a:r>
+                      <a:r>
+                        <a:rPr lang="ko-KR" altLang="en-US" sz="1000" dirty="0"/>
+                        <a:t>테이블 </a:t>
+                      </a:r>
+                      <a:r>
+                        <a:rPr lang="ko-KR" altLang="en-US" sz="1000" dirty="0" err="1"/>
+                        <a:t>뷰란</a:t>
+                      </a:r>
+                      <a:r>
+                        <a:rPr lang="ko-KR" altLang="en-US" sz="1000" dirty="0"/>
+                        <a:t> 좌측의 예시처럼 순위가 표시되는 영역에 리스트업 형식으로 </a:t>
+                      </a:r>
+                      <a:r>
+                        <a:rPr lang="ko-KR" altLang="en-US" sz="1000" dirty="0" err="1"/>
+                        <a:t>목록화하여</a:t>
+                      </a:r>
+                      <a:r>
+                        <a:rPr lang="ko-KR" altLang="en-US" sz="1000" dirty="0"/>
+                        <a:t> 보여주는 것을 말한다</a:t>
+                      </a:r>
+                      <a:r>
+                        <a:rPr lang="en-US" altLang="ko-KR" sz="1000" dirty="0"/>
+                        <a:t>.</a:t>
+                      </a:r>
+                    </a:p>
+                    <a:p>
+                      <a:pPr marL="0" marR="0" lvl="0" indent="0" algn="l" defTabSz="914400" rtl="0" eaLnBrk="1" fontAlgn="auto" latinLnBrk="1" hangingPunct="1">
+                        <a:lnSpc>
+                          <a:spcPct val="100000"/>
+                        </a:lnSpc>
+                        <a:spcBef>
+                          <a:spcPts val="0"/>
+                        </a:spcBef>
+                        <a:spcAft>
+                          <a:spcPts val="0"/>
+                        </a:spcAft>
+                        <a:buClrTx/>
+                        <a:buSzTx/>
+                        <a:buFontTx/>
+                        <a:buNone/>
+                        <a:tabLst/>
+                        <a:defRPr/>
+                      </a:pPr>
+                      <a:endParaRPr lang="en-US" altLang="ko-KR" sz="1000" dirty="0"/>
+                    </a:p>
+                    <a:p>
+                      <a:pPr marL="0" marR="0" lvl="0" indent="0" algn="l" defTabSz="914400" rtl="0" eaLnBrk="1" fontAlgn="auto" latinLnBrk="1" hangingPunct="1">
+                        <a:lnSpc>
+                          <a:spcPct val="100000"/>
+                        </a:lnSpc>
+                        <a:spcBef>
+                          <a:spcPts val="0"/>
+                        </a:spcBef>
+                        <a:spcAft>
+                          <a:spcPts val="0"/>
+                        </a:spcAft>
+                        <a:buClrTx/>
+                        <a:buSzTx/>
+                        <a:buFontTx/>
+                        <a:buNone/>
+                        <a:tabLst/>
+                        <a:defRPr/>
+                      </a:pPr>
+                      <a:r>
+                        <a:rPr lang="ko-KR" altLang="en-US" sz="1000" dirty="0"/>
+                        <a:t>랭킹 템플릿에는 순위</a:t>
+                      </a:r>
+                    </a:p>
+                  </a:txBody>
+                  <a:tcPr anchor="ctr"/>
+                </a:tc>
+                <a:tc>
+                  <a:txBody>
+                    <a:bodyPr/>
+                    <a:lstStyle/>
+                    <a:p>
+                      <a:pPr algn="l" latinLnBrk="1"/>
+                      <a:endParaRPr lang="ko-KR" altLang="en-US" sz="1000" dirty="0"/>
+                    </a:p>
+                  </a:txBody>
+                  <a:tcPr anchor="ctr"/>
+                </a:tc>
+                <a:extLst>
+                  <a:ext uri="{0D108BD9-81ED-4DB2-BD59-A6C34878D82A}">
+                    <a16:rowId xmlns:a16="http://schemas.microsoft.com/office/drawing/2014/main" val="1592761626"/>
+                  </a:ext>
+                </a:extLst>
+              </a:tr>
+              <a:tr h="121920">
+                <a:tc>
+                  <a:txBody>
+                    <a:bodyPr/>
+                    <a:lstStyle/>
+                    <a:p>
+                      <a:pPr algn="ctr" latinLnBrk="1"/>
+                      <a:endParaRPr lang="ko-KR" altLang="en-US" sz="1000" dirty="0"/>
+                    </a:p>
+                  </a:txBody>
+                  <a:tcPr anchor="ctr"/>
+                </a:tc>
+                <a:tc>
+                  <a:txBody>
+                    <a:bodyPr/>
+                    <a:lstStyle/>
+                    <a:p>
+                      <a:pPr algn="l" latinLnBrk="1"/>
+                      <a:endParaRPr lang="ko-KR" altLang="en-US" sz="1000" dirty="0"/>
+                    </a:p>
+                  </a:txBody>
+                  <a:tcPr anchor="ctr"/>
+                </a:tc>
+                <a:tc>
+                  <a:txBody>
+                    <a:bodyPr/>
+                    <a:lstStyle/>
+                    <a:p>
+                      <a:pPr marL="0" marR="0" lvl="0" indent="0" algn="l" defTabSz="914400" rtl="0" eaLnBrk="1" fontAlgn="auto" latinLnBrk="1" hangingPunct="1">
+                        <a:lnSpc>
+                          <a:spcPct val="100000"/>
+                        </a:lnSpc>
+                        <a:spcBef>
+                          <a:spcPts val="0"/>
+                        </a:spcBef>
+                        <a:spcAft>
+                          <a:spcPts val="0"/>
+                        </a:spcAft>
+                        <a:buClrTx/>
+                        <a:buSzTx/>
+                        <a:buFontTx/>
+                        <a:buNone/>
+                        <a:tabLst/>
+                        <a:defRPr/>
+                      </a:pPr>
+                      <a:endParaRPr lang="ko-KR" altLang="en-US" sz="1000" dirty="0"/>
+                    </a:p>
+                  </a:txBody>
+                  <a:tcPr anchor="ctr"/>
+                </a:tc>
+                <a:tc>
+                  <a:txBody>
+                    <a:bodyPr/>
+                    <a:lstStyle/>
+                    <a:p>
+                      <a:pPr algn="l" latinLnBrk="1"/>
+                      <a:endParaRPr lang="ko-KR" altLang="en-US" sz="1000" dirty="0"/>
+                    </a:p>
+                  </a:txBody>
+                  <a:tcPr anchor="ctr"/>
+                </a:tc>
+                <a:extLst>
+                  <a:ext uri="{0D108BD9-81ED-4DB2-BD59-A6C34878D82A}">
+                    <a16:rowId xmlns:a16="http://schemas.microsoft.com/office/drawing/2014/main" val="1106619967"/>
+                  </a:ext>
+                </a:extLst>
+              </a:tr>
+              <a:tr h="182880">
+                <a:tc>
+                  <a:txBody>
+                    <a:bodyPr/>
+                    <a:lstStyle/>
+                    <a:p>
+                      <a:pPr algn="ctr" latinLnBrk="1"/>
+                      <a:endParaRPr lang="ko-KR" altLang="en-US" sz="1000" dirty="0"/>
+                    </a:p>
+                  </a:txBody>
+                  <a:tcPr anchor="ctr"/>
+                </a:tc>
+                <a:tc>
+                  <a:txBody>
+                    <a:bodyPr/>
+                    <a:lstStyle/>
+                    <a:p>
+                      <a:pPr algn="l" latinLnBrk="1"/>
+                      <a:endParaRPr lang="en-US" altLang="ko-KR" sz="1000" dirty="0"/>
+                    </a:p>
+                  </a:txBody>
+                  <a:tcPr anchor="ctr"/>
+                </a:tc>
+                <a:tc>
+                  <a:txBody>
+                    <a:bodyPr/>
+                    <a:lstStyle/>
+                    <a:p>
+                      <a:pPr marL="0" marR="0" lvl="0" indent="0" algn="l" defTabSz="914400" rtl="0" eaLnBrk="1" fontAlgn="auto" latinLnBrk="1" hangingPunct="1">
+                        <a:lnSpc>
+                          <a:spcPct val="100000"/>
+                        </a:lnSpc>
+                        <a:spcBef>
+                          <a:spcPts val="0"/>
+                        </a:spcBef>
+                        <a:spcAft>
+                          <a:spcPts val="0"/>
+                        </a:spcAft>
+                        <a:buClrTx/>
+                        <a:buSzTx/>
+                        <a:buFontTx/>
+                        <a:buNone/>
+                        <a:tabLst/>
+                        <a:defRPr/>
+                      </a:pPr>
+                      <a:endParaRPr lang="ko-KR" altLang="en-US" sz="1000" dirty="0"/>
+                    </a:p>
+                  </a:txBody>
+                  <a:tcPr anchor="ctr"/>
+                </a:tc>
+                <a:tc>
+                  <a:txBody>
+                    <a:bodyPr/>
+                    <a:lstStyle/>
+                    <a:p>
+                      <a:pPr marL="0" marR="0" lvl="0" indent="0" algn="l" defTabSz="914400" rtl="0" eaLnBrk="1" fontAlgn="auto" latinLnBrk="1" hangingPunct="1">
+                        <a:lnSpc>
+                          <a:spcPct val="100000"/>
+                        </a:lnSpc>
+                        <a:spcBef>
+                          <a:spcPts val="0"/>
+                        </a:spcBef>
+                        <a:spcAft>
+                          <a:spcPts val="0"/>
+                        </a:spcAft>
+                        <a:buClrTx/>
+                        <a:buSzTx/>
+                        <a:buFontTx/>
+                        <a:buNone/>
+                        <a:tabLst/>
+                        <a:defRPr/>
+                      </a:pPr>
+                      <a:endParaRPr lang="en-US" altLang="ko-KR" sz="1000" dirty="0"/>
+                    </a:p>
+                  </a:txBody>
+                  <a:tcPr anchor="ctr"/>
+                </a:tc>
+                <a:extLst>
+                  <a:ext uri="{0D108BD9-81ED-4DB2-BD59-A6C34878D82A}">
+                    <a16:rowId xmlns:a16="http://schemas.microsoft.com/office/drawing/2014/main" val="4091270473"/>
+                  </a:ext>
+                </a:extLst>
+              </a:tr>
+              <a:tr h="365760">
+                <a:tc>
+                  <a:txBody>
+                    <a:bodyPr/>
+                    <a:lstStyle/>
+                    <a:p>
+                      <a:pPr algn="ctr" latinLnBrk="1"/>
+                      <a:endParaRPr lang="ko-KR" altLang="en-US" sz="1000" dirty="0"/>
+                    </a:p>
+                  </a:txBody>
+                  <a:tcPr anchor="ctr"/>
+                </a:tc>
+                <a:tc>
+                  <a:txBody>
+                    <a:bodyPr/>
+                    <a:lstStyle/>
+                    <a:p>
+                      <a:pPr algn="l" latinLnBrk="1"/>
+                      <a:endParaRPr lang="en-US" altLang="ko-KR" sz="1000" dirty="0"/>
+                    </a:p>
+                  </a:txBody>
+                  <a:tcPr anchor="ctr"/>
+                </a:tc>
+                <a:tc>
+                  <a:txBody>
+                    <a:bodyPr/>
+                    <a:lstStyle/>
+                    <a:p>
+                      <a:pPr marL="0" marR="0" lvl="0" indent="0" algn="l" defTabSz="914400" rtl="0" eaLnBrk="1" fontAlgn="auto" latinLnBrk="1" hangingPunct="1">
+                        <a:lnSpc>
+                          <a:spcPct val="100000"/>
+                        </a:lnSpc>
+                        <a:spcBef>
+                          <a:spcPts val="0"/>
+                        </a:spcBef>
+                        <a:spcAft>
+                          <a:spcPts val="0"/>
+                        </a:spcAft>
+                        <a:buClrTx/>
+                        <a:buSzTx/>
+                        <a:buFontTx/>
+                        <a:buNone/>
+                        <a:tabLst/>
+                        <a:defRPr/>
+                      </a:pPr>
+                      <a:endParaRPr lang="ko-KR" altLang="en-US" sz="1000" dirty="0"/>
+                    </a:p>
+                  </a:txBody>
+                  <a:tcPr anchor="ctr"/>
+                </a:tc>
+                <a:tc>
+                  <a:txBody>
+                    <a:bodyPr/>
+                    <a:lstStyle/>
+                    <a:p>
+                      <a:pPr marL="0" marR="0" lvl="0" indent="0" algn="l" defTabSz="914400" rtl="0" eaLnBrk="1" fontAlgn="auto" latinLnBrk="1" hangingPunct="1">
+                        <a:lnSpc>
+                          <a:spcPct val="100000"/>
+                        </a:lnSpc>
+                        <a:spcBef>
+                          <a:spcPts val="0"/>
+                        </a:spcBef>
+                        <a:spcAft>
+                          <a:spcPts val="0"/>
+                        </a:spcAft>
+                        <a:buClrTx/>
+                        <a:buSzTx/>
+                        <a:buFontTx/>
+                        <a:buNone/>
+                        <a:tabLst/>
+                        <a:defRPr/>
+                      </a:pPr>
+                      <a:endParaRPr lang="en-US" altLang="ko-KR" sz="1000" dirty="0"/>
+                    </a:p>
+                  </a:txBody>
+                  <a:tcPr anchor="ctr"/>
+                </a:tc>
+                <a:extLst>
+                  <a:ext uri="{0D108BD9-81ED-4DB2-BD59-A6C34878D82A}">
+                    <a16:rowId xmlns:a16="http://schemas.microsoft.com/office/drawing/2014/main" val="2776667099"/>
+                  </a:ext>
+                </a:extLst>
+              </a:tr>
+              <a:tr h="182880">
+                <a:tc>
+                  <a:txBody>
+                    <a:bodyPr/>
+                    <a:lstStyle/>
+                    <a:p>
+                      <a:pPr algn="ctr" latinLnBrk="1"/>
+                      <a:endParaRPr lang="ko-KR" altLang="en-US" sz="1000" dirty="0"/>
+                    </a:p>
+                  </a:txBody>
+                  <a:tcPr anchor="ctr"/>
+                </a:tc>
+                <a:tc>
+                  <a:txBody>
+                    <a:bodyPr/>
+                    <a:lstStyle/>
+                    <a:p>
+                      <a:pPr algn="l" latinLnBrk="1"/>
+                      <a:endParaRPr lang="en-US" altLang="ko-KR" sz="1000" dirty="0"/>
+                    </a:p>
+                  </a:txBody>
+                  <a:tcPr anchor="ctr"/>
+                </a:tc>
+                <a:tc>
+                  <a:txBody>
+                    <a:bodyPr/>
+                    <a:lstStyle/>
+                    <a:p>
+                      <a:pPr marL="0" marR="0" lvl="0" indent="0" algn="l" defTabSz="914400" rtl="0" eaLnBrk="1" fontAlgn="auto" latinLnBrk="1" hangingPunct="1">
+                        <a:lnSpc>
+                          <a:spcPct val="100000"/>
+                        </a:lnSpc>
+                        <a:spcBef>
+                          <a:spcPts val="0"/>
+                        </a:spcBef>
+                        <a:spcAft>
+                          <a:spcPts val="0"/>
+                        </a:spcAft>
+                        <a:buClrTx/>
+                        <a:buSzTx/>
+                        <a:buFontTx/>
+                        <a:buNone/>
+                        <a:tabLst/>
+                        <a:defRPr/>
+                      </a:pPr>
+                      <a:endParaRPr lang="ko-KR" altLang="en-US" sz="1000" dirty="0"/>
+                    </a:p>
+                  </a:txBody>
+                  <a:tcPr anchor="ctr"/>
+                </a:tc>
+                <a:tc>
+                  <a:txBody>
+                    <a:bodyPr/>
+                    <a:lstStyle/>
+                    <a:p>
+                      <a:pPr marL="0" marR="0" lvl="0" indent="0" algn="l" defTabSz="914400" rtl="0" eaLnBrk="1" fontAlgn="auto" latinLnBrk="1" hangingPunct="1">
+                        <a:lnSpc>
+                          <a:spcPct val="100000"/>
+                        </a:lnSpc>
+                        <a:spcBef>
+                          <a:spcPts val="0"/>
+                        </a:spcBef>
+                        <a:spcAft>
+                          <a:spcPts val="0"/>
+                        </a:spcAft>
+                        <a:buClrTx/>
+                        <a:buSzTx/>
+                        <a:buFontTx/>
+                        <a:buNone/>
+                        <a:tabLst/>
+                        <a:defRPr/>
+                      </a:pPr>
+                      <a:endParaRPr lang="en-US" altLang="ko-KR" sz="1000" dirty="0"/>
+                    </a:p>
+                  </a:txBody>
+                  <a:tcPr anchor="ctr"/>
+                </a:tc>
+                <a:extLst>
+                  <a:ext uri="{0D108BD9-81ED-4DB2-BD59-A6C34878D82A}">
+                    <a16:rowId xmlns:a16="http://schemas.microsoft.com/office/drawing/2014/main" val="2670889160"/>
+                  </a:ext>
+                </a:extLst>
+              </a:tr>
+              <a:tr h="365760">
+                <a:tc>
+                  <a:txBody>
+                    <a:bodyPr/>
+                    <a:lstStyle/>
+                    <a:p>
+                      <a:pPr algn="ctr" latinLnBrk="1"/>
+                      <a:endParaRPr lang="ko-KR" altLang="en-US" sz="1000" dirty="0"/>
+                    </a:p>
+                  </a:txBody>
+                  <a:tcPr anchor="ctr"/>
+                </a:tc>
+                <a:tc>
+                  <a:txBody>
+                    <a:bodyPr/>
+                    <a:lstStyle/>
+                    <a:p>
+                      <a:pPr algn="l" latinLnBrk="1"/>
+                      <a:endParaRPr lang="en-US" altLang="ko-KR" sz="1000" dirty="0"/>
+                    </a:p>
+                  </a:txBody>
+                  <a:tcPr anchor="ctr"/>
+                </a:tc>
+                <a:tc>
+                  <a:txBody>
+                    <a:bodyPr/>
+                    <a:lstStyle/>
+                    <a:p>
+                      <a:pPr marL="0" marR="0" lvl="0" indent="0" algn="l" defTabSz="914400" rtl="0" eaLnBrk="1" fontAlgn="auto" latinLnBrk="1" hangingPunct="1">
+                        <a:lnSpc>
+                          <a:spcPct val="100000"/>
+                        </a:lnSpc>
+                        <a:spcBef>
+                          <a:spcPts val="0"/>
+                        </a:spcBef>
+                        <a:spcAft>
+                          <a:spcPts val="0"/>
+                        </a:spcAft>
+                        <a:buClrTx/>
+                        <a:buSzTx/>
+                        <a:buFontTx/>
+                        <a:buNone/>
+                        <a:tabLst/>
+                        <a:defRPr/>
+                      </a:pPr>
+                      <a:endParaRPr lang="ko-KR" altLang="en-US" sz="1000" dirty="0"/>
+                    </a:p>
+                  </a:txBody>
+                  <a:tcPr anchor="ctr"/>
+                </a:tc>
+                <a:tc>
+                  <a:txBody>
+                    <a:bodyPr/>
+                    <a:lstStyle/>
+                    <a:p>
+                      <a:pPr marL="0" marR="0" lvl="0" indent="0" algn="l" defTabSz="914400" rtl="0" eaLnBrk="1" fontAlgn="auto" latinLnBrk="1" hangingPunct="1">
+                        <a:lnSpc>
+                          <a:spcPct val="100000"/>
+                        </a:lnSpc>
+                        <a:spcBef>
+                          <a:spcPts val="0"/>
+                        </a:spcBef>
+                        <a:spcAft>
+                          <a:spcPts val="0"/>
+                        </a:spcAft>
+                        <a:buClrTx/>
+                        <a:buSzTx/>
+                        <a:buFontTx/>
+                        <a:buNone/>
+                        <a:tabLst/>
+                        <a:defRPr/>
+                      </a:pPr>
+                      <a:endParaRPr lang="en-US" altLang="ko-KR" sz="1000" dirty="0"/>
+                    </a:p>
+                  </a:txBody>
+                  <a:tcPr anchor="ctr"/>
+                </a:tc>
+                <a:extLst>
+                  <a:ext uri="{0D108BD9-81ED-4DB2-BD59-A6C34878D82A}">
+                    <a16:rowId xmlns:a16="http://schemas.microsoft.com/office/drawing/2014/main" val="3077181478"/>
+                  </a:ext>
+                </a:extLst>
+              </a:tr>
+              <a:tr h="182880">
+                <a:tc>
+                  <a:txBody>
+                    <a:bodyPr/>
+                    <a:lstStyle/>
+                    <a:p>
+                      <a:pPr algn="ctr" latinLnBrk="1"/>
+                      <a:endParaRPr lang="ko-KR" altLang="en-US" sz="1000" dirty="0"/>
+                    </a:p>
+                  </a:txBody>
+                  <a:tcPr anchor="ctr"/>
+                </a:tc>
+                <a:tc>
+                  <a:txBody>
+                    <a:bodyPr/>
+                    <a:lstStyle/>
+                    <a:p>
+                      <a:pPr algn="l" latinLnBrk="1"/>
+                      <a:endParaRPr lang="en-US" altLang="ko-KR" sz="1000" dirty="0"/>
+                    </a:p>
+                  </a:txBody>
+                  <a:tcPr anchor="ctr"/>
+                </a:tc>
+                <a:tc>
+                  <a:txBody>
+                    <a:bodyPr/>
+                    <a:lstStyle/>
+                    <a:p>
+                      <a:pPr marL="0" marR="0" lvl="0" indent="0" algn="l" defTabSz="914400" rtl="0" eaLnBrk="1" fontAlgn="auto" latinLnBrk="1" hangingPunct="1">
+                        <a:lnSpc>
+                          <a:spcPct val="100000"/>
+                        </a:lnSpc>
+                        <a:spcBef>
+                          <a:spcPts val="0"/>
+                        </a:spcBef>
+                        <a:spcAft>
+                          <a:spcPts val="0"/>
+                        </a:spcAft>
+                        <a:buClrTx/>
+                        <a:buSzTx/>
+                        <a:buFontTx/>
+                        <a:buNone/>
+                        <a:tabLst/>
+                        <a:defRPr/>
+                      </a:pPr>
+                      <a:endParaRPr lang="ko-KR" altLang="en-US" sz="1000" dirty="0"/>
+                    </a:p>
+                  </a:txBody>
+                  <a:tcPr anchor="ctr"/>
+                </a:tc>
+                <a:tc>
+                  <a:txBody>
+                    <a:bodyPr/>
+                    <a:lstStyle/>
+                    <a:p>
+                      <a:pPr marL="0" marR="0" lvl="0" indent="0" algn="l" defTabSz="914400" rtl="0" eaLnBrk="1" fontAlgn="auto" latinLnBrk="1" hangingPunct="1">
+                        <a:lnSpc>
+                          <a:spcPct val="100000"/>
+                        </a:lnSpc>
+                        <a:spcBef>
+                          <a:spcPts val="0"/>
+                        </a:spcBef>
+                        <a:spcAft>
+                          <a:spcPts val="0"/>
+                        </a:spcAft>
+                        <a:buClrTx/>
+                        <a:buSzTx/>
+                        <a:buFontTx/>
+                        <a:buNone/>
+                        <a:tabLst/>
+                        <a:defRPr/>
+                      </a:pPr>
+                      <a:endParaRPr lang="en-US" altLang="ko-KR" sz="1000" dirty="0"/>
+                    </a:p>
+                  </a:txBody>
+                  <a:tcPr anchor="ctr"/>
+                </a:tc>
+                <a:extLst>
+                  <a:ext uri="{0D108BD9-81ED-4DB2-BD59-A6C34878D82A}">
+                    <a16:rowId xmlns:a16="http://schemas.microsoft.com/office/drawing/2014/main" val="929894201"/>
+                  </a:ext>
+                </a:extLst>
+              </a:tr>
+            </a:tbl>
+          </a:graphicData>
+        </a:graphic>
+      </p:graphicFrame>
+      <p:sp>
+        <p:nvSpPr>
+          <p:cNvPr id="4" name="사각형: 둥근 모서리 3">
+            <a:extLst>
+              <a:ext uri="{FF2B5EF4-FFF2-40B4-BE49-F238E27FC236}">
+                <a16:creationId xmlns:a16="http://schemas.microsoft.com/office/drawing/2014/main" id="{B461EB2A-35F8-4981-87EE-300649418F70}"/>
+              </a:ext>
+            </a:extLst>
+          </p:cNvPr>
+          <p:cNvSpPr/>
+          <p:nvPr/>
+        </p:nvSpPr>
+        <p:spPr>
+          <a:xfrm>
+            <a:off x="666089" y="1277388"/>
+            <a:ext cx="2450632" cy="2129018"/>
+          </a:xfrm>
+          <a:prstGeom prst="roundRect">
+            <a:avLst>
+              <a:gd name="adj" fmla="val 7372"/>
+            </a:avLst>
+          </a:prstGeom>
+          <a:noFill/>
+          <a:ln>
+            <a:solidFill>
+              <a:srgbClr val="FF0000"/>
+            </a:solidFill>
+          </a:ln>
+        </p:spPr>
+        <p:style>
+          <a:lnRef idx="2">
+            <a:schemeClr val="accent1">
+              <a:shade val="50000"/>
+            </a:schemeClr>
+          </a:lnRef>
+          <a:fillRef idx="1">
+            <a:schemeClr val="accent1"/>
+          </a:fillRef>
+          <a:effectRef idx="0">
+            <a:schemeClr val="accent1"/>
+          </a:effectRef>
+          <a:fontRef idx="minor">
+            <a:schemeClr val="lt1"/>
+          </a:fontRef>
+        </p:style>
+        <p:txBody>
+          <a:bodyPr rtlCol="0" anchor="ctr"/>
+          <a:lstStyle/>
+          <a:p>
+            <a:pPr algn="ctr"/>
+            <a:endParaRPr lang="ko-KR" altLang="en-US"/>
+          </a:p>
+        </p:txBody>
+      </p:sp>
+      <p:sp>
+        <p:nvSpPr>
+          <p:cNvPr id="3" name="타원 2">
+            <a:extLst>
+              <a:ext uri="{FF2B5EF4-FFF2-40B4-BE49-F238E27FC236}">
+                <a16:creationId xmlns:a16="http://schemas.microsoft.com/office/drawing/2014/main" id="{5D59D286-5964-47F8-81A9-ABCCE85F57AE}"/>
+              </a:ext>
+            </a:extLst>
+          </p:cNvPr>
+          <p:cNvSpPr/>
+          <p:nvPr/>
+        </p:nvSpPr>
+        <p:spPr>
+          <a:xfrm>
+            <a:off x="573721" y="1145722"/>
+            <a:ext cx="206366" cy="231717"/>
+          </a:xfrm>
+          <a:prstGeom prst="ellipse">
+            <a:avLst/>
+          </a:prstGeom>
+        </p:spPr>
+        <p:style>
+          <a:lnRef idx="2">
+            <a:schemeClr val="accent4">
+              <a:shade val="50000"/>
+            </a:schemeClr>
+          </a:lnRef>
+          <a:fillRef idx="1">
+            <a:schemeClr val="accent4"/>
+          </a:fillRef>
+          <a:effectRef idx="0">
+            <a:schemeClr val="accent4"/>
+          </a:effectRef>
+          <a:fontRef idx="minor">
+            <a:schemeClr val="lt1"/>
+          </a:fontRef>
+        </p:style>
+        <p:txBody>
+          <a:bodyPr rtlCol="0" anchor="ctr"/>
+          <a:lstStyle/>
+          <a:p>
+            <a:pPr algn="ctr"/>
+            <a:r>
+              <a:rPr lang="en-US" altLang="ko-KR" dirty="0"/>
+              <a:t>1</a:t>
+            </a:r>
+            <a:endParaRPr lang="ko-KR" altLang="en-US" dirty="0"/>
+          </a:p>
+        </p:txBody>
+      </p:sp>
+      <p:sp>
+        <p:nvSpPr>
+          <p:cNvPr id="21" name="사각형: 둥근 모서리 20">
+            <a:extLst>
+              <a:ext uri="{FF2B5EF4-FFF2-40B4-BE49-F238E27FC236}">
+                <a16:creationId xmlns:a16="http://schemas.microsoft.com/office/drawing/2014/main" id="{1A4CF88F-25FE-4B5E-930E-BF78316A6E35}"/>
+              </a:ext>
+            </a:extLst>
+          </p:cNvPr>
+          <p:cNvSpPr/>
+          <p:nvPr/>
+        </p:nvSpPr>
+        <p:spPr>
+          <a:xfrm>
+            <a:off x="872455" y="1254794"/>
+            <a:ext cx="2186171" cy="194818"/>
+          </a:xfrm>
+          <a:prstGeom prst="roundRect">
+            <a:avLst>
+              <a:gd name="adj" fmla="val 7372"/>
+            </a:avLst>
+          </a:prstGeom>
+          <a:noFill/>
+          <a:ln>
+            <a:solidFill>
+              <a:srgbClr val="FF0000"/>
+            </a:solidFill>
+          </a:ln>
+        </p:spPr>
+        <p:style>
+          <a:lnRef idx="2">
+            <a:schemeClr val="accent1">
+              <a:shade val="50000"/>
+            </a:schemeClr>
+          </a:lnRef>
+          <a:fillRef idx="1">
+            <a:schemeClr val="accent1"/>
+          </a:fillRef>
+          <a:effectRef idx="0">
+            <a:schemeClr val="accent1"/>
+          </a:effectRef>
+          <a:fontRef idx="minor">
+            <a:schemeClr val="lt1"/>
+          </a:fontRef>
+        </p:style>
+        <p:txBody>
+          <a:bodyPr rtlCol="0" anchor="ctr"/>
+          <a:lstStyle/>
+          <a:p>
+            <a:pPr algn="ctr"/>
+            <a:endParaRPr lang="ko-KR" altLang="en-US" dirty="0"/>
+          </a:p>
+        </p:txBody>
+      </p:sp>
+      <p:sp>
+        <p:nvSpPr>
+          <p:cNvPr id="22" name="타원 21">
+            <a:extLst>
+              <a:ext uri="{FF2B5EF4-FFF2-40B4-BE49-F238E27FC236}">
+                <a16:creationId xmlns:a16="http://schemas.microsoft.com/office/drawing/2014/main" id="{744D6839-7F3D-4D9B-9581-FB4FA351757E}"/>
+              </a:ext>
+            </a:extLst>
+          </p:cNvPr>
+          <p:cNvSpPr/>
+          <p:nvPr/>
+        </p:nvSpPr>
+        <p:spPr>
+          <a:xfrm>
+            <a:off x="2975123" y="1103202"/>
+            <a:ext cx="206366" cy="231717"/>
+          </a:xfrm>
+          <a:prstGeom prst="ellipse">
+            <a:avLst/>
+          </a:prstGeom>
+        </p:spPr>
+        <p:style>
+          <a:lnRef idx="2">
+            <a:schemeClr val="accent4">
+              <a:shade val="50000"/>
+            </a:schemeClr>
+          </a:lnRef>
+          <a:fillRef idx="1">
+            <a:schemeClr val="accent4"/>
+          </a:fillRef>
+          <a:effectRef idx="0">
+            <a:schemeClr val="accent4"/>
+          </a:effectRef>
+          <a:fontRef idx="minor">
+            <a:schemeClr val="lt1"/>
+          </a:fontRef>
+        </p:style>
+        <p:txBody>
+          <a:bodyPr rtlCol="0" anchor="ctr"/>
+          <a:lstStyle/>
+          <a:p>
+            <a:pPr algn="ctr"/>
+            <a:r>
+              <a:rPr lang="en-US" altLang="ko-KR" dirty="0"/>
+              <a:t>2</a:t>
+            </a:r>
+            <a:endParaRPr lang="ko-KR" altLang="en-US" dirty="0"/>
+          </a:p>
+        </p:txBody>
+      </p:sp>
+      <p:pic>
+        <p:nvPicPr>
+          <p:cNvPr id="10" name="그림 9">
+            <a:extLst>
+              <a:ext uri="{FF2B5EF4-FFF2-40B4-BE49-F238E27FC236}">
+                <a16:creationId xmlns:a16="http://schemas.microsoft.com/office/drawing/2014/main" id="{8B8F9D34-3DDE-40A6-9B8A-F2A7E72E6FEA}"/>
+              </a:ext>
+            </a:extLst>
+          </p:cNvPr>
+          <p:cNvPicPr>
+            <a:picLocks noChangeAspect="1"/>
+          </p:cNvPicPr>
+          <p:nvPr/>
+        </p:nvPicPr>
+        <p:blipFill>
+          <a:blip r:embed="rId8"/>
+          <a:stretch>
+            <a:fillRect/>
+          </a:stretch>
+        </p:blipFill>
+        <p:spPr>
+          <a:xfrm>
+            <a:off x="729049" y="1478675"/>
+            <a:ext cx="2265821" cy="107791"/>
+          </a:xfrm>
+          <a:prstGeom prst="rect">
+            <a:avLst/>
+          </a:prstGeom>
+        </p:spPr>
+      </p:pic>
+      <p:sp>
+        <p:nvSpPr>
+          <p:cNvPr id="23" name="사각형: 둥근 모서리 22">
+            <a:extLst>
+              <a:ext uri="{FF2B5EF4-FFF2-40B4-BE49-F238E27FC236}">
+                <a16:creationId xmlns:a16="http://schemas.microsoft.com/office/drawing/2014/main" id="{80617728-6C7F-4592-96FC-C7458ACA5EB1}"/>
+              </a:ext>
+            </a:extLst>
+          </p:cNvPr>
+          <p:cNvSpPr/>
+          <p:nvPr/>
+        </p:nvSpPr>
+        <p:spPr>
+          <a:xfrm>
+            <a:off x="705951" y="1479888"/>
+            <a:ext cx="2352675" cy="1437013"/>
+          </a:xfrm>
+          <a:prstGeom prst="roundRect">
+            <a:avLst>
+              <a:gd name="adj" fmla="val 7372"/>
+            </a:avLst>
+          </a:prstGeom>
+          <a:noFill/>
+          <a:ln>
+            <a:solidFill>
+              <a:srgbClr val="FF0000"/>
+            </a:solidFill>
+          </a:ln>
+        </p:spPr>
+        <p:style>
+          <a:lnRef idx="2">
+            <a:schemeClr val="accent1">
+              <a:shade val="50000"/>
+            </a:schemeClr>
+          </a:lnRef>
+          <a:fillRef idx="1">
+            <a:schemeClr val="accent1"/>
+          </a:fillRef>
+          <a:effectRef idx="0">
+            <a:schemeClr val="accent1"/>
+          </a:effectRef>
+          <a:fontRef idx="minor">
+            <a:schemeClr val="lt1"/>
+          </a:fontRef>
+        </p:style>
+        <p:txBody>
+          <a:bodyPr rtlCol="0" anchor="ctr"/>
+          <a:lstStyle/>
+          <a:p>
+            <a:pPr algn="ctr"/>
+            <a:endParaRPr lang="ko-KR" altLang="en-US"/>
+          </a:p>
+        </p:txBody>
+      </p:sp>
+      <p:pic>
+        <p:nvPicPr>
+          <p:cNvPr id="27" name="그림 26">
+            <a:extLst>
+              <a:ext uri="{FF2B5EF4-FFF2-40B4-BE49-F238E27FC236}">
+                <a16:creationId xmlns:a16="http://schemas.microsoft.com/office/drawing/2014/main" id="{9D81B979-F825-4CC2-8FDE-F8FDEFA1DDAB}"/>
+              </a:ext>
+            </a:extLst>
+          </p:cNvPr>
+          <p:cNvPicPr>
+            <a:picLocks noChangeAspect="1"/>
+          </p:cNvPicPr>
+          <p:nvPr/>
+        </p:nvPicPr>
+        <p:blipFill>
+          <a:blip r:embed="rId8"/>
+          <a:stretch>
+            <a:fillRect/>
+          </a:stretch>
+        </p:blipFill>
+        <p:spPr>
+          <a:xfrm>
+            <a:off x="739853" y="1774971"/>
+            <a:ext cx="2265821" cy="154729"/>
+          </a:xfrm>
+          <a:prstGeom prst="rect">
+            <a:avLst/>
+          </a:prstGeom>
+        </p:spPr>
+      </p:pic>
+      <p:pic>
+        <p:nvPicPr>
+          <p:cNvPr id="29" name="그림 28">
+            <a:extLst>
+              <a:ext uri="{FF2B5EF4-FFF2-40B4-BE49-F238E27FC236}">
+                <a16:creationId xmlns:a16="http://schemas.microsoft.com/office/drawing/2014/main" id="{E41AC4F0-858E-4514-9530-99E69AAAB782}"/>
+              </a:ext>
+            </a:extLst>
+          </p:cNvPr>
+          <p:cNvPicPr>
+            <a:picLocks noChangeAspect="1"/>
+          </p:cNvPicPr>
+          <p:nvPr/>
+        </p:nvPicPr>
+        <p:blipFill>
+          <a:blip r:embed="rId8"/>
+          <a:stretch>
+            <a:fillRect/>
+          </a:stretch>
+        </p:blipFill>
+        <p:spPr>
+          <a:xfrm>
+            <a:off x="739853" y="1485032"/>
+            <a:ext cx="317025" cy="276985"/>
+          </a:xfrm>
+          <a:prstGeom prst="rect">
+            <a:avLst/>
+          </a:prstGeom>
+        </p:spPr>
+      </p:pic>
+      <p:pic>
+        <p:nvPicPr>
+          <p:cNvPr id="30" name="그림 29">
+            <a:extLst>
+              <a:ext uri="{FF2B5EF4-FFF2-40B4-BE49-F238E27FC236}">
+                <a16:creationId xmlns:a16="http://schemas.microsoft.com/office/drawing/2014/main" id="{37B0CBEE-F1FC-4036-9BFB-62E1485043AC}"/>
+              </a:ext>
+            </a:extLst>
+          </p:cNvPr>
+          <p:cNvPicPr>
+            <a:picLocks noChangeAspect="1"/>
+          </p:cNvPicPr>
+          <p:nvPr/>
+        </p:nvPicPr>
+        <p:blipFill>
+          <a:blip r:embed="rId8"/>
+          <a:stretch>
+            <a:fillRect/>
+          </a:stretch>
+        </p:blipFill>
+        <p:spPr>
+          <a:xfrm>
+            <a:off x="740295" y="1796471"/>
+            <a:ext cx="317025" cy="276985"/>
+          </a:xfrm>
+          <a:prstGeom prst="rect">
+            <a:avLst/>
+          </a:prstGeom>
+        </p:spPr>
+      </p:pic>
+      <p:pic>
+        <p:nvPicPr>
+          <p:cNvPr id="31" name="그림 30">
+            <a:extLst>
+              <a:ext uri="{FF2B5EF4-FFF2-40B4-BE49-F238E27FC236}">
+                <a16:creationId xmlns:a16="http://schemas.microsoft.com/office/drawing/2014/main" id="{3518B4C9-3CFD-40E0-9E0B-D344A01868A5}"/>
+              </a:ext>
+            </a:extLst>
+          </p:cNvPr>
+          <p:cNvPicPr>
+            <a:picLocks noChangeAspect="1"/>
+          </p:cNvPicPr>
+          <p:nvPr/>
+        </p:nvPicPr>
+        <p:blipFill>
+          <a:blip r:embed="rId8"/>
+          <a:stretch>
+            <a:fillRect/>
+          </a:stretch>
+        </p:blipFill>
+        <p:spPr>
+          <a:xfrm>
+            <a:off x="739853" y="2388892"/>
+            <a:ext cx="2265821" cy="154729"/>
+          </a:xfrm>
+          <a:prstGeom prst="rect">
+            <a:avLst/>
+          </a:prstGeom>
+        </p:spPr>
+      </p:pic>
+      <p:pic>
+        <p:nvPicPr>
+          <p:cNvPr id="32" name="그림 31">
+            <a:extLst>
+              <a:ext uri="{FF2B5EF4-FFF2-40B4-BE49-F238E27FC236}">
+                <a16:creationId xmlns:a16="http://schemas.microsoft.com/office/drawing/2014/main" id="{5D640046-7D85-46B5-B909-A949C7D160F4}"/>
+              </a:ext>
+            </a:extLst>
+          </p:cNvPr>
+          <p:cNvPicPr>
+            <a:picLocks noChangeAspect="1"/>
+          </p:cNvPicPr>
+          <p:nvPr/>
+        </p:nvPicPr>
+        <p:blipFill>
+          <a:blip r:embed="rId8"/>
+          <a:stretch>
+            <a:fillRect/>
+          </a:stretch>
+        </p:blipFill>
+        <p:spPr>
+          <a:xfrm>
+            <a:off x="740295" y="2410392"/>
+            <a:ext cx="317025" cy="276985"/>
+          </a:xfrm>
+          <a:prstGeom prst="rect">
+            <a:avLst/>
+          </a:prstGeom>
+        </p:spPr>
+      </p:pic>
+      <p:pic>
+        <p:nvPicPr>
+          <p:cNvPr id="33" name="그림 32">
+            <a:extLst>
+              <a:ext uri="{FF2B5EF4-FFF2-40B4-BE49-F238E27FC236}">
+                <a16:creationId xmlns:a16="http://schemas.microsoft.com/office/drawing/2014/main" id="{BCCAD310-9DBF-4523-A676-C190EE3F4F44}"/>
+              </a:ext>
+            </a:extLst>
+          </p:cNvPr>
+          <p:cNvPicPr>
+            <a:picLocks noChangeAspect="1"/>
+          </p:cNvPicPr>
+          <p:nvPr/>
+        </p:nvPicPr>
+        <p:blipFill>
+          <a:blip r:embed="rId8"/>
+          <a:stretch>
+            <a:fillRect/>
+          </a:stretch>
+        </p:blipFill>
+        <p:spPr>
+          <a:xfrm>
+            <a:off x="748819" y="2081762"/>
+            <a:ext cx="2265821" cy="154729"/>
+          </a:xfrm>
+          <a:prstGeom prst="rect">
+            <a:avLst/>
+          </a:prstGeom>
+        </p:spPr>
+      </p:pic>
+      <p:pic>
+        <p:nvPicPr>
+          <p:cNvPr id="34" name="그림 33">
+            <a:extLst>
+              <a:ext uri="{FF2B5EF4-FFF2-40B4-BE49-F238E27FC236}">
+                <a16:creationId xmlns:a16="http://schemas.microsoft.com/office/drawing/2014/main" id="{4C41F67B-AC7A-4EA5-A821-D406341D345E}"/>
+              </a:ext>
+            </a:extLst>
+          </p:cNvPr>
+          <p:cNvPicPr>
+            <a:picLocks noChangeAspect="1"/>
+          </p:cNvPicPr>
+          <p:nvPr/>
+        </p:nvPicPr>
+        <p:blipFill>
+          <a:blip r:embed="rId8"/>
+          <a:stretch>
+            <a:fillRect/>
+          </a:stretch>
+        </p:blipFill>
+        <p:spPr>
+          <a:xfrm>
+            <a:off x="749261" y="2103262"/>
+            <a:ext cx="317025" cy="276985"/>
+          </a:xfrm>
+          <a:prstGeom prst="rect">
+            <a:avLst/>
+          </a:prstGeom>
+        </p:spPr>
+      </p:pic>
+      <p:pic>
+        <p:nvPicPr>
+          <p:cNvPr id="35" name="그림 34">
+            <a:extLst>
+              <a:ext uri="{FF2B5EF4-FFF2-40B4-BE49-F238E27FC236}">
+                <a16:creationId xmlns:a16="http://schemas.microsoft.com/office/drawing/2014/main" id="{DA8372C8-F9BA-4FF2-9958-329B4419E383}"/>
+              </a:ext>
+            </a:extLst>
+          </p:cNvPr>
+          <p:cNvPicPr>
+            <a:picLocks noChangeAspect="1"/>
+          </p:cNvPicPr>
+          <p:nvPr/>
+        </p:nvPicPr>
+        <p:blipFill>
+          <a:blip r:embed="rId8"/>
+          <a:stretch>
+            <a:fillRect/>
+          </a:stretch>
+        </p:blipFill>
+        <p:spPr>
+          <a:xfrm>
+            <a:off x="748819" y="2694789"/>
+            <a:ext cx="2265821" cy="154729"/>
+          </a:xfrm>
+          <a:prstGeom prst="rect">
+            <a:avLst/>
+          </a:prstGeom>
+        </p:spPr>
+      </p:pic>
+      <p:pic>
+        <p:nvPicPr>
+          <p:cNvPr id="36" name="그림 35">
+            <a:extLst>
+              <a:ext uri="{FF2B5EF4-FFF2-40B4-BE49-F238E27FC236}">
+                <a16:creationId xmlns:a16="http://schemas.microsoft.com/office/drawing/2014/main" id="{A671B314-8AED-4877-BC91-12D8C6EF3A43}"/>
+              </a:ext>
+            </a:extLst>
+          </p:cNvPr>
+          <p:cNvPicPr>
+            <a:picLocks noChangeAspect="1"/>
+          </p:cNvPicPr>
+          <p:nvPr/>
+        </p:nvPicPr>
+        <p:blipFill>
+          <a:blip r:embed="rId8"/>
+          <a:stretch>
+            <a:fillRect/>
+          </a:stretch>
+        </p:blipFill>
+        <p:spPr>
+          <a:xfrm>
+            <a:off x="749261" y="2716290"/>
+            <a:ext cx="317025" cy="186274"/>
+          </a:xfrm>
+          <a:prstGeom prst="rect">
+            <a:avLst/>
+          </a:prstGeom>
+        </p:spPr>
+      </p:pic>
+      <p:sp>
+        <p:nvSpPr>
+          <p:cNvPr id="24" name="타원 23">
+            <a:extLst>
+              <a:ext uri="{FF2B5EF4-FFF2-40B4-BE49-F238E27FC236}">
+                <a16:creationId xmlns:a16="http://schemas.microsoft.com/office/drawing/2014/main" id="{6C351BF9-99EA-452F-B816-82DB481420CE}"/>
+              </a:ext>
+            </a:extLst>
+          </p:cNvPr>
+          <p:cNvSpPr/>
+          <p:nvPr/>
+        </p:nvSpPr>
+        <p:spPr>
+          <a:xfrm>
+            <a:off x="681758" y="1364851"/>
+            <a:ext cx="206366" cy="231717"/>
+          </a:xfrm>
+          <a:prstGeom prst="ellipse">
+            <a:avLst/>
+          </a:prstGeom>
+        </p:spPr>
+        <p:style>
+          <a:lnRef idx="2">
+            <a:schemeClr val="accent4">
+              <a:shade val="50000"/>
+            </a:schemeClr>
+          </a:lnRef>
+          <a:fillRef idx="1">
+            <a:schemeClr val="accent4"/>
+          </a:fillRef>
+          <a:effectRef idx="0">
+            <a:schemeClr val="accent4"/>
+          </a:effectRef>
+          <a:fontRef idx="minor">
+            <a:schemeClr val="lt1"/>
+          </a:fontRef>
+        </p:style>
+        <p:txBody>
+          <a:bodyPr rtlCol="0" anchor="ctr"/>
+          <a:lstStyle/>
+          <a:p>
+            <a:pPr algn="ctr"/>
+            <a:r>
+              <a:rPr lang="en-US" altLang="ko-KR" dirty="0"/>
+              <a:t>3</a:t>
+            </a:r>
+            <a:endParaRPr lang="ko-KR" altLang="en-US" dirty="0"/>
+          </a:p>
+        </p:txBody>
+      </p:sp>
+      <p:sp>
+        <p:nvSpPr>
+          <p:cNvPr id="25" name="사각형: 둥근 모서리 24">
+            <a:extLst>
+              <a:ext uri="{FF2B5EF4-FFF2-40B4-BE49-F238E27FC236}">
+                <a16:creationId xmlns:a16="http://schemas.microsoft.com/office/drawing/2014/main" id="{111CE39F-FA0D-4B73-AAB0-C42066274198}"/>
+              </a:ext>
+            </a:extLst>
+          </p:cNvPr>
+          <p:cNvSpPr/>
+          <p:nvPr/>
+        </p:nvSpPr>
+        <p:spPr>
+          <a:xfrm>
+            <a:off x="725158" y="2081994"/>
+            <a:ext cx="2352675" cy="342313"/>
+          </a:xfrm>
+          <a:prstGeom prst="roundRect">
+            <a:avLst>
+              <a:gd name="adj" fmla="val 7372"/>
+            </a:avLst>
+          </a:prstGeom>
+          <a:noFill/>
+          <a:ln>
+            <a:solidFill>
+              <a:srgbClr val="FF0000"/>
+            </a:solidFill>
+          </a:ln>
+        </p:spPr>
+        <p:style>
+          <a:lnRef idx="2">
+            <a:schemeClr val="accent1">
+              <a:shade val="50000"/>
+            </a:schemeClr>
+          </a:lnRef>
+          <a:fillRef idx="1">
+            <a:schemeClr val="accent1"/>
+          </a:fillRef>
+          <a:effectRef idx="0">
+            <a:schemeClr val="accent1"/>
+          </a:effectRef>
+          <a:fontRef idx="minor">
+            <a:schemeClr val="lt1"/>
+          </a:fontRef>
+        </p:style>
+        <p:txBody>
+          <a:bodyPr rtlCol="0" anchor="ctr"/>
+          <a:lstStyle/>
+          <a:p>
+            <a:pPr algn="ctr"/>
+            <a:endParaRPr lang="ko-KR" altLang="en-US"/>
+          </a:p>
+        </p:txBody>
+      </p:sp>
+      <p:sp>
+        <p:nvSpPr>
+          <p:cNvPr id="37" name="타원 36">
+            <a:extLst>
+              <a:ext uri="{FF2B5EF4-FFF2-40B4-BE49-F238E27FC236}">
+                <a16:creationId xmlns:a16="http://schemas.microsoft.com/office/drawing/2014/main" id="{169499F1-F5D2-4B1F-B928-FD9564DF1B1D}"/>
+              </a:ext>
+            </a:extLst>
+          </p:cNvPr>
+          <p:cNvSpPr/>
+          <p:nvPr/>
+        </p:nvSpPr>
+        <p:spPr>
+          <a:xfrm>
+            <a:off x="1802442" y="1927687"/>
+            <a:ext cx="206366" cy="231717"/>
+          </a:xfrm>
+          <a:prstGeom prst="ellipse">
+            <a:avLst/>
+          </a:prstGeom>
+        </p:spPr>
+        <p:style>
+          <a:lnRef idx="2">
+            <a:schemeClr val="accent4">
+              <a:shade val="50000"/>
+            </a:schemeClr>
+          </a:lnRef>
+          <a:fillRef idx="1">
+            <a:schemeClr val="accent4"/>
+          </a:fillRef>
+          <a:effectRef idx="0">
+            <a:schemeClr val="accent4"/>
+          </a:effectRef>
+          <a:fontRef idx="minor">
+            <a:schemeClr val="lt1"/>
+          </a:fontRef>
+        </p:style>
+        <p:txBody>
+          <a:bodyPr rtlCol="0" anchor="ctr"/>
+          <a:lstStyle/>
+          <a:p>
+            <a:pPr algn="ctr"/>
+            <a:r>
+              <a:rPr lang="en-US" altLang="ko-KR" dirty="0"/>
+              <a:t>3</a:t>
+            </a:r>
+            <a:endParaRPr lang="ko-KR" altLang="en-US" dirty="0"/>
+          </a:p>
+        </p:txBody>
+      </p:sp>
+    </p:spTree>
+    <p:extLst>
+      <p:ext uri="{BB962C8B-B14F-4D97-AF65-F5344CB8AC3E}">
+        <p14:creationId xmlns:p14="http://schemas.microsoft.com/office/powerpoint/2010/main" val="2769662150"/>
+      </p:ext>
+    </p:extLst>
+  </p:cSld>
+  <p:clrMapOvr>
+    <a:masterClrMapping/>
+  </p:clrMapOvr>
+</p:sld>
+</file>
+
 <file path=ppt/slides/slide2.xml><?xml version="1.0" encoding="utf-8"?>
 <p:sld xmlns:a="http://schemas.openxmlformats.org/drawingml/2006/main" xmlns:r="http://schemas.openxmlformats.org/officeDocument/2006/relationships" xmlns:p="http://schemas.openxmlformats.org/presentationml/2006/main">
   <p:cSld>
@@ -3981,6 +6865,948 @@
       </p:grpSpPr>
       <p:sp>
         <p:nvSpPr>
+          <p:cNvPr id="3" name="슬라이드 번호 개체 틀 2">
+            <a:extLst>
+              <a:ext uri="{FF2B5EF4-FFF2-40B4-BE49-F238E27FC236}">
+                <a16:creationId xmlns:a16="http://schemas.microsoft.com/office/drawing/2014/main" id="{7505E6CA-216A-4484-9F7A-B565BB13B9BF}"/>
+              </a:ext>
+            </a:extLst>
+          </p:cNvPr>
+          <p:cNvSpPr>
+            <a:spLocks noGrp="1"/>
+          </p:cNvSpPr>
+          <p:nvPr>
+            <p:ph type="sldNum" sz="quarter" idx="12"/>
+          </p:nvPr>
+        </p:nvSpPr>
+        <p:spPr>
+          <a:xfrm>
+            <a:off x="8610600" y="6356350"/>
+            <a:ext cx="2743200" cy="365125"/>
+          </a:xfrm>
+        </p:spPr>
+        <p:txBody>
+          <a:bodyPr/>
+          <a:lstStyle/>
+          <a:p>
+            <a:fld id="{A8E1BB39-725C-444B-809E-419522618855}" type="slidenum">
+              <a:rPr lang="ko-KR" altLang="en-US" smtClean="0"/>
+              <a:t>2</a:t>
+            </a:fld>
+            <a:endParaRPr lang="ko-KR" altLang="en-US" dirty="0"/>
+          </a:p>
+        </p:txBody>
+      </p:sp>
+      <p:grpSp>
+        <p:nvGrpSpPr>
+          <p:cNvPr id="17" name="Group 40">
+            <a:extLst>
+              <a:ext uri="{FF2B5EF4-FFF2-40B4-BE49-F238E27FC236}">
+                <a16:creationId xmlns:a16="http://schemas.microsoft.com/office/drawing/2014/main" id="{D4376918-E0CA-4B7B-AECB-74E789DA9336}"/>
+              </a:ext>
+            </a:extLst>
+          </p:cNvPr>
+          <p:cNvGrpSpPr/>
+          <p:nvPr/>
+        </p:nvGrpSpPr>
+        <p:grpSpPr>
+          <a:xfrm>
+            <a:off x="301874" y="273668"/>
+            <a:ext cx="11541336" cy="383818"/>
+            <a:chOff x="301874" y="234760"/>
+            <a:chExt cx="11541336" cy="383818"/>
+          </a:xfrm>
+        </p:grpSpPr>
+        <p:sp>
+          <p:nvSpPr>
+            <p:cNvPr id="21" name="Freeform 41">
+              <a:extLst>
+                <a:ext uri="{FF2B5EF4-FFF2-40B4-BE49-F238E27FC236}">
+                  <a16:creationId xmlns:a16="http://schemas.microsoft.com/office/drawing/2014/main" id="{19254981-3ABA-4A57-86A1-096C5A9C5991}"/>
+                </a:ext>
+              </a:extLst>
+            </p:cNvPr>
+            <p:cNvSpPr/>
+            <p:nvPr/>
+          </p:nvSpPr>
+          <p:spPr>
+            <a:xfrm>
+              <a:off x="7417261" y="234760"/>
+              <a:ext cx="4425949" cy="380367"/>
+            </a:xfrm>
+            <a:custGeom>
+              <a:avLst/>
+              <a:gdLst>
+                <a:gd name="connsiteX0" fmla="*/ 0 w 4425949"/>
+                <a:gd name="connsiteY0" fmla="*/ 362367 h 380367"/>
+                <a:gd name="connsiteX1" fmla="*/ 4425949 w 4425949"/>
+                <a:gd name="connsiteY1" fmla="*/ 362367 h 380367"/>
+                <a:gd name="connsiteX2" fmla="*/ 4425949 w 4425949"/>
+                <a:gd name="connsiteY2" fmla="*/ 380367 h 380367"/>
+                <a:gd name="connsiteX3" fmla="*/ 0 w 4425949"/>
+                <a:gd name="connsiteY3" fmla="*/ 380367 h 380367"/>
+                <a:gd name="connsiteX4" fmla="*/ 4425949 w 4425949"/>
+                <a:gd name="connsiteY4" fmla="*/ 0 h 380367"/>
+                <a:gd name="connsiteX5" fmla="*/ 4425949 w 4425949"/>
+                <a:gd name="connsiteY5" fmla="*/ 293520 h 380367"/>
+                <a:gd name="connsiteX6" fmla="*/ 4425949 w 4425949"/>
+                <a:gd name="connsiteY6" fmla="*/ 293744 h 380367"/>
+                <a:gd name="connsiteX7" fmla="*/ 4425949 w 4425949"/>
+                <a:gd name="connsiteY7" fmla="*/ 347593 h 380367"/>
+                <a:gd name="connsiteX8" fmla="*/ 0 w 4425949"/>
+                <a:gd name="connsiteY8" fmla="*/ 347593 h 380367"/>
+                <a:gd name="connsiteX9" fmla="*/ 0 w 4425949"/>
+                <a:gd name="connsiteY9" fmla="*/ 293520 h 380367"/>
+                <a:gd name="connsiteX10" fmla="*/ 3445935 w 4425949"/>
+                <a:gd name="connsiteY10" fmla="*/ 293520 h 380367"/>
+                <a:gd name="connsiteX11" fmla="*/ 3445935 w 4425949"/>
+                <a:gd name="connsiteY11" fmla="*/ 248864 h 380367"/>
+                <a:gd name="connsiteX12" fmla="*/ 3509866 w 4425949"/>
+                <a:gd name="connsiteY12" fmla="*/ 235234 h 380367"/>
+                <a:gd name="connsiteX13" fmla="*/ 3509866 w 4425949"/>
+                <a:gd name="connsiteY13" fmla="*/ 293520 h 380367"/>
+                <a:gd name="connsiteX14" fmla="*/ 3547532 w 4425949"/>
+                <a:gd name="connsiteY14" fmla="*/ 293520 h 380367"/>
+                <a:gd name="connsiteX15" fmla="*/ 3547532 w 4425949"/>
+                <a:gd name="connsiteY15" fmla="*/ 220885 h 380367"/>
+                <a:gd name="connsiteX16" fmla="*/ 3613149 w 4425949"/>
+                <a:gd name="connsiteY16" fmla="*/ 206896 h 380367"/>
+                <a:gd name="connsiteX17" fmla="*/ 3613149 w 4425949"/>
+                <a:gd name="connsiteY17" fmla="*/ 293520 h 380367"/>
+                <a:gd name="connsiteX18" fmla="*/ 3649132 w 4425949"/>
+                <a:gd name="connsiteY18" fmla="*/ 293520 h 380367"/>
+                <a:gd name="connsiteX19" fmla="*/ 3649132 w 4425949"/>
+                <a:gd name="connsiteY19" fmla="*/ 192906 h 380367"/>
+                <a:gd name="connsiteX20" fmla="*/ 3714749 w 4425949"/>
+                <a:gd name="connsiteY20" fmla="*/ 178916 h 380367"/>
+                <a:gd name="connsiteX21" fmla="*/ 3714749 w 4425949"/>
+                <a:gd name="connsiteY21" fmla="*/ 293520 h 380367"/>
+                <a:gd name="connsiteX22" fmla="*/ 3750732 w 4425949"/>
+                <a:gd name="connsiteY22" fmla="*/ 293520 h 380367"/>
+                <a:gd name="connsiteX23" fmla="*/ 3750732 w 4425949"/>
+                <a:gd name="connsiteY23" fmla="*/ 164928 h 380367"/>
+                <a:gd name="connsiteX24" fmla="*/ 3814665 w 4425949"/>
+                <a:gd name="connsiteY24" fmla="*/ 151298 h 380367"/>
+                <a:gd name="connsiteX25" fmla="*/ 3814665 w 4425949"/>
+                <a:gd name="connsiteY25" fmla="*/ 293520 h 380367"/>
+                <a:gd name="connsiteX26" fmla="*/ 3852332 w 4425949"/>
+                <a:gd name="connsiteY26" fmla="*/ 293520 h 380367"/>
+                <a:gd name="connsiteX27" fmla="*/ 3852332 w 4425949"/>
+                <a:gd name="connsiteY27" fmla="*/ 136949 h 380367"/>
+                <a:gd name="connsiteX28" fmla="*/ 3916265 w 4425949"/>
+                <a:gd name="connsiteY28" fmla="*/ 123319 h 380367"/>
+                <a:gd name="connsiteX29" fmla="*/ 3916265 w 4425949"/>
+                <a:gd name="connsiteY29" fmla="*/ 293520 h 380367"/>
+                <a:gd name="connsiteX30" fmla="*/ 3953932 w 4425949"/>
+                <a:gd name="connsiteY30" fmla="*/ 293520 h 380367"/>
+                <a:gd name="connsiteX31" fmla="*/ 3953932 w 4425949"/>
+                <a:gd name="connsiteY31" fmla="*/ 108971 h 380367"/>
+                <a:gd name="connsiteX32" fmla="*/ 4019549 w 4425949"/>
+                <a:gd name="connsiteY32" fmla="*/ 94981 h 380367"/>
+                <a:gd name="connsiteX33" fmla="*/ 4019549 w 4425949"/>
+                <a:gd name="connsiteY33" fmla="*/ 293520 h 380367"/>
+                <a:gd name="connsiteX34" fmla="*/ 4055532 w 4425949"/>
+                <a:gd name="connsiteY34" fmla="*/ 293520 h 380367"/>
+                <a:gd name="connsiteX35" fmla="*/ 4055532 w 4425949"/>
+                <a:gd name="connsiteY35" fmla="*/ 80992 h 380367"/>
+                <a:gd name="connsiteX36" fmla="*/ 4121149 w 4425949"/>
+                <a:gd name="connsiteY36" fmla="*/ 67002 h 380367"/>
+                <a:gd name="connsiteX37" fmla="*/ 4121149 w 4425949"/>
+                <a:gd name="connsiteY37" fmla="*/ 293520 h 380367"/>
+                <a:gd name="connsiteX38" fmla="*/ 4157132 w 4425949"/>
+                <a:gd name="connsiteY38" fmla="*/ 293520 h 380367"/>
+                <a:gd name="connsiteX39" fmla="*/ 4157132 w 4425949"/>
+                <a:gd name="connsiteY39" fmla="*/ 53011 h 380367"/>
+                <a:gd name="connsiteX40" fmla="*/ 4222749 w 4425949"/>
+                <a:gd name="connsiteY40" fmla="*/ 39022 h 380367"/>
+                <a:gd name="connsiteX41" fmla="*/ 4222749 w 4425949"/>
+                <a:gd name="connsiteY41" fmla="*/ 293520 h 380367"/>
+                <a:gd name="connsiteX42" fmla="*/ 4258732 w 4425949"/>
+                <a:gd name="connsiteY42" fmla="*/ 293520 h 380367"/>
+                <a:gd name="connsiteX43" fmla="*/ 4258732 w 4425949"/>
+                <a:gd name="connsiteY43" fmla="*/ 25034 h 380367"/>
+                <a:gd name="connsiteX44" fmla="*/ 4324349 w 4425949"/>
+                <a:gd name="connsiteY44" fmla="*/ 11044 h 380367"/>
+                <a:gd name="connsiteX45" fmla="*/ 4324349 w 4425949"/>
+                <a:gd name="connsiteY45" fmla="*/ 293520 h 380367"/>
+                <a:gd name="connsiteX46" fmla="*/ 4360332 w 4425949"/>
+                <a:gd name="connsiteY46" fmla="*/ 293520 h 380367"/>
+                <a:gd name="connsiteX47" fmla="*/ 4360332 w 4425949"/>
+                <a:gd name="connsiteY47" fmla="*/ 2967 h 380367"/>
+              </a:gdLst>
+              <a:ahLst/>
+              <a:cxnLst>
+                <a:cxn ang="0">
+                  <a:pos x="connsiteX0" y="connsiteY0"/>
+                </a:cxn>
+                <a:cxn ang="0">
+                  <a:pos x="connsiteX1" y="connsiteY1"/>
+                </a:cxn>
+                <a:cxn ang="0">
+                  <a:pos x="connsiteX2" y="connsiteY2"/>
+                </a:cxn>
+                <a:cxn ang="0">
+                  <a:pos x="connsiteX3" y="connsiteY3"/>
+                </a:cxn>
+                <a:cxn ang="0">
+                  <a:pos x="connsiteX4" y="connsiteY4"/>
+                </a:cxn>
+                <a:cxn ang="0">
+                  <a:pos x="connsiteX5" y="connsiteY5"/>
+                </a:cxn>
+                <a:cxn ang="0">
+                  <a:pos x="connsiteX6" y="connsiteY6"/>
+                </a:cxn>
+                <a:cxn ang="0">
+                  <a:pos x="connsiteX7" y="connsiteY7"/>
+                </a:cxn>
+                <a:cxn ang="0">
+                  <a:pos x="connsiteX8" y="connsiteY8"/>
+                </a:cxn>
+                <a:cxn ang="0">
+                  <a:pos x="connsiteX9" y="connsiteY9"/>
+                </a:cxn>
+                <a:cxn ang="0">
+                  <a:pos x="connsiteX10" y="connsiteY10"/>
+                </a:cxn>
+                <a:cxn ang="0">
+                  <a:pos x="connsiteX11" y="connsiteY11"/>
+                </a:cxn>
+                <a:cxn ang="0">
+                  <a:pos x="connsiteX12" y="connsiteY12"/>
+                </a:cxn>
+                <a:cxn ang="0">
+                  <a:pos x="connsiteX13" y="connsiteY13"/>
+                </a:cxn>
+                <a:cxn ang="0">
+                  <a:pos x="connsiteX14" y="connsiteY14"/>
+                </a:cxn>
+                <a:cxn ang="0">
+                  <a:pos x="connsiteX15" y="connsiteY15"/>
+                </a:cxn>
+                <a:cxn ang="0">
+                  <a:pos x="connsiteX16" y="connsiteY16"/>
+                </a:cxn>
+                <a:cxn ang="0">
+                  <a:pos x="connsiteX17" y="connsiteY17"/>
+                </a:cxn>
+                <a:cxn ang="0">
+                  <a:pos x="connsiteX18" y="connsiteY18"/>
+                </a:cxn>
+                <a:cxn ang="0">
+                  <a:pos x="connsiteX19" y="connsiteY19"/>
+                </a:cxn>
+                <a:cxn ang="0">
+                  <a:pos x="connsiteX20" y="connsiteY20"/>
+                </a:cxn>
+                <a:cxn ang="0">
+                  <a:pos x="connsiteX21" y="connsiteY21"/>
+                </a:cxn>
+                <a:cxn ang="0">
+                  <a:pos x="connsiteX22" y="connsiteY22"/>
+                </a:cxn>
+                <a:cxn ang="0">
+                  <a:pos x="connsiteX23" y="connsiteY23"/>
+                </a:cxn>
+                <a:cxn ang="0">
+                  <a:pos x="connsiteX24" y="connsiteY24"/>
+                </a:cxn>
+                <a:cxn ang="0">
+                  <a:pos x="connsiteX25" y="connsiteY25"/>
+                </a:cxn>
+                <a:cxn ang="0">
+                  <a:pos x="connsiteX26" y="connsiteY26"/>
+                </a:cxn>
+                <a:cxn ang="0">
+                  <a:pos x="connsiteX27" y="connsiteY27"/>
+                </a:cxn>
+                <a:cxn ang="0">
+                  <a:pos x="connsiteX28" y="connsiteY28"/>
+                </a:cxn>
+                <a:cxn ang="0">
+                  <a:pos x="connsiteX29" y="connsiteY29"/>
+                </a:cxn>
+                <a:cxn ang="0">
+                  <a:pos x="connsiteX30" y="connsiteY30"/>
+                </a:cxn>
+                <a:cxn ang="0">
+                  <a:pos x="connsiteX31" y="connsiteY31"/>
+                </a:cxn>
+                <a:cxn ang="0">
+                  <a:pos x="connsiteX32" y="connsiteY32"/>
+                </a:cxn>
+                <a:cxn ang="0">
+                  <a:pos x="connsiteX33" y="connsiteY33"/>
+                </a:cxn>
+                <a:cxn ang="0">
+                  <a:pos x="connsiteX34" y="connsiteY34"/>
+                </a:cxn>
+                <a:cxn ang="0">
+                  <a:pos x="connsiteX35" y="connsiteY35"/>
+                </a:cxn>
+                <a:cxn ang="0">
+                  <a:pos x="connsiteX36" y="connsiteY36"/>
+                </a:cxn>
+                <a:cxn ang="0">
+                  <a:pos x="connsiteX37" y="connsiteY37"/>
+                </a:cxn>
+                <a:cxn ang="0">
+                  <a:pos x="connsiteX38" y="connsiteY38"/>
+                </a:cxn>
+                <a:cxn ang="0">
+                  <a:pos x="connsiteX39" y="connsiteY39"/>
+                </a:cxn>
+                <a:cxn ang="0">
+                  <a:pos x="connsiteX40" y="connsiteY40"/>
+                </a:cxn>
+                <a:cxn ang="0">
+                  <a:pos x="connsiteX41" y="connsiteY41"/>
+                </a:cxn>
+                <a:cxn ang="0">
+                  <a:pos x="connsiteX42" y="connsiteY42"/>
+                </a:cxn>
+                <a:cxn ang="0">
+                  <a:pos x="connsiteX43" y="connsiteY43"/>
+                </a:cxn>
+                <a:cxn ang="0">
+                  <a:pos x="connsiteX44" y="connsiteY44"/>
+                </a:cxn>
+                <a:cxn ang="0">
+                  <a:pos x="connsiteX45" y="connsiteY45"/>
+                </a:cxn>
+                <a:cxn ang="0">
+                  <a:pos x="connsiteX46" y="connsiteY46"/>
+                </a:cxn>
+                <a:cxn ang="0">
+                  <a:pos x="connsiteX47" y="connsiteY47"/>
+                </a:cxn>
+              </a:cxnLst>
+              <a:rect l="l" t="t" r="r" b="b"/>
+              <a:pathLst>
+                <a:path w="4425949" h="380367">
+                  <a:moveTo>
+                    <a:pt x="0" y="362367"/>
+                  </a:moveTo>
+                  <a:lnTo>
+                    <a:pt x="4425949" y="362367"/>
+                  </a:lnTo>
+                  <a:lnTo>
+                    <a:pt x="4425949" y="380367"/>
+                  </a:lnTo>
+                  <a:lnTo>
+                    <a:pt x="0" y="380367"/>
+                  </a:lnTo>
+                  <a:close/>
+                  <a:moveTo>
+                    <a:pt x="4425949" y="0"/>
+                  </a:moveTo>
+                  <a:lnTo>
+                    <a:pt x="4425949" y="293520"/>
+                  </a:lnTo>
+                  <a:lnTo>
+                    <a:pt x="4425949" y="293744"/>
+                  </a:lnTo>
+                  <a:lnTo>
+                    <a:pt x="4425949" y="347593"/>
+                  </a:lnTo>
+                  <a:lnTo>
+                    <a:pt x="0" y="347593"/>
+                  </a:lnTo>
+                  <a:lnTo>
+                    <a:pt x="0" y="293520"/>
+                  </a:lnTo>
+                  <a:lnTo>
+                    <a:pt x="3445935" y="293520"/>
+                  </a:lnTo>
+                  <a:lnTo>
+                    <a:pt x="3445935" y="248864"/>
+                  </a:lnTo>
+                  <a:lnTo>
+                    <a:pt x="3509866" y="235234"/>
+                  </a:lnTo>
+                  <a:lnTo>
+                    <a:pt x="3509866" y="293520"/>
+                  </a:lnTo>
+                  <a:lnTo>
+                    <a:pt x="3547532" y="293520"/>
+                  </a:lnTo>
+                  <a:lnTo>
+                    <a:pt x="3547532" y="220885"/>
+                  </a:lnTo>
+                  <a:lnTo>
+                    <a:pt x="3613149" y="206896"/>
+                  </a:lnTo>
+                  <a:lnTo>
+                    <a:pt x="3613149" y="293520"/>
+                  </a:lnTo>
+                  <a:lnTo>
+                    <a:pt x="3649132" y="293520"/>
+                  </a:lnTo>
+                  <a:lnTo>
+                    <a:pt x="3649132" y="192906"/>
+                  </a:lnTo>
+                  <a:lnTo>
+                    <a:pt x="3714749" y="178916"/>
+                  </a:lnTo>
+                  <a:lnTo>
+                    <a:pt x="3714749" y="293520"/>
+                  </a:lnTo>
+                  <a:lnTo>
+                    <a:pt x="3750732" y="293520"/>
+                  </a:lnTo>
+                  <a:lnTo>
+                    <a:pt x="3750732" y="164928"/>
+                  </a:lnTo>
+                  <a:lnTo>
+                    <a:pt x="3814665" y="151298"/>
+                  </a:lnTo>
+                  <a:lnTo>
+                    <a:pt x="3814665" y="293520"/>
+                  </a:lnTo>
+                  <a:lnTo>
+                    <a:pt x="3852332" y="293520"/>
+                  </a:lnTo>
+                  <a:lnTo>
+                    <a:pt x="3852332" y="136949"/>
+                  </a:lnTo>
+                  <a:lnTo>
+                    <a:pt x="3916265" y="123319"/>
+                  </a:lnTo>
+                  <a:lnTo>
+                    <a:pt x="3916265" y="293520"/>
+                  </a:lnTo>
+                  <a:lnTo>
+                    <a:pt x="3953932" y="293520"/>
+                  </a:lnTo>
+                  <a:lnTo>
+                    <a:pt x="3953932" y="108971"/>
+                  </a:lnTo>
+                  <a:lnTo>
+                    <a:pt x="4019549" y="94981"/>
+                  </a:lnTo>
+                  <a:lnTo>
+                    <a:pt x="4019549" y="293520"/>
+                  </a:lnTo>
+                  <a:lnTo>
+                    <a:pt x="4055532" y="293520"/>
+                  </a:lnTo>
+                  <a:lnTo>
+                    <a:pt x="4055532" y="80992"/>
+                  </a:lnTo>
+                  <a:lnTo>
+                    <a:pt x="4121149" y="67002"/>
+                  </a:lnTo>
+                  <a:lnTo>
+                    <a:pt x="4121149" y="293520"/>
+                  </a:lnTo>
+                  <a:lnTo>
+                    <a:pt x="4157132" y="293520"/>
+                  </a:lnTo>
+                  <a:lnTo>
+                    <a:pt x="4157132" y="53011"/>
+                  </a:lnTo>
+                  <a:lnTo>
+                    <a:pt x="4222749" y="39022"/>
+                  </a:lnTo>
+                  <a:lnTo>
+                    <a:pt x="4222749" y="293520"/>
+                  </a:lnTo>
+                  <a:lnTo>
+                    <a:pt x="4258732" y="293520"/>
+                  </a:lnTo>
+                  <a:lnTo>
+                    <a:pt x="4258732" y="25034"/>
+                  </a:lnTo>
+                  <a:lnTo>
+                    <a:pt x="4324349" y="11044"/>
+                  </a:lnTo>
+                  <a:lnTo>
+                    <a:pt x="4324349" y="293520"/>
+                  </a:lnTo>
+                  <a:lnTo>
+                    <a:pt x="4360332" y="293520"/>
+                  </a:lnTo>
+                  <a:lnTo>
+                    <a:pt x="4360332" y="2967"/>
+                  </a:lnTo>
+                  <a:close/>
+                </a:path>
+              </a:pathLst>
+            </a:custGeom>
+            <a:gradFill flip="none" rotWithShape="1">
+              <a:gsLst>
+                <a:gs pos="0">
+                  <a:schemeClr val="accent1">
+                    <a:lumMod val="5000"/>
+                    <a:lumOff val="95000"/>
+                  </a:schemeClr>
+                </a:gs>
+                <a:gs pos="80000">
+                  <a:schemeClr val="accent1">
+                    <a:lumMod val="45000"/>
+                    <a:lumOff val="55000"/>
+                  </a:schemeClr>
+                </a:gs>
+                <a:gs pos="92000">
+                  <a:schemeClr val="accent5">
+                    <a:lumMod val="60000"/>
+                    <a:lumOff val="40000"/>
+                  </a:schemeClr>
+                </a:gs>
+                <a:gs pos="100000">
+                  <a:srgbClr val="002060"/>
+                </a:gs>
+              </a:gsLst>
+              <a:lin ang="0" scaled="1"/>
+              <a:tileRect/>
+            </a:gradFill>
+            <a:ln>
+              <a:noFill/>
+            </a:ln>
+            <a:effectLst>
+              <a:outerShdw blurRad="50800" dist="38100" dir="2700000" algn="tl" rotWithShape="0">
+                <a:prstClr val="black">
+                  <a:alpha val="40000"/>
+                </a:prstClr>
+              </a:outerShdw>
+            </a:effectLst>
+          </p:spPr>
+          <p:style>
+            <a:lnRef idx="2">
+              <a:schemeClr val="accent1">
+                <a:shade val="50000"/>
+              </a:schemeClr>
+            </a:lnRef>
+            <a:fillRef idx="1">
+              <a:schemeClr val="accent1"/>
+            </a:fillRef>
+            <a:effectRef idx="0">
+              <a:schemeClr val="accent1"/>
+            </a:effectRef>
+            <a:fontRef idx="minor">
+              <a:schemeClr val="lt1"/>
+            </a:fontRef>
+          </p:style>
+          <p:txBody>
+            <a:bodyPr rtlCol="0" anchor="ctr"/>
+            <a:lstStyle/>
+            <a:p>
+              <a:pPr algn="ctr"/>
+              <a:endParaRPr lang="ko-KR" altLang="en-US" sz="1600"/>
+            </a:p>
+          </p:txBody>
+        </p:sp>
+        <p:grpSp>
+          <p:nvGrpSpPr>
+            <p:cNvPr id="22" name="Group 42">
+              <a:extLst>
+                <a:ext uri="{FF2B5EF4-FFF2-40B4-BE49-F238E27FC236}">
+                  <a16:creationId xmlns:a16="http://schemas.microsoft.com/office/drawing/2014/main" id="{E547F232-2ACD-4709-8B45-88843E30DB6D}"/>
+                </a:ext>
+              </a:extLst>
+            </p:cNvPr>
+            <p:cNvGrpSpPr/>
+            <p:nvPr/>
+          </p:nvGrpSpPr>
+          <p:grpSpPr>
+            <a:xfrm>
+              <a:off x="301874" y="289279"/>
+              <a:ext cx="7140326" cy="329299"/>
+              <a:chOff x="706582" y="590204"/>
+              <a:chExt cx="7054714" cy="329299"/>
+            </a:xfrm>
+          </p:grpSpPr>
+          <p:sp>
+            <p:nvSpPr>
+              <p:cNvPr id="23" name="Rectangle 43">
+                <a:extLst>
+                  <a:ext uri="{FF2B5EF4-FFF2-40B4-BE49-F238E27FC236}">
+                    <a16:creationId xmlns:a16="http://schemas.microsoft.com/office/drawing/2014/main" id="{322B092B-A5FA-4E29-B4CA-63C76B6D4391}"/>
+                  </a:ext>
+                </a:extLst>
+              </p:cNvPr>
+              <p:cNvSpPr/>
+              <p:nvPr/>
+            </p:nvSpPr>
+            <p:spPr>
+              <a:xfrm>
+                <a:off x="706582" y="590204"/>
+                <a:ext cx="7054714" cy="329299"/>
+              </a:xfrm>
+              <a:prstGeom prst="rect">
+                <a:avLst/>
+              </a:prstGeom>
+              <a:gradFill>
+                <a:gsLst>
+                  <a:gs pos="0">
+                    <a:srgbClr val="002060"/>
+                  </a:gs>
+                  <a:gs pos="77000">
+                    <a:schemeClr val="accent5">
+                      <a:lumMod val="60000"/>
+                      <a:lumOff val="40000"/>
+                    </a:schemeClr>
+                  </a:gs>
+                  <a:gs pos="91000">
+                    <a:schemeClr val="accent5">
+                      <a:lumMod val="20000"/>
+                      <a:lumOff val="80000"/>
+                    </a:schemeClr>
+                  </a:gs>
+                  <a:gs pos="100000">
+                    <a:schemeClr val="bg1"/>
+                  </a:gs>
+                </a:gsLst>
+                <a:lin ang="0" scaled="1"/>
+              </a:gradFill>
+            </p:spPr>
+            <p:style>
+              <a:lnRef idx="0">
+                <a:schemeClr val="accent5"/>
+              </a:lnRef>
+              <a:fillRef idx="3">
+                <a:schemeClr val="accent5"/>
+              </a:fillRef>
+              <a:effectRef idx="3">
+                <a:schemeClr val="accent5"/>
+              </a:effectRef>
+              <a:fontRef idx="minor">
+                <a:schemeClr val="lt1"/>
+              </a:fontRef>
+            </p:style>
+            <p:txBody>
+              <a:bodyPr rtlCol="0" anchor="ctr"/>
+              <a:lstStyle/>
+              <a:p>
+                <a:pPr marL="360000"/>
+                <a:r>
+                  <a:rPr lang="ko-KR" altLang="en-US" sz="1600" dirty="0">
+                    <a:solidFill>
+                      <a:srgbClr val="FFFF00"/>
+                    </a:solidFill>
+                  </a:rPr>
+                  <a:t>히스토리</a:t>
+                </a:r>
+              </a:p>
+            </p:txBody>
+          </p:sp>
+          <p:sp>
+            <p:nvSpPr>
+              <p:cNvPr id="24" name="Flowchart: Off-page Connector 44">
+                <a:extLst>
+                  <a:ext uri="{FF2B5EF4-FFF2-40B4-BE49-F238E27FC236}">
+                    <a16:creationId xmlns:a16="http://schemas.microsoft.com/office/drawing/2014/main" id="{76F17480-110A-427B-92B9-31935A41AFD2}"/>
+                  </a:ext>
+                </a:extLst>
+              </p:cNvPr>
+              <p:cNvSpPr/>
+              <p:nvPr/>
+            </p:nvSpPr>
+            <p:spPr>
+              <a:xfrm rot="16200000">
+                <a:off x="807469" y="639422"/>
+                <a:ext cx="200288" cy="230861"/>
+              </a:xfrm>
+              <a:prstGeom prst="flowChartOffpageConnector">
+                <a:avLst/>
+              </a:prstGeom>
+              <a:solidFill>
+                <a:srgbClr val="00B050"/>
+              </a:solidFill>
+              <a:ln>
+                <a:solidFill>
+                  <a:srgbClr val="92D050"/>
+                </a:solidFill>
+              </a:ln>
+              <a:scene3d>
+                <a:camera prst="orthographicFront"/>
+                <a:lightRig rig="threePt" dir="t"/>
+              </a:scene3d>
+              <a:sp3d>
+                <a:bevelT/>
+              </a:sp3d>
+            </p:spPr>
+            <p:style>
+              <a:lnRef idx="2">
+                <a:schemeClr val="accent1">
+                  <a:shade val="50000"/>
+                </a:schemeClr>
+              </a:lnRef>
+              <a:fillRef idx="1">
+                <a:schemeClr val="accent1"/>
+              </a:fillRef>
+              <a:effectRef idx="0">
+                <a:schemeClr val="accent1"/>
+              </a:effectRef>
+              <a:fontRef idx="minor">
+                <a:schemeClr val="lt1"/>
+              </a:fontRef>
+            </p:style>
+            <p:txBody>
+              <a:bodyPr rtlCol="0" anchor="ctr"/>
+              <a:lstStyle/>
+              <a:p>
+                <a:pPr algn="ctr"/>
+                <a:endParaRPr lang="ko-KR" altLang="en-US" sz="1600">
+                  <a:solidFill>
+                    <a:srgbClr val="FFFF00"/>
+                  </a:solidFill>
+                </a:endParaRPr>
+              </a:p>
+            </p:txBody>
+          </p:sp>
+        </p:grpSp>
+      </p:grpSp>
+      <p:graphicFrame>
+        <p:nvGraphicFramePr>
+          <p:cNvPr id="68" name="표 67">
+            <a:extLst>
+              <a:ext uri="{FF2B5EF4-FFF2-40B4-BE49-F238E27FC236}">
+                <a16:creationId xmlns:a16="http://schemas.microsoft.com/office/drawing/2014/main" id="{9C0D12A7-3C12-4D3B-9C52-E5E8489DE8B8}"/>
+              </a:ext>
+            </a:extLst>
+          </p:cNvPr>
+          <p:cNvGraphicFramePr>
+            <a:graphicFrameLocks noGrp="1"/>
+          </p:cNvGraphicFramePr>
+          <p:nvPr>
+            <p:extLst>
+              <p:ext uri="{D42A27DB-BD31-4B8C-83A1-F6EECF244321}">
+                <p14:modId xmlns:p14="http://schemas.microsoft.com/office/powerpoint/2010/main" val="2925850441"/>
+              </p:ext>
+            </p:extLst>
+          </p:nvPr>
+        </p:nvGraphicFramePr>
+        <p:xfrm>
+          <a:off x="301874" y="886687"/>
+          <a:ext cx="11541336" cy="762000"/>
+        </p:xfrm>
+        <a:graphic>
+          <a:graphicData uri="http://schemas.openxmlformats.org/drawingml/2006/table">
+            <a:tbl>
+              <a:tblPr firstRow="1" bandRow="1">
+                <a:tableStyleId>{5C22544A-7EE6-4342-B048-85BDC9FD1C3A}</a:tableStyleId>
+              </a:tblPr>
+              <a:tblGrid>
+                <a:gridCol w="1165247">
+                  <a:extLst>
+                    <a:ext uri="{9D8B030D-6E8A-4147-A177-3AD203B41FA5}">
+                      <a16:colId xmlns:a16="http://schemas.microsoft.com/office/drawing/2014/main" val="3134397536"/>
+                    </a:ext>
+                  </a:extLst>
+                </a:gridCol>
+                <a:gridCol w="840650">
+                  <a:extLst>
+                    <a:ext uri="{9D8B030D-6E8A-4147-A177-3AD203B41FA5}">
+                      <a16:colId xmlns:a16="http://schemas.microsoft.com/office/drawing/2014/main" val="2010092017"/>
+                    </a:ext>
+                  </a:extLst>
+                </a:gridCol>
+                <a:gridCol w="9535439">
+                  <a:extLst>
+                    <a:ext uri="{9D8B030D-6E8A-4147-A177-3AD203B41FA5}">
+                      <a16:colId xmlns:a16="http://schemas.microsoft.com/office/drawing/2014/main" val="4257393149"/>
+                    </a:ext>
+                  </a:extLst>
+                </a:gridCol>
+              </a:tblGrid>
+              <a:tr h="0">
+                <a:tc>
+                  <a:txBody>
+                    <a:bodyPr/>
+                    <a:lstStyle/>
+                    <a:p>
+                      <a:pPr algn="ctr" latinLnBrk="1"/>
+                      <a:r>
+                        <a:rPr lang="ko-KR" altLang="en-US" sz="1050" dirty="0"/>
+                        <a:t>날짜</a:t>
+                      </a:r>
+                    </a:p>
+                  </a:txBody>
+                  <a:tcPr anchor="ctr"/>
+                </a:tc>
+                <a:tc>
+                  <a:txBody>
+                    <a:bodyPr/>
+                    <a:lstStyle/>
+                    <a:p>
+                      <a:pPr algn="ctr" latinLnBrk="1"/>
+                      <a:r>
+                        <a:rPr lang="ko-KR" altLang="en-US" sz="1200" dirty="0"/>
+                        <a:t>담당자</a:t>
+                      </a:r>
+                    </a:p>
+                  </a:txBody>
+                  <a:tcPr anchor="ctr"/>
+                </a:tc>
+                <a:tc>
+                  <a:txBody>
+                    <a:bodyPr/>
+                    <a:lstStyle/>
+                    <a:p>
+                      <a:pPr algn="ctr" latinLnBrk="1"/>
+                      <a:r>
+                        <a:rPr lang="ko-KR" altLang="en-US" sz="1200" dirty="0"/>
+                        <a:t>내용</a:t>
+                      </a:r>
+                    </a:p>
+                  </a:txBody>
+                  <a:tcPr anchor="ctr"/>
+                </a:tc>
+                <a:extLst>
+                  <a:ext uri="{0D108BD9-81ED-4DB2-BD59-A6C34878D82A}">
+                    <a16:rowId xmlns:a16="http://schemas.microsoft.com/office/drawing/2014/main" val="4051659418"/>
+                  </a:ext>
+                </a:extLst>
+              </a:tr>
+              <a:tr h="0">
+                <a:tc>
+                  <a:txBody>
+                    <a:bodyPr/>
+                    <a:lstStyle/>
+                    <a:p>
+                      <a:pPr algn="ctr" latinLnBrk="1"/>
+                      <a:r>
+                        <a:rPr lang="en-US" altLang="ko-KR" sz="1000" dirty="0"/>
+                        <a:t>2020.07.17</a:t>
+                      </a:r>
+                      <a:endParaRPr lang="ko-KR" altLang="en-US" sz="1000" dirty="0"/>
+                    </a:p>
+                  </a:txBody>
+                  <a:tcPr anchor="ctr"/>
+                </a:tc>
+                <a:tc>
+                  <a:txBody>
+                    <a:bodyPr/>
+                    <a:lstStyle/>
+                    <a:p>
+                      <a:pPr algn="ctr" latinLnBrk="1"/>
+                      <a:r>
+                        <a:rPr lang="ko-KR" altLang="en-US" sz="1000" dirty="0"/>
+                        <a:t>문상윤</a:t>
+                      </a:r>
+                      <a:endParaRPr lang="en-US" altLang="ko-KR" sz="1000" dirty="0"/>
+                    </a:p>
+                  </a:txBody>
+                  <a:tcPr anchor="ctr"/>
+                </a:tc>
+                <a:tc>
+                  <a:txBody>
+                    <a:bodyPr/>
+                    <a:lstStyle/>
+                    <a:p>
+                      <a:pPr algn="ctr" latinLnBrk="1"/>
+                      <a:r>
+                        <a:rPr lang="ko-KR" altLang="en-US" sz="1000" dirty="0"/>
+                        <a:t>최초 작성</a:t>
+                      </a:r>
+                      <a:endParaRPr lang="en-US" altLang="ko-KR" sz="1000" dirty="0"/>
+                    </a:p>
+                  </a:txBody>
+                  <a:tcPr marL="0" marR="0" marT="0" marB="0" anchor="ctr"/>
+                </a:tc>
+                <a:extLst>
+                  <a:ext uri="{0D108BD9-81ED-4DB2-BD59-A6C34878D82A}">
+                    <a16:rowId xmlns:a16="http://schemas.microsoft.com/office/drawing/2014/main" val="1796892928"/>
+                  </a:ext>
+                </a:extLst>
+              </a:tr>
+              <a:tr h="0">
+                <a:tc>
+                  <a:txBody>
+                    <a:bodyPr/>
+                    <a:lstStyle/>
+                    <a:p>
+                      <a:pPr algn="ctr" latinLnBrk="1"/>
+                      <a:r>
+                        <a:rPr lang="en-US" altLang="ko-KR" sz="1000" dirty="0"/>
+                        <a:t>2020.07.20</a:t>
+                      </a:r>
+                      <a:endParaRPr lang="ko-KR" altLang="en-US" sz="1000" dirty="0"/>
+                    </a:p>
+                  </a:txBody>
+                  <a:tcPr anchor="ctr"/>
+                </a:tc>
+                <a:tc>
+                  <a:txBody>
+                    <a:bodyPr/>
+                    <a:lstStyle/>
+                    <a:p>
+                      <a:pPr algn="ctr" latinLnBrk="1"/>
+                      <a:r>
+                        <a:rPr lang="ko-KR" altLang="en-US" sz="1000"/>
+                        <a:t>문상윤</a:t>
+                      </a:r>
+                      <a:endParaRPr lang="en-US" altLang="ko-KR" sz="1000" dirty="0"/>
+                    </a:p>
+                  </a:txBody>
+                  <a:tcPr anchor="ctr"/>
+                </a:tc>
+                <a:tc>
+                  <a:txBody>
+                    <a:bodyPr/>
+                    <a:lstStyle/>
+                    <a:p>
+                      <a:pPr algn="ctr" latinLnBrk="1"/>
+                      <a:r>
+                        <a:rPr lang="ko-KR" altLang="en-US" sz="1000" dirty="0"/>
+                        <a:t>점프</a:t>
+                      </a:r>
+                      <a:r>
+                        <a:rPr lang="en-US" altLang="ko-KR" sz="1000" dirty="0"/>
+                        <a:t>, </a:t>
+                      </a:r>
+                      <a:r>
+                        <a:rPr lang="ko-KR" altLang="en-US" sz="1000" dirty="0"/>
+                        <a:t>펀치 속도 변경 내용 추가 및 수정</a:t>
+                      </a:r>
+                      <a:endParaRPr lang="en-US" altLang="ko-KR" sz="1000" dirty="0"/>
+                    </a:p>
+                  </a:txBody>
+                  <a:tcPr marL="0" marR="0" marT="0" marB="0" anchor="ctr"/>
+                </a:tc>
+                <a:extLst>
+                  <a:ext uri="{0D108BD9-81ED-4DB2-BD59-A6C34878D82A}">
+                    <a16:rowId xmlns:a16="http://schemas.microsoft.com/office/drawing/2014/main" val="2475897338"/>
+                  </a:ext>
+                </a:extLst>
+              </a:tr>
+            </a:tbl>
+          </a:graphicData>
+        </a:graphic>
+      </p:graphicFrame>
+    </p:spTree>
+    <p:extLst>
+      <p:ext uri="{BB962C8B-B14F-4D97-AF65-F5344CB8AC3E}">
+        <p14:creationId xmlns:p14="http://schemas.microsoft.com/office/powerpoint/2010/main" val="224528122"/>
+      </p:ext>
+    </p:extLst>
+  </p:cSld>
+  <p:clrMapOvr>
+    <a:masterClrMapping/>
+  </p:clrMapOvr>
+</p:sld>
+</file>
+
+<file path=ppt/slides/slide3.xml><?xml version="1.0" encoding="utf-8"?>
+<p:sld xmlns:a="http://schemas.openxmlformats.org/drawingml/2006/main" xmlns:r="http://schemas.openxmlformats.org/officeDocument/2006/relationships" xmlns:p="http://schemas.openxmlformats.org/presentationml/2006/main">
+  <p:cSld>
+    <p:spTree>
+      <p:nvGrpSpPr>
+        <p:cNvPr id="1" name=""/>
+        <p:cNvGrpSpPr/>
+        <p:nvPr/>
+      </p:nvGrpSpPr>
+      <p:grpSpPr>
+        <a:xfrm>
+          <a:off x="0" y="0"/>
+          <a:ext cx="0" cy="0"/>
+          <a:chOff x="0" y="0"/>
+          <a:chExt cx="0" cy="0"/>
+        </a:xfrm>
+      </p:grpSpPr>
+      <p:sp>
+        <p:nvSpPr>
           <p:cNvPr id="3" name="TextBox 2">
             <a:extLst>
               <a:ext uri="{FF2B5EF4-FFF2-40B4-BE49-F238E27FC236}">
@@ -4060,7 +7886,7 @@
                   <a:schemeClr val="bg1"/>
                 </a:solidFill>
               </a:rPr>
-              <a:t>2</a:t>
+              <a:t>3</a:t>
             </a:fld>
             <a:endParaRPr lang="ko-KR" altLang="en-US" b="1" dirty="0">
               <a:solidFill>
@@ -4083,7 +7909,7 @@
 </p:sld>
 </file>
 
-<file path=ppt/slides/slide3.xml><?xml version="1.0" encoding="utf-8"?>
+<file path=ppt/slides/slide4.xml><?xml version="1.0" encoding="utf-8"?>
 <p:sld xmlns:a="http://schemas.openxmlformats.org/drawingml/2006/main" xmlns:r="http://schemas.openxmlformats.org/officeDocument/2006/relationships" xmlns:p="http://schemas.openxmlformats.org/presentationml/2006/main">
   <p:cSld>
     <p:spTree>
@@ -4788,7 +8614,7 @@
           <a:p>
             <a:fld id="{A8E1BB39-725C-444B-809E-419522618855}" type="slidenum">
               <a:rPr lang="ko-KR" altLang="en-US" smtClean="0"/>
-              <a:t>3</a:t>
+              <a:t>4</a:t>
             </a:fld>
             <a:endParaRPr lang="ko-KR" altLang="en-US" dirty="0"/>
           </a:p>
@@ -4845,7 +8671,7 @@
         <p:spPr>
           <a:xfrm>
             <a:off x="622177" y="1110856"/>
-            <a:ext cx="5839583" cy="2769989"/>
+            <a:ext cx="5839583" cy="4370427"/>
           </a:xfrm>
           <a:prstGeom prst="rect">
             <a:avLst/>
@@ -5151,27 +8977,27 @@
               <a:buChar char="•"/>
             </a:pPr>
             <a:r>
-              <a:rPr lang="ko-KR" altLang="en-US" sz="1200" dirty="0"/>
+              <a:rPr lang="ko-KR" altLang="en-US" sz="1200" strike="sngStrike" dirty="0"/>
               <a:t>장애물 간의 거리</a:t>
             </a:r>
             <a:r>
-              <a:rPr lang="en-US" altLang="ko-KR" sz="1200" dirty="0"/>
+              <a:rPr lang="en-US" altLang="ko-KR" sz="1200" strike="sngStrike" dirty="0"/>
               <a:t>(</a:t>
             </a:r>
             <a:r>
-              <a:rPr lang="ko-KR" altLang="en-US" sz="1200" dirty="0"/>
+              <a:rPr lang="ko-KR" altLang="en-US" sz="1200" strike="sngStrike" dirty="0"/>
               <a:t>세로</a:t>
             </a:r>
             <a:r>
-              <a:rPr lang="en-US" altLang="ko-KR" sz="1200" dirty="0"/>
+              <a:rPr lang="en-US" altLang="ko-KR" sz="1200" strike="sngStrike" dirty="0"/>
               <a:t>)</a:t>
             </a:r>
             <a:r>
-              <a:rPr lang="ko-KR" altLang="en-US" sz="1200" dirty="0"/>
+              <a:rPr lang="ko-KR" altLang="en-US" sz="1200" strike="sngStrike" dirty="0"/>
               <a:t>는 동일하지만 시간이 지날수록 이동속도가 빨라진다</a:t>
             </a:r>
             <a:r>
-              <a:rPr lang="en-US" altLang="ko-KR" sz="1200" dirty="0"/>
+              <a:rPr lang="en-US" altLang="ko-KR" sz="1200" strike="sngStrike" dirty="0"/>
               <a:t>.</a:t>
             </a:r>
           </a:p>
@@ -5189,6 +9015,282 @@
             </a:r>
             <a:r>
               <a:rPr lang="en-US" altLang="ko-KR" sz="1200" dirty="0"/>
+              <a:t>.</a:t>
+            </a:r>
+          </a:p>
+          <a:p>
+            <a:pPr marL="228600" indent="-228600" algn="l" defTabSz="540000">
+              <a:spcAft>
+                <a:spcPts val="600"/>
+              </a:spcAft>
+              <a:buFont typeface="Arial" panose="020B0604020202020204" pitchFamily="34" charset="0"/>
+              <a:buChar char="•"/>
+            </a:pPr>
+            <a:r>
+              <a:rPr lang="ko-KR" altLang="en-US" sz="1200" dirty="0">
+                <a:solidFill>
+                  <a:srgbClr val="0070C0"/>
+                </a:solidFill>
+              </a:rPr>
+              <a:t>사용자의 </a:t>
+            </a:r>
+            <a:r>
+              <a:rPr lang="ko-KR" altLang="en-US" sz="1200" dirty="0" err="1">
+                <a:solidFill>
+                  <a:srgbClr val="0070C0"/>
+                </a:solidFill>
+              </a:rPr>
+              <a:t>양발</a:t>
+            </a:r>
+            <a:r>
+              <a:rPr lang="ko-KR" altLang="en-US" sz="1200" dirty="0">
+                <a:solidFill>
+                  <a:srgbClr val="0070C0"/>
+                </a:solidFill>
+              </a:rPr>
+              <a:t> 높이와 발을 올렸다 내리는 속도를 체크하여 이동 속도</a:t>
+            </a:r>
+            <a:r>
+              <a:rPr lang="en-US" altLang="ko-KR" sz="1200" dirty="0">
+                <a:solidFill>
+                  <a:srgbClr val="0070C0"/>
+                </a:solidFill>
+              </a:rPr>
+              <a:t>(</a:t>
+            </a:r>
+            <a:r>
+              <a:rPr lang="ko-KR" altLang="en-US" sz="1200" dirty="0">
+                <a:solidFill>
+                  <a:srgbClr val="0070C0"/>
+                </a:solidFill>
+              </a:rPr>
+              <a:t>혹은 화면 스크롤 속도</a:t>
+            </a:r>
+            <a:r>
+              <a:rPr lang="en-US" altLang="ko-KR" sz="1200" dirty="0">
+                <a:solidFill>
+                  <a:srgbClr val="0070C0"/>
+                </a:solidFill>
+              </a:rPr>
+              <a:t>)</a:t>
+            </a:r>
+            <a:r>
+              <a:rPr lang="ko-KR" altLang="en-US" sz="1200" dirty="0">
+                <a:solidFill>
+                  <a:srgbClr val="0070C0"/>
+                </a:solidFill>
+              </a:rPr>
+              <a:t>가 빨라진다</a:t>
+            </a:r>
+            <a:r>
+              <a:rPr lang="en-US" altLang="ko-KR" sz="1200" dirty="0">
+                <a:solidFill>
+                  <a:srgbClr val="0070C0"/>
+                </a:solidFill>
+              </a:rPr>
+              <a:t>. </a:t>
+            </a:r>
+            <a:r>
+              <a:rPr lang="ko-KR" altLang="en-US" sz="1200" dirty="0">
+                <a:solidFill>
+                  <a:srgbClr val="0070C0"/>
+                </a:solidFill>
+              </a:rPr>
+              <a:t>사용자의 동작이 없다면 </a:t>
+            </a:r>
+            <a:r>
+              <a:rPr lang="en-US" altLang="ko-KR" sz="1200" dirty="0">
+                <a:solidFill>
+                  <a:srgbClr val="0070C0"/>
+                </a:solidFill>
+              </a:rPr>
+              <a:t>default </a:t>
+            </a:r>
+            <a:r>
+              <a:rPr lang="ko-KR" altLang="en-US" sz="1200" dirty="0">
+                <a:solidFill>
+                  <a:srgbClr val="0070C0"/>
+                </a:solidFill>
+              </a:rPr>
+              <a:t>속도 최하 속도로 화면이 스크롤된다</a:t>
+            </a:r>
+            <a:r>
+              <a:rPr lang="en-US" altLang="ko-KR" sz="1200" dirty="0">
+                <a:solidFill>
+                  <a:srgbClr val="0070C0"/>
+                </a:solidFill>
+              </a:rPr>
+              <a:t>.</a:t>
+            </a:r>
+          </a:p>
+          <a:p>
+            <a:pPr marL="228600" indent="-228600" algn="l" defTabSz="540000">
+              <a:spcAft>
+                <a:spcPts val="600"/>
+              </a:spcAft>
+              <a:buFont typeface="Arial" panose="020B0604020202020204" pitchFamily="34" charset="0"/>
+              <a:buChar char="•"/>
+            </a:pPr>
+            <a:r>
+              <a:rPr lang="ko-KR" altLang="en-US" sz="1200" dirty="0">
+                <a:solidFill>
+                  <a:srgbClr val="0070C0"/>
+                </a:solidFill>
+              </a:rPr>
+              <a:t>장애물은 좌</a:t>
+            </a:r>
+            <a:r>
+              <a:rPr lang="en-US" altLang="ko-KR" sz="1200" dirty="0">
+                <a:solidFill>
+                  <a:srgbClr val="0070C0"/>
+                </a:solidFill>
+              </a:rPr>
+              <a:t>, </a:t>
+            </a:r>
+            <a:r>
+              <a:rPr lang="ko-KR" altLang="en-US" sz="1200" dirty="0">
+                <a:solidFill>
+                  <a:srgbClr val="0070C0"/>
+                </a:solidFill>
+              </a:rPr>
+              <a:t>우 이동을 통해서 피할 수도 있고 두 발 점프를 통해서도 회피할 수 있다</a:t>
+            </a:r>
+            <a:r>
+              <a:rPr lang="en-US" altLang="ko-KR" sz="1200" dirty="0">
+                <a:solidFill>
+                  <a:srgbClr val="0070C0"/>
+                </a:solidFill>
+              </a:rPr>
+              <a:t>.</a:t>
+            </a:r>
+          </a:p>
+          <a:p>
+            <a:pPr marL="228600" indent="-228600" algn="l" defTabSz="540000">
+              <a:spcAft>
+                <a:spcPts val="600"/>
+              </a:spcAft>
+              <a:buFont typeface="Arial" panose="020B0604020202020204" pitchFamily="34" charset="0"/>
+              <a:buChar char="•"/>
+            </a:pPr>
+            <a:r>
+              <a:rPr lang="ko-KR" altLang="en-US" sz="1200" dirty="0">
+                <a:solidFill>
+                  <a:srgbClr val="0070C0"/>
+                </a:solidFill>
+              </a:rPr>
+              <a:t>나무</a:t>
+            </a:r>
+            <a:r>
+              <a:rPr lang="en-US" altLang="ko-KR" sz="1200" dirty="0">
+                <a:solidFill>
+                  <a:srgbClr val="0070C0"/>
+                </a:solidFill>
+              </a:rPr>
+              <a:t>, </a:t>
+            </a:r>
+            <a:r>
+              <a:rPr lang="ko-KR" altLang="en-US" sz="1200" dirty="0">
+                <a:solidFill>
+                  <a:srgbClr val="0070C0"/>
+                </a:solidFill>
+              </a:rPr>
+              <a:t>구덩이 등 하단에 깔리는 장애물은 좌우 </a:t>
+            </a:r>
+            <a:r>
+              <a:rPr lang="en-US" altLang="ko-KR" sz="1200" dirty="0">
+                <a:solidFill>
+                  <a:srgbClr val="0070C0"/>
+                </a:solidFill>
+              </a:rPr>
+              <a:t>‘</a:t>
+            </a:r>
+            <a:r>
+              <a:rPr lang="ko-KR" altLang="en-US" sz="1200" dirty="0">
+                <a:solidFill>
+                  <a:srgbClr val="0070C0"/>
+                </a:solidFill>
+              </a:rPr>
+              <a:t>이동 및 점프</a:t>
+            </a:r>
+            <a:r>
+              <a:rPr lang="en-US" altLang="ko-KR" sz="1200" dirty="0">
+                <a:solidFill>
+                  <a:srgbClr val="0070C0"/>
+                </a:solidFill>
+              </a:rPr>
+              <a:t>’</a:t>
+            </a:r>
+            <a:r>
+              <a:rPr lang="ko-KR" altLang="en-US" sz="1200" dirty="0">
+                <a:solidFill>
+                  <a:srgbClr val="0070C0"/>
+                </a:solidFill>
+              </a:rPr>
+              <a:t>를 통해 회피한다</a:t>
+            </a:r>
+            <a:r>
+              <a:rPr lang="en-US" altLang="ko-KR" sz="1200" dirty="0">
+                <a:solidFill>
+                  <a:srgbClr val="0070C0"/>
+                </a:solidFill>
+              </a:rPr>
+              <a:t>.</a:t>
+            </a:r>
+          </a:p>
+          <a:p>
+            <a:pPr marL="228600" indent="-228600" algn="l" defTabSz="540000">
+              <a:spcAft>
+                <a:spcPts val="600"/>
+              </a:spcAft>
+              <a:buFont typeface="Arial" panose="020B0604020202020204" pitchFamily="34" charset="0"/>
+              <a:buChar char="•"/>
+            </a:pPr>
+            <a:r>
+              <a:rPr lang="ko-KR" altLang="en-US" sz="1200" dirty="0">
+                <a:solidFill>
+                  <a:srgbClr val="0070C0"/>
+                </a:solidFill>
+              </a:rPr>
+              <a:t>단 상단에 풍선 오브젝트는 </a:t>
+            </a:r>
+            <a:r>
+              <a:rPr lang="en-US" altLang="ko-KR" sz="1200" dirty="0">
+                <a:solidFill>
+                  <a:srgbClr val="0070C0"/>
+                </a:solidFill>
+              </a:rPr>
+              <a:t>‘</a:t>
+            </a:r>
+            <a:r>
+              <a:rPr lang="ko-KR" altLang="en-US" sz="1200" dirty="0">
+                <a:solidFill>
+                  <a:srgbClr val="0070C0"/>
+                </a:solidFill>
+              </a:rPr>
+              <a:t>펀치</a:t>
+            </a:r>
+            <a:r>
+              <a:rPr lang="en-US" altLang="ko-KR" sz="1200" dirty="0">
+                <a:solidFill>
+                  <a:srgbClr val="0070C0"/>
+                </a:solidFill>
+              </a:rPr>
+              <a:t>’</a:t>
+            </a:r>
+            <a:r>
+              <a:rPr lang="ko-KR" altLang="en-US" sz="1200" dirty="0">
+                <a:solidFill>
+                  <a:srgbClr val="0070C0"/>
+                </a:solidFill>
+              </a:rPr>
+              <a:t>를 통해서 터트릴 수 있다</a:t>
+            </a:r>
+            <a:r>
+              <a:rPr lang="en-US" altLang="ko-KR" sz="1200" dirty="0">
+                <a:solidFill>
+                  <a:srgbClr val="0070C0"/>
+                </a:solidFill>
+              </a:rPr>
               <a:t>.</a:t>
             </a:r>
           </a:p>
@@ -5497,7 +9599,7 @@
 </p:sld>
 </file>
 
-<file path=ppt/slides/slide4.xml><?xml version="1.0" encoding="utf-8"?>
+<file path=ppt/slides/slide5.xml><?xml version="1.0" encoding="utf-8"?>
 <p:sld xmlns:a="http://schemas.openxmlformats.org/drawingml/2006/main" xmlns:r="http://schemas.openxmlformats.org/officeDocument/2006/relationships" xmlns:p="http://schemas.openxmlformats.org/presentationml/2006/main">
   <p:cSld>
     <p:spTree>
@@ -6202,7 +10304,7 @@
           <a:p>
             <a:fld id="{A8E1BB39-725C-444B-809E-419522618855}" type="slidenum">
               <a:rPr lang="ko-KR" altLang="en-US" smtClean="0"/>
-              <a:t>4</a:t>
+              <a:t>5</a:t>
             </a:fld>
             <a:endParaRPr lang="ko-KR" altLang="en-US" dirty="0"/>
           </a:p>
@@ -6223,7 +10325,7 @@
         <p:spPr>
           <a:xfrm>
             <a:off x="4697789" y="1188311"/>
-            <a:ext cx="6524638" cy="1951496"/>
+            <a:ext cx="6524638" cy="3014351"/>
           </a:xfrm>
           <a:prstGeom prst="rect">
             <a:avLst/>
@@ -6416,8 +10518,153 @@
             </a:r>
             <a:r>
               <a:rPr lang="en-US" altLang="ko-KR" sz="1200" dirty="0"/>
-              <a:t>.</a:t>
-            </a:r>
+              <a:t>.(</a:t>
+            </a:r>
+            <a:r>
+              <a:rPr lang="ko-KR" altLang="en-US" sz="1200" dirty="0"/>
+              <a:t>사용자 좌우</a:t>
+            </a:r>
+            <a:r>
+              <a:rPr lang="en-US" altLang="ko-KR" sz="1200" dirty="0"/>
+              <a:t>)</a:t>
+            </a:r>
+          </a:p>
+          <a:p>
+            <a:pPr marL="228600" indent="-228600" algn="l" defTabSz="540000">
+              <a:lnSpc>
+                <a:spcPct val="130000"/>
+              </a:lnSpc>
+              <a:spcAft>
+                <a:spcPts val="400"/>
+              </a:spcAft>
+              <a:buFont typeface="Arial" panose="020B0604020202020204" pitchFamily="34" charset="0"/>
+              <a:buChar char="•"/>
+            </a:pPr>
+            <a:r>
+              <a:rPr lang="ko-KR" altLang="en-US" sz="1200" dirty="0">
+                <a:solidFill>
+                  <a:srgbClr val="0070C0"/>
+                </a:solidFill>
+              </a:rPr>
+              <a:t>전면 스크린에 </a:t>
+            </a:r>
+            <a:r>
+              <a:rPr lang="en-US" altLang="ko-KR" sz="1200" dirty="0">
+                <a:solidFill>
+                  <a:srgbClr val="0070C0"/>
+                </a:solidFill>
+              </a:rPr>
+              <a:t>3D </a:t>
+            </a:r>
+            <a:r>
+              <a:rPr lang="ko-KR" altLang="en-US" sz="1200" dirty="0">
+                <a:solidFill>
+                  <a:srgbClr val="0070C0"/>
+                </a:solidFill>
+              </a:rPr>
+              <a:t>모델링 캐릭터</a:t>
+            </a:r>
+            <a:r>
+              <a:rPr lang="en-US" altLang="ko-KR" sz="1200" dirty="0">
+                <a:solidFill>
+                  <a:srgbClr val="0070C0"/>
+                </a:solidFill>
+              </a:rPr>
+              <a:t>(</a:t>
+            </a:r>
+            <a:r>
+              <a:rPr lang="ko-KR" altLang="en-US" sz="1200" dirty="0">
+                <a:solidFill>
+                  <a:srgbClr val="0070C0"/>
+                </a:solidFill>
+              </a:rPr>
+              <a:t>스냅샷 캐릭터라고 명명</a:t>
+            </a:r>
+            <a:r>
+              <a:rPr lang="en-US" altLang="ko-KR" sz="1200" dirty="0">
+                <a:solidFill>
+                  <a:srgbClr val="0070C0"/>
+                </a:solidFill>
+              </a:rPr>
+              <a:t>)</a:t>
+            </a:r>
+            <a:r>
+              <a:rPr lang="ko-KR" altLang="en-US" sz="1200" dirty="0">
+                <a:solidFill>
+                  <a:srgbClr val="0070C0"/>
+                </a:solidFill>
+              </a:rPr>
+              <a:t>를 표시해주고 사용자의 발 속도에 따라 스냅샷 캐릭터의 애니메이션 속도가 변경된다</a:t>
+            </a:r>
+            <a:r>
+              <a:rPr lang="en-US" altLang="ko-KR" sz="1200" dirty="0">
+                <a:solidFill>
+                  <a:srgbClr val="0070C0"/>
+                </a:solidFill>
+              </a:rPr>
+              <a:t>. </a:t>
+            </a:r>
+            <a:r>
+              <a:rPr lang="ko-KR" altLang="en-US" sz="1200" dirty="0">
+                <a:solidFill>
+                  <a:srgbClr val="0070C0"/>
+                </a:solidFill>
+              </a:rPr>
+              <a:t>사용</a:t>
+            </a:r>
+            <a:r>
+              <a:rPr lang="en-US" altLang="ko-KR" sz="1200" dirty="0">
+                <a:solidFill>
+                  <a:srgbClr val="0070C0"/>
+                </a:solidFill>
+              </a:rPr>
+              <a:t>	</a:t>
+            </a:r>
+            <a:r>
+              <a:rPr lang="ko-KR" altLang="en-US" sz="1200" dirty="0">
+                <a:solidFill>
+                  <a:srgbClr val="0070C0"/>
+                </a:solidFill>
+              </a:rPr>
+              <a:t>자가 점프를 하면 점프를 한다</a:t>
+            </a:r>
+            <a:r>
+              <a:rPr lang="en-US" altLang="ko-KR" sz="1200" dirty="0">
+                <a:solidFill>
+                  <a:srgbClr val="0070C0"/>
+                </a:solidFill>
+              </a:rPr>
+              <a:t>.(R&amp;D </a:t>
+            </a:r>
+            <a:r>
+              <a:rPr lang="ko-KR" altLang="en-US" sz="1200" dirty="0">
+                <a:solidFill>
+                  <a:srgbClr val="0070C0"/>
+                </a:solidFill>
+              </a:rPr>
+              <a:t>필요</a:t>
+            </a:r>
+            <a:r>
+              <a:rPr lang="en-US" altLang="ko-KR" sz="1200" dirty="0">
+                <a:solidFill>
+                  <a:srgbClr val="0070C0"/>
+                </a:solidFill>
+              </a:rPr>
+              <a:t>)</a:t>
+            </a:r>
+          </a:p>
+          <a:p>
+            <a:pPr marL="228600" indent="-228600" algn="l" defTabSz="540000">
+              <a:lnSpc>
+                <a:spcPct val="130000"/>
+              </a:lnSpc>
+              <a:spcAft>
+                <a:spcPts val="400"/>
+              </a:spcAft>
+              <a:buFont typeface="Arial" panose="020B0604020202020204" pitchFamily="34" charset="0"/>
+              <a:buChar char="•"/>
+            </a:pPr>
+            <a:endParaRPr lang="en-US" altLang="ko-KR" sz="1200" dirty="0"/>
           </a:p>
         </p:txBody>
       </p:sp>
@@ -6748,8 +10995,8 @@
         </p:nvSpPr>
         <p:spPr>
           <a:xfrm>
-            <a:off x="305274" y="4710505"/>
-            <a:ext cx="1255642" cy="1644942"/>
+            <a:off x="291935" y="4710505"/>
+            <a:ext cx="1268981" cy="1644942"/>
           </a:xfrm>
           <a:prstGeom prst="rect">
             <a:avLst/>
@@ -9096,6 +13343,50 @@
           </a:p>
         </p:txBody>
       </p:sp>
+      <p:pic>
+        <p:nvPicPr>
+          <p:cNvPr id="4" name="그림 3">
+            <a:extLst>
+              <a:ext uri="{FF2B5EF4-FFF2-40B4-BE49-F238E27FC236}">
+                <a16:creationId xmlns:a16="http://schemas.microsoft.com/office/drawing/2014/main" id="{F54E83B4-B6F2-41BA-A4B5-55AD574E84C2}"/>
+              </a:ext>
+            </a:extLst>
+          </p:cNvPr>
+          <p:cNvPicPr>
+            <a:picLocks noChangeAspect="1"/>
+          </p:cNvPicPr>
+          <p:nvPr/>
+        </p:nvPicPr>
+        <p:blipFill>
+          <a:blip r:embed="rId3">
+            <a:extLst>
+              <a:ext uri="{BEBA8EAE-BF5A-486C-A8C5-ECC9F3942E4B}">
+                <a14:imgProps xmlns:a14="http://schemas.microsoft.com/office/drawing/2010/main">
+                  <a14:imgLayer r:embed="rId4">
+                    <a14:imgEffect>
+                      <a14:backgroundRemoval t="9396" b="89933" l="9843" r="89933">
+                        <a14:foregroundMark x1="45414" y1="9843" x2="48770" y2="9396"/>
+                      </a14:backgroundRemoval>
+                    </a14:imgEffect>
+                  </a14:imgLayer>
+                </a14:imgProps>
+              </a:ext>
+            </a:extLst>
+          </a:blip>
+          <a:stretch>
+            <a:fillRect/>
+          </a:stretch>
+        </p:blipFill>
+        <p:spPr>
+          <a:xfrm>
+            <a:off x="1659997" y="2244121"/>
+            <a:ext cx="1156301" cy="1156301"/>
+          </a:xfrm>
+          <a:prstGeom prst="rect">
+            <a:avLst/>
+          </a:prstGeom>
+        </p:spPr>
+      </p:pic>
     </p:spTree>
     <p:extLst>
       <p:ext uri="{BB962C8B-B14F-4D97-AF65-F5344CB8AC3E}">
@@ -9109,7 +13400,7 @@
 </p:sld>
 </file>
 
-<file path=ppt/slides/slide5.xml><?xml version="1.0" encoding="utf-8"?>
+<file path=ppt/slides/slide6.xml><?xml version="1.0" encoding="utf-8"?>
 <p:sld xmlns:a="http://schemas.openxmlformats.org/drawingml/2006/main" xmlns:r="http://schemas.openxmlformats.org/officeDocument/2006/relationships" xmlns:p="http://schemas.openxmlformats.org/presentationml/2006/main">
   <p:cSld>
     <p:spTree>
@@ -9814,7 +14105,7 @@
           <a:p>
             <a:fld id="{A8E1BB39-725C-444B-809E-419522618855}" type="slidenum">
               <a:rPr lang="ko-KR" altLang="en-US" smtClean="0"/>
-              <a:t>5</a:t>
+              <a:t>6</a:t>
             </a:fld>
             <a:endParaRPr lang="ko-KR" altLang="en-US" dirty="0"/>
           </a:p>
@@ -9892,7 +14183,7 @@
             </a:r>
             <a:r>
               <a:rPr lang="en-US" altLang="ko-KR" sz="1200" dirty="0"/>
-              <a:t>1:1:2:1:1</a:t>
+              <a:t>1:1:1</a:t>
             </a:r>
             <a:r>
               <a:rPr lang="ko-KR" altLang="en-US" sz="1200" dirty="0"/>
@@ -9920,7 +14211,7 @@
             </a:r>
             <a:r>
               <a:rPr lang="en-US" altLang="ko-KR" sz="1200" dirty="0"/>
-              <a:t>5</a:t>
+              <a:t>3</a:t>
             </a:r>
             <a:r>
               <a:rPr lang="ko-KR" altLang="en-US" sz="1200" dirty="0"/>
@@ -9950,26 +14241,6 @@
               <a:rPr lang="ko-KR" altLang="en-US" sz="1100" dirty="0" err="1"/>
               <a:t>양발</a:t>
             </a:r>
-            <a:r>
-              <a:rPr lang="ko-KR" altLang="en-US" sz="1100" dirty="0"/>
-              <a:t> </a:t>
-            </a:r>
-            <a:r>
-              <a:rPr lang="en-US" altLang="ko-KR" sz="1100" dirty="0"/>
-              <a:t>: 1</a:t>
-            </a:r>
-            <a:r>
-              <a:rPr lang="ko-KR" altLang="en-US" sz="1100" dirty="0"/>
-              <a:t>번 왼발</a:t>
-            </a:r>
-            <a:r>
-              <a:rPr lang="en-US" altLang="ko-KR" sz="1100" dirty="0"/>
-              <a:t>, 2</a:t>
-            </a:r>
-            <a:r>
-              <a:rPr lang="ko-KR" altLang="en-US" sz="1100" dirty="0"/>
-              <a:t>번 오른발</a:t>
-            </a:r>
             <a:endParaRPr lang="en-US" altLang="ko-KR" sz="1100" dirty="0"/>
           </a:p>
           <a:p>
@@ -9991,22 +14262,6 @@
               <a:rPr lang="ko-KR" altLang="en-US" sz="1100" dirty="0" err="1"/>
               <a:t>양발</a:t>
             </a:r>
-            <a:r>
-              <a:rPr lang="ko-KR" altLang="en-US" sz="1100" dirty="0"/>
-              <a:t> </a:t>
-            </a:r>
-            <a:r>
-              <a:rPr lang="en-US" altLang="ko-KR" sz="1100" dirty="0"/>
-              <a:t>: 3</a:t>
-            </a:r>
-            <a:r>
-              <a:rPr lang="ko-KR" altLang="en-US" sz="1100" dirty="0"/>
-              <a:t>번에 </a:t>
-            </a:r>
-            <a:r>
-              <a:rPr lang="ko-KR" altLang="en-US" sz="1100" dirty="0" err="1"/>
-              <a:t>양발</a:t>
-            </a:r>
             <a:endParaRPr lang="en-US" altLang="ko-KR" sz="1100" dirty="0"/>
           </a:p>
           <a:p>
@@ -10027,26 +14282,6 @@
             <a:r>
               <a:rPr lang="ko-KR" altLang="en-US" sz="1100" dirty="0" err="1"/>
               <a:t>양발</a:t>
-            </a:r>
-            <a:r>
-              <a:rPr lang="ko-KR" altLang="en-US" sz="1100" dirty="0"/>
-              <a:t> </a:t>
-            </a:r>
-            <a:r>
-              <a:rPr lang="en-US" altLang="ko-KR" sz="1100" dirty="0"/>
-              <a:t>: 4</a:t>
-            </a:r>
-            <a:r>
-              <a:rPr lang="ko-KR" altLang="en-US" sz="1100" dirty="0"/>
-              <a:t>번 왼발</a:t>
-            </a:r>
-            <a:r>
-              <a:rPr lang="en-US" altLang="ko-KR" sz="1100" dirty="0"/>
-              <a:t>, 5</a:t>
-            </a:r>
-            <a:r>
-              <a:rPr lang="ko-KR" altLang="en-US" sz="1100" dirty="0"/>
-              <a:t>번 오른발</a:t>
             </a:r>
             <a:endParaRPr lang="en-US" altLang="ko-KR" sz="1100" dirty="0"/>
           </a:p>
@@ -10292,7 +14527,7 @@
 </p:sld>
 </file>
 
-<file path=ppt/slides/slide6.xml><?xml version="1.0" encoding="utf-8"?>
+<file path=ppt/slides/slide7.xml><?xml version="1.0" encoding="utf-8"?>
 <p:sld xmlns:a="http://schemas.openxmlformats.org/drawingml/2006/main" xmlns:r="http://schemas.openxmlformats.org/officeDocument/2006/relationships" xmlns:p="http://schemas.openxmlformats.org/presentationml/2006/main">
   <p:cSld>
     <p:spTree>
@@ -10997,7 +15232,7 @@
           <a:p>
             <a:fld id="{A8E1BB39-725C-444B-809E-419522618855}" type="slidenum">
               <a:rPr lang="ko-KR" altLang="en-US" smtClean="0"/>
-              <a:t>6</a:t>
+              <a:t>7</a:t>
             </a:fld>
             <a:endParaRPr lang="ko-KR" altLang="en-US" dirty="0"/>
           </a:p>
@@ -11018,7 +15253,7 @@
           <p:nvPr>
             <p:extLst>
               <p:ext uri="{D42A27DB-BD31-4B8C-83A1-F6EECF244321}">
-                <p14:modId xmlns:p14="http://schemas.microsoft.com/office/powerpoint/2010/main" val="2929716106"/>
+                <p14:modId xmlns:p14="http://schemas.microsoft.com/office/powerpoint/2010/main" val="3178625356"/>
               </p:ext>
             </p:extLst>
           </p:nvPr>
@@ -11152,23 +15387,7 @@
                       <a:pPr latinLnBrk="1"/>
                       <a:r>
                         <a:rPr lang="en-US" altLang="ko-KR" sz="1200" dirty="0"/>
-                        <a:t>1,2</a:t>
-                      </a:r>
-                      <a:r>
-                        <a:rPr lang="ko-KR" altLang="en-US" sz="1200" dirty="0"/>
-                        <a:t>번</a:t>
-                      </a:r>
-                      <a:r>
-                        <a:rPr lang="en-US" altLang="ko-KR" sz="1200" dirty="0"/>
-                        <a:t>, 3</a:t>
-                      </a:r>
-                      <a:r>
-                        <a:rPr lang="ko-KR" altLang="en-US" sz="1200" dirty="0"/>
-                        <a:t>번</a:t>
-                      </a:r>
-                      <a:r>
-                        <a:rPr lang="en-US" altLang="ko-KR" sz="1200" dirty="0"/>
-                        <a:t>, 4,5</a:t>
+                        <a:t>1, 2, 3</a:t>
                       </a:r>
                       <a:r>
                         <a:rPr lang="ko-KR" altLang="en-US" sz="1200" dirty="0"/>
@@ -11729,7 +15948,7 @@
             </a:pPr>
             <a:r>
               <a:rPr lang="en-US" altLang="ko-KR" sz="1200" dirty="0"/>
-              <a:t>1, 2</a:t>
+              <a:t>1</a:t>
             </a:r>
             <a:r>
               <a:rPr lang="ko-KR" altLang="en-US" sz="1200" dirty="0"/>
@@ -11737,7 +15956,7 @@
             </a:r>
             <a:r>
               <a:rPr lang="en-US" altLang="ko-KR" sz="1200" dirty="0"/>
-              <a:t> / 2, 3</a:t>
+              <a:t> / 2</a:t>
             </a:r>
             <a:r>
               <a:rPr lang="ko-KR" altLang="en-US" sz="1200" dirty="0"/>
@@ -11746,22 +15965,6 @@
             <a:r>
               <a:rPr lang="en-US" altLang="ko-KR" sz="1200" dirty="0"/>
               <a:t> / 3</a:t>
-            </a:r>
-            <a:r>
-              <a:rPr lang="ko-KR" altLang="en-US" sz="1200" dirty="0"/>
-              <a:t>번</a:t>
-            </a:r>
-            <a:r>
-              <a:rPr lang="en-US" altLang="ko-KR" sz="1200" dirty="0"/>
-              <a:t> / 3, 4</a:t>
-            </a:r>
-            <a:r>
-              <a:rPr lang="ko-KR" altLang="en-US" sz="1200" dirty="0"/>
-              <a:t>번</a:t>
-            </a:r>
-            <a:r>
-              <a:rPr lang="en-US" altLang="ko-KR" sz="1200" dirty="0"/>
-              <a:t> / 4, 5</a:t>
             </a:r>
             <a:r>
               <a:rPr lang="ko-KR" altLang="en-US" sz="1200" dirty="0"/>
@@ -14559,7 +18762,7 @@
                   <a:schemeClr val="tx1"/>
                 </a:solidFill>
               </a:rPr>
-              <a:t>.(ex : 12, 23, 45, 3, 34)</a:t>
+              <a:t>.(ex : 1, 2, 3)</a:t>
             </a:r>
           </a:p>
           <a:p>
@@ -14645,7 +18848,7 @@
                   <a:schemeClr val="tx1"/>
                 </a:solidFill>
               </a:rPr>
-              <a:t>- 345 -&gt; 3, 4, 5 -</a:t>
+              <a:t>- 23 - 1,3 -</a:t>
             </a:r>
             <a:r>
               <a:rPr lang="ko-KR" altLang="en-US" sz="1200" dirty="0">
@@ -15459,7 +19662,7 @@
 </p:sld>
 </file>
 
-<file path=ppt/slides/slide7.xml><?xml version="1.0" encoding="utf-8"?>
+<file path=ppt/slides/slide8.xml><?xml version="1.0" encoding="utf-8"?>
 <p:sld xmlns:a="http://schemas.openxmlformats.org/drawingml/2006/main" xmlns:r="http://schemas.openxmlformats.org/officeDocument/2006/relationships" xmlns:p="http://schemas.openxmlformats.org/presentationml/2006/main">
   <p:cSld>
     <p:spTree>
@@ -16371,7 +20574,7 @@
           <a:p>
             <a:fld id="{A8E1BB39-725C-444B-809E-419522618855}" type="slidenum">
               <a:rPr lang="ko-KR" altLang="en-US" smtClean="0"/>
-              <a:t>7</a:t>
+              <a:t>8</a:t>
             </a:fld>
             <a:endParaRPr lang="ko-KR" altLang="en-US" dirty="0"/>
           </a:p>
@@ -19826,7 +24029,7 @@
 </p:sld>
 </file>
 
-<file path=ppt/slides/slide8.xml><?xml version="1.0" encoding="utf-8"?>
+<file path=ppt/slides/slide9.xml><?xml version="1.0" encoding="utf-8"?>
 <p:sld xmlns:a="http://schemas.openxmlformats.org/drawingml/2006/main" xmlns:r="http://schemas.openxmlformats.org/officeDocument/2006/relationships" xmlns:p="http://schemas.openxmlformats.org/presentationml/2006/main">
   <p:cSld>
     <p:spTree>
@@ -20708,7 +24911,7 @@
           <a:p>
             <a:fld id="{A8E1BB39-725C-444B-809E-419522618855}" type="slidenum">
               <a:rPr lang="ko-KR" altLang="en-US" smtClean="0"/>
-              <a:t>8</a:t>
+              <a:t>9</a:t>
             </a:fld>
             <a:endParaRPr lang="ko-KR" altLang="en-US" dirty="0"/>
           </a:p>

--- a/docs/[JoyFitness] 전시회용 미니 게임_JoyRun.pptx
+++ b/docs/[JoyFitness] 전시회용 미니 게임_JoyRun.pptx
@@ -21,7 +21,7 @@
     <p:sldId id="722" r:id="rId12"/>
     <p:sldId id="723" r:id="rId13"/>
     <p:sldId id="725" r:id="rId14"/>
-    <p:sldId id="724" r:id="rId15"/>
+    <p:sldId id="726" r:id="rId15"/>
   </p:sldIdLst>
   <p:sldSz cx="12192000" cy="6858000"/>
   <p:notesSz cx="6802438" cy="9934575"/>
@@ -8577,7 +8577,7 @@
         <p:spPr>
           <a:xfrm>
             <a:off x="4968853" y="1119797"/>
-            <a:ext cx="6524638" cy="7042121"/>
+            <a:ext cx="6524638" cy="6561989"/>
           </a:xfrm>
           <a:prstGeom prst="rect">
             <a:avLst/>
@@ -8601,18 +8601,34 @@
               <a:buChar char="•"/>
             </a:pPr>
             <a:r>
-              <a:rPr lang="ko-KR" altLang="en-US" sz="1200" dirty="0"/>
+              <a:rPr lang="ko-KR" altLang="en-US" sz="1200" dirty="0">
+                <a:highlight>
+                  <a:srgbClr val="00FF00"/>
+                </a:highlight>
+              </a:rPr>
               <a:t>컨셉 </a:t>
             </a:r>
             <a:r>
-              <a:rPr lang="en-US" altLang="ko-KR" sz="1200" dirty="0"/>
+              <a:rPr lang="en-US" altLang="ko-KR" sz="1200" dirty="0">
+                <a:highlight>
+                  <a:srgbClr val="00FF00"/>
+                </a:highlight>
+              </a:rPr>
               <a:t>: </a:t>
             </a:r>
             <a:r>
-              <a:rPr lang="ko-KR" altLang="en-US" sz="1200" dirty="0"/>
-              <a:t>하늘 다리 컨셉</a:t>
-            </a:r>
-            <a:endParaRPr lang="en-US" altLang="ko-KR" sz="1200" dirty="0"/>
+              <a:rPr lang="ko-KR" altLang="en-US" sz="1200" dirty="0">
+                <a:highlight>
+                  <a:srgbClr val="00FF00"/>
+                </a:highlight>
+              </a:rPr>
+              <a:t>끝나지 않는 육상 트랙</a:t>
+            </a:r>
+            <a:endParaRPr lang="en-US" altLang="ko-KR" sz="1200" dirty="0">
+              <a:highlight>
+                <a:srgbClr val="00FF00"/>
+              </a:highlight>
+            </a:endParaRPr>
           </a:p>
           <a:p>
             <a:pPr marL="228600" indent="-228600" defTabSz="540000">
@@ -8627,32 +8643,28 @@
             </a:pPr>
             <a:r>
               <a:rPr lang="ko-KR" altLang="en-US" sz="1200" dirty="0"/>
-              <a:t>캐릭터는 밑바닥이 나무 재질로 만들어진 하늘 다리를 건너야 한다</a:t>
+              <a:t>캐릭터는 육상 트랙을 달려야 하고 육상트랙 이외의 지역은 잔디 등으로 꾸민다</a:t>
             </a:r>
             <a:r>
               <a:rPr lang="en-US" altLang="ko-KR" sz="1200" dirty="0"/>
-              <a:t>.</a:t>
-            </a:r>
-          </a:p>
-          <a:p>
-            <a:pPr marL="228600" indent="-228600" algn="l" defTabSz="540000">
+              <a:t>. </a:t>
+            </a:r>
+            <a:r>
+              <a:rPr lang="ko-KR" altLang="en-US" sz="1200" dirty="0"/>
+              <a:t>전방에 체육관 건물 등을 배치하는 것도 좋을 듯</a:t>
+            </a:r>
+            <a:endParaRPr lang="en-US" altLang="ko-KR" sz="1200" dirty="0"/>
+          </a:p>
+          <a:p>
+            <a:pPr algn="l" defTabSz="540000">
               <a:lnSpc>
                 <a:spcPct val="130000"/>
               </a:lnSpc>
               <a:spcAft>
                 <a:spcPts val="400"/>
               </a:spcAft>
-              <a:buFont typeface="Arial" panose="020B0604020202020204" pitchFamily="34" charset="0"/>
-              <a:buChar char="•"/>
             </a:pPr>
-            <a:r>
-              <a:rPr lang="ko-KR" altLang="en-US" sz="1200" dirty="0"/>
-              <a:t>하늘 다리는 유지 보수가 잘되어 있지 않아 군데군데 구멍이 뚫려 있다</a:t>
-            </a:r>
-            <a:r>
-              <a:rPr lang="en-US" altLang="ko-KR" sz="1200" dirty="0"/>
-              <a:t>.</a:t>
-            </a:r>
+            <a:endParaRPr lang="en-US" altLang="ko-KR" sz="1200" dirty="0"/>
           </a:p>
           <a:p>
             <a:pPr algn="l" defTabSz="540000">
@@ -8693,39 +8705,7 @@
             </a:r>
             <a:r>
               <a:rPr lang="en-US" altLang="ko-KR" sz="1200" dirty="0"/>
-              <a:t>: </a:t>
-            </a:r>
-            <a:r>
-              <a:rPr lang="ko-KR" altLang="en-US" sz="1200" dirty="0"/>
-              <a:t>높은 산의</a:t>
-            </a:r>
-            <a:r>
-              <a:rPr lang="en-US" altLang="ko-KR" sz="1200" dirty="0"/>
-              <a:t> </a:t>
-            </a:r>
-            <a:r>
-              <a:rPr lang="ko-KR" altLang="en-US" sz="1200" dirty="0"/>
-              <a:t>바위와 돌</a:t>
-            </a:r>
-            <a:r>
-              <a:rPr lang="en-US" altLang="ko-KR" sz="1200" dirty="0"/>
-              <a:t>, </a:t>
-            </a:r>
-            <a:r>
-              <a:rPr lang="ko-KR" altLang="en-US" sz="1200" dirty="0"/>
-              <a:t>폭포</a:t>
-            </a:r>
-            <a:r>
-              <a:rPr lang="en-US" altLang="ko-KR" sz="1200" dirty="0"/>
-              <a:t>, </a:t>
-            </a:r>
-            <a:r>
-              <a:rPr lang="ko-KR" altLang="en-US" sz="1200" dirty="0"/>
-              <a:t>허공에 떠다니는 구름 등으로 이루어진 배경</a:t>
-            </a:r>
-            <a:r>
-              <a:rPr lang="en-US" altLang="ko-KR" sz="1200" dirty="0"/>
-              <a:t>(</a:t>
+              <a:t>: (</a:t>
             </a:r>
             <a:r>
               <a:rPr lang="en-US" altLang="ko-KR" sz="1200" dirty="0" err="1"/>
@@ -8757,7 +8737,7 @@
             </a:r>
             <a:r>
               <a:rPr lang="ko-KR" altLang="en-US" sz="1200" dirty="0"/>
-              <a:t>나무 재질의 갈색 레일 </a:t>
+              <a:t>육상 레일 </a:t>
             </a:r>
             <a:r>
               <a:rPr lang="en-US" altLang="ko-KR" sz="1200" dirty="0"/>
@@ -8768,16 +8748,16 @@
               <a:t>종 </a:t>
             </a:r>
             <a:r>
-              <a:rPr lang="ko-KR" altLang="en-US" sz="1200" dirty="0" err="1"/>
-              <a:t>우하단의</a:t>
-            </a:r>
-            <a:r>
-              <a:rPr lang="ko-KR" altLang="en-US" sz="1200" dirty="0"/>
-              <a:t> 예시처럼 다리의 널빤지로 보이는 레일 리소스로 널빤지 중간 중간에 이끼나 돌 부스러기가 있다</a:t>
-            </a:r>
-            <a:r>
               <a:rPr lang="en-US" altLang="ko-KR" sz="1200" dirty="0"/>
-              <a:t>.(JoyRunBridge1, JoyRunBridge2, JoyRunBridge3)</a:t>
+              <a:t>(</a:t>
+            </a:r>
+            <a:r>
+              <a:rPr lang="en-US" altLang="ko-KR" sz="1200" dirty="0" err="1"/>
+              <a:t>JoyRunRunningTrack</a:t>
+            </a:r>
+            <a:r>
+              <a:rPr lang="en-US" altLang="ko-KR" sz="1200" dirty="0"/>
+              <a:t>)</a:t>
             </a:r>
           </a:p>
           <a:p>
@@ -8801,31 +8781,7 @@
             </a:r>
             <a:r>
               <a:rPr lang="ko-KR" altLang="en-US" sz="1200" dirty="0"/>
-              <a:t>널빤지에 </a:t>
-            </a:r>
-            <a:r>
-              <a:rPr lang="ko-KR" altLang="en-US" sz="1200" dirty="0" err="1"/>
-              <a:t>구멍나</a:t>
-            </a:r>
-            <a:r>
-              <a:rPr lang="ko-KR" altLang="en-US" sz="1200" dirty="0"/>
-              <a:t> 있는 리소스로 실제로 널빤지에 구멍을 내는 것이 아니라 배치되었을 때 </a:t>
-            </a:r>
-            <a:r>
-              <a:rPr lang="ko-KR" altLang="en-US" sz="1200" dirty="0" err="1"/>
-              <a:t>구멍난</a:t>
-            </a:r>
-            <a:r>
-              <a:rPr lang="ko-KR" altLang="en-US" sz="1200" dirty="0"/>
-              <a:t> 것처럼 보여야 한다</a:t>
-            </a:r>
-            <a:r>
-              <a:rPr lang="en-US" altLang="ko-KR" sz="1200" dirty="0"/>
-              <a:t>. </a:t>
-            </a:r>
-            <a:r>
-              <a:rPr lang="ko-KR" altLang="en-US" sz="1200" dirty="0"/>
-              <a:t>그라운드 오브젝트 또는 </a:t>
+              <a:t>기름 웅덩이 그라운드 오브젝트 또는 </a:t>
             </a:r>
             <a:r>
               <a:rPr lang="ko-KR" altLang="en-US" sz="1200" dirty="0" err="1"/>
@@ -9143,10 +9099,10 @@
       </p:sp>
       <p:pic>
         <p:nvPicPr>
-          <p:cNvPr id="110" name="그림 109">
+          <p:cNvPr id="113" name="그림 112">
             <a:extLst>
               <a:ext uri="{FF2B5EF4-FFF2-40B4-BE49-F238E27FC236}">
-                <a16:creationId xmlns:a16="http://schemas.microsoft.com/office/drawing/2014/main" id="{8C7CB117-0C8C-4D62-95FE-C326468E71D7}"/>
+                <a16:creationId xmlns:a16="http://schemas.microsoft.com/office/drawing/2014/main" id="{10BF507D-270B-41ED-BC06-420FEBF9E37B}"/>
               </a:ext>
             </a:extLst>
           </p:cNvPr>
@@ -9163,14 +9119,152 @@
         </p:blipFill>
         <p:spPr>
           <a:xfrm>
-            <a:off x="9907398" y="5256775"/>
-            <a:ext cx="2195871" cy="1537111"/>
+            <a:off x="622176" y="1104171"/>
+            <a:ext cx="4218268" cy="2397819"/>
           </a:xfrm>
           <a:prstGeom prst="rect">
             <a:avLst/>
           </a:prstGeom>
         </p:spPr>
       </p:pic>
+      <p:sp>
+        <p:nvSpPr>
+          <p:cNvPr id="114" name="타원 113">
+            <a:extLst>
+              <a:ext uri="{FF2B5EF4-FFF2-40B4-BE49-F238E27FC236}">
+                <a16:creationId xmlns:a16="http://schemas.microsoft.com/office/drawing/2014/main" id="{2DDFA580-79EC-4FA0-88BC-B3F92095B026}"/>
+              </a:ext>
+            </a:extLst>
+          </p:cNvPr>
+          <p:cNvSpPr/>
+          <p:nvPr/>
+        </p:nvSpPr>
+        <p:spPr>
+          <a:xfrm>
+            <a:off x="2872296" y="1645868"/>
+            <a:ext cx="494950" cy="124210"/>
+          </a:xfrm>
+          <a:prstGeom prst="ellipse">
+            <a:avLst/>
+          </a:prstGeom>
+        </p:spPr>
+        <p:style>
+          <a:lnRef idx="2">
+            <a:schemeClr val="dk1">
+              <a:shade val="50000"/>
+            </a:schemeClr>
+          </a:lnRef>
+          <a:fillRef idx="1">
+            <a:schemeClr val="dk1"/>
+          </a:fillRef>
+          <a:effectRef idx="0">
+            <a:schemeClr val="dk1"/>
+          </a:effectRef>
+          <a:fontRef idx="minor">
+            <a:schemeClr val="lt1"/>
+          </a:fontRef>
+        </p:style>
+        <p:txBody>
+          <a:bodyPr rtlCol="0" anchor="ctr"/>
+          <a:lstStyle/>
+          <a:p>
+            <a:pPr algn="ctr"/>
+            <a:endParaRPr lang="ko-KR" altLang="en-US"/>
+          </a:p>
+        </p:txBody>
+      </p:sp>
+      <p:sp>
+        <p:nvSpPr>
+          <p:cNvPr id="115" name="타원 114">
+            <a:extLst>
+              <a:ext uri="{FF2B5EF4-FFF2-40B4-BE49-F238E27FC236}">
+                <a16:creationId xmlns:a16="http://schemas.microsoft.com/office/drawing/2014/main" id="{6A428A19-1092-4D65-A2E2-D6D43EC070C0}"/>
+              </a:ext>
+            </a:extLst>
+          </p:cNvPr>
+          <p:cNvSpPr/>
+          <p:nvPr/>
+        </p:nvSpPr>
+        <p:spPr>
+          <a:xfrm>
+            <a:off x="2116121" y="1487875"/>
+            <a:ext cx="355662" cy="89255"/>
+          </a:xfrm>
+          <a:prstGeom prst="ellipse">
+            <a:avLst/>
+          </a:prstGeom>
+        </p:spPr>
+        <p:style>
+          <a:lnRef idx="2">
+            <a:schemeClr val="dk1">
+              <a:shade val="50000"/>
+            </a:schemeClr>
+          </a:lnRef>
+          <a:fillRef idx="1">
+            <a:schemeClr val="dk1"/>
+          </a:fillRef>
+          <a:effectRef idx="0">
+            <a:schemeClr val="dk1"/>
+          </a:effectRef>
+          <a:fontRef idx="minor">
+            <a:schemeClr val="lt1"/>
+          </a:fontRef>
+        </p:style>
+        <p:txBody>
+          <a:bodyPr rtlCol="0" anchor="ctr"/>
+          <a:lstStyle/>
+          <a:p>
+            <a:pPr algn="ctr"/>
+            <a:endParaRPr lang="ko-KR" altLang="en-US"/>
+          </a:p>
+        </p:txBody>
+      </p:sp>
+      <p:sp>
+        <p:nvSpPr>
+          <p:cNvPr id="118" name="원통형 117">
+            <a:extLst>
+              <a:ext uri="{FF2B5EF4-FFF2-40B4-BE49-F238E27FC236}">
+                <a16:creationId xmlns:a16="http://schemas.microsoft.com/office/drawing/2014/main" id="{D5B9B818-1593-4B6E-98A4-4C6B32585FB7}"/>
+              </a:ext>
+            </a:extLst>
+          </p:cNvPr>
+          <p:cNvSpPr/>
+          <p:nvPr/>
+        </p:nvSpPr>
+        <p:spPr>
+          <a:xfrm rot="16200000">
+            <a:off x="2253506" y="1596517"/>
+            <a:ext cx="216046" cy="1100026"/>
+          </a:xfrm>
+          <a:prstGeom prst="can">
+            <a:avLst/>
+          </a:prstGeom>
+        </p:spPr>
+        <p:style>
+          <a:lnRef idx="2">
+            <a:schemeClr val="accent1">
+              <a:shade val="50000"/>
+            </a:schemeClr>
+          </a:lnRef>
+          <a:fillRef idx="1">
+            <a:schemeClr val="accent1"/>
+          </a:fillRef>
+          <a:effectRef idx="0">
+            <a:schemeClr val="accent1"/>
+          </a:effectRef>
+          <a:fontRef idx="minor">
+            <a:schemeClr val="lt1"/>
+          </a:fontRef>
+        </p:style>
+        <p:txBody>
+          <a:bodyPr rtlCol="0" anchor="ctr"/>
+          <a:lstStyle/>
+          <a:p>
+            <a:pPr algn="ctr"/>
+            <a:endParaRPr lang="ko-KR" altLang="en-US"/>
+          </a:p>
+        </p:txBody>
+      </p:sp>
     </p:spTree>
     <p:extLst>
       <p:ext uri="{BB962C8B-B14F-4D97-AF65-F5344CB8AC3E}">
@@ -9972,36 +10066,6 @@
           </a:p>
         </p:txBody>
       </p:sp>
-      <p:pic>
-        <p:nvPicPr>
-          <p:cNvPr id="110" name="그림 109">
-            <a:extLst>
-              <a:ext uri="{FF2B5EF4-FFF2-40B4-BE49-F238E27FC236}">
-                <a16:creationId xmlns:a16="http://schemas.microsoft.com/office/drawing/2014/main" id="{8C7CB117-0C8C-4D62-95FE-C326468E71D7}"/>
-              </a:ext>
-            </a:extLst>
-          </p:cNvPr>
-          <p:cNvPicPr>
-            <a:picLocks noChangeAspect="1"/>
-          </p:cNvPicPr>
-          <p:nvPr/>
-        </p:nvPicPr>
-        <p:blipFill>
-          <a:blip r:embed="rId2"/>
-          <a:stretch>
-            <a:fillRect/>
-          </a:stretch>
-        </p:blipFill>
-        <p:spPr>
-          <a:xfrm>
-            <a:off x="622177" y="1106377"/>
-            <a:ext cx="3372743" cy="2360922"/>
-          </a:xfrm>
-          <a:prstGeom prst="rect">
-            <a:avLst/>
-          </a:prstGeom>
-        </p:spPr>
-      </p:pic>
       <p:graphicFrame>
         <p:nvGraphicFramePr>
           <p:cNvPr id="24" name="표 23">
@@ -10017,14 +10081,14 @@
           <p:nvPr>
             <p:extLst>
               <p:ext uri="{D42A27DB-BD31-4B8C-83A1-F6EECF244321}">
-                <p14:modId xmlns:p14="http://schemas.microsoft.com/office/powerpoint/2010/main" val="3536804139"/>
+                <p14:modId xmlns:p14="http://schemas.microsoft.com/office/powerpoint/2010/main" val="1745640663"/>
               </p:ext>
             </p:extLst>
           </p:nvPr>
         </p:nvGraphicFramePr>
         <p:xfrm>
           <a:off x="5150840" y="1100722"/>
-          <a:ext cx="6692368" cy="3718560"/>
+          <a:ext cx="6692368" cy="3078480"/>
         </p:xfrm>
         <a:graphic>
           <a:graphicData uri="http://schemas.openxmlformats.org/drawingml/2006/table">
@@ -10179,7 +10243,7 @@
                       <a:pPr algn="l" latinLnBrk="1"/>
                       <a:r>
                         <a:rPr lang="ko-KR" altLang="en-US" sz="1000" dirty="0"/>
-                        <a:t>바위</a:t>
+                        <a:t>잔디</a:t>
                       </a:r>
                       <a:r>
                         <a:rPr lang="en-US" altLang="ko-KR" sz="1000" dirty="0"/>
@@ -10187,7 +10251,7 @@
                       </a:r>
                       <a:r>
                         <a:rPr lang="ko-KR" altLang="en-US" sz="1000" dirty="0"/>
-                        <a:t>폭포</a:t>
+                        <a:t>운동장</a:t>
                       </a:r>
                       <a:r>
                         <a:rPr lang="en-US" altLang="ko-KR" sz="1000" dirty="0"/>
@@ -10195,31 +10259,7 @@
                       </a:r>
                       <a:r>
                         <a:rPr lang="ko-KR" altLang="en-US" sz="1000" dirty="0"/>
-                        <a:t>구름 등으로 이루어진 배경</a:t>
-                      </a:r>
-                      <a:endParaRPr lang="en-US" altLang="ko-KR" sz="1000" dirty="0"/>
-                    </a:p>
-                    <a:p>
-                      <a:pPr algn="l" latinLnBrk="1"/>
-                      <a:r>
-                        <a:rPr lang="ko-KR" altLang="en-US" sz="1000" dirty="0"/>
-                        <a:t>배경은 스크롤 되지 않으며 구름</a:t>
-                      </a:r>
-                      <a:r>
-                        <a:rPr lang="en-US" altLang="ko-KR" sz="1000" dirty="0"/>
-                        <a:t>, </a:t>
-                      </a:r>
-                      <a:r>
-                        <a:rPr lang="ko-KR" altLang="en-US" sz="1000" dirty="0"/>
-                        <a:t>새</a:t>
-                      </a:r>
-                      <a:r>
-                        <a:rPr lang="en-US" altLang="ko-KR" sz="1000" dirty="0"/>
-                        <a:t>, </a:t>
-                      </a:r>
-                      <a:r>
-                        <a:rPr lang="ko-KR" altLang="en-US" sz="1000" dirty="0"/>
-                        <a:t>폭포 등 약간의 애니메이션을 가미한다</a:t>
+                        <a:t>멀리 보이는 체육관 등으로 이루어진 배경이다</a:t>
                       </a:r>
                       <a:r>
                         <a:rPr lang="en-US" altLang="ko-KR" sz="1000" dirty="0"/>
@@ -10274,7 +10314,7 @@
                       <a:pPr algn="l" latinLnBrk="1"/>
                       <a:r>
                         <a:rPr lang="ko-KR" altLang="en-US" sz="1000" dirty="0"/>
-                        <a:t>런 레일</a:t>
+                        <a:t>육상 트랙</a:t>
                       </a:r>
                     </a:p>
                   </a:txBody>
@@ -10292,7 +10332,7 @@
                       </a:r>
                       <a:r>
                         <a:rPr lang="ko-KR" altLang="en-US" sz="1000" dirty="0"/>
-                        <a:t>라인으로 구성된 레일이다</a:t>
+                        <a:t>라인으로 구성된 육상 트랙이다</a:t>
                       </a:r>
                       <a:r>
                         <a:rPr lang="en-US" altLang="ko-KR" sz="1000" dirty="0"/>
@@ -10300,16 +10340,21 @@
                       </a:r>
                       <a:r>
                         <a:rPr lang="ko-KR" altLang="en-US" sz="1000" dirty="0"/>
-                        <a:t>흔들 다리를 연상 시키는 나무 널빤지로 널빤지 중간 중간에 작은 돌멩이나 이끼 등을 활용하여 계속 반복되는 지루함을 없앤다</a:t>
+                        <a:t>트랙 중간 중간에 잡초</a:t>
+                      </a:r>
+                      <a:r>
+                        <a:rPr lang="en-US" altLang="ko-KR" sz="1000" dirty="0"/>
+                        <a:t>, </a:t>
+                      </a:r>
+                      <a:r>
+                        <a:rPr lang="ko-KR" altLang="en-US" sz="1000" dirty="0"/>
+                        <a:t>돌멩이들을 배치하여 육상 트랙이 지속될 경우 사용자가 느낄 수 있는 지루함을 피할 수 있도록 한다</a:t>
                       </a:r>
                       <a:r>
                         <a:rPr lang="en-US" altLang="ko-KR" sz="1000" dirty="0"/>
                         <a:t>.</a:t>
                       </a:r>
-                      <a:r>
-                        <a:rPr lang="ko-KR" altLang="en-US" sz="1000" dirty="0"/>
-                        <a:t> </a:t>
-                      </a:r>
+                      <a:endParaRPr lang="ko-KR" altLang="en-US" sz="1000" dirty="0"/>
                     </a:p>
                   </a:txBody>
                   <a:tcPr anchor="ctr"/>
@@ -10321,22 +10366,8 @@
                     <a:p>
                       <a:pPr algn="l" latinLnBrk="1"/>
                       <a:r>
-                        <a:rPr lang="en-US" altLang="ko-KR" sz="1000" dirty="0"/>
-                        <a:t>JoyRunBridge1</a:t>
-                      </a:r>
-                    </a:p>
-                    <a:p>
-                      <a:pPr algn="l" latinLnBrk="1"/>
-                      <a:r>
-                        <a:rPr lang="en-US" altLang="ko-KR" sz="1000" dirty="0"/>
-                        <a:t>JoyRunBridge2</a:t>
-                      </a:r>
-                    </a:p>
-                    <a:p>
-                      <a:pPr algn="l" latinLnBrk="1"/>
-                      <a:r>
-                        <a:rPr lang="en-US" altLang="ko-KR" sz="1000" dirty="0"/>
-                        <a:t>JoyRunBridge3</a:t>
+                        <a:rPr lang="en-US" altLang="ko-KR" sz="1000" dirty="0" err="1"/>
+                        <a:t>JoyRunTrack</a:t>
                       </a:r>
                       <a:endParaRPr lang="ko-KR" altLang="en-US" sz="1000" dirty="0"/>
                     </a:p>
@@ -10371,7 +10402,10 @@
                     <a:lstStyle/>
                     <a:p>
                       <a:pPr algn="l" latinLnBrk="1"/>
-                      <a:endParaRPr lang="ko-KR" altLang="en-US" sz="1000" dirty="0"/>
+                      <a:r>
+                        <a:rPr lang="ko-KR" altLang="en-US" sz="1000" dirty="0"/>
+                        <a:t>풍선</a:t>
+                      </a:r>
                     </a:p>
                   </a:txBody>
                   <a:tcPr anchor="ctr"/>
@@ -10398,6 +10432,54 @@
                         <a:tabLst/>
                         <a:defRPr/>
                       </a:pPr>
+                      <a:r>
+                        <a:rPr lang="ko-KR" altLang="en-US" sz="1000" dirty="0"/>
+                        <a:t>사용자가 펀치로 타격 시 터트릴 수 있는 풍선</a:t>
+                      </a:r>
+                    </a:p>
+                  </a:txBody>
+                  <a:tcPr anchor="ctr"/>
+                </a:tc>
+                <a:tc>
+                  <a:txBody>
+                    <a:bodyPr/>
+                    <a:lstStyle/>
+                    <a:p>
+                      <a:pPr algn="l" latinLnBrk="1"/>
+                      <a:r>
+                        <a:rPr lang="en-US" altLang="ko-KR" sz="1000" dirty="0" err="1"/>
+                        <a:t>JoyRunBalloonRed</a:t>
+                      </a:r>
+                      <a:endParaRPr lang="en-US" altLang="ko-KR" sz="1000" dirty="0"/>
+                    </a:p>
+                    <a:p>
+                      <a:pPr algn="l" latinLnBrk="1"/>
+                      <a:r>
+                        <a:rPr lang="en-US" altLang="ko-KR" sz="1000" dirty="0" err="1"/>
+                        <a:t>JoyRunBalloonBlue</a:t>
+                      </a:r>
+                      <a:endParaRPr lang="ko-KR" altLang="en-US" sz="1000" dirty="0"/>
+                    </a:p>
+                  </a:txBody>
+                  <a:tcPr anchor="ctr"/>
+                </a:tc>
+                <a:extLst>
+                  <a:ext uri="{0D108BD9-81ED-4DB2-BD59-A6C34878D82A}">
+                    <a16:rowId xmlns:a16="http://schemas.microsoft.com/office/drawing/2014/main" val="1106619967"/>
+                  </a:ext>
+                </a:extLst>
+              </a:tr>
+              <a:tr h="365760">
+                <a:tc>
+                  <a:txBody>
+                    <a:bodyPr/>
+                    <a:lstStyle/>
+                    <a:p>
+                      <a:pPr algn="ctr" latinLnBrk="1"/>
+                      <a:r>
+                        <a:rPr lang="en-US" altLang="ko-KR" sz="1000" dirty="0"/>
+                        <a:t>4</a:t>
+                      </a:r>
                       <a:endParaRPr lang="ko-KR" altLang="en-US" sz="1000" dirty="0"/>
                     </a:p>
                   </a:txBody>
@@ -10409,27 +10491,82 @@
                     <a:lstStyle/>
                     <a:p>
                       <a:pPr algn="l" latinLnBrk="1"/>
-                      <a:endParaRPr lang="ko-KR" altLang="en-US" sz="1000" dirty="0"/>
+                      <a:r>
+                        <a:rPr lang="ko-KR" altLang="en-US" sz="1000" dirty="0"/>
+                        <a:t>구멍</a:t>
+                      </a:r>
                     </a:p>
                   </a:txBody>
                   <a:tcPr anchor="ctr"/>
                 </a:tc>
-                <a:extLst>
-                  <a:ext uri="{0D108BD9-81ED-4DB2-BD59-A6C34878D82A}">
-                    <a16:rowId xmlns:a16="http://schemas.microsoft.com/office/drawing/2014/main" val="1444894945"/>
-                  </a:ext>
-                </a:extLst>
-              </a:tr>
-              <a:tr h="121920">
                 <a:tc>
                   <a:txBody>
                     <a:bodyPr/>
                     <a:lstStyle/>
                     <a:p>
-                      <a:pPr algn="ctr" latinLnBrk="1"/>
+                      <a:pPr marL="0" marR="0" lvl="0" indent="0" algn="l" defTabSz="914400" rtl="0" eaLnBrk="1" fontAlgn="auto" latinLnBrk="1" hangingPunct="1">
+                        <a:lnSpc>
+                          <a:spcPct val="100000"/>
+                        </a:lnSpc>
+                        <a:spcBef>
+                          <a:spcPts val="0"/>
+                        </a:spcBef>
+                        <a:spcAft>
+                          <a:spcPts val="0"/>
+                        </a:spcAft>
+                        <a:buClrTx/>
+                        <a:buSzTx/>
+                        <a:buFontTx/>
+                        <a:buNone/>
+                        <a:tabLst/>
+                        <a:defRPr/>
+                      </a:pPr>
+                      <a:r>
+                        <a:rPr lang="ko-KR" altLang="en-US" sz="1000" dirty="0"/>
+                        <a:t>기름 웅덩이를 연상 시키는 구멍이며 그라운드 오브젝트</a:t>
+                      </a:r>
                       <a:r>
                         <a:rPr lang="en-US" altLang="ko-KR" sz="1000" dirty="0"/>
-                        <a:t>4</a:t>
+                        <a:t>(</a:t>
+                      </a:r>
+                      <a:r>
+                        <a:rPr lang="ko-KR" altLang="en-US" sz="1000" dirty="0" err="1"/>
+                        <a:t>알피지</a:t>
+                      </a:r>
+                      <a:r>
+                        <a:rPr lang="ko-KR" altLang="en-US" sz="1000" dirty="0"/>
+                        <a:t> 게임에서 장판 형태</a:t>
+                      </a:r>
+                      <a:r>
+                        <a:rPr lang="en-US" altLang="ko-KR" sz="1000" dirty="0"/>
+                        <a:t>)</a:t>
+                      </a:r>
+                    </a:p>
+                    <a:p>
+                      <a:pPr marL="0" marR="0" lvl="0" indent="0" algn="l" defTabSz="914400" rtl="0" eaLnBrk="1" fontAlgn="auto" latinLnBrk="1" hangingPunct="1">
+                        <a:lnSpc>
+                          <a:spcPct val="100000"/>
+                        </a:lnSpc>
+                        <a:spcBef>
+                          <a:spcPts val="0"/>
+                        </a:spcBef>
+                        <a:spcAft>
+                          <a:spcPts val="0"/>
+                        </a:spcAft>
+                        <a:buClrTx/>
+                        <a:buSzTx/>
+                        <a:buFontTx/>
+                        <a:buNone/>
+                        <a:tabLst/>
+                        <a:defRPr/>
+                      </a:pPr>
+                      <a:r>
+                        <a:rPr lang="ko-KR" altLang="en-US" sz="1000" dirty="0"/>
+                        <a:t>사용자가 피격 시 사용자는 데미지를 입는다</a:t>
+                      </a:r>
+                      <a:r>
+                        <a:rPr lang="en-US" altLang="ko-KR" sz="1000" dirty="0"/>
+                        <a:t>.</a:t>
                       </a:r>
                       <a:endParaRPr lang="ko-KR" altLang="en-US" sz="1000" dirty="0"/>
                     </a:p>
@@ -10458,6 +10595,32 @@
                         <a:tabLst/>
                         <a:defRPr/>
                       </a:pPr>
+                      <a:r>
+                        <a:rPr lang="en-US" altLang="ko-KR" sz="1000" dirty="0" err="1"/>
+                        <a:t>JoyRunHole</a:t>
+                      </a:r>
+                      <a:endParaRPr lang="ko-KR" altLang="en-US" sz="1000" dirty="0"/>
+                    </a:p>
+                  </a:txBody>
+                  <a:tcPr anchor="ctr"/>
+                </a:tc>
+                <a:extLst>
+                  <a:ext uri="{0D108BD9-81ED-4DB2-BD59-A6C34878D82A}">
+                    <a16:rowId xmlns:a16="http://schemas.microsoft.com/office/drawing/2014/main" val="2776667099"/>
+                  </a:ext>
+                </a:extLst>
+              </a:tr>
+              <a:tr h="182880">
+                <a:tc>
+                  <a:txBody>
+                    <a:bodyPr/>
+                    <a:lstStyle/>
+                    <a:p>
+                      <a:pPr algn="ctr" latinLnBrk="1"/>
+                      <a:r>
+                        <a:rPr lang="en-US" altLang="ko-KR" sz="1000" dirty="0"/>
+                        <a:t>5</a:t>
+                      </a:r>
                       <a:endParaRPr lang="ko-KR" altLang="en-US" sz="1000" dirty="0"/>
                     </a:p>
                   </a:txBody>
@@ -10485,7 +10648,68 @@
                         <a:tabLst/>
                         <a:defRPr/>
                       </a:pPr>
+                      <a:r>
+                        <a:rPr lang="ko-KR" altLang="en-US" sz="1000" dirty="0"/>
+                        <a:t>통나무</a:t>
+                      </a:r>
+                    </a:p>
+                  </a:txBody>
+                  <a:tcPr anchor="ctr"/>
+                </a:tc>
+                <a:tc>
+                  <a:txBody>
+                    <a:bodyPr/>
+                    <a:lstStyle/>
+                    <a:p>
+                      <a:pPr marL="0" marR="0" lvl="0" indent="0" algn="l" defTabSz="914400" rtl="0" eaLnBrk="1" fontAlgn="auto" latinLnBrk="1" hangingPunct="1">
+                        <a:lnSpc>
+                          <a:spcPct val="100000"/>
+                        </a:lnSpc>
+                        <a:spcBef>
+                          <a:spcPts val="0"/>
+                        </a:spcBef>
+                        <a:spcAft>
+                          <a:spcPts val="0"/>
+                        </a:spcAft>
+                        <a:buClrTx/>
+                        <a:buSzTx/>
+                        <a:buFontTx/>
+                        <a:buNone/>
+                        <a:tabLst/>
+                        <a:defRPr/>
+                      </a:pPr>
+                      <a:r>
+                        <a:rPr lang="ko-KR" altLang="en-US" sz="1000" dirty="0"/>
+                        <a:t>말 그대로 굴러다니는 통나무</a:t>
+                      </a:r>
                       <a:endParaRPr lang="en-US" altLang="ko-KR" sz="1000" dirty="0"/>
+                    </a:p>
+                    <a:p>
+                      <a:pPr marL="0" marR="0" lvl="0" indent="0" algn="l" defTabSz="914400" rtl="0" eaLnBrk="1" fontAlgn="auto" latinLnBrk="1" hangingPunct="1">
+                        <a:lnSpc>
+                          <a:spcPct val="100000"/>
+                        </a:lnSpc>
+                        <a:spcBef>
+                          <a:spcPts val="0"/>
+                        </a:spcBef>
+                        <a:spcAft>
+                          <a:spcPts val="0"/>
+                        </a:spcAft>
+                        <a:buClrTx/>
+                        <a:buSzTx/>
+                        <a:buFontTx/>
+                        <a:buNone/>
+                        <a:tabLst/>
+                        <a:defRPr/>
+                      </a:pPr>
+                      <a:r>
+                        <a:rPr lang="ko-KR" altLang="en-US" sz="1000" dirty="0"/>
+                        <a:t>사용자가 피격 시 사용자는 데미지를 입는다</a:t>
+                      </a:r>
+                      <a:r>
+                        <a:rPr lang="en-US" altLang="ko-KR" sz="1000" dirty="0"/>
+                        <a:t>.</a:t>
+                      </a:r>
                     </a:p>
                   </a:txBody>
                   <a:tcPr anchor="ctr"/>
@@ -10496,6 +10720,10 @@
                     <a:lstStyle/>
                     <a:p>
                       <a:pPr algn="l" latinLnBrk="1"/>
+                      <a:r>
+                        <a:rPr lang="en-US" altLang="ko-KR" sz="1000" dirty="0" err="1"/>
+                        <a:t>JoyRunLog</a:t>
+                      </a:r>
                       <a:endParaRPr lang="ko-KR" altLang="en-US" sz="1000" dirty="0"/>
                     </a:p>
                   </a:txBody>
@@ -10503,11 +10731,11 @@
                 </a:tc>
                 <a:extLst>
                   <a:ext uri="{0D108BD9-81ED-4DB2-BD59-A6C34878D82A}">
-                    <a16:rowId xmlns:a16="http://schemas.microsoft.com/office/drawing/2014/main" val="1592761626"/>
+                    <a16:rowId xmlns:a16="http://schemas.microsoft.com/office/drawing/2014/main" val="2670889160"/>
                   </a:ext>
                 </a:extLst>
               </a:tr>
-              <a:tr h="121920">
+              <a:tr h="365760">
                 <a:tc>
                   <a:txBody>
                     <a:bodyPr/>
@@ -10516,7 +10744,7 @@
                       <a:pPr algn="ctr" latinLnBrk="1"/>
                       <a:r>
                         <a:rPr lang="en-US" altLang="ko-KR" sz="1000" dirty="0"/>
-                        <a:t>5</a:t>
+                        <a:t>6</a:t>
                       </a:r>
                       <a:endParaRPr lang="ko-KR" altLang="en-US" sz="1000" dirty="0"/>
                     </a:p>
@@ -10529,6 +10757,53 @@
                     <a:lstStyle/>
                     <a:p>
                       <a:pPr algn="l" latinLnBrk="1"/>
+                      <a:r>
+                        <a:rPr lang="ko-KR" altLang="en-US" sz="1000" dirty="0"/>
+                        <a:t>하트</a:t>
+                      </a:r>
+                      <a:endParaRPr lang="en-US" altLang="ko-KR" sz="1000" dirty="0"/>
+                    </a:p>
+                  </a:txBody>
+                  <a:tcPr anchor="ctr"/>
+                </a:tc>
+                <a:tc>
+                  <a:txBody>
+                    <a:bodyPr/>
+                    <a:lstStyle/>
+                    <a:p>
+                      <a:pPr marL="0" marR="0" lvl="0" indent="0" algn="l" defTabSz="914400" rtl="0" eaLnBrk="1" fontAlgn="auto" latinLnBrk="1" hangingPunct="1">
+                        <a:lnSpc>
+                          <a:spcPct val="100000"/>
+                        </a:lnSpc>
+                        <a:spcBef>
+                          <a:spcPts val="0"/>
+                        </a:spcBef>
+                        <a:spcAft>
+                          <a:spcPts val="0"/>
+                        </a:spcAft>
+                        <a:buClrTx/>
+                        <a:buSzTx/>
+                        <a:buFontTx/>
+                        <a:buNone/>
+                        <a:tabLst/>
+                        <a:defRPr/>
+                      </a:pPr>
+                      <a:r>
+                        <a:rPr lang="ko-KR" altLang="en-US" sz="1000" dirty="0"/>
+                        <a:t>사용자가 피격 시 사용자는 </a:t>
+                      </a:r>
+                      <a:r>
+                        <a:rPr lang="en-US" altLang="ko-KR" sz="1000" dirty="0"/>
+                        <a:t>HP</a:t>
+                      </a:r>
+                      <a:r>
+                        <a:rPr lang="ko-KR" altLang="en-US" sz="1000" dirty="0"/>
+                        <a:t>를 회복한다</a:t>
+                      </a:r>
+                      <a:r>
+                        <a:rPr lang="en-US" altLang="ko-KR" sz="1000" dirty="0"/>
+                        <a:t>.</a:t>
+                      </a:r>
                       <a:endParaRPr lang="ko-KR" altLang="en-US" sz="1000" dirty="0"/>
                     </a:p>
                   </a:txBody>
@@ -10556,350 +10831,11 @@
                         <a:tabLst/>
                         <a:defRPr/>
                       </a:pPr>
+                      <a:r>
+                        <a:rPr lang="en-US" altLang="ko-KR" sz="1000" dirty="0" err="1"/>
+                        <a:t>JoyRunHeart</a:t>
+                      </a:r>
                       <a:endParaRPr lang="ko-KR" altLang="en-US" sz="1000" dirty="0"/>
-                    </a:p>
-                  </a:txBody>
-                  <a:tcPr anchor="ctr"/>
-                </a:tc>
-                <a:tc>
-                  <a:txBody>
-                    <a:bodyPr/>
-                    <a:lstStyle/>
-                    <a:p>
-                      <a:pPr algn="l" latinLnBrk="1"/>
-                      <a:endParaRPr lang="ko-KR" altLang="en-US" sz="1000" dirty="0"/>
-                    </a:p>
-                  </a:txBody>
-                  <a:tcPr anchor="ctr"/>
-                </a:tc>
-                <a:extLst>
-                  <a:ext uri="{0D108BD9-81ED-4DB2-BD59-A6C34878D82A}">
-                    <a16:rowId xmlns:a16="http://schemas.microsoft.com/office/drawing/2014/main" val="1106619967"/>
-                  </a:ext>
-                </a:extLst>
-              </a:tr>
-              <a:tr h="182880">
-                <a:tc>
-                  <a:txBody>
-                    <a:bodyPr/>
-                    <a:lstStyle/>
-                    <a:p>
-                      <a:pPr algn="ctr" latinLnBrk="1"/>
-                      <a:endParaRPr lang="ko-KR" altLang="en-US" sz="1000" dirty="0"/>
-                    </a:p>
-                  </a:txBody>
-                  <a:tcPr anchor="ctr"/>
-                </a:tc>
-                <a:tc>
-                  <a:txBody>
-                    <a:bodyPr/>
-                    <a:lstStyle/>
-                    <a:p>
-                      <a:pPr algn="l" latinLnBrk="1"/>
-                      <a:endParaRPr lang="en-US" altLang="ko-KR" sz="1000" dirty="0"/>
-                    </a:p>
-                  </a:txBody>
-                  <a:tcPr anchor="ctr"/>
-                </a:tc>
-                <a:tc>
-                  <a:txBody>
-                    <a:bodyPr/>
-                    <a:lstStyle/>
-                    <a:p>
-                      <a:pPr marL="0" marR="0" lvl="0" indent="0" algn="l" defTabSz="914400" rtl="0" eaLnBrk="1" fontAlgn="auto" latinLnBrk="1" hangingPunct="1">
-                        <a:lnSpc>
-                          <a:spcPct val="100000"/>
-                        </a:lnSpc>
-                        <a:spcBef>
-                          <a:spcPts val="0"/>
-                        </a:spcBef>
-                        <a:spcAft>
-                          <a:spcPts val="0"/>
-                        </a:spcAft>
-                        <a:buClrTx/>
-                        <a:buSzTx/>
-                        <a:buFontTx/>
-                        <a:buNone/>
-                        <a:tabLst/>
-                        <a:defRPr/>
-                      </a:pPr>
-                      <a:endParaRPr lang="ko-KR" altLang="en-US" sz="1000" dirty="0"/>
-                    </a:p>
-                  </a:txBody>
-                  <a:tcPr anchor="ctr"/>
-                </a:tc>
-                <a:tc>
-                  <a:txBody>
-                    <a:bodyPr/>
-                    <a:lstStyle/>
-                    <a:p>
-                      <a:pPr marL="0" marR="0" lvl="0" indent="0" algn="l" defTabSz="914400" rtl="0" eaLnBrk="1" fontAlgn="auto" latinLnBrk="1" hangingPunct="1">
-                        <a:lnSpc>
-                          <a:spcPct val="100000"/>
-                        </a:lnSpc>
-                        <a:spcBef>
-                          <a:spcPts val="0"/>
-                        </a:spcBef>
-                        <a:spcAft>
-                          <a:spcPts val="0"/>
-                        </a:spcAft>
-                        <a:buClrTx/>
-                        <a:buSzTx/>
-                        <a:buFontTx/>
-                        <a:buNone/>
-                        <a:tabLst/>
-                        <a:defRPr/>
-                      </a:pPr>
-                      <a:endParaRPr lang="en-US" altLang="ko-KR" sz="1000" dirty="0"/>
-                    </a:p>
-                  </a:txBody>
-                  <a:tcPr anchor="ctr"/>
-                </a:tc>
-                <a:extLst>
-                  <a:ext uri="{0D108BD9-81ED-4DB2-BD59-A6C34878D82A}">
-                    <a16:rowId xmlns:a16="http://schemas.microsoft.com/office/drawing/2014/main" val="4091270473"/>
-                  </a:ext>
-                </a:extLst>
-              </a:tr>
-              <a:tr h="365760">
-                <a:tc>
-                  <a:txBody>
-                    <a:bodyPr/>
-                    <a:lstStyle/>
-                    <a:p>
-                      <a:pPr algn="ctr" latinLnBrk="1"/>
-                      <a:endParaRPr lang="ko-KR" altLang="en-US" sz="1000" dirty="0"/>
-                    </a:p>
-                  </a:txBody>
-                  <a:tcPr anchor="ctr"/>
-                </a:tc>
-                <a:tc>
-                  <a:txBody>
-                    <a:bodyPr/>
-                    <a:lstStyle/>
-                    <a:p>
-                      <a:pPr algn="l" latinLnBrk="1"/>
-                      <a:endParaRPr lang="en-US" altLang="ko-KR" sz="1000" dirty="0"/>
-                    </a:p>
-                  </a:txBody>
-                  <a:tcPr anchor="ctr"/>
-                </a:tc>
-                <a:tc>
-                  <a:txBody>
-                    <a:bodyPr/>
-                    <a:lstStyle/>
-                    <a:p>
-                      <a:pPr marL="0" marR="0" lvl="0" indent="0" algn="l" defTabSz="914400" rtl="0" eaLnBrk="1" fontAlgn="auto" latinLnBrk="1" hangingPunct="1">
-                        <a:lnSpc>
-                          <a:spcPct val="100000"/>
-                        </a:lnSpc>
-                        <a:spcBef>
-                          <a:spcPts val="0"/>
-                        </a:spcBef>
-                        <a:spcAft>
-                          <a:spcPts val="0"/>
-                        </a:spcAft>
-                        <a:buClrTx/>
-                        <a:buSzTx/>
-                        <a:buFontTx/>
-                        <a:buNone/>
-                        <a:tabLst/>
-                        <a:defRPr/>
-                      </a:pPr>
-                      <a:endParaRPr lang="ko-KR" altLang="en-US" sz="1000" dirty="0"/>
-                    </a:p>
-                  </a:txBody>
-                  <a:tcPr anchor="ctr"/>
-                </a:tc>
-                <a:tc>
-                  <a:txBody>
-                    <a:bodyPr/>
-                    <a:lstStyle/>
-                    <a:p>
-                      <a:pPr marL="0" marR="0" lvl="0" indent="0" algn="l" defTabSz="914400" rtl="0" eaLnBrk="1" fontAlgn="auto" latinLnBrk="1" hangingPunct="1">
-                        <a:lnSpc>
-                          <a:spcPct val="100000"/>
-                        </a:lnSpc>
-                        <a:spcBef>
-                          <a:spcPts val="0"/>
-                        </a:spcBef>
-                        <a:spcAft>
-                          <a:spcPts val="0"/>
-                        </a:spcAft>
-                        <a:buClrTx/>
-                        <a:buSzTx/>
-                        <a:buFontTx/>
-                        <a:buNone/>
-                        <a:tabLst/>
-                        <a:defRPr/>
-                      </a:pPr>
-                      <a:endParaRPr lang="en-US" altLang="ko-KR" sz="1000" dirty="0"/>
-                    </a:p>
-                  </a:txBody>
-                  <a:tcPr anchor="ctr"/>
-                </a:tc>
-                <a:extLst>
-                  <a:ext uri="{0D108BD9-81ED-4DB2-BD59-A6C34878D82A}">
-                    <a16:rowId xmlns:a16="http://schemas.microsoft.com/office/drawing/2014/main" val="2776667099"/>
-                  </a:ext>
-                </a:extLst>
-              </a:tr>
-              <a:tr h="182880">
-                <a:tc>
-                  <a:txBody>
-                    <a:bodyPr/>
-                    <a:lstStyle/>
-                    <a:p>
-                      <a:pPr algn="ctr" latinLnBrk="1"/>
-                      <a:endParaRPr lang="ko-KR" altLang="en-US" sz="1000" dirty="0"/>
-                    </a:p>
-                  </a:txBody>
-                  <a:tcPr anchor="ctr"/>
-                </a:tc>
-                <a:tc>
-                  <a:txBody>
-                    <a:bodyPr/>
-                    <a:lstStyle/>
-                    <a:p>
-                      <a:pPr algn="l" latinLnBrk="1"/>
-                      <a:endParaRPr lang="en-US" altLang="ko-KR" sz="1000" dirty="0"/>
-                    </a:p>
-                  </a:txBody>
-                  <a:tcPr anchor="ctr"/>
-                </a:tc>
-                <a:tc>
-                  <a:txBody>
-                    <a:bodyPr/>
-                    <a:lstStyle/>
-                    <a:p>
-                      <a:pPr marL="0" marR="0" lvl="0" indent="0" algn="l" defTabSz="914400" rtl="0" eaLnBrk="1" fontAlgn="auto" latinLnBrk="1" hangingPunct="1">
-                        <a:lnSpc>
-                          <a:spcPct val="100000"/>
-                        </a:lnSpc>
-                        <a:spcBef>
-                          <a:spcPts val="0"/>
-                        </a:spcBef>
-                        <a:spcAft>
-                          <a:spcPts val="0"/>
-                        </a:spcAft>
-                        <a:buClrTx/>
-                        <a:buSzTx/>
-                        <a:buFontTx/>
-                        <a:buNone/>
-                        <a:tabLst/>
-                        <a:defRPr/>
-                      </a:pPr>
-                      <a:endParaRPr lang="ko-KR" altLang="en-US" sz="1000" dirty="0"/>
-                    </a:p>
-                  </a:txBody>
-                  <a:tcPr anchor="ctr"/>
-                </a:tc>
-                <a:tc>
-                  <a:txBody>
-                    <a:bodyPr/>
-                    <a:lstStyle/>
-                    <a:p>
-                      <a:pPr marL="0" marR="0" lvl="0" indent="0" algn="l" defTabSz="914400" rtl="0" eaLnBrk="1" fontAlgn="auto" latinLnBrk="1" hangingPunct="1">
-                        <a:lnSpc>
-                          <a:spcPct val="100000"/>
-                        </a:lnSpc>
-                        <a:spcBef>
-                          <a:spcPts val="0"/>
-                        </a:spcBef>
-                        <a:spcAft>
-                          <a:spcPts val="0"/>
-                        </a:spcAft>
-                        <a:buClrTx/>
-                        <a:buSzTx/>
-                        <a:buFontTx/>
-                        <a:buNone/>
-                        <a:tabLst/>
-                        <a:defRPr/>
-                      </a:pPr>
-                      <a:endParaRPr lang="en-US" altLang="ko-KR" sz="1000" dirty="0"/>
-                    </a:p>
-                  </a:txBody>
-                  <a:tcPr anchor="ctr"/>
-                </a:tc>
-                <a:extLst>
-                  <a:ext uri="{0D108BD9-81ED-4DB2-BD59-A6C34878D82A}">
-                    <a16:rowId xmlns:a16="http://schemas.microsoft.com/office/drawing/2014/main" val="2670889160"/>
-                  </a:ext>
-                </a:extLst>
-              </a:tr>
-              <a:tr h="365760">
-                <a:tc>
-                  <a:txBody>
-                    <a:bodyPr/>
-                    <a:lstStyle/>
-                    <a:p>
-                      <a:pPr algn="ctr" latinLnBrk="1"/>
-                      <a:endParaRPr lang="ko-KR" altLang="en-US" sz="1000" dirty="0"/>
-                    </a:p>
-                  </a:txBody>
-                  <a:tcPr anchor="ctr"/>
-                </a:tc>
-                <a:tc>
-                  <a:txBody>
-                    <a:bodyPr/>
-                    <a:lstStyle/>
-                    <a:p>
-                      <a:pPr algn="l" latinLnBrk="1"/>
-                      <a:endParaRPr lang="en-US" altLang="ko-KR" sz="1000" dirty="0"/>
-                    </a:p>
-                  </a:txBody>
-                  <a:tcPr anchor="ctr"/>
-                </a:tc>
-                <a:tc>
-                  <a:txBody>
-                    <a:bodyPr/>
-                    <a:lstStyle/>
-                    <a:p>
-                      <a:pPr marL="0" marR="0" lvl="0" indent="0" algn="l" defTabSz="914400" rtl="0" eaLnBrk="1" fontAlgn="auto" latinLnBrk="1" hangingPunct="1">
-                        <a:lnSpc>
-                          <a:spcPct val="100000"/>
-                        </a:lnSpc>
-                        <a:spcBef>
-                          <a:spcPts val="0"/>
-                        </a:spcBef>
-                        <a:spcAft>
-                          <a:spcPts val="0"/>
-                        </a:spcAft>
-                        <a:buClrTx/>
-                        <a:buSzTx/>
-                        <a:buFontTx/>
-                        <a:buNone/>
-                        <a:tabLst/>
-                        <a:defRPr/>
-                      </a:pPr>
-                      <a:endParaRPr lang="ko-KR" altLang="en-US" sz="1000" dirty="0"/>
-                    </a:p>
-                  </a:txBody>
-                  <a:tcPr anchor="ctr"/>
-                </a:tc>
-                <a:tc>
-                  <a:txBody>
-                    <a:bodyPr/>
-                    <a:lstStyle/>
-                    <a:p>
-                      <a:pPr marL="0" marR="0" lvl="0" indent="0" algn="l" defTabSz="914400" rtl="0" eaLnBrk="1" fontAlgn="auto" latinLnBrk="1" hangingPunct="1">
-                        <a:lnSpc>
-                          <a:spcPct val="100000"/>
-                        </a:lnSpc>
-                        <a:spcBef>
-                          <a:spcPts val="0"/>
-                        </a:spcBef>
-                        <a:spcAft>
-                          <a:spcPts val="0"/>
-                        </a:spcAft>
-                        <a:buClrTx/>
-                        <a:buSzTx/>
-                        <a:buFontTx/>
-                        <a:buNone/>
-                        <a:tabLst/>
-                        <a:defRPr/>
-                      </a:pPr>
-                      <a:endParaRPr lang="en-US" altLang="ko-KR" sz="1000" dirty="0"/>
                     </a:p>
                   </a:txBody>
                   <a:tcPr anchor="ctr"/>
@@ -10910,99 +10846,105 @@
                   </a:ext>
                 </a:extLst>
               </a:tr>
-              <a:tr h="182880">
-                <a:tc>
-                  <a:txBody>
-                    <a:bodyPr/>
-                    <a:lstStyle/>
-                    <a:p>
-                      <a:pPr algn="ctr" latinLnBrk="1"/>
-                      <a:endParaRPr lang="ko-KR" altLang="en-US" sz="1000" dirty="0"/>
-                    </a:p>
-                  </a:txBody>
-                  <a:tcPr anchor="ctr"/>
-                </a:tc>
-                <a:tc>
-                  <a:txBody>
-                    <a:bodyPr/>
-                    <a:lstStyle/>
-                    <a:p>
-                      <a:pPr algn="l" latinLnBrk="1"/>
-                      <a:endParaRPr lang="en-US" altLang="ko-KR" sz="1000" dirty="0"/>
-                    </a:p>
-                  </a:txBody>
-                  <a:tcPr anchor="ctr"/>
-                </a:tc>
-                <a:tc>
-                  <a:txBody>
-                    <a:bodyPr/>
-                    <a:lstStyle/>
-                    <a:p>
-                      <a:pPr marL="0" marR="0" lvl="0" indent="0" algn="l" defTabSz="914400" rtl="0" eaLnBrk="1" fontAlgn="auto" latinLnBrk="1" hangingPunct="1">
-                        <a:lnSpc>
-                          <a:spcPct val="100000"/>
-                        </a:lnSpc>
-                        <a:spcBef>
-                          <a:spcPts val="0"/>
-                        </a:spcBef>
-                        <a:spcAft>
-                          <a:spcPts val="0"/>
-                        </a:spcAft>
-                        <a:buClrTx/>
-                        <a:buSzTx/>
-                        <a:buFontTx/>
-                        <a:buNone/>
-                        <a:tabLst/>
-                        <a:defRPr/>
-                      </a:pPr>
-                      <a:endParaRPr lang="ko-KR" altLang="en-US" sz="1000" dirty="0"/>
-                    </a:p>
-                  </a:txBody>
-                  <a:tcPr anchor="ctr"/>
-                </a:tc>
-                <a:tc>
-                  <a:txBody>
-                    <a:bodyPr/>
-                    <a:lstStyle/>
-                    <a:p>
-                      <a:pPr marL="0" marR="0" lvl="0" indent="0" algn="l" defTabSz="914400" rtl="0" eaLnBrk="1" fontAlgn="auto" latinLnBrk="1" hangingPunct="1">
-                        <a:lnSpc>
-                          <a:spcPct val="100000"/>
-                        </a:lnSpc>
-                        <a:spcBef>
-                          <a:spcPts val="0"/>
-                        </a:spcBef>
-                        <a:spcAft>
-                          <a:spcPts val="0"/>
-                        </a:spcAft>
-                        <a:buClrTx/>
-                        <a:buSzTx/>
-                        <a:buFontTx/>
-                        <a:buNone/>
-                        <a:tabLst/>
-                        <a:defRPr/>
-                      </a:pPr>
-                      <a:endParaRPr lang="en-US" altLang="ko-KR" sz="1000" dirty="0"/>
-                    </a:p>
-                  </a:txBody>
-                  <a:tcPr anchor="ctr"/>
-                </a:tc>
-                <a:extLst>
-                  <a:ext uri="{0D108BD9-81ED-4DB2-BD59-A6C34878D82A}">
-                    <a16:rowId xmlns:a16="http://schemas.microsoft.com/office/drawing/2014/main" val="929894201"/>
-                  </a:ext>
-                </a:extLst>
-              </a:tr>
             </a:tbl>
           </a:graphicData>
         </a:graphic>
       </p:graphicFrame>
+      <p:pic>
+        <p:nvPicPr>
+          <p:cNvPr id="29" name="그림 28">
+            <a:extLst>
+              <a:ext uri="{FF2B5EF4-FFF2-40B4-BE49-F238E27FC236}">
+                <a16:creationId xmlns:a16="http://schemas.microsoft.com/office/drawing/2014/main" id="{71400C3D-F887-41E1-BC3A-E0DAD664A7E8}"/>
+              </a:ext>
+            </a:extLst>
+          </p:cNvPr>
+          <p:cNvPicPr>
+            <a:picLocks noChangeAspect="1"/>
+          </p:cNvPicPr>
+          <p:nvPr/>
+        </p:nvPicPr>
+        <p:blipFill>
+          <a:blip r:embed="rId2"/>
+          <a:stretch>
+            <a:fillRect/>
+          </a:stretch>
+        </p:blipFill>
+        <p:spPr>
+          <a:xfrm>
+            <a:off x="628806" y="1104171"/>
+            <a:ext cx="4205009" cy="2389137"/>
+          </a:xfrm>
+          <a:prstGeom prst="rect">
+            <a:avLst/>
+          </a:prstGeom>
+        </p:spPr>
+      </p:pic>
+      <p:pic>
+        <p:nvPicPr>
+          <p:cNvPr id="30" name="그림 29">
+            <a:extLst>
+              <a:ext uri="{FF2B5EF4-FFF2-40B4-BE49-F238E27FC236}">
+                <a16:creationId xmlns:a16="http://schemas.microsoft.com/office/drawing/2014/main" id="{6D7FBFD2-D8D8-4114-A332-1B50DC63C4AE}"/>
+              </a:ext>
+            </a:extLst>
+          </p:cNvPr>
+          <p:cNvPicPr>
+            <a:picLocks noChangeAspect="1"/>
+          </p:cNvPicPr>
+          <p:nvPr/>
+        </p:nvPicPr>
+        <p:blipFill rotWithShape="1">
+          <a:blip r:embed="rId3"/>
+          <a:srcRect l="36504" b="24906"/>
+          <a:stretch/>
+        </p:blipFill>
+        <p:spPr>
+          <a:xfrm>
+            <a:off x="628806" y="1118909"/>
+            <a:ext cx="4182487" cy="2359569"/>
+          </a:xfrm>
+          <a:prstGeom prst="rect">
+            <a:avLst/>
+          </a:prstGeom>
+        </p:spPr>
+      </p:pic>
+      <p:pic>
+        <p:nvPicPr>
+          <p:cNvPr id="31" name="그림 30">
+            <a:extLst>
+              <a:ext uri="{FF2B5EF4-FFF2-40B4-BE49-F238E27FC236}">
+                <a16:creationId xmlns:a16="http://schemas.microsoft.com/office/drawing/2014/main" id="{7AF253E5-FB20-4FC0-B802-3D88BEBDF9A3}"/>
+              </a:ext>
+            </a:extLst>
+          </p:cNvPr>
+          <p:cNvPicPr>
+            <a:picLocks noChangeAspect="1"/>
+          </p:cNvPicPr>
+          <p:nvPr/>
+        </p:nvPicPr>
+        <p:blipFill>
+          <a:blip r:embed="rId4"/>
+          <a:stretch>
+            <a:fillRect/>
+          </a:stretch>
+        </p:blipFill>
+        <p:spPr>
+          <a:xfrm>
+            <a:off x="622176" y="1104171"/>
+            <a:ext cx="4218268" cy="2397819"/>
+          </a:xfrm>
+          <a:prstGeom prst="rect">
+            <a:avLst/>
+          </a:prstGeom>
+        </p:spPr>
+      </p:pic>
       <p:sp>
         <p:nvSpPr>
-          <p:cNvPr id="25" name="사각형: 둥근 모서리 24">
+          <p:cNvPr id="32" name="타원 31">
             <a:extLst>
               <a:ext uri="{FF2B5EF4-FFF2-40B4-BE49-F238E27FC236}">
-                <a16:creationId xmlns:a16="http://schemas.microsoft.com/office/drawing/2014/main" id="{FE97DE9F-14B5-4CBC-B168-45F356D2E971}"/>
+                <a16:creationId xmlns:a16="http://schemas.microsoft.com/office/drawing/2014/main" id="{B194D8D7-5481-47C2-B56E-7ABFF6B87D59}"/>
               </a:ext>
             </a:extLst>
           </p:cNvPr>
@@ -11011,8 +10953,146 @@
         </p:nvSpPr>
         <p:spPr>
           <a:xfrm>
-            <a:off x="666089" y="1166070"/>
-            <a:ext cx="927819" cy="2240336"/>
+            <a:off x="2910101" y="1712179"/>
+            <a:ext cx="494950" cy="124210"/>
+          </a:xfrm>
+          <a:prstGeom prst="ellipse">
+            <a:avLst/>
+          </a:prstGeom>
+        </p:spPr>
+        <p:style>
+          <a:lnRef idx="2">
+            <a:schemeClr val="dk1">
+              <a:shade val="50000"/>
+            </a:schemeClr>
+          </a:lnRef>
+          <a:fillRef idx="1">
+            <a:schemeClr val="dk1"/>
+          </a:fillRef>
+          <a:effectRef idx="0">
+            <a:schemeClr val="dk1"/>
+          </a:effectRef>
+          <a:fontRef idx="minor">
+            <a:schemeClr val="lt1"/>
+          </a:fontRef>
+        </p:style>
+        <p:txBody>
+          <a:bodyPr rtlCol="0" anchor="ctr"/>
+          <a:lstStyle/>
+          <a:p>
+            <a:pPr algn="ctr"/>
+            <a:endParaRPr lang="ko-KR" altLang="en-US"/>
+          </a:p>
+        </p:txBody>
+      </p:sp>
+      <p:sp>
+        <p:nvSpPr>
+          <p:cNvPr id="33" name="타원 32">
+            <a:extLst>
+              <a:ext uri="{FF2B5EF4-FFF2-40B4-BE49-F238E27FC236}">
+                <a16:creationId xmlns:a16="http://schemas.microsoft.com/office/drawing/2014/main" id="{C099B5EF-5D26-459D-BEA0-569118E90F9E}"/>
+              </a:ext>
+            </a:extLst>
+          </p:cNvPr>
+          <p:cNvSpPr/>
+          <p:nvPr/>
+        </p:nvSpPr>
+        <p:spPr>
+          <a:xfrm>
+            <a:off x="2047531" y="1657512"/>
+            <a:ext cx="355662" cy="89255"/>
+          </a:xfrm>
+          <a:prstGeom prst="ellipse">
+            <a:avLst/>
+          </a:prstGeom>
+        </p:spPr>
+        <p:style>
+          <a:lnRef idx="2">
+            <a:schemeClr val="dk1">
+              <a:shade val="50000"/>
+            </a:schemeClr>
+          </a:lnRef>
+          <a:fillRef idx="1">
+            <a:schemeClr val="dk1"/>
+          </a:fillRef>
+          <a:effectRef idx="0">
+            <a:schemeClr val="dk1"/>
+          </a:effectRef>
+          <a:fontRef idx="minor">
+            <a:schemeClr val="lt1"/>
+          </a:fontRef>
+        </p:style>
+        <p:txBody>
+          <a:bodyPr rtlCol="0" anchor="ctr"/>
+          <a:lstStyle/>
+          <a:p>
+            <a:pPr algn="ctr"/>
+            <a:endParaRPr lang="ko-KR" altLang="en-US"/>
+          </a:p>
+        </p:txBody>
+      </p:sp>
+      <p:sp>
+        <p:nvSpPr>
+          <p:cNvPr id="3" name="원통형 2">
+            <a:extLst>
+              <a:ext uri="{FF2B5EF4-FFF2-40B4-BE49-F238E27FC236}">
+                <a16:creationId xmlns:a16="http://schemas.microsoft.com/office/drawing/2014/main" id="{89F1E2B6-4CB1-44BA-83D1-BC926C397E57}"/>
+              </a:ext>
+            </a:extLst>
+          </p:cNvPr>
+          <p:cNvSpPr/>
+          <p:nvPr/>
+        </p:nvSpPr>
+        <p:spPr>
+          <a:xfrm rot="16200000">
+            <a:off x="2253506" y="1596517"/>
+            <a:ext cx="216046" cy="1100026"/>
+          </a:xfrm>
+          <a:prstGeom prst="can">
+            <a:avLst/>
+          </a:prstGeom>
+        </p:spPr>
+        <p:style>
+          <a:lnRef idx="2">
+            <a:schemeClr val="accent1">
+              <a:shade val="50000"/>
+            </a:schemeClr>
+          </a:lnRef>
+          <a:fillRef idx="1">
+            <a:schemeClr val="accent1"/>
+          </a:fillRef>
+          <a:effectRef idx="0">
+            <a:schemeClr val="accent1"/>
+          </a:effectRef>
+          <a:fontRef idx="minor">
+            <a:schemeClr val="lt1"/>
+          </a:fontRef>
+        </p:style>
+        <p:txBody>
+          <a:bodyPr rtlCol="0" anchor="ctr"/>
+          <a:lstStyle/>
+          <a:p>
+            <a:pPr algn="ctr"/>
+            <a:endParaRPr lang="ko-KR" altLang="en-US"/>
+          </a:p>
+        </p:txBody>
+      </p:sp>
+      <p:sp>
+        <p:nvSpPr>
+          <p:cNvPr id="35" name="사각형: 둥근 모서리 34">
+            <a:extLst>
+              <a:ext uri="{FF2B5EF4-FFF2-40B4-BE49-F238E27FC236}">
+                <a16:creationId xmlns:a16="http://schemas.microsoft.com/office/drawing/2014/main" id="{1E27D4CC-6DB9-4AE1-85FE-48F0021FB543}"/>
+              </a:ext>
+            </a:extLst>
+          </p:cNvPr>
+          <p:cNvSpPr/>
+          <p:nvPr/>
+        </p:nvSpPr>
+        <p:spPr>
+          <a:xfrm>
+            <a:off x="666089" y="1118909"/>
+            <a:ext cx="4151834" cy="2359569"/>
           </a:xfrm>
           <a:prstGeom prst="roundRect">
             <a:avLst>
@@ -11053,10 +11133,10 @@
       </p:sp>
       <p:sp>
         <p:nvSpPr>
-          <p:cNvPr id="26" name="타원 25">
+          <p:cNvPr id="36" name="타원 35">
             <a:extLst>
               <a:ext uri="{FF2B5EF4-FFF2-40B4-BE49-F238E27FC236}">
-                <a16:creationId xmlns:a16="http://schemas.microsoft.com/office/drawing/2014/main" id="{A0105CC1-F34B-4426-BBE5-F624FFAE319B}"/>
+                <a16:creationId xmlns:a16="http://schemas.microsoft.com/office/drawing/2014/main" id="{A86F09D9-CA55-4E1F-BDBC-BD8F35BAAE73}"/>
               </a:ext>
             </a:extLst>
           </p:cNvPr>
@@ -11065,7 +11145,7 @@
         </p:nvSpPr>
         <p:spPr>
           <a:xfrm>
-            <a:off x="573721" y="1145722"/>
+            <a:off x="590220" y="1062916"/>
             <a:ext cx="206366" cy="231717"/>
           </a:xfrm>
           <a:prstGeom prst="ellipse">
@@ -11103,10 +11183,10 @@
       </p:sp>
       <p:sp>
         <p:nvSpPr>
-          <p:cNvPr id="27" name="사각형: 둥근 모서리 26">
+          <p:cNvPr id="37" name="사각형: 둥근 모서리 36">
             <a:extLst>
               <a:ext uri="{FF2B5EF4-FFF2-40B4-BE49-F238E27FC236}">
-                <a16:creationId xmlns:a16="http://schemas.microsoft.com/office/drawing/2014/main" id="{A9C85A34-54DC-4A0B-8465-A16C12DD7B4A}"/>
+                <a16:creationId xmlns:a16="http://schemas.microsoft.com/office/drawing/2014/main" id="{A05D23BE-848F-4089-B08A-006FCBB4F053}"/>
               </a:ext>
             </a:extLst>
           </p:cNvPr>
@@ -11115,8 +11195,8 @@
         </p:nvSpPr>
         <p:spPr>
           <a:xfrm>
-            <a:off x="1637820" y="1166070"/>
-            <a:ext cx="1390606" cy="2240336"/>
+            <a:off x="1772269" y="1145722"/>
+            <a:ext cx="1876942" cy="2084040"/>
           </a:xfrm>
           <a:prstGeom prst="roundRect">
             <a:avLst>
@@ -11157,10 +11237,10 @@
       </p:sp>
       <p:sp>
         <p:nvSpPr>
-          <p:cNvPr id="28" name="타원 27">
+          <p:cNvPr id="38" name="타원 37">
             <a:extLst>
               <a:ext uri="{FF2B5EF4-FFF2-40B4-BE49-F238E27FC236}">
-                <a16:creationId xmlns:a16="http://schemas.microsoft.com/office/drawing/2014/main" id="{5C05B140-8D20-424B-8E81-581C04B581E7}"/>
+                <a16:creationId xmlns:a16="http://schemas.microsoft.com/office/drawing/2014/main" id="{FD268DB0-5115-4C26-A5ED-DC0141BCC395}"/>
               </a:ext>
             </a:extLst>
           </p:cNvPr>
@@ -11169,7 +11249,7 @@
         </p:nvSpPr>
         <p:spPr>
           <a:xfrm>
-            <a:off x="2925243" y="1100722"/>
+            <a:off x="1735697" y="1145721"/>
             <a:ext cx="206366" cy="231717"/>
           </a:xfrm>
           <a:prstGeom prst="ellipse">
@@ -11200,6 +11280,677 @@
             <a:r>
               <a:rPr lang="en-US" altLang="ko-KR" dirty="0"/>
               <a:t>2</a:t>
+            </a:r>
+            <a:endParaRPr lang="ko-KR" altLang="en-US" dirty="0"/>
+          </a:p>
+        </p:txBody>
+      </p:sp>
+      <p:sp>
+        <p:nvSpPr>
+          <p:cNvPr id="40" name="사각형: 둥근 모서리 39">
+            <a:extLst>
+              <a:ext uri="{FF2B5EF4-FFF2-40B4-BE49-F238E27FC236}">
+                <a16:creationId xmlns:a16="http://schemas.microsoft.com/office/drawing/2014/main" id="{C3C54EFC-8062-4C0F-AB75-CF34B3261274}"/>
+              </a:ext>
+            </a:extLst>
+          </p:cNvPr>
+          <p:cNvSpPr/>
+          <p:nvPr/>
+        </p:nvSpPr>
+        <p:spPr>
+          <a:xfrm>
+            <a:off x="2004969" y="1575503"/>
+            <a:ext cx="1437876" cy="295242"/>
+          </a:xfrm>
+          <a:prstGeom prst="roundRect">
+            <a:avLst>
+              <a:gd name="adj" fmla="val 7372"/>
+            </a:avLst>
+          </a:prstGeom>
+          <a:noFill/>
+          <a:ln>
+            <a:solidFill>
+              <a:srgbClr val="FF0000"/>
+            </a:solidFill>
+          </a:ln>
+        </p:spPr>
+        <p:style>
+          <a:lnRef idx="2">
+            <a:schemeClr val="accent1">
+              <a:shade val="50000"/>
+            </a:schemeClr>
+          </a:lnRef>
+          <a:fillRef idx="1">
+            <a:schemeClr val="accent1"/>
+          </a:fillRef>
+          <a:effectRef idx="0">
+            <a:schemeClr val="accent1"/>
+          </a:effectRef>
+          <a:fontRef idx="minor">
+            <a:schemeClr val="lt1"/>
+          </a:fontRef>
+        </p:style>
+        <p:txBody>
+          <a:bodyPr rtlCol="0" anchor="ctr"/>
+          <a:lstStyle/>
+          <a:p>
+            <a:pPr algn="ctr"/>
+            <a:endParaRPr lang="ko-KR" altLang="en-US"/>
+          </a:p>
+        </p:txBody>
+      </p:sp>
+      <p:sp>
+        <p:nvSpPr>
+          <p:cNvPr id="39" name="타원 38">
+            <a:extLst>
+              <a:ext uri="{FF2B5EF4-FFF2-40B4-BE49-F238E27FC236}">
+                <a16:creationId xmlns:a16="http://schemas.microsoft.com/office/drawing/2014/main" id="{A412DB4B-A7DA-4730-B47A-DF66B5B603E8}"/>
+              </a:ext>
+            </a:extLst>
+          </p:cNvPr>
+          <p:cNvSpPr/>
+          <p:nvPr/>
+        </p:nvSpPr>
+        <p:spPr>
+          <a:xfrm>
+            <a:off x="1901842" y="1412388"/>
+            <a:ext cx="206366" cy="231717"/>
+          </a:xfrm>
+          <a:prstGeom prst="ellipse">
+            <a:avLst/>
+          </a:prstGeom>
+        </p:spPr>
+        <p:style>
+          <a:lnRef idx="2">
+            <a:schemeClr val="accent4">
+              <a:shade val="50000"/>
+            </a:schemeClr>
+          </a:lnRef>
+          <a:fillRef idx="1">
+            <a:schemeClr val="accent4"/>
+          </a:fillRef>
+          <a:effectRef idx="0">
+            <a:schemeClr val="accent4"/>
+          </a:effectRef>
+          <a:fontRef idx="minor">
+            <a:schemeClr val="lt1"/>
+          </a:fontRef>
+        </p:style>
+        <p:txBody>
+          <a:bodyPr rtlCol="0" anchor="ctr"/>
+          <a:lstStyle/>
+          <a:p>
+            <a:pPr algn="ctr"/>
+            <a:r>
+              <a:rPr lang="en-US" altLang="ko-KR" dirty="0"/>
+              <a:t>4</a:t>
+            </a:r>
+            <a:endParaRPr lang="ko-KR" altLang="en-US" dirty="0"/>
+          </a:p>
+        </p:txBody>
+      </p:sp>
+      <p:sp>
+        <p:nvSpPr>
+          <p:cNvPr id="45" name="사각형: 둥근 모서리 44">
+            <a:extLst>
+              <a:ext uri="{FF2B5EF4-FFF2-40B4-BE49-F238E27FC236}">
+                <a16:creationId xmlns:a16="http://schemas.microsoft.com/office/drawing/2014/main" id="{E942C0ED-191F-4DAC-AC92-9B5199BAAE7E}"/>
+              </a:ext>
+            </a:extLst>
+          </p:cNvPr>
+          <p:cNvSpPr/>
+          <p:nvPr/>
+        </p:nvSpPr>
+        <p:spPr>
+          <a:xfrm>
+            <a:off x="1811516" y="1970110"/>
+            <a:ext cx="1183354" cy="347320"/>
+          </a:xfrm>
+          <a:prstGeom prst="roundRect">
+            <a:avLst>
+              <a:gd name="adj" fmla="val 7372"/>
+            </a:avLst>
+          </a:prstGeom>
+          <a:noFill/>
+          <a:ln>
+            <a:solidFill>
+              <a:srgbClr val="FF0000"/>
+            </a:solidFill>
+          </a:ln>
+        </p:spPr>
+        <p:style>
+          <a:lnRef idx="2">
+            <a:schemeClr val="accent1">
+              <a:shade val="50000"/>
+            </a:schemeClr>
+          </a:lnRef>
+          <a:fillRef idx="1">
+            <a:schemeClr val="accent1"/>
+          </a:fillRef>
+          <a:effectRef idx="0">
+            <a:schemeClr val="accent1"/>
+          </a:effectRef>
+          <a:fontRef idx="minor">
+            <a:schemeClr val="lt1"/>
+          </a:fontRef>
+        </p:style>
+        <p:txBody>
+          <a:bodyPr rtlCol="0" anchor="ctr"/>
+          <a:lstStyle/>
+          <a:p>
+            <a:pPr algn="ctr"/>
+            <a:endParaRPr lang="ko-KR" altLang="en-US"/>
+          </a:p>
+        </p:txBody>
+      </p:sp>
+      <p:sp>
+        <p:nvSpPr>
+          <p:cNvPr id="46" name="타원 45">
+            <a:extLst>
+              <a:ext uri="{FF2B5EF4-FFF2-40B4-BE49-F238E27FC236}">
+                <a16:creationId xmlns:a16="http://schemas.microsoft.com/office/drawing/2014/main" id="{9D6E3036-ED5B-4A55-BA5C-FB0B6582EB60}"/>
+              </a:ext>
+            </a:extLst>
+          </p:cNvPr>
+          <p:cNvSpPr/>
+          <p:nvPr/>
+        </p:nvSpPr>
+        <p:spPr>
+          <a:xfrm>
+            <a:off x="1753679" y="1839421"/>
+            <a:ext cx="206366" cy="231717"/>
+          </a:xfrm>
+          <a:prstGeom prst="ellipse">
+            <a:avLst/>
+          </a:prstGeom>
+        </p:spPr>
+        <p:style>
+          <a:lnRef idx="2">
+            <a:schemeClr val="accent4">
+              <a:shade val="50000"/>
+            </a:schemeClr>
+          </a:lnRef>
+          <a:fillRef idx="1">
+            <a:schemeClr val="accent4"/>
+          </a:fillRef>
+          <a:effectRef idx="0">
+            <a:schemeClr val="accent4"/>
+          </a:effectRef>
+          <a:fontRef idx="minor">
+            <a:schemeClr val="lt1"/>
+          </a:fontRef>
+        </p:style>
+        <p:txBody>
+          <a:bodyPr rtlCol="0" anchor="ctr"/>
+          <a:lstStyle/>
+          <a:p>
+            <a:pPr algn="ctr"/>
+            <a:r>
+              <a:rPr lang="en-US" altLang="ko-KR" dirty="0"/>
+              <a:t>5</a:t>
+            </a:r>
+            <a:endParaRPr lang="ko-KR" altLang="en-US" dirty="0"/>
+          </a:p>
+        </p:txBody>
+      </p:sp>
+      <p:sp>
+        <p:nvSpPr>
+          <p:cNvPr id="10" name="순서도: 순차적 액세스 저장소 9">
+            <a:extLst>
+              <a:ext uri="{FF2B5EF4-FFF2-40B4-BE49-F238E27FC236}">
+                <a16:creationId xmlns:a16="http://schemas.microsoft.com/office/drawing/2014/main" id="{CA7D9174-D93A-4899-ADD1-70D5FDA38E92}"/>
+              </a:ext>
+            </a:extLst>
+          </p:cNvPr>
+          <p:cNvSpPr/>
+          <p:nvPr/>
+        </p:nvSpPr>
+        <p:spPr>
+          <a:xfrm>
+            <a:off x="2764481" y="1174209"/>
+            <a:ext cx="206366" cy="295241"/>
+          </a:xfrm>
+          <a:prstGeom prst="flowChartMagneticTape">
+            <a:avLst/>
+          </a:prstGeom>
+          <a:solidFill>
+            <a:srgbClr val="FF0000"/>
+          </a:solidFill>
+        </p:spPr>
+        <p:style>
+          <a:lnRef idx="2">
+            <a:schemeClr val="accent1">
+              <a:shade val="50000"/>
+            </a:schemeClr>
+          </a:lnRef>
+          <a:fillRef idx="1">
+            <a:schemeClr val="accent1"/>
+          </a:fillRef>
+          <a:effectRef idx="0">
+            <a:schemeClr val="accent1"/>
+          </a:effectRef>
+          <a:fontRef idx="minor">
+            <a:schemeClr val="lt1"/>
+          </a:fontRef>
+        </p:style>
+        <p:txBody>
+          <a:bodyPr rtlCol="0" anchor="ctr"/>
+          <a:lstStyle/>
+          <a:p>
+            <a:pPr algn="ctr"/>
+            <a:endParaRPr lang="ko-KR" altLang="en-US"/>
+          </a:p>
+        </p:txBody>
+      </p:sp>
+      <p:sp>
+        <p:nvSpPr>
+          <p:cNvPr id="49" name="순서도: 순차적 액세스 저장소 48">
+            <a:extLst>
+              <a:ext uri="{FF2B5EF4-FFF2-40B4-BE49-F238E27FC236}">
+                <a16:creationId xmlns:a16="http://schemas.microsoft.com/office/drawing/2014/main" id="{A68CF00C-F1CB-4B21-947E-1BD68592F34A}"/>
+              </a:ext>
+            </a:extLst>
+          </p:cNvPr>
+          <p:cNvSpPr/>
+          <p:nvPr/>
+        </p:nvSpPr>
+        <p:spPr>
+          <a:xfrm>
+            <a:off x="2543835" y="1162561"/>
+            <a:ext cx="206366" cy="295241"/>
+          </a:xfrm>
+          <a:prstGeom prst="flowChartMagneticTape">
+            <a:avLst/>
+          </a:prstGeom>
+          <a:solidFill>
+            <a:schemeClr val="accent1"/>
+          </a:solidFill>
+          <a:ln>
+            <a:solidFill>
+              <a:srgbClr val="C00000"/>
+            </a:solidFill>
+          </a:ln>
+        </p:spPr>
+        <p:style>
+          <a:lnRef idx="2">
+            <a:schemeClr val="accent1">
+              <a:shade val="50000"/>
+            </a:schemeClr>
+          </a:lnRef>
+          <a:fillRef idx="1">
+            <a:schemeClr val="accent1"/>
+          </a:fillRef>
+          <a:effectRef idx="0">
+            <a:schemeClr val="accent1"/>
+          </a:effectRef>
+          <a:fontRef idx="minor">
+            <a:schemeClr val="lt1"/>
+          </a:fontRef>
+        </p:style>
+        <p:txBody>
+          <a:bodyPr rtlCol="0" anchor="ctr"/>
+          <a:lstStyle/>
+          <a:p>
+            <a:pPr algn="ctr"/>
+            <a:endParaRPr lang="ko-KR" altLang="en-US"/>
+          </a:p>
+        </p:txBody>
+      </p:sp>
+      <p:sp>
+        <p:nvSpPr>
+          <p:cNvPr id="50" name="사각형: 둥근 모서리 49">
+            <a:extLst>
+              <a:ext uri="{FF2B5EF4-FFF2-40B4-BE49-F238E27FC236}">
+                <a16:creationId xmlns:a16="http://schemas.microsoft.com/office/drawing/2014/main" id="{163570F5-10EE-4FF7-80E9-01645216BC9F}"/>
+              </a:ext>
+            </a:extLst>
+          </p:cNvPr>
+          <p:cNvSpPr/>
+          <p:nvPr/>
+        </p:nvSpPr>
+        <p:spPr>
+          <a:xfrm>
+            <a:off x="2438638" y="1174209"/>
+            <a:ext cx="661752" cy="295242"/>
+          </a:xfrm>
+          <a:prstGeom prst="roundRect">
+            <a:avLst>
+              <a:gd name="adj" fmla="val 7372"/>
+            </a:avLst>
+          </a:prstGeom>
+          <a:noFill/>
+          <a:ln>
+            <a:solidFill>
+              <a:srgbClr val="FF0000"/>
+            </a:solidFill>
+          </a:ln>
+        </p:spPr>
+        <p:style>
+          <a:lnRef idx="2">
+            <a:schemeClr val="accent1">
+              <a:shade val="50000"/>
+            </a:schemeClr>
+          </a:lnRef>
+          <a:fillRef idx="1">
+            <a:schemeClr val="accent1"/>
+          </a:fillRef>
+          <a:effectRef idx="0">
+            <a:schemeClr val="accent1"/>
+          </a:effectRef>
+          <a:fontRef idx="minor">
+            <a:schemeClr val="lt1"/>
+          </a:fontRef>
+        </p:style>
+        <p:txBody>
+          <a:bodyPr rtlCol="0" anchor="ctr"/>
+          <a:lstStyle/>
+          <a:p>
+            <a:pPr algn="ctr"/>
+            <a:endParaRPr lang="ko-KR" altLang="en-US"/>
+          </a:p>
+        </p:txBody>
+      </p:sp>
+      <p:sp>
+        <p:nvSpPr>
+          <p:cNvPr id="51" name="타원 50">
+            <a:extLst>
+              <a:ext uri="{FF2B5EF4-FFF2-40B4-BE49-F238E27FC236}">
+                <a16:creationId xmlns:a16="http://schemas.microsoft.com/office/drawing/2014/main" id="{14A2A6FD-3D1E-4F3A-BB66-5345ED13E0BE}"/>
+              </a:ext>
+            </a:extLst>
+          </p:cNvPr>
+          <p:cNvSpPr/>
+          <p:nvPr/>
+        </p:nvSpPr>
+        <p:spPr>
+          <a:xfrm>
+            <a:off x="3035896" y="1159590"/>
+            <a:ext cx="206366" cy="231717"/>
+          </a:xfrm>
+          <a:prstGeom prst="ellipse">
+            <a:avLst/>
+          </a:prstGeom>
+        </p:spPr>
+        <p:style>
+          <a:lnRef idx="2">
+            <a:schemeClr val="accent4">
+              <a:shade val="50000"/>
+            </a:schemeClr>
+          </a:lnRef>
+          <a:fillRef idx="1">
+            <a:schemeClr val="accent4"/>
+          </a:fillRef>
+          <a:effectRef idx="0">
+            <a:schemeClr val="accent4"/>
+          </a:effectRef>
+          <a:fontRef idx="minor">
+            <a:schemeClr val="lt1"/>
+          </a:fontRef>
+        </p:style>
+        <p:txBody>
+          <a:bodyPr rtlCol="0" anchor="ctr"/>
+          <a:lstStyle/>
+          <a:p>
+            <a:pPr algn="ctr"/>
+            <a:r>
+              <a:rPr lang="en-US" altLang="ko-KR" dirty="0"/>
+              <a:t>3</a:t>
+            </a:r>
+            <a:endParaRPr lang="ko-KR" altLang="en-US" dirty="0"/>
+          </a:p>
+        </p:txBody>
+      </p:sp>
+      <p:pic>
+        <p:nvPicPr>
+          <p:cNvPr id="11" name="그림 10">
+            <a:extLst>
+              <a:ext uri="{FF2B5EF4-FFF2-40B4-BE49-F238E27FC236}">
+                <a16:creationId xmlns:a16="http://schemas.microsoft.com/office/drawing/2014/main" id="{6AE521A5-43C1-41A8-BDE3-25A41CFB279F}"/>
+              </a:ext>
+            </a:extLst>
+          </p:cNvPr>
+          <p:cNvPicPr>
+            <a:picLocks noChangeAspect="1"/>
+          </p:cNvPicPr>
+          <p:nvPr/>
+        </p:nvPicPr>
+        <p:blipFill>
+          <a:blip r:embed="rId5">
+            <a:extLst>
+              <a:ext uri="{BEBA8EAE-BF5A-486C-A8C5-ECC9F3942E4B}">
+                <a14:imgProps xmlns:a14="http://schemas.microsoft.com/office/drawing/2010/main">
+                  <a14:imgLayer r:embed="rId6">
+                    <a14:imgEffect>
+                      <a14:backgroundRemoval t="1193" b="95060" l="9914" r="89871">
+                        <a14:foregroundMark x1="22198" y1="9765" x2="37284" y2="10221"/>
+                        <a14:foregroundMark x1="37284" y1="10221" x2="42672" y2="10051"/>
+                        <a14:foregroundMark x1="42672" y1="10051" x2="40777" y2="4656"/>
+                        <a14:foregroundMark x1="20366" y1="10051" x2="25000" y2="5281"/>
+                        <a14:foregroundMark x1="30212" y1="3650" x2="35884" y2="1874"/>
+                        <a14:foregroundMark x1="25000" y1="5281" x2="28514" y2="4181"/>
+                        <a14:foregroundMark x1="35884" y1="1874" x2="36371" y2="1973"/>
+                        <a14:foregroundMark x1="31051" y1="1667" x2="35453" y2="1533"/>
+                        <a14:foregroundMark x1="35453" y1="1533" x2="36582" y2="1533"/>
+                        <a14:foregroundMark x1="18858" y1="37819" x2="19504" y2="36968"/>
+                        <a14:foregroundMark x1="18319" y1="36968" x2="20151" y2="37138"/>
+                        <a14:foregroundMark x1="18642" y1="37649" x2="19828" y2="36797"/>
+                        <a14:foregroundMark x1="18534" y1="36457" x2="20259" y2="33049"/>
+                        <a14:foregroundMark x1="19504" y1="29813" x2="22198" y2="22147"/>
+                        <a14:foregroundMark x1="22198" y1="22147" x2="20474" y2="30324"/>
+                        <a14:foregroundMark x1="20474" y1="30324" x2="19073" y2="30153"/>
+                        <a14:foregroundMark x1="21875" y1="29983" x2="25862" y2="24191"/>
+                        <a14:foregroundMark x1="25862" y1="24191" x2="21552" y2="29472"/>
+                        <a14:foregroundMark x1="21552" y1="29472" x2="21552" y2="30153"/>
+                        <a14:foregroundMark x1="29203" y1="2215" x2="30711" y2="2044"/>
+                        <a14:foregroundMark x1="36315" y1="1363" x2="36846" y2="1468"/>
+                        <a14:foregroundMark x1="49563" y1="96522" x2="49892" y2="97274"/>
+                        <a14:foregroundMark x1="49892" y1="97274" x2="52444" y2="92664"/>
+                        <a14:foregroundMark x1="53277" y1="90469" x2="48550" y2="90582"/>
+                        <a14:backgroundMark x1="19935" y1="10051" x2="20574" y2="9346"/>
+                        <a14:backgroundMark x1="29994" y1="590" x2="28233" y2="0"/>
+                        <a14:backgroundMark x1="28233" y1="0" x2="23276" y2="3578"/>
+                        <a14:backgroundMark x1="20991" y1="7577" x2="20259" y2="8859"/>
+                        <a14:backgroundMark x1="23276" y1="3578" x2="21205" y2="7203"/>
+                        <a14:backgroundMark x1="39548" y1="2332" x2="40517" y2="2726"/>
+                        <a14:backgroundMark x1="37069" y1="1022" x2="41487" y2="3237"/>
+                        <a14:backgroundMark x1="46336" y1="90630" x2="49138" y2="96934"/>
+                        <a14:backgroundMark x1="52047" y1="94208" x2="53879" y2="90630"/>
+                      </a14:backgroundRemoval>
+                    </a14:imgEffect>
+                  </a14:imgLayer>
+                </a14:imgProps>
+              </a:ext>
+            </a:extLst>
+          </a:blip>
+          <a:stretch>
+            <a:fillRect/>
+          </a:stretch>
+        </p:blipFill>
+        <p:spPr>
+          <a:xfrm>
+            <a:off x="3165039" y="2010652"/>
+            <a:ext cx="349572" cy="221119"/>
+          </a:xfrm>
+          <a:prstGeom prst="rect">
+            <a:avLst/>
+          </a:prstGeom>
+        </p:spPr>
+      </p:pic>
+      <p:pic>
+        <p:nvPicPr>
+          <p:cNvPr id="52" name="그림 51">
+            <a:extLst>
+              <a:ext uri="{FF2B5EF4-FFF2-40B4-BE49-F238E27FC236}">
+                <a16:creationId xmlns:a16="http://schemas.microsoft.com/office/drawing/2014/main" id="{850DF994-B20E-4741-A8E1-64D3B3A9E762}"/>
+              </a:ext>
+            </a:extLst>
+          </p:cNvPr>
+          <p:cNvPicPr>
+            <a:picLocks noChangeAspect="1"/>
+          </p:cNvPicPr>
+          <p:nvPr/>
+        </p:nvPicPr>
+        <p:blipFill>
+          <a:blip r:embed="rId5">
+            <a:extLst>
+              <a:ext uri="{BEBA8EAE-BF5A-486C-A8C5-ECC9F3942E4B}">
+                <a14:imgProps xmlns:a14="http://schemas.microsoft.com/office/drawing/2010/main">
+                  <a14:imgLayer r:embed="rId6">
+                    <a14:imgEffect>
+                      <a14:backgroundRemoval t="1193" b="95060" l="9914" r="89871">
+                        <a14:foregroundMark x1="22198" y1="9765" x2="37284" y2="10221"/>
+                        <a14:foregroundMark x1="37284" y1="10221" x2="42672" y2="10051"/>
+                        <a14:foregroundMark x1="42672" y1="10051" x2="40777" y2="4656"/>
+                        <a14:foregroundMark x1="20366" y1="10051" x2="25000" y2="5281"/>
+                        <a14:foregroundMark x1="30212" y1="3650" x2="35884" y2="1874"/>
+                        <a14:foregroundMark x1="25000" y1="5281" x2="28514" y2="4181"/>
+                        <a14:foregroundMark x1="35884" y1="1874" x2="36371" y2="1973"/>
+                        <a14:foregroundMark x1="31051" y1="1667" x2="35453" y2="1533"/>
+                        <a14:foregroundMark x1="35453" y1="1533" x2="36582" y2="1533"/>
+                        <a14:foregroundMark x1="18858" y1="37819" x2="19504" y2="36968"/>
+                        <a14:foregroundMark x1="18319" y1="36968" x2="20151" y2="37138"/>
+                        <a14:foregroundMark x1="18642" y1="37649" x2="19828" y2="36797"/>
+                        <a14:foregroundMark x1="18534" y1="36457" x2="20259" y2="33049"/>
+                        <a14:foregroundMark x1="19504" y1="29813" x2="22198" y2="22147"/>
+                        <a14:foregroundMark x1="22198" y1="22147" x2="20474" y2="30324"/>
+                        <a14:foregroundMark x1="20474" y1="30324" x2="19073" y2="30153"/>
+                        <a14:foregroundMark x1="21875" y1="29983" x2="25862" y2="24191"/>
+                        <a14:foregroundMark x1="25862" y1="24191" x2="21552" y2="29472"/>
+                        <a14:foregroundMark x1="21552" y1="29472" x2="21552" y2="30153"/>
+                        <a14:foregroundMark x1="29203" y1="2215" x2="30711" y2="2044"/>
+                        <a14:foregroundMark x1="36315" y1="1363" x2="36846" y2="1468"/>
+                        <a14:foregroundMark x1="49563" y1="96522" x2="49892" y2="97274"/>
+                        <a14:foregroundMark x1="49892" y1="97274" x2="52444" y2="92664"/>
+                        <a14:foregroundMark x1="53277" y1="90469" x2="48550" y2="90582"/>
+                        <a14:backgroundMark x1="19935" y1="10051" x2="20574" y2="9346"/>
+                        <a14:backgroundMark x1="29994" y1="590" x2="28233" y2="0"/>
+                        <a14:backgroundMark x1="28233" y1="0" x2="23276" y2="3578"/>
+                        <a14:backgroundMark x1="20991" y1="7577" x2="20259" y2="8859"/>
+                        <a14:backgroundMark x1="23276" y1="3578" x2="21205" y2="7203"/>
+                        <a14:backgroundMark x1="39548" y1="2332" x2="40517" y2="2726"/>
+                        <a14:backgroundMark x1="37069" y1="1022" x2="41487" y2="3237"/>
+                        <a14:backgroundMark x1="46336" y1="90630" x2="49138" y2="96934"/>
+                        <a14:backgroundMark x1="52047" y1="94208" x2="53879" y2="90630"/>
+                      </a14:backgroundRemoval>
+                    </a14:imgEffect>
+                  </a14:imgLayer>
+                </a14:imgProps>
+              </a:ext>
+            </a:extLst>
+          </a:blip>
+          <a:stretch>
+            <a:fillRect/>
+          </a:stretch>
+        </p:blipFill>
+        <p:spPr>
+          <a:xfrm>
+            <a:off x="3242262" y="2222973"/>
+            <a:ext cx="349572" cy="221119"/>
+          </a:xfrm>
+          <a:prstGeom prst="rect">
+            <a:avLst/>
+          </a:prstGeom>
+        </p:spPr>
+      </p:pic>
+      <p:sp>
+        <p:nvSpPr>
+          <p:cNvPr id="54" name="사각형: 둥근 모서리 53">
+            <a:extLst>
+              <a:ext uri="{FF2B5EF4-FFF2-40B4-BE49-F238E27FC236}">
+                <a16:creationId xmlns:a16="http://schemas.microsoft.com/office/drawing/2014/main" id="{88DC6C8F-0711-4F6D-9C5D-6218C5E65448}"/>
+              </a:ext>
+            </a:extLst>
+          </p:cNvPr>
+          <p:cNvSpPr/>
+          <p:nvPr/>
+        </p:nvSpPr>
+        <p:spPr>
+          <a:xfrm>
+            <a:off x="3081246" y="1970110"/>
+            <a:ext cx="510588" cy="473982"/>
+          </a:xfrm>
+          <a:prstGeom prst="roundRect">
+            <a:avLst>
+              <a:gd name="adj" fmla="val 7372"/>
+            </a:avLst>
+          </a:prstGeom>
+          <a:noFill/>
+          <a:ln>
+            <a:solidFill>
+              <a:srgbClr val="FF0000"/>
+            </a:solidFill>
+          </a:ln>
+        </p:spPr>
+        <p:style>
+          <a:lnRef idx="2">
+            <a:schemeClr val="accent1">
+              <a:shade val="50000"/>
+            </a:schemeClr>
+          </a:lnRef>
+          <a:fillRef idx="1">
+            <a:schemeClr val="accent1"/>
+          </a:fillRef>
+          <a:effectRef idx="0">
+            <a:schemeClr val="accent1"/>
+          </a:effectRef>
+          <a:fontRef idx="minor">
+            <a:schemeClr val="lt1"/>
+          </a:fontRef>
+        </p:style>
+        <p:txBody>
+          <a:bodyPr rtlCol="0" anchor="ctr"/>
+          <a:lstStyle/>
+          <a:p>
+            <a:pPr algn="ctr"/>
+            <a:endParaRPr lang="ko-KR" altLang="en-US"/>
+          </a:p>
+        </p:txBody>
+      </p:sp>
+      <p:sp>
+        <p:nvSpPr>
+          <p:cNvPr id="55" name="타원 54">
+            <a:extLst>
+              <a:ext uri="{FF2B5EF4-FFF2-40B4-BE49-F238E27FC236}">
+                <a16:creationId xmlns:a16="http://schemas.microsoft.com/office/drawing/2014/main" id="{C588036C-7B4C-4EAA-9E30-3F78FD15CB3A}"/>
+              </a:ext>
+            </a:extLst>
+          </p:cNvPr>
+          <p:cNvSpPr/>
+          <p:nvPr/>
+        </p:nvSpPr>
+        <p:spPr>
+          <a:xfrm>
+            <a:off x="3461435" y="1859847"/>
+            <a:ext cx="206366" cy="231717"/>
+          </a:xfrm>
+          <a:prstGeom prst="ellipse">
+            <a:avLst/>
+          </a:prstGeom>
+        </p:spPr>
+        <p:style>
+          <a:lnRef idx="2">
+            <a:schemeClr val="accent4">
+              <a:shade val="50000"/>
+            </a:schemeClr>
+          </a:lnRef>
+          <a:fillRef idx="1">
+            <a:schemeClr val="accent4"/>
+          </a:fillRef>
+          <a:effectRef idx="0">
+            <a:schemeClr val="accent4"/>
+          </a:effectRef>
+          <a:fontRef idx="minor">
+            <a:schemeClr val="lt1"/>
+          </a:fontRef>
+        </p:style>
+        <p:txBody>
+          <a:bodyPr rtlCol="0" anchor="ctr"/>
+          <a:lstStyle/>
+          <a:p>
+            <a:pPr algn="ctr"/>
+            <a:r>
+              <a:rPr lang="en-US" altLang="ko-KR" dirty="0"/>
+              <a:t>6</a:t>
             </a:r>
             <a:endParaRPr lang="ko-KR" altLang="en-US" dirty="0"/>
           </a:p>
@@ -11235,12 +11986,1337 @@
           <a:chExt cx="0" cy="0"/>
         </a:xfrm>
       </p:grpSpPr>
+      <p:grpSp>
+        <p:nvGrpSpPr>
+          <p:cNvPr id="5" name="Group 40">
+            <a:extLst>
+              <a:ext uri="{FF2B5EF4-FFF2-40B4-BE49-F238E27FC236}">
+                <a16:creationId xmlns:a16="http://schemas.microsoft.com/office/drawing/2014/main" id="{8F3030E2-8EAA-4572-B6F9-952E3E4F80EA}"/>
+              </a:ext>
+            </a:extLst>
+          </p:cNvPr>
+          <p:cNvGrpSpPr/>
+          <p:nvPr/>
+        </p:nvGrpSpPr>
+        <p:grpSpPr>
+          <a:xfrm>
+            <a:off x="301874" y="273668"/>
+            <a:ext cx="11541336" cy="383818"/>
+            <a:chOff x="301874" y="234760"/>
+            <a:chExt cx="11541336" cy="383818"/>
+          </a:xfrm>
+        </p:grpSpPr>
+        <p:sp>
+          <p:nvSpPr>
+            <p:cNvPr id="6" name="Freeform 41">
+              <a:extLst>
+                <a:ext uri="{FF2B5EF4-FFF2-40B4-BE49-F238E27FC236}">
+                  <a16:creationId xmlns:a16="http://schemas.microsoft.com/office/drawing/2014/main" id="{F1DB5A59-5E06-49DF-A4F6-6C873D0DE7E9}"/>
+                </a:ext>
+              </a:extLst>
+            </p:cNvPr>
+            <p:cNvSpPr/>
+            <p:nvPr/>
+          </p:nvSpPr>
+          <p:spPr>
+            <a:xfrm>
+              <a:off x="7417261" y="234760"/>
+              <a:ext cx="4425949" cy="380367"/>
+            </a:xfrm>
+            <a:custGeom>
+              <a:avLst/>
+              <a:gdLst>
+                <a:gd name="connsiteX0" fmla="*/ 0 w 4425949"/>
+                <a:gd name="connsiteY0" fmla="*/ 362367 h 380367"/>
+                <a:gd name="connsiteX1" fmla="*/ 4425949 w 4425949"/>
+                <a:gd name="connsiteY1" fmla="*/ 362367 h 380367"/>
+                <a:gd name="connsiteX2" fmla="*/ 4425949 w 4425949"/>
+                <a:gd name="connsiteY2" fmla="*/ 380367 h 380367"/>
+                <a:gd name="connsiteX3" fmla="*/ 0 w 4425949"/>
+                <a:gd name="connsiteY3" fmla="*/ 380367 h 380367"/>
+                <a:gd name="connsiteX4" fmla="*/ 4425949 w 4425949"/>
+                <a:gd name="connsiteY4" fmla="*/ 0 h 380367"/>
+                <a:gd name="connsiteX5" fmla="*/ 4425949 w 4425949"/>
+                <a:gd name="connsiteY5" fmla="*/ 293520 h 380367"/>
+                <a:gd name="connsiteX6" fmla="*/ 4425949 w 4425949"/>
+                <a:gd name="connsiteY6" fmla="*/ 293744 h 380367"/>
+                <a:gd name="connsiteX7" fmla="*/ 4425949 w 4425949"/>
+                <a:gd name="connsiteY7" fmla="*/ 347593 h 380367"/>
+                <a:gd name="connsiteX8" fmla="*/ 0 w 4425949"/>
+                <a:gd name="connsiteY8" fmla="*/ 347593 h 380367"/>
+                <a:gd name="connsiteX9" fmla="*/ 0 w 4425949"/>
+                <a:gd name="connsiteY9" fmla="*/ 293520 h 380367"/>
+                <a:gd name="connsiteX10" fmla="*/ 3445935 w 4425949"/>
+                <a:gd name="connsiteY10" fmla="*/ 293520 h 380367"/>
+                <a:gd name="connsiteX11" fmla="*/ 3445935 w 4425949"/>
+                <a:gd name="connsiteY11" fmla="*/ 248864 h 380367"/>
+                <a:gd name="connsiteX12" fmla="*/ 3509866 w 4425949"/>
+                <a:gd name="connsiteY12" fmla="*/ 235234 h 380367"/>
+                <a:gd name="connsiteX13" fmla="*/ 3509866 w 4425949"/>
+                <a:gd name="connsiteY13" fmla="*/ 293520 h 380367"/>
+                <a:gd name="connsiteX14" fmla="*/ 3547532 w 4425949"/>
+                <a:gd name="connsiteY14" fmla="*/ 293520 h 380367"/>
+                <a:gd name="connsiteX15" fmla="*/ 3547532 w 4425949"/>
+                <a:gd name="connsiteY15" fmla="*/ 220885 h 380367"/>
+                <a:gd name="connsiteX16" fmla="*/ 3613149 w 4425949"/>
+                <a:gd name="connsiteY16" fmla="*/ 206896 h 380367"/>
+                <a:gd name="connsiteX17" fmla="*/ 3613149 w 4425949"/>
+                <a:gd name="connsiteY17" fmla="*/ 293520 h 380367"/>
+                <a:gd name="connsiteX18" fmla="*/ 3649132 w 4425949"/>
+                <a:gd name="connsiteY18" fmla="*/ 293520 h 380367"/>
+                <a:gd name="connsiteX19" fmla="*/ 3649132 w 4425949"/>
+                <a:gd name="connsiteY19" fmla="*/ 192906 h 380367"/>
+                <a:gd name="connsiteX20" fmla="*/ 3714749 w 4425949"/>
+                <a:gd name="connsiteY20" fmla="*/ 178916 h 380367"/>
+                <a:gd name="connsiteX21" fmla="*/ 3714749 w 4425949"/>
+                <a:gd name="connsiteY21" fmla="*/ 293520 h 380367"/>
+                <a:gd name="connsiteX22" fmla="*/ 3750732 w 4425949"/>
+                <a:gd name="connsiteY22" fmla="*/ 293520 h 380367"/>
+                <a:gd name="connsiteX23" fmla="*/ 3750732 w 4425949"/>
+                <a:gd name="connsiteY23" fmla="*/ 164928 h 380367"/>
+                <a:gd name="connsiteX24" fmla="*/ 3814665 w 4425949"/>
+                <a:gd name="connsiteY24" fmla="*/ 151298 h 380367"/>
+                <a:gd name="connsiteX25" fmla="*/ 3814665 w 4425949"/>
+                <a:gd name="connsiteY25" fmla="*/ 293520 h 380367"/>
+                <a:gd name="connsiteX26" fmla="*/ 3852332 w 4425949"/>
+                <a:gd name="connsiteY26" fmla="*/ 293520 h 380367"/>
+                <a:gd name="connsiteX27" fmla="*/ 3852332 w 4425949"/>
+                <a:gd name="connsiteY27" fmla="*/ 136949 h 380367"/>
+                <a:gd name="connsiteX28" fmla="*/ 3916265 w 4425949"/>
+                <a:gd name="connsiteY28" fmla="*/ 123319 h 380367"/>
+                <a:gd name="connsiteX29" fmla="*/ 3916265 w 4425949"/>
+                <a:gd name="connsiteY29" fmla="*/ 293520 h 380367"/>
+                <a:gd name="connsiteX30" fmla="*/ 3953932 w 4425949"/>
+                <a:gd name="connsiteY30" fmla="*/ 293520 h 380367"/>
+                <a:gd name="connsiteX31" fmla="*/ 3953932 w 4425949"/>
+                <a:gd name="connsiteY31" fmla="*/ 108971 h 380367"/>
+                <a:gd name="connsiteX32" fmla="*/ 4019549 w 4425949"/>
+                <a:gd name="connsiteY32" fmla="*/ 94981 h 380367"/>
+                <a:gd name="connsiteX33" fmla="*/ 4019549 w 4425949"/>
+                <a:gd name="connsiteY33" fmla="*/ 293520 h 380367"/>
+                <a:gd name="connsiteX34" fmla="*/ 4055532 w 4425949"/>
+                <a:gd name="connsiteY34" fmla="*/ 293520 h 380367"/>
+                <a:gd name="connsiteX35" fmla="*/ 4055532 w 4425949"/>
+                <a:gd name="connsiteY35" fmla="*/ 80992 h 380367"/>
+                <a:gd name="connsiteX36" fmla="*/ 4121149 w 4425949"/>
+                <a:gd name="connsiteY36" fmla="*/ 67002 h 380367"/>
+                <a:gd name="connsiteX37" fmla="*/ 4121149 w 4425949"/>
+                <a:gd name="connsiteY37" fmla="*/ 293520 h 380367"/>
+                <a:gd name="connsiteX38" fmla="*/ 4157132 w 4425949"/>
+                <a:gd name="connsiteY38" fmla="*/ 293520 h 380367"/>
+                <a:gd name="connsiteX39" fmla="*/ 4157132 w 4425949"/>
+                <a:gd name="connsiteY39" fmla="*/ 53011 h 380367"/>
+                <a:gd name="connsiteX40" fmla="*/ 4222749 w 4425949"/>
+                <a:gd name="connsiteY40" fmla="*/ 39022 h 380367"/>
+                <a:gd name="connsiteX41" fmla="*/ 4222749 w 4425949"/>
+                <a:gd name="connsiteY41" fmla="*/ 293520 h 380367"/>
+                <a:gd name="connsiteX42" fmla="*/ 4258732 w 4425949"/>
+                <a:gd name="connsiteY42" fmla="*/ 293520 h 380367"/>
+                <a:gd name="connsiteX43" fmla="*/ 4258732 w 4425949"/>
+                <a:gd name="connsiteY43" fmla="*/ 25034 h 380367"/>
+                <a:gd name="connsiteX44" fmla="*/ 4324349 w 4425949"/>
+                <a:gd name="connsiteY44" fmla="*/ 11044 h 380367"/>
+                <a:gd name="connsiteX45" fmla="*/ 4324349 w 4425949"/>
+                <a:gd name="connsiteY45" fmla="*/ 293520 h 380367"/>
+                <a:gd name="connsiteX46" fmla="*/ 4360332 w 4425949"/>
+                <a:gd name="connsiteY46" fmla="*/ 293520 h 380367"/>
+                <a:gd name="connsiteX47" fmla="*/ 4360332 w 4425949"/>
+                <a:gd name="connsiteY47" fmla="*/ 2967 h 380367"/>
+              </a:gdLst>
+              <a:ahLst/>
+              <a:cxnLst>
+                <a:cxn ang="0">
+                  <a:pos x="connsiteX0" y="connsiteY0"/>
+                </a:cxn>
+                <a:cxn ang="0">
+                  <a:pos x="connsiteX1" y="connsiteY1"/>
+                </a:cxn>
+                <a:cxn ang="0">
+                  <a:pos x="connsiteX2" y="connsiteY2"/>
+                </a:cxn>
+                <a:cxn ang="0">
+                  <a:pos x="connsiteX3" y="connsiteY3"/>
+                </a:cxn>
+                <a:cxn ang="0">
+                  <a:pos x="connsiteX4" y="connsiteY4"/>
+                </a:cxn>
+                <a:cxn ang="0">
+                  <a:pos x="connsiteX5" y="connsiteY5"/>
+                </a:cxn>
+                <a:cxn ang="0">
+                  <a:pos x="connsiteX6" y="connsiteY6"/>
+                </a:cxn>
+                <a:cxn ang="0">
+                  <a:pos x="connsiteX7" y="connsiteY7"/>
+                </a:cxn>
+                <a:cxn ang="0">
+                  <a:pos x="connsiteX8" y="connsiteY8"/>
+                </a:cxn>
+                <a:cxn ang="0">
+                  <a:pos x="connsiteX9" y="connsiteY9"/>
+                </a:cxn>
+                <a:cxn ang="0">
+                  <a:pos x="connsiteX10" y="connsiteY10"/>
+                </a:cxn>
+                <a:cxn ang="0">
+                  <a:pos x="connsiteX11" y="connsiteY11"/>
+                </a:cxn>
+                <a:cxn ang="0">
+                  <a:pos x="connsiteX12" y="connsiteY12"/>
+                </a:cxn>
+                <a:cxn ang="0">
+                  <a:pos x="connsiteX13" y="connsiteY13"/>
+                </a:cxn>
+                <a:cxn ang="0">
+                  <a:pos x="connsiteX14" y="connsiteY14"/>
+                </a:cxn>
+                <a:cxn ang="0">
+                  <a:pos x="connsiteX15" y="connsiteY15"/>
+                </a:cxn>
+                <a:cxn ang="0">
+                  <a:pos x="connsiteX16" y="connsiteY16"/>
+                </a:cxn>
+                <a:cxn ang="0">
+                  <a:pos x="connsiteX17" y="connsiteY17"/>
+                </a:cxn>
+                <a:cxn ang="0">
+                  <a:pos x="connsiteX18" y="connsiteY18"/>
+                </a:cxn>
+                <a:cxn ang="0">
+                  <a:pos x="connsiteX19" y="connsiteY19"/>
+                </a:cxn>
+                <a:cxn ang="0">
+                  <a:pos x="connsiteX20" y="connsiteY20"/>
+                </a:cxn>
+                <a:cxn ang="0">
+                  <a:pos x="connsiteX21" y="connsiteY21"/>
+                </a:cxn>
+                <a:cxn ang="0">
+                  <a:pos x="connsiteX22" y="connsiteY22"/>
+                </a:cxn>
+                <a:cxn ang="0">
+                  <a:pos x="connsiteX23" y="connsiteY23"/>
+                </a:cxn>
+                <a:cxn ang="0">
+                  <a:pos x="connsiteX24" y="connsiteY24"/>
+                </a:cxn>
+                <a:cxn ang="0">
+                  <a:pos x="connsiteX25" y="connsiteY25"/>
+                </a:cxn>
+                <a:cxn ang="0">
+                  <a:pos x="connsiteX26" y="connsiteY26"/>
+                </a:cxn>
+                <a:cxn ang="0">
+                  <a:pos x="connsiteX27" y="connsiteY27"/>
+                </a:cxn>
+                <a:cxn ang="0">
+                  <a:pos x="connsiteX28" y="connsiteY28"/>
+                </a:cxn>
+                <a:cxn ang="0">
+                  <a:pos x="connsiteX29" y="connsiteY29"/>
+                </a:cxn>
+                <a:cxn ang="0">
+                  <a:pos x="connsiteX30" y="connsiteY30"/>
+                </a:cxn>
+                <a:cxn ang="0">
+                  <a:pos x="connsiteX31" y="connsiteY31"/>
+                </a:cxn>
+                <a:cxn ang="0">
+                  <a:pos x="connsiteX32" y="connsiteY32"/>
+                </a:cxn>
+                <a:cxn ang="0">
+                  <a:pos x="connsiteX33" y="connsiteY33"/>
+                </a:cxn>
+                <a:cxn ang="0">
+                  <a:pos x="connsiteX34" y="connsiteY34"/>
+                </a:cxn>
+                <a:cxn ang="0">
+                  <a:pos x="connsiteX35" y="connsiteY35"/>
+                </a:cxn>
+                <a:cxn ang="0">
+                  <a:pos x="connsiteX36" y="connsiteY36"/>
+                </a:cxn>
+                <a:cxn ang="0">
+                  <a:pos x="connsiteX37" y="connsiteY37"/>
+                </a:cxn>
+                <a:cxn ang="0">
+                  <a:pos x="connsiteX38" y="connsiteY38"/>
+                </a:cxn>
+                <a:cxn ang="0">
+                  <a:pos x="connsiteX39" y="connsiteY39"/>
+                </a:cxn>
+                <a:cxn ang="0">
+                  <a:pos x="connsiteX40" y="connsiteY40"/>
+                </a:cxn>
+                <a:cxn ang="0">
+                  <a:pos x="connsiteX41" y="connsiteY41"/>
+                </a:cxn>
+                <a:cxn ang="0">
+                  <a:pos x="connsiteX42" y="connsiteY42"/>
+                </a:cxn>
+                <a:cxn ang="0">
+                  <a:pos x="connsiteX43" y="connsiteY43"/>
+                </a:cxn>
+                <a:cxn ang="0">
+                  <a:pos x="connsiteX44" y="connsiteY44"/>
+                </a:cxn>
+                <a:cxn ang="0">
+                  <a:pos x="connsiteX45" y="connsiteY45"/>
+                </a:cxn>
+                <a:cxn ang="0">
+                  <a:pos x="connsiteX46" y="connsiteY46"/>
+                </a:cxn>
+                <a:cxn ang="0">
+                  <a:pos x="connsiteX47" y="connsiteY47"/>
+                </a:cxn>
+              </a:cxnLst>
+              <a:rect l="l" t="t" r="r" b="b"/>
+              <a:pathLst>
+                <a:path w="4425949" h="380367">
+                  <a:moveTo>
+                    <a:pt x="0" y="362367"/>
+                  </a:moveTo>
+                  <a:lnTo>
+                    <a:pt x="4425949" y="362367"/>
+                  </a:lnTo>
+                  <a:lnTo>
+                    <a:pt x="4425949" y="380367"/>
+                  </a:lnTo>
+                  <a:lnTo>
+                    <a:pt x="0" y="380367"/>
+                  </a:lnTo>
+                  <a:close/>
+                  <a:moveTo>
+                    <a:pt x="4425949" y="0"/>
+                  </a:moveTo>
+                  <a:lnTo>
+                    <a:pt x="4425949" y="293520"/>
+                  </a:lnTo>
+                  <a:lnTo>
+                    <a:pt x="4425949" y="293744"/>
+                  </a:lnTo>
+                  <a:lnTo>
+                    <a:pt x="4425949" y="347593"/>
+                  </a:lnTo>
+                  <a:lnTo>
+                    <a:pt x="0" y="347593"/>
+                  </a:lnTo>
+                  <a:lnTo>
+                    <a:pt x="0" y="293520"/>
+                  </a:lnTo>
+                  <a:lnTo>
+                    <a:pt x="3445935" y="293520"/>
+                  </a:lnTo>
+                  <a:lnTo>
+                    <a:pt x="3445935" y="248864"/>
+                  </a:lnTo>
+                  <a:lnTo>
+                    <a:pt x="3509866" y="235234"/>
+                  </a:lnTo>
+                  <a:lnTo>
+                    <a:pt x="3509866" y="293520"/>
+                  </a:lnTo>
+                  <a:lnTo>
+                    <a:pt x="3547532" y="293520"/>
+                  </a:lnTo>
+                  <a:lnTo>
+                    <a:pt x="3547532" y="220885"/>
+                  </a:lnTo>
+                  <a:lnTo>
+                    <a:pt x="3613149" y="206896"/>
+                  </a:lnTo>
+                  <a:lnTo>
+                    <a:pt x="3613149" y="293520"/>
+                  </a:lnTo>
+                  <a:lnTo>
+                    <a:pt x="3649132" y="293520"/>
+                  </a:lnTo>
+                  <a:lnTo>
+                    <a:pt x="3649132" y="192906"/>
+                  </a:lnTo>
+                  <a:lnTo>
+                    <a:pt x="3714749" y="178916"/>
+                  </a:lnTo>
+                  <a:lnTo>
+                    <a:pt x="3714749" y="293520"/>
+                  </a:lnTo>
+                  <a:lnTo>
+                    <a:pt x="3750732" y="293520"/>
+                  </a:lnTo>
+                  <a:lnTo>
+                    <a:pt x="3750732" y="164928"/>
+                  </a:lnTo>
+                  <a:lnTo>
+                    <a:pt x="3814665" y="151298"/>
+                  </a:lnTo>
+                  <a:lnTo>
+                    <a:pt x="3814665" y="293520"/>
+                  </a:lnTo>
+                  <a:lnTo>
+                    <a:pt x="3852332" y="293520"/>
+                  </a:lnTo>
+                  <a:lnTo>
+                    <a:pt x="3852332" y="136949"/>
+                  </a:lnTo>
+                  <a:lnTo>
+                    <a:pt x="3916265" y="123319"/>
+                  </a:lnTo>
+                  <a:lnTo>
+                    <a:pt x="3916265" y="293520"/>
+                  </a:lnTo>
+                  <a:lnTo>
+                    <a:pt x="3953932" y="293520"/>
+                  </a:lnTo>
+                  <a:lnTo>
+                    <a:pt x="3953932" y="108971"/>
+                  </a:lnTo>
+                  <a:lnTo>
+                    <a:pt x="4019549" y="94981"/>
+                  </a:lnTo>
+                  <a:lnTo>
+                    <a:pt x="4019549" y="293520"/>
+                  </a:lnTo>
+                  <a:lnTo>
+                    <a:pt x="4055532" y="293520"/>
+                  </a:lnTo>
+                  <a:lnTo>
+                    <a:pt x="4055532" y="80992"/>
+                  </a:lnTo>
+                  <a:lnTo>
+                    <a:pt x="4121149" y="67002"/>
+                  </a:lnTo>
+                  <a:lnTo>
+                    <a:pt x="4121149" y="293520"/>
+                  </a:lnTo>
+                  <a:lnTo>
+                    <a:pt x="4157132" y="293520"/>
+                  </a:lnTo>
+                  <a:lnTo>
+                    <a:pt x="4157132" y="53011"/>
+                  </a:lnTo>
+                  <a:lnTo>
+                    <a:pt x="4222749" y="39022"/>
+                  </a:lnTo>
+                  <a:lnTo>
+                    <a:pt x="4222749" y="293520"/>
+                  </a:lnTo>
+                  <a:lnTo>
+                    <a:pt x="4258732" y="293520"/>
+                  </a:lnTo>
+                  <a:lnTo>
+                    <a:pt x="4258732" y="25034"/>
+                  </a:lnTo>
+                  <a:lnTo>
+                    <a:pt x="4324349" y="11044"/>
+                  </a:lnTo>
+                  <a:lnTo>
+                    <a:pt x="4324349" y="293520"/>
+                  </a:lnTo>
+                  <a:lnTo>
+                    <a:pt x="4360332" y="293520"/>
+                  </a:lnTo>
+                  <a:lnTo>
+                    <a:pt x="4360332" y="2967"/>
+                  </a:lnTo>
+                  <a:close/>
+                </a:path>
+              </a:pathLst>
+            </a:custGeom>
+            <a:gradFill flip="none" rotWithShape="1">
+              <a:gsLst>
+                <a:gs pos="0">
+                  <a:schemeClr val="accent1">
+                    <a:lumMod val="5000"/>
+                    <a:lumOff val="95000"/>
+                  </a:schemeClr>
+                </a:gs>
+                <a:gs pos="80000">
+                  <a:schemeClr val="accent1">
+                    <a:lumMod val="45000"/>
+                    <a:lumOff val="55000"/>
+                  </a:schemeClr>
+                </a:gs>
+                <a:gs pos="92000">
+                  <a:schemeClr val="accent5">
+                    <a:lumMod val="60000"/>
+                    <a:lumOff val="40000"/>
+                  </a:schemeClr>
+                </a:gs>
+                <a:gs pos="100000">
+                  <a:srgbClr val="002060"/>
+                </a:gs>
+              </a:gsLst>
+              <a:lin ang="0" scaled="1"/>
+              <a:tileRect/>
+            </a:gradFill>
+            <a:ln>
+              <a:noFill/>
+            </a:ln>
+            <a:effectLst>
+              <a:outerShdw blurRad="50800" dist="38100" dir="2700000" algn="tl" rotWithShape="0">
+                <a:prstClr val="black">
+                  <a:alpha val="40000"/>
+                </a:prstClr>
+              </a:outerShdw>
+            </a:effectLst>
+          </p:spPr>
+          <p:style>
+            <a:lnRef idx="2">
+              <a:schemeClr val="accent1">
+                <a:shade val="50000"/>
+              </a:schemeClr>
+            </a:lnRef>
+            <a:fillRef idx="1">
+              <a:schemeClr val="accent1"/>
+            </a:fillRef>
+            <a:effectRef idx="0">
+              <a:schemeClr val="accent1"/>
+            </a:effectRef>
+            <a:fontRef idx="minor">
+              <a:schemeClr val="lt1"/>
+            </a:fontRef>
+          </p:style>
+          <p:txBody>
+            <a:bodyPr rtlCol="0" anchor="ctr"/>
+            <a:lstStyle/>
+            <a:p>
+              <a:pPr algn="ctr"/>
+              <a:endParaRPr lang="ko-KR" altLang="en-US" sz="1600"/>
+            </a:p>
+          </p:txBody>
+        </p:sp>
+        <p:grpSp>
+          <p:nvGrpSpPr>
+            <p:cNvPr id="7" name="Group 42">
+              <a:extLst>
+                <a:ext uri="{FF2B5EF4-FFF2-40B4-BE49-F238E27FC236}">
+                  <a16:creationId xmlns:a16="http://schemas.microsoft.com/office/drawing/2014/main" id="{FA4ADA6F-CA1E-425B-B350-4A752DA10249}"/>
+                </a:ext>
+              </a:extLst>
+            </p:cNvPr>
+            <p:cNvGrpSpPr/>
+            <p:nvPr/>
+          </p:nvGrpSpPr>
+          <p:grpSpPr>
+            <a:xfrm>
+              <a:off x="301874" y="289279"/>
+              <a:ext cx="7140326" cy="329299"/>
+              <a:chOff x="706582" y="590204"/>
+              <a:chExt cx="7054714" cy="329299"/>
+            </a:xfrm>
+          </p:grpSpPr>
+          <p:sp>
+            <p:nvSpPr>
+              <p:cNvPr id="8" name="Rectangle 43">
+                <a:extLst>
+                  <a:ext uri="{FF2B5EF4-FFF2-40B4-BE49-F238E27FC236}">
+                    <a16:creationId xmlns:a16="http://schemas.microsoft.com/office/drawing/2014/main" id="{AD552B6F-AE09-4498-AAC6-3DDEE00758E1}"/>
+                  </a:ext>
+                </a:extLst>
+              </p:cNvPr>
+              <p:cNvSpPr/>
+              <p:nvPr/>
+            </p:nvSpPr>
+            <p:spPr>
+              <a:xfrm>
+                <a:off x="706582" y="590204"/>
+                <a:ext cx="7054714" cy="329299"/>
+              </a:xfrm>
+              <a:prstGeom prst="rect">
+                <a:avLst/>
+              </a:prstGeom>
+              <a:gradFill>
+                <a:gsLst>
+                  <a:gs pos="0">
+                    <a:srgbClr val="002060"/>
+                  </a:gs>
+                  <a:gs pos="77000">
+                    <a:schemeClr val="accent5">
+                      <a:lumMod val="60000"/>
+                      <a:lumOff val="40000"/>
+                    </a:schemeClr>
+                  </a:gs>
+                  <a:gs pos="91000">
+                    <a:schemeClr val="accent5">
+                      <a:lumMod val="20000"/>
+                      <a:lumOff val="80000"/>
+                    </a:schemeClr>
+                  </a:gs>
+                  <a:gs pos="100000">
+                    <a:schemeClr val="bg1"/>
+                  </a:gs>
+                </a:gsLst>
+                <a:lin ang="0" scaled="1"/>
+              </a:gradFill>
+            </p:spPr>
+            <p:style>
+              <a:lnRef idx="0">
+                <a:schemeClr val="accent5"/>
+              </a:lnRef>
+              <a:fillRef idx="3">
+                <a:schemeClr val="accent5"/>
+              </a:fillRef>
+              <a:effectRef idx="3">
+                <a:schemeClr val="accent5"/>
+              </a:effectRef>
+              <a:fontRef idx="minor">
+                <a:schemeClr val="lt1"/>
+              </a:fontRef>
+            </p:style>
+            <p:txBody>
+              <a:bodyPr rtlCol="0" anchor="ctr"/>
+              <a:lstStyle/>
+              <a:p>
+                <a:r>
+                  <a:rPr lang="en-US" altLang="ko-KR" sz="1600" dirty="0">
+                    <a:solidFill>
+                      <a:srgbClr val="FFFF00"/>
+                    </a:solidFill>
+                  </a:rPr>
+                  <a:t>    </a:t>
+                </a:r>
+                <a:r>
+                  <a:rPr lang="ko-KR" altLang="en-US" sz="1600" dirty="0">
+                    <a:solidFill>
+                      <a:srgbClr val="FFFF00"/>
+                    </a:solidFill>
+                  </a:rPr>
+                  <a:t> </a:t>
+                </a:r>
+                <a:r>
+                  <a:rPr lang="ko-KR" altLang="en-US" sz="1600" dirty="0" err="1">
+                    <a:solidFill>
+                      <a:srgbClr val="FFFF00"/>
+                    </a:solidFill>
+                  </a:rPr>
+                  <a:t>조이런</a:t>
+                </a:r>
+                <a:r>
+                  <a:rPr lang="ko-KR" altLang="en-US" sz="1600" dirty="0">
+                    <a:solidFill>
+                      <a:srgbClr val="FFFF00"/>
+                    </a:solidFill>
+                  </a:rPr>
+                  <a:t> 리소스</a:t>
+                </a:r>
+                <a:r>
+                  <a:rPr lang="en-US" altLang="ko-KR" sz="1600" dirty="0">
+                    <a:solidFill>
+                      <a:srgbClr val="FFFF00"/>
+                    </a:solidFill>
+                  </a:rPr>
+                  <a:t>(</a:t>
+                </a:r>
+                <a:r>
+                  <a:rPr lang="ko-KR" altLang="en-US" sz="1600" dirty="0">
+                    <a:solidFill>
+                      <a:srgbClr val="FFFF00"/>
+                    </a:solidFill>
+                  </a:rPr>
+                  <a:t>모델링 및 애니메이션</a:t>
+                </a:r>
+                <a:r>
+                  <a:rPr lang="en-US" altLang="ko-KR" sz="1600" dirty="0">
+                    <a:solidFill>
+                      <a:srgbClr val="FFFF00"/>
+                    </a:solidFill>
+                  </a:rPr>
+                  <a:t>)</a:t>
+                </a:r>
+                <a:endParaRPr lang="ko-KR" altLang="en-US" sz="1600" dirty="0">
+                  <a:solidFill>
+                    <a:srgbClr val="FFFF00"/>
+                  </a:solidFill>
+                </a:endParaRPr>
+              </a:p>
+            </p:txBody>
+          </p:sp>
+          <p:sp>
+            <p:nvSpPr>
+              <p:cNvPr id="9" name="Flowchart: Off-page Connector 44">
+                <a:extLst>
+                  <a:ext uri="{FF2B5EF4-FFF2-40B4-BE49-F238E27FC236}">
+                    <a16:creationId xmlns:a16="http://schemas.microsoft.com/office/drawing/2014/main" id="{6CECF545-D984-4BFB-AD96-378C487A5EDE}"/>
+                  </a:ext>
+                </a:extLst>
+              </p:cNvPr>
+              <p:cNvSpPr/>
+              <p:nvPr/>
+            </p:nvSpPr>
+            <p:spPr>
+              <a:xfrm rot="16200000">
+                <a:off x="807469" y="639422"/>
+                <a:ext cx="200288" cy="230861"/>
+              </a:xfrm>
+              <a:prstGeom prst="flowChartOffpageConnector">
+                <a:avLst/>
+              </a:prstGeom>
+              <a:solidFill>
+                <a:srgbClr val="00B050"/>
+              </a:solidFill>
+              <a:ln>
+                <a:solidFill>
+                  <a:srgbClr val="92D050"/>
+                </a:solidFill>
+              </a:ln>
+              <a:scene3d>
+                <a:camera prst="orthographicFront"/>
+                <a:lightRig rig="threePt" dir="t"/>
+              </a:scene3d>
+              <a:sp3d>
+                <a:bevelT/>
+              </a:sp3d>
+            </p:spPr>
+            <p:style>
+              <a:lnRef idx="2">
+                <a:schemeClr val="accent1">
+                  <a:shade val="50000"/>
+                </a:schemeClr>
+              </a:lnRef>
+              <a:fillRef idx="1">
+                <a:schemeClr val="accent1"/>
+              </a:fillRef>
+              <a:effectRef idx="0">
+                <a:schemeClr val="accent1"/>
+              </a:effectRef>
+              <a:fontRef idx="minor">
+                <a:schemeClr val="lt1"/>
+              </a:fontRef>
+            </p:style>
+            <p:txBody>
+              <a:bodyPr rtlCol="0" anchor="ctr"/>
+              <a:lstStyle/>
+              <a:p>
+                <a:pPr algn="ctr"/>
+                <a:endParaRPr lang="ko-KR" altLang="en-US" sz="1600">
+                  <a:solidFill>
+                    <a:srgbClr val="FFFF00"/>
+                  </a:solidFill>
+                </a:endParaRPr>
+              </a:p>
+            </p:txBody>
+          </p:sp>
+        </p:grpSp>
+      </p:grpSp>
       <p:sp>
         <p:nvSpPr>
-          <p:cNvPr id="3" name="TextBox 2">
+          <p:cNvPr id="2" name="슬라이드 번호 개체 틀 1">
             <a:extLst>
               <a:ext uri="{FF2B5EF4-FFF2-40B4-BE49-F238E27FC236}">
-                <a16:creationId xmlns:a16="http://schemas.microsoft.com/office/drawing/2014/main" id="{57F15499-F847-4B7C-A35E-36B9FCBA7FA5}"/>
+                <a16:creationId xmlns:a16="http://schemas.microsoft.com/office/drawing/2014/main" id="{B0F31537-57FD-4EB2-BABC-48813D001EA3}"/>
+              </a:ext>
+            </a:extLst>
+          </p:cNvPr>
+          <p:cNvSpPr>
+            <a:spLocks noGrp="1"/>
+          </p:cNvSpPr>
+          <p:nvPr>
+            <p:ph type="sldNum" sz="quarter" idx="12"/>
+          </p:nvPr>
+        </p:nvSpPr>
+        <p:spPr/>
+        <p:txBody>
+          <a:bodyPr/>
+          <a:lstStyle/>
+          <a:p>
+            <a:fld id="{A8E1BB39-725C-444B-809E-419522618855}" type="slidenum">
+              <a:rPr lang="ko-KR" altLang="en-US" smtClean="0"/>
+              <a:t>14</a:t>
+            </a:fld>
+            <a:endParaRPr lang="ko-KR" altLang="en-US"/>
+          </a:p>
+        </p:txBody>
+      </p:sp>
+      <p:pic>
+        <p:nvPicPr>
+          <p:cNvPr id="68" name="그림 67">
+            <a:extLst>
+              <a:ext uri="{FF2B5EF4-FFF2-40B4-BE49-F238E27FC236}">
+                <a16:creationId xmlns:a16="http://schemas.microsoft.com/office/drawing/2014/main" id="{B7937C1D-5236-423D-8FCD-311127C1A17C}"/>
+              </a:ext>
+            </a:extLst>
+          </p:cNvPr>
+          <p:cNvPicPr>
+            <a:picLocks noChangeAspect="1"/>
+          </p:cNvPicPr>
+          <p:nvPr/>
+        </p:nvPicPr>
+        <p:blipFill>
+          <a:blip r:embed="rId2"/>
+          <a:stretch>
+            <a:fillRect/>
+          </a:stretch>
+        </p:blipFill>
+        <p:spPr>
+          <a:xfrm>
+            <a:off x="628806" y="1104171"/>
+            <a:ext cx="4205009" cy="2389137"/>
+          </a:xfrm>
+          <a:prstGeom prst="rect">
+            <a:avLst/>
+          </a:prstGeom>
+        </p:spPr>
+      </p:pic>
+      <p:sp>
+        <p:nvSpPr>
+          <p:cNvPr id="69" name="직사각형 68">
+            <a:extLst>
+              <a:ext uri="{FF2B5EF4-FFF2-40B4-BE49-F238E27FC236}">
+                <a16:creationId xmlns:a16="http://schemas.microsoft.com/office/drawing/2014/main" id="{66136D6F-4830-471C-9029-8133259357AB}"/>
+              </a:ext>
+            </a:extLst>
+          </p:cNvPr>
+          <p:cNvSpPr/>
+          <p:nvPr/>
+        </p:nvSpPr>
+        <p:spPr>
+          <a:xfrm>
+            <a:off x="622176" y="3758211"/>
+            <a:ext cx="1143463" cy="231717"/>
+          </a:xfrm>
+          <a:prstGeom prst="rect">
+            <a:avLst/>
+          </a:prstGeom>
+          <a:solidFill>
+            <a:schemeClr val="accent4">
+              <a:lumMod val="20000"/>
+              <a:lumOff val="80000"/>
+            </a:schemeClr>
+          </a:solidFill>
+          <a:ln>
+            <a:solidFill>
+              <a:srgbClr val="FFC000"/>
+            </a:solidFill>
+          </a:ln>
+        </p:spPr>
+        <p:style>
+          <a:lnRef idx="2">
+            <a:schemeClr val="accent1">
+              <a:shade val="50000"/>
+            </a:schemeClr>
+          </a:lnRef>
+          <a:fillRef idx="1">
+            <a:schemeClr val="accent1"/>
+          </a:fillRef>
+          <a:effectRef idx="0">
+            <a:schemeClr val="accent1"/>
+          </a:effectRef>
+          <a:fontRef idx="minor">
+            <a:schemeClr val="lt1"/>
+          </a:fontRef>
+        </p:style>
+        <p:txBody>
+          <a:bodyPr vert="horz" rtlCol="0" anchor="ctr"/>
+          <a:lstStyle/>
+          <a:p>
+            <a:pPr algn="ctr"/>
+            <a:r>
+              <a:rPr lang="ko-KR" altLang="en-US" sz="1400" dirty="0">
+                <a:solidFill>
+                  <a:schemeClr val="tx1"/>
+                </a:solidFill>
+              </a:rPr>
+              <a:t>바닥 스크린</a:t>
+            </a:r>
+          </a:p>
+        </p:txBody>
+      </p:sp>
+      <p:sp>
+        <p:nvSpPr>
+          <p:cNvPr id="70" name="직사각형 69">
+            <a:extLst>
+              <a:ext uri="{FF2B5EF4-FFF2-40B4-BE49-F238E27FC236}">
+                <a16:creationId xmlns:a16="http://schemas.microsoft.com/office/drawing/2014/main" id="{BBE82503-8E01-4BBB-903E-B2F8E9E8EEA7}"/>
+              </a:ext>
+            </a:extLst>
+          </p:cNvPr>
+          <p:cNvSpPr/>
+          <p:nvPr/>
+        </p:nvSpPr>
+        <p:spPr>
+          <a:xfrm>
+            <a:off x="628806" y="874660"/>
+            <a:ext cx="1143463" cy="231717"/>
+          </a:xfrm>
+          <a:prstGeom prst="rect">
+            <a:avLst/>
+          </a:prstGeom>
+          <a:solidFill>
+            <a:schemeClr val="accent1">
+              <a:lumMod val="20000"/>
+              <a:lumOff val="80000"/>
+            </a:schemeClr>
+          </a:solidFill>
+        </p:spPr>
+        <p:style>
+          <a:lnRef idx="2">
+            <a:schemeClr val="accent1">
+              <a:shade val="50000"/>
+            </a:schemeClr>
+          </a:lnRef>
+          <a:fillRef idx="1">
+            <a:schemeClr val="accent1"/>
+          </a:fillRef>
+          <a:effectRef idx="0">
+            <a:schemeClr val="accent1"/>
+          </a:effectRef>
+          <a:fontRef idx="minor">
+            <a:schemeClr val="lt1"/>
+          </a:fontRef>
+        </p:style>
+        <p:txBody>
+          <a:bodyPr vert="horz" rtlCol="0" anchor="ctr"/>
+          <a:lstStyle/>
+          <a:p>
+            <a:pPr algn="ctr"/>
+            <a:r>
+              <a:rPr lang="ko-KR" altLang="en-US" sz="1400" dirty="0">
+                <a:solidFill>
+                  <a:schemeClr val="tx1"/>
+                </a:solidFill>
+              </a:rPr>
+              <a:t>전면 스크린</a:t>
+            </a:r>
+          </a:p>
+        </p:txBody>
+      </p:sp>
+      <p:pic>
+        <p:nvPicPr>
+          <p:cNvPr id="78" name="그림 77">
+            <a:extLst>
+              <a:ext uri="{FF2B5EF4-FFF2-40B4-BE49-F238E27FC236}">
+                <a16:creationId xmlns:a16="http://schemas.microsoft.com/office/drawing/2014/main" id="{0292206A-C739-4E50-8013-75E397BEDBBB}"/>
+              </a:ext>
+            </a:extLst>
+          </p:cNvPr>
+          <p:cNvPicPr>
+            <a:picLocks noChangeAspect="1"/>
+          </p:cNvPicPr>
+          <p:nvPr/>
+        </p:nvPicPr>
+        <p:blipFill>
+          <a:blip r:embed="rId3">
+            <a:extLst>
+              <a:ext uri="{28A0092B-C50C-407E-A947-70E740481C1C}">
+                <a14:useLocalDpi xmlns:a14="http://schemas.microsoft.com/office/drawing/2010/main" val="0"/>
+              </a:ext>
+            </a:extLst>
+          </a:blip>
+          <a:stretch>
+            <a:fillRect/>
+          </a:stretch>
+        </p:blipFill>
+        <p:spPr>
+          <a:xfrm>
+            <a:off x="628806" y="3973397"/>
+            <a:ext cx="4205009" cy="2382953"/>
+          </a:xfrm>
+          <a:prstGeom prst="rect">
+            <a:avLst/>
+          </a:prstGeom>
+          <a:ln>
+            <a:solidFill>
+              <a:schemeClr val="tx1"/>
+            </a:solidFill>
+          </a:ln>
+        </p:spPr>
+      </p:pic>
+      <p:pic>
+        <p:nvPicPr>
+          <p:cNvPr id="80" name="그림 79">
+            <a:extLst>
+              <a:ext uri="{FF2B5EF4-FFF2-40B4-BE49-F238E27FC236}">
+                <a16:creationId xmlns:a16="http://schemas.microsoft.com/office/drawing/2014/main" id="{62AF190F-954F-41B8-B785-D7372A0607F3}"/>
+              </a:ext>
+            </a:extLst>
+          </p:cNvPr>
+          <p:cNvPicPr>
+            <a:picLocks noChangeAspect="1"/>
+          </p:cNvPicPr>
+          <p:nvPr/>
+        </p:nvPicPr>
+        <p:blipFill>
+          <a:blip r:embed="rId4"/>
+          <a:stretch>
+            <a:fillRect/>
+          </a:stretch>
+        </p:blipFill>
+        <p:spPr>
+          <a:xfrm>
+            <a:off x="1264517" y="3991141"/>
+            <a:ext cx="2972054" cy="191731"/>
+          </a:xfrm>
+          <a:prstGeom prst="rect">
+            <a:avLst/>
+          </a:prstGeom>
+        </p:spPr>
+      </p:pic>
+      <p:pic>
+        <p:nvPicPr>
+          <p:cNvPr id="81" name="그림 80">
+            <a:extLst>
+              <a:ext uri="{FF2B5EF4-FFF2-40B4-BE49-F238E27FC236}">
+                <a16:creationId xmlns:a16="http://schemas.microsoft.com/office/drawing/2014/main" id="{C0406BC0-7FF8-4161-9DF8-95F120AD318F}"/>
+              </a:ext>
+            </a:extLst>
+          </p:cNvPr>
+          <p:cNvPicPr>
+            <a:picLocks noChangeAspect="1"/>
+          </p:cNvPicPr>
+          <p:nvPr/>
+        </p:nvPicPr>
+        <p:blipFill>
+          <a:blip r:embed="rId4"/>
+          <a:stretch>
+            <a:fillRect/>
+          </a:stretch>
+        </p:blipFill>
+        <p:spPr>
+          <a:xfrm>
+            <a:off x="666089" y="4003673"/>
+            <a:ext cx="4122682" cy="531004"/>
+          </a:xfrm>
+          <a:prstGeom prst="rect">
+            <a:avLst/>
+          </a:prstGeom>
+        </p:spPr>
+      </p:pic>
+      <p:sp>
+        <p:nvSpPr>
+          <p:cNvPr id="42" name="직사각형 41">
+            <a:extLst>
+              <a:ext uri="{FF2B5EF4-FFF2-40B4-BE49-F238E27FC236}">
+                <a16:creationId xmlns:a16="http://schemas.microsoft.com/office/drawing/2014/main" id="{41229610-73FB-4499-9956-050C82DBF50B}"/>
+              </a:ext>
+            </a:extLst>
+          </p:cNvPr>
+          <p:cNvSpPr/>
+          <p:nvPr/>
+        </p:nvSpPr>
+        <p:spPr>
+          <a:xfrm>
+            <a:off x="812053" y="5036360"/>
+            <a:ext cx="3828220" cy="1332130"/>
+          </a:xfrm>
+          <a:prstGeom prst="rect">
+            <a:avLst/>
+          </a:prstGeom>
+          <a:solidFill>
+            <a:schemeClr val="accent4">
+              <a:lumMod val="60000"/>
+              <a:lumOff val="40000"/>
+            </a:schemeClr>
+          </a:solidFill>
+          <a:ln>
+            <a:solidFill>
+              <a:srgbClr val="002060"/>
+            </a:solidFill>
+          </a:ln>
+        </p:spPr>
+        <p:style>
+          <a:lnRef idx="2">
+            <a:schemeClr val="accent1">
+              <a:shade val="50000"/>
+            </a:schemeClr>
+          </a:lnRef>
+          <a:fillRef idx="1">
+            <a:schemeClr val="accent1"/>
+          </a:fillRef>
+          <a:effectRef idx="0">
+            <a:schemeClr val="accent1"/>
+          </a:effectRef>
+          <a:fontRef idx="minor">
+            <a:schemeClr val="lt1"/>
+          </a:fontRef>
+        </p:style>
+        <p:txBody>
+          <a:bodyPr rtlCol="0" anchor="ctr"/>
+          <a:lstStyle/>
+          <a:p>
+            <a:pPr algn="ctr"/>
+            <a:endParaRPr lang="ko-KR" altLang="en-US"/>
+          </a:p>
+        </p:txBody>
+      </p:sp>
+      <p:sp>
+        <p:nvSpPr>
+          <p:cNvPr id="43" name="직사각형 42">
+            <a:extLst>
+              <a:ext uri="{FF2B5EF4-FFF2-40B4-BE49-F238E27FC236}">
+                <a16:creationId xmlns:a16="http://schemas.microsoft.com/office/drawing/2014/main" id="{07C75CF5-E0B5-46AC-87C1-998B961B9137}"/>
+              </a:ext>
+            </a:extLst>
+          </p:cNvPr>
+          <p:cNvSpPr/>
+          <p:nvPr/>
+        </p:nvSpPr>
+        <p:spPr>
+          <a:xfrm>
+            <a:off x="622177" y="5035912"/>
+            <a:ext cx="1332458" cy="1332970"/>
+          </a:xfrm>
+          <a:prstGeom prst="rect">
+            <a:avLst/>
+          </a:prstGeom>
+          <a:solidFill>
+            <a:schemeClr val="accent5">
+              <a:lumMod val="20000"/>
+              <a:lumOff val="80000"/>
+            </a:schemeClr>
+          </a:solidFill>
+          <a:ln>
+            <a:solidFill>
+              <a:srgbClr val="002060"/>
+            </a:solidFill>
+          </a:ln>
+        </p:spPr>
+        <p:style>
+          <a:lnRef idx="2">
+            <a:schemeClr val="accent1">
+              <a:shade val="50000"/>
+            </a:schemeClr>
+          </a:lnRef>
+          <a:fillRef idx="1">
+            <a:schemeClr val="accent1"/>
+          </a:fillRef>
+          <a:effectRef idx="0">
+            <a:schemeClr val="accent1"/>
+          </a:effectRef>
+          <a:fontRef idx="minor">
+            <a:schemeClr val="lt1"/>
+          </a:fontRef>
+        </p:style>
+        <p:txBody>
+          <a:bodyPr rtlCol="0" anchor="ctr"/>
+          <a:lstStyle/>
+          <a:p>
+            <a:pPr algn="ctr"/>
+            <a:endParaRPr lang="ko-KR" altLang="en-US" dirty="0"/>
+          </a:p>
+        </p:txBody>
+      </p:sp>
+      <p:sp>
+        <p:nvSpPr>
+          <p:cNvPr id="44" name="직사각형 43">
+            <a:extLst>
+              <a:ext uri="{FF2B5EF4-FFF2-40B4-BE49-F238E27FC236}">
+                <a16:creationId xmlns:a16="http://schemas.microsoft.com/office/drawing/2014/main" id="{D6EF6A5D-4511-4486-817E-981B16EACBB5}"/>
+              </a:ext>
+            </a:extLst>
+          </p:cNvPr>
+          <p:cNvSpPr/>
+          <p:nvPr/>
+        </p:nvSpPr>
+        <p:spPr>
+          <a:xfrm>
+            <a:off x="3439486" y="5035128"/>
+            <a:ext cx="1400958" cy="1332970"/>
+          </a:xfrm>
+          <a:prstGeom prst="rect">
+            <a:avLst/>
+          </a:prstGeom>
+          <a:solidFill>
+            <a:schemeClr val="accent5">
+              <a:lumMod val="20000"/>
+              <a:lumOff val="80000"/>
+            </a:schemeClr>
+          </a:solidFill>
+          <a:ln>
+            <a:solidFill>
+              <a:srgbClr val="002060"/>
+            </a:solidFill>
+          </a:ln>
+        </p:spPr>
+        <p:style>
+          <a:lnRef idx="2">
+            <a:schemeClr val="accent1">
+              <a:shade val="50000"/>
+            </a:schemeClr>
+          </a:lnRef>
+          <a:fillRef idx="1">
+            <a:schemeClr val="accent1"/>
+          </a:fillRef>
+          <a:effectRef idx="0">
+            <a:schemeClr val="accent1"/>
+          </a:effectRef>
+          <a:fontRef idx="minor">
+            <a:schemeClr val="lt1"/>
+          </a:fontRef>
+        </p:style>
+        <p:txBody>
+          <a:bodyPr rtlCol="0" anchor="ctr"/>
+          <a:lstStyle/>
+          <a:p>
+            <a:pPr algn="ctr"/>
+            <a:endParaRPr lang="ko-KR" altLang="en-US"/>
+          </a:p>
+        </p:txBody>
+      </p:sp>
+      <p:pic>
+        <p:nvPicPr>
+          <p:cNvPr id="13" name="그림 12">
+            <a:extLst>
+              <a:ext uri="{FF2B5EF4-FFF2-40B4-BE49-F238E27FC236}">
+                <a16:creationId xmlns:a16="http://schemas.microsoft.com/office/drawing/2014/main" id="{CD440E80-562A-4AE1-A9BA-1C9B5E90323E}"/>
+              </a:ext>
+            </a:extLst>
+          </p:cNvPr>
+          <p:cNvPicPr>
+            <a:picLocks noChangeAspect="1"/>
+          </p:cNvPicPr>
+          <p:nvPr/>
+        </p:nvPicPr>
+        <p:blipFill>
+          <a:blip r:embed="rId5"/>
+          <a:stretch>
+            <a:fillRect/>
+          </a:stretch>
+        </p:blipFill>
+        <p:spPr>
+          <a:xfrm>
+            <a:off x="628806" y="3986560"/>
+            <a:ext cx="4205009" cy="1043036"/>
+          </a:xfrm>
+          <a:prstGeom prst="rect">
+            <a:avLst/>
+          </a:prstGeom>
+        </p:spPr>
+      </p:pic>
+      <p:sp>
+        <p:nvSpPr>
+          <p:cNvPr id="47" name="직사각형 46">
+            <a:extLst>
+              <a:ext uri="{FF2B5EF4-FFF2-40B4-BE49-F238E27FC236}">
+                <a16:creationId xmlns:a16="http://schemas.microsoft.com/office/drawing/2014/main" id="{9A5C0D9C-998E-4E0A-88D0-44656EA2C7C1}"/>
+              </a:ext>
+            </a:extLst>
+          </p:cNvPr>
+          <p:cNvSpPr/>
+          <p:nvPr/>
+        </p:nvSpPr>
+        <p:spPr>
+          <a:xfrm>
+            <a:off x="3762329" y="4002359"/>
+            <a:ext cx="1048964" cy="329299"/>
+          </a:xfrm>
+          <a:prstGeom prst="rect">
+            <a:avLst/>
+          </a:prstGeom>
+        </p:spPr>
+        <p:style>
+          <a:lnRef idx="2">
+            <a:schemeClr val="accent1">
+              <a:shade val="50000"/>
+            </a:schemeClr>
+          </a:lnRef>
+          <a:fillRef idx="1">
+            <a:schemeClr val="accent1"/>
+          </a:fillRef>
+          <a:effectRef idx="0">
+            <a:schemeClr val="accent1"/>
+          </a:effectRef>
+          <a:fontRef idx="minor">
+            <a:schemeClr val="lt1"/>
+          </a:fontRef>
+        </p:style>
+        <p:txBody>
+          <a:bodyPr rtlCol="0" anchor="ctr"/>
+          <a:lstStyle/>
+          <a:p>
+            <a:pPr algn="ctr"/>
+            <a:r>
+              <a:rPr lang="en-US" altLang="ko-KR" sz="1200" dirty="0"/>
+              <a:t>Life</a:t>
+            </a:r>
+            <a:endParaRPr lang="ko-KR" altLang="en-US" sz="1200" dirty="0"/>
+          </a:p>
+        </p:txBody>
+      </p:sp>
+      <p:sp>
+        <p:nvSpPr>
+          <p:cNvPr id="48" name="직사각형 47">
+            <a:extLst>
+              <a:ext uri="{FF2B5EF4-FFF2-40B4-BE49-F238E27FC236}">
+                <a16:creationId xmlns:a16="http://schemas.microsoft.com/office/drawing/2014/main" id="{ABED9A31-CD61-454A-818C-012C9BB68590}"/>
+              </a:ext>
+            </a:extLst>
+          </p:cNvPr>
+          <p:cNvSpPr/>
+          <p:nvPr/>
+        </p:nvSpPr>
+        <p:spPr>
+          <a:xfrm>
+            <a:off x="2116121" y="3996909"/>
+            <a:ext cx="1048964" cy="329299"/>
+          </a:xfrm>
+          <a:prstGeom prst="rect">
+            <a:avLst/>
+          </a:prstGeom>
+        </p:spPr>
+        <p:style>
+          <a:lnRef idx="2">
+            <a:schemeClr val="accent1">
+              <a:shade val="50000"/>
+            </a:schemeClr>
+          </a:lnRef>
+          <a:fillRef idx="1">
+            <a:schemeClr val="accent1"/>
+          </a:fillRef>
+          <a:effectRef idx="0">
+            <a:schemeClr val="accent1"/>
+          </a:effectRef>
+          <a:fontRef idx="minor">
+            <a:schemeClr val="lt1"/>
+          </a:fontRef>
+        </p:style>
+        <p:txBody>
+          <a:bodyPr rtlCol="0" anchor="ctr"/>
+          <a:lstStyle/>
+          <a:p>
+            <a:pPr algn="ctr"/>
+            <a:r>
+              <a:rPr lang="ko-KR" altLang="en-US" sz="1200"/>
+              <a:t>진행 시간</a:t>
+            </a:r>
+            <a:endParaRPr lang="ko-KR" altLang="en-US" sz="1200" dirty="0"/>
+          </a:p>
+        </p:txBody>
+      </p:sp>
+      <p:pic>
+        <p:nvPicPr>
+          <p:cNvPr id="15" name="그림 14">
+            <a:extLst>
+              <a:ext uri="{FF2B5EF4-FFF2-40B4-BE49-F238E27FC236}">
+                <a16:creationId xmlns:a16="http://schemas.microsoft.com/office/drawing/2014/main" id="{F53E0907-5260-475C-85E0-F58BEC8F3085}"/>
+              </a:ext>
+            </a:extLst>
+          </p:cNvPr>
+          <p:cNvPicPr>
+            <a:picLocks noChangeAspect="1"/>
+          </p:cNvPicPr>
+          <p:nvPr/>
+        </p:nvPicPr>
+        <p:blipFill rotWithShape="1">
+          <a:blip r:embed="rId6"/>
+          <a:srcRect l="36504" b="24906"/>
+          <a:stretch/>
+        </p:blipFill>
+        <p:spPr>
+          <a:xfrm>
+            <a:off x="628806" y="1118909"/>
+            <a:ext cx="4182487" cy="2359569"/>
+          </a:xfrm>
+          <a:prstGeom prst="rect">
+            <a:avLst/>
+          </a:prstGeom>
+        </p:spPr>
+      </p:pic>
+      <p:sp>
+        <p:nvSpPr>
+          <p:cNvPr id="53" name="TextBox 52">
+            <a:extLst>
+              <a:ext uri="{FF2B5EF4-FFF2-40B4-BE49-F238E27FC236}">
+                <a16:creationId xmlns:a16="http://schemas.microsoft.com/office/drawing/2014/main" id="{350C38D5-F3E7-42CD-A998-80BF5C4F1063}"/>
               </a:ext>
             </a:extLst>
           </p:cNvPr>
@@ -11249,8 +13325,8 @@
         </p:nvSpPr>
         <p:spPr>
           <a:xfrm>
-            <a:off x="0" y="2413337"/>
-            <a:ext cx="12192000" cy="1015663"/>
+            <a:off x="4968853" y="1119797"/>
+            <a:ext cx="6524638" cy="2636812"/>
           </a:xfrm>
           <a:prstGeom prst="rect">
             <a:avLst/>
@@ -11263,83 +13339,1209 @@
           </a:bodyPr>
           <a:lstStyle/>
           <a:p>
-            <a:pPr algn="ctr" defTabSz="540000"/>
-            <a:r>
-              <a:rPr lang="ko-KR" altLang="en-US" sz="6000" b="1" dirty="0" err="1">
-                <a:solidFill>
-                  <a:srgbClr val="002060"/>
-                </a:solidFill>
-                <a:latin typeface="휴먼엑스포" panose="02030504000101010101" pitchFamily="18" charset="-127"/>
-                <a:ea typeface="휴먼엑스포" panose="02030504000101010101" pitchFamily="18" charset="-127"/>
-              </a:rPr>
-              <a:t>조이런</a:t>
-            </a:r>
-            <a:r>
-              <a:rPr lang="ko-KR" altLang="en-US" sz="6000" b="1" dirty="0">
-                <a:solidFill>
-                  <a:srgbClr val="002060"/>
-                </a:solidFill>
-                <a:latin typeface="휴먼엑스포" panose="02030504000101010101" pitchFamily="18" charset="-127"/>
-                <a:ea typeface="휴먼엑스포" panose="02030504000101010101" pitchFamily="18" charset="-127"/>
-              </a:rPr>
-              <a:t> 충돌 판정</a:t>
-            </a:r>
-            <a:endParaRPr lang="en-US" altLang="ko-KR" sz="6000" b="1" dirty="0">
-              <a:solidFill>
-                <a:srgbClr val="002060"/>
-              </a:solidFill>
-              <a:latin typeface="휴먼엑스포" panose="02030504000101010101" pitchFamily="18" charset="-127"/>
-              <a:ea typeface="휴먼엑스포" panose="02030504000101010101" pitchFamily="18" charset="-127"/>
-            </a:endParaRPr>
+            <a:pPr marL="228600" indent="-228600" defTabSz="540000">
+              <a:lnSpc>
+                <a:spcPct val="130000"/>
+              </a:lnSpc>
+              <a:spcAft>
+                <a:spcPts val="400"/>
+              </a:spcAft>
+              <a:buFont typeface="Arial" panose="020B0604020202020204" pitchFamily="34" charset="0"/>
+              <a:buChar char="•"/>
+            </a:pPr>
+            <a:r>
+              <a:rPr lang="ko-KR" altLang="en-US" sz="1200" dirty="0"/>
+              <a:t>존과 사라를 그대로 사용하며 아래의 애니메이션이 필요합니다</a:t>
+            </a:r>
+            <a:r>
+              <a:rPr lang="en-US" altLang="ko-KR" sz="1200" dirty="0"/>
+              <a:t>.</a:t>
+            </a:r>
+          </a:p>
+          <a:p>
+            <a:pPr marL="228600" indent="-228600" defTabSz="540000">
+              <a:lnSpc>
+                <a:spcPct val="130000"/>
+              </a:lnSpc>
+              <a:spcAft>
+                <a:spcPts val="400"/>
+              </a:spcAft>
+              <a:buFont typeface="Arial" panose="020B0604020202020204" pitchFamily="34" charset="0"/>
+              <a:buChar char="•"/>
+            </a:pPr>
+            <a:r>
+              <a:rPr lang="ko-KR" altLang="en-US" sz="1200" dirty="0"/>
+              <a:t>모든 애니메이션은 </a:t>
+            </a:r>
+            <a:r>
+              <a:rPr lang="en-US" altLang="ko-KR" sz="1200" dirty="0"/>
+              <a:t>Start ~ End </a:t>
+            </a:r>
+            <a:r>
+              <a:rPr lang="ko-KR" altLang="en-US" sz="1200" dirty="0"/>
+              <a:t>구조로 제작합니다</a:t>
+            </a:r>
+            <a:r>
+              <a:rPr lang="en-US" altLang="ko-KR" sz="1200" dirty="0"/>
+              <a:t>.</a:t>
+            </a:r>
+            <a:r>
+              <a:rPr lang="ko-KR" altLang="en-US" sz="1200" dirty="0"/>
+              <a:t> </a:t>
+            </a:r>
+            <a:endParaRPr lang="en-US" altLang="ko-KR" sz="1200" dirty="0"/>
+          </a:p>
+          <a:p>
+            <a:pPr marL="228600" indent="-228600" algn="l" defTabSz="540000">
+              <a:lnSpc>
+                <a:spcPct val="130000"/>
+              </a:lnSpc>
+              <a:spcAft>
+                <a:spcPts val="400"/>
+              </a:spcAft>
+              <a:buFont typeface="Arial" panose="020B0604020202020204" pitchFamily="34" charset="0"/>
+              <a:buChar char="•"/>
+            </a:pPr>
+            <a:endParaRPr lang="en-US" altLang="ko-KR" sz="1200" dirty="0"/>
+          </a:p>
+          <a:p>
+            <a:pPr marL="228600" indent="-228600" algn="l" defTabSz="540000">
+              <a:lnSpc>
+                <a:spcPct val="130000"/>
+              </a:lnSpc>
+              <a:spcAft>
+                <a:spcPts val="400"/>
+              </a:spcAft>
+              <a:buFont typeface="Arial" panose="020B0604020202020204" pitchFamily="34" charset="0"/>
+              <a:buChar char="•"/>
+            </a:pPr>
+            <a:endParaRPr lang="en-US" altLang="ko-KR" sz="1200" dirty="0"/>
+          </a:p>
+          <a:p>
+            <a:pPr marL="228600" indent="-228600" algn="l" defTabSz="540000">
+              <a:lnSpc>
+                <a:spcPct val="130000"/>
+              </a:lnSpc>
+              <a:spcAft>
+                <a:spcPts val="400"/>
+              </a:spcAft>
+              <a:buFont typeface="Arial" panose="020B0604020202020204" pitchFamily="34" charset="0"/>
+              <a:buChar char="•"/>
+            </a:pPr>
+            <a:endParaRPr lang="en-US" altLang="ko-KR" sz="1200" dirty="0"/>
+          </a:p>
+          <a:p>
+            <a:pPr marL="228600" indent="-228600" algn="l" defTabSz="540000">
+              <a:lnSpc>
+                <a:spcPct val="130000"/>
+              </a:lnSpc>
+              <a:spcAft>
+                <a:spcPts val="400"/>
+              </a:spcAft>
+              <a:buFont typeface="Arial" panose="020B0604020202020204" pitchFamily="34" charset="0"/>
+              <a:buChar char="•"/>
+            </a:pPr>
+            <a:endParaRPr lang="en-US" altLang="ko-KR" sz="1200" dirty="0"/>
+          </a:p>
+          <a:p>
+            <a:pPr marL="228600" indent="-228600" algn="l" defTabSz="540000">
+              <a:lnSpc>
+                <a:spcPct val="130000"/>
+              </a:lnSpc>
+              <a:spcAft>
+                <a:spcPts val="400"/>
+              </a:spcAft>
+              <a:buFont typeface="Arial" panose="020B0604020202020204" pitchFamily="34" charset="0"/>
+              <a:buChar char="•"/>
+            </a:pPr>
+            <a:endParaRPr lang="en-US" altLang="ko-KR" sz="1200" dirty="0"/>
+          </a:p>
+          <a:p>
+            <a:pPr marL="228600" indent="-228600" algn="l" defTabSz="540000">
+              <a:lnSpc>
+                <a:spcPct val="130000"/>
+              </a:lnSpc>
+              <a:spcAft>
+                <a:spcPts val="400"/>
+              </a:spcAft>
+              <a:buFont typeface="Arial" panose="020B0604020202020204" pitchFamily="34" charset="0"/>
+              <a:buChar char="•"/>
+            </a:pPr>
+            <a:endParaRPr lang="en-US" altLang="ko-KR" sz="1200" dirty="0"/>
+          </a:p>
+          <a:p>
+            <a:pPr marL="228600" indent="-228600" algn="l" defTabSz="540000">
+              <a:lnSpc>
+                <a:spcPct val="130000"/>
+              </a:lnSpc>
+              <a:spcAft>
+                <a:spcPts val="400"/>
+              </a:spcAft>
+              <a:buFont typeface="Arial" panose="020B0604020202020204" pitchFamily="34" charset="0"/>
+              <a:buChar char="•"/>
+            </a:pPr>
+            <a:endParaRPr lang="en-US" altLang="ko-KR" sz="1200" dirty="0"/>
           </a:p>
         </p:txBody>
       </p:sp>
-      <p:sp>
-        <p:nvSpPr>
-          <p:cNvPr id="4" name="슬라이드 번호 개체 틀 2">
+      <p:pic>
+        <p:nvPicPr>
+          <p:cNvPr id="113" name="그림 112">
             <a:extLst>
               <a:ext uri="{FF2B5EF4-FFF2-40B4-BE49-F238E27FC236}">
-                <a16:creationId xmlns:a16="http://schemas.microsoft.com/office/drawing/2014/main" id="{B7101805-5FFB-4477-8F97-DABD1B395D96}"/>
+                <a16:creationId xmlns:a16="http://schemas.microsoft.com/office/drawing/2014/main" id="{10BF507D-270B-41ED-BC06-420FEBF9E37B}"/>
               </a:ext>
             </a:extLst>
           </p:cNvPr>
-          <p:cNvSpPr>
-            <a:spLocks noGrp="1"/>
-          </p:cNvSpPr>
+          <p:cNvPicPr>
+            <a:picLocks noChangeAspect="1"/>
+          </p:cNvPicPr>
+          <p:nvPr/>
+        </p:nvPicPr>
+        <p:blipFill>
+          <a:blip r:embed="rId7"/>
+          <a:stretch>
+            <a:fillRect/>
+          </a:stretch>
+        </p:blipFill>
+        <p:spPr>
+          <a:xfrm>
+            <a:off x="622176" y="1104171"/>
+            <a:ext cx="4218268" cy="2397819"/>
+          </a:xfrm>
+          <a:prstGeom prst="rect">
+            <a:avLst/>
+          </a:prstGeom>
+        </p:spPr>
+      </p:pic>
+      <p:pic>
+        <p:nvPicPr>
+          <p:cNvPr id="3" name="그림 2">
+            <a:extLst>
+              <a:ext uri="{FF2B5EF4-FFF2-40B4-BE49-F238E27FC236}">
+                <a16:creationId xmlns:a16="http://schemas.microsoft.com/office/drawing/2014/main" id="{B37EEB22-B453-45F0-B5B3-B173188CBF51}"/>
+              </a:ext>
+            </a:extLst>
+          </p:cNvPr>
+          <p:cNvPicPr>
+            <a:picLocks noChangeAspect="1"/>
+          </p:cNvPicPr>
+          <p:nvPr/>
+        </p:nvPicPr>
+        <p:blipFill>
+          <a:blip r:embed="rId8">
+            <a:extLst>
+              <a:ext uri="{BEBA8EAE-BF5A-486C-A8C5-ECC9F3942E4B}">
+                <a14:imgProps xmlns:a14="http://schemas.microsoft.com/office/drawing/2010/main">
+                  <a14:imgLayer r:embed="rId9">
+                    <a14:imgEffect>
+                      <a14:backgroundRemoval t="10000" b="90000" l="10000" r="90000">
+                        <a14:backgroundMark x1="63636" y1="35533" x2="81818" y2="61421"/>
+                        <a14:backgroundMark x1="81818" y1="61421" x2="73737" y2="53807"/>
+                        <a14:backgroundMark x1="49495" y1="55330" x2="51515" y2="68020"/>
+                        <a14:backgroundMark x1="37374" y1="35533" x2="34343" y2="45685"/>
+                        <a14:backgroundMark x1="38384" y1="32995" x2="38384" y2="36041"/>
+                        <a14:backgroundMark x1="32323" y1="46193" x2="32323" y2="49239"/>
+                        <a14:backgroundMark x1="43434" y1="67005" x2="43434" y2="72081"/>
+                        <a14:backgroundMark x1="45455" y1="64467" x2="44444" y2="67513"/>
+                      </a14:backgroundRemoval>
+                    </a14:imgEffect>
+                  </a14:imgLayer>
+                </a14:imgProps>
+              </a:ext>
+            </a:extLst>
+          </a:blip>
+          <a:stretch>
+            <a:fillRect/>
+          </a:stretch>
+        </p:blipFill>
+        <p:spPr>
+          <a:xfrm>
+            <a:off x="2187509" y="1360480"/>
+            <a:ext cx="942975" cy="1876425"/>
+          </a:xfrm>
+          <a:prstGeom prst="rect">
+            <a:avLst/>
+          </a:prstGeom>
+        </p:spPr>
+      </p:pic>
+      <p:graphicFrame>
+        <p:nvGraphicFramePr>
+          <p:cNvPr id="27" name="표 26">
+            <a:extLst>
+              <a:ext uri="{FF2B5EF4-FFF2-40B4-BE49-F238E27FC236}">
+                <a16:creationId xmlns:a16="http://schemas.microsoft.com/office/drawing/2014/main" id="{CB7FE568-B43F-4573-9FC1-06D0457436C0}"/>
+              </a:ext>
+            </a:extLst>
+          </p:cNvPr>
+          <p:cNvGraphicFramePr>
+            <a:graphicFrameLocks noGrp="1"/>
+          </p:cNvGraphicFramePr>
           <p:nvPr>
-            <p:ph type="sldNum" sz="quarter" idx="12"/>
+            <p:extLst>
+              <p:ext uri="{D42A27DB-BD31-4B8C-83A1-F6EECF244321}">
+                <p14:modId xmlns:p14="http://schemas.microsoft.com/office/powerpoint/2010/main" val="2366958309"/>
+              </p:ext>
+            </p:extLst>
           </p:nvPr>
-        </p:nvSpPr>
-        <p:spPr>
-          <a:xfrm>
-            <a:off x="8610600" y="6356350"/>
-            <a:ext cx="2743200" cy="365125"/>
-          </a:xfrm>
-        </p:spPr>
-        <p:txBody>
-          <a:bodyPr/>
-          <a:lstStyle/>
-          <a:p>
-            <a:fld id="{A8E1BB39-725C-444B-809E-419522618855}" type="slidenum">
-              <a:rPr lang="ko-KR" altLang="en-US" b="1" smtClean="0">
-                <a:solidFill>
-                  <a:schemeClr val="bg1"/>
-                </a:solidFill>
-              </a:rPr>
-              <a:t>14</a:t>
-            </a:fld>
-            <a:endParaRPr lang="ko-KR" altLang="en-US" b="1" dirty="0">
-              <a:solidFill>
-                <a:schemeClr val="bg1"/>
-              </a:solidFill>
-            </a:endParaRPr>
-          </a:p>
-        </p:txBody>
-      </p:sp>
+        </p:nvGraphicFramePr>
+        <p:xfrm>
+          <a:off x="5150842" y="1796368"/>
+          <a:ext cx="6692368" cy="2590800"/>
+        </p:xfrm>
+        <a:graphic>
+          <a:graphicData uri="http://schemas.openxmlformats.org/drawingml/2006/table">
+            <a:tbl>
+              <a:tblPr firstRow="1" bandRow="1">
+                <a:tableStyleId>{7DF18680-E054-41AD-8BC1-D1AEF772440D}</a:tableStyleId>
+              </a:tblPr>
+              <a:tblGrid>
+                <a:gridCol w="521776">
+                  <a:extLst>
+                    <a:ext uri="{9D8B030D-6E8A-4147-A177-3AD203B41FA5}">
+                      <a16:colId xmlns:a16="http://schemas.microsoft.com/office/drawing/2014/main" val="3603751452"/>
+                    </a:ext>
+                  </a:extLst>
+                </a:gridCol>
+                <a:gridCol w="1251095">
+                  <a:extLst>
+                    <a:ext uri="{9D8B030D-6E8A-4147-A177-3AD203B41FA5}">
+                      <a16:colId xmlns:a16="http://schemas.microsoft.com/office/drawing/2014/main" val="2609718321"/>
+                    </a:ext>
+                  </a:extLst>
+                </a:gridCol>
+                <a:gridCol w="3674378">
+                  <a:extLst>
+                    <a:ext uri="{9D8B030D-6E8A-4147-A177-3AD203B41FA5}">
+                      <a16:colId xmlns:a16="http://schemas.microsoft.com/office/drawing/2014/main" val="1667504126"/>
+                    </a:ext>
+                  </a:extLst>
+                </a:gridCol>
+                <a:gridCol w="1245119">
+                  <a:extLst>
+                    <a:ext uri="{9D8B030D-6E8A-4147-A177-3AD203B41FA5}">
+                      <a16:colId xmlns:a16="http://schemas.microsoft.com/office/drawing/2014/main" val="1806240342"/>
+                    </a:ext>
+                  </a:extLst>
+                </a:gridCol>
+              </a:tblGrid>
+              <a:tr h="137908">
+                <a:tc>
+                  <a:txBody>
+                    <a:bodyPr/>
+                    <a:lstStyle/>
+                    <a:p>
+                      <a:pPr algn="ctr" latinLnBrk="1"/>
+                      <a:r>
+                        <a:rPr lang="ko-KR" altLang="en-US" sz="1050" dirty="0"/>
+                        <a:t>번호</a:t>
+                      </a:r>
+                    </a:p>
+                  </a:txBody>
+                  <a:tcPr anchor="ctr"/>
+                </a:tc>
+                <a:tc>
+                  <a:txBody>
+                    <a:bodyPr/>
+                    <a:lstStyle/>
+                    <a:p>
+                      <a:pPr algn="ctr" latinLnBrk="1"/>
+                      <a:r>
+                        <a:rPr lang="ko-KR" altLang="en-US" sz="1200" dirty="0"/>
+                        <a:t>이름</a:t>
+                      </a:r>
+                    </a:p>
+                  </a:txBody>
+                  <a:tcPr anchor="ctr"/>
+                </a:tc>
+                <a:tc>
+                  <a:txBody>
+                    <a:bodyPr/>
+                    <a:lstStyle/>
+                    <a:p>
+                      <a:pPr marL="0" marR="0" lvl="0" indent="0" algn="ctr" defTabSz="914400" rtl="0" eaLnBrk="1" fontAlgn="auto" latinLnBrk="1" hangingPunct="1">
+                        <a:lnSpc>
+                          <a:spcPct val="100000"/>
+                        </a:lnSpc>
+                        <a:spcBef>
+                          <a:spcPts val="0"/>
+                        </a:spcBef>
+                        <a:spcAft>
+                          <a:spcPts val="0"/>
+                        </a:spcAft>
+                        <a:buClrTx/>
+                        <a:buSzTx/>
+                        <a:buFontTx/>
+                        <a:buNone/>
+                        <a:tabLst/>
+                        <a:defRPr/>
+                      </a:pPr>
+                      <a:r>
+                        <a:rPr lang="ko-KR" altLang="en-US" sz="1200" dirty="0"/>
+                        <a:t>설명</a:t>
+                      </a:r>
+                    </a:p>
+                  </a:txBody>
+                  <a:tcPr anchor="ctr"/>
+                </a:tc>
+                <a:tc>
+                  <a:txBody>
+                    <a:bodyPr/>
+                    <a:lstStyle/>
+                    <a:p>
+                      <a:pPr algn="ctr" latinLnBrk="1"/>
+                      <a:r>
+                        <a:rPr lang="ko-KR" altLang="en-US" sz="1200" dirty="0"/>
+                        <a:t>리소스 명</a:t>
+                      </a:r>
+                    </a:p>
+                  </a:txBody>
+                  <a:tcPr anchor="ctr"/>
+                </a:tc>
+                <a:extLst>
+                  <a:ext uri="{0D108BD9-81ED-4DB2-BD59-A6C34878D82A}">
+                    <a16:rowId xmlns:a16="http://schemas.microsoft.com/office/drawing/2014/main" val="1030043679"/>
+                  </a:ext>
+                </a:extLst>
+              </a:tr>
+              <a:tr h="122585">
+                <a:tc>
+                  <a:txBody>
+                    <a:bodyPr/>
+                    <a:lstStyle/>
+                    <a:p>
+                      <a:pPr algn="ctr" latinLnBrk="1"/>
+                      <a:r>
+                        <a:rPr lang="en-US" altLang="ko-KR" sz="1000" dirty="0"/>
+                        <a:t>1</a:t>
+                      </a:r>
+                      <a:endParaRPr lang="ko-KR" altLang="en-US" sz="1000" dirty="0"/>
+                    </a:p>
+                  </a:txBody>
+                  <a:tcPr anchor="ctr"/>
+                </a:tc>
+                <a:tc>
+                  <a:txBody>
+                    <a:bodyPr/>
+                    <a:lstStyle/>
+                    <a:p>
+                      <a:pPr algn="l" latinLnBrk="1"/>
+                      <a:r>
+                        <a:rPr lang="ko-KR" altLang="en-US" sz="1000" dirty="0"/>
+                        <a:t>걷기 애니메이션</a:t>
+                      </a:r>
+                    </a:p>
+                  </a:txBody>
+                  <a:tcPr anchor="ctr"/>
+                </a:tc>
+                <a:tc>
+                  <a:txBody>
+                    <a:bodyPr/>
+                    <a:lstStyle/>
+                    <a:p>
+                      <a:pPr algn="l" latinLnBrk="1"/>
+                      <a:r>
+                        <a:rPr lang="en-US" altLang="ko-KR" sz="1000" dirty="0"/>
+                        <a:t>March </a:t>
+                      </a:r>
+                      <a:r>
+                        <a:rPr lang="ko-KR" altLang="en-US" sz="1000" dirty="0"/>
+                        <a:t>애니메이션을 참고하여 제작</a:t>
+                      </a:r>
+                      <a:r>
+                        <a:rPr lang="en-US" altLang="ko-KR" sz="1000" dirty="0"/>
+                        <a:t>.</a:t>
+                      </a:r>
+                    </a:p>
+                  </a:txBody>
+                  <a:tcPr anchor="ctr"/>
+                </a:tc>
+                <a:tc>
+                  <a:txBody>
+                    <a:bodyPr/>
+                    <a:lstStyle/>
+                    <a:p>
+                      <a:pPr algn="l" latinLnBrk="1"/>
+                      <a:r>
+                        <a:rPr lang="en-US" altLang="ko-KR" sz="1000" dirty="0" err="1"/>
+                        <a:t>JoyRunWalk</a:t>
+                      </a:r>
+                      <a:endParaRPr lang="ko-KR" altLang="en-US" sz="1000" dirty="0"/>
+                    </a:p>
+                  </a:txBody>
+                  <a:tcPr anchor="ctr"/>
+                </a:tc>
+                <a:extLst>
+                  <a:ext uri="{0D108BD9-81ED-4DB2-BD59-A6C34878D82A}">
+                    <a16:rowId xmlns:a16="http://schemas.microsoft.com/office/drawing/2014/main" val="1571209726"/>
+                  </a:ext>
+                </a:extLst>
+              </a:tr>
+              <a:tr h="199200">
+                <a:tc>
+                  <a:txBody>
+                    <a:bodyPr/>
+                    <a:lstStyle/>
+                    <a:p>
+                      <a:pPr algn="ctr" latinLnBrk="1"/>
+                      <a:r>
+                        <a:rPr lang="en-US" altLang="ko-KR" sz="1000" dirty="0"/>
+                        <a:t>2</a:t>
+                      </a:r>
+                      <a:endParaRPr lang="ko-KR" altLang="en-US" sz="1000" dirty="0"/>
+                    </a:p>
+                  </a:txBody>
+                  <a:tcPr anchor="ctr"/>
+                </a:tc>
+                <a:tc>
+                  <a:txBody>
+                    <a:bodyPr/>
+                    <a:lstStyle/>
+                    <a:p>
+                      <a:pPr algn="l" latinLnBrk="1"/>
+                      <a:r>
+                        <a:rPr lang="ko-KR" altLang="en-US" sz="1000" dirty="0"/>
+                        <a:t>달리기 애니메이션</a:t>
+                      </a:r>
+                    </a:p>
+                  </a:txBody>
+                  <a:tcPr anchor="ctr"/>
+                </a:tc>
+                <a:tc>
+                  <a:txBody>
+                    <a:bodyPr/>
+                    <a:lstStyle/>
+                    <a:p>
+                      <a:pPr marL="0" marR="0" lvl="0" indent="0" algn="l" defTabSz="914400" rtl="0" eaLnBrk="1" fontAlgn="auto" latinLnBrk="1" hangingPunct="1">
+                        <a:lnSpc>
+                          <a:spcPct val="100000"/>
+                        </a:lnSpc>
+                        <a:spcBef>
+                          <a:spcPts val="0"/>
+                        </a:spcBef>
+                        <a:spcAft>
+                          <a:spcPts val="0"/>
+                        </a:spcAft>
+                        <a:buClrTx/>
+                        <a:buSzTx/>
+                        <a:buFontTx/>
+                        <a:buNone/>
+                        <a:tabLst/>
+                        <a:defRPr/>
+                      </a:pPr>
+                      <a:r>
+                        <a:rPr lang="en-US" altLang="ko-KR" sz="1000" dirty="0" err="1"/>
+                        <a:t>KneeHigh</a:t>
+                      </a:r>
+                      <a:r>
+                        <a:rPr lang="en-US" altLang="ko-KR" sz="1000" dirty="0"/>
+                        <a:t> </a:t>
+                      </a:r>
+                      <a:r>
+                        <a:rPr lang="ko-KR" altLang="en-US" sz="1000" dirty="0"/>
+                        <a:t>애니메이션을 참고하여 제작</a:t>
+                      </a:r>
+                      <a:r>
+                        <a:rPr lang="en-US" altLang="ko-KR" sz="1000" dirty="0"/>
+                        <a:t>.</a:t>
+                      </a:r>
+                    </a:p>
+                  </a:txBody>
+                  <a:tcPr anchor="ctr"/>
+                </a:tc>
+                <a:tc>
+                  <a:txBody>
+                    <a:bodyPr/>
+                    <a:lstStyle/>
+                    <a:p>
+                      <a:pPr algn="l" latinLnBrk="1"/>
+                      <a:r>
+                        <a:rPr lang="en-US" altLang="ko-KR" sz="1000" dirty="0" err="1"/>
+                        <a:t>JoyRunBattleRun</a:t>
+                      </a:r>
+                      <a:endParaRPr lang="ko-KR" altLang="en-US" sz="1000" dirty="0"/>
+                    </a:p>
+                  </a:txBody>
+                  <a:tcPr anchor="ctr"/>
+                </a:tc>
+                <a:extLst>
+                  <a:ext uri="{0D108BD9-81ED-4DB2-BD59-A6C34878D82A}">
+                    <a16:rowId xmlns:a16="http://schemas.microsoft.com/office/drawing/2014/main" val="1127776374"/>
+                  </a:ext>
+                </a:extLst>
+              </a:tr>
+              <a:tr h="121920">
+                <a:tc>
+                  <a:txBody>
+                    <a:bodyPr/>
+                    <a:lstStyle/>
+                    <a:p>
+                      <a:pPr algn="ctr" latinLnBrk="1"/>
+                      <a:r>
+                        <a:rPr lang="en-US" altLang="ko-KR" sz="1000" dirty="0"/>
+                        <a:t>3</a:t>
+                      </a:r>
+                      <a:endParaRPr lang="ko-KR" altLang="en-US" sz="1000" dirty="0"/>
+                    </a:p>
+                  </a:txBody>
+                  <a:tcPr anchor="ctr"/>
+                </a:tc>
+                <a:tc>
+                  <a:txBody>
+                    <a:bodyPr/>
+                    <a:lstStyle/>
+                    <a:p>
+                      <a:pPr algn="l" latinLnBrk="1"/>
+                      <a:r>
+                        <a:rPr lang="ko-KR" altLang="en-US" sz="1000" dirty="0"/>
+                        <a:t>점프 애니메이션</a:t>
+                      </a:r>
+                    </a:p>
+                  </a:txBody>
+                  <a:tcPr anchor="ctr"/>
+                </a:tc>
+                <a:tc>
+                  <a:txBody>
+                    <a:bodyPr/>
+                    <a:lstStyle/>
+                    <a:p>
+                      <a:pPr marL="0" marR="0" lvl="0" indent="0" algn="l" defTabSz="914400" rtl="0" eaLnBrk="1" fontAlgn="auto" latinLnBrk="1" hangingPunct="1">
+                        <a:lnSpc>
+                          <a:spcPct val="100000"/>
+                        </a:lnSpc>
+                        <a:spcBef>
+                          <a:spcPts val="0"/>
+                        </a:spcBef>
+                        <a:spcAft>
+                          <a:spcPts val="0"/>
+                        </a:spcAft>
+                        <a:buClrTx/>
+                        <a:buSzTx/>
+                        <a:buFontTx/>
+                        <a:buNone/>
+                        <a:tabLst/>
+                        <a:defRPr/>
+                      </a:pPr>
+                      <a:r>
+                        <a:rPr lang="en-US" altLang="ko-KR" sz="1000" dirty="0" err="1"/>
+                        <a:t>JumpSquat</a:t>
+                      </a:r>
+                      <a:r>
+                        <a:rPr lang="en-US" altLang="ko-KR" sz="1000" dirty="0"/>
+                        <a:t> </a:t>
+                      </a:r>
+                      <a:r>
+                        <a:rPr lang="ko-KR" altLang="en-US" sz="1000" dirty="0"/>
+                        <a:t>또는 </a:t>
+                      </a:r>
+                      <a:r>
+                        <a:rPr lang="en-US" altLang="ko-KR" sz="1000" dirty="0" err="1"/>
+                        <a:t>BurpeeJump</a:t>
+                      </a:r>
+                      <a:r>
+                        <a:rPr lang="en-US" altLang="ko-KR" sz="1000" dirty="0"/>
+                        <a:t> </a:t>
+                      </a:r>
+                      <a:r>
+                        <a:rPr lang="ko-KR" altLang="en-US" sz="1000" dirty="0"/>
+                        <a:t>애니메이션을 참고하여 제작</a:t>
+                      </a:r>
+                    </a:p>
+                  </a:txBody>
+                  <a:tcPr anchor="ctr"/>
+                </a:tc>
+                <a:tc>
+                  <a:txBody>
+                    <a:bodyPr/>
+                    <a:lstStyle/>
+                    <a:p>
+                      <a:pPr marL="0" marR="0" lvl="0" indent="0" algn="l" defTabSz="914400" rtl="0" eaLnBrk="1" fontAlgn="auto" latinLnBrk="1" hangingPunct="1">
+                        <a:lnSpc>
+                          <a:spcPct val="100000"/>
+                        </a:lnSpc>
+                        <a:spcBef>
+                          <a:spcPts val="0"/>
+                        </a:spcBef>
+                        <a:spcAft>
+                          <a:spcPts val="0"/>
+                        </a:spcAft>
+                        <a:buClrTx/>
+                        <a:buSzTx/>
+                        <a:buFontTx/>
+                        <a:buNone/>
+                        <a:tabLst/>
+                        <a:defRPr/>
+                      </a:pPr>
+                      <a:r>
+                        <a:rPr lang="en-US" altLang="ko-KR" sz="1000" dirty="0" err="1"/>
+                        <a:t>JoyRunJump</a:t>
+                      </a:r>
+                      <a:endParaRPr lang="ko-KR" altLang="en-US" sz="1000" dirty="0"/>
+                    </a:p>
+                  </a:txBody>
+                  <a:tcPr anchor="ctr"/>
+                </a:tc>
+                <a:extLst>
+                  <a:ext uri="{0D108BD9-81ED-4DB2-BD59-A6C34878D82A}">
+                    <a16:rowId xmlns:a16="http://schemas.microsoft.com/office/drawing/2014/main" val="1106619967"/>
+                  </a:ext>
+                </a:extLst>
+              </a:tr>
+              <a:tr h="182880">
+                <a:tc>
+                  <a:txBody>
+                    <a:bodyPr/>
+                    <a:lstStyle/>
+                    <a:p>
+                      <a:pPr algn="ctr" latinLnBrk="1"/>
+                      <a:r>
+                        <a:rPr lang="en-US" altLang="ko-KR" sz="1000" dirty="0"/>
+                        <a:t>5</a:t>
+                      </a:r>
+                      <a:endParaRPr lang="ko-KR" altLang="en-US" sz="1000" dirty="0"/>
+                    </a:p>
+                  </a:txBody>
+                  <a:tcPr anchor="ctr"/>
+                </a:tc>
+                <a:tc>
+                  <a:txBody>
+                    <a:bodyPr/>
+                    <a:lstStyle/>
+                    <a:p>
+                      <a:pPr marL="0" marR="0" lvl="0" indent="0" algn="l" defTabSz="914400" rtl="0" eaLnBrk="1" fontAlgn="auto" latinLnBrk="1" hangingPunct="1">
+                        <a:lnSpc>
+                          <a:spcPct val="100000"/>
+                        </a:lnSpc>
+                        <a:spcBef>
+                          <a:spcPts val="0"/>
+                        </a:spcBef>
+                        <a:spcAft>
+                          <a:spcPts val="0"/>
+                        </a:spcAft>
+                        <a:buClrTx/>
+                        <a:buSzTx/>
+                        <a:buFontTx/>
+                        <a:buNone/>
+                        <a:tabLst/>
+                        <a:defRPr/>
+                      </a:pPr>
+                      <a:r>
+                        <a:rPr lang="ko-KR" altLang="en-US" sz="1000" dirty="0"/>
+                        <a:t>피격 애니메이션</a:t>
+                      </a:r>
+                    </a:p>
+                  </a:txBody>
+                  <a:tcPr anchor="ctr"/>
+                </a:tc>
+                <a:tc>
+                  <a:txBody>
+                    <a:bodyPr/>
+                    <a:lstStyle/>
+                    <a:p>
+                      <a:pPr marL="0" marR="0" lvl="0" indent="0" algn="l" defTabSz="914400" rtl="0" eaLnBrk="1" fontAlgn="auto" latinLnBrk="1" hangingPunct="1">
+                        <a:lnSpc>
+                          <a:spcPct val="100000"/>
+                        </a:lnSpc>
+                        <a:spcBef>
+                          <a:spcPts val="0"/>
+                        </a:spcBef>
+                        <a:spcAft>
+                          <a:spcPts val="0"/>
+                        </a:spcAft>
+                        <a:buClrTx/>
+                        <a:buSzTx/>
+                        <a:buFontTx/>
+                        <a:buNone/>
+                        <a:tabLst/>
+                        <a:defRPr/>
+                      </a:pPr>
+                      <a:r>
+                        <a:rPr lang="ko-KR" altLang="en-US" sz="1000" dirty="0"/>
+                        <a:t>풍선 오브젝트와 부딪혔을 때 나타나는 애니메이션</a:t>
+                      </a:r>
+                      <a:r>
+                        <a:rPr lang="en-US" altLang="ko-KR" sz="1000" dirty="0"/>
+                        <a:t>.</a:t>
+                      </a:r>
+                    </a:p>
+                    <a:p>
+                      <a:pPr marL="0" marR="0" lvl="0" indent="0" algn="l" defTabSz="914400" rtl="0" eaLnBrk="1" fontAlgn="auto" latinLnBrk="1" hangingPunct="1">
+                        <a:lnSpc>
+                          <a:spcPct val="100000"/>
+                        </a:lnSpc>
+                        <a:spcBef>
+                          <a:spcPts val="0"/>
+                        </a:spcBef>
+                        <a:spcAft>
+                          <a:spcPts val="0"/>
+                        </a:spcAft>
+                        <a:buClrTx/>
+                        <a:buSzTx/>
+                        <a:buFontTx/>
+                        <a:buNone/>
+                        <a:tabLst/>
+                        <a:defRPr/>
+                      </a:pPr>
+                      <a:r>
+                        <a:rPr lang="en-US" altLang="ko-KR" sz="1000" dirty="0"/>
+                        <a:t>(</a:t>
+                      </a:r>
+                      <a:r>
+                        <a:rPr lang="ko-KR" altLang="en-US" sz="1000" dirty="0"/>
+                        <a:t>멈칫하며 양팔을 앞으로 들고 상체가 움츠러드는 애니메이션</a:t>
+                      </a:r>
+                      <a:r>
+                        <a:rPr lang="en-US" altLang="ko-KR" sz="1000" dirty="0"/>
+                        <a:t>)</a:t>
+                      </a:r>
+                    </a:p>
+                  </a:txBody>
+                  <a:tcPr anchor="ctr"/>
+                </a:tc>
+                <a:tc>
+                  <a:txBody>
+                    <a:bodyPr/>
+                    <a:lstStyle/>
+                    <a:p>
+                      <a:pPr algn="l" latinLnBrk="1"/>
+                      <a:r>
+                        <a:rPr lang="en-US" altLang="ko-KR" sz="1000" dirty="0" err="1"/>
+                        <a:t>JoyRunDamaged</a:t>
+                      </a:r>
+                      <a:endParaRPr lang="ko-KR" altLang="en-US" sz="1000" dirty="0"/>
+                    </a:p>
+                  </a:txBody>
+                  <a:tcPr anchor="ctr"/>
+                </a:tc>
+                <a:extLst>
+                  <a:ext uri="{0D108BD9-81ED-4DB2-BD59-A6C34878D82A}">
+                    <a16:rowId xmlns:a16="http://schemas.microsoft.com/office/drawing/2014/main" val="2670889160"/>
+                  </a:ext>
+                </a:extLst>
+              </a:tr>
+              <a:tr h="365760">
+                <a:tc>
+                  <a:txBody>
+                    <a:bodyPr/>
+                    <a:lstStyle/>
+                    <a:p>
+                      <a:pPr algn="ctr" latinLnBrk="1"/>
+                      <a:r>
+                        <a:rPr lang="en-US" altLang="ko-KR" sz="1000" dirty="0"/>
+                        <a:t>6</a:t>
+                      </a:r>
+                      <a:endParaRPr lang="ko-KR" altLang="en-US" sz="1000" dirty="0"/>
+                    </a:p>
+                  </a:txBody>
+                  <a:tcPr anchor="ctr"/>
+                </a:tc>
+                <a:tc>
+                  <a:txBody>
+                    <a:bodyPr/>
+                    <a:lstStyle/>
+                    <a:p>
+                      <a:pPr algn="l" latinLnBrk="1"/>
+                      <a:r>
+                        <a:rPr lang="ko-KR" altLang="en-US" sz="1000" dirty="0"/>
+                        <a:t>넘어짐 애니메이션</a:t>
+                      </a:r>
+                      <a:endParaRPr lang="en-US" altLang="ko-KR" sz="1000" dirty="0"/>
+                    </a:p>
+                  </a:txBody>
+                  <a:tcPr anchor="ctr"/>
+                </a:tc>
+                <a:tc>
+                  <a:txBody>
+                    <a:bodyPr/>
+                    <a:lstStyle/>
+                    <a:p>
+                      <a:pPr marL="0" marR="0" lvl="0" indent="0" algn="l" defTabSz="914400" rtl="0" eaLnBrk="1" fontAlgn="auto" latinLnBrk="1" hangingPunct="1">
+                        <a:lnSpc>
+                          <a:spcPct val="100000"/>
+                        </a:lnSpc>
+                        <a:spcBef>
+                          <a:spcPts val="0"/>
+                        </a:spcBef>
+                        <a:spcAft>
+                          <a:spcPts val="0"/>
+                        </a:spcAft>
+                        <a:buClrTx/>
+                        <a:buSzTx/>
+                        <a:buFontTx/>
+                        <a:buNone/>
+                        <a:tabLst/>
+                        <a:defRPr/>
+                      </a:pPr>
+                      <a:r>
+                        <a:rPr lang="ko-KR" altLang="en-US" sz="1000" dirty="0"/>
+                        <a:t>통나무</a:t>
+                      </a:r>
+                      <a:r>
+                        <a:rPr lang="en-US" altLang="ko-KR" sz="1000" dirty="0"/>
+                        <a:t>, </a:t>
+                      </a:r>
+                      <a:r>
+                        <a:rPr lang="ko-KR" altLang="en-US" sz="1000" dirty="0"/>
+                        <a:t>구멍 오브젝트와 부딪혔을 때 나타나는 애니메이션</a:t>
+                      </a:r>
+                      <a:br>
+                        <a:rPr lang="en-US" altLang="ko-KR" sz="1000" dirty="0"/>
+                      </a:br>
+                      <a:r>
+                        <a:rPr lang="en-US" altLang="ko-KR" sz="1000" dirty="0"/>
+                        <a:t>(</a:t>
+                      </a:r>
+                      <a:r>
+                        <a:rPr lang="ko-KR" altLang="en-US" sz="1000" dirty="0"/>
+                        <a:t>걸려서 넘어지거나 미끄러져서 넘어지는 애니메이션</a:t>
+                      </a:r>
+                      <a:r>
+                        <a:rPr lang="en-US" altLang="ko-KR" sz="1000" dirty="0"/>
+                        <a:t>)</a:t>
+                      </a:r>
+                      <a:endParaRPr lang="ko-KR" altLang="en-US" sz="1000" dirty="0"/>
+                    </a:p>
+                  </a:txBody>
+                  <a:tcPr anchor="ctr"/>
+                </a:tc>
+                <a:tc>
+                  <a:txBody>
+                    <a:bodyPr/>
+                    <a:lstStyle/>
+                    <a:p>
+                      <a:pPr marL="0" marR="0" lvl="0" indent="0" algn="l" defTabSz="914400" rtl="0" eaLnBrk="1" fontAlgn="auto" latinLnBrk="1" hangingPunct="1">
+                        <a:lnSpc>
+                          <a:spcPct val="100000"/>
+                        </a:lnSpc>
+                        <a:spcBef>
+                          <a:spcPts val="0"/>
+                        </a:spcBef>
+                        <a:spcAft>
+                          <a:spcPts val="0"/>
+                        </a:spcAft>
+                        <a:buClrTx/>
+                        <a:buSzTx/>
+                        <a:buFontTx/>
+                        <a:buNone/>
+                        <a:tabLst/>
+                        <a:defRPr/>
+                      </a:pPr>
+                      <a:r>
+                        <a:rPr lang="en-US" altLang="ko-KR" sz="1000" dirty="0" err="1"/>
+                        <a:t>JoyRunStun</a:t>
+                      </a:r>
+                      <a:endParaRPr lang="ko-KR" altLang="en-US" sz="1000" dirty="0"/>
+                    </a:p>
+                  </a:txBody>
+                  <a:tcPr anchor="ctr"/>
+                </a:tc>
+                <a:extLst>
+                  <a:ext uri="{0D108BD9-81ED-4DB2-BD59-A6C34878D82A}">
+                    <a16:rowId xmlns:a16="http://schemas.microsoft.com/office/drawing/2014/main" val="3077181478"/>
+                  </a:ext>
+                </a:extLst>
+              </a:tr>
+              <a:tr h="365760">
+                <a:tc>
+                  <a:txBody>
+                    <a:bodyPr/>
+                    <a:lstStyle/>
+                    <a:p>
+                      <a:pPr algn="ctr" latinLnBrk="1"/>
+                      <a:r>
+                        <a:rPr lang="en-US" altLang="ko-KR" sz="1000" dirty="0"/>
+                        <a:t>7</a:t>
+                      </a:r>
+                      <a:endParaRPr lang="ko-KR" altLang="en-US" sz="1000" dirty="0"/>
+                    </a:p>
+                  </a:txBody>
+                  <a:tcPr anchor="ctr"/>
+                </a:tc>
+                <a:tc>
+                  <a:txBody>
+                    <a:bodyPr/>
+                    <a:lstStyle/>
+                    <a:p>
+                      <a:pPr algn="l" latinLnBrk="1"/>
+                      <a:r>
+                        <a:rPr lang="ko-KR" altLang="en-US" sz="1000" dirty="0"/>
+                        <a:t>사망 애니메이션</a:t>
+                      </a:r>
+                      <a:endParaRPr lang="en-US" altLang="ko-KR" sz="1000" dirty="0"/>
+                    </a:p>
+                  </a:txBody>
+                  <a:tcPr anchor="ctr"/>
+                </a:tc>
+                <a:tc>
+                  <a:txBody>
+                    <a:bodyPr/>
+                    <a:lstStyle/>
+                    <a:p>
+                      <a:pPr marL="0" marR="0" lvl="0" indent="0" algn="l" defTabSz="914400" rtl="0" eaLnBrk="1" fontAlgn="auto" latinLnBrk="1" hangingPunct="1">
+                        <a:lnSpc>
+                          <a:spcPct val="100000"/>
+                        </a:lnSpc>
+                        <a:spcBef>
+                          <a:spcPts val="0"/>
+                        </a:spcBef>
+                        <a:spcAft>
+                          <a:spcPts val="0"/>
+                        </a:spcAft>
+                        <a:buClrTx/>
+                        <a:buSzTx/>
+                        <a:buFontTx/>
+                        <a:buNone/>
+                        <a:tabLst/>
+                        <a:defRPr/>
+                      </a:pPr>
+                      <a:r>
+                        <a:rPr lang="ko-KR" altLang="en-US" sz="1000" dirty="0"/>
+                        <a:t>캐릭터의 </a:t>
+                      </a:r>
+                      <a:r>
+                        <a:rPr lang="en-US" altLang="ko-KR" sz="1000" dirty="0"/>
+                        <a:t>HP </a:t>
+                      </a:r>
+                      <a:r>
+                        <a:rPr lang="ko-KR" altLang="en-US" sz="1000" dirty="0"/>
+                        <a:t>가 </a:t>
+                      </a:r>
+                      <a:r>
+                        <a:rPr lang="en-US" altLang="ko-KR" sz="1000" dirty="0"/>
+                        <a:t>0 </a:t>
+                      </a:r>
+                      <a:r>
+                        <a:rPr lang="ko-KR" altLang="en-US" sz="1000" dirty="0" err="1"/>
+                        <a:t>이되면</a:t>
+                      </a:r>
+                      <a:r>
+                        <a:rPr lang="ko-KR" altLang="en-US" sz="1000" dirty="0"/>
+                        <a:t> 발생하는 애니메이션 </a:t>
+                      </a:r>
+                      <a:endParaRPr lang="en-US" altLang="ko-KR" sz="1000" dirty="0"/>
+                    </a:p>
+                    <a:p>
+                      <a:pPr marL="0" marR="0" lvl="0" indent="0" algn="l" defTabSz="914400" rtl="0" eaLnBrk="1" fontAlgn="auto" latinLnBrk="1" hangingPunct="1">
+                        <a:lnSpc>
+                          <a:spcPct val="100000"/>
+                        </a:lnSpc>
+                        <a:spcBef>
+                          <a:spcPts val="0"/>
+                        </a:spcBef>
+                        <a:spcAft>
+                          <a:spcPts val="0"/>
+                        </a:spcAft>
+                        <a:buClrTx/>
+                        <a:buSzTx/>
+                        <a:buFontTx/>
+                        <a:buNone/>
+                        <a:tabLst/>
+                        <a:defRPr/>
+                      </a:pPr>
+                      <a:r>
+                        <a:rPr lang="en-US" altLang="ko-KR" sz="1000" dirty="0"/>
+                        <a:t>(</a:t>
+                      </a:r>
+                      <a:r>
+                        <a:rPr lang="ko-KR" altLang="en-US" sz="1000" dirty="0" err="1"/>
+                        <a:t>두손을</a:t>
+                      </a:r>
+                      <a:r>
+                        <a:rPr lang="ko-KR" altLang="en-US" sz="1000" dirty="0"/>
+                        <a:t> 무릎에 대고 </a:t>
+                      </a:r>
+                      <a:r>
+                        <a:rPr lang="ko-KR" altLang="en-US" sz="1000" dirty="0" err="1"/>
+                        <a:t>헥헥</a:t>
+                      </a:r>
+                      <a:r>
+                        <a:rPr lang="ko-KR" altLang="en-US" sz="1000" dirty="0"/>
+                        <a:t> 거리는 애니메이션</a:t>
+                      </a:r>
+                      <a:r>
+                        <a:rPr lang="en-US" altLang="ko-KR" sz="1000" dirty="0"/>
+                        <a:t>)</a:t>
+                      </a:r>
+                      <a:endParaRPr lang="ko-KR" altLang="en-US" sz="1000" dirty="0"/>
+                    </a:p>
+                  </a:txBody>
+                  <a:tcPr anchor="ctr"/>
+                </a:tc>
+                <a:tc>
+                  <a:txBody>
+                    <a:bodyPr/>
+                    <a:lstStyle/>
+                    <a:p>
+                      <a:pPr marL="0" marR="0" lvl="0" indent="0" algn="l" defTabSz="914400" rtl="0" eaLnBrk="1" fontAlgn="auto" latinLnBrk="1" hangingPunct="1">
+                        <a:lnSpc>
+                          <a:spcPct val="100000"/>
+                        </a:lnSpc>
+                        <a:spcBef>
+                          <a:spcPts val="0"/>
+                        </a:spcBef>
+                        <a:spcAft>
+                          <a:spcPts val="0"/>
+                        </a:spcAft>
+                        <a:buClrTx/>
+                        <a:buSzTx/>
+                        <a:buFontTx/>
+                        <a:buNone/>
+                        <a:tabLst/>
+                        <a:defRPr/>
+                      </a:pPr>
+                      <a:r>
+                        <a:rPr lang="en-US" altLang="ko-KR" sz="1000" dirty="0" err="1"/>
+                        <a:t>JoyRunDie</a:t>
+                      </a:r>
+                      <a:endParaRPr lang="ko-KR" altLang="en-US" sz="1000" dirty="0"/>
+                    </a:p>
+                  </a:txBody>
+                  <a:tcPr anchor="ctr"/>
+                </a:tc>
+                <a:extLst>
+                  <a:ext uri="{0D108BD9-81ED-4DB2-BD59-A6C34878D82A}">
+                    <a16:rowId xmlns:a16="http://schemas.microsoft.com/office/drawing/2014/main" val="3601327017"/>
+                  </a:ext>
+                </a:extLst>
+              </a:tr>
+              <a:tr h="365760">
+                <a:tc>
+                  <a:txBody>
+                    <a:bodyPr/>
+                    <a:lstStyle/>
+                    <a:p>
+                      <a:pPr algn="ctr" latinLnBrk="1"/>
+                      <a:r>
+                        <a:rPr lang="en-US" altLang="ko-KR" sz="1000" dirty="0"/>
+                        <a:t>8</a:t>
+                      </a:r>
+                      <a:endParaRPr lang="ko-KR" altLang="en-US" sz="1000" dirty="0"/>
+                    </a:p>
+                  </a:txBody>
+                  <a:tcPr anchor="ctr"/>
+                </a:tc>
+                <a:tc>
+                  <a:txBody>
+                    <a:bodyPr/>
+                    <a:lstStyle/>
+                    <a:p>
+                      <a:pPr algn="l" latinLnBrk="1"/>
+                      <a:r>
+                        <a:rPr lang="ko-KR" altLang="en-US" sz="1000" dirty="0"/>
+                        <a:t>출현 애니메이션</a:t>
+                      </a:r>
+                      <a:endParaRPr lang="en-US" altLang="ko-KR" sz="1000" dirty="0"/>
+                    </a:p>
+                  </a:txBody>
+                  <a:tcPr anchor="ctr"/>
+                </a:tc>
+                <a:tc>
+                  <a:txBody>
+                    <a:bodyPr/>
+                    <a:lstStyle/>
+                    <a:p>
+                      <a:pPr marL="0" marR="0" lvl="0" indent="0" algn="l" defTabSz="914400" rtl="0" eaLnBrk="1" fontAlgn="auto" latinLnBrk="1" hangingPunct="1">
+                        <a:lnSpc>
+                          <a:spcPct val="100000"/>
+                        </a:lnSpc>
+                        <a:spcBef>
+                          <a:spcPts val="0"/>
+                        </a:spcBef>
+                        <a:spcAft>
+                          <a:spcPts val="0"/>
+                        </a:spcAft>
+                        <a:buClrTx/>
+                        <a:buSzTx/>
+                        <a:buFontTx/>
+                        <a:buNone/>
+                        <a:tabLst/>
+                        <a:defRPr/>
+                      </a:pPr>
+                      <a:r>
+                        <a:rPr lang="ko-KR" altLang="en-US" sz="1000" dirty="0"/>
+                        <a:t>스테이지가 시작될 때 캐릭터가 등장하는 애니메이션</a:t>
+                      </a:r>
+                      <a:endParaRPr lang="en-US" altLang="ko-KR" sz="1000" dirty="0"/>
+                    </a:p>
+                    <a:p>
+                      <a:pPr marL="0" marR="0" lvl="0" indent="0" algn="l" defTabSz="914400" rtl="0" eaLnBrk="1" fontAlgn="auto" latinLnBrk="1" hangingPunct="1">
+                        <a:lnSpc>
+                          <a:spcPct val="100000"/>
+                        </a:lnSpc>
+                        <a:spcBef>
+                          <a:spcPts val="0"/>
+                        </a:spcBef>
+                        <a:spcAft>
+                          <a:spcPts val="0"/>
+                        </a:spcAft>
+                        <a:buClrTx/>
+                        <a:buSzTx/>
+                        <a:buFontTx/>
+                        <a:buNone/>
+                        <a:tabLst/>
+                        <a:defRPr/>
+                      </a:pPr>
+                      <a:r>
+                        <a:rPr lang="en-US" altLang="ko-KR" sz="1000" dirty="0"/>
+                        <a:t>(</a:t>
+                      </a:r>
+                      <a:r>
+                        <a:rPr lang="ko-KR" altLang="en-US" sz="1000" dirty="0"/>
+                        <a:t>약간 앞으로 나오면서 발목과 손목을 풀어준다</a:t>
+                      </a:r>
+                      <a:r>
+                        <a:rPr lang="en-US" altLang="ko-KR" sz="1000" dirty="0"/>
+                        <a:t>.)</a:t>
+                      </a:r>
+                    </a:p>
+                  </a:txBody>
+                  <a:tcPr anchor="ctr"/>
+                </a:tc>
+                <a:tc>
+                  <a:txBody>
+                    <a:bodyPr/>
+                    <a:lstStyle/>
+                    <a:p>
+                      <a:pPr marL="0" marR="0" lvl="0" indent="0" algn="l" defTabSz="914400" rtl="0" eaLnBrk="1" fontAlgn="auto" latinLnBrk="1" hangingPunct="1">
+                        <a:lnSpc>
+                          <a:spcPct val="100000"/>
+                        </a:lnSpc>
+                        <a:spcBef>
+                          <a:spcPts val="0"/>
+                        </a:spcBef>
+                        <a:spcAft>
+                          <a:spcPts val="0"/>
+                        </a:spcAft>
+                        <a:buClrTx/>
+                        <a:buSzTx/>
+                        <a:buFontTx/>
+                        <a:buNone/>
+                        <a:tabLst/>
+                        <a:defRPr/>
+                      </a:pPr>
+                      <a:r>
+                        <a:rPr lang="en-US" altLang="ko-KR" sz="1000" dirty="0" err="1"/>
+                        <a:t>JoyRunAppear</a:t>
+                      </a:r>
+                      <a:endParaRPr lang="ko-KR" altLang="en-US" sz="1000" dirty="0"/>
+                    </a:p>
+                  </a:txBody>
+                  <a:tcPr anchor="ctr"/>
+                </a:tc>
+                <a:extLst>
+                  <a:ext uri="{0D108BD9-81ED-4DB2-BD59-A6C34878D82A}">
+                    <a16:rowId xmlns:a16="http://schemas.microsoft.com/office/drawing/2014/main" val="2032968412"/>
+                  </a:ext>
+                </a:extLst>
+              </a:tr>
+            </a:tbl>
+          </a:graphicData>
+        </a:graphic>
+      </p:graphicFrame>
     </p:spTree>
     <p:extLst>
       <p:ext uri="{BB962C8B-B14F-4D97-AF65-F5344CB8AC3E}">
-        <p14:creationId xmlns:p14="http://schemas.microsoft.com/office/powerpoint/2010/main" val="2740388186"/>
+        <p14:creationId xmlns:p14="http://schemas.microsoft.com/office/powerpoint/2010/main" val="1000531092"/>
       </p:ext>
     </p:extLst>
   </p:cSld>
@@ -12075,14 +15277,14 @@
           <p:nvPr>
             <p:extLst>
               <p:ext uri="{D42A27DB-BD31-4B8C-83A1-F6EECF244321}">
-                <p14:modId xmlns:p14="http://schemas.microsoft.com/office/powerpoint/2010/main" val="2925850441"/>
+                <p14:modId xmlns:p14="http://schemas.microsoft.com/office/powerpoint/2010/main" val="142302476"/>
               </p:ext>
             </p:extLst>
           </p:nvPr>
         </p:nvGraphicFramePr>
         <p:xfrm>
           <a:off x="301874" y="886687"/>
-          <a:ext cx="11541336" cy="762000"/>
+          <a:ext cx="11541336" cy="1005840"/>
         </p:xfrm>
         <a:graphic>
           <a:graphicData uri="http://schemas.openxmlformats.org/drawingml/2006/table">
@@ -12271,6 +15473,74 @@
                 <a:extLst>
                   <a:ext uri="{0D108BD9-81ED-4DB2-BD59-A6C34878D82A}">
                     <a16:rowId xmlns:a16="http://schemas.microsoft.com/office/drawing/2014/main" val="2475897338"/>
+                  </a:ext>
+                </a:extLst>
+              </a:tr>
+              <a:tr h="0">
+                <a:tc>
+                  <a:txBody>
+                    <a:bodyPr/>
+                    <a:lstStyle/>
+                    <a:p>
+                      <a:pPr algn="ctr" latinLnBrk="1"/>
+                      <a:r>
+                        <a:rPr lang="en-US" altLang="ko-KR" sz="1000" dirty="0"/>
+                        <a:t>2020.07.22</a:t>
+                      </a:r>
+                      <a:endParaRPr lang="ko-KR" altLang="en-US" sz="1000" dirty="0"/>
+                    </a:p>
+                  </a:txBody>
+                  <a:tcPr anchor="ctr"/>
+                </a:tc>
+                <a:tc>
+                  <a:txBody>
+                    <a:bodyPr/>
+                    <a:lstStyle/>
+                    <a:p>
+                      <a:pPr algn="ctr" latinLnBrk="1"/>
+                      <a:r>
+                        <a:rPr lang="ko-KR" altLang="en-US" sz="1000" dirty="0"/>
+                        <a:t>문상윤</a:t>
+                      </a:r>
+                      <a:endParaRPr lang="en-US" altLang="ko-KR" sz="1000" dirty="0"/>
+                    </a:p>
+                  </a:txBody>
+                  <a:tcPr anchor="ctr"/>
+                </a:tc>
+                <a:tc>
+                  <a:txBody>
+                    <a:bodyPr/>
+                    <a:lstStyle/>
+                    <a:p>
+                      <a:pPr algn="ctr" latinLnBrk="1"/>
+                      <a:r>
+                        <a:rPr lang="ko-KR" altLang="en-US" sz="1000" dirty="0" err="1">
+                          <a:highlight>
+                            <a:srgbClr val="00FF00"/>
+                          </a:highlight>
+                        </a:rPr>
+                        <a:t>조이런</a:t>
+                      </a:r>
+                      <a:r>
+                        <a:rPr lang="ko-KR" altLang="en-US" sz="1000" dirty="0">
+                          <a:highlight>
+                            <a:srgbClr val="00FF00"/>
+                          </a:highlight>
+                        </a:rPr>
+                        <a:t> 리소스 컨셉 수정</a:t>
+                      </a:r>
+                      <a:endParaRPr lang="en-US" altLang="ko-KR" sz="1000" dirty="0">
+                        <a:highlight>
+                          <a:srgbClr val="00FF00"/>
+                        </a:highlight>
+                      </a:endParaRPr>
+                    </a:p>
+                  </a:txBody>
+                  <a:tcPr marL="0" marR="0" marT="0" marB="0" anchor="ctr"/>
+                </a:tc>
+                <a:extLst>
+                  <a:ext uri="{0D108BD9-81ED-4DB2-BD59-A6C34878D82A}">
+                    <a16:rowId xmlns:a16="http://schemas.microsoft.com/office/drawing/2014/main" val="225080876"/>
                   </a:ext>
                 </a:extLst>
               </a:tr>

--- a/docs/[JoyFitness] 전시회용 미니 게임_JoyRun.pptx
+++ b/docs/[JoyFitness] 전시회용 미니 게임_JoyRun.pptx
@@ -5,7 +5,7 @@
     <p:sldMasterId id="2147483648" r:id="rId1"/>
   </p:sldMasterIdLst>
   <p:notesMasterIdLst>
-    <p:notesMasterId r:id="rId16"/>
+    <p:notesMasterId r:id="rId17"/>
   </p:notesMasterIdLst>
   <p:sldIdLst>
     <p:sldId id="258" r:id="rId2"/>
@@ -22,6 +22,7 @@
     <p:sldId id="723" r:id="rId13"/>
     <p:sldId id="725" r:id="rId14"/>
     <p:sldId id="726" r:id="rId15"/>
+    <p:sldId id="727" r:id="rId16"/>
   </p:sldIdLst>
   <p:sldSz cx="12192000" cy="6858000"/>
   <p:notesSz cx="6802438" cy="9934575"/>
@@ -222,7 +223,7 @@
           <a:p>
             <a:fld id="{2386921C-F2C2-450F-8CE0-097405885515}" type="datetimeFigureOut">
               <a:rPr lang="ko-KR" altLang="en-US" smtClean="0"/>
-              <a:t>2020-08-06</a:t>
+              <a:t>2020-08-24</a:t>
             </a:fld>
             <a:endParaRPr lang="ko-KR" altLang="en-US"/>
           </a:p>
@@ -621,7 +622,7 @@
           <a:p>
             <a:fld id="{6FECA6D4-DCCA-4949-BEF9-A9086E06B1B7}" type="datetime1">
               <a:rPr lang="ko-KR" altLang="en-US" smtClean="0"/>
-              <a:t>2020-08-06</a:t>
+              <a:t>2020-08-24</a:t>
             </a:fld>
             <a:endParaRPr lang="ko-KR" altLang="en-US"/>
           </a:p>
@@ -791,7 +792,7 @@
           <a:p>
             <a:fld id="{61D66971-119A-4B55-B1BD-4ED7BC2CB7AD}" type="datetime1">
               <a:rPr lang="ko-KR" altLang="en-US" smtClean="0"/>
-              <a:t>2020-08-06</a:t>
+              <a:t>2020-08-24</a:t>
             </a:fld>
             <a:endParaRPr lang="ko-KR" altLang="en-US"/>
           </a:p>
@@ -971,7 +972,7 @@
           <a:p>
             <a:fld id="{B867013F-155C-4FB3-BB21-5694D54F303C}" type="datetime1">
               <a:rPr lang="ko-KR" altLang="en-US" smtClean="0"/>
-              <a:t>2020-08-06</a:t>
+              <a:t>2020-08-24</a:t>
             </a:fld>
             <a:endParaRPr lang="ko-KR" altLang="en-US"/>
           </a:p>
@@ -1141,7 +1142,7 @@
           <a:p>
             <a:fld id="{FFDF7E5B-C91D-4597-BEFF-9800146C1221}" type="datetime1">
               <a:rPr lang="ko-KR" altLang="en-US" smtClean="0"/>
-              <a:t>2020-08-06</a:t>
+              <a:t>2020-08-24</a:t>
             </a:fld>
             <a:endParaRPr lang="ko-KR" altLang="en-US"/>
           </a:p>
@@ -1403,7 +1404,7 @@
           <a:p>
             <a:fld id="{FCECD920-41EA-4F3C-8E8F-FEA349AAB147}" type="datetime1">
               <a:rPr lang="ko-KR" altLang="en-US" smtClean="0"/>
-              <a:t>2020-08-06</a:t>
+              <a:t>2020-08-24</a:t>
             </a:fld>
             <a:endParaRPr lang="ko-KR" altLang="en-US"/>
           </a:p>
@@ -1635,7 +1636,7 @@
           <a:p>
             <a:fld id="{7AC0042B-7BDF-4830-89D6-670CE07C1E8E}" type="datetime1">
               <a:rPr lang="ko-KR" altLang="en-US" smtClean="0"/>
-              <a:t>2020-08-06</a:t>
+              <a:t>2020-08-24</a:t>
             </a:fld>
             <a:endParaRPr lang="ko-KR" altLang="en-US"/>
           </a:p>
@@ -2002,7 +2003,7 @@
           <a:p>
             <a:fld id="{F564A9E2-35E4-4EDD-9837-0188A1C6243B}" type="datetime1">
               <a:rPr lang="ko-KR" altLang="en-US" smtClean="0"/>
-              <a:t>2020-08-06</a:t>
+              <a:t>2020-08-24</a:t>
             </a:fld>
             <a:endParaRPr lang="ko-KR" altLang="en-US"/>
           </a:p>
@@ -2120,7 +2121,7 @@
           <a:p>
             <a:fld id="{872C3772-1156-4FD3-9C57-CAC38F3F251F}" type="datetime1">
               <a:rPr lang="ko-KR" altLang="en-US" smtClean="0"/>
-              <a:t>2020-08-06</a:t>
+              <a:t>2020-08-24</a:t>
             </a:fld>
             <a:endParaRPr lang="ko-KR" altLang="en-US"/>
           </a:p>
@@ -2215,7 +2216,7 @@
           <a:p>
             <a:fld id="{90564680-55FD-459C-ABDD-810709295308}" type="datetime1">
               <a:rPr lang="ko-KR" altLang="en-US" smtClean="0"/>
-              <a:t>2020-08-06</a:t>
+              <a:t>2020-08-24</a:t>
             </a:fld>
             <a:endParaRPr lang="ko-KR" altLang="en-US"/>
           </a:p>
@@ -2492,7 +2493,7 @@
           <a:p>
             <a:fld id="{B427CE32-9CBE-4BE6-B2B4-151BB3755E13}" type="datetime1">
               <a:rPr lang="ko-KR" altLang="en-US" smtClean="0"/>
-              <a:t>2020-08-06</a:t>
+              <a:t>2020-08-24</a:t>
             </a:fld>
             <a:endParaRPr lang="ko-KR" altLang="en-US"/>
           </a:p>
@@ -2745,7 +2746,7 @@
           <a:p>
             <a:fld id="{15F8A116-4660-43B5-9031-34FF0BE3E69D}" type="datetime1">
               <a:rPr lang="ko-KR" altLang="en-US" smtClean="0"/>
-              <a:t>2020-08-06</a:t>
+              <a:t>2020-08-24</a:t>
             </a:fld>
             <a:endParaRPr lang="ko-KR" altLang="en-US"/>
           </a:p>
@@ -2967,7 +2968,7 @@
           <a:p>
             <a:fld id="{7B1BE7E1-A688-4E59-BC0B-0B62CA53C8B4}" type="datetime1">
               <a:rPr lang="ko-KR" altLang="en-US" smtClean="0"/>
-              <a:t>2020-08-06</a:t>
+              <a:t>2020-08-24</a:t>
             </a:fld>
             <a:endParaRPr lang="ko-KR" altLang="en-US"/>
           </a:p>
@@ -8577,7 +8578,7 @@
         <p:spPr>
           <a:xfrm>
             <a:off x="4968853" y="1119797"/>
-            <a:ext cx="6524638" cy="6561989"/>
+            <a:ext cx="6524638" cy="6904647"/>
           </a:xfrm>
           <a:prstGeom prst="rect">
             <a:avLst/>
@@ -8772,35 +8773,35 @@
               <a:buChar char="•"/>
             </a:pPr>
             <a:r>
-              <a:rPr lang="ko-KR" altLang="en-US" sz="1200" dirty="0"/>
+              <a:rPr lang="ko-KR" altLang="en-US" sz="1200" strike="sngStrike" dirty="0"/>
               <a:t>구멍 </a:t>
             </a:r>
             <a:r>
-              <a:rPr lang="en-US" altLang="ko-KR" sz="1200" dirty="0"/>
+              <a:rPr lang="en-US" altLang="ko-KR" sz="1200" strike="sngStrike" dirty="0"/>
               <a:t>: </a:t>
             </a:r>
             <a:r>
-              <a:rPr lang="ko-KR" altLang="en-US" sz="1200" dirty="0"/>
+              <a:rPr lang="ko-KR" altLang="en-US" sz="1200" strike="sngStrike" dirty="0"/>
               <a:t>기름 웅덩이 그라운드 오브젝트 또는 </a:t>
             </a:r>
             <a:r>
-              <a:rPr lang="ko-KR" altLang="en-US" sz="1200" dirty="0" err="1"/>
+              <a:rPr lang="ko-KR" altLang="en-US" sz="1200" strike="sngStrike" dirty="0" err="1"/>
               <a:t>파티클</a:t>
             </a:r>
             <a:r>
-              <a:rPr lang="ko-KR" altLang="en-US" sz="1200" dirty="0"/>
+              <a:rPr lang="ko-KR" altLang="en-US" sz="1200" strike="sngStrike" dirty="0"/>
               <a:t> 활용</a:t>
             </a:r>
             <a:r>
-              <a:rPr lang="en-US" altLang="ko-KR" sz="1200" dirty="0"/>
+              <a:rPr lang="en-US" altLang="ko-KR" sz="1200" strike="sngStrike" dirty="0"/>
               <a:t>(</a:t>
             </a:r>
             <a:r>
-              <a:rPr lang="en-US" altLang="ko-KR" sz="1200" dirty="0" err="1"/>
+              <a:rPr lang="en-US" altLang="ko-KR" sz="1200" strike="sngStrike" dirty="0" err="1"/>
               <a:t>JoyRunHole</a:t>
             </a:r>
             <a:r>
-              <a:rPr lang="en-US" altLang="ko-KR" sz="1200" dirty="0"/>
+              <a:rPr lang="en-US" altLang="ko-KR" sz="1200" strike="sngStrike" dirty="0"/>
               <a:t>)</a:t>
             </a:r>
           </a:p>
@@ -8816,27 +8817,125 @@
               <a:buChar char="•"/>
             </a:pPr>
             <a:r>
-              <a:rPr lang="ko-KR" altLang="en-US" sz="1200" dirty="0"/>
+              <a:rPr lang="ko-KR" altLang="en-US" sz="1200" dirty="0" err="1">
+                <a:highlight>
+                  <a:srgbClr val="00FFFF"/>
+                </a:highlight>
+              </a:rPr>
+              <a:t>곰덫</a:t>
+            </a:r>
+            <a:r>
+              <a:rPr lang="ko-KR" altLang="en-US" sz="1200" dirty="0">
+                <a:highlight>
+                  <a:srgbClr val="00FFFF"/>
+                </a:highlight>
+              </a:rPr>
+              <a:t> </a:t>
+            </a:r>
+            <a:r>
+              <a:rPr lang="en-US" altLang="ko-KR" sz="1200" dirty="0">
+                <a:highlight>
+                  <a:srgbClr val="00FFFF"/>
+                </a:highlight>
+              </a:rPr>
+              <a:t>: </a:t>
+            </a:r>
+            <a:r>
+              <a:rPr lang="ko-KR" altLang="en-US" sz="1200" dirty="0">
+                <a:highlight>
+                  <a:srgbClr val="00FFFF"/>
+                </a:highlight>
+              </a:rPr>
+              <a:t>캐릭터의 움직임을 방해하는 </a:t>
+            </a:r>
+            <a:r>
+              <a:rPr lang="ko-KR" altLang="en-US" sz="1200" dirty="0" err="1">
+                <a:highlight>
+                  <a:srgbClr val="00FFFF"/>
+                </a:highlight>
+              </a:rPr>
+              <a:t>곰덫</a:t>
+            </a:r>
+            <a:endParaRPr lang="en-US" altLang="ko-KR" sz="1200" dirty="0">
+              <a:highlight>
+                <a:srgbClr val="00FFFF"/>
+              </a:highlight>
+            </a:endParaRPr>
+          </a:p>
+          <a:p>
+            <a:pPr marL="171450" indent="-171450" defTabSz="540000">
+              <a:lnSpc>
+                <a:spcPct val="130000"/>
+              </a:lnSpc>
+              <a:spcAft>
+                <a:spcPts val="400"/>
+              </a:spcAft>
+              <a:buFont typeface="Arial" panose="020B0604020202020204" pitchFamily="34" charset="0"/>
+              <a:buChar char="•"/>
+            </a:pPr>
+            <a:r>
+              <a:rPr lang="ko-KR" altLang="en-US" sz="1200" dirty="0">
+                <a:highlight>
+                  <a:srgbClr val="00FFFF"/>
+                </a:highlight>
+              </a:rPr>
+              <a:t>허들 </a:t>
+            </a:r>
+            <a:r>
+              <a:rPr lang="en-US" altLang="ko-KR" sz="1200" dirty="0">
+                <a:highlight>
+                  <a:srgbClr val="00FFFF"/>
+                </a:highlight>
+              </a:rPr>
+              <a:t>: </a:t>
+            </a:r>
+            <a:r>
+              <a:rPr lang="ko-KR" altLang="en-US" sz="1200" dirty="0">
+                <a:highlight>
+                  <a:srgbClr val="00FFFF"/>
+                </a:highlight>
+              </a:rPr>
+              <a:t>캐릭터의 움직임을 방해하는 허들</a:t>
+            </a:r>
+            <a:endParaRPr lang="en-US" altLang="ko-KR" sz="1200" dirty="0">
+              <a:highlight>
+                <a:srgbClr val="00FFFF"/>
+              </a:highlight>
+            </a:endParaRPr>
+          </a:p>
+          <a:p>
+            <a:pPr marL="171450" indent="-171450" defTabSz="540000">
+              <a:lnSpc>
+                <a:spcPct val="130000"/>
+              </a:lnSpc>
+              <a:spcAft>
+                <a:spcPts val="400"/>
+              </a:spcAft>
+              <a:buFont typeface="Arial" panose="020B0604020202020204" pitchFamily="34" charset="0"/>
+              <a:buChar char="•"/>
+            </a:pPr>
+            <a:r>
+              <a:rPr lang="ko-KR" altLang="en-US" sz="1200" strike="sngStrike" dirty="0"/>
               <a:t>통나무 </a:t>
             </a:r>
             <a:r>
-              <a:rPr lang="en-US" altLang="ko-KR" sz="1200" dirty="0"/>
+              <a:rPr lang="en-US" altLang="ko-KR" sz="1200" strike="sngStrike" dirty="0"/>
               <a:t>: </a:t>
             </a:r>
             <a:r>
-              <a:rPr lang="ko-KR" altLang="en-US" sz="1200" dirty="0"/>
+              <a:rPr lang="ko-KR" altLang="en-US" sz="1200" strike="sngStrike" dirty="0"/>
               <a:t>말그대로 굴러다니는 통나무</a:t>
             </a:r>
             <a:r>
-              <a:rPr lang="en-US" altLang="ko-KR" sz="1200" dirty="0"/>
+              <a:rPr lang="en-US" altLang="ko-KR" sz="1200" strike="sngStrike" dirty="0"/>
               <a:t>(</a:t>
             </a:r>
             <a:r>
-              <a:rPr lang="en-US" altLang="ko-KR" sz="1200" dirty="0" err="1"/>
+              <a:rPr lang="en-US" altLang="ko-KR" sz="1200" strike="sngStrike" dirty="0" err="1"/>
               <a:t>JoyRunHurdle</a:t>
             </a:r>
             <a:r>
-              <a:rPr lang="en-US" altLang="ko-KR" sz="1200" dirty="0"/>
+              <a:rPr lang="en-US" altLang="ko-KR" sz="1200" strike="sngStrike" dirty="0"/>
               <a:t>)</a:t>
             </a:r>
           </a:p>
@@ -9127,98 +9226,6 @@
           </a:prstGeom>
         </p:spPr>
       </p:pic>
-      <p:sp>
-        <p:nvSpPr>
-          <p:cNvPr id="114" name="타원 113">
-            <a:extLst>
-              <a:ext uri="{FF2B5EF4-FFF2-40B4-BE49-F238E27FC236}">
-                <a16:creationId xmlns:a16="http://schemas.microsoft.com/office/drawing/2014/main" id="{2DDFA580-79EC-4FA0-88BC-B3F92095B026}"/>
-              </a:ext>
-            </a:extLst>
-          </p:cNvPr>
-          <p:cNvSpPr/>
-          <p:nvPr/>
-        </p:nvSpPr>
-        <p:spPr>
-          <a:xfrm>
-            <a:off x="2872296" y="1645868"/>
-            <a:ext cx="494950" cy="124210"/>
-          </a:xfrm>
-          <a:prstGeom prst="ellipse">
-            <a:avLst/>
-          </a:prstGeom>
-        </p:spPr>
-        <p:style>
-          <a:lnRef idx="2">
-            <a:schemeClr val="dk1">
-              <a:shade val="50000"/>
-            </a:schemeClr>
-          </a:lnRef>
-          <a:fillRef idx="1">
-            <a:schemeClr val="dk1"/>
-          </a:fillRef>
-          <a:effectRef idx="0">
-            <a:schemeClr val="dk1"/>
-          </a:effectRef>
-          <a:fontRef idx="minor">
-            <a:schemeClr val="lt1"/>
-          </a:fontRef>
-        </p:style>
-        <p:txBody>
-          <a:bodyPr rtlCol="0" anchor="ctr"/>
-          <a:lstStyle/>
-          <a:p>
-            <a:pPr algn="ctr"/>
-            <a:endParaRPr lang="ko-KR" altLang="en-US"/>
-          </a:p>
-        </p:txBody>
-      </p:sp>
-      <p:sp>
-        <p:nvSpPr>
-          <p:cNvPr id="115" name="타원 114">
-            <a:extLst>
-              <a:ext uri="{FF2B5EF4-FFF2-40B4-BE49-F238E27FC236}">
-                <a16:creationId xmlns:a16="http://schemas.microsoft.com/office/drawing/2014/main" id="{6A428A19-1092-4D65-A2E2-D6D43EC070C0}"/>
-              </a:ext>
-            </a:extLst>
-          </p:cNvPr>
-          <p:cNvSpPr/>
-          <p:nvPr/>
-        </p:nvSpPr>
-        <p:spPr>
-          <a:xfrm>
-            <a:off x="2116121" y="1487875"/>
-            <a:ext cx="355662" cy="89255"/>
-          </a:xfrm>
-          <a:prstGeom prst="ellipse">
-            <a:avLst/>
-          </a:prstGeom>
-        </p:spPr>
-        <p:style>
-          <a:lnRef idx="2">
-            <a:schemeClr val="dk1">
-              <a:shade val="50000"/>
-            </a:schemeClr>
-          </a:lnRef>
-          <a:fillRef idx="1">
-            <a:schemeClr val="dk1"/>
-          </a:fillRef>
-          <a:effectRef idx="0">
-            <a:schemeClr val="dk1"/>
-          </a:effectRef>
-          <a:fontRef idx="minor">
-            <a:schemeClr val="lt1"/>
-          </a:fontRef>
-        </p:style>
-        <p:txBody>
-          <a:bodyPr rtlCol="0" anchor="ctr"/>
-          <a:lstStyle/>
-          <a:p>
-            <a:pPr algn="ctr"/>
-            <a:endParaRPr lang="ko-KR" altLang="en-US"/>
-          </a:p>
-        </p:txBody>
-      </p:sp>
       <p:pic>
         <p:nvPicPr>
           <p:cNvPr id="3" name="그림 2">
@@ -9258,8 +9265,104 @@
         </p:blipFill>
         <p:spPr>
           <a:xfrm flipH="1">
-            <a:off x="2257018" y="1590293"/>
+            <a:off x="2302931" y="1729086"/>
             <a:ext cx="803151" cy="766252"/>
+          </a:xfrm>
+          <a:prstGeom prst="rect">
+            <a:avLst/>
+          </a:prstGeom>
+        </p:spPr>
+      </p:pic>
+      <p:pic>
+        <p:nvPicPr>
+          <p:cNvPr id="4" name="그림 3">
+            <a:extLst>
+              <a:ext uri="{FF2B5EF4-FFF2-40B4-BE49-F238E27FC236}">
+                <a16:creationId xmlns:a16="http://schemas.microsoft.com/office/drawing/2014/main" id="{8301E624-A7CF-4E2F-AFD1-8A3FFE8756CD}"/>
+              </a:ext>
+            </a:extLst>
+          </p:cNvPr>
+          <p:cNvPicPr>
+            <a:picLocks noChangeAspect="1"/>
+          </p:cNvPicPr>
+          <p:nvPr/>
+        </p:nvPicPr>
+        <p:blipFill>
+          <a:blip r:embed="rId10">
+            <a:extLst>
+              <a:ext uri="{BEBA8EAE-BF5A-486C-A8C5-ECC9F3942E4B}">
+                <a14:imgProps xmlns:a14="http://schemas.microsoft.com/office/drawing/2010/main">
+                  <a14:imgLayer r:embed="rId11">
+                    <a14:imgEffect>
+                      <a14:backgroundRemoval t="9786" b="89602" l="7529" r="93243">
+                        <a14:foregroundMark x1="7722" y1="14373" x2="9653" y2="10703"/>
+                        <a14:foregroundMark x1="85521" y1="59633" x2="93243" y2="31498"/>
+                        <a14:foregroundMark x1="93243" y1="31498" x2="86293" y2="59633"/>
+                        <a14:foregroundMark x1="75290" y1="34557" x2="83398" y2="38838"/>
+                        <a14:foregroundMark x1="79151" y1="34557" x2="84749" y2="39755"/>
+                      </a14:backgroundRemoval>
+                    </a14:imgEffect>
+                  </a14:imgLayer>
+                </a14:imgProps>
+              </a:ext>
+            </a:extLst>
+          </a:blip>
+          <a:stretch>
+            <a:fillRect/>
+          </a:stretch>
+        </p:blipFill>
+        <p:spPr>
+          <a:xfrm>
+            <a:off x="2866423" y="1573218"/>
+            <a:ext cx="492578" cy="310952"/>
+          </a:xfrm>
+          <a:prstGeom prst="rect">
+            <a:avLst/>
+          </a:prstGeom>
+        </p:spPr>
+      </p:pic>
+      <p:pic>
+        <p:nvPicPr>
+          <p:cNvPr id="10" name="그림 9">
+            <a:extLst>
+              <a:ext uri="{FF2B5EF4-FFF2-40B4-BE49-F238E27FC236}">
+                <a16:creationId xmlns:a16="http://schemas.microsoft.com/office/drawing/2014/main" id="{C0C3A851-294B-48D3-BBA4-B7A4B216C9BD}"/>
+              </a:ext>
+            </a:extLst>
+          </p:cNvPr>
+          <p:cNvPicPr>
+            <a:picLocks noChangeAspect="1"/>
+          </p:cNvPicPr>
+          <p:nvPr/>
+        </p:nvPicPr>
+        <p:blipFill>
+          <a:blip r:embed="rId10">
+            <a:extLst>
+              <a:ext uri="{BEBA8EAE-BF5A-486C-A8C5-ECC9F3942E4B}">
+                <a14:imgProps xmlns:a14="http://schemas.microsoft.com/office/drawing/2010/main">
+                  <a14:imgLayer r:embed="rId11">
+                    <a14:imgEffect>
+                      <a14:backgroundRemoval t="9786" b="89602" l="7529" r="93243">
+                        <a14:foregroundMark x1="7722" y1="14373" x2="9653" y2="10703"/>
+                        <a14:foregroundMark x1="85521" y1="59633" x2="93243" y2="31498"/>
+                        <a14:foregroundMark x1="93243" y1="31498" x2="86293" y2="59633"/>
+                        <a14:foregroundMark x1="75290" y1="34557" x2="83398" y2="38838"/>
+                        <a14:foregroundMark x1="79151" y1="34557" x2="84749" y2="39755"/>
+                      </a14:backgroundRemoval>
+                    </a14:imgEffect>
+                  </a14:imgLayer>
+                </a14:imgProps>
+              </a:ext>
+            </a:extLst>
+          </a:blip>
+          <a:stretch>
+            <a:fillRect/>
+          </a:stretch>
+        </p:blipFill>
+        <p:spPr>
+          <a:xfrm>
+            <a:off x="2086879" y="1425780"/>
+            <a:ext cx="432103" cy="272775"/>
           </a:xfrm>
           <a:prstGeom prst="rect">
             <a:avLst/>
@@ -10082,14 +10185,14 @@
           <p:nvPr>
             <p:extLst>
               <p:ext uri="{D42A27DB-BD31-4B8C-83A1-F6EECF244321}">
-                <p14:modId xmlns:p14="http://schemas.microsoft.com/office/powerpoint/2010/main" val="1998855619"/>
+                <p14:modId xmlns:p14="http://schemas.microsoft.com/office/powerpoint/2010/main" val="2561886182"/>
               </p:ext>
             </p:extLst>
           </p:nvPr>
         </p:nvGraphicFramePr>
         <p:xfrm>
           <a:off x="5150840" y="1100722"/>
-          <a:ext cx="6692368" cy="3078480"/>
+          <a:ext cx="6692368" cy="2895600"/>
         </p:xfrm>
         <a:graphic>
           <a:graphicData uri="http://schemas.openxmlformats.org/drawingml/2006/table">
@@ -10493,9 +10596,18 @@
                     <a:p>
                       <a:pPr algn="l" latinLnBrk="1"/>
                       <a:r>
-                        <a:rPr lang="ko-KR" altLang="en-US" sz="1000" dirty="0"/>
-                        <a:t>구멍</a:t>
+                        <a:rPr lang="ko-KR" altLang="en-US" sz="1000" dirty="0" err="1">
+                          <a:highlight>
+                            <a:srgbClr val="00FFFF"/>
+                          </a:highlight>
+                        </a:rPr>
+                        <a:t>곰덫</a:t>
                       </a:r>
+                      <a:endParaRPr lang="ko-KR" altLang="en-US" sz="1000" dirty="0">
+                        <a:highlight>
+                          <a:srgbClr val="00FFFF"/>
+                        </a:highlight>
+                      </a:endParaRPr>
                     </a:p>
                   </a:txBody>
                   <a:tcPr anchor="ctr"/>
@@ -10523,53 +10635,26 @@
                         <a:defRPr/>
                       </a:pPr>
                       <a:r>
-                        <a:rPr lang="ko-KR" altLang="en-US" sz="1000" dirty="0"/>
-                        <a:t>기름 웅덩이를 연상 시키는 구멍이며 그라운드 오브젝트</a:t>
+                        <a:rPr lang="ko-KR" altLang="en-US" sz="1000" dirty="0">
+                          <a:highlight>
+                            <a:srgbClr val="00FFFF"/>
+                          </a:highlight>
+                        </a:rPr>
+                        <a:t>사용자의 이동을 방해하는 </a:t>
                       </a:r>
                       <a:r>
-                        <a:rPr lang="en-US" altLang="ko-KR" sz="1000" dirty="0"/>
-                        <a:t>(</a:t>
+                        <a:rPr lang="ko-KR" altLang="en-US" sz="1000" dirty="0" err="1">
+                          <a:highlight>
+                            <a:srgbClr val="00FFFF"/>
+                          </a:highlight>
+                        </a:rPr>
+                        <a:t>곰덫</a:t>
                       </a:r>
-                      <a:r>
-                        <a:rPr lang="ko-KR" altLang="en-US" sz="1000" dirty="0" err="1"/>
-                        <a:t>알피지</a:t>
-                      </a:r>
-                      <a:r>
-                        <a:rPr lang="ko-KR" altLang="en-US" sz="1000" dirty="0"/>
-                        <a:t> 게임에서 장판 형태</a:t>
-                      </a:r>
-                      <a:r>
-                        <a:rPr lang="en-US" altLang="ko-KR" sz="1000" dirty="0"/>
-                        <a:t>)</a:t>
-                      </a:r>
-                    </a:p>
-                    <a:p>
-                      <a:pPr marL="0" marR="0" lvl="0" indent="0" algn="l" defTabSz="914400" rtl="0" eaLnBrk="1" fontAlgn="auto" latinLnBrk="1" hangingPunct="1">
-                        <a:lnSpc>
-                          <a:spcPct val="100000"/>
-                        </a:lnSpc>
-                        <a:spcBef>
-                          <a:spcPts val="0"/>
-                        </a:spcBef>
-                        <a:spcAft>
-                          <a:spcPts val="0"/>
-                        </a:spcAft>
-                        <a:buClrTx/>
-                        <a:buSzTx/>
-                        <a:buFontTx/>
-                        <a:buNone/>
-                        <a:tabLst/>
-                        <a:defRPr/>
-                      </a:pPr>
-                      <a:r>
-                        <a:rPr lang="ko-KR" altLang="en-US" sz="1000" dirty="0"/>
-                        <a:t>사용자가 피격 시 사용자는 데미지를 입는다</a:t>
-                      </a:r>
-                      <a:r>
-                        <a:rPr lang="en-US" altLang="ko-KR" sz="1000" dirty="0"/>
-                        <a:t>.</a:t>
-                      </a:r>
-                      <a:endParaRPr lang="ko-KR" altLang="en-US" sz="1000" dirty="0"/>
+                      <a:endParaRPr lang="ko-KR" altLang="en-US" sz="1000" dirty="0">
+                        <a:highlight>
+                          <a:srgbClr val="00FFFF"/>
+                        </a:highlight>
+                      </a:endParaRPr>
                     </a:p>
                   </a:txBody>
                   <a:tcPr anchor="ctr"/>
@@ -10942,98 +11027,6 @@
       </p:pic>
       <p:sp>
         <p:nvSpPr>
-          <p:cNvPr id="32" name="타원 31">
-            <a:extLst>
-              <a:ext uri="{FF2B5EF4-FFF2-40B4-BE49-F238E27FC236}">
-                <a16:creationId xmlns:a16="http://schemas.microsoft.com/office/drawing/2014/main" id="{B194D8D7-5481-47C2-B56E-7ABFF6B87D59}"/>
-              </a:ext>
-            </a:extLst>
-          </p:cNvPr>
-          <p:cNvSpPr/>
-          <p:nvPr/>
-        </p:nvSpPr>
-        <p:spPr>
-          <a:xfrm>
-            <a:off x="2910101" y="1712179"/>
-            <a:ext cx="494950" cy="124210"/>
-          </a:xfrm>
-          <a:prstGeom prst="ellipse">
-            <a:avLst/>
-          </a:prstGeom>
-        </p:spPr>
-        <p:style>
-          <a:lnRef idx="2">
-            <a:schemeClr val="dk1">
-              <a:shade val="50000"/>
-            </a:schemeClr>
-          </a:lnRef>
-          <a:fillRef idx="1">
-            <a:schemeClr val="dk1"/>
-          </a:fillRef>
-          <a:effectRef idx="0">
-            <a:schemeClr val="dk1"/>
-          </a:effectRef>
-          <a:fontRef idx="minor">
-            <a:schemeClr val="lt1"/>
-          </a:fontRef>
-        </p:style>
-        <p:txBody>
-          <a:bodyPr rtlCol="0" anchor="ctr"/>
-          <a:lstStyle/>
-          <a:p>
-            <a:pPr algn="ctr"/>
-            <a:endParaRPr lang="ko-KR" altLang="en-US"/>
-          </a:p>
-        </p:txBody>
-      </p:sp>
-      <p:sp>
-        <p:nvSpPr>
-          <p:cNvPr id="33" name="타원 32">
-            <a:extLst>
-              <a:ext uri="{FF2B5EF4-FFF2-40B4-BE49-F238E27FC236}">
-                <a16:creationId xmlns:a16="http://schemas.microsoft.com/office/drawing/2014/main" id="{C099B5EF-5D26-459D-BEA0-569118E90F9E}"/>
-              </a:ext>
-            </a:extLst>
-          </p:cNvPr>
-          <p:cNvSpPr/>
-          <p:nvPr/>
-        </p:nvSpPr>
-        <p:spPr>
-          <a:xfrm>
-            <a:off x="2047531" y="1657512"/>
-            <a:ext cx="355662" cy="89255"/>
-          </a:xfrm>
-          <a:prstGeom prst="ellipse">
-            <a:avLst/>
-          </a:prstGeom>
-        </p:spPr>
-        <p:style>
-          <a:lnRef idx="2">
-            <a:schemeClr val="dk1">
-              <a:shade val="50000"/>
-            </a:schemeClr>
-          </a:lnRef>
-          <a:fillRef idx="1">
-            <a:schemeClr val="dk1"/>
-          </a:fillRef>
-          <a:effectRef idx="0">
-            <a:schemeClr val="dk1"/>
-          </a:effectRef>
-          <a:fontRef idx="minor">
-            <a:schemeClr val="lt1"/>
-          </a:fontRef>
-        </p:style>
-        <p:txBody>
-          <a:bodyPr rtlCol="0" anchor="ctr"/>
-          <a:lstStyle/>
-          <a:p>
-            <a:pPr algn="ctr"/>
-            <a:endParaRPr lang="ko-KR" altLang="en-US"/>
-          </a:p>
-        </p:txBody>
-      </p:sp>
-      <p:sp>
-        <p:nvSpPr>
           <p:cNvPr id="35" name="사각형: 둥근 모서리 34">
             <a:extLst>
               <a:ext uri="{FF2B5EF4-FFF2-40B4-BE49-F238E27FC236}">
@@ -11254,8 +11247,8 @@
         </p:nvSpPr>
         <p:spPr>
           <a:xfrm>
-            <a:off x="2004969" y="1575503"/>
-            <a:ext cx="1437876" cy="295242"/>
+            <a:off x="2004969" y="1469450"/>
+            <a:ext cx="1437876" cy="401295"/>
           </a:xfrm>
           <a:prstGeom prst="roundRect">
             <a:avLst>
@@ -11952,6 +11945,102 @@
           <a:xfrm flipH="1">
             <a:off x="2257018" y="1590293"/>
             <a:ext cx="803151" cy="766252"/>
+          </a:xfrm>
+          <a:prstGeom prst="rect">
+            <a:avLst/>
+          </a:prstGeom>
+        </p:spPr>
+      </p:pic>
+      <p:pic>
+        <p:nvPicPr>
+          <p:cNvPr id="3" name="그림 2">
+            <a:extLst>
+              <a:ext uri="{FF2B5EF4-FFF2-40B4-BE49-F238E27FC236}">
+                <a16:creationId xmlns:a16="http://schemas.microsoft.com/office/drawing/2014/main" id="{C3B06F09-CA0C-47BB-BFF1-03AA5C3C0191}"/>
+              </a:ext>
+            </a:extLst>
+          </p:cNvPr>
+          <p:cNvPicPr>
+            <a:picLocks noChangeAspect="1"/>
+          </p:cNvPicPr>
+          <p:nvPr/>
+        </p:nvPicPr>
+        <p:blipFill>
+          <a:blip r:embed="rId9">
+            <a:extLst>
+              <a:ext uri="{BEBA8EAE-BF5A-486C-A8C5-ECC9F3942E4B}">
+                <a14:imgProps xmlns:a14="http://schemas.microsoft.com/office/drawing/2010/main">
+                  <a14:imgLayer r:embed="rId10">
+                    <a14:imgEffect>
+                      <a14:backgroundRemoval t="9786" b="89602" l="7529" r="93243">
+                        <a14:foregroundMark x1="7722" y1="14373" x2="9653" y2="10703"/>
+                        <a14:foregroundMark x1="85521" y1="59633" x2="93243" y2="31498"/>
+                        <a14:foregroundMark x1="93243" y1="31498" x2="86293" y2="59633"/>
+                        <a14:foregroundMark x1="75290" y1="34557" x2="83398" y2="38838"/>
+                        <a14:foregroundMark x1="79151" y1="34557" x2="84749" y2="39755"/>
+                      </a14:backgroundRemoval>
+                    </a14:imgEffect>
+                  </a14:imgLayer>
+                </a14:imgProps>
+              </a:ext>
+            </a:extLst>
+          </a:blip>
+          <a:stretch>
+            <a:fillRect/>
+          </a:stretch>
+        </p:blipFill>
+        <p:spPr>
+          <a:xfrm>
+            <a:off x="2866423" y="1573218"/>
+            <a:ext cx="492578" cy="310952"/>
+          </a:xfrm>
+          <a:prstGeom prst="rect">
+            <a:avLst/>
+          </a:prstGeom>
+        </p:spPr>
+      </p:pic>
+      <p:pic>
+        <p:nvPicPr>
+          <p:cNvPr id="4" name="그림 3">
+            <a:extLst>
+              <a:ext uri="{FF2B5EF4-FFF2-40B4-BE49-F238E27FC236}">
+                <a16:creationId xmlns:a16="http://schemas.microsoft.com/office/drawing/2014/main" id="{1D58CF5F-A495-488A-878E-9B1B7650C9B7}"/>
+              </a:ext>
+            </a:extLst>
+          </p:cNvPr>
+          <p:cNvPicPr>
+            <a:picLocks noChangeAspect="1"/>
+          </p:cNvPicPr>
+          <p:nvPr/>
+        </p:nvPicPr>
+        <p:blipFill>
+          <a:blip r:embed="rId9">
+            <a:extLst>
+              <a:ext uri="{BEBA8EAE-BF5A-486C-A8C5-ECC9F3942E4B}">
+                <a14:imgProps xmlns:a14="http://schemas.microsoft.com/office/drawing/2010/main">
+                  <a14:imgLayer r:embed="rId10">
+                    <a14:imgEffect>
+                      <a14:backgroundRemoval t="9786" b="89602" l="7529" r="93243">
+                        <a14:foregroundMark x1="7722" y1="14373" x2="9653" y2="10703"/>
+                        <a14:foregroundMark x1="85521" y1="59633" x2="93243" y2="31498"/>
+                        <a14:foregroundMark x1="93243" y1="31498" x2="86293" y2="59633"/>
+                        <a14:foregroundMark x1="75290" y1="34557" x2="83398" y2="38838"/>
+                        <a14:foregroundMark x1="79151" y1="34557" x2="84749" y2="39755"/>
+                      </a14:backgroundRemoval>
+                    </a14:imgEffect>
+                  </a14:imgLayer>
+                </a14:imgProps>
+              </a:ext>
+            </a:extLst>
+          </a:blip>
+          <a:stretch>
+            <a:fillRect/>
+          </a:stretch>
+        </p:blipFill>
+        <p:spPr>
+          <a:xfrm>
+            <a:off x="2086879" y="1425780"/>
+            <a:ext cx="432103" cy="272775"/>
           </a:xfrm>
           <a:prstGeom prst="rect">
             <a:avLst/>
@@ -13587,7 +13676,7 @@
           <p:nvPr>
             <p:extLst>
               <p:ext uri="{D42A27DB-BD31-4B8C-83A1-F6EECF244321}">
-                <p14:modId xmlns:p14="http://schemas.microsoft.com/office/powerpoint/2010/main" val="2598015271"/>
+                <p14:modId xmlns:p14="http://schemas.microsoft.com/office/powerpoint/2010/main" val="1600243912"/>
               </p:ext>
             </p:extLst>
           </p:nvPr>
@@ -13866,7 +13955,7 @@
                       </a:r>
                       <a:r>
                         <a:rPr lang="ko-KR" altLang="en-US" sz="1000" dirty="0"/>
-                        <a:t> 스토어의 리소스를 활용하며 없다면</a:t>
+                        <a:t> 스토어의 리소스를 활용하며 없다면 </a:t>
                       </a:r>
                       <a:r>
                         <a:rPr lang="en-US" altLang="ko-KR" sz="1000" dirty="0" err="1"/>
@@ -14682,6 +14771,137 @@
 </p:sld>
 </file>
 
+<file path=ppt/slides/slide15.xml><?xml version="1.0" encoding="utf-8"?>
+<p:sld xmlns:a="http://schemas.openxmlformats.org/drawingml/2006/main" xmlns:r="http://schemas.openxmlformats.org/officeDocument/2006/relationships" xmlns:p="http://schemas.openxmlformats.org/presentationml/2006/main">
+  <p:cSld>
+    <p:spTree>
+      <p:nvGrpSpPr>
+        <p:cNvPr id="1" name=""/>
+        <p:cNvGrpSpPr/>
+        <p:nvPr/>
+      </p:nvGrpSpPr>
+      <p:grpSpPr>
+        <a:xfrm>
+          <a:off x="0" y="0"/>
+          <a:ext cx="0" cy="0"/>
+          <a:chOff x="0" y="0"/>
+          <a:chExt cx="0" cy="0"/>
+        </a:xfrm>
+      </p:grpSpPr>
+      <p:sp>
+        <p:nvSpPr>
+          <p:cNvPr id="3" name="TextBox 2">
+            <a:extLst>
+              <a:ext uri="{FF2B5EF4-FFF2-40B4-BE49-F238E27FC236}">
+                <a16:creationId xmlns:a16="http://schemas.microsoft.com/office/drawing/2014/main" id="{57F15499-F847-4B7C-A35E-36B9FCBA7FA5}"/>
+              </a:ext>
+            </a:extLst>
+          </p:cNvPr>
+          <p:cNvSpPr txBox="1"/>
+          <p:nvPr/>
+        </p:nvSpPr>
+        <p:spPr>
+          <a:xfrm>
+            <a:off x="0" y="2413337"/>
+            <a:ext cx="12192000" cy="1015663"/>
+          </a:xfrm>
+          <a:prstGeom prst="rect">
+            <a:avLst/>
+          </a:prstGeom>
+          <a:noFill/>
+        </p:spPr>
+        <p:txBody>
+          <a:bodyPr wrap="square" rtlCol="0">
+            <a:spAutoFit/>
+          </a:bodyPr>
+          <a:lstStyle/>
+          <a:p>
+            <a:pPr algn="ctr" defTabSz="540000"/>
+            <a:r>
+              <a:rPr lang="ko-KR" altLang="en-US" sz="6000" b="1" dirty="0" err="1">
+                <a:solidFill>
+                  <a:srgbClr val="002060"/>
+                </a:solidFill>
+                <a:latin typeface="휴먼엑스포" panose="02030504000101010101" pitchFamily="18" charset="-127"/>
+                <a:ea typeface="휴먼엑스포" panose="02030504000101010101" pitchFamily="18" charset="-127"/>
+              </a:rPr>
+              <a:t>조이런</a:t>
+            </a:r>
+            <a:r>
+              <a:rPr lang="ko-KR" altLang="en-US" sz="6000" b="1" dirty="0">
+                <a:solidFill>
+                  <a:srgbClr val="002060"/>
+                </a:solidFill>
+                <a:latin typeface="휴먼엑스포" panose="02030504000101010101" pitchFamily="18" charset="-127"/>
+                <a:ea typeface="휴먼엑스포" panose="02030504000101010101" pitchFamily="18" charset="-127"/>
+              </a:rPr>
+              <a:t> 개선 사항</a:t>
+            </a:r>
+            <a:endParaRPr lang="en-US" altLang="ko-KR" sz="6000" b="1" dirty="0">
+              <a:solidFill>
+                <a:srgbClr val="002060"/>
+              </a:solidFill>
+              <a:latin typeface="휴먼엑스포" panose="02030504000101010101" pitchFamily="18" charset="-127"/>
+              <a:ea typeface="휴먼엑스포" panose="02030504000101010101" pitchFamily="18" charset="-127"/>
+            </a:endParaRPr>
+          </a:p>
+        </p:txBody>
+      </p:sp>
+      <p:sp>
+        <p:nvSpPr>
+          <p:cNvPr id="4" name="슬라이드 번호 개체 틀 2">
+            <a:extLst>
+              <a:ext uri="{FF2B5EF4-FFF2-40B4-BE49-F238E27FC236}">
+                <a16:creationId xmlns:a16="http://schemas.microsoft.com/office/drawing/2014/main" id="{B7101805-5FFB-4477-8F97-DABD1B395D96}"/>
+              </a:ext>
+            </a:extLst>
+          </p:cNvPr>
+          <p:cNvSpPr>
+            <a:spLocks noGrp="1"/>
+          </p:cNvSpPr>
+          <p:nvPr>
+            <p:ph type="sldNum" sz="quarter" idx="12"/>
+          </p:nvPr>
+        </p:nvSpPr>
+        <p:spPr>
+          <a:xfrm>
+            <a:off x="8610600" y="6356350"/>
+            <a:ext cx="2743200" cy="365125"/>
+          </a:xfrm>
+        </p:spPr>
+        <p:txBody>
+          <a:bodyPr/>
+          <a:lstStyle/>
+          <a:p>
+            <a:fld id="{A8E1BB39-725C-444B-809E-419522618855}" type="slidenum">
+              <a:rPr lang="ko-KR" altLang="en-US" b="1" smtClean="0">
+                <a:solidFill>
+                  <a:schemeClr val="bg1"/>
+                </a:solidFill>
+              </a:rPr>
+              <a:t>15</a:t>
+            </a:fld>
+            <a:endParaRPr lang="ko-KR" altLang="en-US" b="1" dirty="0">
+              <a:solidFill>
+                <a:schemeClr val="bg1"/>
+              </a:solidFill>
+            </a:endParaRPr>
+          </a:p>
+        </p:txBody>
+      </p:sp>
+    </p:spTree>
+    <p:extLst>
+      <p:ext uri="{BB962C8B-B14F-4D97-AF65-F5344CB8AC3E}">
+        <p14:creationId xmlns:p14="http://schemas.microsoft.com/office/powerpoint/2010/main" val="3888310543"/>
+      </p:ext>
+    </p:extLst>
+  </p:cSld>
+  <p:clrMapOvr>
+    <a:masterClrMapping/>
+  </p:clrMapOvr>
+</p:sld>
+</file>
+
 <file path=ppt/slides/slide2.xml><?xml version="1.0" encoding="utf-8"?>
 <p:sld xmlns:a="http://schemas.openxmlformats.org/drawingml/2006/main" xmlns:r="http://schemas.openxmlformats.org/officeDocument/2006/relationships" xmlns:p="http://schemas.openxmlformats.org/presentationml/2006/main">
   <p:cSld>
@@ -15408,14 +15628,14 @@
           <p:nvPr>
             <p:extLst>
               <p:ext uri="{D42A27DB-BD31-4B8C-83A1-F6EECF244321}">
-                <p14:modId xmlns:p14="http://schemas.microsoft.com/office/powerpoint/2010/main" val="3040861851"/>
+                <p14:modId xmlns:p14="http://schemas.microsoft.com/office/powerpoint/2010/main" val="1692680022"/>
               </p:ext>
             </p:extLst>
           </p:nvPr>
         </p:nvGraphicFramePr>
         <p:xfrm>
           <a:off x="301874" y="886687"/>
-          <a:ext cx="11541336" cy="1249680"/>
+          <a:ext cx="11541336" cy="1493520"/>
         </p:xfrm>
         <a:graphic>
           <a:graphicData uri="http://schemas.openxmlformats.org/drawingml/2006/table">
@@ -15732,6 +15952,90 @@
                 <a:extLst>
                   <a:ext uri="{0D108BD9-81ED-4DB2-BD59-A6C34878D82A}">
                     <a16:rowId xmlns:a16="http://schemas.microsoft.com/office/drawing/2014/main" val="171180169"/>
+                  </a:ext>
+                </a:extLst>
+              </a:tr>
+              <a:tr h="0">
+                <a:tc>
+                  <a:txBody>
+                    <a:bodyPr/>
+                    <a:lstStyle/>
+                    <a:p>
+                      <a:pPr algn="ctr" latinLnBrk="1"/>
+                      <a:r>
+                        <a:rPr lang="en-US" altLang="ko-KR" sz="1000" dirty="0"/>
+                        <a:t>2020.08.19</a:t>
+                      </a:r>
+                      <a:endParaRPr lang="ko-KR" altLang="en-US" sz="1000" dirty="0"/>
+                    </a:p>
+                  </a:txBody>
+                  <a:tcPr anchor="ctr"/>
+                </a:tc>
+                <a:tc>
+                  <a:txBody>
+                    <a:bodyPr/>
+                    <a:lstStyle/>
+                    <a:p>
+                      <a:pPr algn="ctr" latinLnBrk="1"/>
+                      <a:r>
+                        <a:rPr lang="ko-KR" altLang="en-US" sz="1000" dirty="0"/>
+                        <a:t>문상윤</a:t>
+                      </a:r>
+                      <a:endParaRPr lang="en-US" altLang="ko-KR" sz="1000" dirty="0"/>
+                    </a:p>
+                  </a:txBody>
+                  <a:tcPr anchor="ctr"/>
+                </a:tc>
+                <a:tc>
+                  <a:txBody>
+                    <a:bodyPr/>
+                    <a:lstStyle/>
+                    <a:p>
+                      <a:pPr algn="ctr" latinLnBrk="1"/>
+                      <a:r>
+                        <a:rPr lang="ko-KR" altLang="en-US" sz="1000" dirty="0">
+                          <a:highlight>
+                            <a:srgbClr val="00FFFF"/>
+                          </a:highlight>
+                        </a:rPr>
+                        <a:t>기름 웅덩이 </a:t>
+                      </a:r>
+                      <a:r>
+                        <a:rPr lang="en-US" altLang="ko-KR" sz="1000" dirty="0">
+                          <a:highlight>
+                            <a:srgbClr val="00FFFF"/>
+                          </a:highlight>
+                        </a:rPr>
+                        <a:t>&gt; </a:t>
+                      </a:r>
+                      <a:r>
+                        <a:rPr lang="ko-KR" altLang="en-US" sz="1000" dirty="0" err="1">
+                          <a:highlight>
+                            <a:srgbClr val="00FFFF"/>
+                          </a:highlight>
+                        </a:rPr>
+                        <a:t>곰덫으로</a:t>
+                      </a:r>
+                      <a:r>
+                        <a:rPr lang="ko-KR" altLang="en-US" sz="1000" dirty="0">
+                          <a:highlight>
+                            <a:srgbClr val="00FFFF"/>
+                          </a:highlight>
+                        </a:rPr>
+                        <a:t> 수정</a:t>
+                      </a:r>
+                      <a:endParaRPr lang="en-US" altLang="ko-KR" sz="1000" dirty="0">
+                        <a:highlight>
+                          <a:srgbClr val="00FFFF"/>
+                        </a:highlight>
+                      </a:endParaRPr>
+                    </a:p>
+                  </a:txBody>
+                  <a:tcPr marL="0" marR="0" marT="0" marB="0" anchor="ctr"/>
+                </a:tc>
+                <a:extLst>
+                  <a:ext uri="{0D108BD9-81ED-4DB2-BD59-A6C34878D82A}">
+                    <a16:rowId xmlns:a16="http://schemas.microsoft.com/office/drawing/2014/main" val="3727131737"/>
                   </a:ext>
                 </a:extLst>
               </a:tr>

--- a/docs/[JoyFitness] 전시회용 미니 게임_JoyRun.pptx
+++ b/docs/[JoyFitness] 전시회용 미니 게임_JoyRun.pptx
@@ -5,7 +5,7 @@
     <p:sldMasterId id="2147483648" r:id="rId1"/>
   </p:sldMasterIdLst>
   <p:notesMasterIdLst>
-    <p:notesMasterId r:id="rId17"/>
+    <p:notesMasterId r:id="rId18"/>
   </p:notesMasterIdLst>
   <p:sldIdLst>
     <p:sldId id="258" r:id="rId2"/>
@@ -23,6 +23,7 @@
     <p:sldId id="725" r:id="rId14"/>
     <p:sldId id="726" r:id="rId15"/>
     <p:sldId id="727" r:id="rId16"/>
+    <p:sldId id="728" r:id="rId17"/>
   </p:sldIdLst>
   <p:sldSz cx="12192000" cy="6858000"/>
   <p:notesSz cx="6802438" cy="9934575"/>
@@ -14902,6 +14903,801 @@
 </p:sld>
 </file>
 
+<file path=ppt/slides/slide16.xml><?xml version="1.0" encoding="utf-8"?>
+<p:sld xmlns:a="http://schemas.openxmlformats.org/drawingml/2006/main" xmlns:r="http://schemas.openxmlformats.org/officeDocument/2006/relationships" xmlns:p="http://schemas.openxmlformats.org/presentationml/2006/main">
+  <p:cSld>
+    <p:spTree>
+      <p:nvGrpSpPr>
+        <p:cNvPr id="1" name=""/>
+        <p:cNvGrpSpPr/>
+        <p:nvPr/>
+      </p:nvGrpSpPr>
+      <p:grpSpPr>
+        <a:xfrm>
+          <a:off x="0" y="0"/>
+          <a:ext cx="0" cy="0"/>
+          <a:chOff x="0" y="0"/>
+          <a:chExt cx="0" cy="0"/>
+        </a:xfrm>
+      </p:grpSpPr>
+      <p:grpSp>
+        <p:nvGrpSpPr>
+          <p:cNvPr id="3" name="Group 40">
+            <a:extLst>
+              <a:ext uri="{FF2B5EF4-FFF2-40B4-BE49-F238E27FC236}">
+                <a16:creationId xmlns:a16="http://schemas.microsoft.com/office/drawing/2014/main" id="{677032EF-99F4-482D-9B5D-992B94327128}"/>
+              </a:ext>
+            </a:extLst>
+          </p:cNvPr>
+          <p:cNvGrpSpPr/>
+          <p:nvPr/>
+        </p:nvGrpSpPr>
+        <p:grpSpPr>
+          <a:xfrm>
+            <a:off x="301874" y="273668"/>
+            <a:ext cx="11541336" cy="383818"/>
+            <a:chOff x="301874" y="234760"/>
+            <a:chExt cx="11541336" cy="383818"/>
+          </a:xfrm>
+        </p:grpSpPr>
+        <p:sp>
+          <p:nvSpPr>
+            <p:cNvPr id="5" name="Freeform 41">
+              <a:extLst>
+                <a:ext uri="{FF2B5EF4-FFF2-40B4-BE49-F238E27FC236}">
+                  <a16:creationId xmlns:a16="http://schemas.microsoft.com/office/drawing/2014/main" id="{6BE64D5E-B142-4F91-B37B-43FEDA7D386B}"/>
+                </a:ext>
+              </a:extLst>
+            </p:cNvPr>
+            <p:cNvSpPr/>
+            <p:nvPr/>
+          </p:nvSpPr>
+          <p:spPr>
+            <a:xfrm>
+              <a:off x="7417261" y="234760"/>
+              <a:ext cx="4425949" cy="380367"/>
+            </a:xfrm>
+            <a:custGeom>
+              <a:avLst/>
+              <a:gdLst>
+                <a:gd name="connsiteX0" fmla="*/ 0 w 4425949"/>
+                <a:gd name="connsiteY0" fmla="*/ 362367 h 380367"/>
+                <a:gd name="connsiteX1" fmla="*/ 4425949 w 4425949"/>
+                <a:gd name="connsiteY1" fmla="*/ 362367 h 380367"/>
+                <a:gd name="connsiteX2" fmla="*/ 4425949 w 4425949"/>
+                <a:gd name="connsiteY2" fmla="*/ 380367 h 380367"/>
+                <a:gd name="connsiteX3" fmla="*/ 0 w 4425949"/>
+                <a:gd name="connsiteY3" fmla="*/ 380367 h 380367"/>
+                <a:gd name="connsiteX4" fmla="*/ 4425949 w 4425949"/>
+                <a:gd name="connsiteY4" fmla="*/ 0 h 380367"/>
+                <a:gd name="connsiteX5" fmla="*/ 4425949 w 4425949"/>
+                <a:gd name="connsiteY5" fmla="*/ 293520 h 380367"/>
+                <a:gd name="connsiteX6" fmla="*/ 4425949 w 4425949"/>
+                <a:gd name="connsiteY6" fmla="*/ 293744 h 380367"/>
+                <a:gd name="connsiteX7" fmla="*/ 4425949 w 4425949"/>
+                <a:gd name="connsiteY7" fmla="*/ 347593 h 380367"/>
+                <a:gd name="connsiteX8" fmla="*/ 0 w 4425949"/>
+                <a:gd name="connsiteY8" fmla="*/ 347593 h 380367"/>
+                <a:gd name="connsiteX9" fmla="*/ 0 w 4425949"/>
+                <a:gd name="connsiteY9" fmla="*/ 293520 h 380367"/>
+                <a:gd name="connsiteX10" fmla="*/ 3445935 w 4425949"/>
+                <a:gd name="connsiteY10" fmla="*/ 293520 h 380367"/>
+                <a:gd name="connsiteX11" fmla="*/ 3445935 w 4425949"/>
+                <a:gd name="connsiteY11" fmla="*/ 248864 h 380367"/>
+                <a:gd name="connsiteX12" fmla="*/ 3509866 w 4425949"/>
+                <a:gd name="connsiteY12" fmla="*/ 235234 h 380367"/>
+                <a:gd name="connsiteX13" fmla="*/ 3509866 w 4425949"/>
+                <a:gd name="connsiteY13" fmla="*/ 293520 h 380367"/>
+                <a:gd name="connsiteX14" fmla="*/ 3547532 w 4425949"/>
+                <a:gd name="connsiteY14" fmla="*/ 293520 h 380367"/>
+                <a:gd name="connsiteX15" fmla="*/ 3547532 w 4425949"/>
+                <a:gd name="connsiteY15" fmla="*/ 220885 h 380367"/>
+                <a:gd name="connsiteX16" fmla="*/ 3613149 w 4425949"/>
+                <a:gd name="connsiteY16" fmla="*/ 206896 h 380367"/>
+                <a:gd name="connsiteX17" fmla="*/ 3613149 w 4425949"/>
+                <a:gd name="connsiteY17" fmla="*/ 293520 h 380367"/>
+                <a:gd name="connsiteX18" fmla="*/ 3649132 w 4425949"/>
+                <a:gd name="connsiteY18" fmla="*/ 293520 h 380367"/>
+                <a:gd name="connsiteX19" fmla="*/ 3649132 w 4425949"/>
+                <a:gd name="connsiteY19" fmla="*/ 192906 h 380367"/>
+                <a:gd name="connsiteX20" fmla="*/ 3714749 w 4425949"/>
+                <a:gd name="connsiteY20" fmla="*/ 178916 h 380367"/>
+                <a:gd name="connsiteX21" fmla="*/ 3714749 w 4425949"/>
+                <a:gd name="connsiteY21" fmla="*/ 293520 h 380367"/>
+                <a:gd name="connsiteX22" fmla="*/ 3750732 w 4425949"/>
+                <a:gd name="connsiteY22" fmla="*/ 293520 h 380367"/>
+                <a:gd name="connsiteX23" fmla="*/ 3750732 w 4425949"/>
+                <a:gd name="connsiteY23" fmla="*/ 164928 h 380367"/>
+                <a:gd name="connsiteX24" fmla="*/ 3814665 w 4425949"/>
+                <a:gd name="connsiteY24" fmla="*/ 151298 h 380367"/>
+                <a:gd name="connsiteX25" fmla="*/ 3814665 w 4425949"/>
+                <a:gd name="connsiteY25" fmla="*/ 293520 h 380367"/>
+                <a:gd name="connsiteX26" fmla="*/ 3852332 w 4425949"/>
+                <a:gd name="connsiteY26" fmla="*/ 293520 h 380367"/>
+                <a:gd name="connsiteX27" fmla="*/ 3852332 w 4425949"/>
+                <a:gd name="connsiteY27" fmla="*/ 136949 h 380367"/>
+                <a:gd name="connsiteX28" fmla="*/ 3916265 w 4425949"/>
+                <a:gd name="connsiteY28" fmla="*/ 123319 h 380367"/>
+                <a:gd name="connsiteX29" fmla="*/ 3916265 w 4425949"/>
+                <a:gd name="connsiteY29" fmla="*/ 293520 h 380367"/>
+                <a:gd name="connsiteX30" fmla="*/ 3953932 w 4425949"/>
+                <a:gd name="connsiteY30" fmla="*/ 293520 h 380367"/>
+                <a:gd name="connsiteX31" fmla="*/ 3953932 w 4425949"/>
+                <a:gd name="connsiteY31" fmla="*/ 108971 h 380367"/>
+                <a:gd name="connsiteX32" fmla="*/ 4019549 w 4425949"/>
+                <a:gd name="connsiteY32" fmla="*/ 94981 h 380367"/>
+                <a:gd name="connsiteX33" fmla="*/ 4019549 w 4425949"/>
+                <a:gd name="connsiteY33" fmla="*/ 293520 h 380367"/>
+                <a:gd name="connsiteX34" fmla="*/ 4055532 w 4425949"/>
+                <a:gd name="connsiteY34" fmla="*/ 293520 h 380367"/>
+                <a:gd name="connsiteX35" fmla="*/ 4055532 w 4425949"/>
+                <a:gd name="connsiteY35" fmla="*/ 80992 h 380367"/>
+                <a:gd name="connsiteX36" fmla="*/ 4121149 w 4425949"/>
+                <a:gd name="connsiteY36" fmla="*/ 67002 h 380367"/>
+                <a:gd name="connsiteX37" fmla="*/ 4121149 w 4425949"/>
+                <a:gd name="connsiteY37" fmla="*/ 293520 h 380367"/>
+                <a:gd name="connsiteX38" fmla="*/ 4157132 w 4425949"/>
+                <a:gd name="connsiteY38" fmla="*/ 293520 h 380367"/>
+                <a:gd name="connsiteX39" fmla="*/ 4157132 w 4425949"/>
+                <a:gd name="connsiteY39" fmla="*/ 53011 h 380367"/>
+                <a:gd name="connsiteX40" fmla="*/ 4222749 w 4425949"/>
+                <a:gd name="connsiteY40" fmla="*/ 39022 h 380367"/>
+                <a:gd name="connsiteX41" fmla="*/ 4222749 w 4425949"/>
+                <a:gd name="connsiteY41" fmla="*/ 293520 h 380367"/>
+                <a:gd name="connsiteX42" fmla="*/ 4258732 w 4425949"/>
+                <a:gd name="connsiteY42" fmla="*/ 293520 h 380367"/>
+                <a:gd name="connsiteX43" fmla="*/ 4258732 w 4425949"/>
+                <a:gd name="connsiteY43" fmla="*/ 25034 h 380367"/>
+                <a:gd name="connsiteX44" fmla="*/ 4324349 w 4425949"/>
+                <a:gd name="connsiteY44" fmla="*/ 11044 h 380367"/>
+                <a:gd name="connsiteX45" fmla="*/ 4324349 w 4425949"/>
+                <a:gd name="connsiteY45" fmla="*/ 293520 h 380367"/>
+                <a:gd name="connsiteX46" fmla="*/ 4360332 w 4425949"/>
+                <a:gd name="connsiteY46" fmla="*/ 293520 h 380367"/>
+                <a:gd name="connsiteX47" fmla="*/ 4360332 w 4425949"/>
+                <a:gd name="connsiteY47" fmla="*/ 2967 h 380367"/>
+              </a:gdLst>
+              <a:ahLst/>
+              <a:cxnLst>
+                <a:cxn ang="0">
+                  <a:pos x="connsiteX0" y="connsiteY0"/>
+                </a:cxn>
+                <a:cxn ang="0">
+                  <a:pos x="connsiteX1" y="connsiteY1"/>
+                </a:cxn>
+                <a:cxn ang="0">
+                  <a:pos x="connsiteX2" y="connsiteY2"/>
+                </a:cxn>
+                <a:cxn ang="0">
+                  <a:pos x="connsiteX3" y="connsiteY3"/>
+                </a:cxn>
+                <a:cxn ang="0">
+                  <a:pos x="connsiteX4" y="connsiteY4"/>
+                </a:cxn>
+                <a:cxn ang="0">
+                  <a:pos x="connsiteX5" y="connsiteY5"/>
+                </a:cxn>
+                <a:cxn ang="0">
+                  <a:pos x="connsiteX6" y="connsiteY6"/>
+                </a:cxn>
+                <a:cxn ang="0">
+                  <a:pos x="connsiteX7" y="connsiteY7"/>
+                </a:cxn>
+                <a:cxn ang="0">
+                  <a:pos x="connsiteX8" y="connsiteY8"/>
+                </a:cxn>
+                <a:cxn ang="0">
+                  <a:pos x="connsiteX9" y="connsiteY9"/>
+                </a:cxn>
+                <a:cxn ang="0">
+                  <a:pos x="connsiteX10" y="connsiteY10"/>
+                </a:cxn>
+                <a:cxn ang="0">
+                  <a:pos x="connsiteX11" y="connsiteY11"/>
+                </a:cxn>
+                <a:cxn ang="0">
+                  <a:pos x="connsiteX12" y="connsiteY12"/>
+                </a:cxn>
+                <a:cxn ang="0">
+                  <a:pos x="connsiteX13" y="connsiteY13"/>
+                </a:cxn>
+                <a:cxn ang="0">
+                  <a:pos x="connsiteX14" y="connsiteY14"/>
+                </a:cxn>
+                <a:cxn ang="0">
+                  <a:pos x="connsiteX15" y="connsiteY15"/>
+                </a:cxn>
+                <a:cxn ang="0">
+                  <a:pos x="connsiteX16" y="connsiteY16"/>
+                </a:cxn>
+                <a:cxn ang="0">
+                  <a:pos x="connsiteX17" y="connsiteY17"/>
+                </a:cxn>
+                <a:cxn ang="0">
+                  <a:pos x="connsiteX18" y="connsiteY18"/>
+                </a:cxn>
+                <a:cxn ang="0">
+                  <a:pos x="connsiteX19" y="connsiteY19"/>
+                </a:cxn>
+                <a:cxn ang="0">
+                  <a:pos x="connsiteX20" y="connsiteY20"/>
+                </a:cxn>
+                <a:cxn ang="0">
+                  <a:pos x="connsiteX21" y="connsiteY21"/>
+                </a:cxn>
+                <a:cxn ang="0">
+                  <a:pos x="connsiteX22" y="connsiteY22"/>
+                </a:cxn>
+                <a:cxn ang="0">
+                  <a:pos x="connsiteX23" y="connsiteY23"/>
+                </a:cxn>
+                <a:cxn ang="0">
+                  <a:pos x="connsiteX24" y="connsiteY24"/>
+                </a:cxn>
+                <a:cxn ang="0">
+                  <a:pos x="connsiteX25" y="connsiteY25"/>
+                </a:cxn>
+                <a:cxn ang="0">
+                  <a:pos x="connsiteX26" y="connsiteY26"/>
+                </a:cxn>
+                <a:cxn ang="0">
+                  <a:pos x="connsiteX27" y="connsiteY27"/>
+                </a:cxn>
+                <a:cxn ang="0">
+                  <a:pos x="connsiteX28" y="connsiteY28"/>
+                </a:cxn>
+                <a:cxn ang="0">
+                  <a:pos x="connsiteX29" y="connsiteY29"/>
+                </a:cxn>
+                <a:cxn ang="0">
+                  <a:pos x="connsiteX30" y="connsiteY30"/>
+                </a:cxn>
+                <a:cxn ang="0">
+                  <a:pos x="connsiteX31" y="connsiteY31"/>
+                </a:cxn>
+                <a:cxn ang="0">
+                  <a:pos x="connsiteX32" y="connsiteY32"/>
+                </a:cxn>
+                <a:cxn ang="0">
+                  <a:pos x="connsiteX33" y="connsiteY33"/>
+                </a:cxn>
+                <a:cxn ang="0">
+                  <a:pos x="connsiteX34" y="connsiteY34"/>
+                </a:cxn>
+                <a:cxn ang="0">
+                  <a:pos x="connsiteX35" y="connsiteY35"/>
+                </a:cxn>
+                <a:cxn ang="0">
+                  <a:pos x="connsiteX36" y="connsiteY36"/>
+                </a:cxn>
+                <a:cxn ang="0">
+                  <a:pos x="connsiteX37" y="connsiteY37"/>
+                </a:cxn>
+                <a:cxn ang="0">
+                  <a:pos x="connsiteX38" y="connsiteY38"/>
+                </a:cxn>
+                <a:cxn ang="0">
+                  <a:pos x="connsiteX39" y="connsiteY39"/>
+                </a:cxn>
+                <a:cxn ang="0">
+                  <a:pos x="connsiteX40" y="connsiteY40"/>
+                </a:cxn>
+                <a:cxn ang="0">
+                  <a:pos x="connsiteX41" y="connsiteY41"/>
+                </a:cxn>
+                <a:cxn ang="0">
+                  <a:pos x="connsiteX42" y="connsiteY42"/>
+                </a:cxn>
+                <a:cxn ang="0">
+                  <a:pos x="connsiteX43" y="connsiteY43"/>
+                </a:cxn>
+                <a:cxn ang="0">
+                  <a:pos x="connsiteX44" y="connsiteY44"/>
+                </a:cxn>
+                <a:cxn ang="0">
+                  <a:pos x="connsiteX45" y="connsiteY45"/>
+                </a:cxn>
+                <a:cxn ang="0">
+                  <a:pos x="connsiteX46" y="connsiteY46"/>
+                </a:cxn>
+                <a:cxn ang="0">
+                  <a:pos x="connsiteX47" y="connsiteY47"/>
+                </a:cxn>
+              </a:cxnLst>
+              <a:rect l="l" t="t" r="r" b="b"/>
+              <a:pathLst>
+                <a:path w="4425949" h="380367">
+                  <a:moveTo>
+                    <a:pt x="0" y="362367"/>
+                  </a:moveTo>
+                  <a:lnTo>
+                    <a:pt x="4425949" y="362367"/>
+                  </a:lnTo>
+                  <a:lnTo>
+                    <a:pt x="4425949" y="380367"/>
+                  </a:lnTo>
+                  <a:lnTo>
+                    <a:pt x="0" y="380367"/>
+                  </a:lnTo>
+                  <a:close/>
+                  <a:moveTo>
+                    <a:pt x="4425949" y="0"/>
+                  </a:moveTo>
+                  <a:lnTo>
+                    <a:pt x="4425949" y="293520"/>
+                  </a:lnTo>
+                  <a:lnTo>
+                    <a:pt x="4425949" y="293744"/>
+                  </a:lnTo>
+                  <a:lnTo>
+                    <a:pt x="4425949" y="347593"/>
+                  </a:lnTo>
+                  <a:lnTo>
+                    <a:pt x="0" y="347593"/>
+                  </a:lnTo>
+                  <a:lnTo>
+                    <a:pt x="0" y="293520"/>
+                  </a:lnTo>
+                  <a:lnTo>
+                    <a:pt x="3445935" y="293520"/>
+                  </a:lnTo>
+                  <a:lnTo>
+                    <a:pt x="3445935" y="248864"/>
+                  </a:lnTo>
+                  <a:lnTo>
+                    <a:pt x="3509866" y="235234"/>
+                  </a:lnTo>
+                  <a:lnTo>
+                    <a:pt x="3509866" y="293520"/>
+                  </a:lnTo>
+                  <a:lnTo>
+                    <a:pt x="3547532" y="293520"/>
+                  </a:lnTo>
+                  <a:lnTo>
+                    <a:pt x="3547532" y="220885"/>
+                  </a:lnTo>
+                  <a:lnTo>
+                    <a:pt x="3613149" y="206896"/>
+                  </a:lnTo>
+                  <a:lnTo>
+                    <a:pt x="3613149" y="293520"/>
+                  </a:lnTo>
+                  <a:lnTo>
+                    <a:pt x="3649132" y="293520"/>
+                  </a:lnTo>
+                  <a:lnTo>
+                    <a:pt x="3649132" y="192906"/>
+                  </a:lnTo>
+                  <a:lnTo>
+                    <a:pt x="3714749" y="178916"/>
+                  </a:lnTo>
+                  <a:lnTo>
+                    <a:pt x="3714749" y="293520"/>
+                  </a:lnTo>
+                  <a:lnTo>
+                    <a:pt x="3750732" y="293520"/>
+                  </a:lnTo>
+                  <a:lnTo>
+                    <a:pt x="3750732" y="164928"/>
+                  </a:lnTo>
+                  <a:lnTo>
+                    <a:pt x="3814665" y="151298"/>
+                  </a:lnTo>
+                  <a:lnTo>
+                    <a:pt x="3814665" y="293520"/>
+                  </a:lnTo>
+                  <a:lnTo>
+                    <a:pt x="3852332" y="293520"/>
+                  </a:lnTo>
+                  <a:lnTo>
+                    <a:pt x="3852332" y="136949"/>
+                  </a:lnTo>
+                  <a:lnTo>
+                    <a:pt x="3916265" y="123319"/>
+                  </a:lnTo>
+                  <a:lnTo>
+                    <a:pt x="3916265" y="293520"/>
+                  </a:lnTo>
+                  <a:lnTo>
+                    <a:pt x="3953932" y="293520"/>
+                  </a:lnTo>
+                  <a:lnTo>
+                    <a:pt x="3953932" y="108971"/>
+                  </a:lnTo>
+                  <a:lnTo>
+                    <a:pt x="4019549" y="94981"/>
+                  </a:lnTo>
+                  <a:lnTo>
+                    <a:pt x="4019549" y="293520"/>
+                  </a:lnTo>
+                  <a:lnTo>
+                    <a:pt x="4055532" y="293520"/>
+                  </a:lnTo>
+                  <a:lnTo>
+                    <a:pt x="4055532" y="80992"/>
+                  </a:lnTo>
+                  <a:lnTo>
+                    <a:pt x="4121149" y="67002"/>
+                  </a:lnTo>
+                  <a:lnTo>
+                    <a:pt x="4121149" y="293520"/>
+                  </a:lnTo>
+                  <a:lnTo>
+                    <a:pt x="4157132" y="293520"/>
+                  </a:lnTo>
+                  <a:lnTo>
+                    <a:pt x="4157132" y="53011"/>
+                  </a:lnTo>
+                  <a:lnTo>
+                    <a:pt x="4222749" y="39022"/>
+                  </a:lnTo>
+                  <a:lnTo>
+                    <a:pt x="4222749" y="293520"/>
+                  </a:lnTo>
+                  <a:lnTo>
+                    <a:pt x="4258732" y="293520"/>
+                  </a:lnTo>
+                  <a:lnTo>
+                    <a:pt x="4258732" y="25034"/>
+                  </a:lnTo>
+                  <a:lnTo>
+                    <a:pt x="4324349" y="11044"/>
+                  </a:lnTo>
+                  <a:lnTo>
+                    <a:pt x="4324349" y="293520"/>
+                  </a:lnTo>
+                  <a:lnTo>
+                    <a:pt x="4360332" y="293520"/>
+                  </a:lnTo>
+                  <a:lnTo>
+                    <a:pt x="4360332" y="2967"/>
+                  </a:lnTo>
+                  <a:close/>
+                </a:path>
+              </a:pathLst>
+            </a:custGeom>
+            <a:gradFill flip="none" rotWithShape="1">
+              <a:gsLst>
+                <a:gs pos="0">
+                  <a:schemeClr val="accent1">
+                    <a:lumMod val="5000"/>
+                    <a:lumOff val="95000"/>
+                  </a:schemeClr>
+                </a:gs>
+                <a:gs pos="80000">
+                  <a:schemeClr val="accent1">
+                    <a:lumMod val="45000"/>
+                    <a:lumOff val="55000"/>
+                  </a:schemeClr>
+                </a:gs>
+                <a:gs pos="92000">
+                  <a:schemeClr val="accent5">
+                    <a:lumMod val="60000"/>
+                    <a:lumOff val="40000"/>
+                  </a:schemeClr>
+                </a:gs>
+                <a:gs pos="100000">
+                  <a:srgbClr val="002060"/>
+                </a:gs>
+              </a:gsLst>
+              <a:lin ang="0" scaled="1"/>
+              <a:tileRect/>
+            </a:gradFill>
+            <a:ln>
+              <a:noFill/>
+            </a:ln>
+            <a:effectLst>
+              <a:outerShdw blurRad="50800" dist="38100" dir="2700000" algn="tl" rotWithShape="0">
+                <a:prstClr val="black">
+                  <a:alpha val="40000"/>
+                </a:prstClr>
+              </a:outerShdw>
+            </a:effectLst>
+          </p:spPr>
+          <p:style>
+            <a:lnRef idx="2">
+              <a:schemeClr val="accent1">
+                <a:shade val="50000"/>
+              </a:schemeClr>
+            </a:lnRef>
+            <a:fillRef idx="1">
+              <a:schemeClr val="accent1"/>
+            </a:fillRef>
+            <a:effectRef idx="0">
+              <a:schemeClr val="accent1"/>
+            </a:effectRef>
+            <a:fontRef idx="minor">
+              <a:schemeClr val="lt1"/>
+            </a:fontRef>
+          </p:style>
+          <p:txBody>
+            <a:bodyPr rtlCol="0" anchor="ctr"/>
+            <a:lstStyle/>
+            <a:p>
+              <a:pPr algn="ctr"/>
+              <a:endParaRPr lang="ko-KR" altLang="en-US" sz="1600"/>
+            </a:p>
+          </p:txBody>
+        </p:sp>
+        <p:grpSp>
+          <p:nvGrpSpPr>
+            <p:cNvPr id="6" name="Group 42">
+              <a:extLst>
+                <a:ext uri="{FF2B5EF4-FFF2-40B4-BE49-F238E27FC236}">
+                  <a16:creationId xmlns:a16="http://schemas.microsoft.com/office/drawing/2014/main" id="{00BB961C-A708-4833-B31C-E7CDCDB89493}"/>
+                </a:ext>
+              </a:extLst>
+            </p:cNvPr>
+            <p:cNvGrpSpPr/>
+            <p:nvPr/>
+          </p:nvGrpSpPr>
+          <p:grpSpPr>
+            <a:xfrm>
+              <a:off x="301874" y="289279"/>
+              <a:ext cx="7140326" cy="329299"/>
+              <a:chOff x="706582" y="590204"/>
+              <a:chExt cx="7054714" cy="329299"/>
+            </a:xfrm>
+          </p:grpSpPr>
+          <p:sp>
+            <p:nvSpPr>
+              <p:cNvPr id="7" name="Rectangle 43">
+                <a:extLst>
+                  <a:ext uri="{FF2B5EF4-FFF2-40B4-BE49-F238E27FC236}">
+                    <a16:creationId xmlns:a16="http://schemas.microsoft.com/office/drawing/2014/main" id="{657E762A-A5B2-448E-9E2B-3A7FE1FFDBCB}"/>
+                  </a:ext>
+                </a:extLst>
+              </p:cNvPr>
+              <p:cNvSpPr/>
+              <p:nvPr/>
+            </p:nvSpPr>
+            <p:spPr>
+              <a:xfrm>
+                <a:off x="706582" y="590204"/>
+                <a:ext cx="7054714" cy="329299"/>
+              </a:xfrm>
+              <a:prstGeom prst="rect">
+                <a:avLst/>
+              </a:prstGeom>
+              <a:gradFill>
+                <a:gsLst>
+                  <a:gs pos="0">
+                    <a:srgbClr val="002060"/>
+                  </a:gs>
+                  <a:gs pos="77000">
+                    <a:schemeClr val="accent5">
+                      <a:lumMod val="60000"/>
+                      <a:lumOff val="40000"/>
+                    </a:schemeClr>
+                  </a:gs>
+                  <a:gs pos="91000">
+                    <a:schemeClr val="accent5">
+                      <a:lumMod val="20000"/>
+                      <a:lumOff val="80000"/>
+                    </a:schemeClr>
+                  </a:gs>
+                  <a:gs pos="100000">
+                    <a:schemeClr val="bg1"/>
+                  </a:gs>
+                </a:gsLst>
+                <a:lin ang="0" scaled="1"/>
+              </a:gradFill>
+            </p:spPr>
+            <p:style>
+              <a:lnRef idx="0">
+                <a:schemeClr val="accent5"/>
+              </a:lnRef>
+              <a:fillRef idx="3">
+                <a:schemeClr val="accent5"/>
+              </a:fillRef>
+              <a:effectRef idx="3">
+                <a:schemeClr val="accent5"/>
+              </a:effectRef>
+              <a:fontRef idx="minor">
+                <a:schemeClr val="lt1"/>
+              </a:fontRef>
+            </p:style>
+            <p:txBody>
+              <a:bodyPr rtlCol="0" anchor="ctr"/>
+              <a:lstStyle/>
+              <a:p>
+                <a:pPr marL="360000"/>
+                <a:r>
+                  <a:rPr lang="ko-KR" altLang="en-US" sz="1600" dirty="0">
+                    <a:solidFill>
+                      <a:srgbClr val="FFFF00"/>
+                    </a:solidFill>
+                  </a:rPr>
+                  <a:t>풍선 보너스</a:t>
+                </a:r>
+              </a:p>
+            </p:txBody>
+          </p:sp>
+          <p:sp>
+            <p:nvSpPr>
+              <p:cNvPr id="8" name="Flowchart: Off-page Connector 44">
+                <a:extLst>
+                  <a:ext uri="{FF2B5EF4-FFF2-40B4-BE49-F238E27FC236}">
+                    <a16:creationId xmlns:a16="http://schemas.microsoft.com/office/drawing/2014/main" id="{4635FA89-738A-4AEE-858A-844484C67C92}"/>
+                  </a:ext>
+                </a:extLst>
+              </p:cNvPr>
+              <p:cNvSpPr/>
+              <p:nvPr/>
+            </p:nvSpPr>
+            <p:spPr>
+              <a:xfrm rot="16200000">
+                <a:off x="807469" y="639422"/>
+                <a:ext cx="200288" cy="230861"/>
+              </a:xfrm>
+              <a:prstGeom prst="flowChartOffpageConnector">
+                <a:avLst/>
+              </a:prstGeom>
+              <a:solidFill>
+                <a:srgbClr val="00B050"/>
+              </a:solidFill>
+              <a:ln>
+                <a:solidFill>
+                  <a:srgbClr val="92D050"/>
+                </a:solidFill>
+              </a:ln>
+              <a:scene3d>
+                <a:camera prst="orthographicFront"/>
+                <a:lightRig rig="threePt" dir="t"/>
+              </a:scene3d>
+              <a:sp3d>
+                <a:bevelT/>
+              </a:sp3d>
+            </p:spPr>
+            <p:style>
+              <a:lnRef idx="2">
+                <a:schemeClr val="accent1">
+                  <a:shade val="50000"/>
+                </a:schemeClr>
+              </a:lnRef>
+              <a:fillRef idx="1">
+                <a:schemeClr val="accent1"/>
+              </a:fillRef>
+              <a:effectRef idx="0">
+                <a:schemeClr val="accent1"/>
+              </a:effectRef>
+              <a:fontRef idx="minor">
+                <a:schemeClr val="lt1"/>
+              </a:fontRef>
+            </p:style>
+            <p:txBody>
+              <a:bodyPr rtlCol="0" anchor="ctr"/>
+              <a:lstStyle/>
+              <a:p>
+                <a:pPr algn="ctr"/>
+                <a:endParaRPr lang="ko-KR" altLang="en-US" sz="1600">
+                  <a:solidFill>
+                    <a:srgbClr val="FFFF00"/>
+                  </a:solidFill>
+                </a:endParaRPr>
+              </a:p>
+            </p:txBody>
+          </p:sp>
+        </p:grpSp>
+      </p:grpSp>
+      <p:sp>
+        <p:nvSpPr>
+          <p:cNvPr id="9" name="TextBox 8">
+            <a:extLst>
+              <a:ext uri="{FF2B5EF4-FFF2-40B4-BE49-F238E27FC236}">
+                <a16:creationId xmlns:a16="http://schemas.microsoft.com/office/drawing/2014/main" id="{146CD174-C226-43E1-8087-106F1CE814BA}"/>
+              </a:ext>
+            </a:extLst>
+          </p:cNvPr>
+          <p:cNvSpPr txBox="1"/>
+          <p:nvPr/>
+        </p:nvSpPr>
+        <p:spPr>
+          <a:xfrm>
+            <a:off x="622175" y="869281"/>
+            <a:ext cx="10389535" cy="538609"/>
+          </a:xfrm>
+          <a:prstGeom prst="rect">
+            <a:avLst/>
+          </a:prstGeom>
+          <a:noFill/>
+        </p:spPr>
+        <p:txBody>
+          <a:bodyPr wrap="square" rtlCol="0">
+            <a:spAutoFit/>
+          </a:bodyPr>
+          <a:lstStyle/>
+          <a:p>
+            <a:pPr marL="171450" indent="-171450" algn="l" defTabSz="540000">
+              <a:spcAft>
+                <a:spcPts val="600"/>
+              </a:spcAft>
+              <a:buFont typeface="Arial" panose="020B0604020202020204" pitchFamily="34" charset="0"/>
+              <a:buChar char="•"/>
+            </a:pPr>
+            <a:r>
+              <a:rPr lang="ko-KR" altLang="en-US" sz="1200" dirty="0"/>
+              <a:t>풍선을 터트렸을 때 타임 보너스가 주어진다</a:t>
+            </a:r>
+            <a:r>
+              <a:rPr lang="en-US" altLang="ko-KR" sz="1200" dirty="0"/>
+              <a:t>.</a:t>
+            </a:r>
+          </a:p>
+          <a:p>
+            <a:pPr marL="171450" indent="-171450" algn="l" defTabSz="540000">
+              <a:spcAft>
+                <a:spcPts val="600"/>
+              </a:spcAft>
+              <a:buFont typeface="Arial" panose="020B0604020202020204" pitchFamily="34" charset="0"/>
+              <a:buChar char="•"/>
+            </a:pPr>
+            <a:r>
+              <a:rPr lang="ko-KR" altLang="en-US" sz="1200" dirty="0"/>
+              <a:t>타임 보너스는 </a:t>
+            </a:r>
+            <a:r>
+              <a:rPr lang="en-US" altLang="ko-KR" sz="1200" dirty="0"/>
+              <a:t>3</a:t>
+            </a:r>
+            <a:r>
+              <a:rPr lang="ko-KR" altLang="en-US" sz="1200" dirty="0"/>
+              <a:t>초</a:t>
+            </a:r>
+            <a:r>
+              <a:rPr lang="en-US" altLang="ko-KR" sz="1200" dirty="0"/>
+              <a:t>.</a:t>
+            </a:r>
+          </a:p>
+        </p:txBody>
+      </p:sp>
+      <p:sp>
+        <p:nvSpPr>
+          <p:cNvPr id="38" name="슬라이드 번호 개체 틀 2">
+            <a:extLst>
+              <a:ext uri="{FF2B5EF4-FFF2-40B4-BE49-F238E27FC236}">
+                <a16:creationId xmlns:a16="http://schemas.microsoft.com/office/drawing/2014/main" id="{6B652310-DD50-4670-BD73-08FAB33CD77B}"/>
+              </a:ext>
+            </a:extLst>
+          </p:cNvPr>
+          <p:cNvSpPr>
+            <a:spLocks noGrp="1"/>
+          </p:cNvSpPr>
+          <p:nvPr>
+            <p:ph type="sldNum" sz="quarter" idx="12"/>
+          </p:nvPr>
+        </p:nvSpPr>
+        <p:spPr>
+          <a:xfrm>
+            <a:off x="8610600" y="6356350"/>
+            <a:ext cx="2743200" cy="365125"/>
+          </a:xfrm>
+        </p:spPr>
+        <p:txBody>
+          <a:bodyPr/>
+          <a:lstStyle/>
+          <a:p>
+            <a:fld id="{A8E1BB39-725C-444B-809E-419522618855}" type="slidenum">
+              <a:rPr lang="ko-KR" altLang="en-US" smtClean="0"/>
+              <a:t>16</a:t>
+            </a:fld>
+            <a:endParaRPr lang="ko-KR" altLang="en-US" dirty="0"/>
+          </a:p>
+        </p:txBody>
+      </p:sp>
+    </p:spTree>
+    <p:extLst>
+      <p:ext uri="{BB962C8B-B14F-4D97-AF65-F5344CB8AC3E}">
+        <p14:creationId xmlns:p14="http://schemas.microsoft.com/office/powerpoint/2010/main" val="1025026343"/>
+      </p:ext>
+    </p:extLst>
+  </p:cSld>
+  <p:clrMapOvr>
+    <a:masterClrMapping/>
+  </p:clrMapOvr>
+</p:sld>
+</file>
+
 <file path=ppt/slides/slide2.xml><?xml version="1.0" encoding="utf-8"?>
 <p:sld xmlns:a="http://schemas.openxmlformats.org/drawingml/2006/main" xmlns:r="http://schemas.openxmlformats.org/officeDocument/2006/relationships" xmlns:p="http://schemas.openxmlformats.org/presentationml/2006/main">
   <p:cSld>
@@ -15628,14 +16424,14 @@
           <p:nvPr>
             <p:extLst>
               <p:ext uri="{D42A27DB-BD31-4B8C-83A1-F6EECF244321}">
-                <p14:modId xmlns:p14="http://schemas.microsoft.com/office/powerpoint/2010/main" val="1692680022"/>
+                <p14:modId xmlns:p14="http://schemas.microsoft.com/office/powerpoint/2010/main" val="4112347488"/>
               </p:ext>
             </p:extLst>
           </p:nvPr>
         </p:nvGraphicFramePr>
         <p:xfrm>
           <a:off x="301874" y="886687"/>
-          <a:ext cx="11541336" cy="1493520"/>
+          <a:ext cx="11541336" cy="1737360"/>
         </p:xfrm>
         <a:graphic>
           <a:graphicData uri="http://schemas.openxmlformats.org/drawingml/2006/table">
@@ -16036,6 +16832,125 @@
                 <a:extLst>
                   <a:ext uri="{0D108BD9-81ED-4DB2-BD59-A6C34878D82A}">
                     <a16:rowId xmlns:a16="http://schemas.microsoft.com/office/drawing/2014/main" val="3727131737"/>
+                  </a:ext>
+                </a:extLst>
+              </a:tr>
+              <a:tr h="0">
+                <a:tc>
+                  <a:txBody>
+                    <a:bodyPr/>
+                    <a:lstStyle/>
+                    <a:p>
+                      <a:pPr algn="ctr" latinLnBrk="1"/>
+                      <a:r>
+                        <a:rPr lang="en-US" altLang="ko-KR" sz="1000" dirty="0"/>
+                        <a:t>2020.08.24</a:t>
+                      </a:r>
+                      <a:endParaRPr lang="ko-KR" altLang="en-US" sz="1000" dirty="0"/>
+                    </a:p>
+                  </a:txBody>
+                  <a:tcPr anchor="ctr"/>
+                </a:tc>
+                <a:tc>
+                  <a:txBody>
+                    <a:bodyPr/>
+                    <a:lstStyle/>
+                    <a:p>
+                      <a:pPr algn="ctr" latinLnBrk="1"/>
+                      <a:r>
+                        <a:rPr lang="ko-KR" altLang="en-US" sz="1000" dirty="0"/>
+                        <a:t>문상윤</a:t>
+                      </a:r>
+                      <a:endParaRPr lang="en-US" altLang="ko-KR" sz="1000" dirty="0"/>
+                    </a:p>
+                  </a:txBody>
+                  <a:tcPr anchor="ctr"/>
+                </a:tc>
+                <a:tc>
+                  <a:txBody>
+                    <a:bodyPr/>
+                    <a:lstStyle/>
+                    <a:p>
+                      <a:pPr algn="ctr" latinLnBrk="1"/>
+                      <a:r>
+                        <a:rPr lang="ko-KR" altLang="en-US" sz="1000" dirty="0">
+                          <a:highlight>
+                            <a:srgbClr val="FF00FF"/>
+                          </a:highlight>
+                        </a:rPr>
+                        <a:t>최종 점수 계산식 </a:t>
+                      </a:r>
+                      <a:r>
+                        <a:rPr lang="en-US" altLang="ko-KR" sz="1000" dirty="0">
+                          <a:highlight>
+                            <a:srgbClr val="FF00FF"/>
+                          </a:highlight>
+                        </a:rPr>
+                        <a:t>: </a:t>
+                      </a:r>
+                      <a:r>
+                        <a:rPr lang="ko-KR" altLang="en-US" sz="1000" dirty="0">
+                          <a:highlight>
+                            <a:srgbClr val="FF00FF"/>
+                          </a:highlight>
+                        </a:rPr>
+                        <a:t>하트 획득 점수 </a:t>
+                      </a:r>
+                      <a:r>
+                        <a:rPr lang="en-US" altLang="ko-KR" sz="1000" dirty="0">
+                          <a:highlight>
+                            <a:srgbClr val="FF00FF"/>
+                          </a:highlight>
+                        </a:rPr>
+                        <a:t>+ (</a:t>
+                      </a:r>
+                      <a:r>
+                        <a:rPr lang="ko-KR" altLang="en-US" sz="1000" dirty="0" err="1">
+                          <a:highlight>
+                            <a:srgbClr val="FF00FF"/>
+                          </a:highlight>
+                        </a:rPr>
+                        <a:t>콤보수</a:t>
+                      </a:r>
+                      <a:r>
+                        <a:rPr lang="ko-KR" altLang="en-US" sz="1000" dirty="0">
+                          <a:highlight>
+                            <a:srgbClr val="FF00FF"/>
+                          </a:highlight>
+                        </a:rPr>
+                        <a:t> </a:t>
+                      </a:r>
+                      <a:r>
+                        <a:rPr lang="en-US" altLang="ko-KR" sz="1000" dirty="0">
+                          <a:highlight>
+                            <a:srgbClr val="FF00FF"/>
+                          </a:highlight>
+                        </a:rPr>
+                        <a:t>x </a:t>
+                      </a:r>
+                      <a:r>
+                        <a:rPr lang="ko-KR" altLang="en-US" sz="1000" dirty="0">
+                          <a:highlight>
+                            <a:srgbClr val="FF00FF"/>
+                          </a:highlight>
+                        </a:rPr>
+                        <a:t>콤보 계수</a:t>
+                      </a:r>
+                      <a:r>
+                        <a:rPr lang="en-US" altLang="ko-KR" sz="1000" dirty="0">
+                          <a:highlight>
+                            <a:srgbClr val="FF00FF"/>
+                          </a:highlight>
+                        </a:rPr>
+                        <a:t>) </a:t>
+                      </a:r>
+                    </a:p>
+                  </a:txBody>
+                  <a:tcPr marL="0" marR="0" marT="0" marB="0" anchor="ctr"/>
+                </a:tc>
+                <a:extLst>
+                  <a:ext uri="{0D108BD9-81ED-4DB2-BD59-A6C34878D82A}">
+                    <a16:rowId xmlns:a16="http://schemas.microsoft.com/office/drawing/2014/main" val="2958173335"/>
                   </a:ext>
                 </a:extLst>
               </a:tr>
@@ -32919,7 +33834,7 @@
         <p:spPr>
           <a:xfrm>
             <a:off x="622175" y="869281"/>
-            <a:ext cx="10389535" cy="1246495"/>
+            <a:ext cx="11114024" cy="2893100"/>
           </a:xfrm>
           <a:prstGeom prst="rect">
             <a:avLst/>
@@ -33078,6 +33993,343 @@
               <a:rPr lang="en-US" altLang="ko-KR" sz="1200" dirty="0"/>
               <a:t>.</a:t>
             </a:r>
+          </a:p>
+          <a:p>
+            <a:pPr marL="171450" indent="-171450" algn="l" defTabSz="540000">
+              <a:spcAft>
+                <a:spcPts val="600"/>
+              </a:spcAft>
+              <a:buFont typeface="Arial" panose="020B0604020202020204" pitchFamily="34" charset="0"/>
+              <a:buChar char="•"/>
+            </a:pPr>
+            <a:r>
+              <a:rPr lang="ko-KR" altLang="en-US" sz="1200" dirty="0">
+                <a:highlight>
+                  <a:srgbClr val="FF00FF"/>
+                </a:highlight>
+              </a:rPr>
+              <a:t>최종 점수 계산식 </a:t>
+            </a:r>
+            <a:r>
+              <a:rPr lang="en-US" altLang="ko-KR" sz="1200" dirty="0">
+                <a:highlight>
+                  <a:srgbClr val="FF00FF"/>
+                </a:highlight>
+              </a:rPr>
+              <a:t>= </a:t>
+            </a:r>
+            <a:r>
+              <a:rPr lang="ko-KR" altLang="en-US" sz="1200" dirty="0">
+                <a:highlight>
+                  <a:srgbClr val="FF00FF"/>
+                </a:highlight>
+              </a:rPr>
+              <a:t>하트 획득 점수 </a:t>
+            </a:r>
+            <a:r>
+              <a:rPr lang="en-US" altLang="ko-KR" sz="1200" dirty="0">
+                <a:highlight>
+                  <a:srgbClr val="FF00FF"/>
+                </a:highlight>
+              </a:rPr>
+              <a:t>+ (</a:t>
+            </a:r>
+            <a:r>
+              <a:rPr lang="ko-KR" altLang="en-US" sz="1200" dirty="0" err="1">
+                <a:highlight>
+                  <a:srgbClr val="FF00FF"/>
+                </a:highlight>
+              </a:rPr>
+              <a:t>콤보수</a:t>
+            </a:r>
+            <a:r>
+              <a:rPr lang="ko-KR" altLang="en-US" sz="1200" dirty="0">
+                <a:highlight>
+                  <a:srgbClr val="FF00FF"/>
+                </a:highlight>
+              </a:rPr>
+              <a:t> </a:t>
+            </a:r>
+            <a:r>
+              <a:rPr lang="en-US" altLang="ko-KR" sz="1200" dirty="0">
+                <a:highlight>
+                  <a:srgbClr val="FF00FF"/>
+                </a:highlight>
+              </a:rPr>
+              <a:t>x </a:t>
+            </a:r>
+            <a:r>
+              <a:rPr lang="ko-KR" altLang="en-US" sz="1200" dirty="0">
+                <a:highlight>
+                  <a:srgbClr val="FF00FF"/>
+                </a:highlight>
+              </a:rPr>
+              <a:t>콤보 계수</a:t>
+            </a:r>
+            <a:r>
+              <a:rPr lang="en-US" altLang="ko-KR" sz="1200" dirty="0">
+                <a:highlight>
+                  <a:srgbClr val="FF00FF"/>
+                </a:highlight>
+              </a:rPr>
+              <a:t>) + (</a:t>
+            </a:r>
+            <a:r>
+              <a:rPr lang="ko-KR" altLang="en-US" sz="1200" dirty="0" err="1">
+                <a:highlight>
+                  <a:srgbClr val="FF00FF"/>
+                </a:highlight>
+              </a:rPr>
+              <a:t>콤보수</a:t>
+            </a:r>
+            <a:r>
+              <a:rPr lang="ko-KR" altLang="en-US" sz="1200" dirty="0">
+                <a:highlight>
+                  <a:srgbClr val="FF00FF"/>
+                </a:highlight>
+              </a:rPr>
+              <a:t> </a:t>
+            </a:r>
+            <a:r>
+              <a:rPr lang="en-US" altLang="ko-KR" sz="1200" dirty="0">
+                <a:highlight>
+                  <a:srgbClr val="FF00FF"/>
+                </a:highlight>
+              </a:rPr>
+              <a:t>x </a:t>
+            </a:r>
+            <a:r>
+              <a:rPr lang="ko-KR" altLang="en-US" sz="1200" dirty="0">
+                <a:highlight>
+                  <a:srgbClr val="FF00FF"/>
+                </a:highlight>
+              </a:rPr>
+              <a:t>콤보 계수</a:t>
+            </a:r>
+            <a:r>
+              <a:rPr lang="en-US" altLang="ko-KR" sz="1200" dirty="0">
+                <a:highlight>
+                  <a:srgbClr val="FF00FF"/>
+                </a:highlight>
+              </a:rPr>
+              <a:t>)</a:t>
+            </a:r>
+          </a:p>
+          <a:p>
+            <a:pPr marL="171450" indent="-171450" algn="l" defTabSz="540000">
+              <a:spcAft>
+                <a:spcPts val="600"/>
+              </a:spcAft>
+              <a:buFont typeface="Arial" panose="020B0604020202020204" pitchFamily="34" charset="0"/>
+              <a:buChar char="•"/>
+            </a:pPr>
+            <a:r>
+              <a:rPr lang="ko-KR" altLang="en-US" sz="1200" dirty="0"/>
+              <a:t>콤보는 아래의 경우에 증가한다</a:t>
+            </a:r>
+            <a:r>
+              <a:rPr lang="en-US" altLang="ko-KR" sz="1200" dirty="0"/>
+              <a:t>.</a:t>
+            </a:r>
+          </a:p>
+          <a:p>
+            <a:pPr marL="171450" indent="-171450" algn="l" defTabSz="540000">
+              <a:spcAft>
+                <a:spcPts val="600"/>
+              </a:spcAft>
+              <a:buFont typeface="Arial" panose="020B0604020202020204" pitchFamily="34" charset="0"/>
+              <a:buChar char="•"/>
+            </a:pPr>
+            <a:r>
+              <a:rPr lang="ko-KR" altLang="en-US" sz="1200" dirty="0"/>
+              <a:t>하트를 </a:t>
+            </a:r>
+            <a:r>
+              <a:rPr lang="en-US" altLang="ko-KR" sz="1200" dirty="0"/>
+              <a:t>1</a:t>
+            </a:r>
+            <a:r>
+              <a:rPr lang="ko-KR" altLang="en-US" sz="1200" dirty="0"/>
+              <a:t>개 이상 </a:t>
+            </a:r>
+            <a:r>
+              <a:rPr lang="en-US" altLang="ko-KR" sz="1200" dirty="0"/>
+              <a:t>8</a:t>
+            </a:r>
+            <a:r>
+              <a:rPr lang="ko-KR" altLang="en-US" sz="1200" dirty="0"/>
+              <a:t>개 이하 획득 했을 때 </a:t>
+            </a:r>
+            <a:r>
+              <a:rPr lang="en-US" altLang="ko-KR" sz="1200" dirty="0"/>
+              <a:t>1</a:t>
+            </a:r>
+            <a:r>
+              <a:rPr lang="ko-KR" altLang="en-US" sz="1200" dirty="0"/>
+              <a:t>콤보로 기록된다</a:t>
+            </a:r>
+            <a:r>
+              <a:rPr lang="en-US" altLang="ko-KR" sz="1200" dirty="0"/>
+              <a:t>.</a:t>
+            </a:r>
+          </a:p>
+          <a:p>
+            <a:pPr marL="171450" indent="-171450" algn="l" defTabSz="540000">
+              <a:spcAft>
+                <a:spcPts val="600"/>
+              </a:spcAft>
+              <a:buFont typeface="Arial" panose="020B0604020202020204" pitchFamily="34" charset="0"/>
+              <a:buChar char="•"/>
+            </a:pPr>
+            <a:r>
+              <a:rPr lang="ko-KR" altLang="en-US" sz="1200" dirty="0"/>
+              <a:t>장애물을 회피했을 때 </a:t>
+            </a:r>
+            <a:r>
+              <a:rPr lang="en-US" altLang="ko-KR" sz="1200" dirty="0"/>
+              <a:t>1</a:t>
+            </a:r>
+            <a:r>
+              <a:rPr lang="ko-KR" altLang="en-US" sz="1200" dirty="0"/>
+              <a:t>콤보로 기록된다</a:t>
+            </a:r>
+            <a:r>
+              <a:rPr lang="en-US" altLang="ko-KR" sz="1200" dirty="0"/>
+              <a:t>.</a:t>
+            </a:r>
+          </a:p>
+          <a:p>
+            <a:pPr marL="171450" indent="-171450" algn="l" defTabSz="540000">
+              <a:spcAft>
+                <a:spcPts val="600"/>
+              </a:spcAft>
+              <a:buFont typeface="Arial" panose="020B0604020202020204" pitchFamily="34" charset="0"/>
+              <a:buChar char="•"/>
+            </a:pPr>
+            <a:r>
+              <a:rPr lang="ko-KR" altLang="en-US" sz="1200" dirty="0"/>
+              <a:t>풍선을 터트린 것은 콤보로 기록하지 않는다</a:t>
+            </a:r>
+            <a:r>
+              <a:rPr lang="en-US" altLang="ko-KR" sz="1200" dirty="0"/>
+              <a:t>. </a:t>
+            </a:r>
+            <a:r>
+              <a:rPr lang="ko-KR" altLang="en-US" sz="1200" dirty="0"/>
+              <a:t>이동 시간과 이동 거리는 점수에 포함하지 않는다</a:t>
+            </a:r>
+            <a:r>
+              <a:rPr lang="en-US" altLang="ko-KR" sz="1200" dirty="0"/>
+              <a:t>.</a:t>
+            </a:r>
+          </a:p>
+          <a:p>
+            <a:pPr marL="171450" indent="-171450" algn="l" defTabSz="540000">
+              <a:spcAft>
+                <a:spcPts val="600"/>
+              </a:spcAft>
+              <a:buFont typeface="Arial" panose="020B0604020202020204" pitchFamily="34" charset="0"/>
+              <a:buChar char="•"/>
+            </a:pPr>
+            <a:r>
+              <a:rPr lang="ko-KR" altLang="en-US" sz="1200" dirty="0" err="1"/>
+              <a:t>콜리젼</a:t>
+            </a:r>
+            <a:r>
+              <a:rPr lang="en-US" altLang="ko-KR" sz="1200" dirty="0"/>
+              <a:t>(</a:t>
+            </a:r>
+            <a:r>
+              <a:rPr lang="ko-KR" altLang="en-US" sz="1200" dirty="0"/>
+              <a:t>장애물</a:t>
+            </a:r>
+            <a:r>
+              <a:rPr lang="en-US" altLang="ko-KR" sz="1200" dirty="0"/>
+              <a:t>)</a:t>
+            </a:r>
+            <a:r>
+              <a:rPr lang="ko-KR" altLang="en-US" sz="1200" dirty="0"/>
+              <a:t>과 부딪혔을 때 누적 </a:t>
+            </a:r>
+            <a:r>
+              <a:rPr lang="ko-KR" altLang="en-US" sz="1200" dirty="0" err="1"/>
+              <a:t>콤보수는</a:t>
+            </a:r>
+            <a:r>
+              <a:rPr lang="ko-KR" altLang="en-US" sz="1200" dirty="0"/>
+              <a:t> </a:t>
+            </a:r>
+            <a:r>
+              <a:rPr lang="en-US" altLang="ko-KR" sz="1200" dirty="0"/>
+              <a:t>0</a:t>
+            </a:r>
+            <a:r>
+              <a:rPr lang="ko-KR" altLang="en-US" sz="1200" dirty="0" err="1"/>
+              <a:t>이되며</a:t>
+            </a:r>
+            <a:r>
+              <a:rPr lang="ko-KR" altLang="en-US" sz="1200" dirty="0"/>
+              <a:t> </a:t>
+            </a:r>
+            <a:r>
+              <a:rPr lang="ko-KR" altLang="en-US" sz="1200" dirty="0" err="1"/>
+              <a:t>콤보수가</a:t>
+            </a:r>
+            <a:r>
+              <a:rPr lang="ko-KR" altLang="en-US" sz="1200" dirty="0"/>
+              <a:t> </a:t>
+            </a:r>
+            <a:r>
+              <a:rPr lang="en-US" altLang="ko-KR" sz="1200" dirty="0"/>
+              <a:t>0</a:t>
+            </a:r>
+            <a:r>
+              <a:rPr lang="ko-KR" altLang="en-US" sz="1200" dirty="0"/>
+              <a:t>이 </a:t>
+            </a:r>
+            <a:r>
+              <a:rPr lang="ko-KR" altLang="en-US" sz="1200" dirty="0" err="1"/>
+              <a:t>되기전</a:t>
+            </a:r>
+            <a:r>
+              <a:rPr lang="ko-KR" altLang="en-US" sz="1200" dirty="0"/>
+              <a:t> </a:t>
+            </a:r>
+            <a:r>
+              <a:rPr lang="ko-KR" altLang="en-US" sz="1200" dirty="0" err="1"/>
+              <a:t>콤보수를</a:t>
+            </a:r>
+            <a:r>
+              <a:rPr lang="ko-KR" altLang="en-US" sz="1200" dirty="0"/>
+              <a:t> 가지고 점수를 기록한다</a:t>
+            </a:r>
+            <a:r>
+              <a:rPr lang="en-US" altLang="ko-KR" sz="1200" dirty="0"/>
+              <a:t>. </a:t>
+            </a:r>
+            <a:r>
+              <a:rPr lang="ko-KR" altLang="en-US" sz="1200" dirty="0"/>
+              <a:t>점수는 소수점 첫째 자리까지 기록한다</a:t>
+            </a:r>
+            <a:r>
+              <a:rPr lang="en-US" altLang="ko-KR" sz="1200" dirty="0"/>
+              <a:t>.</a:t>
+            </a:r>
+            <a:r>
+              <a:rPr lang="ko-KR" altLang="en-US" sz="1200" dirty="0"/>
+              <a:t> </a:t>
+            </a:r>
+            <a:endParaRPr lang="en-US" altLang="ko-KR" sz="1200" dirty="0"/>
+          </a:p>
+          <a:p>
+            <a:pPr marL="171450" indent="-171450" algn="l" defTabSz="540000">
+              <a:spcAft>
+                <a:spcPts val="600"/>
+              </a:spcAft>
+              <a:buFont typeface="Arial" panose="020B0604020202020204" pitchFamily="34" charset="0"/>
+              <a:buChar char="•"/>
+            </a:pPr>
+            <a:endParaRPr lang="en-US" altLang="ko-KR" sz="1200" dirty="0"/>
           </a:p>
         </p:txBody>
       </p:sp>
@@ -33143,8 +34395,642 @@
         </p:blipFill>
         <p:spPr>
           <a:xfrm>
-            <a:off x="709261" y="3530998"/>
+            <a:off x="709261" y="3798272"/>
             <a:ext cx="5037063" cy="2833348"/>
+          </a:xfrm>
+          <a:prstGeom prst="rect">
+            <a:avLst/>
+          </a:prstGeom>
+        </p:spPr>
+      </p:pic>
+      <p:graphicFrame>
+        <p:nvGraphicFramePr>
+          <p:cNvPr id="2" name="표 1">
+            <a:extLst>
+              <a:ext uri="{FF2B5EF4-FFF2-40B4-BE49-F238E27FC236}">
+                <a16:creationId xmlns:a16="http://schemas.microsoft.com/office/drawing/2014/main" id="{2DDCDAB6-7C78-4390-81D5-9D53C23C413E}"/>
+              </a:ext>
+            </a:extLst>
+          </p:cNvPr>
+          <p:cNvGraphicFramePr>
+            <a:graphicFrameLocks noGrp="1"/>
+          </p:cNvGraphicFramePr>
+          <p:nvPr>
+            <p:extLst>
+              <p:ext uri="{D42A27DB-BD31-4B8C-83A1-F6EECF244321}">
+                <p14:modId xmlns:p14="http://schemas.microsoft.com/office/powerpoint/2010/main" val="3133917037"/>
+              </p:ext>
+            </p:extLst>
+          </p:nvPr>
+        </p:nvGraphicFramePr>
+        <p:xfrm>
+          <a:off x="7646244" y="3798272"/>
+          <a:ext cx="2873551" cy="2833350"/>
+        </p:xfrm>
+        <a:graphic>
+          <a:graphicData uri="http://schemas.openxmlformats.org/drawingml/2006/table">
+            <a:tbl>
+              <a:tblPr firstRow="1" bandRow="1">
+                <a:tableStyleId>{7DF18680-E054-41AD-8BC1-D1AEF772440D}</a:tableStyleId>
+              </a:tblPr>
+              <a:tblGrid>
+                <a:gridCol w="816998">
+                  <a:extLst>
+                    <a:ext uri="{9D8B030D-6E8A-4147-A177-3AD203B41FA5}">
+                      <a16:colId xmlns:a16="http://schemas.microsoft.com/office/drawing/2014/main" val="2609718321"/>
+                    </a:ext>
+                  </a:extLst>
+                </a:gridCol>
+                <a:gridCol w="908179">
+                  <a:extLst>
+                    <a:ext uri="{9D8B030D-6E8A-4147-A177-3AD203B41FA5}">
+                      <a16:colId xmlns:a16="http://schemas.microsoft.com/office/drawing/2014/main" val="1806240342"/>
+                    </a:ext>
+                  </a:extLst>
+                </a:gridCol>
+                <a:gridCol w="1148374">
+                  <a:extLst>
+                    <a:ext uri="{9D8B030D-6E8A-4147-A177-3AD203B41FA5}">
+                      <a16:colId xmlns:a16="http://schemas.microsoft.com/office/drawing/2014/main" val="1093096958"/>
+                    </a:ext>
+                  </a:extLst>
+                </a:gridCol>
+              </a:tblGrid>
+              <a:tr h="331171">
+                <a:tc>
+                  <a:txBody>
+                    <a:bodyPr/>
+                    <a:lstStyle/>
+                    <a:p>
+                      <a:pPr algn="ctr" latinLnBrk="1"/>
+                      <a:r>
+                        <a:rPr lang="ko-KR" altLang="en-US" sz="1200" dirty="0" err="1"/>
+                        <a:t>콤보수</a:t>
+                      </a:r>
+                      <a:endParaRPr lang="ko-KR" altLang="en-US" sz="1200" dirty="0"/>
+                    </a:p>
+                  </a:txBody>
+                  <a:tcPr anchor="ctr"/>
+                </a:tc>
+                <a:tc>
+                  <a:txBody>
+                    <a:bodyPr/>
+                    <a:lstStyle/>
+                    <a:p>
+                      <a:pPr algn="ctr" latinLnBrk="1"/>
+                      <a:r>
+                        <a:rPr lang="ko-KR" altLang="en-US" sz="1200" dirty="0"/>
+                        <a:t>콤보 계수</a:t>
+                      </a:r>
+                    </a:p>
+                  </a:txBody>
+                  <a:tcPr anchor="ctr"/>
+                </a:tc>
+                <a:tc>
+                  <a:txBody>
+                    <a:bodyPr/>
+                    <a:lstStyle/>
+                    <a:p>
+                      <a:pPr algn="ctr" latinLnBrk="1"/>
+                      <a:r>
+                        <a:rPr lang="ko-KR" altLang="en-US" sz="1200" dirty="0"/>
+                        <a:t>예시</a:t>
+                      </a:r>
+                    </a:p>
+                  </a:txBody>
+                  <a:tcPr anchor="ctr"/>
+                </a:tc>
+                <a:extLst>
+                  <a:ext uri="{0D108BD9-81ED-4DB2-BD59-A6C34878D82A}">
+                    <a16:rowId xmlns:a16="http://schemas.microsoft.com/office/drawing/2014/main" val="1030043679"/>
+                  </a:ext>
+                </a:extLst>
+              </a:tr>
+              <a:tr h="294374">
+                <a:tc>
+                  <a:txBody>
+                    <a:bodyPr/>
+                    <a:lstStyle/>
+                    <a:p>
+                      <a:pPr algn="ctr" latinLnBrk="1"/>
+                      <a:r>
+                        <a:rPr lang="en-US" altLang="ko-KR" sz="1000" dirty="0"/>
+                        <a:t>1~10</a:t>
+                      </a:r>
+                      <a:endParaRPr lang="ko-KR" altLang="en-US" sz="1000" dirty="0"/>
+                    </a:p>
+                  </a:txBody>
+                  <a:tcPr anchor="ctr"/>
+                </a:tc>
+                <a:tc>
+                  <a:txBody>
+                    <a:bodyPr/>
+                    <a:lstStyle/>
+                    <a:p>
+                      <a:pPr algn="ctr" latinLnBrk="1"/>
+                      <a:r>
+                        <a:rPr lang="en-US" altLang="ko-KR" sz="1000" dirty="0"/>
+                        <a:t>1</a:t>
+                      </a:r>
+                      <a:endParaRPr lang="ko-KR" altLang="en-US" sz="1000" dirty="0"/>
+                    </a:p>
+                  </a:txBody>
+                  <a:tcPr anchor="ctr"/>
+                </a:tc>
+                <a:tc>
+                  <a:txBody>
+                    <a:bodyPr/>
+                    <a:lstStyle/>
+                    <a:p>
+                      <a:pPr algn="ctr" latinLnBrk="1"/>
+                      <a:r>
+                        <a:rPr lang="en-US" altLang="ko-KR" sz="1000" dirty="0"/>
+                        <a:t>5x1 =5</a:t>
+                      </a:r>
+                      <a:endParaRPr lang="ko-KR" altLang="en-US" sz="1000" dirty="0"/>
+                    </a:p>
+                  </a:txBody>
+                  <a:tcPr anchor="ctr"/>
+                </a:tc>
+                <a:extLst>
+                  <a:ext uri="{0D108BD9-81ED-4DB2-BD59-A6C34878D82A}">
+                    <a16:rowId xmlns:a16="http://schemas.microsoft.com/office/drawing/2014/main" val="1571209726"/>
+                  </a:ext>
+                </a:extLst>
+              </a:tr>
+              <a:tr h="294374">
+                <a:tc>
+                  <a:txBody>
+                    <a:bodyPr/>
+                    <a:lstStyle/>
+                    <a:p>
+                      <a:pPr marL="0" marR="0" lvl="0" indent="0" algn="ctr" defTabSz="914400" rtl="0" eaLnBrk="1" fontAlgn="auto" latinLnBrk="1" hangingPunct="1">
+                        <a:lnSpc>
+                          <a:spcPct val="100000"/>
+                        </a:lnSpc>
+                        <a:spcBef>
+                          <a:spcPts val="0"/>
+                        </a:spcBef>
+                        <a:spcAft>
+                          <a:spcPts val="0"/>
+                        </a:spcAft>
+                        <a:buClrTx/>
+                        <a:buSzTx/>
+                        <a:buFontTx/>
+                        <a:buNone/>
+                        <a:tabLst/>
+                        <a:defRPr/>
+                      </a:pPr>
+                      <a:r>
+                        <a:rPr lang="en-US" altLang="ko-KR" sz="1000" dirty="0"/>
+                        <a:t>11~20</a:t>
+                      </a:r>
+                      <a:endParaRPr lang="ko-KR" altLang="en-US" sz="1000" dirty="0"/>
+                    </a:p>
+                  </a:txBody>
+                  <a:tcPr anchor="ctr"/>
+                </a:tc>
+                <a:tc>
+                  <a:txBody>
+                    <a:bodyPr/>
+                    <a:lstStyle/>
+                    <a:p>
+                      <a:pPr algn="ctr" latinLnBrk="1"/>
+                      <a:r>
+                        <a:rPr lang="en-US" altLang="ko-KR" sz="1000" dirty="0"/>
+                        <a:t>1.1</a:t>
+                      </a:r>
+                      <a:endParaRPr lang="ko-KR" altLang="en-US" sz="1000" dirty="0"/>
+                    </a:p>
+                  </a:txBody>
+                  <a:tcPr anchor="ctr"/>
+                </a:tc>
+                <a:tc>
+                  <a:txBody>
+                    <a:bodyPr/>
+                    <a:lstStyle/>
+                    <a:p>
+                      <a:pPr algn="ctr" latinLnBrk="1"/>
+                      <a:r>
+                        <a:rPr lang="en-US" altLang="ko-KR" sz="1000" dirty="0"/>
+                        <a:t>12x1.1 =13.2</a:t>
+                      </a:r>
+                    </a:p>
+                  </a:txBody>
+                  <a:tcPr anchor="ctr"/>
+                </a:tc>
+                <a:extLst>
+                  <a:ext uri="{0D108BD9-81ED-4DB2-BD59-A6C34878D82A}">
+                    <a16:rowId xmlns:a16="http://schemas.microsoft.com/office/drawing/2014/main" val="1127776374"/>
+                  </a:ext>
+                </a:extLst>
+              </a:tr>
+              <a:tr h="294374">
+                <a:tc>
+                  <a:txBody>
+                    <a:bodyPr/>
+                    <a:lstStyle/>
+                    <a:p>
+                      <a:pPr algn="ctr" latinLnBrk="1"/>
+                      <a:r>
+                        <a:rPr lang="en-US" altLang="ko-KR" sz="1000" dirty="0"/>
+                        <a:t>21~30</a:t>
+                      </a:r>
+                      <a:endParaRPr lang="ko-KR" altLang="en-US" sz="1000" dirty="0"/>
+                    </a:p>
+                  </a:txBody>
+                  <a:tcPr anchor="ctr"/>
+                </a:tc>
+                <a:tc>
+                  <a:txBody>
+                    <a:bodyPr/>
+                    <a:lstStyle/>
+                    <a:p>
+                      <a:pPr algn="ctr" latinLnBrk="1"/>
+                      <a:r>
+                        <a:rPr lang="en-US" altLang="ko-KR" sz="1000" dirty="0"/>
+                        <a:t>1.2</a:t>
+                      </a:r>
+                      <a:endParaRPr lang="ko-KR" altLang="en-US" sz="1000" dirty="0"/>
+                    </a:p>
+                  </a:txBody>
+                  <a:tcPr anchor="ctr"/>
+                </a:tc>
+                <a:tc>
+                  <a:txBody>
+                    <a:bodyPr/>
+                    <a:lstStyle/>
+                    <a:p>
+                      <a:pPr algn="ctr" latinLnBrk="1"/>
+                      <a:r>
+                        <a:rPr lang="en-US" altLang="ko-KR" sz="1000" dirty="0"/>
+                        <a:t>30x1.2 = 36</a:t>
+                      </a:r>
+                      <a:endParaRPr lang="ko-KR" altLang="en-US" sz="1000" dirty="0"/>
+                    </a:p>
+                  </a:txBody>
+                  <a:tcPr anchor="ctr"/>
+                </a:tc>
+                <a:extLst>
+                  <a:ext uri="{0D108BD9-81ED-4DB2-BD59-A6C34878D82A}">
+                    <a16:rowId xmlns:a16="http://schemas.microsoft.com/office/drawing/2014/main" val="1106619967"/>
+                  </a:ext>
+                </a:extLst>
+              </a:tr>
+              <a:tr h="441561">
+                <a:tc>
+                  <a:txBody>
+                    <a:bodyPr/>
+                    <a:lstStyle/>
+                    <a:p>
+                      <a:pPr algn="ctr" latinLnBrk="1"/>
+                      <a:r>
+                        <a:rPr lang="en-US" altLang="ko-KR" sz="1000" dirty="0">
+                          <a:highlight>
+                            <a:srgbClr val="00FFFF"/>
+                          </a:highlight>
+                        </a:rPr>
+                        <a:t>31~40</a:t>
+                      </a:r>
+                      <a:endParaRPr lang="ko-KR" altLang="en-US" sz="1000" dirty="0">
+                        <a:highlight>
+                          <a:srgbClr val="00FFFF"/>
+                        </a:highlight>
+                      </a:endParaRPr>
+                    </a:p>
+                  </a:txBody>
+                  <a:tcPr anchor="ctr"/>
+                </a:tc>
+                <a:tc>
+                  <a:txBody>
+                    <a:bodyPr/>
+                    <a:lstStyle/>
+                    <a:p>
+                      <a:pPr marL="0" marR="0" lvl="0" indent="0" algn="ctr" defTabSz="914400" rtl="0" eaLnBrk="1" fontAlgn="auto" latinLnBrk="1" hangingPunct="1">
+                        <a:lnSpc>
+                          <a:spcPct val="100000"/>
+                        </a:lnSpc>
+                        <a:spcBef>
+                          <a:spcPts val="0"/>
+                        </a:spcBef>
+                        <a:spcAft>
+                          <a:spcPts val="0"/>
+                        </a:spcAft>
+                        <a:buClrTx/>
+                        <a:buSzTx/>
+                        <a:buFontTx/>
+                        <a:buNone/>
+                        <a:tabLst/>
+                        <a:defRPr/>
+                      </a:pPr>
+                      <a:r>
+                        <a:rPr lang="en-US" altLang="ko-KR" sz="1000" dirty="0"/>
+                        <a:t>1.3</a:t>
+                      </a:r>
+                      <a:endParaRPr lang="ko-KR" altLang="en-US" sz="1000" dirty="0"/>
+                    </a:p>
+                  </a:txBody>
+                  <a:tcPr anchor="ctr"/>
+                </a:tc>
+                <a:tc>
+                  <a:txBody>
+                    <a:bodyPr/>
+                    <a:lstStyle/>
+                    <a:p>
+                      <a:pPr marL="0" marR="0" lvl="0" indent="0" algn="ctr" defTabSz="914400" rtl="0" eaLnBrk="1" fontAlgn="auto" latinLnBrk="1" hangingPunct="1">
+                        <a:lnSpc>
+                          <a:spcPct val="100000"/>
+                        </a:lnSpc>
+                        <a:spcBef>
+                          <a:spcPts val="0"/>
+                        </a:spcBef>
+                        <a:spcAft>
+                          <a:spcPts val="0"/>
+                        </a:spcAft>
+                        <a:buClrTx/>
+                        <a:buSzTx/>
+                        <a:buFontTx/>
+                        <a:buNone/>
+                        <a:tabLst/>
+                        <a:defRPr/>
+                      </a:pPr>
+                      <a:r>
+                        <a:rPr lang="en-US" altLang="ko-KR" sz="1000" dirty="0"/>
+                        <a:t>40x1.3= 52</a:t>
+                      </a:r>
+                      <a:endParaRPr lang="ko-KR" altLang="en-US" sz="1000" dirty="0"/>
+                    </a:p>
+                  </a:txBody>
+                  <a:tcPr anchor="ctr"/>
+                </a:tc>
+                <a:extLst>
+                  <a:ext uri="{0D108BD9-81ED-4DB2-BD59-A6C34878D82A}">
+                    <a16:rowId xmlns:a16="http://schemas.microsoft.com/office/drawing/2014/main" val="2776667099"/>
+                  </a:ext>
+                </a:extLst>
+              </a:tr>
+              <a:tr h="294374">
+                <a:tc>
+                  <a:txBody>
+                    <a:bodyPr/>
+                    <a:lstStyle/>
+                    <a:p>
+                      <a:pPr marL="0" marR="0" lvl="0" indent="0" algn="ctr" defTabSz="914400" rtl="0" eaLnBrk="1" fontAlgn="auto" latinLnBrk="1" hangingPunct="1">
+                        <a:lnSpc>
+                          <a:spcPct val="100000"/>
+                        </a:lnSpc>
+                        <a:spcBef>
+                          <a:spcPts val="0"/>
+                        </a:spcBef>
+                        <a:spcAft>
+                          <a:spcPts val="0"/>
+                        </a:spcAft>
+                        <a:buClrTx/>
+                        <a:buSzTx/>
+                        <a:buFontTx/>
+                        <a:buNone/>
+                        <a:tabLst/>
+                        <a:defRPr/>
+                      </a:pPr>
+                      <a:r>
+                        <a:rPr lang="en-US" altLang="ko-KR" sz="1000" dirty="0"/>
+                        <a:t>41~50</a:t>
+                      </a:r>
+                      <a:endParaRPr lang="ko-KR" altLang="en-US" sz="1000" dirty="0"/>
+                    </a:p>
+                  </a:txBody>
+                  <a:tcPr anchor="ctr"/>
+                </a:tc>
+                <a:tc>
+                  <a:txBody>
+                    <a:bodyPr/>
+                    <a:lstStyle/>
+                    <a:p>
+                      <a:pPr algn="ctr" latinLnBrk="1"/>
+                      <a:r>
+                        <a:rPr lang="en-US" altLang="ko-KR" sz="1000" dirty="0"/>
+                        <a:t>1.4</a:t>
+                      </a:r>
+                      <a:endParaRPr lang="ko-KR" altLang="en-US" sz="1000" dirty="0"/>
+                    </a:p>
+                  </a:txBody>
+                  <a:tcPr anchor="ctr"/>
+                </a:tc>
+                <a:tc>
+                  <a:txBody>
+                    <a:bodyPr/>
+                    <a:lstStyle/>
+                    <a:p>
+                      <a:pPr algn="ctr" latinLnBrk="1"/>
+                      <a:r>
+                        <a:rPr lang="en-US" altLang="ko-KR" sz="1000" dirty="0"/>
+                        <a:t>50x1.4= 70</a:t>
+                      </a:r>
+                      <a:endParaRPr lang="ko-KR" altLang="en-US" sz="1000" dirty="0"/>
+                    </a:p>
+                  </a:txBody>
+                  <a:tcPr anchor="ctr"/>
+                </a:tc>
+                <a:extLst>
+                  <a:ext uri="{0D108BD9-81ED-4DB2-BD59-A6C34878D82A}">
+                    <a16:rowId xmlns:a16="http://schemas.microsoft.com/office/drawing/2014/main" val="2670889160"/>
+                  </a:ext>
+                </a:extLst>
+              </a:tr>
+              <a:tr h="441561">
+                <a:tc>
+                  <a:txBody>
+                    <a:bodyPr/>
+                    <a:lstStyle/>
+                    <a:p>
+                      <a:pPr algn="ctr" latinLnBrk="1"/>
+                      <a:r>
+                        <a:rPr lang="en-US" altLang="ko-KR" sz="1000" dirty="0"/>
+                        <a:t>51~60</a:t>
+                      </a:r>
+                    </a:p>
+                  </a:txBody>
+                  <a:tcPr anchor="ctr"/>
+                </a:tc>
+                <a:tc>
+                  <a:txBody>
+                    <a:bodyPr/>
+                    <a:lstStyle/>
+                    <a:p>
+                      <a:pPr marL="0" marR="0" lvl="0" indent="0" algn="ctr" defTabSz="914400" rtl="0" eaLnBrk="1" fontAlgn="auto" latinLnBrk="1" hangingPunct="1">
+                        <a:lnSpc>
+                          <a:spcPct val="100000"/>
+                        </a:lnSpc>
+                        <a:spcBef>
+                          <a:spcPts val="0"/>
+                        </a:spcBef>
+                        <a:spcAft>
+                          <a:spcPts val="0"/>
+                        </a:spcAft>
+                        <a:buClrTx/>
+                        <a:buSzTx/>
+                        <a:buFontTx/>
+                        <a:buNone/>
+                        <a:tabLst/>
+                        <a:defRPr/>
+                      </a:pPr>
+                      <a:r>
+                        <a:rPr lang="en-US" altLang="ko-KR" sz="1000" dirty="0"/>
+                        <a:t>1.5</a:t>
+                      </a:r>
+                      <a:endParaRPr lang="ko-KR" altLang="en-US" sz="1000" dirty="0"/>
+                    </a:p>
+                  </a:txBody>
+                  <a:tcPr anchor="ctr"/>
+                </a:tc>
+                <a:tc>
+                  <a:txBody>
+                    <a:bodyPr/>
+                    <a:lstStyle/>
+                    <a:p>
+                      <a:pPr marL="0" marR="0" lvl="0" indent="0" algn="ctr" defTabSz="914400" rtl="0" eaLnBrk="1" fontAlgn="auto" latinLnBrk="1" hangingPunct="1">
+                        <a:lnSpc>
+                          <a:spcPct val="100000"/>
+                        </a:lnSpc>
+                        <a:spcBef>
+                          <a:spcPts val="0"/>
+                        </a:spcBef>
+                        <a:spcAft>
+                          <a:spcPts val="0"/>
+                        </a:spcAft>
+                        <a:buClrTx/>
+                        <a:buSzTx/>
+                        <a:buFontTx/>
+                        <a:buNone/>
+                        <a:tabLst/>
+                        <a:defRPr/>
+                      </a:pPr>
+                      <a:r>
+                        <a:rPr lang="en-US" altLang="ko-KR" sz="1000" dirty="0"/>
+                        <a:t>60x1.5= 90</a:t>
+                      </a:r>
+                      <a:endParaRPr lang="ko-KR" altLang="en-US" sz="1000" dirty="0"/>
+                    </a:p>
+                  </a:txBody>
+                  <a:tcPr anchor="ctr"/>
+                </a:tc>
+                <a:extLst>
+                  <a:ext uri="{0D108BD9-81ED-4DB2-BD59-A6C34878D82A}">
+                    <a16:rowId xmlns:a16="http://schemas.microsoft.com/office/drawing/2014/main" val="3077181478"/>
+                  </a:ext>
+                </a:extLst>
+              </a:tr>
+              <a:tr h="441561">
+                <a:tc>
+                  <a:txBody>
+                    <a:bodyPr/>
+                    <a:lstStyle/>
+                    <a:p>
+                      <a:pPr algn="ctr" latinLnBrk="1"/>
+                      <a:r>
+                        <a:rPr lang="en-US" altLang="ko-KR" sz="1000" dirty="0"/>
+                        <a:t>61~70</a:t>
+                      </a:r>
+                    </a:p>
+                  </a:txBody>
+                  <a:tcPr anchor="ctr"/>
+                </a:tc>
+                <a:tc>
+                  <a:txBody>
+                    <a:bodyPr/>
+                    <a:lstStyle/>
+                    <a:p>
+                      <a:pPr marL="0" marR="0" lvl="0" indent="0" algn="ctr" defTabSz="914400" rtl="0" eaLnBrk="1" fontAlgn="auto" latinLnBrk="1" hangingPunct="1">
+                        <a:lnSpc>
+                          <a:spcPct val="100000"/>
+                        </a:lnSpc>
+                        <a:spcBef>
+                          <a:spcPts val="0"/>
+                        </a:spcBef>
+                        <a:spcAft>
+                          <a:spcPts val="0"/>
+                        </a:spcAft>
+                        <a:buClrTx/>
+                        <a:buSzTx/>
+                        <a:buFontTx/>
+                        <a:buNone/>
+                        <a:tabLst/>
+                        <a:defRPr/>
+                      </a:pPr>
+                      <a:r>
+                        <a:rPr lang="en-US" altLang="ko-KR" sz="1000" dirty="0"/>
+                        <a:t>1.6</a:t>
+                      </a:r>
+                      <a:endParaRPr lang="ko-KR" altLang="en-US" sz="1000" dirty="0"/>
+                    </a:p>
+                  </a:txBody>
+                  <a:tcPr anchor="ctr"/>
+                </a:tc>
+                <a:tc>
+                  <a:txBody>
+                    <a:bodyPr/>
+                    <a:lstStyle/>
+                    <a:p>
+                      <a:pPr marL="0" marR="0" lvl="0" indent="0" algn="ctr" defTabSz="914400" rtl="0" eaLnBrk="1" fontAlgn="auto" latinLnBrk="1" hangingPunct="1">
+                        <a:lnSpc>
+                          <a:spcPct val="100000"/>
+                        </a:lnSpc>
+                        <a:spcBef>
+                          <a:spcPts val="0"/>
+                        </a:spcBef>
+                        <a:spcAft>
+                          <a:spcPts val="0"/>
+                        </a:spcAft>
+                        <a:buClrTx/>
+                        <a:buSzTx/>
+                        <a:buFontTx/>
+                        <a:buNone/>
+                        <a:tabLst/>
+                        <a:defRPr/>
+                      </a:pPr>
+                      <a:r>
+                        <a:rPr lang="en-US" altLang="ko-KR" sz="1000" dirty="0"/>
+                        <a:t>70x1.6= 112</a:t>
+                      </a:r>
+                      <a:endParaRPr lang="ko-KR" altLang="en-US" sz="1000" dirty="0"/>
+                    </a:p>
+                  </a:txBody>
+                  <a:tcPr anchor="ctr"/>
+                </a:tc>
+                <a:extLst>
+                  <a:ext uri="{0D108BD9-81ED-4DB2-BD59-A6C34878D82A}">
+                    <a16:rowId xmlns:a16="http://schemas.microsoft.com/office/drawing/2014/main" val="1938461596"/>
+                  </a:ext>
+                </a:extLst>
+              </a:tr>
+            </a:tbl>
+          </a:graphicData>
+        </a:graphic>
+      </p:graphicFrame>
+      <p:pic>
+        <p:nvPicPr>
+          <p:cNvPr id="4" name="그림 3">
+            <a:extLst>
+              <a:ext uri="{FF2B5EF4-FFF2-40B4-BE49-F238E27FC236}">
+                <a16:creationId xmlns:a16="http://schemas.microsoft.com/office/drawing/2014/main" id="{9FEA0458-EB8B-407F-944C-6DC944A2CA57}"/>
+              </a:ext>
+            </a:extLst>
+          </p:cNvPr>
+          <p:cNvPicPr>
+            <a:picLocks noChangeAspect="1"/>
+          </p:cNvPicPr>
+          <p:nvPr/>
+        </p:nvPicPr>
+        <p:blipFill>
+          <a:blip r:embed="rId3"/>
+          <a:stretch>
+            <a:fillRect/>
+          </a:stretch>
+        </p:blipFill>
+        <p:spPr>
+          <a:xfrm>
+            <a:off x="5197014" y="6208286"/>
+            <a:ext cx="454229" cy="330626"/>
           </a:xfrm>
           <a:prstGeom prst="rect">
             <a:avLst/>
